--- a/trunk/EasiCab/Documents/EASiCab_POC_kick off.pptx
+++ b/trunk/EasiCab/Documents/EASiCab_POC_kick off.pptx
@@ -5,10 +5,10 @@
     <p:sldMasterId id="2147483648" r:id="rId1"/>
   </p:sldMasterIdLst>
   <p:notesMasterIdLst>
-    <p:notesMasterId r:id="rId23"/>
+    <p:notesMasterId r:id="rId24"/>
   </p:notesMasterIdLst>
   <p:handoutMasterIdLst>
-    <p:handoutMasterId r:id="rId24"/>
+    <p:handoutMasterId r:id="rId25"/>
   </p:handoutMasterIdLst>
   <p:sldIdLst>
     <p:sldId id="259" r:id="rId2"/>
@@ -31,7 +31,8 @@
     <p:sldId id="286" r:id="rId19"/>
     <p:sldId id="287" r:id="rId20"/>
     <p:sldId id="288" r:id="rId21"/>
-    <p:sldId id="268" r:id="rId22"/>
+    <p:sldId id="290" r:id="rId22"/>
+    <p:sldId id="268" r:id="rId23"/>
   </p:sldIdLst>
   <p:sldSz cx="9144000" cy="6858000" type="screen4x3"/>
   <p:notesSz cx="6858000" cy="9144000"/>
@@ -132,7 +133,7 @@
   </p:defaultTextStyle>
   <p:extLst>
     <p:ext uri="{EFAFB233-063F-42B5-8137-9DF3F51BA10A}">
-      <p15:sldGuideLst xmlns="" xmlns:p15="http://schemas.microsoft.com/office/powerpoint/2012/main">
+      <p15:sldGuideLst xmlns:p15="http://schemas.microsoft.com/office/powerpoint/2012/main" xmlns="">
         <p15:guide id="1" orient="horz" pos="2592" userDrawn="1">
           <p15:clr>
             <a:srgbClr val="A4A3A4"/>
@@ -241,7 +242,7 @@
           <a:p>
             <a:fld id="{10547AE1-0D1D-3A4D-8566-358FA96FF472}" type="datetimeFigureOut">
               <a:rPr lang="en-US" smtClean="0"/>
-              <a:t>7/28/2016</a:t>
+              <a:t>7/29/2016</a:t>
             </a:fld>
             <a:endParaRPr lang="en-US"/>
           </a:p>
@@ -407,7 +408,7 @@
           <a:p>
             <a:fld id="{555608FB-558C-E448-AAE5-74BFB92C58FE}" type="datetimeFigureOut">
               <a:rPr lang="en-US" smtClean="0"/>
-              <a:t>7/28/2016</a:t>
+              <a:t>7/29/2016</a:t>
             </a:fld>
             <a:endParaRPr lang="en-US"/>
           </a:p>
@@ -7656,7 +7657,11 @@
           <a:p>
             <a:r>
               <a:rPr lang="en-US" dirty="0" smtClean="0"/>
-              <a:t>PRESENTED Internally</a:t>
+              <a:t>PRESENTED </a:t>
+            </a:r>
+            <a:r>
+              <a:rPr lang="en-US" dirty="0" smtClean="0"/>
+              <a:t>In house</a:t>
             </a:r>
             <a:endParaRPr lang="en-US" dirty="0"/>
           </a:p>
@@ -7769,12 +7774,14 @@
           <a:lstStyle/>
           <a:p>
             <a:r>
-              <a:rPr lang="en-US" sz="1200" dirty="0">
-                <a:latin typeface="Century Gothic" pitchFamily="34" charset="0"/>
+              <a:rPr lang="en-US" sz="2000" dirty="0">
+                <a:latin typeface="+mn-lt"/>
               </a:rPr>
               <a:t>Customer Supplied Material</a:t>
             </a:r>
-            <a:endParaRPr lang="en-IN" dirty="0"/>
+            <a:endParaRPr lang="en-IN" sz="2000" dirty="0">
+              <a:latin typeface="+mn-lt"/>
+            </a:endParaRPr>
           </a:p>
         </p:txBody>
       </p:sp>
@@ -8064,12 +8071,17 @@
           <a:lstStyle/>
           <a:p>
             <a:r>
-              <a:rPr lang="en-IN" sz="1600" dirty="0">
-                <a:latin typeface="Century Gothic" pitchFamily="34" charset="0"/>
-              </a:rPr>
-              <a:t>Project Execution Approach</a:t>
-            </a:r>
-            <a:endParaRPr lang="en-IN" dirty="0"/>
+              <a:rPr lang="en-IN" sz="2000" dirty="0">
+                <a:latin typeface="+mn-lt"/>
+              </a:rPr>
+              <a:t>Project</a:t>
+            </a:r>
+            <a:r>
+              <a:rPr lang="en-IN" sz="2000" dirty="0">
+                <a:latin typeface="+mn-lt"/>
+              </a:rPr>
+              <a:t> Execution Approach</a:t>
+            </a:r>
           </a:p>
         </p:txBody>
       </p:sp>
@@ -9419,81 +9431,6 @@
       </p:grpSp>
       <p:sp>
         <p:nvSpPr>
-          <p:cNvPr id="16" name="TextBox 15"/>
-          <p:cNvSpPr txBox="1"/>
-          <p:nvPr/>
-        </p:nvSpPr>
-        <p:spPr>
-          <a:xfrm>
-            <a:off x="359478" y="5924490"/>
-            <a:ext cx="2015231" cy="632481"/>
-          </a:xfrm>
-          <a:prstGeom prst="rect">
-            <a:avLst/>
-          </a:prstGeom>
-          <a:noFill/>
-        </p:spPr>
-        <p:txBody>
-          <a:bodyPr wrap="square" rtlCol="0">
-            <a:spAutoFit/>
-          </a:bodyPr>
-          <a:lstStyle/>
-          <a:p>
-            <a:pPr marL="114300" lvl="2" indent="-57150" defTabSz="444500">
-              <a:lnSpc>
-                <a:spcPct val="90000"/>
-              </a:lnSpc>
-              <a:spcAft>
-                <a:spcPct val="15000"/>
-              </a:spcAft>
-              <a:buChar char="••"/>
-            </a:pPr>
-            <a:r>
-              <a:rPr lang="en-US" sz="1800" dirty="0">
-                <a:solidFill>
-                  <a:schemeClr val="tx1">
-                    <a:hueOff val="0"/>
-                    <a:satOff val="0"/>
-                    <a:lumOff val="0"/>
-                    <a:alphaOff val="0"/>
-                  </a:schemeClr>
-                </a:solidFill>
-                <a:latin typeface="Calibri" panose="020F0502020204030204" pitchFamily="34" charset="0"/>
-                <a:cs typeface="Calibri" panose="020F0502020204030204" pitchFamily="34" charset="0"/>
-              </a:rPr>
-              <a:t>Legend:</a:t>
-            </a:r>
-          </a:p>
-          <a:p>
-            <a:pPr marL="114300" lvl="2" indent="-57150" defTabSz="444500">
-              <a:lnSpc>
-                <a:spcPct val="90000"/>
-              </a:lnSpc>
-              <a:spcAft>
-                <a:spcPct val="15000"/>
-              </a:spcAft>
-              <a:buChar char="••"/>
-            </a:pPr>
-            <a:r>
-              <a:rPr lang="en-US" sz="1800" dirty="0">
-                <a:solidFill>
-                  <a:schemeClr val="tx1">
-                    <a:hueOff val="0"/>
-                    <a:satOff val="0"/>
-                    <a:lumOff val="0"/>
-                    <a:alphaOff val="0"/>
-                  </a:schemeClr>
-                </a:solidFill>
-                <a:latin typeface="Calibri" panose="020F0502020204030204" pitchFamily="34" charset="0"/>
-                <a:cs typeface="Calibri" panose="020F0502020204030204" pitchFamily="34" charset="0"/>
-              </a:rPr>
-              <a:t>EASi actions</a:t>
-            </a:r>
-          </a:p>
-        </p:txBody>
-      </p:sp>
-      <p:sp>
-        <p:nvSpPr>
           <p:cNvPr id="17" name="Freeform 16"/>
           <p:cNvSpPr/>
           <p:nvPr/>
@@ -9706,10 +9643,20 @@
           <a:lstStyle/>
           <a:p>
             <a:r>
-              <a:rPr lang="en-US" sz="1600" dirty="0"/>
-              <a:t>Project Plan</a:t>
-            </a:r>
-            <a:endParaRPr lang="en-IN" dirty="0"/>
+              <a:rPr lang="en-US" sz="2000" dirty="0">
+                <a:latin typeface="+mn-lt"/>
+              </a:rPr>
+              <a:t>Project</a:t>
+            </a:r>
+            <a:r>
+              <a:rPr lang="en-US" sz="2000" dirty="0">
+                <a:latin typeface="+mn-lt"/>
+              </a:rPr>
+              <a:t> Plan</a:t>
+            </a:r>
+            <a:endParaRPr lang="en-IN" sz="2000" dirty="0">
+              <a:latin typeface="+mn-lt"/>
+            </a:endParaRPr>
           </a:p>
         </p:txBody>
       </p:sp>
@@ -9722,14 +9669,14 @@
           <p:nvPr>
             <p:extLst>
               <p:ext uri="{D42A27DB-BD31-4B8C-83A1-F6EECF244321}">
-                <p14:modId xmlns:p14="http://schemas.microsoft.com/office/powerpoint/2010/main" val="3607623606"/>
+                <p14:modId xmlns:p14="http://schemas.microsoft.com/office/powerpoint/2010/main" val="1300945870"/>
               </p:ext>
             </p:extLst>
           </p:nvPr>
         </p:nvGraphicFramePr>
         <p:xfrm>
           <a:off x="846160" y="1537652"/>
-          <a:ext cx="7889542" cy="2549151"/>
+          <a:ext cx="7889542" cy="4155183"/>
         </p:xfrm>
         <a:graphic>
           <a:graphicData uri="http://schemas.openxmlformats.org/drawingml/2006/table">
@@ -9756,18 +9703,18 @@
                         </a:spcAft>
                       </a:pPr>
                       <a:r>
-                        <a:rPr lang="en-US" sz="2400" dirty="0">
+                        <a:rPr lang="en-US" sz="2200" dirty="0">
                           <a:effectLst/>
-                          <a:latin typeface="Arial" panose="020B0604020202020204" pitchFamily="34" charset="0"/>
-                          <a:cs typeface="Arial" panose="020B0604020202020204" pitchFamily="34" charset="0"/>
+                          <a:latin typeface="Calibri" panose="020F0502020204030204" pitchFamily="34" charset="0"/>
+                          <a:cs typeface="Calibri" panose="020F0502020204030204" pitchFamily="34" charset="0"/>
                         </a:rPr>
                         <a:t>Milestone</a:t>
                       </a:r>
-                      <a:endParaRPr lang="en-IN" sz="2400" dirty="0">
+                      <a:endParaRPr lang="en-IN" sz="2200" dirty="0">
                         <a:effectLst/>
-                        <a:latin typeface="Arial" panose="020B0604020202020204" pitchFamily="34" charset="0"/>
+                        <a:latin typeface="Calibri" panose="020F0502020204030204" pitchFamily="34" charset="0"/>
                         <a:ea typeface="Times New Roman"/>
-                        <a:cs typeface="Arial" panose="020B0604020202020204" pitchFamily="34" charset="0"/>
+                        <a:cs typeface="Calibri" panose="020F0502020204030204" pitchFamily="34" charset="0"/>
                       </a:endParaRPr>
                     </a:p>
                   </a:txBody>
@@ -9787,25 +9734,25 @@
                         </a:spcAft>
                       </a:pPr>
                       <a:r>
-                        <a:rPr lang="en-US" sz="2400" b="1" kern="1200" dirty="0">
+                        <a:rPr lang="en-US" sz="2200" b="1" kern="1200" dirty="0">
                           <a:solidFill>
                             <a:schemeClr val="lt1"/>
                           </a:solidFill>
                           <a:effectLst/>
-                          <a:latin typeface="Arial" panose="020B0604020202020204" pitchFamily="34" charset="0"/>
+                          <a:latin typeface="Calibri" panose="020F0502020204030204" pitchFamily="34" charset="0"/>
                           <a:ea typeface="+mn-ea"/>
-                          <a:cs typeface="Arial" panose="020B0604020202020204" pitchFamily="34" charset="0"/>
+                          <a:cs typeface="Calibri" panose="020F0502020204030204" pitchFamily="34" charset="0"/>
                         </a:rPr>
                         <a:t>Date</a:t>
                       </a:r>
-                      <a:endParaRPr lang="en-IN" sz="2400" b="1" kern="1200" dirty="0">
+                      <a:endParaRPr lang="en-IN" sz="2200" b="1" kern="1200" dirty="0">
                         <a:solidFill>
                           <a:schemeClr val="lt1"/>
                         </a:solidFill>
                         <a:effectLst/>
-                        <a:latin typeface="Arial" panose="020B0604020202020204" pitchFamily="34" charset="0"/>
+                        <a:latin typeface="Calibri" panose="020F0502020204030204" pitchFamily="34" charset="0"/>
                         <a:ea typeface="+mn-ea"/>
-                        <a:cs typeface="Arial" panose="020B0604020202020204" pitchFamily="34" charset="0"/>
+                        <a:cs typeface="Calibri" panose="020F0502020204030204" pitchFamily="34" charset="0"/>
                       </a:endParaRPr>
                     </a:p>
                   </a:txBody>
@@ -9832,9 +9779,9 @@
                             <a:schemeClr val="lt1"/>
                           </a:solidFill>
                           <a:effectLst/>
-                          <a:latin typeface="Arial" panose="020B0604020202020204" pitchFamily="34" charset="0"/>
+                          <a:latin typeface="Calibri" panose="020F0502020204030204" pitchFamily="34" charset="0"/>
                           <a:ea typeface="+mn-ea"/>
-                          <a:cs typeface="Arial" panose="020B0604020202020204" pitchFamily="34" charset="0"/>
+                          <a:cs typeface="Calibri" panose="020F0502020204030204" pitchFamily="34" charset="0"/>
                         </a:rPr>
                         <a:t>Project Kick-off</a:t>
                       </a:r>
@@ -9843,9 +9790,9 @@
                           <a:schemeClr val="lt1"/>
                         </a:solidFill>
                         <a:effectLst/>
-                        <a:latin typeface="Arial" panose="020B0604020202020204" pitchFamily="34" charset="0"/>
+                        <a:latin typeface="Calibri" panose="020F0502020204030204" pitchFamily="34" charset="0"/>
                         <a:ea typeface="+mn-ea"/>
-                        <a:cs typeface="Arial" panose="020B0604020202020204" pitchFamily="34" charset="0"/>
+                        <a:cs typeface="Calibri" panose="020F0502020204030204" pitchFamily="34" charset="0"/>
                       </a:endParaRPr>
                     </a:p>
                   </a:txBody>
@@ -9864,14 +9811,26 @@
                           <a:spcPts val="0"/>
                         </a:spcAft>
                       </a:pPr>
+                      <a:r>
+                        <a:rPr lang="en-US" sz="1800" b="0" dirty="0" smtClean="0">
+                          <a:solidFill>
+                            <a:schemeClr val="tx1"/>
+                          </a:solidFill>
+                          <a:effectLst/>
+                          <a:latin typeface="Calibri" panose="020F0502020204030204" pitchFamily="34" charset="0"/>
+                          <a:ea typeface="Times New Roman"/>
+                          <a:cs typeface="Calibri" panose="020F0502020204030204" pitchFamily="34" charset="0"/>
+                        </a:rPr>
+                        <a:t>29-july-2016</a:t>
+                      </a:r>
                       <a:endParaRPr lang="en-IN" sz="1800" b="0" dirty="0">
                         <a:solidFill>
                           <a:schemeClr val="tx1"/>
                         </a:solidFill>
                         <a:effectLst/>
-                        <a:latin typeface="Arial" panose="020B0604020202020204" pitchFamily="34" charset="0"/>
+                        <a:latin typeface="Calibri" panose="020F0502020204030204" pitchFamily="34" charset="0"/>
                         <a:ea typeface="Times New Roman"/>
-                        <a:cs typeface="Arial" panose="020B0604020202020204" pitchFamily="34" charset="0"/>
+                        <a:cs typeface="Calibri" panose="020F0502020204030204" pitchFamily="34" charset="0"/>
                       </a:endParaRPr>
                     </a:p>
                   </a:txBody>
@@ -9898,9 +9857,9 @@
                             <a:schemeClr val="lt1"/>
                           </a:solidFill>
                           <a:effectLst/>
-                          <a:latin typeface="Arial" panose="020B0604020202020204" pitchFamily="34" charset="0"/>
+                          <a:latin typeface="Calibri" panose="020F0502020204030204" pitchFamily="34" charset="0"/>
                           <a:ea typeface="+mn-ea"/>
-                          <a:cs typeface="Arial" panose="020B0604020202020204" pitchFamily="34" charset="0"/>
+                          <a:cs typeface="Calibri" panose="020F0502020204030204" pitchFamily="34" charset="0"/>
                         </a:rPr>
                         <a:t>Project</a:t>
                       </a:r>
@@ -9910,9 +9869,9 @@
                             <a:schemeClr val="lt1"/>
                           </a:solidFill>
                           <a:effectLst/>
-                          <a:latin typeface="Arial" panose="020B0604020202020204" pitchFamily="34" charset="0"/>
+                          <a:latin typeface="Calibri" panose="020F0502020204030204" pitchFamily="34" charset="0"/>
                           <a:ea typeface="+mn-ea"/>
-                          <a:cs typeface="Arial" panose="020B0604020202020204" pitchFamily="34" charset="0"/>
+                          <a:cs typeface="Calibri" panose="020F0502020204030204" pitchFamily="34" charset="0"/>
                         </a:rPr>
                         <a:t> start date</a:t>
                       </a:r>
@@ -9921,9 +9880,9 @@
                           <a:schemeClr val="lt1"/>
                         </a:solidFill>
                         <a:effectLst/>
-                        <a:latin typeface="Arial" panose="020B0604020202020204" pitchFamily="34" charset="0"/>
+                        <a:latin typeface="Calibri" panose="020F0502020204030204" pitchFamily="34" charset="0"/>
                         <a:ea typeface="+mn-ea"/>
-                        <a:cs typeface="Arial" panose="020B0604020202020204" pitchFamily="34" charset="0"/>
+                        <a:cs typeface="Calibri" panose="020F0502020204030204" pitchFamily="34" charset="0"/>
                       </a:endParaRPr>
                     </a:p>
                   </a:txBody>
@@ -9942,11 +9901,20 @@
                           <a:spcPts val="0"/>
                         </a:spcAft>
                       </a:pPr>
+                      <a:r>
+                        <a:rPr lang="en-US" sz="1800" dirty="0" smtClean="0">
+                          <a:effectLst/>
+                          <a:latin typeface="Calibri" panose="020F0502020204030204" pitchFamily="34" charset="0"/>
+                          <a:ea typeface="Times New Roman"/>
+                          <a:cs typeface="Calibri" panose="020F0502020204030204" pitchFamily="34" charset="0"/>
+                        </a:rPr>
+                        <a:t>03-August-2016</a:t>
+                      </a:r>
                       <a:endParaRPr lang="en-IN" sz="1800" dirty="0">
                         <a:effectLst/>
-                        <a:latin typeface="Arial" panose="020B0604020202020204" pitchFamily="34" charset="0"/>
+                        <a:latin typeface="Calibri" panose="020F0502020204030204" pitchFamily="34" charset="0"/>
                         <a:ea typeface="Times New Roman"/>
-                        <a:cs typeface="Arial" panose="020B0604020202020204" pitchFamily="34" charset="0"/>
+                        <a:cs typeface="Calibri" panose="020F0502020204030204" pitchFamily="34" charset="0"/>
                       </a:endParaRPr>
                     </a:p>
                   </a:txBody>
@@ -9973,9 +9941,9 @@
                             <a:schemeClr val="lt1"/>
                           </a:solidFill>
                           <a:effectLst/>
-                          <a:latin typeface="Arial" panose="020B0604020202020204" pitchFamily="34" charset="0"/>
+                          <a:latin typeface="Calibri" panose="020F0502020204030204" pitchFamily="34" charset="0"/>
                           <a:ea typeface="+mn-ea"/>
-                          <a:cs typeface="Arial" panose="020B0604020202020204" pitchFamily="34" charset="0"/>
+                          <a:cs typeface="Calibri" panose="020F0502020204030204" pitchFamily="34" charset="0"/>
                         </a:rPr>
                         <a:t>Issues /Bug found</a:t>
                       </a:r>
@@ -9984,9 +9952,9 @@
                           <a:schemeClr val="lt1"/>
                         </a:solidFill>
                         <a:effectLst/>
-                        <a:latin typeface="Arial" panose="020B0604020202020204" pitchFamily="34" charset="0"/>
+                        <a:latin typeface="Calibri" panose="020F0502020204030204" pitchFamily="34" charset="0"/>
                         <a:ea typeface="+mn-ea"/>
-                        <a:cs typeface="Arial" panose="020B0604020202020204" pitchFamily="34" charset="0"/>
+                        <a:cs typeface="Calibri" panose="020F0502020204030204" pitchFamily="34" charset="0"/>
                       </a:endParaRPr>
                     </a:p>
                   </a:txBody>
@@ -9996,6 +9964,40 @@
                   <a:txBody>
                     <a:bodyPr/>
                     <a:lstStyle/>
+                    <a:p>
+                      <a:pPr marL="0" marR="0" indent="0" algn="ctr" defTabSz="408178" rtl="0" eaLnBrk="1" fontAlgn="auto" latinLnBrk="0" hangingPunct="1">
+                        <a:lnSpc>
+                          <a:spcPct val="115000"/>
+                        </a:lnSpc>
+                        <a:spcBef>
+                          <a:spcPts val="0"/>
+                        </a:spcBef>
+                        <a:spcAft>
+                          <a:spcPts val="0"/>
+                        </a:spcAft>
+                        <a:buClrTx/>
+                        <a:buSzTx/>
+                        <a:buFontTx/>
+                        <a:buNone/>
+                        <a:tabLst/>
+                        <a:defRPr/>
+                      </a:pPr>
+                      <a:r>
+                        <a:rPr lang="en-US" sz="1800" dirty="0" smtClean="0">
+                          <a:effectLst/>
+                          <a:latin typeface="Calibri" panose="020F0502020204030204" pitchFamily="34" charset="0"/>
+                          <a:ea typeface="Times New Roman"/>
+                          <a:cs typeface="Calibri" panose="020F0502020204030204" pitchFamily="34" charset="0"/>
+                        </a:rPr>
+                        <a:t>On-going through the project execution phase</a:t>
+                      </a:r>
+                      <a:endParaRPr lang="en-IN" sz="1800" dirty="0" smtClean="0">
+                        <a:effectLst/>
+                        <a:latin typeface="Calibri" panose="020F0502020204030204" pitchFamily="34" charset="0"/>
+                        <a:ea typeface="Times New Roman"/>
+                        <a:cs typeface="Calibri" panose="020F0502020204030204" pitchFamily="34" charset="0"/>
+                      </a:endParaRPr>
+                    </a:p>
                     <a:p>
                       <a:pPr algn="ctr">
                         <a:lnSpc>
@@ -10007,9 +10009,9 @@
                       </a:pPr>
                       <a:endParaRPr lang="en-IN" sz="1800" dirty="0">
                         <a:effectLst/>
-                        <a:latin typeface="Arial" panose="020B0604020202020204" pitchFamily="34" charset="0"/>
+                        <a:latin typeface="Calibri" panose="020F0502020204030204" pitchFamily="34" charset="0"/>
                         <a:ea typeface="Times New Roman"/>
-                        <a:cs typeface="Arial" panose="020B0604020202020204" pitchFamily="34" charset="0"/>
+                        <a:cs typeface="Calibri" panose="020F0502020204030204" pitchFamily="34" charset="0"/>
                       </a:endParaRPr>
                     </a:p>
                   </a:txBody>
@@ -10036,9 +10038,9 @@
                             <a:schemeClr val="lt1"/>
                           </a:solidFill>
                           <a:effectLst/>
-                          <a:latin typeface="Arial" panose="020B0604020202020204" pitchFamily="34" charset="0"/>
+                          <a:latin typeface="Calibri" panose="020F0502020204030204" pitchFamily="34" charset="0"/>
                           <a:ea typeface="+mn-ea"/>
-                          <a:cs typeface="Arial" panose="020B0604020202020204" pitchFamily="34" charset="0"/>
+                          <a:cs typeface="Calibri" panose="020F0502020204030204" pitchFamily="34" charset="0"/>
                         </a:rPr>
                         <a:t>SW Code review</a:t>
                       </a:r>
@@ -10048,9 +10050,9 @@
                             <a:schemeClr val="lt1"/>
                           </a:solidFill>
                           <a:effectLst/>
-                          <a:latin typeface="Arial" panose="020B0604020202020204" pitchFamily="34" charset="0"/>
+                          <a:latin typeface="Calibri" panose="020F0502020204030204" pitchFamily="34" charset="0"/>
                           <a:ea typeface="+mn-ea"/>
-                          <a:cs typeface="Arial" panose="020B0604020202020204" pitchFamily="34" charset="0"/>
+                          <a:cs typeface="Calibri" panose="020F0502020204030204" pitchFamily="34" charset="0"/>
                         </a:rPr>
                         <a:t> report</a:t>
                       </a:r>
@@ -10059,9 +10061,9 @@
                           <a:schemeClr val="lt1"/>
                         </a:solidFill>
                         <a:effectLst/>
-                        <a:latin typeface="Arial" panose="020B0604020202020204" pitchFamily="34" charset="0"/>
+                        <a:latin typeface="Calibri" panose="020F0502020204030204" pitchFamily="34" charset="0"/>
                         <a:ea typeface="+mn-ea"/>
-                        <a:cs typeface="Arial" panose="020B0604020202020204" pitchFamily="34" charset="0"/>
+                        <a:cs typeface="Calibri" panose="020F0502020204030204" pitchFamily="34" charset="0"/>
                       </a:endParaRPr>
                     </a:p>
                   </a:txBody>
@@ -10092,17 +10094,51 @@
                       <a:r>
                         <a:rPr lang="en-US" sz="1800" dirty="0" smtClean="0">
                           <a:effectLst/>
-                          <a:latin typeface="Arial" panose="020B0604020202020204" pitchFamily="34" charset="0"/>
+                          <a:latin typeface="Calibri" panose="020F0502020204030204" pitchFamily="34" charset="0"/>
                           <a:ea typeface="Times New Roman"/>
-                          <a:cs typeface="Arial" panose="020B0604020202020204" pitchFamily="34" charset="0"/>
+                          <a:cs typeface="Calibri" panose="020F0502020204030204" pitchFamily="34" charset="0"/>
+                        </a:rPr>
+                        <a:t>On-going through the project execution phase</a:t>
+                      </a:r>
+                      <a:endParaRPr lang="en-IN" sz="1800" dirty="0" smtClean="0">
+                        <a:effectLst/>
+                        <a:latin typeface="Calibri" panose="020F0502020204030204" pitchFamily="34" charset="0"/>
+                        <a:ea typeface="Times New Roman"/>
+                        <a:cs typeface="Calibri" panose="020F0502020204030204" pitchFamily="34" charset="0"/>
+                      </a:endParaRPr>
+                    </a:p>
+                    <a:p>
+                      <a:pPr marL="0" marR="0" indent="0" algn="ctr" defTabSz="914400" rtl="0" eaLnBrk="1" fontAlgn="auto" latinLnBrk="0" hangingPunct="1">
+                        <a:lnSpc>
+                          <a:spcPct val="115000"/>
+                        </a:lnSpc>
+                        <a:spcBef>
+                          <a:spcPts val="0"/>
+                        </a:spcBef>
+                        <a:spcAft>
+                          <a:spcPts val="0"/>
+                        </a:spcAft>
+                        <a:buClrTx/>
+                        <a:buSzTx/>
+                        <a:buFontTx/>
+                        <a:buNone/>
+                        <a:tabLst/>
+                        <a:defRPr/>
+                      </a:pPr>
+                      <a:r>
+                        <a:rPr lang="en-US" sz="1800" dirty="0" smtClean="0">
+                          <a:effectLst/>
+                          <a:latin typeface="Calibri" panose="020F0502020204030204" pitchFamily="34" charset="0"/>
+                          <a:ea typeface="Times New Roman"/>
+                          <a:cs typeface="Calibri" panose="020F0502020204030204" pitchFamily="34" charset="0"/>
                         </a:rPr>
                         <a:t> </a:t>
                       </a:r>
                       <a:endParaRPr lang="en-IN" sz="1800" dirty="0">
                         <a:effectLst/>
-                        <a:latin typeface="Arial" panose="020B0604020202020204" pitchFamily="34" charset="0"/>
+                        <a:latin typeface="Calibri" panose="020F0502020204030204" pitchFamily="34" charset="0"/>
                         <a:ea typeface="Times New Roman"/>
-                        <a:cs typeface="Arial" panose="020B0604020202020204" pitchFamily="34" charset="0"/>
+                        <a:cs typeface="Calibri" panose="020F0502020204030204" pitchFamily="34" charset="0"/>
                       </a:endParaRPr>
                     </a:p>
                   </a:txBody>
@@ -10129,9 +10165,9 @@
                             <a:schemeClr val="lt1"/>
                           </a:solidFill>
                           <a:effectLst/>
-                          <a:latin typeface="Arial" panose="020B0604020202020204" pitchFamily="34" charset="0"/>
+                          <a:latin typeface="Calibri" panose="020F0502020204030204" pitchFamily="34" charset="0"/>
                           <a:ea typeface="+mn-ea"/>
-                          <a:cs typeface="Arial" panose="020B0604020202020204" pitchFamily="34" charset="0"/>
+                          <a:cs typeface="Calibri" panose="020F0502020204030204" pitchFamily="34" charset="0"/>
                         </a:rPr>
                         <a:t>Manual </a:t>
                       </a:r>
@@ -10141,9 +10177,9 @@
                             <a:schemeClr val="lt1"/>
                           </a:solidFill>
                           <a:effectLst/>
-                          <a:latin typeface="Arial" panose="020B0604020202020204" pitchFamily="34" charset="0"/>
+                          <a:latin typeface="Calibri" panose="020F0502020204030204" pitchFamily="34" charset="0"/>
                           <a:ea typeface="+mn-ea"/>
-                          <a:cs typeface="Arial" panose="020B0604020202020204" pitchFamily="34" charset="0"/>
+                          <a:cs typeface="Calibri" panose="020F0502020204030204" pitchFamily="34" charset="0"/>
                         </a:rPr>
                         <a:t>Test Report </a:t>
                       </a:r>
@@ -10176,17 +10212,51 @@
                       <a:r>
                         <a:rPr lang="en-US" sz="1800" dirty="0" smtClean="0">
                           <a:effectLst/>
-                          <a:latin typeface="Arial" panose="020B0604020202020204" pitchFamily="34" charset="0"/>
+                          <a:latin typeface="Calibri" panose="020F0502020204030204" pitchFamily="34" charset="0"/>
                           <a:ea typeface="Times New Roman"/>
-                          <a:cs typeface="Arial" panose="020B0604020202020204" pitchFamily="34" charset="0"/>
+                          <a:cs typeface="Calibri" panose="020F0502020204030204" pitchFamily="34" charset="0"/>
+                        </a:rPr>
+                        <a:t>On-going through the project execution phase</a:t>
+                      </a:r>
+                      <a:endParaRPr lang="en-IN" sz="1800" dirty="0" smtClean="0">
+                        <a:effectLst/>
+                        <a:latin typeface="Calibri" panose="020F0502020204030204" pitchFamily="34" charset="0"/>
+                        <a:ea typeface="Times New Roman"/>
+                        <a:cs typeface="Calibri" panose="020F0502020204030204" pitchFamily="34" charset="0"/>
+                      </a:endParaRPr>
+                    </a:p>
+                    <a:p>
+                      <a:pPr marL="0" marR="0" indent="0" algn="ctr" defTabSz="914400" rtl="0" eaLnBrk="1" fontAlgn="auto" latinLnBrk="0" hangingPunct="1">
+                        <a:lnSpc>
+                          <a:spcPct val="115000"/>
+                        </a:lnSpc>
+                        <a:spcBef>
+                          <a:spcPts val="0"/>
+                        </a:spcBef>
+                        <a:spcAft>
+                          <a:spcPts val="0"/>
+                        </a:spcAft>
+                        <a:buClrTx/>
+                        <a:buSzTx/>
+                        <a:buFontTx/>
+                        <a:buNone/>
+                        <a:tabLst/>
+                        <a:defRPr/>
+                      </a:pPr>
+                      <a:r>
+                        <a:rPr lang="en-US" sz="1800" dirty="0" smtClean="0">
+                          <a:effectLst/>
+                          <a:latin typeface="Calibri" panose="020F0502020204030204" pitchFamily="34" charset="0"/>
+                          <a:ea typeface="Times New Roman"/>
+                          <a:cs typeface="Calibri" panose="020F0502020204030204" pitchFamily="34" charset="0"/>
                         </a:rPr>
                         <a:t>  </a:t>
                       </a:r>
                       <a:endParaRPr lang="en-IN" sz="1800" dirty="0" smtClean="0">
                         <a:effectLst/>
-                        <a:latin typeface="Arial" panose="020B0604020202020204" pitchFamily="34" charset="0"/>
+                        <a:latin typeface="Calibri" panose="020F0502020204030204" pitchFamily="34" charset="0"/>
                         <a:ea typeface="Times New Roman"/>
-                        <a:cs typeface="Arial" panose="020B0604020202020204" pitchFamily="34" charset="0"/>
+                        <a:cs typeface="Calibri" panose="020F0502020204030204" pitchFamily="34" charset="0"/>
                       </a:endParaRPr>
                     </a:p>
                   </a:txBody>
@@ -10273,10 +10343,11 @@
           <a:lstStyle/>
           <a:p>
             <a:r>
-              <a:rPr lang="en-IN" sz="1600" dirty="0"/>
+              <a:rPr lang="en-IN" sz="2000" dirty="0">
+                <a:latin typeface="+mn-lt"/>
+              </a:rPr>
               <a:t>Resource Plan [Software / Hardware / People]</a:t>
             </a:r>
-            <a:endParaRPr lang="en-IN" dirty="0"/>
           </a:p>
         </p:txBody>
       </p:sp>
@@ -10289,7 +10360,7 @@
         <p:spPr>
           <a:xfrm>
             <a:off x="791570" y="738332"/>
-            <a:ext cx="8047630" cy="5632311"/>
+            <a:ext cx="7574508" cy="5909310"/>
           </a:xfrm>
           <a:prstGeom prst="rect">
             <a:avLst/>
@@ -10325,7 +10396,21 @@
                 <a:latin typeface="Calibri" panose="020F0502020204030204" pitchFamily="34" charset="0"/>
                 <a:cs typeface="Calibri" panose="020F0502020204030204" pitchFamily="34" charset="0"/>
               </a:rPr>
-              <a:t>Android Studio          –     Android  Development</a:t>
+              <a:t>Android Studio </a:t>
+            </a:r>
+            <a:r>
+              <a:rPr lang="en-US" sz="1800" dirty="0" smtClean="0">
+                <a:latin typeface="Calibri" panose="020F0502020204030204" pitchFamily="34" charset="0"/>
+                <a:cs typeface="Calibri" panose="020F0502020204030204" pitchFamily="34" charset="0"/>
+              </a:rPr>
+              <a:t>–                 Android  </a:t>
+            </a:r>
+            <a:r>
+              <a:rPr lang="en-US" sz="1800" dirty="0" smtClean="0">
+                <a:latin typeface="Calibri" panose="020F0502020204030204" pitchFamily="34" charset="0"/>
+                <a:cs typeface="Calibri" panose="020F0502020204030204" pitchFamily="34" charset="0"/>
+              </a:rPr>
+              <a:t>Development</a:t>
             </a:r>
           </a:p>
           <a:p>
@@ -10338,7 +10423,21 @@
                 <a:latin typeface="Calibri" panose="020F0502020204030204" pitchFamily="34" charset="0"/>
                 <a:cs typeface="Calibri" panose="020F0502020204030204" pitchFamily="34" charset="0"/>
               </a:rPr>
-              <a:t>X-code ( iOS)            –      iOS Development</a:t>
+              <a:t>X-code </a:t>
+            </a:r>
+            <a:r>
+              <a:rPr lang="en-US" sz="1800" dirty="0" smtClean="0">
+                <a:latin typeface="Calibri" panose="020F0502020204030204" pitchFamily="34" charset="0"/>
+                <a:cs typeface="Calibri" panose="020F0502020204030204" pitchFamily="34" charset="0"/>
+              </a:rPr>
+              <a:t>–                               iOS </a:t>
+            </a:r>
+            <a:r>
+              <a:rPr lang="en-US" sz="1800" dirty="0" smtClean="0">
+                <a:latin typeface="Calibri" panose="020F0502020204030204" pitchFamily="34" charset="0"/>
+                <a:cs typeface="Calibri" panose="020F0502020204030204" pitchFamily="34" charset="0"/>
+              </a:rPr>
+              <a:t>Development</a:t>
             </a:r>
           </a:p>
           <a:p>
@@ -10377,7 +10476,21 @@
                 <a:latin typeface="Calibri" panose="020F0502020204030204" pitchFamily="34" charset="0"/>
                 <a:cs typeface="Calibri" panose="020F0502020204030204" pitchFamily="34" charset="0"/>
               </a:rPr>
-              <a:t>MySQL Database     –      Web Service Development</a:t>
+              <a:t>MySQL </a:t>
+            </a:r>
+            <a:r>
+              <a:rPr lang="en-US" sz="1800" dirty="0" smtClean="0">
+                <a:latin typeface="Calibri" panose="020F0502020204030204" pitchFamily="34" charset="0"/>
+                <a:cs typeface="Calibri" panose="020F0502020204030204" pitchFamily="34" charset="0"/>
+              </a:rPr>
+              <a:t>Database –            Web </a:t>
+            </a:r>
+            <a:r>
+              <a:rPr lang="en-US" sz="1800" dirty="0" smtClean="0">
+                <a:latin typeface="Calibri" panose="020F0502020204030204" pitchFamily="34" charset="0"/>
+                <a:cs typeface="Calibri" panose="020F0502020204030204" pitchFamily="34" charset="0"/>
+              </a:rPr>
+              <a:t>Service Development</a:t>
             </a:r>
           </a:p>
           <a:p>
@@ -10390,7 +10503,21 @@
                 <a:latin typeface="Calibri" panose="020F0502020204030204" pitchFamily="34" charset="0"/>
                 <a:cs typeface="Calibri" panose="020F0502020204030204" pitchFamily="34" charset="0"/>
               </a:rPr>
-              <a:t>SVN                             -      Source control</a:t>
+              <a:t>SVN </a:t>
+            </a:r>
+            <a:r>
+              <a:rPr lang="en-US" sz="1800" dirty="0" smtClean="0">
+                <a:latin typeface="Calibri" panose="020F0502020204030204" pitchFamily="34" charset="0"/>
+                <a:cs typeface="Calibri" panose="020F0502020204030204" pitchFamily="34" charset="0"/>
+              </a:rPr>
+              <a:t> --                                 Source </a:t>
+            </a:r>
+            <a:r>
+              <a:rPr lang="en-US" sz="1800" dirty="0" smtClean="0">
+                <a:latin typeface="Calibri" panose="020F0502020204030204" pitchFamily="34" charset="0"/>
+                <a:cs typeface="Calibri" panose="020F0502020204030204" pitchFamily="34" charset="0"/>
+              </a:rPr>
+              <a:t>control</a:t>
             </a:r>
           </a:p>
           <a:p>
@@ -10403,7 +10530,21 @@
                 <a:latin typeface="Calibri" panose="020F0502020204030204" pitchFamily="34" charset="0"/>
                 <a:cs typeface="Calibri" panose="020F0502020204030204" pitchFamily="34" charset="0"/>
               </a:rPr>
-              <a:t>Simulator –                         For application Testing</a:t>
+              <a:t>Simulator </a:t>
+            </a:r>
+            <a:r>
+              <a:rPr lang="en-US" sz="1800" dirty="0" smtClean="0">
+                <a:latin typeface="Calibri" panose="020F0502020204030204" pitchFamily="34" charset="0"/>
+                <a:cs typeface="Calibri" panose="020F0502020204030204" pitchFamily="34" charset="0"/>
+              </a:rPr>
+              <a:t>–                         For </a:t>
+            </a:r>
+            <a:r>
+              <a:rPr lang="en-US" sz="1800" dirty="0" smtClean="0">
+                <a:latin typeface="Calibri" panose="020F0502020204030204" pitchFamily="34" charset="0"/>
+                <a:cs typeface="Calibri" panose="020F0502020204030204" pitchFamily="34" charset="0"/>
+              </a:rPr>
+              <a:t>application Testing</a:t>
             </a:r>
           </a:p>
           <a:p>
@@ -10507,6 +10648,13 @@
               <a:t>Manager –                                                          </a:t>
             </a:r>
             <a:r>
+              <a:rPr lang="en-US" sz="1800" dirty="0" smtClean="0">
+                <a:latin typeface="Calibri" panose="020F0502020204030204" pitchFamily="34" charset="0"/>
+                <a:cs typeface="Calibri" panose="020F0502020204030204" pitchFamily="34" charset="0"/>
+              </a:rPr>
+              <a:t> </a:t>
+            </a:r>
+            <a:r>
               <a:rPr lang="en-US" sz="1800" dirty="0" err="1" smtClean="0">
                 <a:latin typeface="Calibri" panose="020F0502020204030204" pitchFamily="34" charset="0"/>
                 <a:cs typeface="Calibri" panose="020F0502020204030204" pitchFamily="34" charset="0"/>
@@ -10542,7 +10690,28 @@
                 <a:latin typeface="Calibri" panose="020F0502020204030204" pitchFamily="34" charset="0"/>
                 <a:cs typeface="Calibri" panose="020F0502020204030204" pitchFamily="34" charset="0"/>
               </a:rPr>
-              <a:t>Android Developer engineer –                        Subhalaxmi, </a:t>
+              <a:t>Android Developer engineer –                        </a:t>
+            </a:r>
+            <a:r>
+              <a:rPr lang="en-US" sz="1800" dirty="0" smtClean="0">
+                <a:latin typeface="Calibri" panose="020F0502020204030204" pitchFamily="34" charset="0"/>
+                <a:cs typeface="Calibri" panose="020F0502020204030204" pitchFamily="34" charset="0"/>
+              </a:rPr>
+              <a:t> </a:t>
+            </a:r>
+            <a:r>
+              <a:rPr lang="en-US" sz="1800" dirty="0" err="1" smtClean="0">
+                <a:latin typeface="Calibri" panose="020F0502020204030204" pitchFamily="34" charset="0"/>
+                <a:cs typeface="Calibri" panose="020F0502020204030204" pitchFamily="34" charset="0"/>
+              </a:rPr>
+              <a:t>Subhalaxmi</a:t>
+            </a:r>
+            <a:r>
+              <a:rPr lang="en-US" sz="1800" dirty="0" smtClean="0">
+                <a:latin typeface="Calibri" panose="020F0502020204030204" pitchFamily="34" charset="0"/>
+                <a:cs typeface="Calibri" panose="020F0502020204030204" pitchFamily="34" charset="0"/>
+              </a:rPr>
+              <a:t>, </a:t>
             </a:r>
             <a:r>
               <a:rPr lang="en-US" sz="1800" dirty="0" err="1">
@@ -10576,7 +10745,28 @@
                 <a:latin typeface="Calibri" panose="020F0502020204030204" pitchFamily="34" charset="0"/>
                 <a:cs typeface="Calibri" panose="020F0502020204030204" pitchFamily="34" charset="0"/>
               </a:rPr>
-              <a:t>iOS Developer engineer -                                 Nagarjun, Rohit</a:t>
+              <a:t>iOS Developer engineer -                                 </a:t>
+            </a:r>
+            <a:r>
+              <a:rPr lang="en-US" sz="1800" dirty="0" smtClean="0">
+                <a:latin typeface="Calibri" panose="020F0502020204030204" pitchFamily="34" charset="0"/>
+                <a:cs typeface="Calibri" panose="020F0502020204030204" pitchFamily="34" charset="0"/>
+              </a:rPr>
+              <a:t> </a:t>
+            </a:r>
+            <a:r>
+              <a:rPr lang="en-US" sz="1800" dirty="0" err="1" smtClean="0">
+                <a:latin typeface="Calibri" panose="020F0502020204030204" pitchFamily="34" charset="0"/>
+                <a:cs typeface="Calibri" panose="020F0502020204030204" pitchFamily="34" charset="0"/>
+              </a:rPr>
+              <a:t>Nagarjun</a:t>
+            </a:r>
+            <a:r>
+              <a:rPr lang="en-US" sz="1800" dirty="0" smtClean="0">
+                <a:latin typeface="Calibri" panose="020F0502020204030204" pitchFamily="34" charset="0"/>
+                <a:cs typeface="Calibri" panose="020F0502020204030204" pitchFamily="34" charset="0"/>
+              </a:rPr>
+              <a:t>, Rohit</a:t>
             </a:r>
           </a:p>
         </p:txBody>
@@ -10651,18 +10841,25 @@
             <p:ph type="title"/>
           </p:nvPr>
         </p:nvSpPr>
-        <p:spPr/>
+        <p:spPr>
+          <a:xfrm>
+            <a:off x="864496" y="83820"/>
+            <a:ext cx="7610764" cy="458838"/>
+          </a:xfrm>
+        </p:spPr>
         <p:txBody>
           <a:bodyPr/>
           <a:lstStyle/>
           <a:p>
             <a:r>
-              <a:rPr lang="en-US" sz="1600" dirty="0">
-                <a:latin typeface="Century Gothic" pitchFamily="34" charset="0"/>
+              <a:rPr lang="en-US" sz="2000" dirty="0">
+                <a:latin typeface="+mn-lt"/>
               </a:rPr>
               <a:t>Communication Plan</a:t>
             </a:r>
-            <a:endParaRPr lang="en-IN" dirty="0"/>
+            <a:endParaRPr lang="en-IN" sz="2000" dirty="0">
+              <a:latin typeface="+mn-lt"/>
+            </a:endParaRPr>
           </a:p>
         </p:txBody>
       </p:sp>
@@ -10675,7 +10872,7 @@
         <p:spPr>
           <a:xfrm>
             <a:off x="921200" y="1050521"/>
-            <a:ext cx="7758776" cy="1708160"/>
+            <a:ext cx="7171922" cy="1985159"/>
           </a:xfrm>
           <a:prstGeom prst="rect">
             <a:avLst/>
@@ -10838,18 +11035,25 @@
             <p:ph type="title"/>
           </p:nvPr>
         </p:nvSpPr>
-        <p:spPr/>
+        <p:spPr>
+          <a:xfrm>
+            <a:off x="864496" y="83820"/>
+            <a:ext cx="7324161" cy="458838"/>
+          </a:xfrm>
+        </p:spPr>
         <p:txBody>
           <a:bodyPr/>
           <a:lstStyle/>
           <a:p>
             <a:r>
-              <a:rPr lang="en-US" sz="1600" dirty="0">
-                <a:latin typeface="Century Gothic" pitchFamily="34" charset="0"/>
+              <a:rPr lang="en-US" sz="2000" dirty="0">
+                <a:latin typeface="+mn-lt"/>
               </a:rPr>
               <a:t>Quality Requirements</a:t>
             </a:r>
-            <a:endParaRPr lang="en-IN" dirty="0"/>
+            <a:endParaRPr lang="en-IN" sz="2000" dirty="0">
+              <a:latin typeface="+mn-lt"/>
+            </a:endParaRPr>
           </a:p>
         </p:txBody>
       </p:sp>
@@ -10861,8 +11065,8 @@
         </p:nvSpPr>
         <p:spPr>
           <a:xfrm>
-            <a:off x="832513" y="1124660"/>
-            <a:ext cx="7503994" cy="2693045"/>
+            <a:off x="832514" y="1124660"/>
+            <a:ext cx="7001302" cy="2693045"/>
           </a:xfrm>
           <a:prstGeom prst="rect">
             <a:avLst/>
@@ -11105,10 +11309,10 @@
           <a:lstStyle/>
           <a:p>
             <a:r>
-              <a:rPr lang="en-US" sz="1600" dirty="0"/>
+              <a:rPr lang="en-US" sz="2000" dirty="0"/>
               <a:t>Assumptions</a:t>
             </a:r>
-            <a:endParaRPr lang="en-IN" dirty="0"/>
+            <a:endParaRPr lang="en-IN" sz="2000" dirty="0"/>
           </a:p>
         </p:txBody>
       </p:sp>
@@ -11337,14 +11541,14 @@
           <a:p>
             <a:fld id="{75D64ABA-DC95-A94B-BCA3-09692F8C9985}" type="slidenum">
               <a:rPr lang="en-US" smtClean="0">
-                <a:latin typeface="Arial" panose="020B0604020202020204" pitchFamily="34" charset="0"/>
-                <a:cs typeface="Arial" panose="020B0604020202020204" pitchFamily="34" charset="0"/>
+                <a:latin typeface="Calibri" panose="020F0502020204030204" pitchFamily="34" charset="0"/>
+                <a:cs typeface="Calibri" panose="020F0502020204030204" pitchFamily="34" charset="0"/>
               </a:rPr>
               <a:t>17</a:t>
             </a:fld>
             <a:endParaRPr lang="en-US">
-              <a:latin typeface="Arial" panose="020B0604020202020204" pitchFamily="34" charset="0"/>
-              <a:cs typeface="Arial" panose="020B0604020202020204" pitchFamily="34" charset="0"/>
+              <a:latin typeface="Calibri" panose="020F0502020204030204" pitchFamily="34" charset="0"/>
+              <a:cs typeface="Calibri" panose="020F0502020204030204" pitchFamily="34" charset="0"/>
             </a:endParaRPr>
           </a:p>
         </p:txBody>
@@ -11365,15 +11569,15 @@
           <a:lstStyle/>
           <a:p>
             <a:r>
-              <a:rPr lang="en-US" sz="1600" dirty="0">
-                <a:latin typeface="Arial" panose="020B0604020202020204" pitchFamily="34" charset="0"/>
-                <a:cs typeface="Arial" panose="020B0604020202020204" pitchFamily="34" charset="0"/>
+              <a:rPr lang="en-US" sz="2000" dirty="0">
+                <a:latin typeface="+mn-lt"/>
+                <a:cs typeface="Calibri" panose="020F0502020204030204" pitchFamily="34" charset="0"/>
               </a:rPr>
               <a:t>Risk Management</a:t>
             </a:r>
-            <a:endParaRPr lang="en-IN" dirty="0">
-              <a:latin typeface="Arial" panose="020B0604020202020204" pitchFamily="34" charset="0"/>
-              <a:cs typeface="Arial" panose="020B0604020202020204" pitchFamily="34" charset="0"/>
+            <a:endParaRPr lang="en-IN" sz="2000" dirty="0">
+              <a:latin typeface="+mn-lt"/>
+              <a:cs typeface="Calibri" panose="020F0502020204030204" pitchFamily="34" charset="0"/>
             </a:endParaRPr>
           </a:p>
         </p:txBody>
@@ -11387,7 +11591,7 @@
           <p:nvPr>
             <p:extLst>
               <p:ext uri="{D42A27DB-BD31-4B8C-83A1-F6EECF244321}">
-                <p14:modId xmlns:p14="http://schemas.microsoft.com/office/powerpoint/2010/main" val="2113079732"/>
+                <p14:modId xmlns:p14="http://schemas.microsoft.com/office/powerpoint/2010/main" val="1759972316"/>
               </p:ext>
             </p:extLst>
           </p:nvPr>
@@ -11427,9 +11631,9 @@
                             <a:srgbClr val="FFFFFF"/>
                           </a:solidFill>
                           <a:effectLst/>
-                          <a:latin typeface="Arial" panose="020B0604020202020204" pitchFamily="34" charset="0"/>
+                          <a:latin typeface="Calibri" panose="020F0502020204030204" pitchFamily="34" charset="0"/>
                           <a:ea typeface="Calibri"/>
-                          <a:cs typeface="Arial" panose="020B0604020202020204" pitchFamily="34" charset="0"/>
+                          <a:cs typeface="Calibri" panose="020F0502020204030204" pitchFamily="34" charset="0"/>
                         </a:rPr>
                         <a:t>Risk </a:t>
                       </a:r>
@@ -11439,17 +11643,17 @@
                             <a:srgbClr val="FFFFFF"/>
                           </a:solidFill>
                           <a:effectLst/>
-                          <a:latin typeface="Arial" panose="020B0604020202020204" pitchFamily="34" charset="0"/>
+                          <a:latin typeface="Calibri" panose="020F0502020204030204" pitchFamily="34" charset="0"/>
                           <a:ea typeface="Calibri"/>
-                          <a:cs typeface="Arial" panose="020B0604020202020204" pitchFamily="34" charset="0"/>
+                          <a:cs typeface="Calibri" panose="020F0502020204030204" pitchFamily="34" charset="0"/>
                         </a:rPr>
                         <a:t>Description</a:t>
                       </a:r>
                       <a:endParaRPr lang="en-IN" sz="1400" dirty="0">
                         <a:effectLst/>
-                        <a:latin typeface="Arial" panose="020B0604020202020204" pitchFamily="34" charset="0"/>
+                        <a:latin typeface="Calibri" panose="020F0502020204030204" pitchFamily="34" charset="0"/>
                         <a:ea typeface="Calibri"/>
-                        <a:cs typeface="Arial" panose="020B0604020202020204" pitchFamily="34" charset="0"/>
+                        <a:cs typeface="Calibri" panose="020F0502020204030204" pitchFamily="34" charset="0"/>
                       </a:endParaRPr>
                     </a:p>
                   </a:txBody>
@@ -11514,17 +11718,17 @@
                             <a:srgbClr val="FFFFFF"/>
                           </a:solidFill>
                           <a:effectLst/>
-                          <a:latin typeface="Arial" panose="020B0604020202020204" pitchFamily="34" charset="0"/>
+                          <a:latin typeface="Calibri" panose="020F0502020204030204" pitchFamily="34" charset="0"/>
                           <a:ea typeface="Calibri"/>
-                          <a:cs typeface="Arial" panose="020B0604020202020204" pitchFamily="34" charset="0"/>
+                          <a:cs typeface="Calibri" panose="020F0502020204030204" pitchFamily="34" charset="0"/>
                         </a:rPr>
                         <a:t>Probability of Occurrence</a:t>
                       </a:r>
                       <a:endParaRPr lang="en-IN" sz="1400" dirty="0">
                         <a:effectLst/>
-                        <a:latin typeface="Arial" panose="020B0604020202020204" pitchFamily="34" charset="0"/>
+                        <a:latin typeface="Calibri" panose="020F0502020204030204" pitchFamily="34" charset="0"/>
                         <a:ea typeface="Calibri"/>
-                        <a:cs typeface="Arial" panose="020B0604020202020204" pitchFamily="34" charset="0"/>
+                        <a:cs typeface="Calibri" panose="020F0502020204030204" pitchFamily="34" charset="0"/>
                       </a:endParaRPr>
                     </a:p>
                   </a:txBody>
@@ -11589,17 +11793,17 @@
                             <a:srgbClr val="FFFFFF"/>
                           </a:solidFill>
                           <a:effectLst/>
-                          <a:latin typeface="Arial" panose="020B0604020202020204" pitchFamily="34" charset="0"/>
+                          <a:latin typeface="Calibri" panose="020F0502020204030204" pitchFamily="34" charset="0"/>
                           <a:ea typeface="Calibri"/>
-                          <a:cs typeface="Arial" panose="020B0604020202020204" pitchFamily="34" charset="0"/>
+                          <a:cs typeface="Calibri" panose="020F0502020204030204" pitchFamily="34" charset="0"/>
                         </a:rPr>
                         <a:t>Impact</a:t>
                       </a:r>
                       <a:endParaRPr lang="en-IN" sz="1400" dirty="0">
                         <a:effectLst/>
-                        <a:latin typeface="Arial" panose="020B0604020202020204" pitchFamily="34" charset="0"/>
+                        <a:latin typeface="Calibri" panose="020F0502020204030204" pitchFamily="34" charset="0"/>
                         <a:ea typeface="Calibri"/>
-                        <a:cs typeface="Arial" panose="020B0604020202020204" pitchFamily="34" charset="0"/>
+                        <a:cs typeface="Calibri" panose="020F0502020204030204" pitchFamily="34" charset="0"/>
                       </a:endParaRPr>
                     </a:p>
                   </a:txBody>
@@ -11664,17 +11868,17 @@
                             <a:srgbClr val="FFFFFF"/>
                           </a:solidFill>
                           <a:effectLst/>
-                          <a:latin typeface="Arial" panose="020B0604020202020204" pitchFamily="34" charset="0"/>
+                          <a:latin typeface="Calibri" panose="020F0502020204030204" pitchFamily="34" charset="0"/>
                           <a:ea typeface="Calibri"/>
-                          <a:cs typeface="Arial" panose="020B0604020202020204" pitchFamily="34" charset="0"/>
+                          <a:cs typeface="Calibri" panose="020F0502020204030204" pitchFamily="34" charset="0"/>
                         </a:rPr>
                         <a:t>Mitigation Plan</a:t>
                       </a:r>
                       <a:endParaRPr lang="en-IN" sz="1400" dirty="0">
                         <a:effectLst/>
-                        <a:latin typeface="Arial" panose="020B0604020202020204" pitchFamily="34" charset="0"/>
+                        <a:latin typeface="Calibri" panose="020F0502020204030204" pitchFamily="34" charset="0"/>
                         <a:ea typeface="Calibri"/>
-                        <a:cs typeface="Arial" panose="020B0604020202020204" pitchFamily="34" charset="0"/>
+                        <a:cs typeface="Calibri" panose="020F0502020204030204" pitchFamily="34" charset="0"/>
                       </a:endParaRPr>
                     </a:p>
                   </a:txBody>
@@ -11738,9 +11942,9 @@
                           <a:srgbClr val="FFFFFF"/>
                         </a:solidFill>
                         <a:effectLst/>
-                        <a:latin typeface="Arial" panose="020B0604020202020204" pitchFamily="34" charset="0"/>
+                        <a:latin typeface="Calibri" panose="020F0502020204030204" pitchFamily="34" charset="0"/>
                         <a:ea typeface="Calibri"/>
-                        <a:cs typeface="Arial" panose="020B0604020202020204" pitchFamily="34" charset="0"/>
+                        <a:cs typeface="Calibri" panose="020F0502020204030204" pitchFamily="34" charset="0"/>
                       </a:endParaRPr>
                     </a:p>
                     <a:p>
@@ -11758,9 +11962,9 @@
                             <a:srgbClr val="FFFFFF"/>
                           </a:solidFill>
                           <a:effectLst/>
-                          <a:latin typeface="Arial" panose="020B0604020202020204" pitchFamily="34" charset="0"/>
+                          <a:latin typeface="Calibri" panose="020F0502020204030204" pitchFamily="34" charset="0"/>
                           <a:ea typeface="Calibri"/>
-                          <a:cs typeface="Arial" panose="020B0604020202020204" pitchFamily="34" charset="0"/>
+                          <a:cs typeface="Calibri" panose="020F0502020204030204" pitchFamily="34" charset="0"/>
                         </a:rPr>
                         <a:t>Contingency </a:t>
                       </a:r>
@@ -11770,17 +11974,17 @@
                             <a:srgbClr val="FFFFFF"/>
                           </a:solidFill>
                           <a:effectLst/>
-                          <a:latin typeface="Arial" panose="020B0604020202020204" pitchFamily="34" charset="0"/>
+                          <a:latin typeface="Calibri" panose="020F0502020204030204" pitchFamily="34" charset="0"/>
                           <a:ea typeface="Calibri"/>
-                          <a:cs typeface="Arial" panose="020B0604020202020204" pitchFamily="34" charset="0"/>
+                          <a:cs typeface="Calibri" panose="020F0502020204030204" pitchFamily="34" charset="0"/>
                         </a:rPr>
                         <a:t>Plan</a:t>
                       </a:r>
                       <a:endParaRPr lang="en-IN" sz="1400" dirty="0">
                         <a:effectLst/>
-                        <a:latin typeface="Arial" panose="020B0604020202020204" pitchFamily="34" charset="0"/>
+                        <a:latin typeface="Calibri" panose="020F0502020204030204" pitchFamily="34" charset="0"/>
                         <a:ea typeface="Calibri"/>
-                        <a:cs typeface="Arial" panose="020B0604020202020204" pitchFamily="34" charset="0"/>
+                        <a:cs typeface="Calibri" panose="020F0502020204030204" pitchFamily="34" charset="0"/>
                       </a:endParaRPr>
                     </a:p>
                   </a:txBody>
@@ -13367,10 +13571,10 @@
           <a:lstStyle/>
           <a:p>
             <a:r>
-              <a:rPr lang="en-US" sz="1600" dirty="0"/>
+              <a:rPr lang="en-US" sz="2000" dirty="0"/>
               <a:t>Change Management</a:t>
             </a:r>
-            <a:endParaRPr lang="en-IN" dirty="0"/>
+            <a:endParaRPr lang="en-IN" sz="2000" dirty="0"/>
           </a:p>
         </p:txBody>
       </p:sp>
@@ -13387,7 +13591,7 @@
         <p:spPr>
           <a:xfrm>
             <a:off x="868680" y="1435620"/>
-            <a:ext cx="7579284" cy="1107996"/>
+            <a:ext cx="7279033" cy="1107996"/>
           </a:xfrm>
           <a:prstGeom prst="rect">
             <a:avLst/>
@@ -13525,10 +13729,10 @@
           <a:lstStyle/>
           <a:p>
             <a:r>
-              <a:rPr lang="en-US" sz="1600" dirty="0"/>
+              <a:rPr lang="en-US" sz="2000" dirty="0"/>
               <a:t>Change Management</a:t>
             </a:r>
-            <a:endParaRPr lang="en-IN" dirty="0"/>
+            <a:endParaRPr lang="en-IN" sz="2000" dirty="0"/>
           </a:p>
         </p:txBody>
       </p:sp>
@@ -15339,10 +15543,10 @@
           <a:lstStyle/>
           <a:p>
             <a:r>
-              <a:rPr lang="en-US" dirty="0" smtClean="0"/>
+              <a:rPr lang="en-US" sz="2000" dirty="0"/>
               <a:t>AGENDA</a:t>
             </a:r>
-            <a:endParaRPr lang="en-IN" dirty="0"/>
+            <a:endParaRPr lang="en-IN" sz="2000" dirty="0"/>
           </a:p>
         </p:txBody>
       </p:sp>
@@ -15378,7 +15582,8 @@
             </a:pPr>
             <a:r>
               <a:rPr lang="en-US" sz="1800" dirty="0">
-                <a:latin typeface="+mn-lt"/>
+                <a:latin typeface="Calibri" panose="020F0502020204030204" pitchFamily="34" charset="0"/>
+                <a:cs typeface="Calibri" panose="020F0502020204030204" pitchFamily="34" charset="0"/>
               </a:rPr>
               <a:t>Customer profile</a:t>
             </a:r>
@@ -15396,7 +15601,8 @@
             </a:pPr>
             <a:r>
               <a:rPr lang="en-IN" sz="1800" dirty="0">
-                <a:latin typeface="+mn-lt"/>
+                <a:latin typeface="Calibri" panose="020F0502020204030204" pitchFamily="34" charset="0"/>
+                <a:cs typeface="Calibri" panose="020F0502020204030204" pitchFamily="34" charset="0"/>
               </a:rPr>
               <a:t>Project Scope</a:t>
             </a:r>
@@ -15414,7 +15620,8 @@
             </a:pPr>
             <a:r>
               <a:rPr lang="en-IN" sz="1800" dirty="0">
-                <a:latin typeface="+mn-lt"/>
+                <a:latin typeface="Calibri" panose="020F0502020204030204" pitchFamily="34" charset="0"/>
+                <a:cs typeface="Calibri" panose="020F0502020204030204" pitchFamily="34" charset="0"/>
               </a:rPr>
               <a:t>Project Description</a:t>
             </a:r>
@@ -15432,9 +15639,17 @@
             </a:pPr>
             <a:r>
               <a:rPr lang="en-IN" sz="1800" dirty="0">
-                <a:latin typeface="+mn-lt"/>
-              </a:rPr>
-              <a:t>Customer requirements</a:t>
+                <a:latin typeface="Calibri" panose="020F0502020204030204" pitchFamily="34" charset="0"/>
+                <a:cs typeface="Calibri" panose="020F0502020204030204" pitchFamily="34" charset="0"/>
+              </a:rPr>
+              <a:t>Customer </a:t>
+            </a:r>
+            <a:r>
+              <a:rPr lang="en-IN" sz="1800" dirty="0" smtClean="0">
+                <a:latin typeface="Calibri" panose="020F0502020204030204" pitchFamily="34" charset="0"/>
+                <a:cs typeface="Calibri" panose="020F0502020204030204" pitchFamily="34" charset="0"/>
+              </a:rPr>
+              <a:t>requirements</a:t>
             </a:r>
           </a:p>
           <a:p>
@@ -15449,11 +15664,16 @@
               <a:buAutoNum type="arabicPeriod"/>
             </a:pPr>
             <a:r>
-              <a:rPr lang="en-IN" sz="1800" dirty="0">
-                <a:latin typeface="+mn-lt"/>
-              </a:rPr>
-              <a:t>Customer supplied material</a:t>
-            </a:r>
+              <a:rPr lang="en-US" sz="1800" dirty="0" smtClean="0">
+                <a:latin typeface="Calibri" panose="020F0502020204030204" pitchFamily="34" charset="0"/>
+                <a:cs typeface="Calibri" panose="020F0502020204030204" pitchFamily="34" charset="0"/>
+              </a:rPr>
+              <a:t>Project Flow Diagram</a:t>
+            </a:r>
+            <a:endParaRPr lang="en-IN" sz="1800" dirty="0">
+              <a:latin typeface="Calibri" panose="020F0502020204030204" pitchFamily="34" charset="0"/>
+              <a:cs typeface="Calibri" panose="020F0502020204030204" pitchFamily="34" charset="0"/>
+            </a:endParaRPr>
           </a:p>
           <a:p>
             <a:pPr marL="569913" indent="-569913">
@@ -15468,9 +15688,10 @@
             </a:pPr>
             <a:r>
               <a:rPr lang="en-IN" sz="1800" dirty="0">
-                <a:latin typeface="+mn-lt"/>
-              </a:rPr>
-              <a:t>Project Execution approach</a:t>
+                <a:latin typeface="Calibri" panose="020F0502020204030204" pitchFamily="34" charset="0"/>
+                <a:cs typeface="Calibri" panose="020F0502020204030204" pitchFamily="34" charset="0"/>
+              </a:rPr>
+              <a:t>Customer supplied material</a:t>
             </a:r>
           </a:p>
           <a:p>
@@ -15486,9 +15707,10 @@
             </a:pPr>
             <a:r>
               <a:rPr lang="en-IN" sz="1800" dirty="0">
-                <a:latin typeface="+mn-lt"/>
-              </a:rPr>
-              <a:t>Project plan</a:t>
+                <a:latin typeface="Calibri" panose="020F0502020204030204" pitchFamily="34" charset="0"/>
+                <a:cs typeface="Calibri" panose="020F0502020204030204" pitchFamily="34" charset="0"/>
+              </a:rPr>
+              <a:t>Project Execution approach</a:t>
             </a:r>
           </a:p>
           <a:p>
@@ -15504,10 +15726,22 @@
             </a:pPr>
             <a:r>
               <a:rPr lang="en-IN" sz="1800" dirty="0">
-                <a:latin typeface="+mn-lt"/>
-              </a:rPr>
-              <a:t>Resource plan [Hardware / Software / People etc.]</a:t>
-            </a:r>
+                <a:latin typeface="Calibri" panose="020F0502020204030204" pitchFamily="34" charset="0"/>
+                <a:cs typeface="Calibri" panose="020F0502020204030204" pitchFamily="34" charset="0"/>
+              </a:rPr>
+              <a:t>Project </a:t>
+            </a:r>
+            <a:r>
+              <a:rPr lang="en-IN" sz="1800" dirty="0" smtClean="0">
+                <a:latin typeface="Calibri" panose="020F0502020204030204" pitchFamily="34" charset="0"/>
+                <a:cs typeface="Calibri" panose="020F0502020204030204" pitchFamily="34" charset="0"/>
+              </a:rPr>
+              <a:t>plan </a:t>
+            </a:r>
+            <a:endParaRPr lang="en-IN" sz="1800" dirty="0">
+              <a:latin typeface="Calibri" panose="020F0502020204030204" pitchFamily="34" charset="0"/>
+              <a:cs typeface="Calibri" panose="020F0502020204030204" pitchFamily="34" charset="0"/>
+            </a:endParaRPr>
           </a:p>
           <a:p>
             <a:pPr marL="569913" indent="-569913">
@@ -15522,9 +15756,10 @@
             </a:pPr>
             <a:r>
               <a:rPr lang="en-IN" sz="1800" dirty="0">
-                <a:latin typeface="+mn-lt"/>
-              </a:rPr>
-              <a:t>Communication plan</a:t>
+                <a:latin typeface="Calibri" panose="020F0502020204030204" pitchFamily="34" charset="0"/>
+                <a:cs typeface="Calibri" panose="020F0502020204030204" pitchFamily="34" charset="0"/>
+              </a:rPr>
+              <a:t>Resource plan [Hardware / Software / People etc.]</a:t>
             </a:r>
           </a:p>
           <a:p>
@@ -15540,9 +15775,10 @@
             </a:pPr>
             <a:r>
               <a:rPr lang="en-IN" sz="1800" dirty="0">
-                <a:latin typeface="+mn-lt"/>
-              </a:rPr>
-              <a:t>Quality requirements</a:t>
+                <a:latin typeface="Calibri" panose="020F0502020204030204" pitchFamily="34" charset="0"/>
+                <a:cs typeface="Calibri" panose="020F0502020204030204" pitchFamily="34" charset="0"/>
+              </a:rPr>
+              <a:t>Communication plan</a:t>
             </a:r>
           </a:p>
           <a:p>
@@ -15558,9 +15794,10 @@
             </a:pPr>
             <a:r>
               <a:rPr lang="en-IN" sz="1800" dirty="0">
-                <a:latin typeface="+mn-lt"/>
-              </a:rPr>
-              <a:t>Assumptions</a:t>
+                <a:latin typeface="Calibri" panose="020F0502020204030204" pitchFamily="34" charset="0"/>
+                <a:cs typeface="Calibri" panose="020F0502020204030204" pitchFamily="34" charset="0"/>
+              </a:rPr>
+              <a:t>Quality requirements</a:t>
             </a:r>
           </a:p>
           <a:p>
@@ -15576,9 +15813,10 @@
             </a:pPr>
             <a:r>
               <a:rPr lang="en-IN" sz="1800" dirty="0">
-                <a:latin typeface="+mn-lt"/>
-              </a:rPr>
-              <a:t>Risk Management</a:t>
+                <a:latin typeface="Calibri" panose="020F0502020204030204" pitchFamily="34" charset="0"/>
+                <a:cs typeface="Calibri" panose="020F0502020204030204" pitchFamily="34" charset="0"/>
+              </a:rPr>
+              <a:t>Assumptions</a:t>
             </a:r>
           </a:p>
           <a:p>
@@ -15594,9 +15832,10 @@
             </a:pPr>
             <a:r>
               <a:rPr lang="en-IN" sz="1800" dirty="0">
-                <a:latin typeface="+mn-lt"/>
-              </a:rPr>
-              <a:t>Change Management</a:t>
+                <a:latin typeface="Calibri" panose="020F0502020204030204" pitchFamily="34" charset="0"/>
+                <a:cs typeface="Calibri" panose="020F0502020204030204" pitchFamily="34" charset="0"/>
+              </a:rPr>
+              <a:t>Risk Management</a:t>
             </a:r>
           </a:p>
           <a:p>
@@ -15612,9 +15851,10 @@
             </a:pPr>
             <a:r>
               <a:rPr lang="en-IN" sz="1800" dirty="0">
-                <a:latin typeface="+mn-lt"/>
-              </a:rPr>
-              <a:t>Project Governance and Escalation Mechanism</a:t>
+                <a:latin typeface="Calibri" panose="020F0502020204030204" pitchFamily="34" charset="0"/>
+                <a:cs typeface="Calibri" panose="020F0502020204030204" pitchFamily="34" charset="0"/>
+              </a:rPr>
+              <a:t>Change Management</a:t>
             </a:r>
           </a:p>
           <a:p>
@@ -15629,13 +15869,34 @@
               <a:buAutoNum type="arabicPeriod"/>
             </a:pPr>
             <a:r>
-              <a:rPr lang="en-IN" sz="1800" dirty="0">
-                <a:latin typeface="+mn-lt"/>
+              <a:rPr lang="en-IN" sz="1800" dirty="0" smtClean="0">
+                <a:latin typeface="Calibri" panose="020F0502020204030204" pitchFamily="34" charset="0"/>
+                <a:cs typeface="Calibri" panose="020F0502020204030204" pitchFamily="34" charset="0"/>
               </a:rPr>
               <a:t>Project Deliverables</a:t>
             </a:r>
+          </a:p>
+          <a:p>
+            <a:pPr marL="569913" indent="-569913">
+              <a:spcBef>
+                <a:spcPts val="300"/>
+              </a:spcBef>
+              <a:spcAft>
+                <a:spcPts val="600"/>
+              </a:spcAft>
+              <a:buFontTx/>
+              <a:buAutoNum type="arabicPeriod"/>
+            </a:pPr>
+            <a:r>
+              <a:rPr lang="en-US" sz="1800" dirty="0" smtClean="0">
+                <a:latin typeface="Calibri" panose="020F0502020204030204" pitchFamily="34" charset="0"/>
+                <a:cs typeface="Calibri" panose="020F0502020204030204" pitchFamily="34" charset="0"/>
+              </a:rPr>
+              <a:t>How to use</a:t>
+            </a:r>
             <a:endParaRPr lang="en-US" sz="1800" dirty="0">
-              <a:latin typeface="+mn-lt"/>
+              <a:latin typeface="Calibri" panose="020F0502020204030204" pitchFamily="34" charset="0"/>
+              <a:cs typeface="Calibri" panose="020F0502020204030204" pitchFamily="34" charset="0"/>
             </a:endParaRPr>
           </a:p>
           <a:p>
@@ -15721,12 +15982,14 @@
           <a:lstStyle/>
           <a:p>
             <a:r>
-              <a:rPr lang="en-US" sz="1600" dirty="0">
-                <a:latin typeface="Century Gothic" pitchFamily="34" charset="0"/>
+              <a:rPr lang="en-US" sz="2000" dirty="0">
+                <a:latin typeface="+mn-lt"/>
               </a:rPr>
               <a:t>Project Deliverables</a:t>
             </a:r>
-            <a:endParaRPr lang="en-IN" dirty="0"/>
+            <a:endParaRPr lang="en-IN" sz="2000" dirty="0">
+              <a:latin typeface="+mn-lt"/>
+            </a:endParaRPr>
           </a:p>
         </p:txBody>
       </p:sp>
@@ -15739,7 +16002,7 @@
         <p:spPr>
           <a:xfrm>
             <a:off x="948496" y="1142167"/>
-            <a:ext cx="7267456" cy="646331"/>
+            <a:ext cx="6776137" cy="1754326"/>
           </a:xfrm>
           <a:prstGeom prst="rect">
             <a:avLst/>
@@ -15760,7 +16023,14 @@
                 <a:latin typeface="Calibri" panose="020F0502020204030204" pitchFamily="34" charset="0"/>
                 <a:cs typeface="Calibri" panose="020F0502020204030204" pitchFamily="34" charset="0"/>
               </a:rPr>
-              <a:t>Working  Code (UI/Functionalities)</a:t>
+              <a:t>Working  Code (UI/Functionalities</a:t>
+            </a:r>
+            <a:r>
+              <a:rPr lang="en-IN" sz="1800" dirty="0" smtClean="0">
+                <a:latin typeface="Calibri" panose="020F0502020204030204" pitchFamily="34" charset="0"/>
+                <a:cs typeface="Calibri" panose="020F0502020204030204" pitchFamily="34" charset="0"/>
+              </a:rPr>
+              <a:t>)</a:t>
             </a:r>
           </a:p>
           <a:p>
@@ -15769,12 +16039,168 @@
               <a:buChar char="•"/>
             </a:pPr>
             <a:r>
+              <a:rPr lang="en-US" sz="1800" dirty="0" smtClean="0">
+                <a:latin typeface="Calibri" panose="020F0502020204030204" pitchFamily="34" charset="0"/>
+                <a:cs typeface="Calibri" panose="020F0502020204030204" pitchFamily="34" charset="0"/>
+              </a:rPr>
+              <a:t>.</a:t>
+            </a:r>
+            <a:r>
+              <a:rPr lang="en-US" sz="1800" dirty="0" err="1" smtClean="0">
+                <a:latin typeface="Calibri" panose="020F0502020204030204" pitchFamily="34" charset="0"/>
+                <a:cs typeface="Calibri" panose="020F0502020204030204" pitchFamily="34" charset="0"/>
+              </a:rPr>
+              <a:t>apk</a:t>
+            </a:r>
+            <a:r>
+              <a:rPr lang="en-US" sz="1800" dirty="0" smtClean="0">
+                <a:latin typeface="Calibri" panose="020F0502020204030204" pitchFamily="34" charset="0"/>
+                <a:cs typeface="Calibri" panose="020F0502020204030204" pitchFamily="34" charset="0"/>
+              </a:rPr>
+              <a:t> file of android </a:t>
+            </a:r>
+          </a:p>
+          <a:p>
+            <a:pPr marL="285750" indent="-285750">
+              <a:buFont typeface="Arial" pitchFamily="34" charset="0"/>
+              <a:buChar char="•"/>
+            </a:pPr>
+            <a:r>
+              <a:rPr lang="en-US" sz="1800" dirty="0" smtClean="0">
+                <a:latin typeface="Calibri" panose="020F0502020204030204" pitchFamily="34" charset="0"/>
+                <a:cs typeface="Calibri" panose="020F0502020204030204" pitchFamily="34" charset="0"/>
+              </a:rPr>
+              <a:t>.</a:t>
+            </a:r>
+            <a:r>
+              <a:rPr lang="en-US" sz="1800" dirty="0" err="1" smtClean="0">
+                <a:latin typeface="Calibri" panose="020F0502020204030204" pitchFamily="34" charset="0"/>
+                <a:cs typeface="Calibri" panose="020F0502020204030204" pitchFamily="34" charset="0"/>
+              </a:rPr>
+              <a:t>ipa</a:t>
+            </a:r>
+            <a:r>
+              <a:rPr lang="en-US" sz="1800" dirty="0" smtClean="0">
+                <a:latin typeface="Calibri" panose="020F0502020204030204" pitchFamily="34" charset="0"/>
+                <a:cs typeface="Calibri" panose="020F0502020204030204" pitchFamily="34" charset="0"/>
+              </a:rPr>
+              <a:t> file of iOS</a:t>
+            </a:r>
+            <a:endParaRPr lang="en-IN" sz="1800" dirty="0">
+              <a:latin typeface="Calibri" panose="020F0502020204030204" pitchFamily="34" charset="0"/>
+              <a:cs typeface="Calibri" panose="020F0502020204030204" pitchFamily="34" charset="0"/>
+            </a:endParaRPr>
+          </a:p>
+          <a:p>
+            <a:pPr marL="285750" indent="-285750">
+              <a:buFont typeface="Arial" pitchFamily="34" charset="0"/>
+              <a:buChar char="•"/>
+            </a:pPr>
+            <a:r>
               <a:rPr lang="en-IN" sz="1800" dirty="0">
                 <a:latin typeface="Calibri" panose="020F0502020204030204" pitchFamily="34" charset="0"/>
                 <a:cs typeface="Calibri" panose="020F0502020204030204" pitchFamily="34" charset="0"/>
               </a:rPr>
-              <a:t>Manual test report</a:t>
-            </a:r>
+              <a:t>Manual test </a:t>
+            </a:r>
+            <a:r>
+              <a:rPr lang="en-IN" sz="1800" dirty="0" smtClean="0">
+                <a:latin typeface="Calibri" panose="020F0502020204030204" pitchFamily="34" charset="0"/>
+                <a:cs typeface="Calibri" panose="020F0502020204030204" pitchFamily="34" charset="0"/>
+              </a:rPr>
+              <a:t>report</a:t>
+            </a:r>
+          </a:p>
+          <a:p>
+            <a:pPr marL="285750" indent="-285750">
+              <a:buFont typeface="Arial" pitchFamily="34" charset="0"/>
+              <a:buChar char="•"/>
+            </a:pPr>
+            <a:endParaRPr lang="en-US" sz="1800" dirty="0">
+              <a:latin typeface="Calibri" panose="020F0502020204030204" pitchFamily="34" charset="0"/>
+              <a:cs typeface="Calibri" panose="020F0502020204030204" pitchFamily="34" charset="0"/>
+            </a:endParaRPr>
+          </a:p>
+          <a:p>
+            <a:pPr marL="285750" indent="-285750">
+              <a:buFont typeface="Arial" pitchFamily="34" charset="0"/>
+              <a:buChar char="•"/>
+            </a:pPr>
+            <a:endParaRPr lang="en-IN" sz="1800" dirty="0">
+              <a:latin typeface="Calibri" panose="020F0502020204030204" pitchFamily="34" charset="0"/>
+              <a:cs typeface="Calibri" panose="020F0502020204030204" pitchFamily="34" charset="0"/>
+            </a:endParaRPr>
+          </a:p>
+        </p:txBody>
+      </p:sp>
+      <p:sp>
+        <p:nvSpPr>
+          <p:cNvPr id="3" name="TextBox 2"/>
+          <p:cNvSpPr txBox="1"/>
+          <p:nvPr/>
+        </p:nvSpPr>
+        <p:spPr>
+          <a:xfrm>
+            <a:off x="928032" y="3452884"/>
+            <a:ext cx="6796601" cy="1200329"/>
+          </a:xfrm>
+          <a:prstGeom prst="rect">
+            <a:avLst/>
+          </a:prstGeom>
+          <a:noFill/>
+        </p:spPr>
+        <p:txBody>
+          <a:bodyPr wrap="square" rtlCol="0">
+            <a:spAutoFit/>
+          </a:bodyPr>
+          <a:lstStyle/>
+          <a:p>
+            <a:r>
+              <a:rPr lang="en-US" sz="1800" dirty="0" smtClean="0">
+                <a:latin typeface="Calibri" panose="020F0502020204030204" pitchFamily="34" charset="0"/>
+                <a:cs typeface="Calibri" panose="020F0502020204030204" pitchFamily="34" charset="0"/>
+              </a:rPr>
+              <a:t>Note: All </a:t>
+            </a:r>
+            <a:r>
+              <a:rPr lang="en-US" sz="1800" dirty="0">
+                <a:latin typeface="Calibri" panose="020F0502020204030204" pitchFamily="34" charset="0"/>
+                <a:cs typeface="Calibri" panose="020F0502020204030204" pitchFamily="34" charset="0"/>
+              </a:rPr>
+              <a:t>project reports, documents and source code will available in </a:t>
+            </a:r>
+            <a:r>
+              <a:rPr lang="en-US" sz="1800" dirty="0" smtClean="0">
+                <a:latin typeface="Calibri" panose="020F0502020204030204" pitchFamily="34" charset="0"/>
+                <a:cs typeface="Calibri" panose="020F0502020204030204" pitchFamily="34" charset="0"/>
+              </a:rPr>
+              <a:t>SVN Path:  </a:t>
+            </a:r>
+          </a:p>
+          <a:p>
+            <a:r>
+              <a:rPr lang="en-US" sz="1800" dirty="0" smtClean="0">
+                <a:latin typeface="Calibri" panose="020F0502020204030204" pitchFamily="34" charset="0"/>
+                <a:cs typeface="Calibri" panose="020F0502020204030204" pitchFamily="34" charset="0"/>
+                <a:hlinkClick r:id="rId2"/>
+              </a:rPr>
+              <a:t>https</a:t>
+            </a:r>
+            <a:r>
+              <a:rPr lang="en-US" sz="1800" dirty="0">
+                <a:latin typeface="Calibri" panose="020F0502020204030204" pitchFamily="34" charset="0"/>
+                <a:cs typeface="Calibri" panose="020F0502020204030204" pitchFamily="34" charset="0"/>
+                <a:hlinkClick r:id="rId2"/>
+              </a:rPr>
+              <a:t>://asi-storage07.blr.allegisindia.com/svn/EASi_App-POC/</a:t>
+            </a:r>
+            <a:endParaRPr lang="en-IN" sz="1800" dirty="0">
+              <a:latin typeface="Calibri" panose="020F0502020204030204" pitchFamily="34" charset="0"/>
+              <a:cs typeface="Calibri" panose="020F0502020204030204" pitchFamily="34" charset="0"/>
+            </a:endParaRPr>
+          </a:p>
+          <a:p>
+            <a:endParaRPr lang="en-IN" sz="1800" dirty="0"/>
           </a:p>
         </p:txBody>
       </p:sp>
@@ -15817,6 +16243,112 @@
       </p:grpSpPr>
       <p:sp>
         <p:nvSpPr>
+          <p:cNvPr id="2" name="Slide Number Placeholder 1"/>
+          <p:cNvSpPr>
+            <a:spLocks noGrp="1"/>
+          </p:cNvSpPr>
+          <p:nvPr>
+            <p:ph type="sldNum" sz="quarter" idx="12"/>
+          </p:nvPr>
+        </p:nvSpPr>
+        <p:spPr/>
+        <p:txBody>
+          <a:bodyPr/>
+          <a:lstStyle/>
+          <a:p>
+            <a:fld id="{75D64ABA-DC95-A94B-BCA3-09692F8C9985}" type="slidenum">
+              <a:rPr lang="en-US" smtClean="0"/>
+              <a:t>21</a:t>
+            </a:fld>
+            <a:endParaRPr lang="en-US"/>
+          </a:p>
+        </p:txBody>
+      </p:sp>
+      <p:sp>
+        <p:nvSpPr>
+          <p:cNvPr id="4" name="Title 3"/>
+          <p:cNvSpPr>
+            <a:spLocks noGrp="1"/>
+          </p:cNvSpPr>
+          <p:nvPr>
+            <p:ph type="title"/>
+          </p:nvPr>
+        </p:nvSpPr>
+        <p:spPr/>
+        <p:txBody>
+          <a:bodyPr/>
+          <a:lstStyle/>
+          <a:p>
+            <a:r>
+              <a:rPr lang="en-US" sz="2000" dirty="0" smtClean="0"/>
+              <a:t>How to use</a:t>
+            </a:r>
+            <a:endParaRPr lang="en-IN" sz="2000" dirty="0"/>
+          </a:p>
+        </p:txBody>
+      </p:sp>
+      <p:pic>
+        <p:nvPicPr>
+          <p:cNvPr id="7" name="Picture 6"/>
+          <p:cNvPicPr>
+            <a:picLocks noChangeAspect="1"/>
+          </p:cNvPicPr>
+          <p:nvPr/>
+        </p:nvPicPr>
+        <p:blipFill>
+          <a:blip r:embed="rId2">
+            <a:extLst>
+              <a:ext uri="{28A0092B-C50C-407E-A947-70E740481C1C}">
+                <a14:useLocalDpi xmlns:a14="http://schemas.microsoft.com/office/drawing/2010/main" val="0"/>
+              </a:ext>
+            </a:extLst>
+          </a:blip>
+          <a:stretch>
+            <a:fillRect/>
+          </a:stretch>
+        </p:blipFill>
+        <p:spPr>
+          <a:xfrm>
+            <a:off x="928048" y="1848345"/>
+            <a:ext cx="7724633" cy="3161309"/>
+          </a:xfrm>
+          <a:prstGeom prst="rect">
+            <a:avLst/>
+          </a:prstGeom>
+        </p:spPr>
+      </p:pic>
+    </p:spTree>
+    <p:extLst>
+      <p:ext uri="{BB962C8B-B14F-4D97-AF65-F5344CB8AC3E}">
+        <p14:creationId xmlns:p14="http://schemas.microsoft.com/office/powerpoint/2010/main" val="150616247"/>
+      </p:ext>
+    </p:extLst>
+  </p:cSld>
+  <p:clrMapOvr>
+    <a:masterClrMapping/>
+  </p:clrMapOvr>
+</p:sld>
+</file>
+
+<file path=ppt/slides/slide22.xml><?xml version="1.0" encoding="utf-8"?>
+<p:sld xmlns:a="http://schemas.openxmlformats.org/drawingml/2006/main" xmlns:r="http://schemas.openxmlformats.org/officeDocument/2006/relationships" xmlns:p="http://schemas.openxmlformats.org/presentationml/2006/main">
+  <p:cSld>
+    <p:spTree>
+      <p:nvGrpSpPr>
+        <p:cNvPr id="1" name=""/>
+        <p:cNvGrpSpPr/>
+        <p:nvPr/>
+      </p:nvGrpSpPr>
+      <p:grpSpPr>
+        <a:xfrm>
+          <a:off x="0" y="0"/>
+          <a:ext cx="0" cy="0"/>
+          <a:chOff x="0" y="0"/>
+          <a:chExt cx="0" cy="0"/>
+        </a:xfrm>
+      </p:grpSpPr>
+      <p:sp>
+        <p:nvSpPr>
           <p:cNvPr id="6" name="Title 5"/>
           <p:cNvSpPr>
             <a:spLocks noGrp="1"/>
@@ -15863,7 +16395,7 @@
             <a:fld id="{75D64ABA-DC95-A94B-BCA3-09692F8C9985}" type="slidenum">
               <a:rPr lang="en-US" smtClean="0"/>
               <a:pPr/>
-              <a:t>21</a:t>
+              <a:t>22</a:t>
             </a:fld>
             <a:endParaRPr lang="en-US" dirty="0"/>
           </a:p>
@@ -16021,12 +16553,18 @@
           <a:lstStyle/>
           <a:p>
             <a:r>
-              <a:rPr lang="en-US" sz="1600" dirty="0">
+              <a:rPr lang="en-US" sz="2000" dirty="0">
                 <a:latin typeface="+mn-lt"/>
               </a:rPr>
-              <a:t>Customer Profile</a:t>
-            </a:r>
-            <a:endParaRPr lang="en-IN" dirty="0">
+              <a:t>Customer</a:t>
+            </a:r>
+            <a:r>
+              <a:rPr lang="en-US" sz="2000" dirty="0">
+                <a:latin typeface="+mn-lt"/>
+              </a:rPr>
+              <a:t> Profile</a:t>
+            </a:r>
+            <a:endParaRPr lang="en-IN" sz="2000" dirty="0">
               <a:latin typeface="+mn-lt"/>
             </a:endParaRPr>
           </a:p>
@@ -16071,7 +16609,35 @@
                 <a:latin typeface="Calibri" panose="020F0502020204030204" pitchFamily="34" charset="0"/>
                 <a:cs typeface="Calibri" panose="020F0502020204030204" pitchFamily="34" charset="0"/>
               </a:rPr>
-              <a:t>	EASi engineering (In-house)</a:t>
+              <a:t>	</a:t>
+            </a:r>
+            <a:r>
+              <a:rPr lang="en-US" sz="1800" dirty="0" smtClean="0">
+                <a:latin typeface="Calibri" panose="020F0502020204030204" pitchFamily="34" charset="0"/>
+                <a:cs typeface="Calibri" panose="020F0502020204030204" pitchFamily="34" charset="0"/>
+              </a:rPr>
+              <a:t>        </a:t>
+            </a:r>
+            <a:r>
+              <a:rPr lang="en-US" sz="1800" dirty="0" err="1" smtClean="0">
+                <a:latin typeface="Calibri" panose="020F0502020204030204" pitchFamily="34" charset="0"/>
+                <a:cs typeface="Calibri" panose="020F0502020204030204" pitchFamily="34" charset="0"/>
+              </a:rPr>
+              <a:t>EASi</a:t>
+            </a:r>
+            <a:r>
+              <a:rPr lang="en-US" sz="1800" dirty="0" smtClean="0">
+                <a:latin typeface="Calibri" panose="020F0502020204030204" pitchFamily="34" charset="0"/>
+                <a:cs typeface="Calibri" panose="020F0502020204030204" pitchFamily="34" charset="0"/>
+              </a:rPr>
+              <a:t> </a:t>
+            </a:r>
+            <a:r>
+              <a:rPr lang="en-US" sz="1800" dirty="0">
+                <a:latin typeface="Calibri" panose="020F0502020204030204" pitchFamily="34" charset="0"/>
+                <a:cs typeface="Calibri" panose="020F0502020204030204" pitchFamily="34" charset="0"/>
+              </a:rPr>
+              <a:t>engineering (In-house)</a:t>
             </a:r>
           </a:p>
           <a:p>
@@ -16212,12 +16778,11 @@
           <a:lstStyle/>
           <a:p>
             <a:r>
-              <a:rPr lang="en-IN" sz="1600" dirty="0">
-                <a:latin typeface="Century Gothic" pitchFamily="34" charset="0"/>
+              <a:rPr lang="en-IN" dirty="0">
+                <a:latin typeface="+mn-lt"/>
               </a:rPr>
               <a:t>Project Scope</a:t>
             </a:r>
-            <a:endParaRPr lang="en-IN" dirty="0"/>
           </a:p>
         </p:txBody>
       </p:sp>
@@ -16484,12 +17049,11 @@
           <a:lstStyle/>
           <a:p>
             <a:r>
-              <a:rPr lang="en-IN" sz="1600" dirty="0">
-                <a:latin typeface="Century Gothic" pitchFamily="34" charset="0"/>
+              <a:rPr lang="en-IN" sz="2000" dirty="0">
+                <a:latin typeface="+mn-lt"/>
               </a:rPr>
               <a:t>Project Scope</a:t>
             </a:r>
-            <a:endParaRPr lang="en-IN" dirty="0"/>
           </a:p>
         </p:txBody>
       </p:sp>
@@ -16616,6 +17180,16 @@
           </a:p>
           <a:p>
             <a:r>
+              <a:rPr lang="en-US" sz="1800" dirty="0" smtClean="0">
+                <a:solidFill>
+                  <a:srgbClr val="4D4F53"/>
+                </a:solidFill>
+                <a:latin typeface="Calibri" panose="020F0502020204030204" pitchFamily="34" charset="0"/>
+                <a:cs typeface="Calibri" panose="020F0502020204030204" pitchFamily="34" charset="0"/>
+              </a:rPr>
+              <a:t>Easily </a:t>
+            </a:r>
+            <a:r>
               <a:rPr lang="en-US" sz="1800" dirty="0">
                 <a:solidFill>
                   <a:srgbClr val="4D4F53"/>
@@ -16623,7 +17197,7 @@
                 <a:latin typeface="Calibri" panose="020F0502020204030204" pitchFamily="34" charset="0"/>
                 <a:cs typeface="Calibri" panose="020F0502020204030204" pitchFamily="34" charset="0"/>
               </a:rPr>
-              <a:t>No need to wait for cab. Easily manage the cab facilities by smartphones</a:t>
+              <a:t>manage the cab facilities by smartphones</a:t>
             </a:r>
             <a:r>
               <a:rPr lang="en-US" sz="1800" dirty="0" smtClean="0">
@@ -16678,12 +17252,11 @@
           <a:lstStyle/>
           <a:p>
             <a:r>
-              <a:rPr lang="en-IN" sz="1600" dirty="0">
-                <a:latin typeface="Century Gothic" pitchFamily="34" charset="0"/>
+              <a:rPr lang="en-IN" sz="2000" dirty="0">
+                <a:latin typeface="+mn-lt"/>
               </a:rPr>
               <a:t>Project Description</a:t>
             </a:r>
-            <a:endParaRPr lang="en-IN" dirty="0"/>
           </a:p>
         </p:txBody>
       </p:sp>
@@ -16959,12 +17532,11 @@
           <a:lstStyle/>
           <a:p>
             <a:r>
-              <a:rPr lang="en-IN" sz="1600" dirty="0">
-                <a:latin typeface="Century Gothic" pitchFamily="34" charset="0"/>
+              <a:rPr lang="en-IN" sz="2000" dirty="0">
+                <a:latin typeface="+mn-lt"/>
               </a:rPr>
               <a:t>Project Description</a:t>
             </a:r>
-            <a:endParaRPr lang="en-IN" dirty="0"/>
           </a:p>
         </p:txBody>
       </p:sp>
@@ -17146,12 +17718,14 @@
           <a:lstStyle/>
           <a:p>
             <a:r>
-              <a:rPr lang="en-US" sz="1600" dirty="0">
-                <a:latin typeface="Century Gothic" pitchFamily="34" charset="0"/>
+              <a:rPr lang="en-US" sz="2000" dirty="0">
+                <a:latin typeface="+mn-lt"/>
               </a:rPr>
               <a:t>Customer Requirements</a:t>
             </a:r>
-            <a:endParaRPr lang="en-IN" dirty="0"/>
+            <a:endParaRPr lang="en-IN" sz="2000" dirty="0">
+              <a:latin typeface="+mn-lt"/>
+            </a:endParaRPr>
           </a:p>
         </p:txBody>
       </p:sp>
@@ -17433,10 +18007,10 @@
           <a:lstStyle/>
           <a:p>
             <a:r>
-              <a:rPr lang="en-US" dirty="0" smtClean="0"/>
-              <a:t>Flow</a:t>
-            </a:r>
-            <a:endParaRPr lang="en-IN" dirty="0"/>
+              <a:rPr lang="en-US" sz="2000" dirty="0" smtClean="0"/>
+              <a:t>Project Flow</a:t>
+            </a:r>
+            <a:endParaRPr lang="en-IN" sz="2000" dirty="0"/>
           </a:p>
         </p:txBody>
       </p:sp>

--- a/trunk/EasiCab/Documents/EASiCab_POC_kick off.pptx
+++ b/trunk/EasiCab/Documents/EASiCab_POC_kick off.pptx
@@ -133,7 +133,7 @@
   </p:defaultTextStyle>
   <p:extLst>
     <p:ext uri="{EFAFB233-063F-42B5-8137-9DF3F51BA10A}">
-      <p15:sldGuideLst xmlns:p15="http://schemas.microsoft.com/office/powerpoint/2012/main" xmlns="">
+      <p15:sldGuideLst xmlns="" xmlns:p15="http://schemas.microsoft.com/office/powerpoint/2012/main">
         <p15:guide id="1" orient="horz" pos="2592" userDrawn="1">
           <p15:clr>
             <a:srgbClr val="A4A3A4"/>
@@ -7657,11 +7657,7 @@
           <a:p>
             <a:r>
               <a:rPr lang="en-US" dirty="0" smtClean="0"/>
-              <a:t>PRESENTED </a:t>
-            </a:r>
-            <a:r>
-              <a:rPr lang="en-US" dirty="0" smtClean="0"/>
-              <a:t>In house</a:t>
+              <a:t>PRESENTED In house</a:t>
             </a:r>
             <a:endParaRPr lang="en-US" dirty="0"/>
           </a:p>
@@ -8074,13 +8070,7 @@
               <a:rPr lang="en-IN" sz="2000" dirty="0">
                 <a:latin typeface="+mn-lt"/>
               </a:rPr>
-              <a:t>Project</a:t>
-            </a:r>
-            <a:r>
-              <a:rPr lang="en-IN" sz="2000" dirty="0">
-                <a:latin typeface="+mn-lt"/>
-              </a:rPr>
-              <a:t> Execution Approach</a:t>
+              <a:t>Project Execution Approach</a:t>
             </a:r>
           </a:p>
         </p:txBody>
@@ -9646,13 +9636,7 @@
               <a:rPr lang="en-US" sz="2000" dirty="0">
                 <a:latin typeface="+mn-lt"/>
               </a:rPr>
-              <a:t>Project</a:t>
-            </a:r>
-            <a:r>
-              <a:rPr lang="en-US" sz="2000" dirty="0">
-                <a:latin typeface="+mn-lt"/>
-              </a:rPr>
-              <a:t> Plan</a:t>
+              <a:t>Project Plan</a:t>
             </a:r>
             <a:endParaRPr lang="en-IN" sz="2000" dirty="0">
               <a:latin typeface="+mn-lt"/>
@@ -10396,21 +10380,7 @@
                 <a:latin typeface="Calibri" panose="020F0502020204030204" pitchFamily="34" charset="0"/>
                 <a:cs typeface="Calibri" panose="020F0502020204030204" pitchFamily="34" charset="0"/>
               </a:rPr>
-              <a:t>Android Studio </a:t>
-            </a:r>
-            <a:r>
-              <a:rPr lang="en-US" sz="1800" dirty="0" smtClean="0">
-                <a:latin typeface="Calibri" panose="020F0502020204030204" pitchFamily="34" charset="0"/>
-                <a:cs typeface="Calibri" panose="020F0502020204030204" pitchFamily="34" charset="0"/>
-              </a:rPr>
-              <a:t>–                 Android  </a:t>
-            </a:r>
-            <a:r>
-              <a:rPr lang="en-US" sz="1800" dirty="0" smtClean="0">
-                <a:latin typeface="Calibri" panose="020F0502020204030204" pitchFamily="34" charset="0"/>
-                <a:cs typeface="Calibri" panose="020F0502020204030204" pitchFamily="34" charset="0"/>
-              </a:rPr>
-              <a:t>Development</a:t>
+              <a:t>Android Studio –                 Android  Development</a:t>
             </a:r>
           </a:p>
           <a:p>
@@ -10423,21 +10393,7 @@
                 <a:latin typeface="Calibri" panose="020F0502020204030204" pitchFamily="34" charset="0"/>
                 <a:cs typeface="Calibri" panose="020F0502020204030204" pitchFamily="34" charset="0"/>
               </a:rPr>
-              <a:t>X-code </a:t>
-            </a:r>
-            <a:r>
-              <a:rPr lang="en-US" sz="1800" dirty="0" smtClean="0">
-                <a:latin typeface="Calibri" panose="020F0502020204030204" pitchFamily="34" charset="0"/>
-                <a:cs typeface="Calibri" panose="020F0502020204030204" pitchFamily="34" charset="0"/>
-              </a:rPr>
-              <a:t>–                               iOS </a:t>
-            </a:r>
-            <a:r>
-              <a:rPr lang="en-US" sz="1800" dirty="0" smtClean="0">
-                <a:latin typeface="Calibri" panose="020F0502020204030204" pitchFamily="34" charset="0"/>
-                <a:cs typeface="Calibri" panose="020F0502020204030204" pitchFamily="34" charset="0"/>
-              </a:rPr>
-              <a:t>Development</a:t>
+              <a:t>X-code –                               iOS Development</a:t>
             </a:r>
           </a:p>
           <a:p>
@@ -10476,21 +10432,7 @@
                 <a:latin typeface="Calibri" panose="020F0502020204030204" pitchFamily="34" charset="0"/>
                 <a:cs typeface="Calibri" panose="020F0502020204030204" pitchFamily="34" charset="0"/>
               </a:rPr>
-              <a:t>MySQL </a:t>
-            </a:r>
-            <a:r>
-              <a:rPr lang="en-US" sz="1800" dirty="0" smtClean="0">
-                <a:latin typeface="Calibri" panose="020F0502020204030204" pitchFamily="34" charset="0"/>
-                <a:cs typeface="Calibri" panose="020F0502020204030204" pitchFamily="34" charset="0"/>
-              </a:rPr>
-              <a:t>Database –            Web </a:t>
-            </a:r>
-            <a:r>
-              <a:rPr lang="en-US" sz="1800" dirty="0" smtClean="0">
-                <a:latin typeface="Calibri" panose="020F0502020204030204" pitchFamily="34" charset="0"/>
-                <a:cs typeface="Calibri" panose="020F0502020204030204" pitchFamily="34" charset="0"/>
-              </a:rPr>
-              <a:t>Service Development</a:t>
+              <a:t>MySQL Database –            Web Service Development</a:t>
             </a:r>
           </a:p>
           <a:p>
@@ -10503,21 +10445,7 @@
                 <a:latin typeface="Calibri" panose="020F0502020204030204" pitchFamily="34" charset="0"/>
                 <a:cs typeface="Calibri" panose="020F0502020204030204" pitchFamily="34" charset="0"/>
               </a:rPr>
-              <a:t>SVN </a:t>
-            </a:r>
-            <a:r>
-              <a:rPr lang="en-US" sz="1800" dirty="0" smtClean="0">
-                <a:latin typeface="Calibri" panose="020F0502020204030204" pitchFamily="34" charset="0"/>
-                <a:cs typeface="Calibri" panose="020F0502020204030204" pitchFamily="34" charset="0"/>
-              </a:rPr>
-              <a:t> --                                 Source </a:t>
-            </a:r>
-            <a:r>
-              <a:rPr lang="en-US" sz="1800" dirty="0" smtClean="0">
-                <a:latin typeface="Calibri" panose="020F0502020204030204" pitchFamily="34" charset="0"/>
-                <a:cs typeface="Calibri" panose="020F0502020204030204" pitchFamily="34" charset="0"/>
-              </a:rPr>
-              <a:t>control</a:t>
+              <a:t>SVN  --                                 Source control</a:t>
             </a:r>
           </a:p>
           <a:p>
@@ -10530,21 +10458,7 @@
                 <a:latin typeface="Calibri" panose="020F0502020204030204" pitchFamily="34" charset="0"/>
                 <a:cs typeface="Calibri" panose="020F0502020204030204" pitchFamily="34" charset="0"/>
               </a:rPr>
-              <a:t>Simulator </a:t>
-            </a:r>
-            <a:r>
-              <a:rPr lang="en-US" sz="1800" dirty="0" smtClean="0">
-                <a:latin typeface="Calibri" panose="020F0502020204030204" pitchFamily="34" charset="0"/>
-                <a:cs typeface="Calibri" panose="020F0502020204030204" pitchFamily="34" charset="0"/>
-              </a:rPr>
-              <a:t>–                         For </a:t>
-            </a:r>
-            <a:r>
-              <a:rPr lang="en-US" sz="1800" dirty="0" smtClean="0">
-                <a:latin typeface="Calibri" panose="020F0502020204030204" pitchFamily="34" charset="0"/>
-                <a:cs typeface="Calibri" panose="020F0502020204030204" pitchFamily="34" charset="0"/>
-              </a:rPr>
-              <a:t>application Testing</a:t>
+              <a:t>Simulator –                         For application Testing</a:t>
             </a:r>
           </a:p>
           <a:p>
@@ -10645,14 +10559,7 @@
                 <a:latin typeface="Calibri" panose="020F0502020204030204" pitchFamily="34" charset="0"/>
                 <a:cs typeface="Calibri" panose="020F0502020204030204" pitchFamily="34" charset="0"/>
               </a:rPr>
-              <a:t>Manager –                                                          </a:t>
-            </a:r>
-            <a:r>
-              <a:rPr lang="en-US" sz="1800" dirty="0" smtClean="0">
-                <a:latin typeface="Calibri" panose="020F0502020204030204" pitchFamily="34" charset="0"/>
-                <a:cs typeface="Calibri" panose="020F0502020204030204" pitchFamily="34" charset="0"/>
-              </a:rPr>
-              <a:t> </a:t>
+              <a:t>Manager –                                                           </a:t>
             </a:r>
             <a:r>
               <a:rPr lang="en-US" sz="1800" dirty="0" err="1" smtClean="0">
@@ -10690,14 +10597,7 @@
                 <a:latin typeface="Calibri" panose="020F0502020204030204" pitchFamily="34" charset="0"/>
                 <a:cs typeface="Calibri" panose="020F0502020204030204" pitchFamily="34" charset="0"/>
               </a:rPr>
-              <a:t>Android Developer engineer –                        </a:t>
-            </a:r>
-            <a:r>
-              <a:rPr lang="en-US" sz="1800" dirty="0" smtClean="0">
-                <a:latin typeface="Calibri" panose="020F0502020204030204" pitchFamily="34" charset="0"/>
-                <a:cs typeface="Calibri" panose="020F0502020204030204" pitchFamily="34" charset="0"/>
-              </a:rPr>
-              <a:t> </a:t>
+              <a:t>Android Developer engineer –                         </a:t>
             </a:r>
             <a:r>
               <a:rPr lang="en-US" sz="1800" dirty="0" err="1" smtClean="0">
@@ -10745,14 +10645,7 @@
                 <a:latin typeface="Calibri" panose="020F0502020204030204" pitchFamily="34" charset="0"/>
                 <a:cs typeface="Calibri" panose="020F0502020204030204" pitchFamily="34" charset="0"/>
               </a:rPr>
-              <a:t>iOS Developer engineer -                                 </a:t>
-            </a:r>
-            <a:r>
-              <a:rPr lang="en-US" sz="1800" dirty="0" smtClean="0">
-                <a:latin typeface="Calibri" panose="020F0502020204030204" pitchFamily="34" charset="0"/>
-                <a:cs typeface="Calibri" panose="020F0502020204030204" pitchFamily="34" charset="0"/>
-              </a:rPr>
-              <a:t> </a:t>
+              <a:t>iOS Developer engineer -                                  </a:t>
             </a:r>
             <a:r>
               <a:rPr lang="en-US" sz="1800" dirty="0" err="1" smtClean="0">
@@ -16556,13 +16449,7 @@
               <a:rPr lang="en-US" sz="2000" dirty="0">
                 <a:latin typeface="+mn-lt"/>
               </a:rPr>
-              <a:t>Customer</a:t>
-            </a:r>
-            <a:r>
-              <a:rPr lang="en-US" sz="2000" dirty="0">
-                <a:latin typeface="+mn-lt"/>
-              </a:rPr>
-              <a:t> Profile</a:t>
+              <a:t>Customer Profile</a:t>
             </a:r>
             <a:endParaRPr lang="en-IN" sz="2000" dirty="0">
               <a:latin typeface="+mn-lt"/>
@@ -17819,7 +17706,7 @@
               <a:buNone/>
             </a:pPr>
             <a:r>
-              <a:rPr lang="en-US" sz="1800" dirty="0">
+              <a:rPr lang="en-US" sz="1800" dirty="0" smtClean="0">
                 <a:latin typeface="Calibri" panose="020F0502020204030204" pitchFamily="34" charset="0"/>
                 <a:cs typeface="Calibri" panose="020F0502020204030204" pitchFamily="34" charset="0"/>
                 <a:hlinkClick r:id="rId2"/>

--- a/trunk/EasiCab/Documents/EASiCab_POC_kick off.pptx
+++ b/trunk/EasiCab/Documents/EASiCab_POC_kick off.pptx
@@ -5,10 +5,10 @@
     <p:sldMasterId id="2147483648" r:id="rId1"/>
   </p:sldMasterIdLst>
   <p:notesMasterIdLst>
-    <p:notesMasterId r:id="rId24"/>
+    <p:notesMasterId r:id="rId25"/>
   </p:notesMasterIdLst>
   <p:handoutMasterIdLst>
-    <p:handoutMasterId r:id="rId25"/>
+    <p:handoutMasterId r:id="rId26"/>
   </p:handoutMasterIdLst>
   <p:sldIdLst>
     <p:sldId id="259" r:id="rId2"/>
@@ -16,23 +16,24 @@
     <p:sldId id="272" r:id="rId4"/>
     <p:sldId id="273" r:id="rId5"/>
     <p:sldId id="274" r:id="rId6"/>
-    <p:sldId id="275" r:id="rId7"/>
+    <p:sldId id="291" r:id="rId7"/>
     <p:sldId id="276" r:id="rId8"/>
-    <p:sldId id="277" r:id="rId9"/>
-    <p:sldId id="289" r:id="rId10"/>
-    <p:sldId id="278" r:id="rId11"/>
-    <p:sldId id="279" r:id="rId12"/>
-    <p:sldId id="280" r:id="rId13"/>
-    <p:sldId id="281" r:id="rId14"/>
-    <p:sldId id="282" r:id="rId15"/>
-    <p:sldId id="283" r:id="rId16"/>
-    <p:sldId id="284" r:id="rId17"/>
-    <p:sldId id="285" r:id="rId18"/>
-    <p:sldId id="286" r:id="rId19"/>
-    <p:sldId id="287" r:id="rId20"/>
-    <p:sldId id="288" r:id="rId21"/>
-    <p:sldId id="290" r:id="rId22"/>
-    <p:sldId id="268" r:id="rId23"/>
+    <p:sldId id="292" r:id="rId9"/>
+    <p:sldId id="277" r:id="rId10"/>
+    <p:sldId id="289" r:id="rId11"/>
+    <p:sldId id="278" r:id="rId12"/>
+    <p:sldId id="279" r:id="rId13"/>
+    <p:sldId id="280" r:id="rId14"/>
+    <p:sldId id="281" r:id="rId15"/>
+    <p:sldId id="282" r:id="rId16"/>
+    <p:sldId id="283" r:id="rId17"/>
+    <p:sldId id="284" r:id="rId18"/>
+    <p:sldId id="285" r:id="rId19"/>
+    <p:sldId id="286" r:id="rId20"/>
+    <p:sldId id="287" r:id="rId21"/>
+    <p:sldId id="288" r:id="rId22"/>
+    <p:sldId id="290" r:id="rId23"/>
+    <p:sldId id="268" r:id="rId24"/>
   </p:sldIdLst>
   <p:sldSz cx="9144000" cy="6858000" type="screen4x3"/>
   <p:notesSz cx="6858000" cy="9144000"/>
@@ -133,7 +134,7 @@
   </p:defaultTextStyle>
   <p:extLst>
     <p:ext uri="{EFAFB233-063F-42B5-8137-9DF3F51BA10A}">
-      <p15:sldGuideLst xmlns="" xmlns:p15="http://schemas.microsoft.com/office/powerpoint/2012/main">
+      <p15:sldGuideLst xmlns:p15="http://schemas.microsoft.com/office/powerpoint/2012/main" xmlns="">
         <p15:guide id="1" orient="horz" pos="2592" userDrawn="1">
           <p15:clr>
             <a:srgbClr val="A4A3A4"/>
@@ -242,7 +243,7 @@
           <a:p>
             <a:fld id="{10547AE1-0D1D-3A4D-8566-358FA96FF472}" type="datetimeFigureOut">
               <a:rPr lang="en-US" smtClean="0"/>
-              <a:t>7/29/2016</a:t>
+              <a:t>8/1/2016</a:t>
             </a:fld>
             <a:endParaRPr lang="en-US"/>
           </a:p>
@@ -408,7 +409,7 @@
           <a:p>
             <a:fld id="{555608FB-558C-E448-AAE5-74BFB92C58FE}" type="datetimeFigureOut">
               <a:rPr lang="en-US" smtClean="0"/>
-              <a:t>7/29/2016</a:t>
+              <a:t>8/1/2016</a:t>
             </a:fld>
             <a:endParaRPr lang="en-US"/>
           </a:p>
@@ -7750,7 +7751,7 @@
               <a:rPr lang="en-US" smtClean="0"/>
               <a:t>10</a:t>
             </a:fld>
-            <a:endParaRPr lang="en-US"/>
+            <a:endParaRPr lang="en-US" dirty="0"/>
           </a:p>
         </p:txBody>
       </p:sp>
@@ -7770,231 +7771,47 @@
           <a:lstStyle/>
           <a:p>
             <a:r>
-              <a:rPr lang="en-US" sz="2000" dirty="0">
-                <a:latin typeface="+mn-lt"/>
-              </a:rPr>
-              <a:t>Customer Supplied Material</a:t>
-            </a:r>
-            <a:endParaRPr lang="en-IN" sz="2000" dirty="0">
-              <a:latin typeface="+mn-lt"/>
-            </a:endParaRPr>
+              <a:rPr lang="en-US" sz="2000" dirty="0" smtClean="0"/>
+              <a:t>Project Flow</a:t>
+            </a:r>
+            <a:endParaRPr lang="en-IN" sz="2000" dirty="0"/>
           </a:p>
         </p:txBody>
       </p:sp>
-      <p:sp>
-        <p:nvSpPr>
-          <p:cNvPr id="5" name="Text Placeholder 4"/>
-          <p:cNvSpPr>
-            <a:spLocks noGrp="1"/>
-          </p:cNvSpPr>
-          <p:nvPr>
-            <p:ph type="body" sz="quarter" idx="15"/>
-          </p:nvPr>
-        </p:nvSpPr>
+      <p:pic>
+        <p:nvPicPr>
+          <p:cNvPr id="7" name="Picture 6"/>
+          <p:cNvPicPr>
+            <a:picLocks noChangeAspect="1"/>
+          </p:cNvPicPr>
+          <p:nvPr/>
+        </p:nvPicPr>
+        <p:blipFill>
+          <a:blip r:embed="rId2">
+            <a:extLst>
+              <a:ext uri="{28A0092B-C50C-407E-A947-70E740481C1C}">
+                <a14:useLocalDpi xmlns:a14="http://schemas.microsoft.com/office/drawing/2010/main" val="0"/>
+              </a:ext>
+            </a:extLst>
+          </a:blip>
+          <a:stretch>
+            <a:fillRect/>
+          </a:stretch>
+        </p:blipFill>
         <p:spPr>
           <a:xfrm>
-            <a:off x="859809" y="957942"/>
-            <a:ext cx="7560859" cy="4596697"/>
+            <a:off x="904875" y="1371599"/>
+            <a:ext cx="7334250" cy="4633415"/>
           </a:xfrm>
+          <a:prstGeom prst="rect">
+            <a:avLst/>
+          </a:prstGeom>
         </p:spPr>
-        <p:txBody>
-          <a:bodyPr/>
-          <a:lstStyle/>
-          <a:p>
-            <a:pPr marL="0" indent="0">
-              <a:spcAft>
-                <a:spcPts val="600"/>
-              </a:spcAft>
-              <a:buNone/>
-            </a:pPr>
-            <a:r>
-              <a:rPr lang="en-US" sz="1800" b="1" dirty="0">
-                <a:latin typeface="Calibri" panose="020F0502020204030204" pitchFamily="34" charset="0"/>
-                <a:cs typeface="Calibri" panose="020F0502020204030204" pitchFamily="34" charset="0"/>
-              </a:rPr>
-              <a:t>Provided :</a:t>
-            </a:r>
-          </a:p>
-          <a:p>
-            <a:pPr marL="806450" indent="-342900">
-              <a:spcAft>
-                <a:spcPts val="600"/>
-              </a:spcAft>
-              <a:buFont typeface="+mj-lt"/>
-              <a:buAutoNum type="arabicPeriod"/>
-            </a:pPr>
-            <a:r>
-              <a:rPr lang="en-IN" sz="1800" dirty="0">
-                <a:latin typeface="Calibri" panose="020F0502020204030204" pitchFamily="34" charset="0"/>
-                <a:cs typeface="Calibri" panose="020F0502020204030204" pitchFamily="34" charset="0"/>
-              </a:rPr>
-              <a:t>Requirement UI/UX flow</a:t>
-            </a:r>
-          </a:p>
-          <a:p>
-            <a:pPr marL="806450" indent="-342900">
-              <a:spcAft>
-                <a:spcPts val="600"/>
-              </a:spcAft>
-              <a:buFont typeface="+mj-lt"/>
-              <a:buAutoNum type="arabicPeriod"/>
-            </a:pPr>
-            <a:r>
-              <a:rPr lang="en-IN" sz="1800" dirty="0">
-                <a:latin typeface="Calibri" panose="020F0502020204030204" pitchFamily="34" charset="0"/>
-                <a:cs typeface="Calibri" panose="020F0502020204030204" pitchFamily="34" charset="0"/>
-              </a:rPr>
-              <a:t>Android devices for testing</a:t>
-            </a:r>
-            <a:endParaRPr lang="en-US" sz="1800" dirty="0">
-              <a:latin typeface="Calibri" panose="020F0502020204030204" pitchFamily="34" charset="0"/>
-              <a:cs typeface="Calibri" panose="020F0502020204030204" pitchFamily="34" charset="0"/>
-            </a:endParaRPr>
-          </a:p>
-          <a:p>
-            <a:pPr marL="806450" indent="-342900">
-              <a:spcAft>
-                <a:spcPts val="600"/>
-              </a:spcAft>
-              <a:buFont typeface="+mj-lt"/>
-              <a:buAutoNum type="arabicPeriod"/>
-            </a:pPr>
-            <a:r>
-              <a:rPr lang="en-US" sz="1800" dirty="0">
-                <a:latin typeface="Calibri" panose="020F0502020204030204" pitchFamily="34" charset="0"/>
-                <a:cs typeface="Calibri" panose="020F0502020204030204" pitchFamily="34" charset="0"/>
-              </a:rPr>
-              <a:t>Credential for SVN </a:t>
-            </a:r>
-          </a:p>
-          <a:p>
-            <a:pPr marL="806450" indent="-342900">
-              <a:spcAft>
-                <a:spcPts val="600"/>
-              </a:spcAft>
-              <a:buFont typeface="+mj-lt"/>
-              <a:buAutoNum type="arabicPeriod"/>
-            </a:pPr>
-            <a:r>
-              <a:rPr lang="en-US" sz="1800" dirty="0">
-                <a:latin typeface="Calibri" panose="020F0502020204030204" pitchFamily="34" charset="0"/>
-                <a:cs typeface="Calibri" panose="020F0502020204030204" pitchFamily="34" charset="0"/>
-              </a:rPr>
-              <a:t>Requirement </a:t>
-            </a:r>
-            <a:r>
-              <a:rPr lang="en-US" sz="1800" dirty="0" smtClean="0">
-                <a:latin typeface="Calibri" panose="020F0502020204030204" pitchFamily="34" charset="0"/>
-                <a:cs typeface="Calibri" panose="020F0502020204030204" pitchFamily="34" charset="0"/>
-              </a:rPr>
-              <a:t>document</a:t>
-            </a:r>
-            <a:endParaRPr lang="en-US" sz="1800" dirty="0">
-              <a:latin typeface="Calibri" panose="020F0502020204030204" pitchFamily="34" charset="0"/>
-              <a:cs typeface="Calibri" panose="020F0502020204030204" pitchFamily="34" charset="0"/>
-            </a:endParaRPr>
-          </a:p>
-          <a:p>
-            <a:pPr marL="0" indent="0">
-              <a:spcAft>
-                <a:spcPts val="600"/>
-              </a:spcAft>
-              <a:buNone/>
-            </a:pPr>
-            <a:r>
-              <a:rPr lang="en-US" sz="1800" b="1" dirty="0">
-                <a:latin typeface="Calibri" panose="020F0502020204030204" pitchFamily="34" charset="0"/>
-                <a:cs typeface="Calibri" panose="020F0502020204030204" pitchFamily="34" charset="0"/>
-              </a:rPr>
-              <a:t>Request to provide :</a:t>
-            </a:r>
-          </a:p>
-          <a:p>
-            <a:pPr marL="800100" lvl="1" indent="-342900">
-              <a:spcAft>
-                <a:spcPts val="600"/>
-              </a:spcAft>
-              <a:buFont typeface="+mj-lt"/>
-              <a:buAutoNum type="arabicPeriod"/>
-            </a:pPr>
-            <a:r>
-              <a:rPr lang="en-US" sz="1800" dirty="0">
-                <a:latin typeface="Calibri" panose="020F0502020204030204" pitchFamily="34" charset="0"/>
-                <a:cs typeface="Calibri" panose="020F0502020204030204" pitchFamily="34" charset="0"/>
-              </a:rPr>
-              <a:t>iOS developer </a:t>
-            </a:r>
-            <a:r>
-              <a:rPr lang="en-US" sz="1800" dirty="0" smtClean="0">
-                <a:latin typeface="Calibri" panose="020F0502020204030204" pitchFamily="34" charset="0"/>
-                <a:cs typeface="Calibri" panose="020F0502020204030204" pitchFamily="34" charset="0"/>
-              </a:rPr>
-              <a:t>credentials</a:t>
-            </a:r>
-            <a:endParaRPr lang="en-US" sz="1800" dirty="0">
-              <a:latin typeface="Calibri" panose="020F0502020204030204" pitchFamily="34" charset="0"/>
-              <a:cs typeface="Calibri" panose="020F0502020204030204" pitchFamily="34" charset="0"/>
-            </a:endParaRPr>
-          </a:p>
-          <a:p>
-            <a:pPr marL="0" indent="0">
-              <a:spcAft>
-                <a:spcPts val="600"/>
-              </a:spcAft>
-              <a:buNone/>
-            </a:pPr>
-            <a:r>
-              <a:rPr lang="en-US" sz="1800" b="1" dirty="0">
-                <a:latin typeface="Calibri" panose="020F0502020204030204" pitchFamily="34" charset="0"/>
-                <a:cs typeface="Calibri" panose="020F0502020204030204" pitchFamily="34" charset="0"/>
-              </a:rPr>
-              <a:t>R&amp;D required :</a:t>
-            </a:r>
-          </a:p>
-          <a:p>
-            <a:pPr marL="800100" lvl="1" indent="-342900">
-              <a:spcAft>
-                <a:spcPts val="600"/>
-              </a:spcAft>
-              <a:buFont typeface="+mj-lt"/>
-              <a:buAutoNum type="arabicPeriod"/>
-            </a:pPr>
-            <a:r>
-              <a:rPr lang="en-US" sz="1800" dirty="0">
-                <a:latin typeface="Calibri" panose="020F0502020204030204" pitchFamily="34" charset="0"/>
-                <a:cs typeface="Calibri" panose="020F0502020204030204" pitchFamily="34" charset="0"/>
-              </a:rPr>
-              <a:t>Web services in java</a:t>
-            </a:r>
-          </a:p>
-          <a:p>
-            <a:pPr marL="800100" lvl="1" indent="-342900">
-              <a:spcAft>
-                <a:spcPts val="600"/>
-              </a:spcAft>
-              <a:buFont typeface="+mj-lt"/>
-              <a:buAutoNum type="arabicPeriod"/>
-            </a:pPr>
-            <a:r>
-              <a:rPr lang="en-US" sz="1800" dirty="0">
-                <a:latin typeface="Calibri" panose="020F0502020204030204" pitchFamily="34" charset="0"/>
-                <a:cs typeface="Calibri" panose="020F0502020204030204" pitchFamily="34" charset="0"/>
-              </a:rPr>
-              <a:t>Voice recognition module</a:t>
-            </a:r>
-          </a:p>
-          <a:p>
-            <a:endParaRPr lang="en-IN" dirty="0">
-              <a:latin typeface="Calibri" panose="020F0502020204030204" pitchFamily="34" charset="0"/>
-              <a:cs typeface="Calibri" panose="020F0502020204030204" pitchFamily="34" charset="0"/>
-            </a:endParaRPr>
-          </a:p>
-        </p:txBody>
-      </p:sp>
+      </p:pic>
     </p:spTree>
     <p:extLst>
       <p:ext uri="{BB962C8B-B14F-4D97-AF65-F5344CB8AC3E}">
-        <p14:creationId xmlns:p14="http://schemas.microsoft.com/office/powerpoint/2010/main" val="2679875382"/>
+        <p14:creationId xmlns:p14="http://schemas.microsoft.com/office/powerpoint/2010/main" val="787399331"/>
       </p:ext>
     </p:extLst>
   </p:cSld>
@@ -8046,6 +7863,294 @@
             <a:fld id="{75D64ABA-DC95-A94B-BCA3-09692F8C9985}" type="slidenum">
               <a:rPr lang="en-US" smtClean="0"/>
               <a:t>11</a:t>
+            </a:fld>
+            <a:endParaRPr lang="en-US"/>
+          </a:p>
+        </p:txBody>
+      </p:sp>
+      <p:sp>
+        <p:nvSpPr>
+          <p:cNvPr id="4" name="Title 3"/>
+          <p:cNvSpPr>
+            <a:spLocks noGrp="1"/>
+          </p:cNvSpPr>
+          <p:nvPr>
+            <p:ph type="title"/>
+          </p:nvPr>
+        </p:nvSpPr>
+        <p:spPr/>
+        <p:txBody>
+          <a:bodyPr/>
+          <a:lstStyle/>
+          <a:p>
+            <a:r>
+              <a:rPr lang="en-US" sz="2000" dirty="0">
+                <a:latin typeface="+mn-lt"/>
+              </a:rPr>
+              <a:t>Customer Supplied Material</a:t>
+            </a:r>
+            <a:endParaRPr lang="en-IN" sz="2000" dirty="0">
+              <a:latin typeface="+mn-lt"/>
+            </a:endParaRPr>
+          </a:p>
+        </p:txBody>
+      </p:sp>
+      <p:sp>
+        <p:nvSpPr>
+          <p:cNvPr id="5" name="Text Placeholder 4"/>
+          <p:cNvSpPr>
+            <a:spLocks noGrp="1"/>
+          </p:cNvSpPr>
+          <p:nvPr>
+            <p:ph type="body" sz="quarter" idx="15"/>
+          </p:nvPr>
+        </p:nvSpPr>
+        <p:spPr>
+          <a:xfrm>
+            <a:off x="859809" y="957942"/>
+            <a:ext cx="7560859" cy="4596697"/>
+          </a:xfrm>
+        </p:spPr>
+        <p:txBody>
+          <a:bodyPr/>
+          <a:lstStyle/>
+          <a:p>
+            <a:pPr marL="0" indent="0">
+              <a:spcAft>
+                <a:spcPts val="600"/>
+              </a:spcAft>
+              <a:buNone/>
+            </a:pPr>
+            <a:r>
+              <a:rPr lang="en-US" sz="1800" b="1" dirty="0">
+                <a:latin typeface="Calibri" panose="020F0502020204030204" pitchFamily="34" charset="0"/>
+                <a:cs typeface="Calibri" panose="020F0502020204030204" pitchFamily="34" charset="0"/>
+              </a:rPr>
+              <a:t>Provided :</a:t>
+            </a:r>
+          </a:p>
+          <a:p>
+            <a:pPr marL="806450" indent="-342900">
+              <a:spcAft>
+                <a:spcPts val="600"/>
+              </a:spcAft>
+              <a:buFont typeface="+mj-lt"/>
+              <a:buAutoNum type="arabicPeriod"/>
+            </a:pPr>
+            <a:r>
+              <a:rPr lang="en-IN" sz="1800" dirty="0" smtClean="0">
+                <a:latin typeface="Calibri" panose="020F0502020204030204" pitchFamily="34" charset="0"/>
+                <a:cs typeface="Calibri" panose="020F0502020204030204" pitchFamily="34" charset="0"/>
+              </a:rPr>
+              <a:t>Android &amp; iOS  </a:t>
+            </a:r>
+            <a:r>
+              <a:rPr lang="en-IN" sz="1800" dirty="0">
+                <a:latin typeface="Calibri" panose="020F0502020204030204" pitchFamily="34" charset="0"/>
+                <a:cs typeface="Calibri" panose="020F0502020204030204" pitchFamily="34" charset="0"/>
+              </a:rPr>
+              <a:t>devices for testing</a:t>
+            </a:r>
+            <a:endParaRPr lang="en-US" sz="1800" dirty="0">
+              <a:latin typeface="Calibri" panose="020F0502020204030204" pitchFamily="34" charset="0"/>
+              <a:cs typeface="Calibri" panose="020F0502020204030204" pitchFamily="34" charset="0"/>
+            </a:endParaRPr>
+          </a:p>
+          <a:p>
+            <a:pPr marL="806450" indent="-342900">
+              <a:spcAft>
+                <a:spcPts val="600"/>
+              </a:spcAft>
+              <a:buFont typeface="+mj-lt"/>
+              <a:buAutoNum type="arabicPeriod"/>
+            </a:pPr>
+            <a:r>
+              <a:rPr lang="en-US" sz="1800" dirty="0">
+                <a:latin typeface="Calibri" panose="020F0502020204030204" pitchFamily="34" charset="0"/>
+                <a:cs typeface="Calibri" panose="020F0502020204030204" pitchFamily="34" charset="0"/>
+              </a:rPr>
+              <a:t>Credential for SVN </a:t>
+            </a:r>
+          </a:p>
+          <a:p>
+            <a:pPr marL="806450" indent="-342900">
+              <a:spcAft>
+                <a:spcPts val="600"/>
+              </a:spcAft>
+              <a:buFont typeface="+mj-lt"/>
+              <a:buAutoNum type="arabicPeriod"/>
+            </a:pPr>
+            <a:r>
+              <a:rPr lang="en-US" sz="1800" dirty="0">
+                <a:latin typeface="Calibri" panose="020F0502020204030204" pitchFamily="34" charset="0"/>
+                <a:cs typeface="Calibri" panose="020F0502020204030204" pitchFamily="34" charset="0"/>
+              </a:rPr>
+              <a:t>Requirement </a:t>
+            </a:r>
+            <a:r>
+              <a:rPr lang="en-US" sz="1800" dirty="0" smtClean="0">
+                <a:latin typeface="Calibri" panose="020F0502020204030204" pitchFamily="34" charset="0"/>
+                <a:cs typeface="Calibri" panose="020F0502020204030204" pitchFamily="34" charset="0"/>
+              </a:rPr>
+              <a:t>document</a:t>
+            </a:r>
+            <a:endParaRPr lang="en-US" sz="1800" dirty="0">
+              <a:latin typeface="Calibri" panose="020F0502020204030204" pitchFamily="34" charset="0"/>
+              <a:cs typeface="Calibri" panose="020F0502020204030204" pitchFamily="34" charset="0"/>
+            </a:endParaRPr>
+          </a:p>
+          <a:p>
+            <a:pPr marL="0" indent="0">
+              <a:spcAft>
+                <a:spcPts val="600"/>
+              </a:spcAft>
+              <a:buNone/>
+            </a:pPr>
+            <a:r>
+              <a:rPr lang="en-US" sz="1800" b="1" dirty="0">
+                <a:latin typeface="Calibri" panose="020F0502020204030204" pitchFamily="34" charset="0"/>
+                <a:cs typeface="Calibri" panose="020F0502020204030204" pitchFamily="34" charset="0"/>
+              </a:rPr>
+              <a:t>Request to provide :</a:t>
+            </a:r>
+          </a:p>
+          <a:p>
+            <a:pPr marL="800100" lvl="1" indent="-342900">
+              <a:spcAft>
+                <a:spcPts val="600"/>
+              </a:spcAft>
+              <a:buFont typeface="+mj-lt"/>
+              <a:buAutoNum type="arabicPeriod"/>
+            </a:pPr>
+            <a:r>
+              <a:rPr lang="en-US" sz="1800" dirty="0">
+                <a:latin typeface="Calibri" panose="020F0502020204030204" pitchFamily="34" charset="0"/>
+                <a:cs typeface="Calibri" panose="020F0502020204030204" pitchFamily="34" charset="0"/>
+              </a:rPr>
+              <a:t>iOS developer </a:t>
+            </a:r>
+            <a:r>
+              <a:rPr lang="en-US" sz="1800" dirty="0" smtClean="0">
+                <a:latin typeface="Calibri" panose="020F0502020204030204" pitchFamily="34" charset="0"/>
+                <a:cs typeface="Calibri" panose="020F0502020204030204" pitchFamily="34" charset="0"/>
+              </a:rPr>
+              <a:t>credentials</a:t>
+            </a:r>
+            <a:endParaRPr lang="en-US" sz="1800" dirty="0">
+              <a:latin typeface="Calibri" panose="020F0502020204030204" pitchFamily="34" charset="0"/>
+              <a:cs typeface="Calibri" panose="020F0502020204030204" pitchFamily="34" charset="0"/>
+            </a:endParaRPr>
+          </a:p>
+          <a:p>
+            <a:pPr marL="0" indent="0">
+              <a:spcAft>
+                <a:spcPts val="600"/>
+              </a:spcAft>
+              <a:buNone/>
+            </a:pPr>
+            <a:r>
+              <a:rPr lang="en-US" sz="1800" b="1" dirty="0">
+                <a:latin typeface="Calibri" panose="020F0502020204030204" pitchFamily="34" charset="0"/>
+                <a:cs typeface="Calibri" panose="020F0502020204030204" pitchFamily="34" charset="0"/>
+              </a:rPr>
+              <a:t>R&amp;D required :</a:t>
+            </a:r>
+          </a:p>
+          <a:p>
+            <a:pPr marL="800100" lvl="1" indent="-342900">
+              <a:spcAft>
+                <a:spcPts val="600"/>
+              </a:spcAft>
+              <a:buFont typeface="+mj-lt"/>
+              <a:buAutoNum type="arabicPeriod"/>
+            </a:pPr>
+            <a:r>
+              <a:rPr lang="en-US" sz="1800" dirty="0">
+                <a:latin typeface="Calibri" panose="020F0502020204030204" pitchFamily="34" charset="0"/>
+                <a:cs typeface="Calibri" panose="020F0502020204030204" pitchFamily="34" charset="0"/>
+              </a:rPr>
+              <a:t>Web services in java</a:t>
+            </a:r>
+          </a:p>
+          <a:p>
+            <a:pPr marL="800100" lvl="1" indent="-342900">
+              <a:spcAft>
+                <a:spcPts val="600"/>
+              </a:spcAft>
+              <a:buFont typeface="+mj-lt"/>
+              <a:buAutoNum type="arabicPeriod"/>
+            </a:pPr>
+            <a:r>
+              <a:rPr lang="en-US" sz="1800" dirty="0">
+                <a:latin typeface="Calibri" panose="020F0502020204030204" pitchFamily="34" charset="0"/>
+                <a:cs typeface="Calibri" panose="020F0502020204030204" pitchFamily="34" charset="0"/>
+              </a:rPr>
+              <a:t>Voice recognition module</a:t>
+            </a:r>
+          </a:p>
+          <a:p>
+            <a:endParaRPr lang="en-IN" dirty="0">
+              <a:latin typeface="Calibri" panose="020F0502020204030204" pitchFamily="34" charset="0"/>
+              <a:cs typeface="Calibri" panose="020F0502020204030204" pitchFamily="34" charset="0"/>
+            </a:endParaRPr>
+          </a:p>
+        </p:txBody>
+      </p:sp>
+    </p:spTree>
+    <p:extLst>
+      <p:ext uri="{BB962C8B-B14F-4D97-AF65-F5344CB8AC3E}">
+        <p14:creationId xmlns:p14="http://schemas.microsoft.com/office/powerpoint/2010/main" val="2679875382"/>
+      </p:ext>
+    </p:extLst>
+  </p:cSld>
+  <p:clrMapOvr>
+    <a:masterClrMapping/>
+  </p:clrMapOvr>
+  <p:timing>
+    <p:tnLst>
+      <p:par>
+        <p:cTn id="1" dur="indefinite" restart="never" nodeType="tmRoot"/>
+      </p:par>
+    </p:tnLst>
+  </p:timing>
+</p:sld>
+</file>
+
+<file path=ppt/slides/slide12.xml><?xml version="1.0" encoding="utf-8"?>
+<p:sld xmlns:a="http://schemas.openxmlformats.org/drawingml/2006/main" xmlns:r="http://schemas.openxmlformats.org/officeDocument/2006/relationships" xmlns:p="http://schemas.openxmlformats.org/presentationml/2006/main">
+  <p:cSld>
+    <p:spTree>
+      <p:nvGrpSpPr>
+        <p:cNvPr id="1" name=""/>
+        <p:cNvGrpSpPr/>
+        <p:nvPr/>
+      </p:nvGrpSpPr>
+      <p:grpSpPr>
+        <a:xfrm>
+          <a:off x="0" y="0"/>
+          <a:ext cx="0" cy="0"/>
+          <a:chOff x="0" y="0"/>
+          <a:chExt cx="0" cy="0"/>
+        </a:xfrm>
+      </p:grpSpPr>
+      <p:sp>
+        <p:nvSpPr>
+          <p:cNvPr id="2" name="Slide Number Placeholder 1"/>
+          <p:cNvSpPr>
+            <a:spLocks noGrp="1"/>
+          </p:cNvSpPr>
+          <p:nvPr>
+            <p:ph type="sldNum" sz="quarter" idx="12"/>
+          </p:nvPr>
+        </p:nvSpPr>
+        <p:spPr/>
+        <p:txBody>
+          <a:bodyPr/>
+          <a:lstStyle/>
+          <a:p>
+            <a:fld id="{75D64ABA-DC95-A94B-BCA3-09692F8C9985}" type="slidenum">
+              <a:rPr lang="en-US" smtClean="0"/>
+              <a:t>12</a:t>
             </a:fld>
             <a:endParaRPr lang="en-US"/>
           </a:p>
@@ -8344,11 +8449,18 @@
                 <a:buChar char="••"/>
               </a:pPr>
               <a:r>
-                <a:rPr lang="en-US" sz="1800" dirty="0" smtClean="0">
+                <a:rPr lang="en-US" sz="1600" dirty="0" smtClean="0">
                   <a:latin typeface="Calibri" panose="020F0502020204030204" pitchFamily="34" charset="0"/>
                   <a:cs typeface="Calibri" panose="020F0502020204030204" pitchFamily="34" charset="0"/>
                 </a:rPr>
-                <a:t> Study of code </a:t>
+                <a:t> </a:t>
+              </a:r>
+              <a:r>
+                <a:rPr lang="en-US" sz="1600" dirty="0" smtClean="0">
+                  <a:latin typeface="Calibri" panose="020F0502020204030204" pitchFamily="34" charset="0"/>
+                  <a:cs typeface="Calibri" panose="020F0502020204030204" pitchFamily="34" charset="0"/>
+                </a:rPr>
+                <a:t>Requirement gathering</a:t>
               </a:r>
             </a:p>
             <a:p>
@@ -8365,12 +8477,16 @@
                 <a:buChar char="••"/>
               </a:pPr>
               <a:r>
-                <a:rPr lang="en-US" sz="1800" dirty="0" smtClean="0">
+                <a:rPr lang="en-US" sz="1600" dirty="0" smtClean="0">
                   <a:latin typeface="Calibri" panose="020F0502020204030204" pitchFamily="34" charset="0"/>
                   <a:cs typeface="Calibri" panose="020F0502020204030204" pitchFamily="34" charset="0"/>
                 </a:rPr>
-                <a:t> Create effort estimation</a:t>
+                <a:t>Create UI/UX design flow &amp;  document</a:t>
               </a:r>
+              <a:endParaRPr lang="en-US" sz="1600" dirty="0" smtClean="0">
+                <a:latin typeface="Calibri" panose="020F0502020204030204" pitchFamily="34" charset="0"/>
+                <a:cs typeface="Calibri" panose="020F0502020204030204" pitchFamily="34" charset="0"/>
+              </a:endParaRPr>
             </a:p>
             <a:p>
               <a:pPr marL="114300" lvl="2" indent="-57150" algn="l" defTabSz="444500">
@@ -8386,7 +8502,39 @@
                 <a:buChar char="••"/>
               </a:pPr>
               <a:r>
-                <a:rPr lang="en-US" sz="1800" kern="1200" dirty="0" smtClean="0">
+                <a:rPr lang="en-US" sz="1600" dirty="0" smtClean="0">
+                  <a:latin typeface="Calibri" panose="020F0502020204030204" pitchFamily="34" charset="0"/>
+                  <a:cs typeface="Calibri" panose="020F0502020204030204" pitchFamily="34" charset="0"/>
+                </a:rPr>
+                <a:t> Create effort </a:t>
+              </a:r>
+              <a:r>
+                <a:rPr lang="en-US" sz="1600" dirty="0" smtClean="0">
+                  <a:latin typeface="Calibri" panose="020F0502020204030204" pitchFamily="34" charset="0"/>
+                  <a:cs typeface="Calibri" panose="020F0502020204030204" pitchFamily="34" charset="0"/>
+                </a:rPr>
+                <a:t>estimation of version 1 &amp; 2</a:t>
+              </a:r>
+              <a:endParaRPr lang="en-US" sz="1600" dirty="0" smtClean="0">
+                <a:latin typeface="Calibri" panose="020F0502020204030204" pitchFamily="34" charset="0"/>
+                <a:cs typeface="Calibri" panose="020F0502020204030204" pitchFamily="34" charset="0"/>
+              </a:endParaRPr>
+            </a:p>
+            <a:p>
+              <a:pPr marL="114300" lvl="2" indent="-57150" algn="l" defTabSz="444500">
+                <a:lnSpc>
+                  <a:spcPct val="90000"/>
+                </a:lnSpc>
+                <a:spcBef>
+                  <a:spcPct val="0"/>
+                </a:spcBef>
+                <a:spcAft>
+                  <a:spcPct val="15000"/>
+                </a:spcAft>
+                <a:buChar char="••"/>
+              </a:pPr>
+              <a:r>
+                <a:rPr lang="en-US" sz="1600" kern="1200" dirty="0" smtClean="0">
                   <a:latin typeface="Calibri" panose="020F0502020204030204" pitchFamily="34" charset="0"/>
                   <a:cs typeface="Calibri" panose="020F0502020204030204" pitchFamily="34" charset="0"/>
                 </a:rPr>
@@ -8406,13 +8554,6 @@
                 </a:spcAft>
                 <a:buChar char="••"/>
               </a:pPr>
-              <a:r>
-                <a:rPr lang="en-US" sz="1800" kern="1200" dirty="0" smtClean="0">
-                  <a:latin typeface="Calibri" panose="020F0502020204030204" pitchFamily="34" charset="0"/>
-                  <a:cs typeface="Calibri" panose="020F0502020204030204" pitchFamily="34" charset="0"/>
-                </a:rPr>
-                <a:t> Review of Milestones and Risk tracker</a:t>
-              </a:r>
               <a:endParaRPr lang="en-US" sz="1800" dirty="0">
                 <a:latin typeface="Calibri" panose="020F0502020204030204" pitchFamily="34" charset="0"/>
                 <a:cs typeface="Calibri" panose="020F0502020204030204" pitchFamily="34" charset="0"/>
@@ -8539,14 +8680,34 @@
                 <a:buChar char="••"/>
               </a:pPr>
               <a:r>
-                <a:rPr lang="en-US" sz="1800" kern="1200" dirty="0" smtClean="0">
+                <a:rPr lang="en-US" sz="1600" kern="1200" dirty="0" smtClean="0">
                   <a:solidFill>
                     <a:schemeClr val="tx1"/>
                   </a:solidFill>
                   <a:latin typeface="Calibri" panose="020F0502020204030204" pitchFamily="34" charset="0"/>
                   <a:cs typeface="Calibri" panose="020F0502020204030204" pitchFamily="34" charset="0"/>
                 </a:rPr>
-                <a:t> Study the code and requirements spec</a:t>
+                <a:t> Study </a:t>
+              </a:r>
+              <a:r>
+                <a:rPr lang="en-US" sz="1600" kern="1200" dirty="0" smtClean="0">
+                  <a:solidFill>
+                    <a:schemeClr val="tx1"/>
+                  </a:solidFill>
+                  <a:latin typeface="Calibri" panose="020F0502020204030204" pitchFamily="34" charset="0"/>
+                  <a:cs typeface="Calibri" panose="020F0502020204030204" pitchFamily="34" charset="0"/>
+                </a:rPr>
+                <a:t>of requirements </a:t>
+              </a:r>
+              <a:r>
+                <a:rPr lang="en-US" sz="1600" kern="1200" dirty="0" smtClean="0">
+                  <a:solidFill>
+                    <a:schemeClr val="tx1"/>
+                  </a:solidFill>
+                  <a:latin typeface="Calibri" panose="020F0502020204030204" pitchFamily="34" charset="0"/>
+                  <a:cs typeface="Calibri" panose="020F0502020204030204" pitchFamily="34" charset="0"/>
+                </a:rPr>
+                <a:t>spec</a:t>
               </a:r>
             </a:p>
             <a:p>
@@ -8563,7 +8724,7 @@
                 <a:buChar char="••"/>
               </a:pPr>
               <a:r>
-                <a:rPr lang="en-US" sz="1800" dirty="0">
+                <a:rPr lang="en-US" sz="1600" dirty="0">
                   <a:solidFill>
                     <a:schemeClr val="tx1"/>
                   </a:solidFill>
@@ -8573,7 +8734,7 @@
                 <a:t> </a:t>
               </a:r>
               <a:r>
-                <a:rPr lang="en-US" sz="1800" dirty="0" smtClean="0">
+                <a:rPr lang="en-US" sz="1600" dirty="0" smtClean="0">
                   <a:solidFill>
                     <a:schemeClr val="tx1"/>
                   </a:solidFill>
@@ -8595,7 +8756,7 @@
                 <a:buChar char="••"/>
               </a:pPr>
               <a:r>
-                <a:rPr lang="en-US" sz="1800" dirty="0">
+                <a:rPr lang="en-US" sz="1600" dirty="0">
                   <a:solidFill>
                     <a:schemeClr val="tx1"/>
                   </a:solidFill>
@@ -8605,7 +8766,7 @@
                 <a:t> </a:t>
               </a:r>
               <a:r>
-                <a:rPr lang="en-US" sz="1800" dirty="0" smtClean="0">
+                <a:rPr lang="en-US" sz="1600" dirty="0" smtClean="0">
                   <a:solidFill>
                     <a:schemeClr val="tx1"/>
                   </a:solidFill>
@@ -8615,7 +8776,7 @@
                 <a:t>Manual </a:t>
               </a:r>
               <a:r>
-                <a:rPr lang="en-US" sz="1800" dirty="0">
+                <a:rPr lang="en-US" sz="1600" dirty="0">
                   <a:solidFill>
                     <a:schemeClr val="tx1"/>
                   </a:solidFill>
@@ -8625,7 +8786,7 @@
                 <a:t>test plan </a:t>
               </a:r>
               <a:r>
-                <a:rPr lang="en-US" sz="1800" dirty="0" smtClean="0">
+                <a:rPr lang="en-US" sz="1600" dirty="0" smtClean="0">
                   <a:solidFill>
                     <a:schemeClr val="tx1"/>
                   </a:solidFill>
@@ -8647,7 +8808,7 @@
                 <a:buChar char="••"/>
               </a:pPr>
               <a:r>
-                <a:rPr lang="en-US" sz="1800" dirty="0" smtClean="0">
+                <a:rPr lang="en-US" sz="1600" dirty="0" smtClean="0">
                   <a:solidFill>
                     <a:schemeClr val="tx1"/>
                   </a:solidFill>
@@ -8656,7 +8817,7 @@
                 </a:rPr>
                 <a:t> Perform static analysis of code</a:t>
               </a:r>
-              <a:endParaRPr lang="en-US" sz="1800" dirty="0">
+              <a:endParaRPr lang="en-US" sz="1600" dirty="0">
                 <a:solidFill>
                   <a:schemeClr val="tx1"/>
                 </a:solidFill>
@@ -8678,14 +8839,24 @@
                 <a:buChar char="••"/>
               </a:pPr>
               <a:r>
-                <a:rPr lang="en-US" sz="1800" dirty="0" smtClean="0">
+                <a:rPr lang="en-US" sz="1600" kern="1200" dirty="0" smtClean="0">
                   <a:solidFill>
                     <a:schemeClr val="tx1"/>
                   </a:solidFill>
                   <a:latin typeface="Calibri" panose="020F0502020204030204" pitchFamily="34" charset="0"/>
                   <a:cs typeface="Calibri" panose="020F0502020204030204" pitchFamily="34" charset="0"/>
                 </a:rPr>
-                <a:t> Perform manual test</a:t>
+                <a:t>Create </a:t>
+              </a:r>
+              <a:r>
+                <a:rPr lang="en-US" sz="1600" kern="1200" dirty="0" smtClean="0">
+                  <a:solidFill>
+                    <a:schemeClr val="tx1"/>
+                  </a:solidFill>
+                  <a:latin typeface="Calibri" panose="020F0502020204030204" pitchFamily="34" charset="0"/>
+                  <a:cs typeface="Calibri" panose="020F0502020204030204" pitchFamily="34" charset="0"/>
+                </a:rPr>
+                <a:t>Checklist for internal review</a:t>
               </a:r>
             </a:p>
             <a:p>
@@ -8702,39 +8873,32 @@
                 <a:buChar char="••"/>
               </a:pPr>
               <a:r>
-                <a:rPr lang="en-US" sz="1800" kern="1200" dirty="0" smtClean="0">
+                <a:rPr lang="en-US" sz="1600" dirty="0" smtClean="0">
                   <a:solidFill>
                     <a:schemeClr val="tx1"/>
                   </a:solidFill>
                   <a:latin typeface="Calibri" panose="020F0502020204030204" pitchFamily="34" charset="0"/>
                   <a:cs typeface="Calibri" panose="020F0502020204030204" pitchFamily="34" charset="0"/>
                 </a:rPr>
-                <a:t> Create Checklist for internal review</a:t>
+                <a:t> </a:t>
               </a:r>
-            </a:p>
-            <a:p>
-              <a:pPr marL="114300" lvl="2" indent="-57150" algn="l" defTabSz="444500">
-                <a:lnSpc>
-                  <a:spcPct val="90000"/>
-                </a:lnSpc>
-                <a:spcBef>
-                  <a:spcPct val="0"/>
-                </a:spcBef>
-                <a:spcAft>
-                  <a:spcPct val="15000"/>
-                </a:spcAft>
-                <a:buChar char="••"/>
-              </a:pPr>
               <a:r>
-                <a:rPr lang="en-US" sz="1800" dirty="0" smtClean="0">
+                <a:rPr lang="en-US" sz="1600" dirty="0" smtClean="0">
                   <a:solidFill>
                     <a:schemeClr val="tx1"/>
                   </a:solidFill>
                   <a:latin typeface="Calibri" panose="020F0502020204030204" pitchFamily="34" charset="0"/>
                   <a:cs typeface="Calibri" panose="020F0502020204030204" pitchFamily="34" charset="0"/>
                 </a:rPr>
-                <a:t> Create defect logs</a:t>
+                <a:t>Create user manual guide</a:t>
               </a:r>
+              <a:endParaRPr lang="en-US" sz="1600" dirty="0" smtClean="0">
+                <a:solidFill>
+                  <a:schemeClr val="tx1"/>
+                </a:solidFill>
+                <a:latin typeface="Calibri" panose="020F0502020204030204" pitchFamily="34" charset="0"/>
+                <a:cs typeface="Calibri" panose="020F0502020204030204" pitchFamily="34" charset="0"/>
+              </a:endParaRPr>
             </a:p>
           </p:txBody>
         </p:sp>
@@ -8996,8 +9160,26 @@
                   <a:latin typeface="Calibri" panose="020F0502020204030204" pitchFamily="34" charset="0"/>
                   <a:cs typeface="Calibri" panose="020F0502020204030204" pitchFamily="34" charset="0"/>
                 </a:rPr>
-                <a:t> Create Review log for all files.</a:t>
+                <a:t> </a:t>
               </a:r>
+              <a:r>
+                <a:rPr lang="en-US" sz="1600" kern="1200" dirty="0" smtClean="0">
+                  <a:latin typeface="Calibri" panose="020F0502020204030204" pitchFamily="34" charset="0"/>
+                  <a:cs typeface="Calibri" panose="020F0502020204030204" pitchFamily="34" charset="0"/>
+                </a:rPr>
+                <a:t>Create Review log for all </a:t>
+              </a:r>
+              <a:r>
+                <a:rPr lang="en-US" sz="1600" kern="1200" dirty="0" smtClean="0">
+                  <a:latin typeface="Calibri" panose="020F0502020204030204" pitchFamily="34" charset="0"/>
+                  <a:cs typeface="Calibri" panose="020F0502020204030204" pitchFamily="34" charset="0"/>
+                </a:rPr>
+                <a:t>files</a:t>
+              </a:r>
+              <a:endParaRPr lang="en-US" sz="1600" kern="1200" dirty="0" smtClean="0">
+                <a:latin typeface="Calibri" panose="020F0502020204030204" pitchFamily="34" charset="0"/>
+                <a:cs typeface="Calibri" panose="020F0502020204030204" pitchFamily="34" charset="0"/>
+              </a:endParaRPr>
             </a:p>
             <a:p>
               <a:pPr marL="114300" lvl="2" indent="-57150" algn="l" defTabSz="444500">
@@ -9013,13 +9195,13 @@
                 <a:buChar char="••"/>
               </a:pPr>
               <a:r>
-                <a:rPr lang="en-US" sz="1800" dirty="0" smtClean="0">
+                <a:rPr lang="en-US" sz="1600" dirty="0" smtClean="0">
                   <a:latin typeface="Calibri" panose="020F0502020204030204" pitchFamily="34" charset="0"/>
                   <a:cs typeface="Calibri" panose="020F0502020204030204" pitchFamily="34" charset="0"/>
                 </a:rPr>
                 <a:t> Internal review and approval of all work products</a:t>
               </a:r>
-              <a:endParaRPr lang="en-US" sz="1800" kern="1200" dirty="0">
+              <a:endParaRPr lang="en-US" sz="1600" kern="1200" dirty="0">
                 <a:latin typeface="Calibri" panose="020F0502020204030204" pitchFamily="34" charset="0"/>
                 <a:cs typeface="Calibri" panose="020F0502020204030204" pitchFamily="34" charset="0"/>
               </a:endParaRPr>
@@ -9545,9 +9727,19 @@
                 <a:latin typeface="Calibri" panose="020F0502020204030204" pitchFamily="34" charset="0"/>
                 <a:cs typeface="Calibri" panose="020F0502020204030204" pitchFamily="34" charset="0"/>
               </a:rPr>
-              <a:t> Project acceptance signoff</a:t>
-            </a:r>
-            <a:endParaRPr lang="en-US" sz="1800" kern="1200" dirty="0">
+              <a:t> </a:t>
+            </a:r>
+            <a:r>
+              <a:rPr lang="en-US" sz="1600" kern="1200" dirty="0" smtClean="0">
+                <a:solidFill>
+                  <a:srgbClr val="014A8E"/>
+                </a:solidFill>
+                <a:latin typeface="Calibri" panose="020F0502020204030204" pitchFamily="34" charset="0"/>
+                <a:cs typeface="Calibri" panose="020F0502020204030204" pitchFamily="34" charset="0"/>
+              </a:rPr>
+              <a:t>Project acceptance signoff</a:t>
+            </a:r>
+            <a:endParaRPr lang="en-US" sz="1600" kern="1200" dirty="0">
               <a:solidFill>
                 <a:srgbClr val="014A8E"/>
               </a:solidFill>
@@ -9577,7 +9769,7 @@
 </p:sld>
 </file>
 
-<file path=ppt/slides/slide12.xml><?xml version="1.0" encoding="utf-8"?>
+<file path=ppt/slides/slide13.xml><?xml version="1.0" encoding="utf-8"?>
 <p:sld xmlns:a="http://schemas.openxmlformats.org/drawingml/2006/main" xmlns:r="http://schemas.openxmlformats.org/officeDocument/2006/relationships" xmlns:p="http://schemas.openxmlformats.org/presentationml/2006/main">
   <p:cSld>
     <p:spTree>
@@ -9611,7 +9803,7 @@
           <a:p>
             <a:fld id="{75D64ABA-DC95-A94B-BCA3-09692F8C9985}" type="slidenum">
               <a:rPr lang="en-US" smtClean="0"/>
-              <a:t>12</a:t>
+              <a:t>13</a:t>
             </a:fld>
             <a:endParaRPr lang="en-US"/>
           </a:p>
@@ -9653,14 +9845,14 @@
           <p:nvPr>
             <p:extLst>
               <p:ext uri="{D42A27DB-BD31-4B8C-83A1-F6EECF244321}">
-                <p14:modId xmlns:p14="http://schemas.microsoft.com/office/powerpoint/2010/main" val="1300945870"/>
+                <p14:modId xmlns:p14="http://schemas.microsoft.com/office/powerpoint/2010/main" val="2785254577"/>
               </p:ext>
             </p:extLst>
           </p:nvPr>
         </p:nvGraphicFramePr>
         <p:xfrm>
-          <a:off x="846160" y="1537652"/>
-          <a:ext cx="7889542" cy="4155183"/>
+          <a:off x="846160" y="1182804"/>
+          <a:ext cx="7889542" cy="4918448"/>
         </p:xfrm>
         <a:graphic>
           <a:graphicData uri="http://schemas.openxmlformats.org/drawingml/2006/table">
@@ -9767,7 +9959,19 @@
                           <a:ea typeface="+mn-ea"/>
                           <a:cs typeface="Calibri" panose="020F0502020204030204" pitchFamily="34" charset="0"/>
                         </a:rPr>
-                        <a:t>Project Kick-off</a:t>
+                        <a:t>Project </a:t>
+                      </a:r>
+                      <a:r>
+                        <a:rPr lang="en-US" sz="1800" b="1" kern="1200" dirty="0" smtClean="0">
+                          <a:solidFill>
+                            <a:schemeClr val="lt1"/>
+                          </a:solidFill>
+                          <a:effectLst/>
+                          <a:latin typeface="Calibri" panose="020F0502020204030204" pitchFamily="34" charset="0"/>
+                          <a:ea typeface="+mn-ea"/>
+                          <a:cs typeface="Calibri" panose="020F0502020204030204" pitchFamily="34" charset="0"/>
+                        </a:rPr>
+                        <a:t>Kick-off (Internal)</a:t>
                       </a:r>
                       <a:endParaRPr lang="en-IN" sz="1800" b="1" kern="1200" dirty="0">
                         <a:solidFill>
@@ -9807,6 +10011,81 @@
                         </a:rPr>
                         <a:t>29-july-2016</a:t>
                       </a:r>
+                      <a:endParaRPr lang="en-IN" sz="1800" b="0" dirty="0">
+                        <a:solidFill>
+                          <a:schemeClr val="tx1"/>
+                        </a:solidFill>
+                        <a:effectLst/>
+                        <a:latin typeface="Calibri" panose="020F0502020204030204" pitchFamily="34" charset="0"/>
+                        <a:ea typeface="Times New Roman"/>
+                        <a:cs typeface="Calibri" panose="020F0502020204030204" pitchFamily="34" charset="0"/>
+                      </a:endParaRPr>
+                    </a:p>
+                  </a:txBody>
+                  <a:tcPr marL="68580" marR="68580" marT="0" marB="0"/>
+                </a:tc>
+              </a:tr>
+              <a:tr h="378646">
+                <a:tc>
+                  <a:txBody>
+                    <a:bodyPr/>
+                    <a:lstStyle/>
+                    <a:p>
+                      <a:pPr marL="0" marR="0" indent="0" algn="l" defTabSz="914400" rtl="0" eaLnBrk="1" fontAlgn="auto" latinLnBrk="0" hangingPunct="1">
+                        <a:lnSpc>
+                          <a:spcPct val="115000"/>
+                        </a:lnSpc>
+                        <a:spcBef>
+                          <a:spcPts val="0"/>
+                        </a:spcBef>
+                        <a:spcAft>
+                          <a:spcPts val="0"/>
+                        </a:spcAft>
+                        <a:buClrTx/>
+                        <a:buSzTx/>
+                        <a:buFontTx/>
+                        <a:buNone/>
+                        <a:tabLst/>
+                        <a:defRPr/>
+                      </a:pPr>
+                      <a:r>
+                        <a:rPr lang="en-US" sz="1800" b="1" kern="1200" dirty="0" smtClean="0">
+                          <a:solidFill>
+                            <a:schemeClr val="lt1"/>
+                          </a:solidFill>
+                          <a:effectLst/>
+                          <a:latin typeface="Calibri" panose="020F0502020204030204" pitchFamily="34" charset="0"/>
+                          <a:ea typeface="+mn-ea"/>
+                          <a:cs typeface="Calibri" panose="020F0502020204030204" pitchFamily="34" charset="0"/>
+                        </a:rPr>
+                        <a:t>Project Kick-off</a:t>
+                      </a:r>
+                      <a:endParaRPr lang="en-IN" sz="1800" b="1" kern="1200" dirty="0" smtClean="0">
+                        <a:solidFill>
+                          <a:schemeClr val="lt1"/>
+                        </a:solidFill>
+                        <a:effectLst/>
+                        <a:latin typeface="Calibri" panose="020F0502020204030204" pitchFamily="34" charset="0"/>
+                        <a:ea typeface="+mn-ea"/>
+                        <a:cs typeface="Calibri" panose="020F0502020204030204" pitchFamily="34" charset="0"/>
+                      </a:endParaRPr>
+                    </a:p>
+                  </a:txBody>
+                  <a:tcPr marL="68580" marR="68580" marT="0" marB="0"/>
+                </a:tc>
+                <a:tc>
+                  <a:txBody>
+                    <a:bodyPr/>
+                    <a:lstStyle/>
+                    <a:p>
+                      <a:pPr algn="ctr">
+                        <a:lnSpc>
+                          <a:spcPct val="115000"/>
+                        </a:lnSpc>
+                        <a:spcAft>
+                          <a:spcPts val="0"/>
+                        </a:spcAft>
+                      </a:pPr>
                       <a:endParaRPr lang="en-IN" sz="1800" b="0" dirty="0">
                         <a:solidFill>
                           <a:schemeClr val="tx1"/>
@@ -9885,15 +10164,6 @@
                           <a:spcPts val="0"/>
                         </a:spcAft>
                       </a:pPr>
-                      <a:r>
-                        <a:rPr lang="en-US" sz="1800" dirty="0" smtClean="0">
-                          <a:effectLst/>
-                          <a:latin typeface="Calibri" panose="020F0502020204030204" pitchFamily="34" charset="0"/>
-                          <a:ea typeface="Times New Roman"/>
-                          <a:cs typeface="Calibri" panose="020F0502020204030204" pitchFamily="34" charset="0"/>
-                        </a:rPr>
-                        <a:t>03-August-2016</a:t>
-                      </a:r>
                       <a:endParaRPr lang="en-IN" sz="1800" dirty="0">
                         <a:effectLst/>
                         <a:latin typeface="Calibri" panose="020F0502020204030204" pitchFamily="34" charset="0"/>
@@ -9929,7 +10199,7 @@
                           <a:ea typeface="+mn-ea"/>
                           <a:cs typeface="Calibri" panose="020F0502020204030204" pitchFamily="34" charset="0"/>
                         </a:rPr>
-                        <a:t>Issues /Bug found</a:t>
+                        <a:t>User manual </a:t>
                       </a:r>
                       <a:endParaRPr lang="en-IN" sz="1800" b="1" kern="1200" dirty="0">
                         <a:solidFill>
@@ -9948,40 +10218,6 @@
                   <a:txBody>
                     <a:bodyPr/>
                     <a:lstStyle/>
-                    <a:p>
-                      <a:pPr marL="0" marR="0" indent="0" algn="ctr" defTabSz="408178" rtl="0" eaLnBrk="1" fontAlgn="auto" latinLnBrk="0" hangingPunct="1">
-                        <a:lnSpc>
-                          <a:spcPct val="115000"/>
-                        </a:lnSpc>
-                        <a:spcBef>
-                          <a:spcPts val="0"/>
-                        </a:spcBef>
-                        <a:spcAft>
-                          <a:spcPts val="0"/>
-                        </a:spcAft>
-                        <a:buClrTx/>
-                        <a:buSzTx/>
-                        <a:buFontTx/>
-                        <a:buNone/>
-                        <a:tabLst/>
-                        <a:defRPr/>
-                      </a:pPr>
-                      <a:r>
-                        <a:rPr lang="en-US" sz="1800" dirty="0" smtClean="0">
-                          <a:effectLst/>
-                          <a:latin typeface="Calibri" panose="020F0502020204030204" pitchFamily="34" charset="0"/>
-                          <a:ea typeface="Times New Roman"/>
-                          <a:cs typeface="Calibri" panose="020F0502020204030204" pitchFamily="34" charset="0"/>
-                        </a:rPr>
-                        <a:t>On-going through the project execution phase</a:t>
-                      </a:r>
-                      <a:endParaRPr lang="en-IN" sz="1800" dirty="0" smtClean="0">
-                        <a:effectLst/>
-                        <a:latin typeface="Calibri" panose="020F0502020204030204" pitchFamily="34" charset="0"/>
-                        <a:ea typeface="Times New Roman"/>
-                        <a:cs typeface="Calibri" panose="020F0502020204030204" pitchFamily="34" charset="0"/>
-                      </a:endParaRPr>
-                    </a:p>
                     <a:p>
                       <a:pPr algn="ctr">
                         <a:lnSpc>
@@ -10002,7 +10238,7 @@
                   <a:tcPr marL="68580" marR="68580" marT="0" marB="0"/>
                 </a:tc>
               </a:tr>
-              <a:tr h="430477">
+              <a:tr h="563186">
                 <a:tc>
                   <a:txBody>
                     <a:bodyPr/>
@@ -10017,7 +10253,7 @@
                         </a:spcAft>
                       </a:pPr>
                       <a:r>
-                        <a:rPr lang="en-IN" sz="1800" b="1" kern="1200" dirty="0" smtClean="0">
+                        <a:rPr lang="en-US" sz="1800" b="1" kern="1200" dirty="0" smtClean="0">
                           <a:solidFill>
                             <a:schemeClr val="lt1"/>
                           </a:solidFill>
@@ -10026,10 +10262,10 @@
                           <a:ea typeface="+mn-ea"/>
                           <a:cs typeface="Calibri" panose="020F0502020204030204" pitchFamily="34" charset="0"/>
                         </a:rPr>
-                        <a:t>SW Code review</a:t>
+                        <a:t>Code</a:t>
                       </a:r>
                       <a:r>
-                        <a:rPr lang="en-IN" sz="1800" b="1" kern="1200" baseline="0" dirty="0" smtClean="0">
+                        <a:rPr lang="en-US" sz="1800" b="1" kern="1200" baseline="0" dirty="0" smtClean="0">
                           <a:solidFill>
                             <a:schemeClr val="lt1"/>
                           </a:solidFill>
@@ -10038,7 +10274,7 @@
                           <a:ea typeface="+mn-ea"/>
                           <a:cs typeface="Calibri" panose="020F0502020204030204" pitchFamily="34" charset="0"/>
                         </a:rPr>
-                        <a:t> report</a:t>
+                        <a:t> development</a:t>
                       </a:r>
                       <a:endParaRPr lang="en-IN" sz="1800" b="1" kern="1200" dirty="0">
                         <a:solidFill>
@@ -10144,7 +10380,7 @@
                         </a:spcAft>
                       </a:pPr>
                       <a:r>
-                        <a:rPr lang="en-IN" sz="1800" b="1" kern="1200" dirty="0" smtClean="0">
+                        <a:rPr lang="en-US" sz="1800" b="1" kern="1200" dirty="0" smtClean="0">
                           <a:solidFill>
                             <a:schemeClr val="lt1"/>
                           </a:solidFill>
@@ -10153,10 +10389,10 @@
                           <a:ea typeface="+mn-ea"/>
                           <a:cs typeface="Calibri" panose="020F0502020204030204" pitchFamily="34" charset="0"/>
                         </a:rPr>
-                        <a:t>Manual </a:t>
+                        <a:t>Review</a:t>
                       </a:r>
                       <a:r>
-                        <a:rPr lang="en-IN" sz="1800" b="1" kern="1200" dirty="0">
+                        <a:rPr lang="en-US" sz="1800" b="1" kern="1200" baseline="0" dirty="0" smtClean="0">
                           <a:solidFill>
                             <a:schemeClr val="lt1"/>
                           </a:solidFill>
@@ -10165,8 +10401,17 @@
                           <a:ea typeface="+mn-ea"/>
                           <a:cs typeface="Calibri" panose="020F0502020204030204" pitchFamily="34" charset="0"/>
                         </a:rPr>
-                        <a:t>Test Report </a:t>
+                        <a:t> </a:t>
                       </a:r>
+                      <a:endParaRPr lang="en-IN" sz="1800" b="1" kern="1200" dirty="0">
+                        <a:solidFill>
+                          <a:schemeClr val="lt1"/>
+                        </a:solidFill>
+                        <a:effectLst/>
+                        <a:latin typeface="Calibri" panose="020F0502020204030204" pitchFamily="34" charset="0"/>
+                        <a:ea typeface="+mn-ea"/>
+                        <a:cs typeface="Calibri" panose="020F0502020204030204" pitchFamily="34" charset="0"/>
+                      </a:endParaRPr>
                     </a:p>
                   </a:txBody>
                   <a:tcPr marL="68580" marR="68580" marT="0" marB="0" anchor="ctr"/>
@@ -10247,6 +10492,131 @@
                   <a:tcPr marL="68580" marR="68580" marT="0" marB="0"/>
                 </a:tc>
               </a:tr>
+              <a:tr h="381000">
+                <a:tc>
+                  <a:txBody>
+                    <a:bodyPr/>
+                    <a:lstStyle/>
+                    <a:p>
+                      <a:pPr marL="0" marR="0" indent="0" algn="l" defTabSz="914400" rtl="0" eaLnBrk="1" fontAlgn="auto" latinLnBrk="0" hangingPunct="1">
+                        <a:lnSpc>
+                          <a:spcPct val="115000"/>
+                        </a:lnSpc>
+                        <a:spcBef>
+                          <a:spcPts val="0"/>
+                        </a:spcBef>
+                        <a:spcAft>
+                          <a:spcPts val="0"/>
+                        </a:spcAft>
+                        <a:buClrTx/>
+                        <a:buSzTx/>
+                        <a:buFontTx/>
+                        <a:buNone/>
+                        <a:tabLst/>
+                        <a:defRPr/>
+                      </a:pPr>
+                      <a:r>
+                        <a:rPr lang="en-IN" sz="1800" b="1" kern="1200" dirty="0" smtClean="0">
+                          <a:solidFill>
+                            <a:schemeClr val="lt1"/>
+                          </a:solidFill>
+                          <a:effectLst/>
+                          <a:latin typeface="Calibri" panose="020F0502020204030204" pitchFamily="34" charset="0"/>
+                          <a:ea typeface="+mn-ea"/>
+                          <a:cs typeface="Calibri" panose="020F0502020204030204" pitchFamily="34" charset="0"/>
+                        </a:rPr>
+                        <a:t>Test Report </a:t>
+                      </a:r>
+                    </a:p>
+                    <a:p>
+                      <a:pPr marL="0" algn="l" defTabSz="914400" rtl="0" eaLnBrk="1" latinLnBrk="0" hangingPunct="1">
+                        <a:lnSpc>
+                          <a:spcPct val="115000"/>
+                        </a:lnSpc>
+                        <a:spcAft>
+                          <a:spcPts val="0"/>
+                        </a:spcAft>
+                      </a:pPr>
+                      <a:endParaRPr lang="en-IN" sz="1800" b="1" kern="1200" dirty="0">
+                        <a:solidFill>
+                          <a:schemeClr val="lt1"/>
+                        </a:solidFill>
+                        <a:effectLst/>
+                        <a:latin typeface="Calibri" panose="020F0502020204030204" pitchFamily="34" charset="0"/>
+                        <a:ea typeface="+mn-ea"/>
+                        <a:cs typeface="Calibri" panose="020F0502020204030204" pitchFamily="34" charset="0"/>
+                      </a:endParaRPr>
+                    </a:p>
+                  </a:txBody>
+                  <a:tcPr marL="68580" marR="68580" marT="0" marB="0" anchor="ctr"/>
+                </a:tc>
+                <a:tc>
+                  <a:txBody>
+                    <a:bodyPr/>
+                    <a:lstStyle/>
+                    <a:p>
+                      <a:pPr marL="0" marR="0" indent="0" algn="ctr" defTabSz="914400" rtl="0" eaLnBrk="1" fontAlgn="auto" latinLnBrk="0" hangingPunct="1">
+                        <a:lnSpc>
+                          <a:spcPct val="115000"/>
+                        </a:lnSpc>
+                        <a:spcBef>
+                          <a:spcPts val="0"/>
+                        </a:spcBef>
+                        <a:spcAft>
+                          <a:spcPts val="0"/>
+                        </a:spcAft>
+                        <a:buClrTx/>
+                        <a:buSzTx/>
+                        <a:buFontTx/>
+                        <a:buNone/>
+                        <a:tabLst/>
+                        <a:defRPr/>
+                      </a:pPr>
+                      <a:r>
+                        <a:rPr lang="en-US" sz="1800" dirty="0" smtClean="0">
+                          <a:effectLst/>
+                          <a:latin typeface="Calibri" panose="020F0502020204030204" pitchFamily="34" charset="0"/>
+                          <a:ea typeface="Times New Roman"/>
+                          <a:cs typeface="Calibri" panose="020F0502020204030204" pitchFamily="34" charset="0"/>
+                        </a:rPr>
+                        <a:t>On-going through the project execution phase</a:t>
+                      </a:r>
+                      <a:endParaRPr lang="en-IN" sz="1800" dirty="0" smtClean="0">
+                        <a:effectLst/>
+                        <a:latin typeface="Calibri" panose="020F0502020204030204" pitchFamily="34" charset="0"/>
+                        <a:ea typeface="Times New Roman"/>
+                        <a:cs typeface="Calibri" panose="020F0502020204030204" pitchFamily="34" charset="0"/>
+                      </a:endParaRPr>
+                    </a:p>
+                    <a:p>
+                      <a:pPr marL="0" marR="0" indent="0" algn="ctr" defTabSz="914400" rtl="0" eaLnBrk="1" fontAlgn="auto" latinLnBrk="0" hangingPunct="1">
+                        <a:lnSpc>
+                          <a:spcPct val="115000"/>
+                        </a:lnSpc>
+                        <a:spcBef>
+                          <a:spcPts val="0"/>
+                        </a:spcBef>
+                        <a:spcAft>
+                          <a:spcPts val="0"/>
+                        </a:spcAft>
+                        <a:buClrTx/>
+                        <a:buSzTx/>
+                        <a:buFontTx/>
+                        <a:buNone/>
+                        <a:tabLst/>
+                        <a:defRPr/>
+                      </a:pPr>
+                      <a:endParaRPr lang="en-IN" sz="1800" dirty="0" smtClean="0">
+                        <a:effectLst/>
+                        <a:latin typeface="Calibri" panose="020F0502020204030204" pitchFamily="34" charset="0"/>
+                        <a:ea typeface="Times New Roman"/>
+                        <a:cs typeface="Calibri" panose="020F0502020204030204" pitchFamily="34" charset="0"/>
+                      </a:endParaRPr>
+                    </a:p>
+                  </a:txBody>
+                  <a:tcPr marL="68580" marR="68580" marT="0" marB="0"/>
+                </a:tc>
+              </a:tr>
             </a:tbl>
           </a:graphicData>
         </a:graphic>
@@ -10255,419 +10625,6 @@
     <p:extLst>
       <p:ext uri="{BB962C8B-B14F-4D97-AF65-F5344CB8AC3E}">
         <p14:creationId xmlns:p14="http://schemas.microsoft.com/office/powerpoint/2010/main" val="4238928597"/>
-      </p:ext>
-    </p:extLst>
-  </p:cSld>
-  <p:clrMapOvr>
-    <a:masterClrMapping/>
-  </p:clrMapOvr>
-  <p:timing>
-    <p:tnLst>
-      <p:par>
-        <p:cTn id="1" dur="indefinite" restart="never" nodeType="tmRoot"/>
-      </p:par>
-    </p:tnLst>
-  </p:timing>
-</p:sld>
-</file>
-
-<file path=ppt/slides/slide13.xml><?xml version="1.0" encoding="utf-8"?>
-<p:sld xmlns:a="http://schemas.openxmlformats.org/drawingml/2006/main" xmlns:r="http://schemas.openxmlformats.org/officeDocument/2006/relationships" xmlns:p="http://schemas.openxmlformats.org/presentationml/2006/main">
-  <p:cSld>
-    <p:spTree>
-      <p:nvGrpSpPr>
-        <p:cNvPr id="1" name=""/>
-        <p:cNvGrpSpPr/>
-        <p:nvPr/>
-      </p:nvGrpSpPr>
-      <p:grpSpPr>
-        <a:xfrm>
-          <a:off x="0" y="0"/>
-          <a:ext cx="0" cy="0"/>
-          <a:chOff x="0" y="0"/>
-          <a:chExt cx="0" cy="0"/>
-        </a:xfrm>
-      </p:grpSpPr>
-      <p:sp>
-        <p:nvSpPr>
-          <p:cNvPr id="2" name="Slide Number Placeholder 1"/>
-          <p:cNvSpPr>
-            <a:spLocks noGrp="1"/>
-          </p:cNvSpPr>
-          <p:nvPr>
-            <p:ph type="sldNum" sz="quarter" idx="12"/>
-          </p:nvPr>
-        </p:nvSpPr>
-        <p:spPr/>
-        <p:txBody>
-          <a:bodyPr/>
-          <a:lstStyle/>
-          <a:p>
-            <a:fld id="{75D64ABA-DC95-A94B-BCA3-09692F8C9985}" type="slidenum">
-              <a:rPr lang="en-US" smtClean="0"/>
-              <a:t>13</a:t>
-            </a:fld>
-            <a:endParaRPr lang="en-US"/>
-          </a:p>
-        </p:txBody>
-      </p:sp>
-      <p:sp>
-        <p:nvSpPr>
-          <p:cNvPr id="4" name="Title 3"/>
-          <p:cNvSpPr>
-            <a:spLocks noGrp="1"/>
-          </p:cNvSpPr>
-          <p:nvPr>
-            <p:ph type="title"/>
-          </p:nvPr>
-        </p:nvSpPr>
-        <p:spPr/>
-        <p:txBody>
-          <a:bodyPr/>
-          <a:lstStyle/>
-          <a:p>
-            <a:r>
-              <a:rPr lang="en-IN" sz="2000" dirty="0">
-                <a:latin typeface="+mn-lt"/>
-              </a:rPr>
-              <a:t>Resource Plan [Software / Hardware / People]</a:t>
-            </a:r>
-          </a:p>
-        </p:txBody>
-      </p:sp>
-      <p:sp>
-        <p:nvSpPr>
-          <p:cNvPr id="8" name="TextBox 7"/>
-          <p:cNvSpPr txBox="1"/>
-          <p:nvPr/>
-        </p:nvSpPr>
-        <p:spPr>
-          <a:xfrm>
-            <a:off x="791570" y="738332"/>
-            <a:ext cx="7574508" cy="5909310"/>
-          </a:xfrm>
-          <a:prstGeom prst="rect">
-            <a:avLst/>
-          </a:prstGeom>
-          <a:noFill/>
-          <a:ln cmpd="dbl">
-            <a:solidFill>
-              <a:schemeClr val="tx1"/>
-            </a:solidFill>
-          </a:ln>
-        </p:spPr>
-        <p:txBody>
-          <a:bodyPr wrap="square" rtlCol="0">
-            <a:spAutoFit/>
-          </a:bodyPr>
-          <a:lstStyle/>
-          <a:p>
-            <a:r>
-              <a:rPr lang="en-US" sz="1800" b="1" dirty="0" smtClean="0">
-                <a:latin typeface="Calibri" panose="020F0502020204030204" pitchFamily="34" charset="0"/>
-                <a:cs typeface="Calibri" panose="020F0502020204030204" pitchFamily="34" charset="0"/>
-              </a:rPr>
-              <a:t>Tool &amp; Software :</a:t>
-            </a:r>
-          </a:p>
-          <a:p>
-            <a:pPr marL="285750" indent="-285750">
-              <a:buFont typeface="Arial" pitchFamily="34" charset="0"/>
-              <a:buChar char="•"/>
-            </a:pPr>
-            <a:r>
-              <a:rPr lang="en-US" sz="1800" dirty="0" smtClean="0">
-                <a:latin typeface="Calibri" panose="020F0502020204030204" pitchFamily="34" charset="0"/>
-                <a:cs typeface="Calibri" panose="020F0502020204030204" pitchFamily="34" charset="0"/>
-              </a:rPr>
-              <a:t>Android Studio –                 Android  Development</a:t>
-            </a:r>
-          </a:p>
-          <a:p>
-            <a:pPr marL="285750" indent="-285750">
-              <a:buFont typeface="Arial" pitchFamily="34" charset="0"/>
-              <a:buChar char="•"/>
-            </a:pPr>
-            <a:r>
-              <a:rPr lang="en-US" sz="1800" dirty="0" smtClean="0">
-                <a:latin typeface="Calibri" panose="020F0502020204030204" pitchFamily="34" charset="0"/>
-                <a:cs typeface="Calibri" panose="020F0502020204030204" pitchFamily="34" charset="0"/>
-              </a:rPr>
-              <a:t>X-code –                               iOS Development</a:t>
-            </a:r>
-          </a:p>
-          <a:p>
-            <a:pPr marL="285750" indent="-285750">
-              <a:buFont typeface="Arial" pitchFamily="34" charset="0"/>
-              <a:buChar char="•"/>
-            </a:pPr>
-            <a:r>
-              <a:rPr lang="en-US" sz="1800" dirty="0" smtClean="0">
-                <a:latin typeface="Calibri" panose="020F0502020204030204" pitchFamily="34" charset="0"/>
-                <a:cs typeface="Calibri" panose="020F0502020204030204" pitchFamily="34" charset="0"/>
-              </a:rPr>
-              <a:t>Eclipse, Apache </a:t>
-            </a:r>
-          </a:p>
-          <a:p>
-            <a:pPr marL="285750" indent="-285750">
-              <a:buFont typeface="Arial" pitchFamily="34" charset="0"/>
-              <a:buChar char="•"/>
-            </a:pPr>
-            <a:r>
-              <a:rPr lang="en-US" sz="1800" dirty="0" smtClean="0">
-                <a:latin typeface="Calibri" panose="020F0502020204030204" pitchFamily="34" charset="0"/>
-                <a:cs typeface="Calibri" panose="020F0502020204030204" pitchFamily="34" charset="0"/>
-              </a:rPr>
-              <a:t>Tomcat Server &amp; </a:t>
-            </a:r>
-          </a:p>
-          <a:p>
-            <a:pPr marL="285750" indent="-285750">
-              <a:buFont typeface="Arial" pitchFamily="34" charset="0"/>
-              <a:buChar char="•"/>
-            </a:pPr>
-            <a:r>
-              <a:rPr lang="en-US" sz="1800" dirty="0" smtClean="0">
-                <a:latin typeface="Calibri" panose="020F0502020204030204" pitchFamily="34" charset="0"/>
-                <a:cs typeface="Calibri" panose="020F0502020204030204" pitchFamily="34" charset="0"/>
-              </a:rPr>
-              <a:t>MySQL Database –            Web Service Development</a:t>
-            </a:r>
-          </a:p>
-          <a:p>
-            <a:pPr marL="285750" indent="-285750">
-              <a:buFont typeface="Arial" pitchFamily="34" charset="0"/>
-              <a:buChar char="•"/>
-            </a:pPr>
-            <a:r>
-              <a:rPr lang="en-US" sz="1800" dirty="0" smtClean="0">
-                <a:latin typeface="Calibri" panose="020F0502020204030204" pitchFamily="34" charset="0"/>
-                <a:cs typeface="Calibri" panose="020F0502020204030204" pitchFamily="34" charset="0"/>
-              </a:rPr>
-              <a:t>SVN  --                                 Source control</a:t>
-            </a:r>
-          </a:p>
-          <a:p>
-            <a:pPr marL="285750" indent="-285750">
-              <a:buFont typeface="Arial" pitchFamily="34" charset="0"/>
-              <a:buChar char="•"/>
-            </a:pPr>
-            <a:r>
-              <a:rPr lang="en-US" sz="1800" dirty="0" smtClean="0">
-                <a:latin typeface="Calibri" panose="020F0502020204030204" pitchFamily="34" charset="0"/>
-                <a:cs typeface="Calibri" panose="020F0502020204030204" pitchFamily="34" charset="0"/>
-              </a:rPr>
-              <a:t>Simulator –                         For application Testing</a:t>
-            </a:r>
-          </a:p>
-          <a:p>
-            <a:pPr marL="285750" indent="-285750">
-              <a:buFont typeface="Arial" pitchFamily="34" charset="0"/>
-              <a:buChar char="•"/>
-            </a:pPr>
-            <a:endParaRPr lang="en-US" sz="1800" dirty="0">
-              <a:latin typeface="Calibri" panose="020F0502020204030204" pitchFamily="34" charset="0"/>
-              <a:cs typeface="Calibri" panose="020F0502020204030204" pitchFamily="34" charset="0"/>
-            </a:endParaRPr>
-          </a:p>
-          <a:p>
-            <a:r>
-              <a:rPr lang="en-US" sz="1800" b="1" dirty="0" smtClean="0">
-                <a:latin typeface="Calibri" panose="020F0502020204030204" pitchFamily="34" charset="0"/>
-                <a:cs typeface="Calibri" panose="020F0502020204030204" pitchFamily="34" charset="0"/>
-              </a:rPr>
-              <a:t>Programming Languages :</a:t>
-            </a:r>
-          </a:p>
-          <a:p>
-            <a:pPr marL="285750" indent="-285750">
-              <a:buFont typeface="Arial" panose="020B0604020202020204" pitchFamily="34" charset="0"/>
-              <a:buChar char="•"/>
-            </a:pPr>
-            <a:r>
-              <a:rPr lang="en-US" sz="1800" dirty="0" smtClean="0">
-                <a:latin typeface="Calibri" panose="020F0502020204030204" pitchFamily="34" charset="0"/>
-                <a:cs typeface="Calibri" panose="020F0502020204030204" pitchFamily="34" charset="0"/>
-              </a:rPr>
-              <a:t>Java (Web Service &amp; Android)</a:t>
-            </a:r>
-          </a:p>
-          <a:p>
-            <a:pPr marL="285750" indent="-285750">
-              <a:buFont typeface="Arial" panose="020B0604020202020204" pitchFamily="34" charset="0"/>
-              <a:buChar char="•"/>
-            </a:pPr>
-            <a:r>
-              <a:rPr lang="en-US" sz="1800" dirty="0" smtClean="0">
-                <a:latin typeface="Calibri" panose="020F0502020204030204" pitchFamily="34" charset="0"/>
-                <a:cs typeface="Calibri" panose="020F0502020204030204" pitchFamily="34" charset="0"/>
-              </a:rPr>
-              <a:t>Swift (iOS)</a:t>
-            </a:r>
-          </a:p>
-          <a:p>
-            <a:endParaRPr lang="en-US" sz="1800" dirty="0">
-              <a:latin typeface="Calibri" panose="020F0502020204030204" pitchFamily="34" charset="0"/>
-              <a:cs typeface="Calibri" panose="020F0502020204030204" pitchFamily="34" charset="0"/>
-            </a:endParaRPr>
-          </a:p>
-          <a:p>
-            <a:r>
-              <a:rPr lang="en-US" sz="1800" b="1" dirty="0" smtClean="0">
-                <a:latin typeface="Calibri" panose="020F0502020204030204" pitchFamily="34" charset="0"/>
-                <a:cs typeface="Calibri" panose="020F0502020204030204" pitchFamily="34" charset="0"/>
-              </a:rPr>
-              <a:t>Hardware</a:t>
-            </a:r>
-          </a:p>
-          <a:p>
-            <a:pPr marL="285750" indent="-285750">
-              <a:buFont typeface="Arial" pitchFamily="34" charset="0"/>
-              <a:buChar char="•"/>
-            </a:pPr>
-            <a:r>
-              <a:rPr lang="en-US" sz="1800" dirty="0" smtClean="0">
-                <a:latin typeface="Calibri" panose="020F0502020204030204" pitchFamily="34" charset="0"/>
-                <a:cs typeface="Calibri" panose="020F0502020204030204" pitchFamily="34" charset="0"/>
-              </a:rPr>
-              <a:t>Android devices</a:t>
-            </a:r>
-          </a:p>
-          <a:p>
-            <a:endParaRPr lang="en-US" sz="1800" dirty="0">
-              <a:latin typeface="Calibri" panose="020F0502020204030204" pitchFamily="34" charset="0"/>
-              <a:cs typeface="Calibri" panose="020F0502020204030204" pitchFamily="34" charset="0"/>
-            </a:endParaRPr>
-          </a:p>
-          <a:p>
-            <a:r>
-              <a:rPr lang="en-US" sz="1800" b="1" dirty="0" smtClean="0">
-                <a:latin typeface="Calibri" panose="020F0502020204030204" pitchFamily="34" charset="0"/>
-                <a:cs typeface="Calibri" panose="020F0502020204030204" pitchFamily="34" charset="0"/>
-              </a:rPr>
-              <a:t>Resource</a:t>
-            </a:r>
-          </a:p>
-          <a:p>
-            <a:pPr marL="285750" indent="-285750">
-              <a:buFont typeface="Arial" pitchFamily="34" charset="0"/>
-              <a:buChar char="•"/>
-            </a:pPr>
-            <a:r>
-              <a:rPr lang="en-US" sz="1800" dirty="0" smtClean="0">
-                <a:latin typeface="Calibri" panose="020F0502020204030204" pitchFamily="34" charset="0"/>
-                <a:cs typeface="Calibri" panose="020F0502020204030204" pitchFamily="34" charset="0"/>
-              </a:rPr>
-              <a:t>Manager –                                                           </a:t>
-            </a:r>
-            <a:r>
-              <a:rPr lang="en-US" sz="1800" dirty="0" err="1" smtClean="0">
-                <a:latin typeface="Calibri" panose="020F0502020204030204" pitchFamily="34" charset="0"/>
-                <a:cs typeface="Calibri" panose="020F0502020204030204" pitchFamily="34" charset="0"/>
-              </a:rPr>
-              <a:t>Deepa</a:t>
-            </a:r>
-            <a:r>
-              <a:rPr lang="en-US" sz="1800" dirty="0" smtClean="0">
-                <a:latin typeface="Calibri" panose="020F0502020204030204" pitchFamily="34" charset="0"/>
-                <a:cs typeface="Calibri" panose="020F0502020204030204" pitchFamily="34" charset="0"/>
-              </a:rPr>
-              <a:t> </a:t>
-            </a:r>
-            <a:r>
-              <a:rPr lang="en-US" sz="1800" dirty="0" err="1" smtClean="0">
-                <a:latin typeface="Calibri" panose="020F0502020204030204" pitchFamily="34" charset="0"/>
-                <a:cs typeface="Calibri" panose="020F0502020204030204" pitchFamily="34" charset="0"/>
-              </a:rPr>
-              <a:t>Shastry</a:t>
-            </a:r>
-            <a:endParaRPr lang="en-US" sz="1800" dirty="0" smtClean="0">
-              <a:latin typeface="Calibri" panose="020F0502020204030204" pitchFamily="34" charset="0"/>
-              <a:cs typeface="Calibri" panose="020F0502020204030204" pitchFamily="34" charset="0"/>
-            </a:endParaRPr>
-          </a:p>
-          <a:p>
-            <a:pPr marL="285750" indent="-285750">
-              <a:buFont typeface="Arial" pitchFamily="34" charset="0"/>
-              <a:buChar char="•"/>
-            </a:pPr>
-            <a:r>
-              <a:rPr lang="en-US" sz="1800" dirty="0" smtClean="0">
-                <a:latin typeface="Calibri" panose="020F0502020204030204" pitchFamily="34" charset="0"/>
-                <a:cs typeface="Calibri" panose="020F0502020204030204" pitchFamily="34" charset="0"/>
-              </a:rPr>
-              <a:t>Android Developer engineer –                         </a:t>
-            </a:r>
-            <a:r>
-              <a:rPr lang="en-US" sz="1800" dirty="0" err="1" smtClean="0">
-                <a:latin typeface="Calibri" panose="020F0502020204030204" pitchFamily="34" charset="0"/>
-                <a:cs typeface="Calibri" panose="020F0502020204030204" pitchFamily="34" charset="0"/>
-              </a:rPr>
-              <a:t>Subhalaxmi</a:t>
-            </a:r>
-            <a:r>
-              <a:rPr lang="en-US" sz="1800" dirty="0" smtClean="0">
-                <a:latin typeface="Calibri" panose="020F0502020204030204" pitchFamily="34" charset="0"/>
-                <a:cs typeface="Calibri" panose="020F0502020204030204" pitchFamily="34" charset="0"/>
-              </a:rPr>
-              <a:t>, </a:t>
-            </a:r>
-            <a:r>
-              <a:rPr lang="en-US" sz="1800" dirty="0" err="1">
-                <a:latin typeface="Calibri" panose="020F0502020204030204" pitchFamily="34" charset="0"/>
-                <a:cs typeface="Calibri" panose="020F0502020204030204" pitchFamily="34" charset="0"/>
-              </a:rPr>
-              <a:t>D</a:t>
-            </a:r>
-            <a:r>
-              <a:rPr lang="en-US" sz="1800" dirty="0" err="1" smtClean="0">
-                <a:latin typeface="Calibri" panose="020F0502020204030204" pitchFamily="34" charset="0"/>
-                <a:cs typeface="Calibri" panose="020F0502020204030204" pitchFamily="34" charset="0"/>
-              </a:rPr>
-              <a:t>ilshad</a:t>
-            </a:r>
-            <a:r>
-              <a:rPr lang="en-US" sz="1800" dirty="0" smtClean="0">
-                <a:latin typeface="Calibri" panose="020F0502020204030204" pitchFamily="34" charset="0"/>
-                <a:cs typeface="Calibri" panose="020F0502020204030204" pitchFamily="34" charset="0"/>
-              </a:rPr>
-              <a:t>, Nitesh,  India</a:t>
-            </a:r>
-          </a:p>
-          <a:p>
-            <a:pPr marL="285750" indent="-285750">
-              <a:buFont typeface="Arial" pitchFamily="34" charset="0"/>
-              <a:buChar char="•"/>
-            </a:pPr>
-            <a:r>
-              <a:rPr lang="en-US" sz="1800" dirty="0" smtClean="0">
-                <a:latin typeface="Calibri" panose="020F0502020204030204" pitchFamily="34" charset="0"/>
-                <a:cs typeface="Calibri" panose="020F0502020204030204" pitchFamily="34" charset="0"/>
-              </a:rPr>
-              <a:t>iOS Developer engineer -                                  </a:t>
-            </a:r>
-            <a:r>
-              <a:rPr lang="en-US" sz="1800" dirty="0" err="1" smtClean="0">
-                <a:latin typeface="Calibri" panose="020F0502020204030204" pitchFamily="34" charset="0"/>
-                <a:cs typeface="Calibri" panose="020F0502020204030204" pitchFamily="34" charset="0"/>
-              </a:rPr>
-              <a:t>Nagarjun</a:t>
-            </a:r>
-            <a:r>
-              <a:rPr lang="en-US" sz="1800" dirty="0" smtClean="0">
-                <a:latin typeface="Calibri" panose="020F0502020204030204" pitchFamily="34" charset="0"/>
-                <a:cs typeface="Calibri" panose="020F0502020204030204" pitchFamily="34" charset="0"/>
-              </a:rPr>
-              <a:t>, Rohit</a:t>
-            </a:r>
-          </a:p>
-        </p:txBody>
-      </p:sp>
-    </p:spTree>
-    <p:extLst>
-      <p:ext uri="{BB962C8B-B14F-4D97-AF65-F5344CB8AC3E}">
-        <p14:creationId xmlns:p14="http://schemas.microsoft.com/office/powerpoint/2010/main" val="3270171986"/>
       </p:ext>
     </p:extLst>
   </p:cSld>
@@ -10734,124 +10691,348 @@
             <p:ph type="title"/>
           </p:nvPr>
         </p:nvSpPr>
-        <p:spPr>
-          <a:xfrm>
-            <a:off x="864496" y="83820"/>
-            <a:ext cx="7610764" cy="458838"/>
-          </a:xfrm>
-        </p:spPr>
+        <p:spPr/>
         <p:txBody>
           <a:bodyPr/>
           <a:lstStyle/>
           <a:p>
             <a:r>
-              <a:rPr lang="en-US" sz="2000" dirty="0">
+              <a:rPr lang="en-IN" sz="2000" dirty="0">
                 <a:latin typeface="+mn-lt"/>
               </a:rPr>
-              <a:t>Communication Plan</a:t>
-            </a:r>
-            <a:endParaRPr lang="en-IN" sz="2000" dirty="0">
-              <a:latin typeface="+mn-lt"/>
-            </a:endParaRPr>
+              <a:t>Resource Plan [Software / Hardware / People]</a:t>
+            </a:r>
           </a:p>
         </p:txBody>
       </p:sp>
       <p:sp>
         <p:nvSpPr>
-          <p:cNvPr id="7" name="Rectangle 6"/>
-          <p:cNvSpPr/>
+          <p:cNvPr id="8" name="TextBox 7"/>
+          <p:cNvSpPr txBox="1"/>
           <p:nvPr/>
         </p:nvSpPr>
         <p:spPr>
           <a:xfrm>
-            <a:off x="921200" y="1050521"/>
-            <a:ext cx="7171922" cy="1985159"/>
+            <a:off x="791570" y="738332"/>
+            <a:ext cx="7574508" cy="5632311"/>
           </a:xfrm>
           <a:prstGeom prst="rect">
             <a:avLst/>
           </a:prstGeom>
+          <a:noFill/>
+          <a:ln cmpd="dbl">
+            <a:solidFill>
+              <a:schemeClr val="tx1"/>
+            </a:solidFill>
+          </a:ln>
         </p:spPr>
         <p:txBody>
-          <a:bodyPr wrap="square">
+          <a:bodyPr wrap="square" rtlCol="0">
             <a:spAutoFit/>
           </a:bodyPr>
           <a:lstStyle/>
           <a:p>
+            <a:r>
+              <a:rPr lang="en-US" sz="1800" b="1" dirty="0" smtClean="0">
+                <a:latin typeface="Calibri" panose="020F0502020204030204" pitchFamily="34" charset="0"/>
+                <a:cs typeface="Calibri" panose="020F0502020204030204" pitchFamily="34" charset="0"/>
+              </a:rPr>
+              <a:t>Tool &amp; Software :</a:t>
+            </a:r>
+          </a:p>
+          <a:p>
             <a:pPr marL="285750" indent="-285750">
-              <a:spcBef>
-                <a:spcPts val="0"/>
-              </a:spcBef>
-              <a:spcAft>
-                <a:spcPts val="600"/>
-              </a:spcAft>
               <a:buFont typeface="Arial" pitchFamily="34" charset="0"/>
               <a:buChar char="•"/>
             </a:pPr>
             <a:r>
-              <a:rPr lang="en-US" sz="1800" dirty="0">
-                <a:latin typeface="Calibri" panose="020F0502020204030204" pitchFamily="34" charset="0"/>
-                <a:cs typeface="Calibri" panose="020F0502020204030204" pitchFamily="34" charset="0"/>
-              </a:rPr>
-              <a:t>Deliverables shall be sent via  SVN  source control</a:t>
+              <a:rPr lang="en-US" sz="1800" dirty="0" smtClean="0">
+                <a:latin typeface="Calibri" panose="020F0502020204030204" pitchFamily="34" charset="0"/>
+                <a:cs typeface="Calibri" panose="020F0502020204030204" pitchFamily="34" charset="0"/>
+              </a:rPr>
+              <a:t>Android Studio –                 Android  Development</a:t>
             </a:r>
           </a:p>
           <a:p>
             <a:pPr marL="285750" indent="-285750">
-              <a:spcBef>
-                <a:spcPts val="0"/>
-              </a:spcBef>
-              <a:spcAft>
-                <a:spcPts val="600"/>
-              </a:spcAft>
               <a:buFont typeface="Arial" pitchFamily="34" charset="0"/>
               <a:buChar char="•"/>
             </a:pPr>
             <a:r>
-              <a:rPr lang="en-US" sz="1800" dirty="0">
-                <a:latin typeface="Calibri" panose="020F0502020204030204" pitchFamily="34" charset="0"/>
-                <a:cs typeface="Calibri" panose="020F0502020204030204" pitchFamily="34" charset="0"/>
-              </a:rPr>
-              <a:t>Weekly status update will be maintained in team.</a:t>
+              <a:rPr lang="en-US" sz="1800" dirty="0" smtClean="0">
+                <a:latin typeface="Calibri" panose="020F0502020204030204" pitchFamily="34" charset="0"/>
+                <a:cs typeface="Calibri" panose="020F0502020204030204" pitchFamily="34" charset="0"/>
+              </a:rPr>
+              <a:t>X-code –                               iOS Development</a:t>
             </a:r>
           </a:p>
           <a:p>
             <a:pPr marL="285750" indent="-285750">
-              <a:spcBef>
-                <a:spcPts val="0"/>
-              </a:spcBef>
-              <a:spcAft>
-                <a:spcPts val="600"/>
-              </a:spcAft>
               <a:buFont typeface="Arial" pitchFamily="34" charset="0"/>
               <a:buChar char="•"/>
             </a:pPr>
             <a:r>
-              <a:rPr lang="en-US" sz="1800" dirty="0">
-                <a:latin typeface="Calibri" panose="020F0502020204030204" pitchFamily="34" charset="0"/>
-                <a:cs typeface="Calibri" panose="020F0502020204030204" pitchFamily="34" charset="0"/>
-              </a:rPr>
-              <a:t>Queries and responses will be collated on a query tracker and updated  to SVN on a daily basis, if any</a:t>
+              <a:rPr lang="en-US" sz="1800" dirty="0" smtClean="0">
+                <a:latin typeface="Calibri" panose="020F0502020204030204" pitchFamily="34" charset="0"/>
+                <a:cs typeface="Calibri" panose="020F0502020204030204" pitchFamily="34" charset="0"/>
+              </a:rPr>
+              <a:t>Eclipse, Apache </a:t>
             </a:r>
           </a:p>
           <a:p>
             <a:pPr marL="285750" indent="-285750">
-              <a:spcBef>
-                <a:spcPts val="0"/>
-              </a:spcBef>
-              <a:spcAft>
-                <a:spcPts val="600"/>
-              </a:spcAft>
               <a:buFont typeface="Arial" pitchFamily="34" charset="0"/>
               <a:buChar char="•"/>
             </a:pPr>
             <a:r>
-              <a:rPr lang="en-US" sz="1800" dirty="0">
-                <a:latin typeface="Calibri" panose="020F0502020204030204" pitchFamily="34" charset="0"/>
-                <a:cs typeface="Calibri" panose="020F0502020204030204" pitchFamily="34" charset="0"/>
-              </a:rPr>
-              <a:t>All status, MOMs and required documents need to be maintained in SVN. </a:t>
-            </a:r>
-            <a:endParaRPr lang="en-IN" sz="1800" dirty="0">
+              <a:rPr lang="en-US" sz="1800" dirty="0" smtClean="0">
+                <a:latin typeface="Calibri" panose="020F0502020204030204" pitchFamily="34" charset="0"/>
+                <a:cs typeface="Calibri" panose="020F0502020204030204" pitchFamily="34" charset="0"/>
+              </a:rPr>
+              <a:t>Tomcat Server &amp; </a:t>
+            </a:r>
+          </a:p>
+          <a:p>
+            <a:pPr marL="285750" indent="-285750">
+              <a:buFont typeface="Arial" pitchFamily="34" charset="0"/>
+              <a:buChar char="•"/>
+            </a:pPr>
+            <a:r>
+              <a:rPr lang="en-US" sz="1800" dirty="0" smtClean="0">
+                <a:latin typeface="Calibri" panose="020F0502020204030204" pitchFamily="34" charset="0"/>
+                <a:cs typeface="Calibri" panose="020F0502020204030204" pitchFamily="34" charset="0"/>
+              </a:rPr>
+              <a:t>MySQL Database –            Web Service Development</a:t>
+            </a:r>
+          </a:p>
+          <a:p>
+            <a:pPr marL="285750" indent="-285750">
+              <a:buFont typeface="Arial" pitchFamily="34" charset="0"/>
+              <a:buChar char="•"/>
+            </a:pPr>
+            <a:r>
+              <a:rPr lang="en-US" sz="1800" dirty="0" smtClean="0">
+                <a:latin typeface="Calibri" panose="020F0502020204030204" pitchFamily="34" charset="0"/>
+                <a:cs typeface="Calibri" panose="020F0502020204030204" pitchFamily="34" charset="0"/>
+              </a:rPr>
+              <a:t>SVN  --                                 Source control</a:t>
+            </a:r>
+          </a:p>
+          <a:p>
+            <a:pPr marL="285750" indent="-285750">
+              <a:buFont typeface="Arial" pitchFamily="34" charset="0"/>
+              <a:buChar char="•"/>
+            </a:pPr>
+            <a:r>
+              <a:rPr lang="en-US" sz="1800" dirty="0" smtClean="0">
+                <a:latin typeface="Calibri" panose="020F0502020204030204" pitchFamily="34" charset="0"/>
+                <a:cs typeface="Calibri" panose="020F0502020204030204" pitchFamily="34" charset="0"/>
+              </a:rPr>
+              <a:t>Simulator –                         For application </a:t>
+            </a:r>
+            <a:r>
+              <a:rPr lang="en-US" sz="1800" dirty="0" smtClean="0">
+                <a:latin typeface="Calibri" panose="020F0502020204030204" pitchFamily="34" charset="0"/>
+                <a:cs typeface="Calibri" panose="020F0502020204030204" pitchFamily="34" charset="0"/>
+              </a:rPr>
+              <a:t>Testing</a:t>
+            </a:r>
+          </a:p>
+          <a:p>
+            <a:pPr marL="285750" indent="-285750">
+              <a:buFont typeface="Arial" pitchFamily="34" charset="0"/>
+              <a:buChar char="•"/>
+            </a:pPr>
+            <a:r>
+              <a:rPr lang="en-US" sz="1800" dirty="0" smtClean="0">
+                <a:latin typeface="Calibri" panose="020F0502020204030204" pitchFamily="34" charset="0"/>
+                <a:cs typeface="Calibri" panose="020F0502020204030204" pitchFamily="34" charset="0"/>
+              </a:rPr>
+              <a:t>Testing Tool-                        </a:t>
+            </a:r>
+            <a:r>
+              <a:rPr lang="en-US" sz="1800" dirty="0" err="1" smtClean="0">
+                <a:latin typeface="Calibri" panose="020F0502020204030204" pitchFamily="34" charset="0"/>
+                <a:cs typeface="Calibri" panose="020F0502020204030204" pitchFamily="34" charset="0"/>
+              </a:rPr>
+              <a:t>Bugzilla</a:t>
+            </a:r>
+            <a:endParaRPr lang="en-US" sz="1800" dirty="0" smtClean="0">
+              <a:latin typeface="Calibri" panose="020F0502020204030204" pitchFamily="34" charset="0"/>
+              <a:cs typeface="Calibri" panose="020F0502020204030204" pitchFamily="34" charset="0"/>
+            </a:endParaRPr>
+          </a:p>
+          <a:p>
+            <a:pPr marL="285750" indent="-285750">
+              <a:buFont typeface="Arial" pitchFamily="34" charset="0"/>
+              <a:buChar char="•"/>
+            </a:pPr>
+            <a:endParaRPr lang="en-US" sz="1800" dirty="0">
+              <a:latin typeface="Calibri" panose="020F0502020204030204" pitchFamily="34" charset="0"/>
+              <a:cs typeface="Calibri" panose="020F0502020204030204" pitchFamily="34" charset="0"/>
+            </a:endParaRPr>
+          </a:p>
+          <a:p>
+            <a:r>
+              <a:rPr lang="en-US" sz="1800" b="1" dirty="0" smtClean="0">
+                <a:latin typeface="Calibri" panose="020F0502020204030204" pitchFamily="34" charset="0"/>
+                <a:cs typeface="Calibri" panose="020F0502020204030204" pitchFamily="34" charset="0"/>
+              </a:rPr>
+              <a:t>Programming Languages :</a:t>
+            </a:r>
+          </a:p>
+          <a:p>
+            <a:pPr marL="285750" indent="-285750">
+              <a:buFont typeface="Arial" panose="020B0604020202020204" pitchFamily="34" charset="0"/>
+              <a:buChar char="•"/>
+            </a:pPr>
+            <a:r>
+              <a:rPr lang="en-US" sz="1800" dirty="0" smtClean="0">
+                <a:latin typeface="Calibri" panose="020F0502020204030204" pitchFamily="34" charset="0"/>
+                <a:cs typeface="Calibri" panose="020F0502020204030204" pitchFamily="34" charset="0"/>
+              </a:rPr>
+              <a:t>Java (Web Service &amp; Android)</a:t>
+            </a:r>
+          </a:p>
+          <a:p>
+            <a:pPr marL="285750" indent="-285750">
+              <a:buFont typeface="Arial" panose="020B0604020202020204" pitchFamily="34" charset="0"/>
+              <a:buChar char="•"/>
+            </a:pPr>
+            <a:r>
+              <a:rPr lang="en-US" sz="1800" dirty="0" smtClean="0">
+                <a:latin typeface="Calibri" panose="020F0502020204030204" pitchFamily="34" charset="0"/>
+                <a:cs typeface="Calibri" panose="020F0502020204030204" pitchFamily="34" charset="0"/>
+              </a:rPr>
+              <a:t>Swift (iOS)</a:t>
+            </a:r>
+          </a:p>
+          <a:p>
+            <a:endParaRPr lang="en-US" sz="1800" dirty="0">
+              <a:latin typeface="Calibri" panose="020F0502020204030204" pitchFamily="34" charset="0"/>
+              <a:cs typeface="Calibri" panose="020F0502020204030204" pitchFamily="34" charset="0"/>
+            </a:endParaRPr>
+          </a:p>
+          <a:p>
+            <a:r>
+              <a:rPr lang="en-US" sz="1800" b="1" dirty="0" smtClean="0">
+                <a:latin typeface="Calibri" panose="020F0502020204030204" pitchFamily="34" charset="0"/>
+                <a:cs typeface="Calibri" panose="020F0502020204030204" pitchFamily="34" charset="0"/>
+              </a:rPr>
+              <a:t>Hardware</a:t>
+            </a:r>
+          </a:p>
+          <a:p>
+            <a:pPr marL="285750" indent="-285750">
+              <a:buFont typeface="Arial" pitchFamily="34" charset="0"/>
+              <a:buChar char="•"/>
+            </a:pPr>
+            <a:r>
+              <a:rPr lang="en-US" sz="1800" dirty="0" smtClean="0">
+                <a:latin typeface="Calibri" panose="020F0502020204030204" pitchFamily="34" charset="0"/>
+                <a:cs typeface="Calibri" panose="020F0502020204030204" pitchFamily="34" charset="0"/>
+              </a:rPr>
+              <a:t>Android </a:t>
+            </a:r>
+            <a:r>
+              <a:rPr lang="en-US" sz="1800" dirty="0" smtClean="0">
+                <a:latin typeface="Calibri" panose="020F0502020204030204" pitchFamily="34" charset="0"/>
+                <a:cs typeface="Calibri" panose="020F0502020204030204" pitchFamily="34" charset="0"/>
+              </a:rPr>
+              <a:t>devices</a:t>
+            </a:r>
+          </a:p>
+          <a:p>
+            <a:pPr marL="285750" indent="-285750">
+              <a:buFont typeface="Arial" pitchFamily="34" charset="0"/>
+              <a:buChar char="•"/>
+            </a:pPr>
+            <a:r>
+              <a:rPr lang="en-US" sz="1800" dirty="0" smtClean="0">
+                <a:latin typeface="Calibri" panose="020F0502020204030204" pitchFamily="34" charset="0"/>
+                <a:cs typeface="Calibri" panose="020F0502020204030204" pitchFamily="34" charset="0"/>
+              </a:rPr>
+              <a:t>iOS devices</a:t>
+            </a:r>
+            <a:endParaRPr lang="en-US" sz="1800" dirty="0">
+              <a:latin typeface="Calibri" panose="020F0502020204030204" pitchFamily="34" charset="0"/>
+              <a:cs typeface="Calibri" panose="020F0502020204030204" pitchFamily="34" charset="0"/>
+            </a:endParaRPr>
+          </a:p>
+          <a:p>
+            <a:r>
+              <a:rPr lang="en-US" sz="1800" b="1" dirty="0" smtClean="0">
+                <a:latin typeface="Calibri" panose="020F0502020204030204" pitchFamily="34" charset="0"/>
+                <a:cs typeface="Calibri" panose="020F0502020204030204" pitchFamily="34" charset="0"/>
+              </a:rPr>
+              <a:t>Resource</a:t>
+            </a:r>
+          </a:p>
+          <a:p>
+            <a:pPr marL="285750" indent="-285750">
+              <a:buFont typeface="Arial" pitchFamily="34" charset="0"/>
+              <a:buChar char="•"/>
+            </a:pPr>
+            <a:r>
+              <a:rPr lang="en-US" sz="1800" dirty="0" smtClean="0">
+                <a:latin typeface="Calibri" panose="020F0502020204030204" pitchFamily="34" charset="0"/>
+                <a:cs typeface="Calibri" panose="020F0502020204030204" pitchFamily="34" charset="0"/>
+              </a:rPr>
+              <a:t>Android </a:t>
+            </a:r>
+            <a:r>
+              <a:rPr lang="en-US" sz="1800" dirty="0" smtClean="0">
+                <a:latin typeface="Calibri" panose="020F0502020204030204" pitchFamily="34" charset="0"/>
+                <a:cs typeface="Calibri" panose="020F0502020204030204" pitchFamily="34" charset="0"/>
+              </a:rPr>
+              <a:t>Developer engineer –       </a:t>
+            </a:r>
+            <a:r>
+              <a:rPr lang="en-US" sz="1800" dirty="0" err="1" smtClean="0">
+                <a:latin typeface="Calibri" panose="020F0502020204030204" pitchFamily="34" charset="0"/>
+                <a:cs typeface="Calibri" panose="020F0502020204030204" pitchFamily="34" charset="0"/>
+              </a:rPr>
+              <a:t>Subhalaxmi</a:t>
+            </a:r>
+            <a:r>
+              <a:rPr lang="en-US" sz="1800" dirty="0" smtClean="0">
+                <a:latin typeface="Calibri" panose="020F0502020204030204" pitchFamily="34" charset="0"/>
+                <a:cs typeface="Calibri" panose="020F0502020204030204" pitchFamily="34" charset="0"/>
+              </a:rPr>
+              <a:t>, </a:t>
+            </a:r>
+            <a:r>
+              <a:rPr lang="en-US" sz="1800" dirty="0" err="1" smtClean="0">
+                <a:latin typeface="Calibri" panose="020F0502020204030204" pitchFamily="34" charset="0"/>
+                <a:cs typeface="Calibri" panose="020F0502020204030204" pitchFamily="34" charset="0"/>
+              </a:rPr>
+              <a:t>Nitesh</a:t>
+            </a:r>
+            <a:endParaRPr lang="en-US" sz="1800" dirty="0" smtClean="0">
+              <a:latin typeface="Calibri" panose="020F0502020204030204" pitchFamily="34" charset="0"/>
+              <a:cs typeface="Calibri" panose="020F0502020204030204" pitchFamily="34" charset="0"/>
+            </a:endParaRPr>
+          </a:p>
+          <a:p>
+            <a:pPr marL="285750" indent="-285750">
+              <a:buFont typeface="Arial" pitchFamily="34" charset="0"/>
+              <a:buChar char="•"/>
+            </a:pPr>
+            <a:r>
+              <a:rPr lang="en-US" sz="1800" dirty="0" smtClean="0">
+                <a:latin typeface="Calibri" panose="020F0502020204030204" pitchFamily="34" charset="0"/>
+                <a:cs typeface="Calibri" panose="020F0502020204030204" pitchFamily="34" charset="0"/>
+              </a:rPr>
+              <a:t>iOS Developer engineer -                </a:t>
+            </a:r>
+            <a:r>
+              <a:rPr lang="en-US" sz="1800" dirty="0" err="1" smtClean="0">
+                <a:latin typeface="Calibri" panose="020F0502020204030204" pitchFamily="34" charset="0"/>
+                <a:cs typeface="Calibri" panose="020F0502020204030204" pitchFamily="34" charset="0"/>
+              </a:rPr>
+              <a:t>Rohit</a:t>
+            </a:r>
+            <a:endParaRPr lang="en-US" sz="1800" dirty="0" smtClean="0">
               <a:latin typeface="Calibri" panose="020F0502020204030204" pitchFamily="34" charset="0"/>
               <a:cs typeface="Calibri" panose="020F0502020204030204" pitchFamily="34" charset="0"/>
             </a:endParaRPr>
@@ -10861,7 +11042,7 @@
     </p:spTree>
     <p:extLst>
       <p:ext uri="{BB962C8B-B14F-4D97-AF65-F5344CB8AC3E}">
-        <p14:creationId xmlns:p14="http://schemas.microsoft.com/office/powerpoint/2010/main" val="1678304759"/>
+        <p14:creationId xmlns:p14="http://schemas.microsoft.com/office/powerpoint/2010/main" val="3270171986"/>
       </p:ext>
     </p:extLst>
   </p:cSld>
@@ -10931,7 +11112,7 @@
         <p:spPr>
           <a:xfrm>
             <a:off x="864496" y="83820"/>
-            <a:ext cx="7324161" cy="458838"/>
+            <a:ext cx="7610764" cy="458838"/>
           </a:xfrm>
         </p:spPr>
         <p:txBody>
@@ -10942,7 +11123,7 @@
               <a:rPr lang="en-US" sz="2000" dirty="0">
                 <a:latin typeface="+mn-lt"/>
               </a:rPr>
-              <a:t>Quality Requirements</a:t>
+              <a:t>Communication Plan</a:t>
             </a:r>
             <a:endParaRPr lang="en-IN" sz="2000" dirty="0">
               <a:latin typeface="+mn-lt"/>
@@ -10952,62 +11133,70 @@
       </p:sp>
       <p:sp>
         <p:nvSpPr>
-          <p:cNvPr id="7" name="TextBox 6"/>
-          <p:cNvSpPr txBox="1"/>
+          <p:cNvPr id="7" name="Rectangle 6"/>
+          <p:cNvSpPr/>
           <p:nvPr/>
         </p:nvSpPr>
         <p:spPr>
           <a:xfrm>
-            <a:off x="832514" y="1124660"/>
-            <a:ext cx="7001302" cy="2693045"/>
+            <a:off x="921200" y="1050521"/>
+            <a:ext cx="7171922" cy="1985159"/>
           </a:xfrm>
           <a:prstGeom prst="rect">
             <a:avLst/>
           </a:prstGeom>
-          <a:noFill/>
         </p:spPr>
         <p:txBody>
-          <a:bodyPr wrap="square" rtlCol="0">
+          <a:bodyPr wrap="square">
             <a:spAutoFit/>
           </a:bodyPr>
           <a:lstStyle/>
           <a:p>
             <a:pPr marL="285750" indent="-285750">
               <a:spcBef>
+                <a:spcPts val="0"/>
+              </a:spcBef>
+              <a:spcAft>
                 <a:spcPts val="600"/>
-              </a:spcBef>
+              </a:spcAft>
               <a:buFont typeface="Arial" pitchFamily="34" charset="0"/>
               <a:buChar char="•"/>
             </a:pPr>
             <a:r>
-              <a:rPr lang="en-US" sz="1800" dirty="0" smtClean="0">
-                <a:latin typeface="Calibri" panose="020F0502020204030204" pitchFamily="34" charset="0"/>
-                <a:cs typeface="Calibri" panose="020F0502020204030204" pitchFamily="34" charset="0"/>
-              </a:rPr>
-              <a:t>Minimum 95% FTR and 90% OTD have to be achieved and all work products shall be stored in SVN</a:t>
+              <a:rPr lang="en-US" sz="1800" dirty="0">
+                <a:latin typeface="Calibri" panose="020F0502020204030204" pitchFamily="34" charset="0"/>
+                <a:cs typeface="Calibri" panose="020F0502020204030204" pitchFamily="34" charset="0"/>
+              </a:rPr>
+              <a:t>Deliverables shall be sent via  SVN  source control</a:t>
             </a:r>
           </a:p>
           <a:p>
             <a:pPr marL="285750" indent="-285750">
               <a:spcBef>
+                <a:spcPts val="0"/>
+              </a:spcBef>
+              <a:spcAft>
                 <a:spcPts val="600"/>
-              </a:spcBef>
+              </a:spcAft>
               <a:buFont typeface="Arial" pitchFamily="34" charset="0"/>
               <a:buChar char="•"/>
             </a:pPr>
             <a:r>
-              <a:rPr lang="en-US" sz="1800" dirty="0" smtClean="0">
-                <a:latin typeface="Calibri" panose="020F0502020204030204" pitchFamily="34" charset="0"/>
-                <a:cs typeface="Calibri" panose="020F0502020204030204" pitchFamily="34" charset="0"/>
-              </a:rPr>
-              <a:t>Benchmark target is (+/-) 10% </a:t>
+              <a:rPr lang="en-US" sz="1800" dirty="0">
+                <a:latin typeface="Calibri" panose="020F0502020204030204" pitchFamily="34" charset="0"/>
+                <a:cs typeface="Calibri" panose="020F0502020204030204" pitchFamily="34" charset="0"/>
+              </a:rPr>
+              <a:t>Weekly status update will be maintained in team.</a:t>
             </a:r>
           </a:p>
           <a:p>
             <a:pPr marL="285750" indent="-285750">
               <a:spcBef>
+                <a:spcPts val="0"/>
+              </a:spcBef>
+              <a:spcAft>
                 <a:spcPts val="600"/>
-              </a:spcBef>
+              </a:spcAft>
               <a:buFont typeface="Arial" pitchFamily="34" charset="0"/>
               <a:buChar char="•"/>
             </a:pPr>
@@ -11016,110 +11205,28 @@
                 <a:latin typeface="Calibri" panose="020F0502020204030204" pitchFamily="34" charset="0"/>
                 <a:cs typeface="Calibri" panose="020F0502020204030204" pitchFamily="34" charset="0"/>
               </a:rPr>
-              <a:t>Internal </a:t>
-            </a:r>
-            <a:r>
-              <a:rPr lang="en-US" sz="1800" dirty="0" smtClean="0">
-                <a:latin typeface="Calibri" panose="020F0502020204030204" pitchFamily="34" charset="0"/>
-                <a:cs typeface="Calibri" panose="020F0502020204030204" pitchFamily="34" charset="0"/>
-              </a:rPr>
-              <a:t>review </a:t>
-            </a:r>
-            <a:r>
-              <a:rPr lang="en-US" sz="1800" dirty="0">
-                <a:latin typeface="Calibri" panose="020F0502020204030204" pitchFamily="34" charset="0"/>
-                <a:cs typeface="Calibri" panose="020F0502020204030204" pitchFamily="34" charset="0"/>
-              </a:rPr>
-              <a:t>of all work products shall take place and be maintained in </a:t>
-            </a:r>
-            <a:r>
-              <a:rPr lang="en-US" sz="1800" dirty="0" smtClean="0">
-                <a:latin typeface="Calibri" panose="020F0502020204030204" pitchFamily="34" charset="0"/>
-                <a:cs typeface="Calibri" panose="020F0502020204030204" pitchFamily="34" charset="0"/>
-              </a:rPr>
-              <a:t>SVN</a:t>
+              <a:t>Queries and responses will be collated on a query tracker and updated  to SVN on a daily basis, if any</a:t>
             </a:r>
           </a:p>
           <a:p>
             <a:pPr marL="285750" indent="-285750">
               <a:spcBef>
+                <a:spcPts val="0"/>
+              </a:spcBef>
+              <a:spcAft>
                 <a:spcPts val="600"/>
-              </a:spcBef>
+              </a:spcAft>
               <a:buFont typeface="Arial" pitchFamily="34" charset="0"/>
               <a:buChar char="•"/>
             </a:pPr>
             <a:r>
-              <a:rPr lang="en-US" sz="1800" dirty="0" smtClean="0">
-                <a:latin typeface="Calibri" panose="020F0502020204030204" pitchFamily="34" charset="0"/>
-                <a:cs typeface="Calibri" panose="020F0502020204030204" pitchFamily="34" charset="0"/>
-              </a:rPr>
-              <a:t>Review checklist shall be used for all Internal reviews</a:t>
-            </a:r>
-            <a:endParaRPr lang="en-US" sz="1800" dirty="0">
-              <a:latin typeface="Calibri" panose="020F0502020204030204" pitchFamily="34" charset="0"/>
-              <a:cs typeface="Calibri" panose="020F0502020204030204" pitchFamily="34" charset="0"/>
-            </a:endParaRPr>
-          </a:p>
-          <a:p>
-            <a:pPr marL="285750" indent="-285750">
-              <a:spcBef>
-                <a:spcPts val="600"/>
-              </a:spcBef>
-              <a:buFont typeface="Arial" pitchFamily="34" charset="0"/>
-              <a:buChar char="•"/>
-            </a:pPr>
-            <a:r>
-              <a:rPr lang="en-US" sz="1800" dirty="0" smtClean="0">
-                <a:latin typeface="Calibri" panose="020F0502020204030204" pitchFamily="34" charset="0"/>
-                <a:cs typeface="Calibri" panose="020F0502020204030204" pitchFamily="34" charset="0"/>
-              </a:rPr>
-              <a:t>Weekly quality metrics shall be maintained and published</a:t>
-            </a:r>
-          </a:p>
-          <a:p>
-            <a:pPr marL="285750" indent="-285750">
-              <a:spcBef>
-                <a:spcPts val="600"/>
-              </a:spcBef>
-              <a:buFont typeface="Arial" pitchFamily="34" charset="0"/>
-              <a:buChar char="•"/>
-            </a:pPr>
-            <a:r>
-              <a:rPr lang="en-US" sz="1800" dirty="0" smtClean="0">
-                <a:latin typeface="Calibri" panose="020F0502020204030204" pitchFamily="34" charset="0"/>
-                <a:cs typeface="Calibri" panose="020F0502020204030204" pitchFamily="34" charset="0"/>
-              </a:rPr>
-              <a:t>All </a:t>
-            </a:r>
-            <a:r>
               <a:rPr lang="en-US" sz="1800" dirty="0">
                 <a:latin typeface="Calibri" panose="020F0502020204030204" pitchFamily="34" charset="0"/>
                 <a:cs typeface="Calibri" panose="020F0502020204030204" pitchFamily="34" charset="0"/>
               </a:rPr>
-              <a:t>communication </a:t>
-            </a:r>
-            <a:r>
-              <a:rPr lang="en-US" sz="1800" dirty="0" smtClean="0">
-                <a:latin typeface="Calibri" panose="020F0502020204030204" pitchFamily="34" charset="0"/>
-                <a:cs typeface="Calibri" panose="020F0502020204030204" pitchFamily="34" charset="0"/>
-              </a:rPr>
-              <a:t>in team or with manager will </a:t>
-            </a:r>
-            <a:r>
-              <a:rPr lang="en-US" sz="1800" dirty="0">
-                <a:latin typeface="Calibri" panose="020F0502020204030204" pitchFamily="34" charset="0"/>
-                <a:cs typeface="Calibri" panose="020F0502020204030204" pitchFamily="34" charset="0"/>
-              </a:rPr>
-              <a:t>be maintained in </a:t>
-            </a:r>
-            <a:r>
-              <a:rPr lang="en-US" sz="1800" dirty="0" smtClean="0">
-                <a:latin typeface="Calibri" panose="020F0502020204030204" pitchFamily="34" charset="0"/>
-                <a:cs typeface="Calibri" panose="020F0502020204030204" pitchFamily="34" charset="0"/>
-              </a:rPr>
-              <a:t>SVN</a:t>
-            </a:r>
-            <a:endParaRPr lang="en-US" sz="1800" dirty="0">
+              <a:t>All status, MOMs and required documents need to be maintained in SVN. </a:t>
+            </a:r>
+            <a:endParaRPr lang="en-IN" sz="1800" dirty="0">
               <a:latin typeface="Calibri" panose="020F0502020204030204" pitchFamily="34" charset="0"/>
               <a:cs typeface="Calibri" panose="020F0502020204030204" pitchFamily="34" charset="0"/>
             </a:endParaRPr>
@@ -11129,7 +11236,7 @@
     </p:spTree>
     <p:extLst>
       <p:ext uri="{BB962C8B-B14F-4D97-AF65-F5344CB8AC3E}">
-        <p14:creationId xmlns:p14="http://schemas.microsoft.com/office/powerpoint/2010/main" val="206492362"/>
+        <p14:creationId xmlns:p14="http://schemas.microsoft.com/office/powerpoint/2010/main" val="1678304759"/>
       </p:ext>
     </p:extLst>
   </p:cSld>
@@ -11196,16 +11303,25 @@
             <p:ph type="title"/>
           </p:nvPr>
         </p:nvSpPr>
-        <p:spPr/>
+        <p:spPr>
+          <a:xfrm>
+            <a:off x="864496" y="83820"/>
+            <a:ext cx="7324161" cy="458838"/>
+          </a:xfrm>
+        </p:spPr>
         <p:txBody>
           <a:bodyPr/>
           <a:lstStyle/>
           <a:p>
             <a:r>
-              <a:rPr lang="en-US" sz="2000" dirty="0"/>
-              <a:t>Assumptions</a:t>
-            </a:r>
-            <a:endParaRPr lang="en-IN" sz="2000" dirty="0"/>
+              <a:rPr lang="en-US" sz="2000" dirty="0">
+                <a:latin typeface="+mn-lt"/>
+              </a:rPr>
+              <a:t>Quality Requirements</a:t>
+            </a:r>
+            <a:endParaRPr lang="en-IN" sz="2000" dirty="0">
+              <a:latin typeface="+mn-lt"/>
+            </a:endParaRPr>
           </a:p>
         </p:txBody>
       </p:sp>
@@ -11217,8 +11333,8 @@
         </p:nvSpPr>
         <p:spPr>
           <a:xfrm>
-            <a:off x="859808" y="954200"/>
-            <a:ext cx="7966887" cy="3677930"/>
+            <a:off x="832514" y="1124660"/>
+            <a:ext cx="7001302" cy="2693045"/>
           </a:xfrm>
           <a:prstGeom prst="rect">
             <a:avLst/>
@@ -11231,24 +11347,10 @@
           </a:bodyPr>
           <a:lstStyle/>
           <a:p>
-            <a:pPr lvl="0">
-              <a:spcAft>
+            <a:pPr marL="285750" indent="-285750">
+              <a:spcBef>
                 <a:spcPts val="600"/>
-              </a:spcAft>
-            </a:pPr>
-            <a:r>
-              <a:rPr lang="en-US" sz="1800" b="1" dirty="0" smtClean="0">
-                <a:latin typeface="Calibri" panose="020F0502020204030204" pitchFamily="34" charset="0"/>
-                <a:cs typeface="Calibri" panose="020F0502020204030204" pitchFamily="34" charset="0"/>
-              </a:rPr>
-              <a:t>Module 1 :</a:t>
-            </a:r>
-          </a:p>
-          <a:p>
-            <a:pPr marL="285750" lvl="0" indent="-285750">
-              <a:spcAft>
-                <a:spcPts val="600"/>
-              </a:spcAft>
+              </a:spcBef>
               <a:buFont typeface="Arial" pitchFamily="34" charset="0"/>
               <a:buChar char="•"/>
             </a:pPr>
@@ -11257,14 +11359,14 @@
                 <a:latin typeface="Calibri" panose="020F0502020204030204" pitchFamily="34" charset="0"/>
                 <a:cs typeface="Calibri" panose="020F0502020204030204" pitchFamily="34" charset="0"/>
               </a:rPr>
-              <a:t>We will be working on the local database(android preferences) inside mobile till web service is ready</a:t>
-            </a:r>
-          </a:p>
-          <a:p>
-            <a:pPr marL="285750" lvl="0" indent="-285750">
-              <a:spcAft>
+              <a:t>Minimum 95% FTR and 90% OTD have to be achieved and all work products shall be stored in SVN</a:t>
+            </a:r>
+          </a:p>
+          <a:p>
+            <a:pPr marL="285750" indent="-285750">
+              <a:spcBef>
                 <a:spcPts val="600"/>
-              </a:spcAft>
+              </a:spcBef>
               <a:buFont typeface="Arial" pitchFamily="34" charset="0"/>
               <a:buChar char="•"/>
             </a:pPr>
@@ -11273,7 +11375,60 @@
                 <a:latin typeface="Calibri" panose="020F0502020204030204" pitchFamily="34" charset="0"/>
                 <a:cs typeface="Calibri" panose="020F0502020204030204" pitchFamily="34" charset="0"/>
               </a:rPr>
-              <a:t>It will be the static flow for basic demo purpose</a:t>
+              <a:t>Benchmark target is (+/-) 10% </a:t>
+            </a:r>
+          </a:p>
+          <a:p>
+            <a:pPr marL="285750" indent="-285750">
+              <a:spcBef>
+                <a:spcPts val="600"/>
+              </a:spcBef>
+              <a:buFont typeface="Arial" pitchFamily="34" charset="0"/>
+              <a:buChar char="•"/>
+            </a:pPr>
+            <a:r>
+              <a:rPr lang="en-US" sz="1800" dirty="0">
+                <a:latin typeface="Calibri" panose="020F0502020204030204" pitchFamily="34" charset="0"/>
+                <a:cs typeface="Calibri" panose="020F0502020204030204" pitchFamily="34" charset="0"/>
+              </a:rPr>
+              <a:t>Internal </a:t>
+            </a:r>
+            <a:r>
+              <a:rPr lang="en-US" sz="1800" dirty="0" smtClean="0">
+                <a:latin typeface="Calibri" panose="020F0502020204030204" pitchFamily="34" charset="0"/>
+                <a:cs typeface="Calibri" panose="020F0502020204030204" pitchFamily="34" charset="0"/>
+              </a:rPr>
+              <a:t>review </a:t>
+            </a:r>
+            <a:r>
+              <a:rPr lang="en-US" sz="1800" dirty="0">
+                <a:latin typeface="Calibri" panose="020F0502020204030204" pitchFamily="34" charset="0"/>
+                <a:cs typeface="Calibri" panose="020F0502020204030204" pitchFamily="34" charset="0"/>
+              </a:rPr>
+              <a:t>of all work products shall take place and be maintained in </a:t>
+            </a:r>
+            <a:r>
+              <a:rPr lang="en-US" sz="1800" dirty="0" smtClean="0">
+                <a:latin typeface="Calibri" panose="020F0502020204030204" pitchFamily="34" charset="0"/>
+                <a:cs typeface="Calibri" panose="020F0502020204030204" pitchFamily="34" charset="0"/>
+              </a:rPr>
+              <a:t>SVN</a:t>
+            </a:r>
+          </a:p>
+          <a:p>
+            <a:pPr marL="285750" indent="-285750">
+              <a:spcBef>
+                <a:spcPts val="600"/>
+              </a:spcBef>
+              <a:buFont typeface="Arial" pitchFamily="34" charset="0"/>
+              <a:buChar char="•"/>
+            </a:pPr>
+            <a:r>
+              <a:rPr lang="en-US" sz="1800" dirty="0" smtClean="0">
+                <a:latin typeface="Calibri" panose="020F0502020204030204" pitchFamily="34" charset="0"/>
+                <a:cs typeface="Calibri" panose="020F0502020204030204" pitchFamily="34" charset="0"/>
+              </a:rPr>
+              <a:t>Review checklist shall be used for all Internal reviews</a:t>
             </a:r>
             <a:endParaRPr lang="en-US" sz="1800" dirty="0">
               <a:latin typeface="Calibri" panose="020F0502020204030204" pitchFamily="34" charset="0"/>
@@ -11281,47 +11436,26 @@
             </a:endParaRPr>
           </a:p>
           <a:p>
-            <a:pPr lvl="0">
-              <a:spcAft>
+            <a:pPr marL="285750" indent="-285750">
+              <a:spcBef>
                 <a:spcPts val="600"/>
-              </a:spcAft>
-            </a:pPr>
-            <a:r>
-              <a:rPr lang="en-US" sz="1800" b="1" dirty="0" smtClean="0">
-                <a:latin typeface="Calibri" panose="020F0502020204030204" pitchFamily="34" charset="0"/>
-                <a:cs typeface="Calibri" panose="020F0502020204030204" pitchFamily="34" charset="0"/>
-              </a:rPr>
-              <a:t>Module 2 :</a:t>
-            </a:r>
-          </a:p>
-          <a:p>
-            <a:pPr marL="285750" indent="-285750">
-              <a:spcAft>
-                <a:spcPts val="600"/>
-              </a:spcAft>
+              </a:spcBef>
               <a:buFont typeface="Arial" pitchFamily="34" charset="0"/>
               <a:buChar char="•"/>
             </a:pPr>
             <a:r>
-              <a:rPr lang="en-US" sz="1800" dirty="0">
-                <a:latin typeface="Calibri" panose="020F0502020204030204" pitchFamily="34" charset="0"/>
-                <a:cs typeface="Calibri" panose="020F0502020204030204" pitchFamily="34" charset="0"/>
-              </a:rPr>
-              <a:t>We will be working on the local database inside mobile till web service is </a:t>
-            </a:r>
-            <a:r>
               <a:rPr lang="en-US" sz="1800" dirty="0" smtClean="0">
                 <a:latin typeface="Calibri" panose="020F0502020204030204" pitchFamily="34" charset="0"/>
                 <a:cs typeface="Calibri" panose="020F0502020204030204" pitchFamily="34" charset="0"/>
               </a:rPr>
-              <a:t>ready</a:t>
+              <a:t>Weekly quality metrics shall be maintained and published</a:t>
             </a:r>
           </a:p>
           <a:p>
             <a:pPr marL="285750" indent="-285750">
-              <a:spcAft>
+              <a:spcBef>
                 <a:spcPts val="600"/>
-              </a:spcAft>
+              </a:spcBef>
               <a:buFont typeface="Arial" pitchFamily="34" charset="0"/>
               <a:buChar char="•"/>
             </a:pPr>
@@ -11330,48 +11464,35 @@
                 <a:latin typeface="Calibri" panose="020F0502020204030204" pitchFamily="34" charset="0"/>
                 <a:cs typeface="Calibri" panose="020F0502020204030204" pitchFamily="34" charset="0"/>
               </a:rPr>
-              <a:t>For iOS mobile application, we’ll be using the simulator for debugging, as we don’t have the apple developer membership (account) for profiles and certificates for testing in the real device</a:t>
-            </a:r>
-            <a:endParaRPr lang="en-US" sz="1800" dirty="0">
-              <a:latin typeface="Calibri" panose="020F0502020204030204" pitchFamily="34" charset="0"/>
-              <a:cs typeface="Calibri" panose="020F0502020204030204" pitchFamily="34" charset="0"/>
-            </a:endParaRPr>
-          </a:p>
-          <a:p>
-            <a:pPr lvl="0">
-              <a:spcAft>
-                <a:spcPts val="600"/>
-              </a:spcAft>
-            </a:pPr>
-            <a:r>
-              <a:rPr lang="en-US" sz="1800" b="1" dirty="0" smtClean="0">
-                <a:latin typeface="Calibri" panose="020F0502020204030204" pitchFamily="34" charset="0"/>
-                <a:cs typeface="Calibri" panose="020F0502020204030204" pitchFamily="34" charset="0"/>
-              </a:rPr>
-              <a:t>Module 3 :</a:t>
-            </a:r>
-          </a:p>
-          <a:p>
-            <a:pPr marL="285750" indent="-285750">
-              <a:spcAft>
-                <a:spcPts val="600"/>
-              </a:spcAft>
-              <a:buFont typeface="Arial" pitchFamily="34" charset="0"/>
-              <a:buChar char="•"/>
-            </a:pPr>
+              <a:t>All </a:t>
+            </a:r>
             <a:r>
               <a:rPr lang="en-US" sz="1800" dirty="0">
                 <a:latin typeface="Calibri" panose="020F0502020204030204" pitchFamily="34" charset="0"/>
                 <a:cs typeface="Calibri" panose="020F0502020204030204" pitchFamily="34" charset="0"/>
               </a:rPr>
-              <a:t>For web service, we will be using local host and the local MySQL </a:t>
+              <a:t>communication </a:t>
             </a:r>
             <a:r>
               <a:rPr lang="en-US" sz="1800" dirty="0" smtClean="0">
                 <a:latin typeface="Calibri" panose="020F0502020204030204" pitchFamily="34" charset="0"/>
                 <a:cs typeface="Calibri" panose="020F0502020204030204" pitchFamily="34" charset="0"/>
               </a:rPr>
-              <a:t>Database</a:t>
+              <a:t>in team or with manager will </a:t>
+            </a:r>
+            <a:r>
+              <a:rPr lang="en-US" sz="1800" dirty="0">
+                <a:latin typeface="Calibri" panose="020F0502020204030204" pitchFamily="34" charset="0"/>
+                <a:cs typeface="Calibri" panose="020F0502020204030204" pitchFamily="34" charset="0"/>
+              </a:rPr>
+              <a:t>be maintained in </a:t>
+            </a:r>
+            <a:r>
+              <a:rPr lang="en-US" sz="1800" dirty="0" smtClean="0">
+                <a:latin typeface="Calibri" panose="020F0502020204030204" pitchFamily="34" charset="0"/>
+                <a:cs typeface="Calibri" panose="020F0502020204030204" pitchFamily="34" charset="0"/>
+              </a:rPr>
+              <a:t>SVN</a:t>
             </a:r>
             <a:endParaRPr lang="en-US" sz="1800" dirty="0">
               <a:latin typeface="Calibri" panose="020F0502020204030204" pitchFamily="34" charset="0"/>
@@ -11383,7 +11504,7 @@
     </p:spTree>
     <p:extLst>
       <p:ext uri="{BB962C8B-B14F-4D97-AF65-F5344CB8AC3E}">
-        <p14:creationId xmlns:p14="http://schemas.microsoft.com/office/powerpoint/2010/main" val="3346496586"/>
+        <p14:creationId xmlns:p14="http://schemas.microsoft.com/office/powerpoint/2010/main" val="206492362"/>
       </p:ext>
     </p:extLst>
   </p:cSld>
@@ -11433,16 +11554,10 @@
           <a:lstStyle/>
           <a:p>
             <a:fld id="{75D64ABA-DC95-A94B-BCA3-09692F8C9985}" type="slidenum">
-              <a:rPr lang="en-US" smtClean="0">
-                <a:latin typeface="Calibri" panose="020F0502020204030204" pitchFamily="34" charset="0"/>
-                <a:cs typeface="Calibri" panose="020F0502020204030204" pitchFamily="34" charset="0"/>
-              </a:rPr>
+              <a:rPr lang="en-US" smtClean="0"/>
               <a:t>17</a:t>
             </a:fld>
-            <a:endParaRPr lang="en-US">
-              <a:latin typeface="Calibri" panose="020F0502020204030204" pitchFamily="34" charset="0"/>
-              <a:cs typeface="Calibri" panose="020F0502020204030204" pitchFamily="34" charset="0"/>
-            </a:endParaRPr>
+            <a:endParaRPr lang="en-US"/>
           </a:p>
         </p:txBody>
       </p:sp>
@@ -11462,6 +11577,308 @@
           <a:lstStyle/>
           <a:p>
             <a:r>
+              <a:rPr lang="en-US" sz="2000" dirty="0"/>
+              <a:t>Assumptions</a:t>
+            </a:r>
+            <a:endParaRPr lang="en-IN" sz="2000" dirty="0"/>
+          </a:p>
+        </p:txBody>
+      </p:sp>
+      <p:sp>
+        <p:nvSpPr>
+          <p:cNvPr id="7" name="TextBox 6"/>
+          <p:cNvSpPr txBox="1"/>
+          <p:nvPr/>
+        </p:nvSpPr>
+        <p:spPr>
+          <a:xfrm>
+            <a:off x="859808" y="954200"/>
+            <a:ext cx="7966887" cy="3677930"/>
+          </a:xfrm>
+          <a:prstGeom prst="rect">
+            <a:avLst/>
+          </a:prstGeom>
+          <a:noFill/>
+        </p:spPr>
+        <p:txBody>
+          <a:bodyPr wrap="square" rtlCol="0">
+            <a:spAutoFit/>
+          </a:bodyPr>
+          <a:lstStyle/>
+          <a:p>
+            <a:pPr lvl="0">
+              <a:spcAft>
+                <a:spcPts val="600"/>
+              </a:spcAft>
+            </a:pPr>
+            <a:r>
+              <a:rPr lang="en-US" sz="1800" b="1" dirty="0" smtClean="0">
+                <a:latin typeface="Calibri" panose="020F0502020204030204" pitchFamily="34" charset="0"/>
+                <a:cs typeface="Calibri" panose="020F0502020204030204" pitchFamily="34" charset="0"/>
+              </a:rPr>
+              <a:t>Phase 1 </a:t>
+            </a:r>
+            <a:r>
+              <a:rPr lang="en-US" sz="1800" b="1" dirty="0" smtClean="0">
+                <a:latin typeface="Calibri" panose="020F0502020204030204" pitchFamily="34" charset="0"/>
+                <a:cs typeface="Calibri" panose="020F0502020204030204" pitchFamily="34" charset="0"/>
+              </a:rPr>
+              <a:t>:</a:t>
+            </a:r>
+          </a:p>
+          <a:p>
+            <a:pPr marL="285750" lvl="0" indent="-285750">
+              <a:spcAft>
+                <a:spcPts val="600"/>
+              </a:spcAft>
+              <a:buFont typeface="Arial" pitchFamily="34" charset="0"/>
+              <a:buChar char="•"/>
+            </a:pPr>
+            <a:r>
+              <a:rPr lang="en-US" sz="1800" dirty="0" smtClean="0">
+                <a:latin typeface="Calibri" panose="020F0502020204030204" pitchFamily="34" charset="0"/>
+                <a:cs typeface="Calibri" panose="020F0502020204030204" pitchFamily="34" charset="0"/>
+              </a:rPr>
+              <a:t>We will be working on the local database(android preferences) inside mobile till web service is ready</a:t>
+            </a:r>
+          </a:p>
+          <a:p>
+            <a:pPr marL="285750" lvl="0" indent="-285750">
+              <a:spcAft>
+                <a:spcPts val="600"/>
+              </a:spcAft>
+              <a:buFont typeface="Arial" pitchFamily="34" charset="0"/>
+              <a:buChar char="•"/>
+            </a:pPr>
+            <a:r>
+              <a:rPr lang="en-US" sz="1800" dirty="0" smtClean="0">
+                <a:latin typeface="Calibri" panose="020F0502020204030204" pitchFamily="34" charset="0"/>
+                <a:cs typeface="Calibri" panose="020F0502020204030204" pitchFamily="34" charset="0"/>
+              </a:rPr>
+              <a:t>It will be the static flow for basic demo purpose</a:t>
+            </a:r>
+            <a:endParaRPr lang="en-US" sz="1800" dirty="0">
+              <a:latin typeface="Calibri" panose="020F0502020204030204" pitchFamily="34" charset="0"/>
+              <a:cs typeface="Calibri" panose="020F0502020204030204" pitchFamily="34" charset="0"/>
+            </a:endParaRPr>
+          </a:p>
+          <a:p>
+            <a:pPr lvl="0">
+              <a:spcAft>
+                <a:spcPts val="600"/>
+              </a:spcAft>
+            </a:pPr>
+            <a:r>
+              <a:rPr lang="en-US" sz="1800" b="1" dirty="0">
+                <a:latin typeface="Calibri" panose="020F0502020204030204" pitchFamily="34" charset="0"/>
+                <a:cs typeface="Calibri" panose="020F0502020204030204" pitchFamily="34" charset="0"/>
+              </a:rPr>
+              <a:t>Phase 2 </a:t>
+            </a:r>
+            <a:r>
+              <a:rPr lang="en-US" sz="1800" b="1" dirty="0" smtClean="0">
+                <a:latin typeface="Calibri" panose="020F0502020204030204" pitchFamily="34" charset="0"/>
+                <a:cs typeface="Calibri" panose="020F0502020204030204" pitchFamily="34" charset="0"/>
+              </a:rPr>
+              <a:t>:</a:t>
+            </a:r>
+          </a:p>
+          <a:p>
+            <a:pPr marL="285750" indent="-285750">
+              <a:spcAft>
+                <a:spcPts val="600"/>
+              </a:spcAft>
+              <a:buFont typeface="Arial" pitchFamily="34" charset="0"/>
+              <a:buChar char="•"/>
+            </a:pPr>
+            <a:r>
+              <a:rPr lang="en-US" sz="1800" dirty="0">
+                <a:latin typeface="Calibri" panose="020F0502020204030204" pitchFamily="34" charset="0"/>
+                <a:cs typeface="Calibri" panose="020F0502020204030204" pitchFamily="34" charset="0"/>
+              </a:rPr>
+              <a:t>We will be working on the local </a:t>
+            </a:r>
+            <a:r>
+              <a:rPr lang="en-US" sz="1800" dirty="0" smtClean="0">
+                <a:latin typeface="Calibri" panose="020F0502020204030204" pitchFamily="34" charset="0"/>
+                <a:cs typeface="Calibri" panose="020F0502020204030204" pitchFamily="34" charset="0"/>
+              </a:rPr>
+              <a:t>host inside </a:t>
+            </a:r>
+            <a:r>
+              <a:rPr lang="en-US" sz="1800" dirty="0">
+                <a:latin typeface="Calibri" panose="020F0502020204030204" pitchFamily="34" charset="0"/>
+                <a:cs typeface="Calibri" panose="020F0502020204030204" pitchFamily="34" charset="0"/>
+              </a:rPr>
+              <a:t>mobile till web service is </a:t>
+            </a:r>
+            <a:r>
+              <a:rPr lang="en-US" sz="1800" dirty="0" smtClean="0">
+                <a:latin typeface="Calibri" panose="020F0502020204030204" pitchFamily="34" charset="0"/>
+                <a:cs typeface="Calibri" panose="020F0502020204030204" pitchFamily="34" charset="0"/>
+              </a:rPr>
+              <a:t>ready</a:t>
+            </a:r>
+          </a:p>
+          <a:p>
+            <a:pPr marL="285750" indent="-285750">
+              <a:spcAft>
+                <a:spcPts val="600"/>
+              </a:spcAft>
+              <a:buFont typeface="Arial" pitchFamily="34" charset="0"/>
+              <a:buChar char="•"/>
+            </a:pPr>
+            <a:r>
+              <a:rPr lang="en-US" sz="1800" dirty="0" smtClean="0">
+                <a:latin typeface="Calibri" panose="020F0502020204030204" pitchFamily="34" charset="0"/>
+                <a:cs typeface="Calibri" panose="020F0502020204030204" pitchFamily="34" charset="0"/>
+              </a:rPr>
+              <a:t>For iOS mobile application, we’ll be using the simulator for debugging, as we don’t have the apple developer membership (account) for profiles and certificates for testing in the real device</a:t>
+            </a:r>
+            <a:endParaRPr lang="en-US" sz="1800" dirty="0">
+              <a:latin typeface="Calibri" panose="020F0502020204030204" pitchFamily="34" charset="0"/>
+              <a:cs typeface="Calibri" panose="020F0502020204030204" pitchFamily="34" charset="0"/>
+            </a:endParaRPr>
+          </a:p>
+          <a:p>
+            <a:pPr lvl="0">
+              <a:spcAft>
+                <a:spcPts val="600"/>
+              </a:spcAft>
+            </a:pPr>
+            <a:r>
+              <a:rPr lang="en-US" sz="1800" b="1" dirty="0">
+                <a:latin typeface="Calibri" panose="020F0502020204030204" pitchFamily="34" charset="0"/>
+                <a:cs typeface="Calibri" panose="020F0502020204030204" pitchFamily="34" charset="0"/>
+              </a:rPr>
+              <a:t>Phase 3 </a:t>
+            </a:r>
+            <a:r>
+              <a:rPr lang="en-US" sz="1800" b="1" dirty="0" smtClean="0">
+                <a:latin typeface="Calibri" panose="020F0502020204030204" pitchFamily="34" charset="0"/>
+                <a:cs typeface="Calibri" panose="020F0502020204030204" pitchFamily="34" charset="0"/>
+              </a:rPr>
+              <a:t>:</a:t>
+            </a:r>
+          </a:p>
+          <a:p>
+            <a:pPr marL="285750" indent="-285750">
+              <a:spcAft>
+                <a:spcPts val="600"/>
+              </a:spcAft>
+              <a:buFont typeface="Arial" pitchFamily="34" charset="0"/>
+              <a:buChar char="•"/>
+            </a:pPr>
+            <a:r>
+              <a:rPr lang="en-US" sz="1800" dirty="0" smtClean="0">
+                <a:latin typeface="Calibri" panose="020F0502020204030204" pitchFamily="34" charset="0"/>
+                <a:cs typeface="Calibri" panose="020F0502020204030204" pitchFamily="34" charset="0"/>
+              </a:rPr>
+              <a:t>Publish web service and </a:t>
+            </a:r>
+            <a:r>
+              <a:rPr lang="en-US" sz="1800" dirty="0">
+                <a:latin typeface="Calibri" panose="020F0502020204030204" pitchFamily="34" charset="0"/>
+                <a:cs typeface="Calibri" panose="020F0502020204030204" pitchFamily="34" charset="0"/>
+              </a:rPr>
+              <a:t>the local MySQL </a:t>
+            </a:r>
+            <a:r>
+              <a:rPr lang="en-US" sz="1800" dirty="0" smtClean="0">
+                <a:latin typeface="Calibri" panose="020F0502020204030204" pitchFamily="34" charset="0"/>
+                <a:cs typeface="Calibri" panose="020F0502020204030204" pitchFamily="34" charset="0"/>
+              </a:rPr>
+              <a:t>Database</a:t>
+            </a:r>
+            <a:endParaRPr lang="en-US" sz="1800" dirty="0">
+              <a:latin typeface="Calibri" panose="020F0502020204030204" pitchFamily="34" charset="0"/>
+              <a:cs typeface="Calibri" panose="020F0502020204030204" pitchFamily="34" charset="0"/>
+            </a:endParaRPr>
+          </a:p>
+        </p:txBody>
+      </p:sp>
+    </p:spTree>
+    <p:extLst>
+      <p:ext uri="{BB962C8B-B14F-4D97-AF65-F5344CB8AC3E}">
+        <p14:creationId xmlns:p14="http://schemas.microsoft.com/office/powerpoint/2010/main" val="3346496586"/>
+      </p:ext>
+    </p:extLst>
+  </p:cSld>
+  <p:clrMapOvr>
+    <a:masterClrMapping/>
+  </p:clrMapOvr>
+  <p:timing>
+    <p:tnLst>
+      <p:par>
+        <p:cTn id="1" dur="indefinite" restart="never" nodeType="tmRoot"/>
+      </p:par>
+    </p:tnLst>
+  </p:timing>
+</p:sld>
+</file>
+
+<file path=ppt/slides/slide18.xml><?xml version="1.0" encoding="utf-8"?>
+<p:sld xmlns:a="http://schemas.openxmlformats.org/drawingml/2006/main" xmlns:r="http://schemas.openxmlformats.org/officeDocument/2006/relationships" xmlns:p="http://schemas.openxmlformats.org/presentationml/2006/main">
+  <p:cSld>
+    <p:spTree>
+      <p:nvGrpSpPr>
+        <p:cNvPr id="1" name=""/>
+        <p:cNvGrpSpPr/>
+        <p:nvPr/>
+      </p:nvGrpSpPr>
+      <p:grpSpPr>
+        <a:xfrm>
+          <a:off x="0" y="0"/>
+          <a:ext cx="0" cy="0"/>
+          <a:chOff x="0" y="0"/>
+          <a:chExt cx="0" cy="0"/>
+        </a:xfrm>
+      </p:grpSpPr>
+      <p:sp>
+        <p:nvSpPr>
+          <p:cNvPr id="2" name="Slide Number Placeholder 1"/>
+          <p:cNvSpPr>
+            <a:spLocks noGrp="1"/>
+          </p:cNvSpPr>
+          <p:nvPr>
+            <p:ph type="sldNum" sz="quarter" idx="12"/>
+          </p:nvPr>
+        </p:nvSpPr>
+        <p:spPr/>
+        <p:txBody>
+          <a:bodyPr/>
+          <a:lstStyle/>
+          <a:p>
+            <a:fld id="{75D64ABA-DC95-A94B-BCA3-09692F8C9985}" type="slidenum">
+              <a:rPr lang="en-US" smtClean="0">
+                <a:latin typeface="Calibri" panose="020F0502020204030204" pitchFamily="34" charset="0"/>
+                <a:cs typeface="Calibri" panose="020F0502020204030204" pitchFamily="34" charset="0"/>
+              </a:rPr>
+              <a:t>18</a:t>
+            </a:fld>
+            <a:endParaRPr lang="en-US">
+              <a:latin typeface="Calibri" panose="020F0502020204030204" pitchFamily="34" charset="0"/>
+              <a:cs typeface="Calibri" panose="020F0502020204030204" pitchFamily="34" charset="0"/>
+            </a:endParaRPr>
+          </a:p>
+        </p:txBody>
+      </p:sp>
+      <p:sp>
+        <p:nvSpPr>
+          <p:cNvPr id="4" name="Title 3"/>
+          <p:cNvSpPr>
+            <a:spLocks noGrp="1"/>
+          </p:cNvSpPr>
+          <p:nvPr>
+            <p:ph type="title"/>
+          </p:nvPr>
+        </p:nvSpPr>
+        <p:spPr/>
+        <p:txBody>
+          <a:bodyPr/>
+          <a:lstStyle/>
+          <a:p>
+            <a:r>
               <a:rPr lang="en-US" sz="2000" dirty="0">
                 <a:latin typeface="+mn-lt"/>
                 <a:cs typeface="Calibri" panose="020F0502020204030204" pitchFamily="34" charset="0"/>
@@ -11484,27 +11901,27 @@
           <p:nvPr>
             <p:extLst>
               <p:ext uri="{D42A27DB-BD31-4B8C-83A1-F6EECF244321}">
-                <p14:modId xmlns:p14="http://schemas.microsoft.com/office/powerpoint/2010/main" val="1759972316"/>
+                <p14:modId xmlns:p14="http://schemas.microsoft.com/office/powerpoint/2010/main" val="3670017320"/>
               </p:ext>
             </p:extLst>
           </p:nvPr>
         </p:nvGraphicFramePr>
         <p:xfrm>
-          <a:off x="97821" y="839505"/>
-          <a:ext cx="8909702" cy="5943432"/>
+          <a:off x="177421" y="818866"/>
+          <a:ext cx="8679976" cy="3735221"/>
         </p:xfrm>
         <a:graphic>
           <a:graphicData uri="http://schemas.openxmlformats.org/drawingml/2006/table">
             <a:tbl>
               <a:tblPr firstRow="1" firstCol="1" bandRow="1"/>
               <a:tblGrid>
-                <a:gridCol w="1735944"/>
-                <a:gridCol w="813945"/>
-                <a:gridCol w="1324384"/>
-                <a:gridCol w="2759134"/>
-                <a:gridCol w="2276295"/>
+                <a:gridCol w="1691185"/>
+                <a:gridCol w="1018946"/>
+                <a:gridCol w="1064249"/>
+                <a:gridCol w="2687993"/>
+                <a:gridCol w="2217603"/>
               </a:tblGrid>
-              <a:tr h="1011599">
+              <a:tr h="1016445">
                 <a:tc>
                   <a:txBody>
                     <a:bodyPr/>
@@ -11924,374 +12341,7 @@
                   </a:tcPr>
                 </a:tc>
               </a:tr>
-              <a:tr h="864799">
-                <a:tc>
-                  <a:txBody>
-                    <a:bodyPr/>
-                    <a:lstStyle/>
-                    <a:p>
-                      <a:pPr algn="l" fontAlgn="b"/>
-                      <a:r>
-                        <a:rPr lang="en-US" sz="1800" b="0" i="0" u="none" strike="noStrike" dirty="0">
-                          <a:effectLst/>
-                          <a:latin typeface="Calibri" panose="020F0502020204030204" pitchFamily="34" charset="0"/>
-                          <a:cs typeface="Calibri" panose="020F0502020204030204" pitchFamily="34" charset="0"/>
-                        </a:rPr>
-                        <a:t>Skill set mismatch(Project preferred skill set)</a:t>
-                      </a:r>
-                    </a:p>
-                  </a:txBody>
-                  <a:tcPr marL="9525" marR="9525" marT="9525" marB="0" anchor="b">
-                    <a:lnL w="12700" cap="flat" cmpd="sng" algn="ctr">
-                      <a:solidFill>
-                        <a:schemeClr val="tx1"/>
-                      </a:solidFill>
-                      <a:prstDash val="solid"/>
-                      <a:round/>
-                      <a:headEnd type="none" w="med" len="med"/>
-                      <a:tailEnd type="none" w="med" len="med"/>
-                    </a:lnL>
-                    <a:lnR w="12700" cap="flat" cmpd="sng" algn="ctr">
-                      <a:solidFill>
-                        <a:schemeClr val="tx1"/>
-                      </a:solidFill>
-                      <a:prstDash val="solid"/>
-                      <a:round/>
-                      <a:headEnd type="none" w="med" len="med"/>
-                      <a:tailEnd type="none" w="med" len="med"/>
-                    </a:lnR>
-                    <a:lnT w="12700" cap="flat" cmpd="sng" algn="ctr">
-                      <a:solidFill>
-                        <a:schemeClr val="tx1"/>
-                      </a:solidFill>
-                      <a:prstDash val="solid"/>
-                      <a:round/>
-                      <a:headEnd type="none" w="med" len="med"/>
-                      <a:tailEnd type="none" w="med" len="med"/>
-                    </a:lnT>
-                    <a:lnB w="12700" cap="flat" cmpd="sng" algn="ctr">
-                      <a:solidFill>
-                        <a:schemeClr val="tx1"/>
-                      </a:solidFill>
-                      <a:prstDash val="solid"/>
-                      <a:round/>
-                      <a:headEnd type="none" w="med" len="med"/>
-                      <a:tailEnd type="none" w="med" len="med"/>
-                    </a:lnB>
-                  </a:tcPr>
-                </a:tc>
-                <a:tc>
-                  <a:txBody>
-                    <a:bodyPr/>
-                    <a:lstStyle/>
-                    <a:p>
-                      <a:pPr algn="ctr">
-                        <a:lnSpc>
-                          <a:spcPct val="115000"/>
-                        </a:lnSpc>
-                        <a:spcAft>
-                          <a:spcPts val="600"/>
-                        </a:spcAft>
-                      </a:pPr>
-                      <a:r>
-                        <a:rPr lang="en-US" sz="1800" dirty="0" smtClean="0">
-                          <a:effectLst/>
-                          <a:latin typeface="Calibri" panose="020F0502020204030204" pitchFamily="34" charset="0"/>
-                          <a:ea typeface="Calibri"/>
-                          <a:cs typeface="Calibri" panose="020F0502020204030204" pitchFamily="34" charset="0"/>
-                        </a:rPr>
-                        <a:t>Low</a:t>
-                      </a:r>
-                      <a:endParaRPr lang="en-IN" sz="1800" dirty="0">
-                        <a:effectLst/>
-                        <a:latin typeface="Calibri" panose="020F0502020204030204" pitchFamily="34" charset="0"/>
-                        <a:ea typeface="Calibri"/>
-                        <a:cs typeface="Calibri" panose="020F0502020204030204" pitchFamily="34" charset="0"/>
-                      </a:endParaRPr>
-                    </a:p>
-                  </a:txBody>
-                  <a:tcPr marL="68580" marR="68580" marT="0" marB="0" anchor="ctr">
-                    <a:lnL w="12700" cap="flat" cmpd="sng" algn="ctr">
-                      <a:solidFill>
-                        <a:schemeClr val="tx1"/>
-                      </a:solidFill>
-                      <a:prstDash val="solid"/>
-                      <a:round/>
-                      <a:headEnd type="none" w="med" len="med"/>
-                      <a:tailEnd type="none" w="med" len="med"/>
-                    </a:lnL>
-                    <a:lnR w="12700" cap="flat" cmpd="sng" algn="ctr">
-                      <a:solidFill>
-                        <a:schemeClr val="tx1"/>
-                      </a:solidFill>
-                      <a:prstDash val="solid"/>
-                      <a:round/>
-                      <a:headEnd type="none" w="med" len="med"/>
-                      <a:tailEnd type="none" w="med" len="med"/>
-                    </a:lnR>
-                    <a:lnT w="12700" cap="flat" cmpd="sng" algn="ctr">
-                      <a:solidFill>
-                        <a:schemeClr val="tx1"/>
-                      </a:solidFill>
-                      <a:prstDash val="solid"/>
-                      <a:round/>
-                      <a:headEnd type="none" w="med" len="med"/>
-                      <a:tailEnd type="none" w="med" len="med"/>
-                    </a:lnT>
-                    <a:lnB w="12700" cap="flat" cmpd="sng" algn="ctr">
-                      <a:solidFill>
-                        <a:schemeClr val="tx1"/>
-                      </a:solidFill>
-                      <a:prstDash val="solid"/>
-                      <a:round/>
-                      <a:headEnd type="none" w="med" len="med"/>
-                      <a:tailEnd type="none" w="med" len="med"/>
-                    </a:lnB>
-                  </a:tcPr>
-                </a:tc>
-                <a:tc>
-                  <a:txBody>
-                    <a:bodyPr/>
-                    <a:lstStyle/>
-                    <a:p>
-                      <a:pPr algn="ctr">
-                        <a:lnSpc>
-                          <a:spcPct val="115000"/>
-                        </a:lnSpc>
-                        <a:spcAft>
-                          <a:spcPts val="600"/>
-                        </a:spcAft>
-                      </a:pPr>
-                      <a:r>
-                        <a:rPr lang="en-US" sz="1800" dirty="0" smtClean="0">
-                          <a:effectLst/>
-                          <a:latin typeface="Calibri" panose="020F0502020204030204" pitchFamily="34" charset="0"/>
-                          <a:ea typeface="Calibri"/>
-                          <a:cs typeface="Calibri" panose="020F0502020204030204" pitchFamily="34" charset="0"/>
-                        </a:rPr>
-                        <a:t>High</a:t>
-                      </a:r>
-                      <a:endParaRPr lang="en-IN" sz="1800" dirty="0">
-                        <a:effectLst/>
-                        <a:latin typeface="Calibri" panose="020F0502020204030204" pitchFamily="34" charset="0"/>
-                        <a:ea typeface="Calibri"/>
-                        <a:cs typeface="Calibri" panose="020F0502020204030204" pitchFamily="34" charset="0"/>
-                      </a:endParaRPr>
-                    </a:p>
-                  </a:txBody>
-                  <a:tcPr marL="68580" marR="68580" marT="0" marB="0" anchor="ctr">
-                    <a:lnL w="12700" cap="flat" cmpd="sng" algn="ctr">
-                      <a:solidFill>
-                        <a:schemeClr val="tx1"/>
-                      </a:solidFill>
-                      <a:prstDash val="solid"/>
-                      <a:round/>
-                      <a:headEnd type="none" w="med" len="med"/>
-                      <a:tailEnd type="none" w="med" len="med"/>
-                    </a:lnL>
-                    <a:lnR w="12700" cap="flat" cmpd="sng" algn="ctr">
-                      <a:solidFill>
-                        <a:schemeClr val="tx1"/>
-                      </a:solidFill>
-                      <a:prstDash val="solid"/>
-                      <a:round/>
-                      <a:headEnd type="none" w="med" len="med"/>
-                      <a:tailEnd type="none" w="med" len="med"/>
-                    </a:lnR>
-                    <a:lnT w="12700" cap="flat" cmpd="sng" algn="ctr">
-                      <a:solidFill>
-                        <a:schemeClr val="tx1"/>
-                      </a:solidFill>
-                      <a:prstDash val="solid"/>
-                      <a:round/>
-                      <a:headEnd type="none" w="med" len="med"/>
-                      <a:tailEnd type="none" w="med" len="med"/>
-                    </a:lnT>
-                    <a:lnB w="12700" cap="flat" cmpd="sng" algn="ctr">
-                      <a:solidFill>
-                        <a:schemeClr val="tx1"/>
-                      </a:solidFill>
-                      <a:prstDash val="solid"/>
-                      <a:round/>
-                      <a:headEnd type="none" w="med" len="med"/>
-                      <a:tailEnd type="none" w="med" len="med"/>
-                    </a:lnB>
-                  </a:tcPr>
-                </a:tc>
-                <a:tc>
-                  <a:txBody>
-                    <a:bodyPr/>
-                    <a:lstStyle/>
-                    <a:p>
-                      <a:pPr marL="67310" marR="59690" algn="just">
-                        <a:lnSpc>
-                          <a:spcPct val="115000"/>
-                        </a:lnSpc>
-                        <a:spcAft>
-                          <a:spcPts val="600"/>
-                        </a:spcAft>
-                      </a:pPr>
-                      <a:r>
-                        <a:rPr lang="en-IN" sz="1800" dirty="0" smtClean="0">
-                          <a:effectLst/>
-                          <a:latin typeface="Calibri" panose="020F0502020204030204" pitchFamily="34" charset="0"/>
-                          <a:ea typeface="Calibri"/>
-                          <a:cs typeface="Calibri" panose="020F0502020204030204" pitchFamily="34" charset="0"/>
-                        </a:rPr>
-                        <a:t>Skill set mismatch will be raise to</a:t>
-                      </a:r>
-                      <a:r>
-                        <a:rPr lang="en-IN" sz="1800" baseline="0" dirty="0" smtClean="0">
-                          <a:effectLst/>
-                          <a:latin typeface="Calibri" panose="020F0502020204030204" pitchFamily="34" charset="0"/>
-                          <a:ea typeface="Calibri"/>
-                          <a:cs typeface="Calibri" panose="020F0502020204030204" pitchFamily="34" charset="0"/>
-                        </a:rPr>
-                        <a:t> PM</a:t>
-                      </a:r>
-                      <a:endParaRPr lang="en-IN" sz="1800" dirty="0">
-                        <a:effectLst/>
-                        <a:latin typeface="Calibri" panose="020F0502020204030204" pitchFamily="34" charset="0"/>
-                        <a:ea typeface="Calibri"/>
-                        <a:cs typeface="Calibri" panose="020F0502020204030204" pitchFamily="34" charset="0"/>
-                      </a:endParaRPr>
-                    </a:p>
-                  </a:txBody>
-                  <a:tcPr marL="68580" marR="68580" marT="0" marB="0" anchor="ctr">
-                    <a:lnL w="12700" cap="flat" cmpd="sng" algn="ctr">
-                      <a:solidFill>
-                        <a:schemeClr val="tx1"/>
-                      </a:solidFill>
-                      <a:prstDash val="solid"/>
-                      <a:round/>
-                      <a:headEnd type="none" w="med" len="med"/>
-                      <a:tailEnd type="none" w="med" len="med"/>
-                    </a:lnL>
-                    <a:lnR w="12700" cap="flat" cmpd="sng" algn="ctr">
-                      <a:solidFill>
-                        <a:schemeClr val="tx1"/>
-                      </a:solidFill>
-                      <a:prstDash val="solid"/>
-                      <a:round/>
-                      <a:headEnd type="none" w="med" len="med"/>
-                      <a:tailEnd type="none" w="med" len="med"/>
-                    </a:lnR>
-                    <a:lnT w="12700" cap="flat" cmpd="sng" algn="ctr">
-                      <a:solidFill>
-                        <a:schemeClr val="tx1"/>
-                      </a:solidFill>
-                      <a:prstDash val="solid"/>
-                      <a:round/>
-                      <a:headEnd type="none" w="med" len="med"/>
-                      <a:tailEnd type="none" w="med" len="med"/>
-                    </a:lnT>
-                    <a:lnB w="12700" cap="flat" cmpd="sng" algn="ctr">
-                      <a:solidFill>
-                        <a:schemeClr val="tx1"/>
-                      </a:solidFill>
-                      <a:prstDash val="solid"/>
-                      <a:round/>
-                      <a:headEnd type="none" w="med" len="med"/>
-                      <a:tailEnd type="none" w="med" len="med"/>
-                    </a:lnB>
-                  </a:tcPr>
-                </a:tc>
-                <a:tc>
-                  <a:txBody>
-                    <a:bodyPr/>
-                    <a:lstStyle/>
-                    <a:p>
-                      <a:pPr marL="67310" marR="59690" algn="just">
-                        <a:lnSpc>
-                          <a:spcPct val="115000"/>
-                        </a:lnSpc>
-                        <a:spcAft>
-                          <a:spcPts val="600"/>
-                        </a:spcAft>
-                      </a:pPr>
-                      <a:endParaRPr lang="en-IN" sz="1800" dirty="0" smtClean="0">
-                        <a:effectLst/>
-                        <a:latin typeface="Calibri" panose="020F0502020204030204" pitchFamily="34" charset="0"/>
-                        <a:ea typeface="Calibri"/>
-                        <a:cs typeface="Calibri" panose="020F0502020204030204" pitchFamily="34" charset="0"/>
-                      </a:endParaRPr>
-                    </a:p>
-                    <a:p>
-                      <a:pPr marL="67310" marR="59690" algn="just">
-                        <a:lnSpc>
-                          <a:spcPct val="115000"/>
-                        </a:lnSpc>
-                        <a:spcAft>
-                          <a:spcPts val="600"/>
-                        </a:spcAft>
-                      </a:pPr>
-                      <a:r>
-                        <a:rPr lang="en-IN" sz="1800" dirty="0" smtClean="0">
-                          <a:effectLst/>
-                          <a:latin typeface="Calibri" panose="020F0502020204030204" pitchFamily="34" charset="0"/>
-                          <a:ea typeface="Calibri"/>
-                          <a:cs typeface="Calibri" panose="020F0502020204030204" pitchFamily="34" charset="0"/>
-                        </a:rPr>
-                        <a:t>Use one</a:t>
-                      </a:r>
-                      <a:r>
-                        <a:rPr lang="en-IN" sz="1800" baseline="0" dirty="0" smtClean="0">
-                          <a:effectLst/>
-                          <a:latin typeface="Calibri" panose="020F0502020204030204" pitchFamily="34" charset="0"/>
-                          <a:ea typeface="Calibri"/>
-                          <a:cs typeface="Calibri" panose="020F0502020204030204" pitchFamily="34" charset="0"/>
-                        </a:rPr>
-                        <a:t> resource for R&amp;D</a:t>
-                      </a:r>
-                      <a:endParaRPr lang="en-IN" sz="1800" dirty="0">
-                        <a:effectLst/>
-                        <a:latin typeface="Calibri" panose="020F0502020204030204" pitchFamily="34" charset="0"/>
-                        <a:ea typeface="Calibri"/>
-                        <a:cs typeface="Calibri" panose="020F0502020204030204" pitchFamily="34" charset="0"/>
-                      </a:endParaRPr>
-                    </a:p>
-                  </a:txBody>
-                  <a:tcPr marL="68580" marR="68580" marT="0" marB="0">
-                    <a:lnL w="12700" cap="flat" cmpd="sng" algn="ctr">
-                      <a:solidFill>
-                        <a:schemeClr val="tx1"/>
-                      </a:solidFill>
-                      <a:prstDash val="solid"/>
-                      <a:round/>
-                      <a:headEnd type="none" w="med" len="med"/>
-                      <a:tailEnd type="none" w="med" len="med"/>
-                    </a:lnL>
-                    <a:lnR w="12700" cap="flat" cmpd="sng" algn="ctr">
-                      <a:solidFill>
-                        <a:schemeClr val="tx1"/>
-                      </a:solidFill>
-                      <a:prstDash val="solid"/>
-                      <a:round/>
-                      <a:headEnd type="none" w="med" len="med"/>
-                      <a:tailEnd type="none" w="med" len="med"/>
-                    </a:lnR>
-                    <a:lnT w="12700" cap="flat" cmpd="sng" algn="ctr">
-                      <a:solidFill>
-                        <a:schemeClr val="tx1"/>
-                      </a:solidFill>
-                      <a:prstDash val="solid"/>
-                      <a:round/>
-                      <a:headEnd type="none" w="med" len="med"/>
-                      <a:tailEnd type="none" w="med" len="med"/>
-                    </a:lnT>
-                    <a:lnB w="12700" cap="flat" cmpd="sng" algn="ctr">
-                      <a:solidFill>
-                        <a:schemeClr val="tx1"/>
-                      </a:solidFill>
-                      <a:prstDash val="solid"/>
-                      <a:round/>
-                      <a:headEnd type="none" w="med" len="med"/>
-                      <a:tailEnd type="none" w="med" len="med"/>
-                    </a:lnB>
-                  </a:tcPr>
-                </a:tc>
-              </a:tr>
-              <a:tr h="1430230">
+              <a:tr h="1587741">
                 <a:tc>
                   <a:txBody>
                     <a:bodyPr/>
@@ -12597,379 +12647,36 @@
                           <a:ea typeface="Calibri"/>
                           <a:cs typeface="Calibri" panose="020F0502020204030204" pitchFamily="34" charset="0"/>
                         </a:rPr>
-                        <a:t>Back up Resource will be used</a:t>
+                        <a:t>Back up Resource will be </a:t>
                       </a:r>
-                    </a:p>
-                  </a:txBody>
-                  <a:tcPr marL="68580" marR="68580" marT="0" marB="0" anchor="ctr">
-                    <a:lnL w="12700" cap="flat" cmpd="sng" algn="ctr">
-                      <a:solidFill>
-                        <a:schemeClr val="tx1"/>
-                      </a:solidFill>
-                      <a:prstDash val="solid"/>
-                      <a:round/>
-                      <a:headEnd type="none" w="med" len="med"/>
-                      <a:tailEnd type="none" w="med" len="med"/>
-                    </a:lnL>
-                    <a:lnR w="12700" cap="flat" cmpd="sng" algn="ctr">
-                      <a:solidFill>
-                        <a:schemeClr val="tx1"/>
-                      </a:solidFill>
-                      <a:prstDash val="solid"/>
-                      <a:round/>
-                      <a:headEnd type="none" w="med" len="med"/>
-                      <a:tailEnd type="none" w="med" len="med"/>
-                    </a:lnR>
-                    <a:lnT w="12700" cap="flat" cmpd="sng" algn="ctr">
-                      <a:solidFill>
-                        <a:schemeClr val="tx1"/>
-                      </a:solidFill>
-                      <a:prstDash val="solid"/>
-                      <a:round/>
-                      <a:headEnd type="none" w="med" len="med"/>
-                      <a:tailEnd type="none" w="med" len="med"/>
-                    </a:lnT>
-                    <a:lnB w="12700" cap="flat" cmpd="sng" algn="ctr">
-                      <a:solidFill>
-                        <a:schemeClr val="tx1"/>
-                      </a:solidFill>
-                      <a:prstDash val="solid"/>
-                      <a:round/>
-                      <a:headEnd type="none" w="med" len="med"/>
-                      <a:tailEnd type="none" w="med" len="med"/>
-                    </a:lnB>
-                  </a:tcPr>
-                </a:tc>
-              </a:tr>
-              <a:tr h="895014">
-                <a:tc>
-                  <a:txBody>
-                    <a:bodyPr/>
-                    <a:lstStyle/>
-                    <a:p>
-                      <a:pPr>
-                        <a:lnSpc>
-                          <a:spcPct val="115000"/>
-                        </a:lnSpc>
-                        <a:spcAft>
-                          <a:spcPts val="600"/>
-                        </a:spcAft>
-                      </a:pPr>
                       <a:r>
-                        <a:rPr lang="en-US" sz="1800" dirty="0" smtClean="0">
+                        <a:rPr lang="en-IN" sz="1800" dirty="0" smtClean="0">
                           <a:effectLst/>
                           <a:latin typeface="Calibri" panose="020F0502020204030204" pitchFamily="34" charset="0"/>
                           <a:ea typeface="Calibri"/>
                           <a:cs typeface="Calibri" panose="020F0502020204030204" pitchFamily="34" charset="0"/>
                         </a:rPr>
-                        <a:t>Delay in response</a:t>
+                        <a:t>used. Internal Training/KT</a:t>
                       </a:r>
                       <a:r>
-                        <a:rPr lang="en-US" sz="1800" baseline="0" dirty="0" smtClean="0">
+                        <a:rPr lang="en-IN" sz="1800" baseline="0" dirty="0" smtClean="0">
                           <a:effectLst/>
                           <a:latin typeface="Calibri" panose="020F0502020204030204" pitchFamily="34" charset="0"/>
                           <a:ea typeface="Calibri"/>
                           <a:cs typeface="Calibri" panose="020F0502020204030204" pitchFamily="34" charset="0"/>
                         </a:rPr>
-                        <a:t> regarding issue</a:t>
+                        <a:t> </a:t>
                       </a:r>
-                      <a:endParaRPr lang="en-IN" sz="1800" dirty="0">
-                        <a:effectLst/>
-                        <a:latin typeface="Calibri" panose="020F0502020204030204" pitchFamily="34" charset="0"/>
-                        <a:ea typeface="Calibri"/>
-                        <a:cs typeface="Calibri" panose="020F0502020204030204" pitchFamily="34" charset="0"/>
-                      </a:endParaRPr>
-                    </a:p>
-                  </a:txBody>
-                  <a:tcPr marL="68580" marR="68580" marT="0" marB="0" anchor="ctr">
-                    <a:lnL w="12700" cap="flat" cmpd="sng" algn="ctr">
-                      <a:solidFill>
-                        <a:schemeClr val="tx1"/>
-                      </a:solidFill>
-                      <a:prstDash val="solid"/>
-                      <a:round/>
-                      <a:headEnd type="none" w="med" len="med"/>
-                      <a:tailEnd type="none" w="med" len="med"/>
-                    </a:lnL>
-                    <a:lnR w="12700" cap="flat" cmpd="sng" algn="ctr">
-                      <a:solidFill>
-                        <a:schemeClr val="tx1"/>
-                      </a:solidFill>
-                      <a:prstDash val="solid"/>
-                      <a:round/>
-                      <a:headEnd type="none" w="med" len="med"/>
-                      <a:tailEnd type="none" w="med" len="med"/>
-                    </a:lnR>
-                    <a:lnT w="12700" cap="flat" cmpd="sng" algn="ctr">
-                      <a:solidFill>
-                        <a:schemeClr val="tx1"/>
-                      </a:solidFill>
-                      <a:prstDash val="solid"/>
-                      <a:round/>
-                      <a:headEnd type="none" w="med" len="med"/>
-                      <a:tailEnd type="none" w="med" len="med"/>
-                    </a:lnT>
-                    <a:lnB w="12700" cap="flat" cmpd="sng" algn="ctr">
-                      <a:solidFill>
-                        <a:schemeClr val="tx1"/>
-                      </a:solidFill>
-                      <a:prstDash val="solid"/>
-                      <a:round/>
-                      <a:headEnd type="none" w="med" len="med"/>
-                      <a:tailEnd type="none" w="med" len="med"/>
-                    </a:lnB>
-                  </a:tcPr>
-                </a:tc>
-                <a:tc>
-                  <a:txBody>
-                    <a:bodyPr/>
-                    <a:lstStyle/>
-                    <a:p>
-                      <a:pPr algn="ctr">
-                        <a:lnSpc>
-                          <a:spcPct val="115000"/>
-                        </a:lnSpc>
-                        <a:spcAft>
-                          <a:spcPts val="600"/>
-                        </a:spcAft>
-                      </a:pPr>
                       <a:r>
-                        <a:rPr lang="en-US" sz="1800" dirty="0" smtClean="0">
+                        <a:rPr lang="en-IN" sz="1800" dirty="0" smtClean="0">
                           <a:effectLst/>
                           <a:latin typeface="Calibri" panose="020F0502020204030204" pitchFamily="34" charset="0"/>
                           <a:ea typeface="Calibri"/>
                           <a:cs typeface="Calibri" panose="020F0502020204030204" pitchFamily="34" charset="0"/>
                         </a:rPr>
-                        <a:t>Medium</a:t>
+                        <a:t>in team </a:t>
                       </a:r>
-                      <a:endParaRPr lang="en-IN" sz="1800" dirty="0">
-                        <a:effectLst/>
-                        <a:latin typeface="Calibri" panose="020F0502020204030204" pitchFamily="34" charset="0"/>
-                        <a:ea typeface="Calibri"/>
-                        <a:cs typeface="Calibri" panose="020F0502020204030204" pitchFamily="34" charset="0"/>
-                      </a:endParaRPr>
-                    </a:p>
-                  </a:txBody>
-                  <a:tcPr marL="68580" marR="68580" marT="0" marB="0" anchor="ctr">
-                    <a:lnL w="12700" cap="flat" cmpd="sng" algn="ctr">
-                      <a:solidFill>
-                        <a:schemeClr val="tx1"/>
-                      </a:solidFill>
-                      <a:prstDash val="solid"/>
-                      <a:round/>
-                      <a:headEnd type="none" w="med" len="med"/>
-                      <a:tailEnd type="none" w="med" len="med"/>
-                    </a:lnL>
-                    <a:lnR w="12700" cap="flat" cmpd="sng" algn="ctr">
-                      <a:solidFill>
-                        <a:schemeClr val="tx1"/>
-                      </a:solidFill>
-                      <a:prstDash val="solid"/>
-                      <a:round/>
-                      <a:headEnd type="none" w="med" len="med"/>
-                      <a:tailEnd type="none" w="med" len="med"/>
-                    </a:lnR>
-                    <a:lnT w="12700" cap="flat" cmpd="sng" algn="ctr">
-                      <a:solidFill>
-                        <a:schemeClr val="tx1"/>
-                      </a:solidFill>
-                      <a:prstDash val="solid"/>
-                      <a:round/>
-                      <a:headEnd type="none" w="med" len="med"/>
-                      <a:tailEnd type="none" w="med" len="med"/>
-                    </a:lnT>
-                    <a:lnB w="12700" cap="flat" cmpd="sng" algn="ctr">
-                      <a:solidFill>
-                        <a:schemeClr val="tx1"/>
-                      </a:solidFill>
-                      <a:prstDash val="solid"/>
-                      <a:round/>
-                      <a:headEnd type="none" w="med" len="med"/>
-                      <a:tailEnd type="none" w="med" len="med"/>
-                    </a:lnB>
-                  </a:tcPr>
-                </a:tc>
-                <a:tc>
-                  <a:txBody>
-                    <a:bodyPr/>
-                    <a:lstStyle/>
-                    <a:p>
-                      <a:pPr algn="ctr">
-                        <a:lnSpc>
-                          <a:spcPct val="115000"/>
-                        </a:lnSpc>
-                        <a:spcAft>
-                          <a:spcPts val="600"/>
-                        </a:spcAft>
-                      </a:pPr>
-                      <a:r>
-                        <a:rPr lang="en-US" sz="1800" dirty="0" smtClean="0">
-                          <a:effectLst/>
-                          <a:latin typeface="Calibri" panose="020F0502020204030204" pitchFamily="34" charset="0"/>
-                          <a:ea typeface="Calibri"/>
-                          <a:cs typeface="Calibri" panose="020F0502020204030204" pitchFamily="34" charset="0"/>
-                        </a:rPr>
-                        <a:t>High</a:t>
-                      </a:r>
-                      <a:endParaRPr lang="en-IN" sz="1800" dirty="0">
-                        <a:effectLst/>
-                        <a:latin typeface="Calibri" panose="020F0502020204030204" pitchFamily="34" charset="0"/>
-                        <a:ea typeface="Calibri"/>
-                        <a:cs typeface="Calibri" panose="020F0502020204030204" pitchFamily="34" charset="0"/>
-                      </a:endParaRPr>
-                    </a:p>
-                  </a:txBody>
-                  <a:tcPr marL="68580" marR="68580" marT="0" marB="0" anchor="ctr">
-                    <a:lnL w="12700" cap="flat" cmpd="sng" algn="ctr">
-                      <a:solidFill>
-                        <a:schemeClr val="tx1"/>
-                      </a:solidFill>
-                      <a:prstDash val="solid"/>
-                      <a:round/>
-                      <a:headEnd type="none" w="med" len="med"/>
-                      <a:tailEnd type="none" w="med" len="med"/>
-                    </a:lnL>
-                    <a:lnR w="12700" cap="flat" cmpd="sng" algn="ctr">
-                      <a:solidFill>
-                        <a:schemeClr val="tx1"/>
-                      </a:solidFill>
-                      <a:prstDash val="solid"/>
-                      <a:round/>
-                      <a:headEnd type="none" w="med" len="med"/>
-                      <a:tailEnd type="none" w="med" len="med"/>
-                    </a:lnR>
-                    <a:lnT w="12700" cap="flat" cmpd="sng" algn="ctr">
-                      <a:solidFill>
-                        <a:schemeClr val="tx1"/>
-                      </a:solidFill>
-                      <a:prstDash val="solid"/>
-                      <a:round/>
-                      <a:headEnd type="none" w="med" len="med"/>
-                      <a:tailEnd type="none" w="med" len="med"/>
-                    </a:lnT>
-                    <a:lnB w="12700" cap="flat" cmpd="sng" algn="ctr">
-                      <a:solidFill>
-                        <a:schemeClr val="tx1"/>
-                      </a:solidFill>
-                      <a:prstDash val="solid"/>
-                      <a:round/>
-                      <a:headEnd type="none" w="med" len="med"/>
-                      <a:tailEnd type="none" w="med" len="med"/>
-                    </a:lnB>
-                  </a:tcPr>
-                </a:tc>
-                <a:tc>
-                  <a:txBody>
-                    <a:bodyPr/>
-                    <a:lstStyle/>
-                    <a:p>
-                      <a:pPr marL="67310" marR="59690" indent="0" algn="just">
-                        <a:lnSpc>
-                          <a:spcPct val="115000"/>
-                        </a:lnSpc>
-                        <a:spcAft>
-                          <a:spcPts val="600"/>
-                        </a:spcAft>
-                        <a:buFont typeface="+mj-lt"/>
-                        <a:buNone/>
-                      </a:pPr>
-                      <a:r>
-                        <a:rPr lang="en-US" sz="1800" dirty="0" smtClean="0">
-                          <a:effectLst/>
-                          <a:latin typeface="Calibri" panose="020F0502020204030204" pitchFamily="34" charset="0"/>
-                          <a:ea typeface="Calibri"/>
-                          <a:cs typeface="Calibri" panose="020F0502020204030204" pitchFamily="34" charset="0"/>
-                        </a:rPr>
-                        <a:t>We</a:t>
-                      </a:r>
-                      <a:r>
-                        <a:rPr lang="en-US" sz="1800" baseline="0" dirty="0" smtClean="0">
-                          <a:effectLst/>
-                          <a:latin typeface="Calibri" panose="020F0502020204030204" pitchFamily="34" charset="0"/>
-                          <a:ea typeface="Calibri"/>
-                          <a:cs typeface="Calibri" panose="020F0502020204030204" pitchFamily="34" charset="0"/>
-                        </a:rPr>
-                        <a:t> will do follow-up and move to next task.</a:t>
-                      </a:r>
-                      <a:endParaRPr lang="en-IN" sz="1800" dirty="0">
-                        <a:effectLst/>
-                        <a:latin typeface="Calibri" panose="020F0502020204030204" pitchFamily="34" charset="0"/>
-                        <a:ea typeface="Calibri"/>
-                        <a:cs typeface="Calibri" panose="020F0502020204030204" pitchFamily="34" charset="0"/>
-                      </a:endParaRPr>
-                    </a:p>
-                  </a:txBody>
-                  <a:tcPr marL="68580" marR="68580" marT="0" marB="0" anchor="ctr">
-                    <a:lnL w="12700" cap="flat" cmpd="sng" algn="ctr">
-                      <a:solidFill>
-                        <a:schemeClr val="tx1"/>
-                      </a:solidFill>
-                      <a:prstDash val="solid"/>
-                      <a:round/>
-                      <a:headEnd type="none" w="med" len="med"/>
-                      <a:tailEnd type="none" w="med" len="med"/>
-                    </a:lnL>
-                    <a:lnR w="12700" cap="flat" cmpd="sng" algn="ctr">
-                      <a:solidFill>
-                        <a:schemeClr val="tx1"/>
-                      </a:solidFill>
-                      <a:prstDash val="solid"/>
-                      <a:round/>
-                      <a:headEnd type="none" w="med" len="med"/>
-                      <a:tailEnd type="none" w="med" len="med"/>
-                    </a:lnR>
-                    <a:lnT w="12700" cap="flat" cmpd="sng" algn="ctr">
-                      <a:solidFill>
-                        <a:schemeClr val="tx1"/>
-                      </a:solidFill>
-                      <a:prstDash val="solid"/>
-                      <a:round/>
-                      <a:headEnd type="none" w="med" len="med"/>
-                      <a:tailEnd type="none" w="med" len="med"/>
-                    </a:lnT>
-                    <a:lnB w="12700" cap="flat" cmpd="sng" algn="ctr">
-                      <a:solidFill>
-                        <a:schemeClr val="tx1"/>
-                      </a:solidFill>
-                      <a:prstDash val="solid"/>
-                      <a:round/>
-                      <a:headEnd type="none" w="med" len="med"/>
-                      <a:tailEnd type="none" w="med" len="med"/>
-                    </a:lnB>
-                  </a:tcPr>
-                </a:tc>
-                <a:tc>
-                  <a:txBody>
-                    <a:bodyPr/>
-                    <a:lstStyle/>
-                    <a:p>
-                      <a:pPr marL="67310" marR="59690" algn="just">
-                        <a:lnSpc>
-                          <a:spcPct val="115000"/>
-                        </a:lnSpc>
-                        <a:spcAft>
-                          <a:spcPts val="600"/>
-                        </a:spcAft>
-                      </a:pPr>
-                      <a:r>
-                        <a:rPr lang="en-US" sz="1800" dirty="0" smtClean="0">
-                          <a:effectLst/>
-                          <a:latin typeface="Calibri" panose="020F0502020204030204" pitchFamily="34" charset="0"/>
-                          <a:ea typeface="Calibri"/>
-                          <a:cs typeface="Calibri" panose="020F0502020204030204" pitchFamily="34" charset="0"/>
-                        </a:rPr>
-                        <a:t>Work out an</a:t>
-                      </a:r>
-                      <a:r>
-                        <a:rPr lang="en-US" sz="1800" baseline="0" dirty="0" smtClean="0">
-                          <a:effectLst/>
-                          <a:latin typeface="Calibri" panose="020F0502020204030204" pitchFamily="34" charset="0"/>
-                          <a:ea typeface="Calibri"/>
-                          <a:cs typeface="Calibri" panose="020F0502020204030204" pitchFamily="34" charset="0"/>
-                        </a:rPr>
-                        <a:t> intermediate plan of what work can still progress</a:t>
-                      </a:r>
-                      <a:endParaRPr lang="en-IN" sz="1800" dirty="0">
+                      <a:endParaRPr lang="en-IN" sz="1800" dirty="0" smtClean="0">
                         <a:effectLst/>
                         <a:latin typeface="Calibri" panose="020F0502020204030204" pitchFamily="34" charset="0"/>
                         <a:ea typeface="Calibri"/>
@@ -13017,7 +12724,7 @@
                   </a:tcPr>
                 </a:tc>
               </a:tr>
-              <a:tr h="1125643">
+              <a:tr h="1131035">
                 <a:tc>
                   <a:txBody>
                     <a:bodyPr/>
@@ -13408,164 +13115,6 @@
 </p:sld>
 </file>
 
-<file path=ppt/slides/slide18.xml><?xml version="1.0" encoding="utf-8"?>
-<p:sld xmlns:a="http://schemas.openxmlformats.org/drawingml/2006/main" xmlns:r="http://schemas.openxmlformats.org/officeDocument/2006/relationships" xmlns:p="http://schemas.openxmlformats.org/presentationml/2006/main">
-  <p:cSld>
-    <p:spTree>
-      <p:nvGrpSpPr>
-        <p:cNvPr id="1" name=""/>
-        <p:cNvGrpSpPr/>
-        <p:nvPr/>
-      </p:nvGrpSpPr>
-      <p:grpSpPr>
-        <a:xfrm>
-          <a:off x="0" y="0"/>
-          <a:ext cx="0" cy="0"/>
-          <a:chOff x="0" y="0"/>
-          <a:chExt cx="0" cy="0"/>
-        </a:xfrm>
-      </p:grpSpPr>
-      <p:sp>
-        <p:nvSpPr>
-          <p:cNvPr id="2" name="Slide Number Placeholder 1"/>
-          <p:cNvSpPr>
-            <a:spLocks noGrp="1"/>
-          </p:cNvSpPr>
-          <p:nvPr>
-            <p:ph type="sldNum" sz="quarter" idx="12"/>
-          </p:nvPr>
-        </p:nvSpPr>
-        <p:spPr/>
-        <p:txBody>
-          <a:bodyPr/>
-          <a:lstStyle/>
-          <a:p>
-            <a:fld id="{75D64ABA-DC95-A94B-BCA3-09692F8C9985}" type="slidenum">
-              <a:rPr lang="en-US" smtClean="0"/>
-              <a:t>18</a:t>
-            </a:fld>
-            <a:endParaRPr lang="en-US"/>
-          </a:p>
-        </p:txBody>
-      </p:sp>
-      <p:sp>
-        <p:nvSpPr>
-          <p:cNvPr id="4" name="Title 3"/>
-          <p:cNvSpPr>
-            <a:spLocks noGrp="1"/>
-          </p:cNvSpPr>
-          <p:nvPr>
-            <p:ph type="title"/>
-          </p:nvPr>
-        </p:nvSpPr>
-        <p:spPr/>
-        <p:txBody>
-          <a:bodyPr/>
-          <a:lstStyle/>
-          <a:p>
-            <a:r>
-              <a:rPr lang="en-US" sz="2000" dirty="0"/>
-              <a:t>Change Management</a:t>
-            </a:r>
-            <a:endParaRPr lang="en-IN" sz="2000" dirty="0"/>
-          </a:p>
-        </p:txBody>
-      </p:sp>
-      <p:sp>
-        <p:nvSpPr>
-          <p:cNvPr id="7" name="Text Placeholder 6"/>
-          <p:cNvSpPr txBox="1">
-            <a:spLocks noGrp="1"/>
-          </p:cNvSpPr>
-          <p:nvPr>
-            <p:ph type="body" sz="quarter" idx="15"/>
-          </p:nvPr>
-        </p:nvSpPr>
-        <p:spPr>
-          <a:xfrm>
-            <a:off x="868680" y="1435620"/>
-            <a:ext cx="7279033" cy="1107996"/>
-          </a:xfrm>
-          <a:prstGeom prst="rect">
-            <a:avLst/>
-          </a:prstGeom>
-          <a:noFill/>
-        </p:spPr>
-        <p:txBody>
-          <a:bodyPr wrap="square" rtlCol="0">
-            <a:spAutoFit/>
-          </a:bodyPr>
-          <a:lstStyle/>
-          <a:p>
-            <a:r>
-              <a:rPr lang="en-US" sz="1800" dirty="0" smtClean="0">
-                <a:latin typeface="Calibri" panose="020F0502020204030204" pitchFamily="34" charset="0"/>
-                <a:cs typeface="Calibri" panose="020F0502020204030204" pitchFamily="34" charset="0"/>
-              </a:rPr>
-              <a:t> Any </a:t>
-            </a:r>
-            <a:r>
-              <a:rPr lang="en-US" sz="1800" dirty="0">
-                <a:latin typeface="Calibri" panose="020F0502020204030204" pitchFamily="34" charset="0"/>
-                <a:cs typeface="Calibri" panose="020F0502020204030204" pitchFamily="34" charset="0"/>
-              </a:rPr>
-              <a:t>functionality or activities that are not specifically mentioned in the scope are considered excluded from the scope of this proposal. If </a:t>
-            </a:r>
-            <a:r>
-              <a:rPr lang="en-US" sz="1800" dirty="0" smtClean="0">
-                <a:latin typeface="Calibri" panose="020F0502020204030204" pitchFamily="34" charset="0"/>
-                <a:cs typeface="Calibri" panose="020F0502020204030204" pitchFamily="34" charset="0"/>
-              </a:rPr>
-              <a:t>EasiCab so </a:t>
-            </a:r>
-            <a:r>
-              <a:rPr lang="en-US" sz="1800" dirty="0">
-                <a:latin typeface="Calibri" panose="020F0502020204030204" pitchFamily="34" charset="0"/>
-                <a:cs typeface="Calibri" panose="020F0502020204030204" pitchFamily="34" charset="0"/>
-              </a:rPr>
-              <a:t>requires, such functionalities or activities can be considered as a change of scope and routed through EASi’s Change Management Process as </a:t>
-            </a:r>
-            <a:r>
-              <a:rPr lang="en-US" sz="1800" dirty="0" smtClean="0">
-                <a:latin typeface="Calibri" panose="020F0502020204030204" pitchFamily="34" charset="0"/>
-                <a:cs typeface="Calibri" panose="020F0502020204030204" pitchFamily="34" charset="0"/>
-              </a:rPr>
-              <a:t>illustrated</a:t>
-            </a:r>
-            <a:r>
-              <a:rPr lang="en-US" sz="1800" dirty="0">
-                <a:latin typeface="Calibri" panose="020F0502020204030204" pitchFamily="34" charset="0"/>
-                <a:cs typeface="Calibri" panose="020F0502020204030204" pitchFamily="34" charset="0"/>
-              </a:rPr>
-              <a:t>.</a:t>
-            </a:r>
-            <a:endParaRPr lang="en-IN" sz="1800" dirty="0">
-              <a:latin typeface="Calibri" panose="020F0502020204030204" pitchFamily="34" charset="0"/>
-              <a:cs typeface="Calibri" panose="020F0502020204030204" pitchFamily="34" charset="0"/>
-            </a:endParaRPr>
-          </a:p>
-        </p:txBody>
-      </p:sp>
-    </p:spTree>
-    <p:extLst>
-      <p:ext uri="{BB962C8B-B14F-4D97-AF65-F5344CB8AC3E}">
-        <p14:creationId xmlns:p14="http://schemas.microsoft.com/office/powerpoint/2010/main" val="3414923794"/>
-      </p:ext>
-    </p:extLst>
-  </p:cSld>
-  <p:clrMapOvr>
-    <a:masterClrMapping/>
-  </p:clrMapOvr>
-  <p:timing>
-    <p:tnLst>
-      <p:par>
-        <p:cTn id="1" dur="indefinite" restart="never" nodeType="tmRoot"/>
-      </p:par>
-    </p:tnLst>
-  </p:timing>
-</p:sld>
-</file>
-
 <file path=ppt/slides/slide19.xml><?xml version="1.0" encoding="utf-8"?>
 <p:sld xmlns:a="http://schemas.openxmlformats.org/drawingml/2006/main" xmlns:r="http://schemas.openxmlformats.org/officeDocument/2006/relationships" xmlns:p="http://schemas.openxmlformats.org/presentationml/2006/main">
   <p:cSld>
@@ -13601,6 +13150,603 @@
             <a:fld id="{75D64ABA-DC95-A94B-BCA3-09692F8C9985}" type="slidenum">
               <a:rPr lang="en-US" smtClean="0"/>
               <a:t>19</a:t>
+            </a:fld>
+            <a:endParaRPr lang="en-US"/>
+          </a:p>
+        </p:txBody>
+      </p:sp>
+      <p:sp>
+        <p:nvSpPr>
+          <p:cNvPr id="4" name="Title 3"/>
+          <p:cNvSpPr>
+            <a:spLocks noGrp="1"/>
+          </p:cNvSpPr>
+          <p:nvPr>
+            <p:ph type="title"/>
+          </p:nvPr>
+        </p:nvSpPr>
+        <p:spPr/>
+        <p:txBody>
+          <a:bodyPr/>
+          <a:lstStyle/>
+          <a:p>
+            <a:r>
+              <a:rPr lang="en-US" sz="2000" dirty="0"/>
+              <a:t>Change Management</a:t>
+            </a:r>
+            <a:endParaRPr lang="en-IN" sz="2000" dirty="0"/>
+          </a:p>
+        </p:txBody>
+      </p:sp>
+      <p:sp>
+        <p:nvSpPr>
+          <p:cNvPr id="7" name="Text Placeholder 6"/>
+          <p:cNvSpPr txBox="1">
+            <a:spLocks noGrp="1"/>
+          </p:cNvSpPr>
+          <p:nvPr>
+            <p:ph type="body" sz="quarter" idx="15"/>
+          </p:nvPr>
+        </p:nvSpPr>
+        <p:spPr>
+          <a:xfrm>
+            <a:off x="868680" y="1435620"/>
+            <a:ext cx="7279033" cy="1107996"/>
+          </a:xfrm>
+          <a:prstGeom prst="rect">
+            <a:avLst/>
+          </a:prstGeom>
+          <a:noFill/>
+        </p:spPr>
+        <p:txBody>
+          <a:bodyPr wrap="square" rtlCol="0">
+            <a:spAutoFit/>
+          </a:bodyPr>
+          <a:lstStyle/>
+          <a:p>
+            <a:r>
+              <a:rPr lang="en-US" sz="1800" dirty="0" smtClean="0">
+                <a:latin typeface="Calibri" panose="020F0502020204030204" pitchFamily="34" charset="0"/>
+                <a:cs typeface="Calibri" panose="020F0502020204030204" pitchFamily="34" charset="0"/>
+              </a:rPr>
+              <a:t> Any </a:t>
+            </a:r>
+            <a:r>
+              <a:rPr lang="en-US" sz="1800" dirty="0">
+                <a:latin typeface="Calibri" panose="020F0502020204030204" pitchFamily="34" charset="0"/>
+                <a:cs typeface="Calibri" panose="020F0502020204030204" pitchFamily="34" charset="0"/>
+              </a:rPr>
+              <a:t>functionality or activities that are not specifically mentioned in the scope are considered excluded from the scope of this proposal. If </a:t>
+            </a:r>
+            <a:r>
+              <a:rPr lang="en-US" sz="1800" dirty="0" smtClean="0">
+                <a:latin typeface="Calibri" panose="020F0502020204030204" pitchFamily="34" charset="0"/>
+                <a:cs typeface="Calibri" panose="020F0502020204030204" pitchFamily="34" charset="0"/>
+              </a:rPr>
+              <a:t>EasiCab so </a:t>
+            </a:r>
+            <a:r>
+              <a:rPr lang="en-US" sz="1800" dirty="0">
+                <a:latin typeface="Calibri" panose="020F0502020204030204" pitchFamily="34" charset="0"/>
+                <a:cs typeface="Calibri" panose="020F0502020204030204" pitchFamily="34" charset="0"/>
+              </a:rPr>
+              <a:t>requires, such functionalities or activities can be considered as a change of scope and routed through EASi’s Change Management Process as </a:t>
+            </a:r>
+            <a:r>
+              <a:rPr lang="en-US" sz="1800" dirty="0" smtClean="0">
+                <a:latin typeface="Calibri" panose="020F0502020204030204" pitchFamily="34" charset="0"/>
+                <a:cs typeface="Calibri" panose="020F0502020204030204" pitchFamily="34" charset="0"/>
+              </a:rPr>
+              <a:t>illustrated</a:t>
+            </a:r>
+            <a:r>
+              <a:rPr lang="en-US" sz="1800" dirty="0">
+                <a:latin typeface="Calibri" panose="020F0502020204030204" pitchFamily="34" charset="0"/>
+                <a:cs typeface="Calibri" panose="020F0502020204030204" pitchFamily="34" charset="0"/>
+              </a:rPr>
+              <a:t>.</a:t>
+            </a:r>
+            <a:endParaRPr lang="en-IN" sz="1800" dirty="0">
+              <a:latin typeface="Calibri" panose="020F0502020204030204" pitchFamily="34" charset="0"/>
+              <a:cs typeface="Calibri" panose="020F0502020204030204" pitchFamily="34" charset="0"/>
+            </a:endParaRPr>
+          </a:p>
+        </p:txBody>
+      </p:sp>
+    </p:spTree>
+    <p:extLst>
+      <p:ext uri="{BB962C8B-B14F-4D97-AF65-F5344CB8AC3E}">
+        <p14:creationId xmlns:p14="http://schemas.microsoft.com/office/powerpoint/2010/main" val="3414923794"/>
+      </p:ext>
+    </p:extLst>
+  </p:cSld>
+  <p:clrMapOvr>
+    <a:masterClrMapping/>
+  </p:clrMapOvr>
+  <p:timing>
+    <p:tnLst>
+      <p:par>
+        <p:cTn id="1" dur="indefinite" restart="never" nodeType="tmRoot"/>
+      </p:par>
+    </p:tnLst>
+  </p:timing>
+</p:sld>
+</file>
+
+<file path=ppt/slides/slide2.xml><?xml version="1.0" encoding="utf-8"?>
+<p:sld xmlns:a="http://schemas.openxmlformats.org/drawingml/2006/main" xmlns:r="http://schemas.openxmlformats.org/officeDocument/2006/relationships" xmlns:p="http://schemas.openxmlformats.org/presentationml/2006/main">
+  <p:cSld>
+    <p:spTree>
+      <p:nvGrpSpPr>
+        <p:cNvPr id="1" name=""/>
+        <p:cNvGrpSpPr/>
+        <p:nvPr/>
+      </p:nvGrpSpPr>
+      <p:grpSpPr>
+        <a:xfrm>
+          <a:off x="0" y="0"/>
+          <a:ext cx="0" cy="0"/>
+          <a:chOff x="0" y="0"/>
+          <a:chExt cx="0" cy="0"/>
+        </a:xfrm>
+      </p:grpSpPr>
+      <p:sp>
+        <p:nvSpPr>
+          <p:cNvPr id="2" name="Slide Number Placeholder 1"/>
+          <p:cNvSpPr>
+            <a:spLocks noGrp="1"/>
+          </p:cNvSpPr>
+          <p:nvPr>
+            <p:ph type="sldNum" sz="quarter" idx="12"/>
+          </p:nvPr>
+        </p:nvSpPr>
+        <p:spPr/>
+        <p:txBody>
+          <a:bodyPr/>
+          <a:lstStyle/>
+          <a:p>
+            <a:fld id="{75D64ABA-DC95-A94B-BCA3-09692F8C9985}" type="slidenum">
+              <a:rPr lang="en-US" smtClean="0"/>
+              <a:t>2</a:t>
+            </a:fld>
+            <a:endParaRPr lang="en-US"/>
+          </a:p>
+        </p:txBody>
+      </p:sp>
+      <p:sp>
+        <p:nvSpPr>
+          <p:cNvPr id="4" name="Title 3"/>
+          <p:cNvSpPr>
+            <a:spLocks noGrp="1"/>
+          </p:cNvSpPr>
+          <p:nvPr>
+            <p:ph type="title"/>
+          </p:nvPr>
+        </p:nvSpPr>
+        <p:spPr/>
+        <p:txBody>
+          <a:bodyPr/>
+          <a:lstStyle/>
+          <a:p>
+            <a:r>
+              <a:rPr lang="en-US" sz="2000" dirty="0"/>
+              <a:t>AGENDA</a:t>
+            </a:r>
+            <a:endParaRPr lang="en-IN" sz="2000" dirty="0"/>
+          </a:p>
+        </p:txBody>
+      </p:sp>
+      <p:sp>
+        <p:nvSpPr>
+          <p:cNvPr id="5" name="Text Placeholder 4"/>
+          <p:cNvSpPr>
+            <a:spLocks noGrp="1"/>
+          </p:cNvSpPr>
+          <p:nvPr>
+            <p:ph type="body" sz="quarter" idx="15"/>
+          </p:nvPr>
+        </p:nvSpPr>
+        <p:spPr>
+          <a:xfrm>
+            <a:off x="868679" y="805219"/>
+            <a:ext cx="6146269" cy="5404511"/>
+          </a:xfrm>
+        </p:spPr>
+        <p:txBody>
+          <a:bodyPr/>
+          <a:lstStyle/>
+          <a:p>
+            <a:pPr marL="569913" indent="-569913">
+              <a:spcBef>
+                <a:spcPts val="300"/>
+              </a:spcBef>
+              <a:spcAft>
+                <a:spcPts val="600"/>
+              </a:spcAft>
+              <a:buFontTx/>
+              <a:buAutoNum type="arabicPeriod"/>
+            </a:pPr>
+            <a:r>
+              <a:rPr lang="en-US" sz="1800" dirty="0">
+                <a:latin typeface="Calibri" panose="020F0502020204030204" pitchFamily="34" charset="0"/>
+                <a:cs typeface="Calibri" panose="020F0502020204030204" pitchFamily="34" charset="0"/>
+              </a:rPr>
+              <a:t>Customer profile</a:t>
+            </a:r>
+          </a:p>
+          <a:p>
+            <a:pPr marL="569913" indent="-569913">
+              <a:spcBef>
+                <a:spcPts val="300"/>
+              </a:spcBef>
+              <a:spcAft>
+                <a:spcPts val="600"/>
+              </a:spcAft>
+              <a:buFontTx/>
+              <a:buAutoNum type="arabicPeriod"/>
+            </a:pPr>
+            <a:r>
+              <a:rPr lang="en-IN" sz="1800" dirty="0">
+                <a:latin typeface="Calibri" panose="020F0502020204030204" pitchFamily="34" charset="0"/>
+                <a:cs typeface="Calibri" panose="020F0502020204030204" pitchFamily="34" charset="0"/>
+              </a:rPr>
+              <a:t>Project Scope</a:t>
+            </a:r>
+          </a:p>
+          <a:p>
+            <a:pPr marL="569913" indent="-569913">
+              <a:spcBef>
+                <a:spcPts val="300"/>
+              </a:spcBef>
+              <a:spcAft>
+                <a:spcPts val="600"/>
+              </a:spcAft>
+              <a:buFontTx/>
+              <a:buAutoNum type="arabicPeriod"/>
+            </a:pPr>
+            <a:r>
+              <a:rPr lang="en-IN" sz="1800" dirty="0">
+                <a:latin typeface="Calibri" panose="020F0502020204030204" pitchFamily="34" charset="0"/>
+                <a:cs typeface="Calibri" panose="020F0502020204030204" pitchFamily="34" charset="0"/>
+              </a:rPr>
+              <a:t>Project Description</a:t>
+            </a:r>
+          </a:p>
+          <a:p>
+            <a:pPr marL="569913" indent="-569913">
+              <a:spcBef>
+                <a:spcPts val="300"/>
+              </a:spcBef>
+              <a:spcAft>
+                <a:spcPts val="600"/>
+              </a:spcAft>
+              <a:buFontTx/>
+              <a:buAutoNum type="arabicPeriod"/>
+            </a:pPr>
+            <a:r>
+              <a:rPr lang="en-IN" sz="1800" dirty="0">
+                <a:latin typeface="Calibri" panose="020F0502020204030204" pitchFamily="34" charset="0"/>
+                <a:cs typeface="Calibri" panose="020F0502020204030204" pitchFamily="34" charset="0"/>
+              </a:rPr>
+              <a:t>Customer </a:t>
+            </a:r>
+            <a:r>
+              <a:rPr lang="en-IN" sz="1800" dirty="0" smtClean="0">
+                <a:latin typeface="Calibri" panose="020F0502020204030204" pitchFamily="34" charset="0"/>
+                <a:cs typeface="Calibri" panose="020F0502020204030204" pitchFamily="34" charset="0"/>
+              </a:rPr>
+              <a:t>requirements</a:t>
+            </a:r>
+          </a:p>
+          <a:p>
+            <a:pPr marL="569913" indent="-569913">
+              <a:spcBef>
+                <a:spcPts val="300"/>
+              </a:spcBef>
+              <a:spcAft>
+                <a:spcPts val="600"/>
+              </a:spcAft>
+              <a:buFontTx/>
+              <a:buAutoNum type="arabicPeriod"/>
+            </a:pPr>
+            <a:r>
+              <a:rPr lang="en-US" sz="1800" dirty="0" smtClean="0">
+                <a:latin typeface="Calibri" panose="020F0502020204030204" pitchFamily="34" charset="0"/>
+                <a:cs typeface="Calibri" panose="020F0502020204030204" pitchFamily="34" charset="0"/>
+              </a:rPr>
+              <a:t>Project Flow Diagram</a:t>
+            </a:r>
+            <a:endParaRPr lang="en-IN" sz="1800" dirty="0">
+              <a:latin typeface="Calibri" panose="020F0502020204030204" pitchFamily="34" charset="0"/>
+              <a:cs typeface="Calibri" panose="020F0502020204030204" pitchFamily="34" charset="0"/>
+            </a:endParaRPr>
+          </a:p>
+          <a:p>
+            <a:pPr marL="569913" indent="-569913">
+              <a:spcBef>
+                <a:spcPts val="300"/>
+              </a:spcBef>
+              <a:spcAft>
+                <a:spcPts val="600"/>
+              </a:spcAft>
+              <a:buFontTx/>
+              <a:buAutoNum type="arabicPeriod"/>
+            </a:pPr>
+            <a:r>
+              <a:rPr lang="en-IN" sz="1800" dirty="0">
+                <a:latin typeface="Calibri" panose="020F0502020204030204" pitchFamily="34" charset="0"/>
+                <a:cs typeface="Calibri" panose="020F0502020204030204" pitchFamily="34" charset="0"/>
+              </a:rPr>
+              <a:t>Customer supplied material</a:t>
+            </a:r>
+          </a:p>
+          <a:p>
+            <a:pPr marL="569913" indent="-569913">
+              <a:spcBef>
+                <a:spcPts val="300"/>
+              </a:spcBef>
+              <a:spcAft>
+                <a:spcPts val="600"/>
+              </a:spcAft>
+              <a:buFontTx/>
+              <a:buAutoNum type="arabicPeriod"/>
+            </a:pPr>
+            <a:r>
+              <a:rPr lang="en-IN" sz="1800" dirty="0">
+                <a:latin typeface="Calibri" panose="020F0502020204030204" pitchFamily="34" charset="0"/>
+                <a:cs typeface="Calibri" panose="020F0502020204030204" pitchFamily="34" charset="0"/>
+              </a:rPr>
+              <a:t>Project Execution approach</a:t>
+            </a:r>
+          </a:p>
+          <a:p>
+            <a:pPr marL="569913" indent="-569913">
+              <a:spcBef>
+                <a:spcPts val="300"/>
+              </a:spcBef>
+              <a:spcAft>
+                <a:spcPts val="600"/>
+              </a:spcAft>
+              <a:buFontTx/>
+              <a:buAutoNum type="arabicPeriod"/>
+            </a:pPr>
+            <a:r>
+              <a:rPr lang="en-IN" sz="1800" dirty="0">
+                <a:latin typeface="Calibri" panose="020F0502020204030204" pitchFamily="34" charset="0"/>
+                <a:cs typeface="Calibri" panose="020F0502020204030204" pitchFamily="34" charset="0"/>
+              </a:rPr>
+              <a:t>Project </a:t>
+            </a:r>
+            <a:r>
+              <a:rPr lang="en-IN" sz="1800" dirty="0" smtClean="0">
+                <a:latin typeface="Calibri" panose="020F0502020204030204" pitchFamily="34" charset="0"/>
+                <a:cs typeface="Calibri" panose="020F0502020204030204" pitchFamily="34" charset="0"/>
+              </a:rPr>
+              <a:t>plan </a:t>
+            </a:r>
+            <a:endParaRPr lang="en-IN" sz="1800" dirty="0">
+              <a:latin typeface="Calibri" panose="020F0502020204030204" pitchFamily="34" charset="0"/>
+              <a:cs typeface="Calibri" panose="020F0502020204030204" pitchFamily="34" charset="0"/>
+            </a:endParaRPr>
+          </a:p>
+          <a:p>
+            <a:pPr marL="569913" indent="-569913">
+              <a:spcBef>
+                <a:spcPts val="300"/>
+              </a:spcBef>
+              <a:spcAft>
+                <a:spcPts val="600"/>
+              </a:spcAft>
+              <a:buFontTx/>
+              <a:buAutoNum type="arabicPeriod"/>
+            </a:pPr>
+            <a:r>
+              <a:rPr lang="en-IN" sz="1800" dirty="0">
+                <a:latin typeface="Calibri" panose="020F0502020204030204" pitchFamily="34" charset="0"/>
+                <a:cs typeface="Calibri" panose="020F0502020204030204" pitchFamily="34" charset="0"/>
+              </a:rPr>
+              <a:t>Resource plan [Hardware / Software / People etc.]</a:t>
+            </a:r>
+          </a:p>
+          <a:p>
+            <a:pPr marL="569913" indent="-569913">
+              <a:spcBef>
+                <a:spcPts val="300"/>
+              </a:spcBef>
+              <a:spcAft>
+                <a:spcPts val="600"/>
+              </a:spcAft>
+              <a:buFontTx/>
+              <a:buAutoNum type="arabicPeriod"/>
+            </a:pPr>
+            <a:r>
+              <a:rPr lang="en-IN" sz="1800" dirty="0">
+                <a:latin typeface="Calibri" panose="020F0502020204030204" pitchFamily="34" charset="0"/>
+                <a:cs typeface="Calibri" panose="020F0502020204030204" pitchFamily="34" charset="0"/>
+              </a:rPr>
+              <a:t>Communication plan</a:t>
+            </a:r>
+          </a:p>
+          <a:p>
+            <a:pPr marL="569913" indent="-569913">
+              <a:spcBef>
+                <a:spcPts val="300"/>
+              </a:spcBef>
+              <a:spcAft>
+                <a:spcPts val="600"/>
+              </a:spcAft>
+              <a:buFontTx/>
+              <a:buAutoNum type="arabicPeriod"/>
+            </a:pPr>
+            <a:r>
+              <a:rPr lang="en-IN" sz="1800" dirty="0">
+                <a:latin typeface="Calibri" panose="020F0502020204030204" pitchFamily="34" charset="0"/>
+                <a:cs typeface="Calibri" panose="020F0502020204030204" pitchFamily="34" charset="0"/>
+              </a:rPr>
+              <a:t>Quality requirements</a:t>
+            </a:r>
+          </a:p>
+          <a:p>
+            <a:pPr marL="569913" indent="-569913">
+              <a:spcBef>
+                <a:spcPts val="300"/>
+              </a:spcBef>
+              <a:spcAft>
+                <a:spcPts val="600"/>
+              </a:spcAft>
+              <a:buFontTx/>
+              <a:buAutoNum type="arabicPeriod"/>
+            </a:pPr>
+            <a:r>
+              <a:rPr lang="en-IN" sz="1800" dirty="0">
+                <a:latin typeface="Calibri" panose="020F0502020204030204" pitchFamily="34" charset="0"/>
+                <a:cs typeface="Calibri" panose="020F0502020204030204" pitchFamily="34" charset="0"/>
+              </a:rPr>
+              <a:t>Assumptions</a:t>
+            </a:r>
+          </a:p>
+          <a:p>
+            <a:pPr marL="569913" indent="-569913">
+              <a:spcBef>
+                <a:spcPts val="300"/>
+              </a:spcBef>
+              <a:spcAft>
+                <a:spcPts val="600"/>
+              </a:spcAft>
+              <a:buFontTx/>
+              <a:buAutoNum type="arabicPeriod"/>
+            </a:pPr>
+            <a:r>
+              <a:rPr lang="en-IN" sz="1800" dirty="0">
+                <a:latin typeface="Calibri" panose="020F0502020204030204" pitchFamily="34" charset="0"/>
+                <a:cs typeface="Calibri" panose="020F0502020204030204" pitchFamily="34" charset="0"/>
+              </a:rPr>
+              <a:t>Risk Management</a:t>
+            </a:r>
+          </a:p>
+          <a:p>
+            <a:pPr marL="569913" indent="-569913">
+              <a:spcBef>
+                <a:spcPts val="300"/>
+              </a:spcBef>
+              <a:spcAft>
+                <a:spcPts val="600"/>
+              </a:spcAft>
+              <a:buFontTx/>
+              <a:buAutoNum type="arabicPeriod"/>
+            </a:pPr>
+            <a:r>
+              <a:rPr lang="en-IN" sz="1800" dirty="0">
+                <a:latin typeface="Calibri" panose="020F0502020204030204" pitchFamily="34" charset="0"/>
+                <a:cs typeface="Calibri" panose="020F0502020204030204" pitchFamily="34" charset="0"/>
+              </a:rPr>
+              <a:t>Change Management</a:t>
+            </a:r>
+          </a:p>
+          <a:p>
+            <a:pPr marL="569913" indent="-569913">
+              <a:spcBef>
+                <a:spcPts val="300"/>
+              </a:spcBef>
+              <a:spcAft>
+                <a:spcPts val="600"/>
+              </a:spcAft>
+              <a:buFontTx/>
+              <a:buAutoNum type="arabicPeriod"/>
+            </a:pPr>
+            <a:r>
+              <a:rPr lang="en-IN" sz="1800" dirty="0" smtClean="0">
+                <a:latin typeface="Calibri" panose="020F0502020204030204" pitchFamily="34" charset="0"/>
+                <a:cs typeface="Calibri" panose="020F0502020204030204" pitchFamily="34" charset="0"/>
+              </a:rPr>
+              <a:t>Project Deliverables</a:t>
+            </a:r>
+          </a:p>
+          <a:p>
+            <a:pPr marL="569913" indent="-569913">
+              <a:spcBef>
+                <a:spcPts val="300"/>
+              </a:spcBef>
+              <a:spcAft>
+                <a:spcPts val="600"/>
+              </a:spcAft>
+              <a:buFontTx/>
+              <a:buAutoNum type="arabicPeriod"/>
+            </a:pPr>
+            <a:r>
+              <a:rPr lang="en-US" sz="1800" dirty="0" smtClean="0">
+                <a:latin typeface="Calibri" panose="020F0502020204030204" pitchFamily="34" charset="0"/>
+                <a:cs typeface="Calibri" panose="020F0502020204030204" pitchFamily="34" charset="0"/>
+              </a:rPr>
+              <a:t>How to use</a:t>
+            </a:r>
+            <a:endParaRPr lang="en-US" sz="1800" dirty="0">
+              <a:latin typeface="Calibri" panose="020F0502020204030204" pitchFamily="34" charset="0"/>
+              <a:cs typeface="Calibri" panose="020F0502020204030204" pitchFamily="34" charset="0"/>
+            </a:endParaRPr>
+          </a:p>
+          <a:p>
+            <a:endParaRPr lang="en-IN" sz="1800" dirty="0">
+              <a:latin typeface="+mn-lt"/>
+            </a:endParaRPr>
+          </a:p>
+        </p:txBody>
+      </p:sp>
+    </p:spTree>
+    <p:extLst>
+      <p:ext uri="{BB962C8B-B14F-4D97-AF65-F5344CB8AC3E}">
+        <p14:creationId xmlns:p14="http://schemas.microsoft.com/office/powerpoint/2010/main" val="117676275"/>
+      </p:ext>
+    </p:extLst>
+  </p:cSld>
+  <p:clrMapOvr>
+    <a:masterClrMapping/>
+  </p:clrMapOvr>
+  <p:timing>
+    <p:tnLst>
+      <p:par>
+        <p:cTn id="1" dur="indefinite" restart="never" nodeType="tmRoot"/>
+      </p:par>
+    </p:tnLst>
+  </p:timing>
+</p:sld>
+</file>
+
+<file path=ppt/slides/slide20.xml><?xml version="1.0" encoding="utf-8"?>
+<p:sld xmlns:a="http://schemas.openxmlformats.org/drawingml/2006/main" xmlns:r="http://schemas.openxmlformats.org/officeDocument/2006/relationships" xmlns:p="http://schemas.openxmlformats.org/presentationml/2006/main">
+  <p:cSld>
+    <p:spTree>
+      <p:nvGrpSpPr>
+        <p:cNvPr id="1" name=""/>
+        <p:cNvGrpSpPr/>
+        <p:nvPr/>
+      </p:nvGrpSpPr>
+      <p:grpSpPr>
+        <a:xfrm>
+          <a:off x="0" y="0"/>
+          <a:ext cx="0" cy="0"/>
+          <a:chOff x="0" y="0"/>
+          <a:chExt cx="0" cy="0"/>
+        </a:xfrm>
+      </p:grpSpPr>
+      <p:sp>
+        <p:nvSpPr>
+          <p:cNvPr id="2" name="Slide Number Placeholder 1"/>
+          <p:cNvSpPr>
+            <a:spLocks noGrp="1"/>
+          </p:cNvSpPr>
+          <p:nvPr>
+            <p:ph type="sldNum" sz="quarter" idx="12"/>
+          </p:nvPr>
+        </p:nvSpPr>
+        <p:spPr/>
+        <p:txBody>
+          <a:bodyPr/>
+          <a:lstStyle/>
+          <a:p>
+            <a:fld id="{75D64ABA-DC95-A94B-BCA3-09692F8C9985}" type="slidenum">
+              <a:rPr lang="en-US" smtClean="0"/>
+              <a:t>20</a:t>
             </a:fld>
             <a:endParaRPr lang="en-US"/>
           </a:p>
@@ -15380,743 +15526,6 @@
 </p:sld>
 </file>
 
-<file path=ppt/slides/slide2.xml><?xml version="1.0" encoding="utf-8"?>
-<p:sld xmlns:a="http://schemas.openxmlformats.org/drawingml/2006/main" xmlns:r="http://schemas.openxmlformats.org/officeDocument/2006/relationships" xmlns:p="http://schemas.openxmlformats.org/presentationml/2006/main">
-  <p:cSld>
-    <p:spTree>
-      <p:nvGrpSpPr>
-        <p:cNvPr id="1" name=""/>
-        <p:cNvGrpSpPr/>
-        <p:nvPr/>
-      </p:nvGrpSpPr>
-      <p:grpSpPr>
-        <a:xfrm>
-          <a:off x="0" y="0"/>
-          <a:ext cx="0" cy="0"/>
-          <a:chOff x="0" y="0"/>
-          <a:chExt cx="0" cy="0"/>
-        </a:xfrm>
-      </p:grpSpPr>
-      <p:sp>
-        <p:nvSpPr>
-          <p:cNvPr id="2" name="Slide Number Placeholder 1"/>
-          <p:cNvSpPr>
-            <a:spLocks noGrp="1"/>
-          </p:cNvSpPr>
-          <p:nvPr>
-            <p:ph type="sldNum" sz="quarter" idx="12"/>
-          </p:nvPr>
-        </p:nvSpPr>
-        <p:spPr/>
-        <p:txBody>
-          <a:bodyPr/>
-          <a:lstStyle/>
-          <a:p>
-            <a:fld id="{75D64ABA-DC95-A94B-BCA3-09692F8C9985}" type="slidenum">
-              <a:rPr lang="en-US" smtClean="0"/>
-              <a:t>2</a:t>
-            </a:fld>
-            <a:endParaRPr lang="en-US"/>
-          </a:p>
-        </p:txBody>
-      </p:sp>
-      <p:sp>
-        <p:nvSpPr>
-          <p:cNvPr id="4" name="Title 3"/>
-          <p:cNvSpPr>
-            <a:spLocks noGrp="1"/>
-          </p:cNvSpPr>
-          <p:nvPr>
-            <p:ph type="title"/>
-          </p:nvPr>
-        </p:nvSpPr>
-        <p:spPr/>
-        <p:txBody>
-          <a:bodyPr/>
-          <a:lstStyle/>
-          <a:p>
-            <a:r>
-              <a:rPr lang="en-US" sz="2000" dirty="0"/>
-              <a:t>AGENDA</a:t>
-            </a:r>
-            <a:endParaRPr lang="en-IN" sz="2000" dirty="0"/>
-          </a:p>
-        </p:txBody>
-      </p:sp>
-      <p:sp>
-        <p:nvSpPr>
-          <p:cNvPr id="5" name="Text Placeholder 4"/>
-          <p:cNvSpPr>
-            <a:spLocks noGrp="1"/>
-          </p:cNvSpPr>
-          <p:nvPr>
-            <p:ph type="body" sz="quarter" idx="15"/>
-          </p:nvPr>
-        </p:nvSpPr>
-        <p:spPr>
-          <a:xfrm>
-            <a:off x="868679" y="805219"/>
-            <a:ext cx="6146269" cy="5404511"/>
-          </a:xfrm>
-        </p:spPr>
-        <p:txBody>
-          <a:bodyPr/>
-          <a:lstStyle/>
-          <a:p>
-            <a:pPr marL="569913" indent="-569913">
-              <a:spcBef>
-                <a:spcPts val="300"/>
-              </a:spcBef>
-              <a:spcAft>
-                <a:spcPts val="600"/>
-              </a:spcAft>
-              <a:buFontTx/>
-              <a:buAutoNum type="arabicPeriod"/>
-            </a:pPr>
-            <a:r>
-              <a:rPr lang="en-US" sz="1800" dirty="0">
-                <a:latin typeface="Calibri" panose="020F0502020204030204" pitchFamily="34" charset="0"/>
-                <a:cs typeface="Calibri" panose="020F0502020204030204" pitchFamily="34" charset="0"/>
-              </a:rPr>
-              <a:t>Customer profile</a:t>
-            </a:r>
-          </a:p>
-          <a:p>
-            <a:pPr marL="569913" indent="-569913">
-              <a:spcBef>
-                <a:spcPts val="300"/>
-              </a:spcBef>
-              <a:spcAft>
-                <a:spcPts val="600"/>
-              </a:spcAft>
-              <a:buFontTx/>
-              <a:buAutoNum type="arabicPeriod"/>
-            </a:pPr>
-            <a:r>
-              <a:rPr lang="en-IN" sz="1800" dirty="0">
-                <a:latin typeface="Calibri" panose="020F0502020204030204" pitchFamily="34" charset="0"/>
-                <a:cs typeface="Calibri" panose="020F0502020204030204" pitchFamily="34" charset="0"/>
-              </a:rPr>
-              <a:t>Project Scope</a:t>
-            </a:r>
-          </a:p>
-          <a:p>
-            <a:pPr marL="569913" indent="-569913">
-              <a:spcBef>
-                <a:spcPts val="300"/>
-              </a:spcBef>
-              <a:spcAft>
-                <a:spcPts val="600"/>
-              </a:spcAft>
-              <a:buFontTx/>
-              <a:buAutoNum type="arabicPeriod"/>
-            </a:pPr>
-            <a:r>
-              <a:rPr lang="en-IN" sz="1800" dirty="0">
-                <a:latin typeface="Calibri" panose="020F0502020204030204" pitchFamily="34" charset="0"/>
-                <a:cs typeface="Calibri" panose="020F0502020204030204" pitchFamily="34" charset="0"/>
-              </a:rPr>
-              <a:t>Project Description</a:t>
-            </a:r>
-          </a:p>
-          <a:p>
-            <a:pPr marL="569913" indent="-569913">
-              <a:spcBef>
-                <a:spcPts val="300"/>
-              </a:spcBef>
-              <a:spcAft>
-                <a:spcPts val="600"/>
-              </a:spcAft>
-              <a:buFontTx/>
-              <a:buAutoNum type="arabicPeriod"/>
-            </a:pPr>
-            <a:r>
-              <a:rPr lang="en-IN" sz="1800" dirty="0">
-                <a:latin typeface="Calibri" panose="020F0502020204030204" pitchFamily="34" charset="0"/>
-                <a:cs typeface="Calibri" panose="020F0502020204030204" pitchFamily="34" charset="0"/>
-              </a:rPr>
-              <a:t>Customer </a:t>
-            </a:r>
-            <a:r>
-              <a:rPr lang="en-IN" sz="1800" dirty="0" smtClean="0">
-                <a:latin typeface="Calibri" panose="020F0502020204030204" pitchFamily="34" charset="0"/>
-                <a:cs typeface="Calibri" panose="020F0502020204030204" pitchFamily="34" charset="0"/>
-              </a:rPr>
-              <a:t>requirements</a:t>
-            </a:r>
-          </a:p>
-          <a:p>
-            <a:pPr marL="569913" indent="-569913">
-              <a:spcBef>
-                <a:spcPts val="300"/>
-              </a:spcBef>
-              <a:spcAft>
-                <a:spcPts val="600"/>
-              </a:spcAft>
-              <a:buFontTx/>
-              <a:buAutoNum type="arabicPeriod"/>
-            </a:pPr>
-            <a:r>
-              <a:rPr lang="en-US" sz="1800" dirty="0" smtClean="0">
-                <a:latin typeface="Calibri" panose="020F0502020204030204" pitchFamily="34" charset="0"/>
-                <a:cs typeface="Calibri" panose="020F0502020204030204" pitchFamily="34" charset="0"/>
-              </a:rPr>
-              <a:t>Project Flow Diagram</a:t>
-            </a:r>
-            <a:endParaRPr lang="en-IN" sz="1800" dirty="0">
-              <a:latin typeface="Calibri" panose="020F0502020204030204" pitchFamily="34" charset="0"/>
-              <a:cs typeface="Calibri" panose="020F0502020204030204" pitchFamily="34" charset="0"/>
-            </a:endParaRPr>
-          </a:p>
-          <a:p>
-            <a:pPr marL="569913" indent="-569913">
-              <a:spcBef>
-                <a:spcPts val="300"/>
-              </a:spcBef>
-              <a:spcAft>
-                <a:spcPts val="600"/>
-              </a:spcAft>
-              <a:buFontTx/>
-              <a:buAutoNum type="arabicPeriod"/>
-            </a:pPr>
-            <a:r>
-              <a:rPr lang="en-IN" sz="1800" dirty="0">
-                <a:latin typeface="Calibri" panose="020F0502020204030204" pitchFamily="34" charset="0"/>
-                <a:cs typeface="Calibri" panose="020F0502020204030204" pitchFamily="34" charset="0"/>
-              </a:rPr>
-              <a:t>Customer supplied material</a:t>
-            </a:r>
-          </a:p>
-          <a:p>
-            <a:pPr marL="569913" indent="-569913">
-              <a:spcBef>
-                <a:spcPts val="300"/>
-              </a:spcBef>
-              <a:spcAft>
-                <a:spcPts val="600"/>
-              </a:spcAft>
-              <a:buFontTx/>
-              <a:buAutoNum type="arabicPeriod"/>
-            </a:pPr>
-            <a:r>
-              <a:rPr lang="en-IN" sz="1800" dirty="0">
-                <a:latin typeface="Calibri" panose="020F0502020204030204" pitchFamily="34" charset="0"/>
-                <a:cs typeface="Calibri" panose="020F0502020204030204" pitchFamily="34" charset="0"/>
-              </a:rPr>
-              <a:t>Project Execution approach</a:t>
-            </a:r>
-          </a:p>
-          <a:p>
-            <a:pPr marL="569913" indent="-569913">
-              <a:spcBef>
-                <a:spcPts val="300"/>
-              </a:spcBef>
-              <a:spcAft>
-                <a:spcPts val="600"/>
-              </a:spcAft>
-              <a:buFontTx/>
-              <a:buAutoNum type="arabicPeriod"/>
-            </a:pPr>
-            <a:r>
-              <a:rPr lang="en-IN" sz="1800" dirty="0">
-                <a:latin typeface="Calibri" panose="020F0502020204030204" pitchFamily="34" charset="0"/>
-                <a:cs typeface="Calibri" panose="020F0502020204030204" pitchFamily="34" charset="0"/>
-              </a:rPr>
-              <a:t>Project </a:t>
-            </a:r>
-            <a:r>
-              <a:rPr lang="en-IN" sz="1800" dirty="0" smtClean="0">
-                <a:latin typeface="Calibri" panose="020F0502020204030204" pitchFamily="34" charset="0"/>
-                <a:cs typeface="Calibri" panose="020F0502020204030204" pitchFamily="34" charset="0"/>
-              </a:rPr>
-              <a:t>plan </a:t>
-            </a:r>
-            <a:endParaRPr lang="en-IN" sz="1800" dirty="0">
-              <a:latin typeface="Calibri" panose="020F0502020204030204" pitchFamily="34" charset="0"/>
-              <a:cs typeface="Calibri" panose="020F0502020204030204" pitchFamily="34" charset="0"/>
-            </a:endParaRPr>
-          </a:p>
-          <a:p>
-            <a:pPr marL="569913" indent="-569913">
-              <a:spcBef>
-                <a:spcPts val="300"/>
-              </a:spcBef>
-              <a:spcAft>
-                <a:spcPts val="600"/>
-              </a:spcAft>
-              <a:buFontTx/>
-              <a:buAutoNum type="arabicPeriod"/>
-            </a:pPr>
-            <a:r>
-              <a:rPr lang="en-IN" sz="1800" dirty="0">
-                <a:latin typeface="Calibri" panose="020F0502020204030204" pitchFamily="34" charset="0"/>
-                <a:cs typeface="Calibri" panose="020F0502020204030204" pitchFamily="34" charset="0"/>
-              </a:rPr>
-              <a:t>Resource plan [Hardware / Software / People etc.]</a:t>
-            </a:r>
-          </a:p>
-          <a:p>
-            <a:pPr marL="569913" indent="-569913">
-              <a:spcBef>
-                <a:spcPts val="300"/>
-              </a:spcBef>
-              <a:spcAft>
-                <a:spcPts val="600"/>
-              </a:spcAft>
-              <a:buFontTx/>
-              <a:buAutoNum type="arabicPeriod"/>
-            </a:pPr>
-            <a:r>
-              <a:rPr lang="en-IN" sz="1800" dirty="0">
-                <a:latin typeface="Calibri" panose="020F0502020204030204" pitchFamily="34" charset="0"/>
-                <a:cs typeface="Calibri" panose="020F0502020204030204" pitchFamily="34" charset="0"/>
-              </a:rPr>
-              <a:t>Communication plan</a:t>
-            </a:r>
-          </a:p>
-          <a:p>
-            <a:pPr marL="569913" indent="-569913">
-              <a:spcBef>
-                <a:spcPts val="300"/>
-              </a:spcBef>
-              <a:spcAft>
-                <a:spcPts val="600"/>
-              </a:spcAft>
-              <a:buFontTx/>
-              <a:buAutoNum type="arabicPeriod"/>
-            </a:pPr>
-            <a:r>
-              <a:rPr lang="en-IN" sz="1800" dirty="0">
-                <a:latin typeface="Calibri" panose="020F0502020204030204" pitchFamily="34" charset="0"/>
-                <a:cs typeface="Calibri" panose="020F0502020204030204" pitchFamily="34" charset="0"/>
-              </a:rPr>
-              <a:t>Quality requirements</a:t>
-            </a:r>
-          </a:p>
-          <a:p>
-            <a:pPr marL="569913" indent="-569913">
-              <a:spcBef>
-                <a:spcPts val="300"/>
-              </a:spcBef>
-              <a:spcAft>
-                <a:spcPts val="600"/>
-              </a:spcAft>
-              <a:buFontTx/>
-              <a:buAutoNum type="arabicPeriod"/>
-            </a:pPr>
-            <a:r>
-              <a:rPr lang="en-IN" sz="1800" dirty="0">
-                <a:latin typeface="Calibri" panose="020F0502020204030204" pitchFamily="34" charset="0"/>
-                <a:cs typeface="Calibri" panose="020F0502020204030204" pitchFamily="34" charset="0"/>
-              </a:rPr>
-              <a:t>Assumptions</a:t>
-            </a:r>
-          </a:p>
-          <a:p>
-            <a:pPr marL="569913" indent="-569913">
-              <a:spcBef>
-                <a:spcPts val="300"/>
-              </a:spcBef>
-              <a:spcAft>
-                <a:spcPts val="600"/>
-              </a:spcAft>
-              <a:buFontTx/>
-              <a:buAutoNum type="arabicPeriod"/>
-            </a:pPr>
-            <a:r>
-              <a:rPr lang="en-IN" sz="1800" dirty="0">
-                <a:latin typeface="Calibri" panose="020F0502020204030204" pitchFamily="34" charset="0"/>
-                <a:cs typeface="Calibri" panose="020F0502020204030204" pitchFamily="34" charset="0"/>
-              </a:rPr>
-              <a:t>Risk Management</a:t>
-            </a:r>
-          </a:p>
-          <a:p>
-            <a:pPr marL="569913" indent="-569913">
-              <a:spcBef>
-                <a:spcPts val="300"/>
-              </a:spcBef>
-              <a:spcAft>
-                <a:spcPts val="600"/>
-              </a:spcAft>
-              <a:buFontTx/>
-              <a:buAutoNum type="arabicPeriod"/>
-            </a:pPr>
-            <a:r>
-              <a:rPr lang="en-IN" sz="1800" dirty="0">
-                <a:latin typeface="Calibri" panose="020F0502020204030204" pitchFamily="34" charset="0"/>
-                <a:cs typeface="Calibri" panose="020F0502020204030204" pitchFamily="34" charset="0"/>
-              </a:rPr>
-              <a:t>Change Management</a:t>
-            </a:r>
-          </a:p>
-          <a:p>
-            <a:pPr marL="569913" indent="-569913">
-              <a:spcBef>
-                <a:spcPts val="300"/>
-              </a:spcBef>
-              <a:spcAft>
-                <a:spcPts val="600"/>
-              </a:spcAft>
-              <a:buFontTx/>
-              <a:buAutoNum type="arabicPeriod"/>
-            </a:pPr>
-            <a:r>
-              <a:rPr lang="en-IN" sz="1800" dirty="0" smtClean="0">
-                <a:latin typeface="Calibri" panose="020F0502020204030204" pitchFamily="34" charset="0"/>
-                <a:cs typeface="Calibri" panose="020F0502020204030204" pitchFamily="34" charset="0"/>
-              </a:rPr>
-              <a:t>Project Deliverables</a:t>
-            </a:r>
-          </a:p>
-          <a:p>
-            <a:pPr marL="569913" indent="-569913">
-              <a:spcBef>
-                <a:spcPts val="300"/>
-              </a:spcBef>
-              <a:spcAft>
-                <a:spcPts val="600"/>
-              </a:spcAft>
-              <a:buFontTx/>
-              <a:buAutoNum type="arabicPeriod"/>
-            </a:pPr>
-            <a:r>
-              <a:rPr lang="en-US" sz="1800" dirty="0" smtClean="0">
-                <a:latin typeface="Calibri" panose="020F0502020204030204" pitchFamily="34" charset="0"/>
-                <a:cs typeface="Calibri" panose="020F0502020204030204" pitchFamily="34" charset="0"/>
-              </a:rPr>
-              <a:t>How to use</a:t>
-            </a:r>
-            <a:endParaRPr lang="en-US" sz="1800" dirty="0">
-              <a:latin typeface="Calibri" panose="020F0502020204030204" pitchFamily="34" charset="0"/>
-              <a:cs typeface="Calibri" panose="020F0502020204030204" pitchFamily="34" charset="0"/>
-            </a:endParaRPr>
-          </a:p>
-          <a:p>
-            <a:endParaRPr lang="en-IN" sz="1800" dirty="0">
-              <a:latin typeface="+mn-lt"/>
-            </a:endParaRPr>
-          </a:p>
-        </p:txBody>
-      </p:sp>
-    </p:spTree>
-    <p:extLst>
-      <p:ext uri="{BB962C8B-B14F-4D97-AF65-F5344CB8AC3E}">
-        <p14:creationId xmlns:p14="http://schemas.microsoft.com/office/powerpoint/2010/main" val="117676275"/>
-      </p:ext>
-    </p:extLst>
-  </p:cSld>
-  <p:clrMapOvr>
-    <a:masterClrMapping/>
-  </p:clrMapOvr>
-  <p:timing>
-    <p:tnLst>
-      <p:par>
-        <p:cTn id="1" dur="indefinite" restart="never" nodeType="tmRoot"/>
-      </p:par>
-    </p:tnLst>
-  </p:timing>
-</p:sld>
-</file>
-
-<file path=ppt/slides/slide20.xml><?xml version="1.0" encoding="utf-8"?>
-<p:sld xmlns:a="http://schemas.openxmlformats.org/drawingml/2006/main" xmlns:r="http://schemas.openxmlformats.org/officeDocument/2006/relationships" xmlns:p="http://schemas.openxmlformats.org/presentationml/2006/main">
-  <p:cSld>
-    <p:spTree>
-      <p:nvGrpSpPr>
-        <p:cNvPr id="1" name=""/>
-        <p:cNvGrpSpPr/>
-        <p:nvPr/>
-      </p:nvGrpSpPr>
-      <p:grpSpPr>
-        <a:xfrm>
-          <a:off x="0" y="0"/>
-          <a:ext cx="0" cy="0"/>
-          <a:chOff x="0" y="0"/>
-          <a:chExt cx="0" cy="0"/>
-        </a:xfrm>
-      </p:grpSpPr>
-      <p:sp>
-        <p:nvSpPr>
-          <p:cNvPr id="2" name="Slide Number Placeholder 1"/>
-          <p:cNvSpPr>
-            <a:spLocks noGrp="1"/>
-          </p:cNvSpPr>
-          <p:nvPr>
-            <p:ph type="sldNum" sz="quarter" idx="12"/>
-          </p:nvPr>
-        </p:nvSpPr>
-        <p:spPr/>
-        <p:txBody>
-          <a:bodyPr/>
-          <a:lstStyle/>
-          <a:p>
-            <a:fld id="{75D64ABA-DC95-A94B-BCA3-09692F8C9985}" type="slidenum">
-              <a:rPr lang="en-US" smtClean="0"/>
-              <a:t>20</a:t>
-            </a:fld>
-            <a:endParaRPr lang="en-US"/>
-          </a:p>
-        </p:txBody>
-      </p:sp>
-      <p:sp>
-        <p:nvSpPr>
-          <p:cNvPr id="4" name="Title 3"/>
-          <p:cNvSpPr>
-            <a:spLocks noGrp="1"/>
-          </p:cNvSpPr>
-          <p:nvPr>
-            <p:ph type="title"/>
-          </p:nvPr>
-        </p:nvSpPr>
-        <p:spPr/>
-        <p:txBody>
-          <a:bodyPr/>
-          <a:lstStyle/>
-          <a:p>
-            <a:r>
-              <a:rPr lang="en-US" sz="2000" dirty="0">
-                <a:latin typeface="+mn-lt"/>
-              </a:rPr>
-              <a:t>Project Deliverables</a:t>
-            </a:r>
-            <a:endParaRPr lang="en-IN" sz="2000" dirty="0">
-              <a:latin typeface="+mn-lt"/>
-            </a:endParaRPr>
-          </a:p>
-        </p:txBody>
-      </p:sp>
-      <p:sp>
-        <p:nvSpPr>
-          <p:cNvPr id="7" name="Rectangle 6"/>
-          <p:cNvSpPr/>
-          <p:nvPr/>
-        </p:nvSpPr>
-        <p:spPr>
-          <a:xfrm>
-            <a:off x="948496" y="1142167"/>
-            <a:ext cx="6776137" cy="1754326"/>
-          </a:xfrm>
-          <a:prstGeom prst="rect">
-            <a:avLst/>
-          </a:prstGeom>
-        </p:spPr>
-        <p:txBody>
-          <a:bodyPr wrap="square">
-            <a:spAutoFit/>
-          </a:bodyPr>
-          <a:lstStyle/>
-          <a:p>
-            <a:pPr marL="285750" indent="-285750">
-              <a:buFont typeface="Arial" pitchFamily="34" charset="0"/>
-              <a:buChar char="•"/>
-            </a:pPr>
-            <a:r>
-              <a:rPr lang="en-IN" sz="1800" dirty="0">
-                <a:latin typeface="Calibri" panose="020F0502020204030204" pitchFamily="34" charset="0"/>
-                <a:cs typeface="Calibri" panose="020F0502020204030204" pitchFamily="34" charset="0"/>
-              </a:rPr>
-              <a:t>Working  Code (UI/Functionalities</a:t>
-            </a:r>
-            <a:r>
-              <a:rPr lang="en-IN" sz="1800" dirty="0" smtClean="0">
-                <a:latin typeface="Calibri" panose="020F0502020204030204" pitchFamily="34" charset="0"/>
-                <a:cs typeface="Calibri" panose="020F0502020204030204" pitchFamily="34" charset="0"/>
-              </a:rPr>
-              <a:t>)</a:t>
-            </a:r>
-          </a:p>
-          <a:p>
-            <a:pPr marL="285750" indent="-285750">
-              <a:buFont typeface="Arial" pitchFamily="34" charset="0"/>
-              <a:buChar char="•"/>
-            </a:pPr>
-            <a:r>
-              <a:rPr lang="en-US" sz="1800" dirty="0" smtClean="0">
-                <a:latin typeface="Calibri" panose="020F0502020204030204" pitchFamily="34" charset="0"/>
-                <a:cs typeface="Calibri" panose="020F0502020204030204" pitchFamily="34" charset="0"/>
-              </a:rPr>
-              <a:t>.</a:t>
-            </a:r>
-            <a:r>
-              <a:rPr lang="en-US" sz="1800" dirty="0" err="1" smtClean="0">
-                <a:latin typeface="Calibri" panose="020F0502020204030204" pitchFamily="34" charset="0"/>
-                <a:cs typeface="Calibri" panose="020F0502020204030204" pitchFamily="34" charset="0"/>
-              </a:rPr>
-              <a:t>apk</a:t>
-            </a:r>
-            <a:r>
-              <a:rPr lang="en-US" sz="1800" dirty="0" smtClean="0">
-                <a:latin typeface="Calibri" panose="020F0502020204030204" pitchFamily="34" charset="0"/>
-                <a:cs typeface="Calibri" panose="020F0502020204030204" pitchFamily="34" charset="0"/>
-              </a:rPr>
-              <a:t> file of android </a:t>
-            </a:r>
-          </a:p>
-          <a:p>
-            <a:pPr marL="285750" indent="-285750">
-              <a:buFont typeface="Arial" pitchFamily="34" charset="0"/>
-              <a:buChar char="•"/>
-            </a:pPr>
-            <a:r>
-              <a:rPr lang="en-US" sz="1800" dirty="0" smtClean="0">
-                <a:latin typeface="Calibri" panose="020F0502020204030204" pitchFamily="34" charset="0"/>
-                <a:cs typeface="Calibri" panose="020F0502020204030204" pitchFamily="34" charset="0"/>
-              </a:rPr>
-              <a:t>.</a:t>
-            </a:r>
-            <a:r>
-              <a:rPr lang="en-US" sz="1800" dirty="0" err="1" smtClean="0">
-                <a:latin typeface="Calibri" panose="020F0502020204030204" pitchFamily="34" charset="0"/>
-                <a:cs typeface="Calibri" panose="020F0502020204030204" pitchFamily="34" charset="0"/>
-              </a:rPr>
-              <a:t>ipa</a:t>
-            </a:r>
-            <a:r>
-              <a:rPr lang="en-US" sz="1800" dirty="0" smtClean="0">
-                <a:latin typeface="Calibri" panose="020F0502020204030204" pitchFamily="34" charset="0"/>
-                <a:cs typeface="Calibri" panose="020F0502020204030204" pitchFamily="34" charset="0"/>
-              </a:rPr>
-              <a:t> file of iOS</a:t>
-            </a:r>
-            <a:endParaRPr lang="en-IN" sz="1800" dirty="0">
-              <a:latin typeface="Calibri" panose="020F0502020204030204" pitchFamily="34" charset="0"/>
-              <a:cs typeface="Calibri" panose="020F0502020204030204" pitchFamily="34" charset="0"/>
-            </a:endParaRPr>
-          </a:p>
-          <a:p>
-            <a:pPr marL="285750" indent="-285750">
-              <a:buFont typeface="Arial" pitchFamily="34" charset="0"/>
-              <a:buChar char="•"/>
-            </a:pPr>
-            <a:r>
-              <a:rPr lang="en-IN" sz="1800" dirty="0">
-                <a:latin typeface="Calibri" panose="020F0502020204030204" pitchFamily="34" charset="0"/>
-                <a:cs typeface="Calibri" panose="020F0502020204030204" pitchFamily="34" charset="0"/>
-              </a:rPr>
-              <a:t>Manual test </a:t>
-            </a:r>
-            <a:r>
-              <a:rPr lang="en-IN" sz="1800" dirty="0" smtClean="0">
-                <a:latin typeface="Calibri" panose="020F0502020204030204" pitchFamily="34" charset="0"/>
-                <a:cs typeface="Calibri" panose="020F0502020204030204" pitchFamily="34" charset="0"/>
-              </a:rPr>
-              <a:t>report</a:t>
-            </a:r>
-          </a:p>
-          <a:p>
-            <a:pPr marL="285750" indent="-285750">
-              <a:buFont typeface="Arial" pitchFamily="34" charset="0"/>
-              <a:buChar char="•"/>
-            </a:pPr>
-            <a:endParaRPr lang="en-US" sz="1800" dirty="0">
-              <a:latin typeface="Calibri" panose="020F0502020204030204" pitchFamily="34" charset="0"/>
-              <a:cs typeface="Calibri" panose="020F0502020204030204" pitchFamily="34" charset="0"/>
-            </a:endParaRPr>
-          </a:p>
-          <a:p>
-            <a:pPr marL="285750" indent="-285750">
-              <a:buFont typeface="Arial" pitchFamily="34" charset="0"/>
-              <a:buChar char="•"/>
-            </a:pPr>
-            <a:endParaRPr lang="en-IN" sz="1800" dirty="0">
-              <a:latin typeface="Calibri" panose="020F0502020204030204" pitchFamily="34" charset="0"/>
-              <a:cs typeface="Calibri" panose="020F0502020204030204" pitchFamily="34" charset="0"/>
-            </a:endParaRPr>
-          </a:p>
-        </p:txBody>
-      </p:sp>
-      <p:sp>
-        <p:nvSpPr>
-          <p:cNvPr id="3" name="TextBox 2"/>
-          <p:cNvSpPr txBox="1"/>
-          <p:nvPr/>
-        </p:nvSpPr>
-        <p:spPr>
-          <a:xfrm>
-            <a:off x="928032" y="3452884"/>
-            <a:ext cx="6796601" cy="1200329"/>
-          </a:xfrm>
-          <a:prstGeom prst="rect">
-            <a:avLst/>
-          </a:prstGeom>
-          <a:noFill/>
-        </p:spPr>
-        <p:txBody>
-          <a:bodyPr wrap="square" rtlCol="0">
-            <a:spAutoFit/>
-          </a:bodyPr>
-          <a:lstStyle/>
-          <a:p>
-            <a:r>
-              <a:rPr lang="en-US" sz="1800" dirty="0" smtClean="0">
-                <a:latin typeface="Calibri" panose="020F0502020204030204" pitchFamily="34" charset="0"/>
-                <a:cs typeface="Calibri" panose="020F0502020204030204" pitchFamily="34" charset="0"/>
-              </a:rPr>
-              <a:t>Note: All </a:t>
-            </a:r>
-            <a:r>
-              <a:rPr lang="en-US" sz="1800" dirty="0">
-                <a:latin typeface="Calibri" panose="020F0502020204030204" pitchFamily="34" charset="0"/>
-                <a:cs typeface="Calibri" panose="020F0502020204030204" pitchFamily="34" charset="0"/>
-              </a:rPr>
-              <a:t>project reports, documents and source code will available in </a:t>
-            </a:r>
-            <a:r>
-              <a:rPr lang="en-US" sz="1800" dirty="0" smtClean="0">
-                <a:latin typeface="Calibri" panose="020F0502020204030204" pitchFamily="34" charset="0"/>
-                <a:cs typeface="Calibri" panose="020F0502020204030204" pitchFamily="34" charset="0"/>
-              </a:rPr>
-              <a:t>SVN Path:  </a:t>
-            </a:r>
-          </a:p>
-          <a:p>
-            <a:r>
-              <a:rPr lang="en-US" sz="1800" dirty="0" smtClean="0">
-                <a:latin typeface="Calibri" panose="020F0502020204030204" pitchFamily="34" charset="0"/>
-                <a:cs typeface="Calibri" panose="020F0502020204030204" pitchFamily="34" charset="0"/>
-                <a:hlinkClick r:id="rId2"/>
-              </a:rPr>
-              <a:t>https</a:t>
-            </a:r>
-            <a:r>
-              <a:rPr lang="en-US" sz="1800" dirty="0">
-                <a:latin typeface="Calibri" panose="020F0502020204030204" pitchFamily="34" charset="0"/>
-                <a:cs typeface="Calibri" panose="020F0502020204030204" pitchFamily="34" charset="0"/>
-                <a:hlinkClick r:id="rId2"/>
-              </a:rPr>
-              <a:t>://asi-storage07.blr.allegisindia.com/svn/EASi_App-POC/</a:t>
-            </a:r>
-            <a:endParaRPr lang="en-IN" sz="1800" dirty="0">
-              <a:latin typeface="Calibri" panose="020F0502020204030204" pitchFamily="34" charset="0"/>
-              <a:cs typeface="Calibri" panose="020F0502020204030204" pitchFamily="34" charset="0"/>
-            </a:endParaRPr>
-          </a:p>
-          <a:p>
-            <a:endParaRPr lang="en-IN" sz="1800" dirty="0"/>
-          </a:p>
-        </p:txBody>
-      </p:sp>
-    </p:spTree>
-    <p:extLst>
-      <p:ext uri="{BB962C8B-B14F-4D97-AF65-F5344CB8AC3E}">
-        <p14:creationId xmlns:p14="http://schemas.microsoft.com/office/powerpoint/2010/main" val="3945231529"/>
-      </p:ext>
-    </p:extLst>
-  </p:cSld>
-  <p:clrMapOvr>
-    <a:masterClrMapping/>
-  </p:clrMapOvr>
-  <p:timing>
-    <p:tnLst>
-      <p:par>
-        <p:cTn id="1" dur="indefinite" restart="never" nodeType="tmRoot"/>
-      </p:par>
-    </p:tnLst>
-  </p:timing>
-</p:sld>
-</file>
-
 <file path=ppt/slides/slide21.xml><?xml version="1.0" encoding="utf-8"?>
 <p:sld xmlns:a="http://schemas.openxmlformats.org/drawingml/2006/main" xmlns:r="http://schemas.openxmlformats.org/officeDocument/2006/relationships" xmlns:p="http://schemas.openxmlformats.org/presentationml/2006/main">
   <p:cSld>
@@ -16152,6 +15561,301 @@
             <a:fld id="{75D64ABA-DC95-A94B-BCA3-09692F8C9985}" type="slidenum">
               <a:rPr lang="en-US" smtClean="0"/>
               <a:t>21</a:t>
+            </a:fld>
+            <a:endParaRPr lang="en-US"/>
+          </a:p>
+        </p:txBody>
+      </p:sp>
+      <p:sp>
+        <p:nvSpPr>
+          <p:cNvPr id="4" name="Title 3"/>
+          <p:cNvSpPr>
+            <a:spLocks noGrp="1"/>
+          </p:cNvSpPr>
+          <p:nvPr>
+            <p:ph type="title"/>
+          </p:nvPr>
+        </p:nvSpPr>
+        <p:spPr/>
+        <p:txBody>
+          <a:bodyPr/>
+          <a:lstStyle/>
+          <a:p>
+            <a:r>
+              <a:rPr lang="en-US" sz="2000" dirty="0">
+                <a:latin typeface="+mn-lt"/>
+              </a:rPr>
+              <a:t>Project Deliverables</a:t>
+            </a:r>
+            <a:endParaRPr lang="en-IN" sz="2000" dirty="0">
+              <a:latin typeface="+mn-lt"/>
+            </a:endParaRPr>
+          </a:p>
+        </p:txBody>
+      </p:sp>
+      <p:sp>
+        <p:nvSpPr>
+          <p:cNvPr id="7" name="Rectangle 6"/>
+          <p:cNvSpPr/>
+          <p:nvPr/>
+        </p:nvSpPr>
+        <p:spPr>
+          <a:xfrm>
+            <a:off x="948496" y="1142167"/>
+            <a:ext cx="6776137" cy="1754326"/>
+          </a:xfrm>
+          <a:prstGeom prst="rect">
+            <a:avLst/>
+          </a:prstGeom>
+        </p:spPr>
+        <p:txBody>
+          <a:bodyPr wrap="square">
+            <a:spAutoFit/>
+          </a:bodyPr>
+          <a:lstStyle/>
+          <a:p>
+            <a:pPr marL="285750" indent="-285750">
+              <a:buFont typeface="Arial" pitchFamily="34" charset="0"/>
+              <a:buChar char="•"/>
+            </a:pPr>
+            <a:r>
+              <a:rPr lang="en-IN" sz="1800" dirty="0">
+                <a:latin typeface="Calibri" panose="020F0502020204030204" pitchFamily="34" charset="0"/>
+                <a:cs typeface="Calibri" panose="020F0502020204030204" pitchFamily="34" charset="0"/>
+              </a:rPr>
+              <a:t>Working  Code (UI/Functionalities</a:t>
+            </a:r>
+            <a:r>
+              <a:rPr lang="en-IN" sz="1800" dirty="0" smtClean="0">
+                <a:latin typeface="Calibri" panose="020F0502020204030204" pitchFamily="34" charset="0"/>
+                <a:cs typeface="Calibri" panose="020F0502020204030204" pitchFamily="34" charset="0"/>
+              </a:rPr>
+              <a:t>)</a:t>
+            </a:r>
+          </a:p>
+          <a:p>
+            <a:pPr marL="285750" indent="-285750">
+              <a:buFont typeface="Arial" pitchFamily="34" charset="0"/>
+              <a:buChar char="•"/>
+            </a:pPr>
+            <a:r>
+              <a:rPr lang="en-US" sz="1800" dirty="0" smtClean="0">
+                <a:latin typeface="Calibri" panose="020F0502020204030204" pitchFamily="34" charset="0"/>
+                <a:cs typeface="Calibri" panose="020F0502020204030204" pitchFamily="34" charset="0"/>
+              </a:rPr>
+              <a:t>.</a:t>
+            </a:r>
+            <a:r>
+              <a:rPr lang="en-US" sz="1800" dirty="0" err="1" smtClean="0">
+                <a:latin typeface="Calibri" panose="020F0502020204030204" pitchFamily="34" charset="0"/>
+                <a:cs typeface="Calibri" panose="020F0502020204030204" pitchFamily="34" charset="0"/>
+              </a:rPr>
+              <a:t>apk</a:t>
+            </a:r>
+            <a:r>
+              <a:rPr lang="en-US" sz="1800" dirty="0" smtClean="0">
+                <a:latin typeface="Calibri" panose="020F0502020204030204" pitchFamily="34" charset="0"/>
+                <a:cs typeface="Calibri" panose="020F0502020204030204" pitchFamily="34" charset="0"/>
+              </a:rPr>
+              <a:t> file of android </a:t>
+            </a:r>
+          </a:p>
+          <a:p>
+            <a:pPr marL="285750" indent="-285750">
+              <a:buFont typeface="Arial" pitchFamily="34" charset="0"/>
+              <a:buChar char="•"/>
+            </a:pPr>
+            <a:r>
+              <a:rPr lang="en-US" sz="1800" dirty="0" smtClean="0">
+                <a:latin typeface="Calibri" panose="020F0502020204030204" pitchFamily="34" charset="0"/>
+                <a:cs typeface="Calibri" panose="020F0502020204030204" pitchFamily="34" charset="0"/>
+              </a:rPr>
+              <a:t>.</a:t>
+            </a:r>
+            <a:r>
+              <a:rPr lang="en-US" sz="1800" dirty="0" err="1" smtClean="0">
+                <a:latin typeface="Calibri" panose="020F0502020204030204" pitchFamily="34" charset="0"/>
+                <a:cs typeface="Calibri" panose="020F0502020204030204" pitchFamily="34" charset="0"/>
+              </a:rPr>
+              <a:t>ipa</a:t>
+            </a:r>
+            <a:r>
+              <a:rPr lang="en-US" sz="1800" dirty="0" smtClean="0">
+                <a:latin typeface="Calibri" panose="020F0502020204030204" pitchFamily="34" charset="0"/>
+                <a:cs typeface="Calibri" panose="020F0502020204030204" pitchFamily="34" charset="0"/>
+              </a:rPr>
+              <a:t> file of iOS</a:t>
+            </a:r>
+            <a:endParaRPr lang="en-IN" sz="1800" dirty="0">
+              <a:latin typeface="Calibri" panose="020F0502020204030204" pitchFamily="34" charset="0"/>
+              <a:cs typeface="Calibri" panose="020F0502020204030204" pitchFamily="34" charset="0"/>
+            </a:endParaRPr>
+          </a:p>
+          <a:p>
+            <a:pPr marL="285750" indent="-285750">
+              <a:buFont typeface="Arial" pitchFamily="34" charset="0"/>
+              <a:buChar char="•"/>
+            </a:pPr>
+            <a:r>
+              <a:rPr lang="en-IN" sz="1800" dirty="0" smtClean="0">
+                <a:latin typeface="Calibri" panose="020F0502020204030204" pitchFamily="34" charset="0"/>
+                <a:cs typeface="Calibri" panose="020F0502020204030204" pitchFamily="34" charset="0"/>
+              </a:rPr>
+              <a:t>User manual</a:t>
+            </a:r>
+            <a:endParaRPr lang="en-IN" sz="1800" dirty="0" smtClean="0">
+              <a:latin typeface="Calibri" panose="020F0502020204030204" pitchFamily="34" charset="0"/>
+              <a:cs typeface="Calibri" panose="020F0502020204030204" pitchFamily="34" charset="0"/>
+            </a:endParaRPr>
+          </a:p>
+          <a:p>
+            <a:pPr marL="285750" indent="-285750">
+              <a:buFont typeface="Arial" pitchFamily="34" charset="0"/>
+              <a:buChar char="•"/>
+            </a:pPr>
+            <a:endParaRPr lang="en-US" sz="1800" dirty="0">
+              <a:latin typeface="Calibri" panose="020F0502020204030204" pitchFamily="34" charset="0"/>
+              <a:cs typeface="Calibri" panose="020F0502020204030204" pitchFamily="34" charset="0"/>
+            </a:endParaRPr>
+          </a:p>
+          <a:p>
+            <a:pPr marL="285750" indent="-285750">
+              <a:buFont typeface="Arial" pitchFamily="34" charset="0"/>
+              <a:buChar char="•"/>
+            </a:pPr>
+            <a:endParaRPr lang="en-IN" sz="1800" dirty="0">
+              <a:latin typeface="Calibri" panose="020F0502020204030204" pitchFamily="34" charset="0"/>
+              <a:cs typeface="Calibri" panose="020F0502020204030204" pitchFamily="34" charset="0"/>
+            </a:endParaRPr>
+          </a:p>
+        </p:txBody>
+      </p:sp>
+      <p:sp>
+        <p:nvSpPr>
+          <p:cNvPr id="3" name="TextBox 2"/>
+          <p:cNvSpPr txBox="1"/>
+          <p:nvPr/>
+        </p:nvSpPr>
+        <p:spPr>
+          <a:xfrm>
+            <a:off x="928032" y="3452884"/>
+            <a:ext cx="6796601" cy="1200329"/>
+          </a:xfrm>
+          <a:prstGeom prst="rect">
+            <a:avLst/>
+          </a:prstGeom>
+          <a:noFill/>
+        </p:spPr>
+        <p:txBody>
+          <a:bodyPr wrap="square" rtlCol="0">
+            <a:spAutoFit/>
+          </a:bodyPr>
+          <a:lstStyle/>
+          <a:p>
+            <a:r>
+              <a:rPr lang="en-US" sz="1800" dirty="0" smtClean="0">
+                <a:latin typeface="Calibri" panose="020F0502020204030204" pitchFamily="34" charset="0"/>
+                <a:cs typeface="Calibri" panose="020F0502020204030204" pitchFamily="34" charset="0"/>
+              </a:rPr>
+              <a:t>Note: All </a:t>
+            </a:r>
+            <a:r>
+              <a:rPr lang="en-US" sz="1800" dirty="0">
+                <a:latin typeface="Calibri" panose="020F0502020204030204" pitchFamily="34" charset="0"/>
+                <a:cs typeface="Calibri" panose="020F0502020204030204" pitchFamily="34" charset="0"/>
+              </a:rPr>
+              <a:t>project reports, documents and source code will available in </a:t>
+            </a:r>
+            <a:r>
+              <a:rPr lang="en-US" sz="1800" dirty="0" smtClean="0">
+                <a:latin typeface="Calibri" panose="020F0502020204030204" pitchFamily="34" charset="0"/>
+                <a:cs typeface="Calibri" panose="020F0502020204030204" pitchFamily="34" charset="0"/>
+              </a:rPr>
+              <a:t>SVN Path:  </a:t>
+            </a:r>
+          </a:p>
+          <a:p>
+            <a:r>
+              <a:rPr lang="en-US" sz="1800" dirty="0" smtClean="0">
+                <a:latin typeface="Calibri" panose="020F0502020204030204" pitchFamily="34" charset="0"/>
+                <a:cs typeface="Calibri" panose="020F0502020204030204" pitchFamily="34" charset="0"/>
+                <a:hlinkClick r:id="rId2"/>
+              </a:rPr>
+              <a:t>https</a:t>
+            </a:r>
+            <a:r>
+              <a:rPr lang="en-US" sz="1800" dirty="0">
+                <a:latin typeface="Calibri" panose="020F0502020204030204" pitchFamily="34" charset="0"/>
+                <a:cs typeface="Calibri" panose="020F0502020204030204" pitchFamily="34" charset="0"/>
+                <a:hlinkClick r:id="rId2"/>
+              </a:rPr>
+              <a:t>://asi-storage07.blr.allegisindia.com/svn/EASi_App-POC/</a:t>
+            </a:r>
+            <a:endParaRPr lang="en-IN" sz="1800" dirty="0">
+              <a:latin typeface="Calibri" panose="020F0502020204030204" pitchFamily="34" charset="0"/>
+              <a:cs typeface="Calibri" panose="020F0502020204030204" pitchFamily="34" charset="0"/>
+            </a:endParaRPr>
+          </a:p>
+          <a:p>
+            <a:endParaRPr lang="en-IN" sz="1800" dirty="0"/>
+          </a:p>
+        </p:txBody>
+      </p:sp>
+    </p:spTree>
+    <p:extLst>
+      <p:ext uri="{BB962C8B-B14F-4D97-AF65-F5344CB8AC3E}">
+        <p14:creationId xmlns:p14="http://schemas.microsoft.com/office/powerpoint/2010/main" val="3945231529"/>
+      </p:ext>
+    </p:extLst>
+  </p:cSld>
+  <p:clrMapOvr>
+    <a:masterClrMapping/>
+  </p:clrMapOvr>
+  <p:timing>
+    <p:tnLst>
+      <p:par>
+        <p:cTn id="1" dur="indefinite" restart="never" nodeType="tmRoot"/>
+      </p:par>
+    </p:tnLst>
+  </p:timing>
+</p:sld>
+</file>
+
+<file path=ppt/slides/slide22.xml><?xml version="1.0" encoding="utf-8"?>
+<p:sld xmlns:a="http://schemas.openxmlformats.org/drawingml/2006/main" xmlns:r="http://schemas.openxmlformats.org/officeDocument/2006/relationships" xmlns:p="http://schemas.openxmlformats.org/presentationml/2006/main">
+  <p:cSld>
+    <p:spTree>
+      <p:nvGrpSpPr>
+        <p:cNvPr id="1" name=""/>
+        <p:cNvGrpSpPr/>
+        <p:nvPr/>
+      </p:nvGrpSpPr>
+      <p:grpSpPr>
+        <a:xfrm>
+          <a:off x="0" y="0"/>
+          <a:ext cx="0" cy="0"/>
+          <a:chOff x="0" y="0"/>
+          <a:chExt cx="0" cy="0"/>
+        </a:xfrm>
+      </p:grpSpPr>
+      <p:sp>
+        <p:nvSpPr>
+          <p:cNvPr id="2" name="Slide Number Placeholder 1"/>
+          <p:cNvSpPr>
+            <a:spLocks noGrp="1"/>
+          </p:cNvSpPr>
+          <p:nvPr>
+            <p:ph type="sldNum" sz="quarter" idx="12"/>
+          </p:nvPr>
+        </p:nvSpPr>
+        <p:spPr/>
+        <p:txBody>
+          <a:bodyPr/>
+          <a:lstStyle/>
+          <a:p>
+            <a:fld id="{75D64ABA-DC95-A94B-BCA3-09692F8C9985}" type="slidenum">
+              <a:rPr lang="en-US" smtClean="0"/>
+              <a:t>22</a:t>
             </a:fld>
             <a:endParaRPr lang="en-US"/>
           </a:p>
@@ -16223,7 +15927,7 @@
 </p:sld>
 </file>
 
-<file path=ppt/slides/slide22.xml><?xml version="1.0" encoding="utf-8"?>
+<file path=ppt/slides/slide23.xml><?xml version="1.0" encoding="utf-8"?>
 <p:sld xmlns:a="http://schemas.openxmlformats.org/drawingml/2006/main" xmlns:r="http://schemas.openxmlformats.org/officeDocument/2006/relationships" xmlns:p="http://schemas.openxmlformats.org/presentationml/2006/main">
   <p:cSld>
     <p:spTree>
@@ -16288,7 +15992,7 @@
             <a:fld id="{75D64ABA-DC95-A94B-BCA3-09692F8C9985}" type="slidenum">
               <a:rPr lang="en-US" smtClean="0"/>
               <a:pPr/>
-              <a:t>22</a:t>
+              <a:t>23</a:t>
             </a:fld>
             <a:endParaRPr lang="en-US" dirty="0"/>
           </a:p>
@@ -16524,8 +16228,19 @@
                 <a:latin typeface="Calibri" panose="020F0502020204030204" pitchFamily="34" charset="0"/>
                 <a:cs typeface="Calibri" panose="020F0502020204030204" pitchFamily="34" charset="0"/>
               </a:rPr>
-              <a:t>engineering (In-house)</a:t>
-            </a:r>
+              <a:t>engineering </a:t>
+            </a:r>
+            <a:r>
+              <a:rPr lang="en-US" sz="1800" dirty="0" smtClean="0">
+                <a:latin typeface="Calibri" panose="020F0502020204030204" pitchFamily="34" charset="0"/>
+                <a:cs typeface="Calibri" panose="020F0502020204030204" pitchFamily="34" charset="0"/>
+              </a:rPr>
+              <a:t>Travel Desk</a:t>
+            </a:r>
+            <a:endParaRPr lang="en-US" sz="1800" dirty="0">
+              <a:latin typeface="Calibri" panose="020F0502020204030204" pitchFamily="34" charset="0"/>
+              <a:cs typeface="Calibri" panose="020F0502020204030204" pitchFamily="34" charset="0"/>
+            </a:endParaRPr>
           </a:p>
           <a:p>
             <a:pPr marL="342900" indent="-342900" eaLnBrk="0" hangingPunct="0">
@@ -16536,14 +16251,14 @@
               <a:buChar char="•"/>
             </a:pPr>
             <a:r>
-              <a:rPr lang="en-US" sz="1800" b="1" dirty="0">
+              <a:rPr lang="en-US" sz="1800" b="1" dirty="0" smtClean="0">
                 <a:latin typeface="Calibri" panose="020F0502020204030204" pitchFamily="34" charset="0"/>
                 <a:cs typeface="Calibri" panose="020F0502020204030204" pitchFamily="34" charset="0"/>
               </a:rPr>
               <a:t>Location: </a:t>
             </a:r>
             <a:r>
-              <a:rPr lang="en-US" sz="1800" dirty="0">
+              <a:rPr lang="en-US" sz="1800" dirty="0" smtClean="0">
                 <a:latin typeface="Calibri" panose="020F0502020204030204" pitchFamily="34" charset="0"/>
                 <a:cs typeface="Calibri" panose="020F0502020204030204" pitchFamily="34" charset="0"/>
               </a:rPr>
@@ -16559,11 +16274,18 @@
               <a:buChar char="•"/>
             </a:pPr>
             <a:r>
+              <a:rPr lang="en-US" sz="1800" b="1" dirty="0" smtClean="0">
+                <a:latin typeface="Calibri" panose="020F0502020204030204" pitchFamily="34" charset="0"/>
+                <a:cs typeface="Calibri" panose="020F0502020204030204" pitchFamily="34" charset="0"/>
+              </a:rPr>
+              <a:t>Overview </a:t>
+            </a:r>
+            <a:r>
               <a:rPr lang="en-US" sz="1800" b="1" dirty="0">
                 <a:latin typeface="Calibri" panose="020F0502020204030204" pitchFamily="34" charset="0"/>
                 <a:cs typeface="Calibri" panose="020F0502020204030204" pitchFamily="34" charset="0"/>
               </a:rPr>
-              <a:t>Overview about customer products / business:</a:t>
+              <a:t>about customer products / business:</a:t>
             </a:r>
           </a:p>
           <a:p>
@@ -16578,10 +16300,61 @@
                 <a:latin typeface="Calibri" panose="020F0502020204030204" pitchFamily="34" charset="0"/>
                 <a:cs typeface="Calibri" panose="020F0502020204030204" pitchFamily="34" charset="0"/>
               </a:rPr>
-              <a:t>EASi provides critical, innovative engineering solutions around the globe. Unparalleled ability to build specialized teams of world-class experts, leveraging cutting-edge technology, training and processes, allows EASi to constantly improve and innovate to deliver as per customers need.</a:t>
-            </a:r>
-          </a:p>
-          <a:p>
+              <a:t>EASi provides critical, innovative engineering solutions around the </a:t>
+            </a:r>
+            <a:r>
+              <a:rPr lang="en-US" sz="1800" dirty="0" smtClean="0">
+                <a:latin typeface="Calibri" panose="020F0502020204030204" pitchFamily="34" charset="0"/>
+                <a:cs typeface="Calibri" panose="020F0502020204030204" pitchFamily="34" charset="0"/>
+              </a:rPr>
+              <a:t>globe for customer as well as employees.</a:t>
+            </a:r>
+          </a:p>
+          <a:p>
+            <a:pPr marL="180571" lvl="3" indent="0" eaLnBrk="0" hangingPunct="0">
+              <a:spcBef>
+                <a:spcPct val="50000"/>
+              </a:spcBef>
+              <a:buNone/>
+            </a:pPr>
+            <a:r>
+              <a:rPr lang="en-US" sz="1800" dirty="0" err="1" smtClean="0">
+                <a:latin typeface="Calibri" panose="020F0502020204030204" pitchFamily="34" charset="0"/>
+                <a:cs typeface="Calibri" panose="020F0502020204030204" pitchFamily="34" charset="0"/>
+              </a:rPr>
+              <a:t>EASi</a:t>
+            </a:r>
+            <a:r>
+              <a:rPr lang="en-US" sz="1800" dirty="0" smtClean="0">
+                <a:latin typeface="Calibri" panose="020F0502020204030204" pitchFamily="34" charset="0"/>
+                <a:cs typeface="Calibri" panose="020F0502020204030204" pitchFamily="34" charset="0"/>
+              </a:rPr>
+              <a:t> Cab management system plays a vital role for employee in point of safe &amp; secure transportation.  </a:t>
+            </a:r>
+            <a:endParaRPr lang="en-US" sz="1800" dirty="0" smtClean="0">
+              <a:latin typeface="Calibri" panose="020F0502020204030204" pitchFamily="34" charset="0"/>
+              <a:cs typeface="Calibri" panose="020F0502020204030204" pitchFamily="34" charset="0"/>
+            </a:endParaRPr>
+          </a:p>
+          <a:p>
+            <a:pPr marL="180571" lvl="3" indent="0" eaLnBrk="0" hangingPunct="0">
+              <a:spcBef>
+                <a:spcPct val="50000"/>
+              </a:spcBef>
+              <a:buNone/>
+            </a:pPr>
+            <a:endParaRPr lang="en-US" sz="1800" dirty="0" smtClean="0">
+              <a:latin typeface="Calibri" panose="020F0502020204030204" pitchFamily="34" charset="0"/>
+              <a:cs typeface="Calibri" panose="020F0502020204030204" pitchFamily="34" charset="0"/>
+            </a:endParaRPr>
+          </a:p>
+          <a:p>
+            <a:pPr marL="180571" lvl="3" indent="0" eaLnBrk="0" hangingPunct="0">
+              <a:spcBef>
+                <a:spcPct val="50000"/>
+              </a:spcBef>
+              <a:buNone/>
+            </a:pPr>
             <a:endParaRPr lang="en-IN" sz="1800" dirty="0">
               <a:latin typeface="Calibri" panose="020F0502020204030204" pitchFamily="34" charset="0"/>
               <a:cs typeface="Calibri" panose="020F0502020204030204" pitchFamily="34" charset="0"/>
@@ -16682,7 +16455,7 @@
         <p:spPr>
           <a:xfrm>
             <a:off x="832513" y="1182231"/>
-            <a:ext cx="5677470" cy="3477875"/>
+            <a:ext cx="7779224" cy="3247043"/>
           </a:xfrm>
           <a:prstGeom prst="rect">
             <a:avLst/>
@@ -16699,13 +16472,212 @@
                 <a:spcPts val="600"/>
               </a:spcAft>
             </a:pPr>
+            <a:endParaRPr lang="en-US" sz="1800" dirty="0" smtClean="0">
+              <a:latin typeface="Calibri" panose="020F0502020204030204" pitchFamily="34" charset="0"/>
+              <a:cs typeface="Calibri" panose="020F0502020204030204" pitchFamily="34" charset="0"/>
+            </a:endParaRPr>
+          </a:p>
+          <a:p>
             <a:r>
               <a:rPr lang="en-US" sz="1800" dirty="0">
-                <a:latin typeface="Calibri" panose="020F0502020204030204" pitchFamily="34" charset="0"/>
-                <a:cs typeface="Calibri" panose="020F0502020204030204" pitchFamily="34" charset="0"/>
-              </a:rPr>
-              <a:t>The project entails:</a:t>
-            </a:r>
+                <a:solidFill>
+                  <a:srgbClr val="4D4F53"/>
+                </a:solidFill>
+                <a:latin typeface="Calibri" panose="020F0502020204030204" pitchFamily="34" charset="0"/>
+                <a:cs typeface="Calibri" panose="020F0502020204030204" pitchFamily="34" charset="0"/>
+              </a:rPr>
+              <a:t>Simple and easy smart phone application to </a:t>
+            </a:r>
+            <a:r>
+              <a:rPr lang="en-US" sz="1800" dirty="0" smtClean="0">
+                <a:solidFill>
+                  <a:srgbClr val="4D4F53"/>
+                </a:solidFill>
+                <a:latin typeface="Calibri" panose="020F0502020204030204" pitchFamily="34" charset="0"/>
+                <a:cs typeface="Calibri" panose="020F0502020204030204" pitchFamily="34" charset="0"/>
+              </a:rPr>
+              <a:t>monitor and manage the </a:t>
+            </a:r>
+            <a:r>
+              <a:rPr lang="en-US" sz="1800" dirty="0" err="1">
+                <a:solidFill>
+                  <a:srgbClr val="4D4F53"/>
+                </a:solidFill>
+                <a:latin typeface="Calibri" panose="020F0502020204030204" pitchFamily="34" charset="0"/>
+                <a:cs typeface="Calibri" panose="020F0502020204030204" pitchFamily="34" charset="0"/>
+              </a:rPr>
+              <a:t>EASi</a:t>
+            </a:r>
+            <a:r>
+              <a:rPr lang="en-US" sz="1800" dirty="0">
+                <a:solidFill>
+                  <a:srgbClr val="4D4F53"/>
+                </a:solidFill>
+                <a:latin typeface="Calibri" panose="020F0502020204030204" pitchFamily="34" charset="0"/>
+                <a:cs typeface="Calibri" panose="020F0502020204030204" pitchFamily="34" charset="0"/>
+              </a:rPr>
+              <a:t> cab </a:t>
+            </a:r>
+            <a:r>
+              <a:rPr lang="en-US" sz="1800" dirty="0" smtClean="0">
+                <a:solidFill>
+                  <a:srgbClr val="4D4F53"/>
+                </a:solidFill>
+                <a:latin typeface="Calibri" panose="020F0502020204030204" pitchFamily="34" charset="0"/>
+                <a:cs typeface="Calibri" panose="020F0502020204030204" pitchFamily="34" charset="0"/>
+              </a:rPr>
+              <a:t>facilities</a:t>
+            </a:r>
+            <a:endParaRPr lang="en-US" sz="1800" dirty="0">
+              <a:solidFill>
+                <a:srgbClr val="4D4F53"/>
+              </a:solidFill>
+              <a:latin typeface="Calibri" panose="020F0502020204030204" pitchFamily="34" charset="0"/>
+              <a:cs typeface="Calibri" panose="020F0502020204030204" pitchFamily="34" charset="0"/>
+            </a:endParaRPr>
+          </a:p>
+          <a:p>
+            <a:r>
+              <a:rPr lang="en-US" sz="1800" dirty="0">
+                <a:solidFill>
+                  <a:srgbClr val="4D4F53"/>
+                </a:solidFill>
+                <a:latin typeface="Calibri" panose="020F0502020204030204" pitchFamily="34" charset="0"/>
+                <a:cs typeface="Calibri" panose="020F0502020204030204" pitchFamily="34" charset="0"/>
+              </a:rPr>
+              <a:t>Easily manage the cab facilities by </a:t>
+            </a:r>
+            <a:r>
+              <a:rPr lang="en-US" sz="1800" dirty="0" smtClean="0">
+                <a:solidFill>
+                  <a:srgbClr val="4D4F53"/>
+                </a:solidFill>
+                <a:latin typeface="Calibri" panose="020F0502020204030204" pitchFamily="34" charset="0"/>
+                <a:cs typeface="Calibri" panose="020F0502020204030204" pitchFamily="34" charset="0"/>
+              </a:rPr>
+              <a:t>smartphones</a:t>
+            </a:r>
+          </a:p>
+          <a:p>
+            <a:endParaRPr lang="en-US" sz="1800" dirty="0">
+              <a:solidFill>
+                <a:srgbClr val="4D4F53"/>
+              </a:solidFill>
+              <a:latin typeface="Calibri" panose="020F0502020204030204" pitchFamily="34" charset="0"/>
+              <a:cs typeface="Calibri" panose="020F0502020204030204" pitchFamily="34" charset="0"/>
+            </a:endParaRPr>
+          </a:p>
+          <a:p>
+            <a:pPr algn="just">
+              <a:spcAft>
+                <a:spcPts val="600"/>
+              </a:spcAft>
+            </a:pPr>
+            <a:r>
+              <a:rPr lang="en-US" sz="1800" b="1" dirty="0" smtClean="0">
+                <a:latin typeface="Calibri" panose="020F0502020204030204" pitchFamily="34" charset="0"/>
+                <a:cs typeface="Calibri" panose="020F0502020204030204" pitchFamily="34" charset="0"/>
+              </a:rPr>
+              <a:t>The </a:t>
+            </a:r>
+            <a:r>
+              <a:rPr lang="en-US" sz="1800" b="1" dirty="0">
+                <a:latin typeface="Calibri" panose="020F0502020204030204" pitchFamily="34" charset="0"/>
+                <a:cs typeface="Calibri" panose="020F0502020204030204" pitchFamily="34" charset="0"/>
+              </a:rPr>
+              <a:t>project entails</a:t>
+            </a:r>
+            <a:r>
+              <a:rPr lang="en-US" sz="1800" b="1" dirty="0" smtClean="0">
+                <a:latin typeface="Calibri" panose="020F0502020204030204" pitchFamily="34" charset="0"/>
+                <a:cs typeface="Calibri" panose="020F0502020204030204" pitchFamily="34" charset="0"/>
+              </a:rPr>
+              <a:t>:</a:t>
+            </a:r>
+          </a:p>
+          <a:p>
+            <a:pPr marL="342900" indent="-342900">
+              <a:spcAft>
+                <a:spcPts val="600"/>
+              </a:spcAft>
+              <a:buFont typeface="+mj-lt"/>
+              <a:buAutoNum type="arabicPeriod"/>
+            </a:pPr>
+            <a:r>
+              <a:rPr lang="en-IN" sz="1800" dirty="0">
+                <a:latin typeface="Calibri" panose="020F0502020204030204" pitchFamily="34" charset="0"/>
+                <a:cs typeface="Calibri" panose="020F0502020204030204" pitchFamily="34" charset="0"/>
+              </a:rPr>
+              <a:t>Develop </a:t>
+            </a:r>
+            <a:r>
+              <a:rPr lang="en-IN" sz="1800" dirty="0" smtClean="0">
+                <a:latin typeface="Calibri" panose="020F0502020204030204" pitchFamily="34" charset="0"/>
+                <a:cs typeface="Calibri" panose="020F0502020204030204" pitchFamily="34" charset="0"/>
+              </a:rPr>
+              <a:t>smartphone applications(android)  for </a:t>
+            </a:r>
+            <a:r>
+              <a:rPr lang="en-IN" sz="1800" dirty="0">
+                <a:latin typeface="Calibri" panose="020F0502020204030204" pitchFamily="34" charset="0"/>
+                <a:cs typeface="Calibri" panose="020F0502020204030204" pitchFamily="34" charset="0"/>
+              </a:rPr>
+              <a:t>easy and safety </a:t>
+            </a:r>
+            <a:r>
+              <a:rPr lang="en-IN" sz="1800" dirty="0" smtClean="0">
+                <a:latin typeface="Calibri" panose="020F0502020204030204" pitchFamily="34" charset="0"/>
+                <a:cs typeface="Calibri" panose="020F0502020204030204" pitchFamily="34" charset="0"/>
+              </a:rPr>
+              <a:t>management</a:t>
+            </a:r>
+            <a:endParaRPr lang="en-IN" sz="1800" dirty="0">
+              <a:latin typeface="Calibri" panose="020F0502020204030204" pitchFamily="34" charset="0"/>
+              <a:cs typeface="Calibri" panose="020F0502020204030204" pitchFamily="34" charset="0"/>
+            </a:endParaRPr>
+          </a:p>
+          <a:p>
+            <a:pPr marL="342900" indent="-342900">
+              <a:spcAft>
+                <a:spcPts val="600"/>
+              </a:spcAft>
+              <a:buFont typeface="+mj-lt"/>
+              <a:buAutoNum type="arabicPeriod"/>
+            </a:pPr>
+            <a:r>
+              <a:rPr lang="en-IN" sz="1800" dirty="0">
+                <a:latin typeface="Calibri" panose="020F0502020204030204" pitchFamily="34" charset="0"/>
+                <a:cs typeface="Calibri" panose="020F0502020204030204" pitchFamily="34" charset="0"/>
+              </a:rPr>
+              <a:t>Web Service development for the whole app </a:t>
+            </a:r>
+            <a:r>
+              <a:rPr lang="en-IN" sz="1800" dirty="0" smtClean="0">
+                <a:latin typeface="Calibri" panose="020F0502020204030204" pitchFamily="34" charset="0"/>
+                <a:cs typeface="Calibri" panose="020F0502020204030204" pitchFamily="34" charset="0"/>
+              </a:rPr>
+              <a:t>module</a:t>
+            </a:r>
+          </a:p>
+          <a:p>
+            <a:pPr marL="342900" indent="-342900">
+              <a:spcAft>
+                <a:spcPts val="600"/>
+              </a:spcAft>
+              <a:buFont typeface="+mj-lt"/>
+              <a:buAutoNum type="arabicPeriod"/>
+            </a:pPr>
+            <a:r>
+              <a:rPr lang="en-US" sz="1800" dirty="0" smtClean="0">
+                <a:latin typeface="Calibri" panose="020F0502020204030204" pitchFamily="34" charset="0"/>
+                <a:cs typeface="Calibri" panose="020F0502020204030204" pitchFamily="34" charset="0"/>
+              </a:rPr>
+              <a:t>Integrate the application with web services</a:t>
+            </a:r>
+            <a:endParaRPr lang="en-IN" sz="1800" dirty="0">
+              <a:latin typeface="Calibri" panose="020F0502020204030204" pitchFamily="34" charset="0"/>
+              <a:cs typeface="Calibri" panose="020F0502020204030204" pitchFamily="34" charset="0"/>
+            </a:endParaRPr>
           </a:p>
           <a:p>
             <a:pPr algn="just">
@@ -16717,146 +16689,6 @@
               <a:latin typeface="Calibri" panose="020F0502020204030204" pitchFamily="34" charset="0"/>
               <a:cs typeface="Calibri" panose="020F0502020204030204" pitchFamily="34" charset="0"/>
             </a:endParaRPr>
-          </a:p>
-          <a:p>
-            <a:pPr marL="742950" lvl="1" indent="-285750" algn="just">
-              <a:spcAft>
-                <a:spcPts val="600"/>
-              </a:spcAft>
-              <a:buFont typeface="Arial" pitchFamily="34" charset="0"/>
-              <a:buChar char="•"/>
-            </a:pPr>
-            <a:r>
-              <a:rPr lang="en-US" sz="1800" dirty="0">
-                <a:latin typeface="Calibri" panose="020F0502020204030204" pitchFamily="34" charset="0"/>
-                <a:cs typeface="Calibri" panose="020F0502020204030204" pitchFamily="34" charset="0"/>
-              </a:rPr>
-              <a:t>Android </a:t>
-            </a:r>
-            <a:r>
-              <a:rPr lang="en-US" sz="1800" dirty="0" smtClean="0">
-                <a:latin typeface="Calibri" panose="020F0502020204030204" pitchFamily="34" charset="0"/>
-                <a:cs typeface="Calibri" panose="020F0502020204030204" pitchFamily="34" charset="0"/>
-              </a:rPr>
-              <a:t>&amp; iOS </a:t>
-            </a:r>
-            <a:r>
-              <a:rPr lang="en-US" sz="1800" dirty="0">
-                <a:latin typeface="Calibri" panose="020F0502020204030204" pitchFamily="34" charset="0"/>
-                <a:cs typeface="Calibri" panose="020F0502020204030204" pitchFamily="34" charset="0"/>
-              </a:rPr>
-              <a:t>application development</a:t>
-            </a:r>
-            <a:r>
-              <a:rPr lang="en-US" sz="1800" dirty="0" smtClean="0">
-                <a:latin typeface="Calibri" panose="020F0502020204030204" pitchFamily="34" charset="0"/>
-                <a:cs typeface="Calibri" panose="020F0502020204030204" pitchFamily="34" charset="0"/>
-              </a:rPr>
-              <a:t>. (</a:t>
-            </a:r>
-            <a:r>
-              <a:rPr lang="en-US" sz="1800" dirty="0">
-                <a:latin typeface="Calibri" panose="020F0502020204030204" pitchFamily="34" charset="0"/>
-                <a:cs typeface="Calibri" panose="020F0502020204030204" pitchFamily="34" charset="0"/>
-              </a:rPr>
-              <a:t>UI/ Functionalities)</a:t>
-            </a:r>
-          </a:p>
-          <a:p>
-            <a:pPr marL="742950" lvl="1" indent="-285750" algn="just">
-              <a:spcAft>
-                <a:spcPts val="600"/>
-              </a:spcAft>
-              <a:buFont typeface="Arial" pitchFamily="34" charset="0"/>
-              <a:buChar char="•"/>
-            </a:pPr>
-            <a:r>
-              <a:rPr lang="en-US" sz="1800" dirty="0">
-                <a:latin typeface="Calibri" panose="020F0502020204030204" pitchFamily="34" charset="0"/>
-                <a:cs typeface="Calibri" panose="020F0502020204030204" pitchFamily="34" charset="0"/>
-              </a:rPr>
-              <a:t>Call and SMS</a:t>
-            </a:r>
-          </a:p>
-          <a:p>
-            <a:pPr marL="742950" lvl="1" indent="-285750" algn="just">
-              <a:spcAft>
-                <a:spcPts val="600"/>
-              </a:spcAft>
-              <a:buFont typeface="Arial" pitchFamily="34" charset="0"/>
-              <a:buChar char="•"/>
-            </a:pPr>
-            <a:r>
-              <a:rPr lang="en-US" sz="1800" dirty="0">
-                <a:latin typeface="Calibri" panose="020F0502020204030204" pitchFamily="34" charset="0"/>
-                <a:cs typeface="Calibri" panose="020F0502020204030204" pitchFamily="34" charset="0"/>
-              </a:rPr>
-              <a:t>SOS and Camera</a:t>
-            </a:r>
-          </a:p>
-          <a:p>
-            <a:pPr marL="742950" lvl="1" indent="-285750" algn="just">
-              <a:spcAft>
-                <a:spcPts val="600"/>
-              </a:spcAft>
-              <a:buFont typeface="Arial" pitchFamily="34" charset="0"/>
-              <a:buChar char="•"/>
-            </a:pPr>
-            <a:r>
-              <a:rPr lang="en-US" sz="1800" dirty="0">
-                <a:latin typeface="Calibri" panose="020F0502020204030204" pitchFamily="34" charset="0"/>
-                <a:cs typeface="Calibri" panose="020F0502020204030204" pitchFamily="34" charset="0"/>
-              </a:rPr>
-              <a:t>Live tracking</a:t>
-            </a:r>
-          </a:p>
-          <a:p>
-            <a:pPr marL="742950" lvl="1" indent="-285750" algn="just">
-              <a:spcAft>
-                <a:spcPts val="600"/>
-              </a:spcAft>
-              <a:buFont typeface="Arial" pitchFamily="34" charset="0"/>
-              <a:buChar char="•"/>
-            </a:pPr>
-            <a:r>
-              <a:rPr lang="en-US" sz="1800" dirty="0">
-                <a:latin typeface="Calibri" panose="020F0502020204030204" pitchFamily="34" charset="0"/>
-                <a:cs typeface="Calibri" panose="020F0502020204030204" pitchFamily="34" charset="0"/>
-              </a:rPr>
-              <a:t>Manual testing</a:t>
-            </a:r>
-          </a:p>
-          <a:p>
-            <a:pPr marL="742950" lvl="1" indent="-285750" algn="just">
-              <a:spcAft>
-                <a:spcPts val="600"/>
-              </a:spcAft>
-              <a:buFont typeface="Arial" pitchFamily="34" charset="0"/>
-              <a:buChar char="•"/>
-            </a:pPr>
-            <a:r>
-              <a:rPr lang="en-US" sz="1800" dirty="0">
-                <a:latin typeface="Calibri" panose="020F0502020204030204" pitchFamily="34" charset="0"/>
-                <a:cs typeface="Calibri" panose="020F0502020204030204" pitchFamily="34" charset="0"/>
-              </a:rPr>
-              <a:t>Web services </a:t>
-            </a:r>
-          </a:p>
-          <a:p>
-            <a:pPr marL="742950" lvl="1" indent="-285750" algn="just">
-              <a:spcAft>
-                <a:spcPts val="600"/>
-              </a:spcAft>
-              <a:buFont typeface="Arial" pitchFamily="34" charset="0"/>
-              <a:buChar char="•"/>
-            </a:pPr>
-            <a:r>
-              <a:rPr lang="en-US" sz="1800" dirty="0">
-                <a:latin typeface="Calibri" panose="020F0502020204030204" pitchFamily="34" charset="0"/>
-                <a:cs typeface="Calibri" panose="020F0502020204030204" pitchFamily="34" charset="0"/>
-              </a:rPr>
-              <a:t>Voice recognition </a:t>
-            </a:r>
           </a:p>
         </p:txBody>
       </p:sp>
@@ -16936,11 +16768,14 @@
           <a:lstStyle/>
           <a:p>
             <a:r>
-              <a:rPr lang="en-IN" sz="2000" dirty="0">
+              <a:rPr lang="en-IN" sz="2000" dirty="0" smtClean="0">
                 <a:latin typeface="+mn-lt"/>
               </a:rPr>
-              <a:t>Project Scope</a:t>
-            </a:r>
+              <a:t>Project Overview</a:t>
+            </a:r>
+            <a:endParaRPr lang="en-IN" sz="2000" dirty="0">
+              <a:latin typeface="+mn-lt"/>
+            </a:endParaRPr>
           </a:p>
         </p:txBody>
       </p:sp>
@@ -17046,8 +16881,8 @@
         </p:nvSpPr>
         <p:spPr>
           <a:xfrm>
-            <a:off x="856636" y="948528"/>
-            <a:ext cx="7946170" cy="880271"/>
+            <a:off x="952170" y="982639"/>
+            <a:ext cx="7686862" cy="973786"/>
           </a:xfrm>
         </p:spPr>
         <p:txBody>
@@ -17055,71 +16890,77 @@
           <a:lstStyle/>
           <a:p>
             <a:r>
-              <a:rPr lang="en-US" sz="1800" dirty="0">
+              <a:rPr lang="en-US" sz="1800" b="1" dirty="0" smtClean="0">
                 <a:solidFill>
-                  <a:srgbClr val="4D4F53"/>
+                  <a:schemeClr val="tx1"/>
                 </a:solidFill>
                 <a:latin typeface="Calibri" panose="020F0502020204030204" pitchFamily="34" charset="0"/>
                 <a:cs typeface="Calibri" panose="020F0502020204030204" pitchFamily="34" charset="0"/>
               </a:rPr>
-              <a:t>Simple and easy smart phone application to control the EASi cab facilities.</a:t>
-            </a:r>
-          </a:p>
-          <a:p>
-            <a:r>
-              <a:rPr lang="en-US" sz="1800" dirty="0" smtClean="0">
+              <a:t>Phase 1</a:t>
+            </a:r>
+            <a:r>
+              <a:rPr lang="en-US" sz="1800" b="1" dirty="0">
                 <a:solidFill>
-                  <a:srgbClr val="4D4F53"/>
+                  <a:schemeClr val="tx1"/>
                 </a:solidFill>
                 <a:latin typeface="Calibri" panose="020F0502020204030204" pitchFamily="34" charset="0"/>
                 <a:cs typeface="Calibri" panose="020F0502020204030204" pitchFamily="34" charset="0"/>
               </a:rPr>
-              <a:t>Easily </a:t>
-            </a:r>
-            <a:r>
-              <a:rPr lang="en-US" sz="1800" dirty="0">
-                <a:solidFill>
-                  <a:srgbClr val="4D4F53"/>
-                </a:solidFill>
-                <a:latin typeface="Calibri" panose="020F0502020204030204" pitchFamily="34" charset="0"/>
-                <a:cs typeface="Calibri" panose="020F0502020204030204" pitchFamily="34" charset="0"/>
-              </a:rPr>
-              <a:t>manage the cab facilities by smartphones</a:t>
-            </a:r>
-            <a:r>
-              <a:rPr lang="en-US" sz="1800" dirty="0" smtClean="0">
-                <a:solidFill>
-                  <a:srgbClr val="4D4F53"/>
-                </a:solidFill>
-                <a:latin typeface="Calibri" panose="020F0502020204030204" pitchFamily="34" charset="0"/>
-                <a:cs typeface="Calibri" panose="020F0502020204030204" pitchFamily="34" charset="0"/>
-              </a:rPr>
-              <a:t>.</a:t>
-            </a:r>
-          </a:p>
-          <a:p>
-            <a:endParaRPr lang="en-US" sz="1800" dirty="0" smtClean="0">
+              <a:t>: </a:t>
+            </a:r>
+            <a:endParaRPr lang="en-US" sz="1800" b="1" dirty="0" smtClean="0">
               <a:solidFill>
-                <a:srgbClr val="4D4F53"/>
+                <a:schemeClr val="tx1"/>
               </a:solidFill>
               <a:latin typeface="Calibri" panose="020F0502020204030204" pitchFamily="34" charset="0"/>
               <a:cs typeface="Calibri" panose="020F0502020204030204" pitchFamily="34" charset="0"/>
             </a:endParaRPr>
           </a:p>
           <a:p>
-            <a:endParaRPr lang="en-US" sz="1800" dirty="0">
-              <a:solidFill>
-                <a:srgbClr val="4D4F53"/>
-              </a:solidFill>
-              <a:latin typeface="Calibri" panose="020F0502020204030204" pitchFamily="34" charset="0"/>
-              <a:cs typeface="Calibri" panose="020F0502020204030204" pitchFamily="34" charset="0"/>
-            </a:endParaRPr>
-          </a:p>
-          <a:p>
-            <a:endParaRPr lang="en-IN" dirty="0">
-              <a:latin typeface="Calibri" panose="020F0502020204030204" pitchFamily="34" charset="0"/>
-              <a:cs typeface="Calibri" panose="020F0502020204030204" pitchFamily="34" charset="0"/>
-            </a:endParaRPr>
+            <a:pPr marL="285750" indent="-285750">
+              <a:buFont typeface="Arial" panose="020B0604020202020204" pitchFamily="34" charset="0"/>
+              <a:buChar char="•"/>
+            </a:pPr>
+            <a:r>
+              <a:rPr lang="en-US" sz="1800" dirty="0" smtClean="0">
+                <a:solidFill>
+                  <a:schemeClr val="tx1"/>
+                </a:solidFill>
+                <a:latin typeface="Calibri" panose="020F0502020204030204" pitchFamily="34" charset="0"/>
+                <a:cs typeface="Calibri" panose="020F0502020204030204" pitchFamily="34" charset="0"/>
+              </a:rPr>
+              <a:t>Static flow between all screens in android application.</a:t>
+            </a:r>
+          </a:p>
+          <a:p>
+            <a:pPr marL="285750" indent="-285750">
+              <a:buFont typeface="Arial" panose="020B0604020202020204" pitchFamily="34" charset="0"/>
+              <a:buChar char="•"/>
+            </a:pPr>
+            <a:r>
+              <a:rPr lang="en-US" sz="1800" dirty="0" smtClean="0">
+                <a:solidFill>
+                  <a:schemeClr val="tx1"/>
+                </a:solidFill>
+                <a:latin typeface="Calibri" panose="020F0502020204030204" pitchFamily="34" charset="0"/>
+                <a:cs typeface="Calibri" panose="020F0502020204030204" pitchFamily="34" charset="0"/>
+              </a:rPr>
+              <a:t>Simple </a:t>
+            </a:r>
+            <a:r>
+              <a:rPr lang="en-US" sz="1800" dirty="0">
+                <a:solidFill>
+                  <a:schemeClr val="tx1"/>
+                </a:solidFill>
+                <a:latin typeface="Calibri" panose="020F0502020204030204" pitchFamily="34" charset="0"/>
+                <a:cs typeface="Calibri" panose="020F0502020204030204" pitchFamily="34" charset="0"/>
+              </a:rPr>
+              <a:t>Google map integration with current location.</a:t>
+            </a:r>
+          </a:p>
+          <a:p>
+            <a:endParaRPr lang="en-IN" dirty="0"/>
           </a:p>
         </p:txBody>
       </p:sp>
@@ -17139,11 +16980,10 @@
           <a:lstStyle/>
           <a:p>
             <a:r>
-              <a:rPr lang="en-IN" sz="2000" dirty="0">
-                <a:latin typeface="+mn-lt"/>
-              </a:rPr>
-              <a:t>Project Description</a:t>
-            </a:r>
+              <a:rPr lang="en-IN" sz="1600" dirty="0" smtClean="0"/>
+              <a:t>Development Approach</a:t>
+            </a:r>
+            <a:endParaRPr lang="en-IN" dirty="0"/>
           </a:p>
         </p:txBody>
       </p:sp>
@@ -17159,112 +16999,178 @@
         </p:nvSpPr>
         <p:spPr>
           <a:xfrm>
-            <a:off x="868680" y="1801505"/>
-            <a:ext cx="7824944" cy="4244454"/>
+            <a:off x="868680" y="2049780"/>
+            <a:ext cx="4167344" cy="4214542"/>
           </a:xfrm>
         </p:spPr>
         <p:txBody>
           <a:bodyPr/>
           <a:lstStyle/>
           <a:p>
-            <a:pPr marL="0" indent="0">
+            <a:pPr marL="0" lvl="0" indent="0">
+              <a:spcBef>
+                <a:spcPct val="20000"/>
+              </a:spcBef>
               <a:buNone/>
             </a:pPr>
             <a:r>
               <a:rPr lang="en-US" sz="1800" b="1" dirty="0" smtClean="0">
-                <a:latin typeface="Calibri" panose="020F0502020204030204" pitchFamily="34" charset="0"/>
-                <a:cs typeface="Calibri" panose="020F0502020204030204" pitchFamily="34" charset="0"/>
-              </a:rPr>
-              <a:t>Module </a:t>
-            </a:r>
-            <a:r>
-              <a:rPr lang="en-US" sz="1800" b="1" dirty="0">
-                <a:latin typeface="Calibri" panose="020F0502020204030204" pitchFamily="34" charset="0"/>
-                <a:cs typeface="Calibri" panose="020F0502020204030204" pitchFamily="34" charset="0"/>
-              </a:rPr>
-              <a:t>1: (Demo</a:t>
-            </a:r>
-            <a:r>
-              <a:rPr lang="en-US" sz="1800" b="1" dirty="0" smtClean="0">
-                <a:latin typeface="Calibri" panose="020F0502020204030204" pitchFamily="34" charset="0"/>
-                <a:cs typeface="Calibri" panose="020F0502020204030204" pitchFamily="34" charset="0"/>
-              </a:rPr>
-              <a:t>)</a:t>
+                <a:solidFill>
+                  <a:schemeClr val="tx1"/>
+                </a:solidFill>
+                <a:latin typeface="Calibri" panose="020F0502020204030204" pitchFamily="34" charset="0"/>
+                <a:cs typeface="Calibri" panose="020F0502020204030204" pitchFamily="34" charset="0"/>
+              </a:rPr>
+              <a:t>Phase 2.1: </a:t>
             </a:r>
             <a:endParaRPr lang="en-US" sz="1800" b="1" dirty="0">
+              <a:solidFill>
+                <a:schemeClr val="tx1"/>
+              </a:solidFill>
               <a:latin typeface="Calibri" panose="020F0502020204030204" pitchFamily="34" charset="0"/>
               <a:cs typeface="Calibri" panose="020F0502020204030204" pitchFamily="34" charset="0"/>
             </a:endParaRPr>
           </a:p>
           <a:p>
-            <a:pPr marL="285750" indent="-285750">
+            <a:pPr marL="285750" lvl="0" indent="-285750">
+              <a:spcBef>
+                <a:spcPct val="20000"/>
+              </a:spcBef>
               <a:buFont typeface="Arial" panose="020B0604020202020204" pitchFamily="34" charset="0"/>
               <a:buChar char="•"/>
             </a:pPr>
             <a:r>
               <a:rPr lang="en-US" sz="1800" dirty="0">
-                <a:latin typeface="Calibri" panose="020F0502020204030204" pitchFamily="34" charset="0"/>
-                <a:cs typeface="Calibri" panose="020F0502020204030204" pitchFamily="34" charset="0"/>
-              </a:rPr>
-              <a:t>Static flow between all screens in android application.</a:t>
+                <a:solidFill>
+                  <a:schemeClr val="tx1"/>
+                </a:solidFill>
+                <a:latin typeface="Calibri" panose="020F0502020204030204" pitchFamily="34" charset="0"/>
+                <a:cs typeface="Calibri" panose="020F0502020204030204" pitchFamily="34" charset="0"/>
+              </a:rPr>
+              <a:t>UI  for three different role ( Admin, Driver, Employee) with supporting multiple screen sizes</a:t>
             </a:r>
           </a:p>
           <a:p>
             <a:pPr marL="285750" indent="-285750">
+              <a:spcBef>
+                <a:spcPct val="20000"/>
+              </a:spcBef>
               <a:buFont typeface="Arial" panose="020B0604020202020204" pitchFamily="34" charset="0"/>
               <a:buChar char="•"/>
             </a:pPr>
             <a:r>
               <a:rPr lang="en-US" sz="1800" dirty="0">
-                <a:latin typeface="Calibri" panose="020F0502020204030204" pitchFamily="34" charset="0"/>
-                <a:cs typeface="Calibri" panose="020F0502020204030204" pitchFamily="34" charset="0"/>
-              </a:rPr>
-              <a:t>Simple Google map integration with current location</a:t>
-            </a:r>
+                <a:solidFill>
+                  <a:schemeClr val="tx1"/>
+                </a:solidFill>
+                <a:latin typeface="Calibri" panose="020F0502020204030204" pitchFamily="34" charset="0"/>
+                <a:cs typeface="Calibri" panose="020F0502020204030204" pitchFamily="34" charset="0"/>
+              </a:rPr>
+              <a:t>Log in, Registration, settings and Check-in and Check-out  functionalities</a:t>
+            </a:r>
+          </a:p>
+          <a:p>
+            <a:pPr marL="285750" indent="-285750">
+              <a:spcBef>
+                <a:spcPct val="20000"/>
+              </a:spcBef>
+              <a:buFont typeface="Arial" panose="020B0604020202020204" pitchFamily="34" charset="0"/>
+              <a:buChar char="•"/>
+            </a:pPr>
             <a:r>
               <a:rPr lang="en-US" sz="1800" dirty="0" smtClean="0">
-                <a:latin typeface="Calibri" panose="020F0502020204030204" pitchFamily="34" charset="0"/>
-                <a:cs typeface="Calibri" panose="020F0502020204030204" pitchFamily="34" charset="0"/>
-              </a:rPr>
-              <a:t>.</a:t>
-            </a:r>
-            <a:endParaRPr lang="en-US" sz="1800" dirty="0">
+                <a:solidFill>
+                  <a:schemeClr val="tx1"/>
+                </a:solidFill>
+                <a:latin typeface="Calibri" panose="020F0502020204030204" pitchFamily="34" charset="0"/>
+                <a:cs typeface="Calibri" panose="020F0502020204030204" pitchFamily="34" charset="0"/>
+              </a:rPr>
+              <a:t>Cab monitoring &amp; Google </a:t>
+            </a:r>
+            <a:r>
+              <a:rPr lang="en-US" sz="1800" dirty="0">
+                <a:solidFill>
+                  <a:schemeClr val="tx1"/>
+                </a:solidFill>
+                <a:latin typeface="Calibri" panose="020F0502020204030204" pitchFamily="34" charset="0"/>
+                <a:cs typeface="Calibri" panose="020F0502020204030204" pitchFamily="34" charset="0"/>
+              </a:rPr>
+              <a:t>map</a:t>
+            </a:r>
+          </a:p>
+          <a:p>
+            <a:pPr marL="285750" lvl="0" indent="-285750">
+              <a:spcBef>
+                <a:spcPct val="20000"/>
+              </a:spcBef>
+              <a:buFont typeface="Arial" panose="020B0604020202020204" pitchFamily="34" charset="0"/>
+              <a:buChar char="•"/>
+            </a:pPr>
+            <a:r>
+              <a:rPr lang="en-US" sz="1800" dirty="0">
+                <a:solidFill>
+                  <a:schemeClr val="tx1"/>
+                </a:solidFill>
+                <a:latin typeface="Calibri" panose="020F0502020204030204" pitchFamily="34" charset="0"/>
+                <a:cs typeface="Calibri" panose="020F0502020204030204" pitchFamily="34" charset="0"/>
+              </a:rPr>
+              <a:t>Call and SMS service </a:t>
+            </a:r>
+          </a:p>
+          <a:p>
+            <a:pPr marL="285750" lvl="0" indent="-285750">
+              <a:spcBef>
+                <a:spcPct val="20000"/>
+              </a:spcBef>
+              <a:buFont typeface="Arial" panose="020B0604020202020204" pitchFamily="34" charset="0"/>
+              <a:buChar char="•"/>
+            </a:pPr>
+            <a:r>
+              <a:rPr lang="en-US" sz="1800" dirty="0">
+                <a:solidFill>
+                  <a:schemeClr val="tx1"/>
+                </a:solidFill>
+                <a:latin typeface="Calibri" panose="020F0502020204030204" pitchFamily="34" charset="0"/>
+                <a:cs typeface="Calibri" panose="020F0502020204030204" pitchFamily="34" charset="0"/>
+              </a:rPr>
+              <a:t>SOS (Emergency Button) </a:t>
+            </a:r>
+            <a:endParaRPr lang="en-US" sz="1800" dirty="0" smtClean="0">
+              <a:solidFill>
+                <a:schemeClr val="tx1"/>
+              </a:solidFill>
               <a:latin typeface="Calibri" panose="020F0502020204030204" pitchFamily="34" charset="0"/>
               <a:cs typeface="Calibri" panose="020F0502020204030204" pitchFamily="34" charset="0"/>
             </a:endParaRPr>
           </a:p>
           <a:p>
-            <a:pPr marL="0" lvl="0" indent="0">
-              <a:buNone/>
+            <a:pPr marL="285750" lvl="0" indent="-285750">
+              <a:spcBef>
+                <a:spcPct val="20000"/>
+              </a:spcBef>
+              <a:buFont typeface="Arial" panose="020B0604020202020204" pitchFamily="34" charset="0"/>
+              <a:buChar char="•"/>
             </a:pPr>
             <a:r>
-              <a:rPr lang="en-US" sz="1800" b="1" dirty="0" smtClean="0">
-                <a:latin typeface="Calibri" panose="020F0502020204030204" pitchFamily="34" charset="0"/>
-                <a:cs typeface="Calibri" panose="020F0502020204030204" pitchFamily="34" charset="0"/>
-              </a:rPr>
-              <a:t>Module </a:t>
-            </a:r>
-            <a:r>
-              <a:rPr lang="en-US" sz="1800" b="1" dirty="0">
-                <a:latin typeface="Calibri" panose="020F0502020204030204" pitchFamily="34" charset="0"/>
-                <a:cs typeface="Calibri" panose="020F0502020204030204" pitchFamily="34" charset="0"/>
-              </a:rPr>
-              <a:t>2: (Local Services</a:t>
-            </a:r>
-            <a:r>
-              <a:rPr lang="en-US" sz="1800" b="1" dirty="0" smtClean="0">
-                <a:latin typeface="Calibri" panose="020F0502020204030204" pitchFamily="34" charset="0"/>
-                <a:cs typeface="Calibri" panose="020F0502020204030204" pitchFamily="34" charset="0"/>
-              </a:rPr>
-              <a:t>)</a:t>
-            </a:r>
-            <a:endParaRPr lang="en-US" sz="1800" b="1" dirty="0">
+              <a:rPr lang="en-US" sz="1800" dirty="0">
+                <a:latin typeface="Calibri" panose="020F0502020204030204" pitchFamily="34" charset="0"/>
+                <a:cs typeface="Calibri" panose="020F0502020204030204" pitchFamily="34" charset="0"/>
+              </a:rPr>
+              <a:t>Web service Integration in  the application</a:t>
+            </a:r>
+            <a:endParaRPr lang="en-US" sz="1800" dirty="0" smtClean="0">
+              <a:solidFill>
+                <a:schemeClr val="tx1"/>
+              </a:solidFill>
               <a:latin typeface="Calibri" panose="020F0502020204030204" pitchFamily="34" charset="0"/>
               <a:cs typeface="Calibri" panose="020F0502020204030204" pitchFamily="34" charset="0"/>
             </a:endParaRPr>
           </a:p>
           <a:p>
-            <a:pPr marL="285750" lvl="0" indent="-285750">
+            <a:pPr marL="285750" indent="-285750">
+              <a:spcBef>
+                <a:spcPct val="20000"/>
+              </a:spcBef>
               <a:buFont typeface="Arial" panose="020B0604020202020204" pitchFamily="34" charset="0"/>
               <a:buChar char="•"/>
             </a:pPr>
@@ -17273,93 +17179,294 @@
                 <a:latin typeface="Calibri" panose="020F0502020204030204" pitchFamily="34" charset="0"/>
                 <a:cs typeface="Calibri" panose="020F0502020204030204" pitchFamily="34" charset="0"/>
               </a:rPr>
-              <a:t>UI  for three different role ( Admin, Driver, Employee) with supporting multiple screen sizes</a:t>
-            </a:r>
-          </a:p>
-          <a:p>
-            <a:pPr marL="285750" indent="-285750">
+              <a:t>Export reports in excel format</a:t>
+            </a:r>
+          </a:p>
+          <a:p>
+            <a:pPr marL="285750" lvl="0" indent="-285750">
+              <a:spcBef>
+                <a:spcPct val="20000"/>
+              </a:spcBef>
               <a:buFont typeface="Arial" panose="020B0604020202020204" pitchFamily="34" charset="0"/>
               <a:buChar char="•"/>
             </a:pPr>
-            <a:r>
-              <a:rPr lang="en-US" sz="1800" dirty="0">
-                <a:latin typeface="Calibri" panose="020F0502020204030204" pitchFamily="34" charset="0"/>
-                <a:cs typeface="Calibri" panose="020F0502020204030204" pitchFamily="34" charset="0"/>
-              </a:rPr>
-              <a:t>Log in, Registration, settings and Check-in and Check-out  functionalities</a:t>
-            </a:r>
-          </a:p>
-          <a:p>
-            <a:pPr marL="285750" indent="-285750">
+            <a:endParaRPr lang="en-US" sz="1800" dirty="0" smtClean="0">
+              <a:solidFill>
+                <a:schemeClr val="tx1"/>
+              </a:solidFill>
+              <a:latin typeface="Calibri" panose="020F0502020204030204" pitchFamily="34" charset="0"/>
+              <a:cs typeface="Calibri" panose="020F0502020204030204" pitchFamily="34" charset="0"/>
+            </a:endParaRPr>
+          </a:p>
+          <a:p>
+            <a:pPr marL="285750" lvl="0" indent="-285750">
+              <a:spcBef>
+                <a:spcPct val="20000"/>
+              </a:spcBef>
               <a:buFont typeface="Arial" panose="020B0604020202020204" pitchFamily="34" charset="0"/>
               <a:buChar char="•"/>
             </a:pPr>
-            <a:r>
-              <a:rPr lang="en-US" sz="1800" dirty="0">
-                <a:latin typeface="Calibri" panose="020F0502020204030204" pitchFamily="34" charset="0"/>
-                <a:cs typeface="Calibri" panose="020F0502020204030204" pitchFamily="34" charset="0"/>
-              </a:rPr>
-              <a:t>Live tracking and Google map</a:t>
-            </a:r>
-          </a:p>
-          <a:p>
-            <a:pPr marL="285750" lvl="0" indent="-285750">
-              <a:buFont typeface="Arial" panose="020B0604020202020204" pitchFamily="34" charset="0"/>
+            <a:endParaRPr lang="en-US" sz="1800" dirty="0">
+              <a:solidFill>
+                <a:schemeClr val="tx1"/>
+              </a:solidFill>
+              <a:latin typeface="Calibri" panose="020F0502020204030204" pitchFamily="34" charset="0"/>
+              <a:cs typeface="Calibri" panose="020F0502020204030204" pitchFamily="34" charset="0"/>
+            </a:endParaRPr>
+          </a:p>
+          <a:p>
+            <a:endParaRPr lang="en-IN" dirty="0"/>
+          </a:p>
+        </p:txBody>
+      </p:sp>
+      <p:sp>
+        <p:nvSpPr>
+          <p:cNvPr id="7" name="Text Placeholder 4"/>
+          <p:cNvSpPr txBox="1">
+            <a:spLocks/>
+          </p:cNvSpPr>
+          <p:nvPr/>
+        </p:nvSpPr>
+        <p:spPr>
+          <a:xfrm>
+            <a:off x="5609228" y="2011107"/>
+            <a:ext cx="3029803" cy="3707305"/>
+          </a:xfrm>
+          <a:prstGeom prst="rect">
+            <a:avLst/>
+          </a:prstGeom>
+          <a:solidFill>
+            <a:schemeClr val="bg2"/>
+          </a:solidFill>
+        </p:spPr>
+        <p:txBody>
+          <a:bodyPr vert="horz" lIns="0" tIns="0" rIns="0" bIns="0" rtlCol="0">
+            <a:noAutofit/>
+          </a:bodyPr>
+          <a:lstStyle>
+            <a:lvl1pPr marL="70443" indent="-70443" algn="l" defTabSz="408178" rtl="0" eaLnBrk="1" latinLnBrk="0" hangingPunct="1">
+              <a:spcBef>
+                <a:spcPts val="875"/>
+              </a:spcBef>
+              <a:buFont typeface="Arial"/>
               <a:buChar char="•"/>
+              <a:defRPr sz="800" kern="1200" spc="0">
+                <a:solidFill>
+                  <a:srgbClr val="000000"/>
+                </a:solidFill>
+                <a:latin typeface="Arial"/>
+                <a:ea typeface="+mn-ea"/>
+                <a:cs typeface="Arial"/>
+              </a:defRPr>
+            </a:lvl1pPr>
+            <a:lvl2pPr marL="141878" indent="-71435" algn="l" defTabSz="408178" rtl="0" eaLnBrk="1" latinLnBrk="0" hangingPunct="1">
+              <a:spcBef>
+                <a:spcPts val="437"/>
+              </a:spcBef>
+              <a:buFont typeface="Arial"/>
+              <a:buChar char="•"/>
+              <a:defRPr sz="800" kern="1200">
+                <a:solidFill>
+                  <a:schemeClr val="tx1"/>
+                </a:solidFill>
+                <a:latin typeface="Arial"/>
+                <a:ea typeface="+mn-ea"/>
+                <a:cs typeface="Arial"/>
+              </a:defRPr>
+            </a:lvl2pPr>
+            <a:lvl3pPr marL="180571" indent="-70443" algn="l" defTabSz="408178" rtl="0" eaLnBrk="1" latinLnBrk="0" hangingPunct="1">
+              <a:spcBef>
+                <a:spcPts val="437"/>
+              </a:spcBef>
+              <a:buFont typeface="Arial"/>
+              <a:buChar char="•"/>
+              <a:defRPr sz="800" kern="1200">
+                <a:solidFill>
+                  <a:schemeClr val="tx1"/>
+                </a:solidFill>
+                <a:latin typeface="Arial"/>
+                <a:ea typeface="+mn-ea"/>
+                <a:cs typeface="Arial"/>
+              </a:defRPr>
+            </a:lvl3pPr>
+            <a:lvl4pPr marL="251014" indent="-70443" algn="l" defTabSz="408178" rtl="0" eaLnBrk="1" latinLnBrk="0" hangingPunct="1">
+              <a:spcBef>
+                <a:spcPts val="437"/>
+              </a:spcBef>
+              <a:buFont typeface="Arial"/>
+              <a:buChar char="•"/>
+              <a:defRPr sz="800" kern="1200">
+                <a:solidFill>
+                  <a:schemeClr val="tx1"/>
+                </a:solidFill>
+                <a:latin typeface="Arial"/>
+                <a:ea typeface="+mn-ea"/>
+                <a:cs typeface="Arial"/>
+              </a:defRPr>
+            </a:lvl4pPr>
+            <a:lvl5pPr marL="322449" indent="-71435" algn="l" defTabSz="408178" rtl="0" eaLnBrk="1" latinLnBrk="0" hangingPunct="1">
+              <a:spcBef>
+                <a:spcPts val="437"/>
+              </a:spcBef>
+              <a:buFont typeface="Arial"/>
+              <a:buChar char="•"/>
+              <a:defRPr sz="800" kern="1200">
+                <a:solidFill>
+                  <a:schemeClr val="tx1"/>
+                </a:solidFill>
+                <a:latin typeface="Arial"/>
+                <a:ea typeface="+mn-ea"/>
+                <a:cs typeface="Arial"/>
+              </a:defRPr>
+            </a:lvl5pPr>
+            <a:lvl6pPr marL="2244977" indent="-204089" algn="l" defTabSz="408178" rtl="0" eaLnBrk="1" latinLnBrk="0" hangingPunct="1">
+              <a:spcBef>
+                <a:spcPct val="20000"/>
+              </a:spcBef>
+              <a:buFont typeface="Arial"/>
+              <a:buChar char="•"/>
+              <a:defRPr sz="1800" kern="1200">
+                <a:solidFill>
+                  <a:schemeClr val="tx1"/>
+                </a:solidFill>
+                <a:latin typeface="+mn-lt"/>
+                <a:ea typeface="+mn-ea"/>
+                <a:cs typeface="+mn-cs"/>
+              </a:defRPr>
+            </a:lvl6pPr>
+            <a:lvl7pPr marL="2653154" indent="-204089" algn="l" defTabSz="408178" rtl="0" eaLnBrk="1" latinLnBrk="0" hangingPunct="1">
+              <a:spcBef>
+                <a:spcPct val="20000"/>
+              </a:spcBef>
+              <a:buFont typeface="Arial"/>
+              <a:buChar char="•"/>
+              <a:defRPr sz="1800" kern="1200">
+                <a:solidFill>
+                  <a:schemeClr val="tx1"/>
+                </a:solidFill>
+                <a:latin typeface="+mn-lt"/>
+                <a:ea typeface="+mn-ea"/>
+                <a:cs typeface="+mn-cs"/>
+              </a:defRPr>
+            </a:lvl7pPr>
+            <a:lvl8pPr marL="3061332" indent="-204089" algn="l" defTabSz="408178" rtl="0" eaLnBrk="1" latinLnBrk="0" hangingPunct="1">
+              <a:spcBef>
+                <a:spcPct val="20000"/>
+              </a:spcBef>
+              <a:buFont typeface="Arial"/>
+              <a:buChar char="•"/>
+              <a:defRPr sz="1800" kern="1200">
+                <a:solidFill>
+                  <a:schemeClr val="tx1"/>
+                </a:solidFill>
+                <a:latin typeface="+mn-lt"/>
+                <a:ea typeface="+mn-ea"/>
+                <a:cs typeface="+mn-cs"/>
+              </a:defRPr>
+            </a:lvl8pPr>
+            <a:lvl9pPr marL="3469510" indent="-204089" algn="l" defTabSz="408178" rtl="0" eaLnBrk="1" latinLnBrk="0" hangingPunct="1">
+              <a:spcBef>
+                <a:spcPct val="20000"/>
+              </a:spcBef>
+              <a:buFont typeface="Arial"/>
+              <a:buChar char="•"/>
+              <a:defRPr sz="1800" kern="1200">
+                <a:solidFill>
+                  <a:schemeClr val="tx1"/>
+                </a:solidFill>
+                <a:latin typeface="+mn-lt"/>
+                <a:ea typeface="+mn-ea"/>
+                <a:cs typeface="+mn-cs"/>
+              </a:defRPr>
+            </a:lvl9pPr>
+          </a:lstStyle>
+          <a:p>
+            <a:pPr marL="0" indent="0">
+              <a:spcBef>
+                <a:spcPct val="20000"/>
+              </a:spcBef>
+              <a:buNone/>
             </a:pPr>
             <a:r>
-              <a:rPr lang="en-US" sz="1800" dirty="0">
-                <a:latin typeface="Calibri" panose="020F0502020204030204" pitchFamily="34" charset="0"/>
-                <a:cs typeface="Calibri" panose="020F0502020204030204" pitchFamily="34" charset="0"/>
-              </a:rPr>
-              <a:t>Call and SMS service </a:t>
-            </a:r>
-          </a:p>
-          <a:p>
-            <a:pPr marL="285750" lvl="0" indent="-285750">
-              <a:buFont typeface="Arial" panose="020B0604020202020204" pitchFamily="34" charset="0"/>
-              <a:buChar char="•"/>
+              <a:rPr lang="en-US" sz="1800" b="1" dirty="0" smtClean="0">
+                <a:solidFill>
+                  <a:schemeClr val="tx1"/>
+                </a:solidFill>
+                <a:latin typeface="Calibri" panose="020F0502020204030204" pitchFamily="34" charset="0"/>
+                <a:cs typeface="Calibri" panose="020F0502020204030204" pitchFamily="34" charset="0"/>
+              </a:rPr>
+              <a:t>Phase 2.2: </a:t>
+            </a:r>
+          </a:p>
+          <a:p>
+            <a:pPr marL="0" indent="0">
+              <a:spcBef>
+                <a:spcPct val="20000"/>
+              </a:spcBef>
+              <a:buFont typeface="Arial"/>
+              <a:buNone/>
             </a:pPr>
             <a:r>
-              <a:rPr lang="en-US" sz="1800" dirty="0">
-                <a:latin typeface="Calibri" panose="020F0502020204030204" pitchFamily="34" charset="0"/>
-                <a:cs typeface="Calibri" panose="020F0502020204030204" pitchFamily="34" charset="0"/>
-              </a:rPr>
-              <a:t>SOS (Emergency Button) </a:t>
-            </a:r>
-          </a:p>
-          <a:p>
-            <a:pPr marL="285750" lvl="0" indent="-285750">
-              <a:buFont typeface="Arial" panose="020B0604020202020204" pitchFamily="34" charset="0"/>
-              <a:buChar char="•"/>
+              <a:rPr lang="en-US" sz="1800" dirty="0" smtClean="0">
+                <a:solidFill>
+                  <a:schemeClr val="tx1"/>
+                </a:solidFill>
+                <a:latin typeface="Calibri" panose="020F0502020204030204" pitchFamily="34" charset="0"/>
+                <a:cs typeface="Calibri" panose="020F0502020204030204" pitchFamily="34" charset="0"/>
+              </a:rPr>
+              <a:t>Voice recognition module </a:t>
+            </a:r>
+          </a:p>
+          <a:p>
+            <a:pPr marL="0" indent="0">
+              <a:spcBef>
+                <a:spcPct val="20000"/>
+              </a:spcBef>
+              <a:buFont typeface="Arial"/>
+              <a:buNone/>
             </a:pPr>
-            <a:r>
-              <a:rPr lang="en-US" sz="1800" dirty="0">
-                <a:latin typeface="Calibri" panose="020F0502020204030204" pitchFamily="34" charset="0"/>
-                <a:cs typeface="Calibri" panose="020F0502020204030204" pitchFamily="34" charset="0"/>
-              </a:rPr>
-              <a:t>Voice recognition integration (R&amp;D) </a:t>
-            </a:r>
+            <a:endParaRPr lang="en-US" sz="1800" dirty="0">
+              <a:solidFill>
+                <a:schemeClr val="tx1"/>
+              </a:solidFill>
+              <a:latin typeface="Calibri" panose="020F0502020204030204" pitchFamily="34" charset="0"/>
+              <a:cs typeface="Calibri" panose="020F0502020204030204" pitchFamily="34" charset="0"/>
+            </a:endParaRPr>
+          </a:p>
+          <a:p>
+            <a:pPr marL="0" indent="0">
+              <a:spcBef>
+                <a:spcPct val="20000"/>
+              </a:spcBef>
+              <a:buFont typeface="Arial"/>
+              <a:buNone/>
+            </a:pPr>
+            <a:r>
+              <a:rPr lang="en-US" sz="1800" dirty="0" smtClean="0">
+                <a:solidFill>
+                  <a:schemeClr val="tx1"/>
+                </a:solidFill>
+                <a:latin typeface="Calibri" panose="020F0502020204030204" pitchFamily="34" charset="0"/>
+                <a:cs typeface="Calibri" panose="020F0502020204030204" pitchFamily="34" charset="0"/>
+              </a:rPr>
+              <a:t>Note: It’s a separate module , If success it can be combined in the application</a:t>
+            </a:r>
+          </a:p>
+          <a:p>
+            <a:endParaRPr lang="en-IN" dirty="0"/>
           </a:p>
         </p:txBody>
       </p:sp>
     </p:spTree>
     <p:extLst>
       <p:ext uri="{BB962C8B-B14F-4D97-AF65-F5344CB8AC3E}">
-        <p14:creationId xmlns:p14="http://schemas.microsoft.com/office/powerpoint/2010/main" val="3060313456"/>
+        <p14:creationId xmlns:p14="http://schemas.microsoft.com/office/powerpoint/2010/main" val="4111862731"/>
       </p:ext>
     </p:extLst>
   </p:cSld>
   <p:clrMapOvr>
     <a:masterClrMapping/>
   </p:clrMapOvr>
-  <p:timing>
-    <p:tnLst>
-      <p:par>
-        <p:cTn id="1" dur="indefinite" restart="never" nodeType="tmRoot"/>
-      </p:par>
-    </p:tnLst>
-  </p:timing>
 </p:sld>
 </file>
 
@@ -17451,19 +17558,68 @@
               <a:buNone/>
             </a:pPr>
             <a:r>
+              <a:rPr lang="en-US" sz="1800" b="1" dirty="0" smtClean="0">
+                <a:latin typeface="Calibri" panose="020F0502020204030204" pitchFamily="34" charset="0"/>
+                <a:cs typeface="Calibri" panose="020F0502020204030204" pitchFamily="34" charset="0"/>
+              </a:rPr>
+              <a:t>Phase 3</a:t>
+            </a:r>
+            <a:r>
               <a:rPr lang="en-US" sz="1800" b="1" dirty="0">
                 <a:latin typeface="Calibri" panose="020F0502020204030204" pitchFamily="34" charset="0"/>
                 <a:cs typeface="Calibri" panose="020F0502020204030204" pitchFamily="34" charset="0"/>
               </a:rPr>
-              <a:t>Module 3: (Global</a:t>
-            </a:r>
-            <a:r>
-              <a:rPr lang="en-US" sz="1800" b="1" dirty="0" smtClean="0">
-                <a:latin typeface="Calibri" panose="020F0502020204030204" pitchFamily="34" charset="0"/>
-                <a:cs typeface="Calibri" panose="020F0502020204030204" pitchFamily="34" charset="0"/>
-              </a:rPr>
-              <a:t>)</a:t>
-            </a:r>
+              <a:t>: </a:t>
+            </a:r>
+            <a:endParaRPr lang="en-US" sz="1800" dirty="0" smtClean="0">
+              <a:latin typeface="Calibri" panose="020F0502020204030204" pitchFamily="34" charset="0"/>
+              <a:cs typeface="Calibri" panose="020F0502020204030204" pitchFamily="34" charset="0"/>
+            </a:endParaRPr>
+          </a:p>
+          <a:p>
+            <a:pPr marL="285750" indent="-285750">
+              <a:buFont typeface="Arial" panose="020B0604020202020204" pitchFamily="34" charset="0"/>
+              <a:buChar char="•"/>
+            </a:pPr>
+            <a:r>
+              <a:rPr lang="en-US" sz="1800" dirty="0" smtClean="0">
+                <a:latin typeface="Calibri" panose="020F0502020204030204" pitchFamily="34" charset="0"/>
+                <a:cs typeface="Calibri" panose="020F0502020204030204" pitchFamily="34" charset="0"/>
+              </a:rPr>
+              <a:t>Tracking with real GPS device.</a:t>
+            </a:r>
+          </a:p>
+          <a:p>
+            <a:pPr marL="285750" indent="-285750">
+              <a:buFont typeface="Arial" panose="020B0604020202020204" pitchFamily="34" charset="0"/>
+              <a:buChar char="•"/>
+            </a:pPr>
+            <a:r>
+              <a:rPr lang="en-US" sz="1800" dirty="0" smtClean="0">
+                <a:latin typeface="Calibri" panose="020F0502020204030204" pitchFamily="34" charset="0"/>
+                <a:cs typeface="Calibri" panose="020F0502020204030204" pitchFamily="34" charset="0"/>
+              </a:rPr>
+              <a:t>Notification</a:t>
+            </a:r>
+          </a:p>
+          <a:p>
+            <a:pPr marL="285750" indent="-285750">
+              <a:buFont typeface="Arial" panose="020B0604020202020204" pitchFamily="34" charset="0"/>
+              <a:buChar char="•"/>
+            </a:pPr>
+            <a:r>
+              <a:rPr lang="en-US" sz="1800" dirty="0" smtClean="0">
+                <a:latin typeface="Calibri" panose="020F0502020204030204" pitchFamily="34" charset="0"/>
+                <a:cs typeface="Calibri" panose="020F0502020204030204" pitchFamily="34" charset="0"/>
+              </a:rPr>
+              <a:t>Publishing the application to cloud</a:t>
+            </a:r>
+          </a:p>
+          <a:p>
+            <a:pPr marL="285750" indent="-285750">
+              <a:buFont typeface="Arial" panose="020B0604020202020204" pitchFamily="34" charset="0"/>
+              <a:buChar char="•"/>
+            </a:pPr>
             <a:endParaRPr lang="en-US" sz="1800" dirty="0">
               <a:latin typeface="Calibri" panose="020F0502020204030204" pitchFamily="34" charset="0"/>
               <a:cs typeface="Calibri" panose="020F0502020204030204" pitchFamily="34" charset="0"/>
@@ -17474,52 +17630,29 @@
               <a:buFont typeface="Arial" panose="020B0604020202020204" pitchFamily="34" charset="0"/>
               <a:buChar char="•"/>
             </a:pPr>
-            <a:r>
-              <a:rPr lang="en-US" sz="1800" dirty="0">
-                <a:latin typeface="Calibri" panose="020F0502020204030204" pitchFamily="34" charset="0"/>
-                <a:cs typeface="Calibri" panose="020F0502020204030204" pitchFamily="34" charset="0"/>
-              </a:rPr>
-              <a:t>Web service Integration in  the application.</a:t>
-            </a:r>
+            <a:endParaRPr lang="en-US" sz="1800" dirty="0" smtClean="0">
+              <a:latin typeface="Calibri" panose="020F0502020204030204" pitchFamily="34" charset="0"/>
+              <a:cs typeface="Calibri" panose="020F0502020204030204" pitchFamily="34" charset="0"/>
+            </a:endParaRPr>
           </a:p>
           <a:p>
             <a:pPr marL="285750" indent="-285750">
               <a:buFont typeface="Arial" panose="020B0604020202020204" pitchFamily="34" charset="0"/>
               <a:buChar char="•"/>
             </a:pPr>
-            <a:r>
-              <a:rPr lang="en-US" sz="1800" dirty="0">
-                <a:latin typeface="Calibri" panose="020F0502020204030204" pitchFamily="34" charset="0"/>
-                <a:cs typeface="Calibri" panose="020F0502020204030204" pitchFamily="34" charset="0"/>
-              </a:rPr>
-              <a:t>Tracking with real GPS device.</a:t>
-            </a:r>
-          </a:p>
-          <a:p>
-            <a:pPr marL="285750" indent="-285750">
-              <a:buFont typeface="Arial" panose="020B0604020202020204" pitchFamily="34" charset="0"/>
-              <a:buChar char="•"/>
+            <a:endParaRPr lang="en-US" sz="1800" dirty="0">
+              <a:latin typeface="Calibri" panose="020F0502020204030204" pitchFamily="34" charset="0"/>
+              <a:cs typeface="Calibri" panose="020F0502020204030204" pitchFamily="34" charset="0"/>
+            </a:endParaRPr>
+          </a:p>
+          <a:p>
+            <a:pPr marL="0" indent="0">
+              <a:buNone/>
             </a:pPr>
-            <a:r>
-              <a:rPr lang="en-US" sz="1800" dirty="0">
-                <a:latin typeface="Calibri" panose="020F0502020204030204" pitchFamily="34" charset="0"/>
-                <a:cs typeface="Calibri" panose="020F0502020204030204" pitchFamily="34" charset="0"/>
-              </a:rPr>
-              <a:t>Push Notification</a:t>
-            </a:r>
-          </a:p>
-          <a:p>
-            <a:pPr marL="285750" lvl="0" indent="-285750">
-              <a:buFont typeface="Arial" panose="020B0604020202020204" pitchFamily="34" charset="0"/>
-              <a:buChar char="•"/>
-            </a:pPr>
-            <a:r>
-              <a:rPr lang="en-US" sz="1800" dirty="0">
-                <a:latin typeface="Calibri" panose="020F0502020204030204" pitchFamily="34" charset="0"/>
-                <a:cs typeface="Calibri" panose="020F0502020204030204" pitchFamily="34" charset="0"/>
-              </a:rPr>
-              <a:t>Export reports in excel format</a:t>
-            </a:r>
+            <a:endParaRPr lang="en-US" sz="1800" dirty="0">
+              <a:latin typeface="Calibri" panose="020F0502020204030204" pitchFamily="34" charset="0"/>
+              <a:cs typeface="Calibri" panose="020F0502020204030204" pitchFamily="34" charset="0"/>
+            </a:endParaRPr>
           </a:p>
           <a:p>
             <a:endParaRPr lang="en-IN" dirty="0">
@@ -17591,6 +17724,25 @@
       </p:sp>
       <p:sp>
         <p:nvSpPr>
+          <p:cNvPr id="3" name="Text Placeholder 2"/>
+          <p:cNvSpPr>
+            <a:spLocks noGrp="1"/>
+          </p:cNvSpPr>
+          <p:nvPr>
+            <p:ph type="body" sz="quarter" idx="13"/>
+          </p:nvPr>
+        </p:nvSpPr>
+        <p:spPr/>
+        <p:txBody>
+          <a:bodyPr/>
+          <a:lstStyle/>
+          <a:p>
+            <a:endParaRPr lang="en-IN"/>
+          </a:p>
+        </p:txBody>
+      </p:sp>
+      <p:sp>
+        <p:nvSpPr>
           <p:cNvPr id="4" name="Title 3"/>
           <p:cNvSpPr>
             <a:spLocks noGrp="1"/>
@@ -17605,14 +17757,10 @@
           <a:lstStyle/>
           <a:p>
             <a:r>
-              <a:rPr lang="en-US" sz="2000" dirty="0">
-                <a:latin typeface="+mn-lt"/>
-              </a:rPr>
-              <a:t>Customer Requirements</a:t>
-            </a:r>
-            <a:endParaRPr lang="en-IN" sz="2000" dirty="0">
-              <a:latin typeface="+mn-lt"/>
-            </a:endParaRPr>
+              <a:rPr lang="en-US" dirty="0" smtClean="0"/>
+              <a:t>Block diagram</a:t>
+            </a:r>
+            <a:endParaRPr lang="en-IN" dirty="0"/>
           </a:p>
         </p:txBody>
       </p:sp>
@@ -17626,215 +17774,37 @@
             <p:ph type="body" sz="quarter" idx="15"/>
           </p:nvPr>
         </p:nvSpPr>
-        <p:spPr>
-          <a:xfrm>
-            <a:off x="868679" y="887104"/>
-            <a:ext cx="8002365" cy="4782013"/>
-          </a:xfrm>
-        </p:spPr>
+        <p:spPr/>
         <p:txBody>
           <a:bodyPr/>
           <a:lstStyle/>
           <a:p>
-            <a:pPr marL="0" indent="0">
-              <a:spcAft>
-                <a:spcPts val="600"/>
-              </a:spcAft>
-              <a:buNone/>
-            </a:pPr>
-            <a:r>
-              <a:rPr lang="en-IN" sz="1800" b="1" dirty="0" smtClean="0">
-                <a:latin typeface="Calibri" panose="020F0502020204030204" pitchFamily="34" charset="0"/>
-                <a:cs typeface="Calibri" panose="020F0502020204030204" pitchFamily="34" charset="0"/>
-              </a:rPr>
-              <a:t>UI </a:t>
-            </a:r>
-            <a:r>
-              <a:rPr lang="en-IN" sz="1800" b="1" dirty="0">
-                <a:latin typeface="Calibri" panose="020F0502020204030204" pitchFamily="34" charset="0"/>
-                <a:cs typeface="Calibri" panose="020F0502020204030204" pitchFamily="34" charset="0"/>
-              </a:rPr>
-              <a:t>:</a:t>
-            </a:r>
-          </a:p>
-          <a:p>
-            <a:pPr marL="0" indent="0">
-              <a:spcAft>
-                <a:spcPts val="600"/>
-              </a:spcAft>
-              <a:buNone/>
-            </a:pPr>
-            <a:r>
-              <a:rPr lang="en-IN" sz="1800" dirty="0" smtClean="0">
-                <a:latin typeface="Calibri" panose="020F0502020204030204" pitchFamily="34" charset="0"/>
-                <a:cs typeface="Calibri" panose="020F0502020204030204" pitchFamily="34" charset="0"/>
-              </a:rPr>
-              <a:t>UI </a:t>
-            </a:r>
-            <a:r>
-              <a:rPr lang="en-IN" sz="1800" dirty="0">
-                <a:latin typeface="Calibri" panose="020F0502020204030204" pitchFamily="34" charset="0"/>
-                <a:cs typeface="Calibri" panose="020F0502020204030204" pitchFamily="34" charset="0"/>
-              </a:rPr>
-              <a:t>for different role based app modules e.g. Driver, Employee and Admin for smartphone supporting all screen sizes as per UI/UX doc.</a:t>
-            </a:r>
-          </a:p>
-          <a:p>
-            <a:pPr marL="0" indent="0">
-              <a:spcAft>
-                <a:spcPts val="600"/>
-              </a:spcAft>
-              <a:buNone/>
-            </a:pPr>
-            <a:r>
-              <a:rPr lang="en-IN" sz="1800" dirty="0" smtClean="0">
-                <a:latin typeface="Calibri" panose="020F0502020204030204" pitchFamily="34" charset="0"/>
-                <a:cs typeface="Calibri" panose="020F0502020204030204" pitchFamily="34" charset="0"/>
-              </a:rPr>
-              <a:t> Check  Web URL:</a:t>
-            </a:r>
-            <a:endParaRPr lang="en-IN" sz="1800" dirty="0">
-              <a:latin typeface="Calibri" panose="020F0502020204030204" pitchFamily="34" charset="0"/>
-              <a:cs typeface="Calibri" panose="020F0502020204030204" pitchFamily="34" charset="0"/>
-            </a:endParaRPr>
-          </a:p>
-          <a:p>
-            <a:pPr marL="0" indent="0">
-              <a:spcAft>
-                <a:spcPts val="600"/>
-              </a:spcAft>
-              <a:buNone/>
-            </a:pPr>
-            <a:r>
-              <a:rPr lang="en-US" sz="1800" dirty="0" smtClean="0">
-                <a:latin typeface="Calibri" panose="020F0502020204030204" pitchFamily="34" charset="0"/>
-                <a:cs typeface="Calibri" panose="020F0502020204030204" pitchFamily="34" charset="0"/>
-                <a:hlinkClick r:id="rId2"/>
-              </a:rPr>
-              <a:t>https://projects.invisionapp.com/d/login</a:t>
-            </a:r>
-            <a:r>
-              <a:rPr lang="en-US" sz="1800" dirty="0">
-                <a:latin typeface="Calibri" panose="020F0502020204030204" pitchFamily="34" charset="0"/>
-                <a:cs typeface="Calibri" panose="020F0502020204030204" pitchFamily="34" charset="0"/>
-              </a:rPr>
-              <a:t/>
-            </a:r>
-            <a:br>
-              <a:rPr lang="en-US" sz="1800" dirty="0">
-                <a:latin typeface="Calibri" panose="020F0502020204030204" pitchFamily="34" charset="0"/>
-                <a:cs typeface="Calibri" panose="020F0502020204030204" pitchFamily="34" charset="0"/>
-              </a:rPr>
-            </a:br>
-            <a:endParaRPr lang="en-IN" sz="1800" dirty="0">
-              <a:latin typeface="Calibri" panose="020F0502020204030204" pitchFamily="34" charset="0"/>
-              <a:cs typeface="Calibri" panose="020F0502020204030204" pitchFamily="34" charset="0"/>
-            </a:endParaRPr>
-          </a:p>
-          <a:p>
-            <a:pPr marL="0" indent="0">
-              <a:spcAft>
-                <a:spcPts val="600"/>
-              </a:spcAft>
-              <a:buNone/>
-            </a:pPr>
-            <a:r>
-              <a:rPr lang="en-IN" sz="1800" b="1" dirty="0">
-                <a:latin typeface="Calibri" panose="020F0502020204030204" pitchFamily="34" charset="0"/>
-                <a:cs typeface="Calibri" panose="020F0502020204030204" pitchFamily="34" charset="0"/>
-              </a:rPr>
-              <a:t>Functionalities :</a:t>
-            </a:r>
-          </a:p>
-          <a:p>
-            <a:pPr marL="342900" indent="-342900">
-              <a:spcAft>
-                <a:spcPts val="600"/>
-              </a:spcAft>
-              <a:buFont typeface="+mj-lt"/>
-              <a:buAutoNum type="arabicPeriod"/>
-            </a:pPr>
-            <a:r>
-              <a:rPr lang="en-IN" sz="1800" dirty="0">
-                <a:latin typeface="Calibri" panose="020F0502020204030204" pitchFamily="34" charset="0"/>
-                <a:cs typeface="Calibri" panose="020F0502020204030204" pitchFamily="34" charset="0"/>
-              </a:rPr>
-              <a:t>Develop required functionality  far easy and safety management for the different role based modules e.g. Driver, Employee &amp; Admin</a:t>
-            </a:r>
-          </a:p>
-          <a:p>
-            <a:pPr marL="342900" indent="-342900">
-              <a:spcAft>
-                <a:spcPts val="600"/>
-              </a:spcAft>
-              <a:buFont typeface="+mj-lt"/>
-              <a:buAutoNum type="arabicPeriod"/>
-            </a:pPr>
-            <a:r>
-              <a:rPr lang="en-IN" sz="1800" dirty="0">
-                <a:latin typeface="Calibri" panose="020F0502020204030204" pitchFamily="34" charset="0"/>
-                <a:cs typeface="Calibri" panose="020F0502020204030204" pitchFamily="34" charset="0"/>
-              </a:rPr>
-              <a:t>Web Service development for the whole app module</a:t>
-            </a:r>
-          </a:p>
-          <a:p>
-            <a:pPr marL="342900" indent="-342900">
-              <a:spcAft>
-                <a:spcPts val="600"/>
-              </a:spcAft>
-              <a:buFont typeface="+mj-lt"/>
-              <a:buAutoNum type="arabicPeriod"/>
-            </a:pPr>
-            <a:r>
-              <a:rPr lang="en-IN" sz="1800" dirty="0">
-                <a:latin typeface="Calibri" panose="020F0502020204030204" pitchFamily="34" charset="0"/>
-                <a:cs typeface="Calibri" panose="020F0502020204030204" pitchFamily="34" charset="0"/>
-              </a:rPr>
-              <a:t>Web Service integration with the mobile app</a:t>
-            </a:r>
-          </a:p>
-          <a:p>
-            <a:pPr marL="342900" indent="-342900">
-              <a:spcAft>
-                <a:spcPts val="600"/>
-              </a:spcAft>
-              <a:buFont typeface="+mj-lt"/>
-              <a:buAutoNum type="arabicPeriod"/>
-            </a:pPr>
-            <a:r>
-              <a:rPr lang="en-IN" sz="1800" dirty="0">
-                <a:latin typeface="Calibri" panose="020F0502020204030204" pitchFamily="34" charset="0"/>
-                <a:cs typeface="Calibri" panose="020F0502020204030204" pitchFamily="34" charset="0"/>
-              </a:rPr>
-              <a:t>Manual test Reports</a:t>
-            </a:r>
-          </a:p>
-          <a:p>
-            <a:endParaRPr lang="en-IN" dirty="0">
-              <a:latin typeface="Calibri" panose="020F0502020204030204" pitchFamily="34" charset="0"/>
-              <a:cs typeface="Calibri" panose="020F0502020204030204" pitchFamily="34" charset="0"/>
-            </a:endParaRPr>
+            <a:endParaRPr lang="en-IN"/>
           </a:p>
         </p:txBody>
+      </p:sp>
+      <p:sp>
+        <p:nvSpPr>
+          <p:cNvPr id="6" name="Picture Placeholder 5"/>
+          <p:cNvSpPr>
+            <a:spLocks noGrp="1"/>
+          </p:cNvSpPr>
+          <p:nvPr>
+            <p:ph type="pic" sz="quarter" idx="16"/>
+          </p:nvPr>
+        </p:nvSpPr>
+        <p:spPr/>
       </p:sp>
     </p:spTree>
     <p:extLst>
       <p:ext uri="{BB962C8B-B14F-4D97-AF65-F5344CB8AC3E}">
-        <p14:creationId xmlns:p14="http://schemas.microsoft.com/office/powerpoint/2010/main" val="1000253467"/>
+        <p14:creationId xmlns:p14="http://schemas.microsoft.com/office/powerpoint/2010/main" val="3371995189"/>
       </p:ext>
     </p:extLst>
   </p:cSld>
   <p:clrMapOvr>
     <a:masterClrMapping/>
   </p:clrMapOvr>
-  <p:timing>
-    <p:tnLst>
-      <p:par>
-        <p:cTn id="1" dur="indefinite" restart="never" nodeType="tmRoot"/>
-      </p:par>
-    </p:tnLst>
-  </p:timing>
 </p:sld>
 </file>
 
@@ -17894,47 +17864,252 @@
           <a:lstStyle/>
           <a:p>
             <a:r>
-              <a:rPr lang="en-US" sz="2000" dirty="0" smtClean="0"/>
-              <a:t>Project Flow</a:t>
-            </a:r>
-            <a:endParaRPr lang="en-IN" sz="2000" dirty="0"/>
+              <a:rPr lang="en-US" sz="2000" dirty="0">
+                <a:latin typeface="+mn-lt"/>
+              </a:rPr>
+              <a:t>Customer Requirements</a:t>
+            </a:r>
+            <a:endParaRPr lang="en-IN" sz="2000" dirty="0">
+              <a:latin typeface="+mn-lt"/>
+            </a:endParaRPr>
           </a:p>
         </p:txBody>
       </p:sp>
-      <p:pic>
-        <p:nvPicPr>
-          <p:cNvPr id="7" name="Picture 6"/>
-          <p:cNvPicPr>
-            <a:picLocks noChangeAspect="1"/>
-          </p:cNvPicPr>
-          <p:nvPr/>
-        </p:nvPicPr>
-        <p:blipFill>
-          <a:blip r:embed="rId2">
-            <a:extLst>
-              <a:ext uri="{28A0092B-C50C-407E-A947-70E740481C1C}">
-                <a14:useLocalDpi xmlns:a14="http://schemas.microsoft.com/office/drawing/2010/main" val="0"/>
-              </a:ext>
-            </a:extLst>
-          </a:blip>
-          <a:stretch>
-            <a:fillRect/>
-          </a:stretch>
-        </p:blipFill>
+      <p:sp>
+        <p:nvSpPr>
+          <p:cNvPr id="5" name="Text Placeholder 4"/>
+          <p:cNvSpPr>
+            <a:spLocks noGrp="1"/>
+          </p:cNvSpPr>
+          <p:nvPr>
+            <p:ph type="body" sz="quarter" idx="15"/>
+          </p:nvPr>
+        </p:nvSpPr>
         <p:spPr>
           <a:xfrm>
-            <a:off x="904875" y="1371599"/>
-            <a:ext cx="7334250" cy="4633415"/>
+            <a:off x="868680" y="887104"/>
+            <a:ext cx="7620228" cy="4782013"/>
           </a:xfrm>
-          <a:prstGeom prst="rect">
-            <a:avLst/>
-          </a:prstGeom>
         </p:spPr>
-      </p:pic>
+        <p:txBody>
+          <a:bodyPr/>
+          <a:lstStyle/>
+          <a:p>
+            <a:pPr marL="0" indent="0">
+              <a:spcAft>
+                <a:spcPts val="600"/>
+              </a:spcAft>
+              <a:buNone/>
+            </a:pPr>
+            <a:r>
+              <a:rPr lang="en-IN" sz="1800" b="1" dirty="0" smtClean="0">
+                <a:latin typeface="Calibri" panose="020F0502020204030204" pitchFamily="34" charset="0"/>
+                <a:cs typeface="Calibri" panose="020F0502020204030204" pitchFamily="34" charset="0"/>
+              </a:rPr>
+              <a:t>UI </a:t>
+            </a:r>
+            <a:r>
+              <a:rPr lang="en-IN" sz="1800" b="1" dirty="0">
+                <a:latin typeface="Calibri" panose="020F0502020204030204" pitchFamily="34" charset="0"/>
+                <a:cs typeface="Calibri" panose="020F0502020204030204" pitchFamily="34" charset="0"/>
+              </a:rPr>
+              <a:t>:</a:t>
+            </a:r>
+          </a:p>
+          <a:p>
+            <a:pPr marL="0" indent="0">
+              <a:spcAft>
+                <a:spcPts val="600"/>
+              </a:spcAft>
+              <a:buNone/>
+            </a:pPr>
+            <a:r>
+              <a:rPr lang="en-IN" sz="1800" dirty="0" smtClean="0">
+                <a:latin typeface="Calibri" panose="020F0502020204030204" pitchFamily="34" charset="0"/>
+                <a:cs typeface="Calibri" panose="020F0502020204030204" pitchFamily="34" charset="0"/>
+              </a:rPr>
+              <a:t>UI </a:t>
+            </a:r>
+            <a:r>
+              <a:rPr lang="en-IN" sz="1800" dirty="0">
+                <a:latin typeface="Calibri" panose="020F0502020204030204" pitchFamily="34" charset="0"/>
+                <a:cs typeface="Calibri" panose="020F0502020204030204" pitchFamily="34" charset="0"/>
+              </a:rPr>
+              <a:t>for different role based app modules e.g. Driver, Employee and Admin for smartphone supporting all screen sizes </a:t>
+            </a:r>
+            <a:endParaRPr lang="en-IN" sz="1800" dirty="0" smtClean="0">
+              <a:latin typeface="Calibri" panose="020F0502020204030204" pitchFamily="34" charset="0"/>
+              <a:cs typeface="Calibri" panose="020F0502020204030204" pitchFamily="34" charset="0"/>
+            </a:endParaRPr>
+          </a:p>
+          <a:p>
+            <a:pPr marL="0" indent="0">
+              <a:spcAft>
+                <a:spcPts val="600"/>
+              </a:spcAft>
+              <a:buNone/>
+            </a:pPr>
+            <a:r>
+              <a:rPr lang="en-IN" sz="1800" b="1" dirty="0" smtClean="0">
+                <a:latin typeface="Calibri" panose="020F0502020204030204" pitchFamily="34" charset="0"/>
+                <a:cs typeface="Calibri" panose="020F0502020204030204" pitchFamily="34" charset="0"/>
+              </a:rPr>
+              <a:t>Functionalities </a:t>
+            </a:r>
+            <a:r>
+              <a:rPr lang="en-IN" sz="1800" b="1" dirty="0">
+                <a:latin typeface="Calibri" panose="020F0502020204030204" pitchFamily="34" charset="0"/>
+                <a:cs typeface="Calibri" panose="020F0502020204030204" pitchFamily="34" charset="0"/>
+              </a:rPr>
+              <a:t>:</a:t>
+            </a:r>
+          </a:p>
+          <a:p>
+            <a:pPr marL="285750" lvl="0" indent="-285750">
+              <a:spcBef>
+                <a:spcPct val="20000"/>
+              </a:spcBef>
+              <a:buFont typeface="Arial" panose="020B0604020202020204" pitchFamily="34" charset="0"/>
+              <a:buChar char="•"/>
+            </a:pPr>
+            <a:r>
+              <a:rPr lang="en-US" sz="1800" dirty="0">
+                <a:solidFill>
+                  <a:schemeClr val="tx1"/>
+                </a:solidFill>
+                <a:latin typeface="Calibri" panose="020F0502020204030204" pitchFamily="34" charset="0"/>
+                <a:cs typeface="Calibri" panose="020F0502020204030204" pitchFamily="34" charset="0"/>
+              </a:rPr>
+              <a:t>UI  for three different role ( Admin, Driver, Employee) with supporting multiple screen sizes</a:t>
+            </a:r>
+          </a:p>
+          <a:p>
+            <a:pPr marL="285750" indent="-285750">
+              <a:spcBef>
+                <a:spcPct val="20000"/>
+              </a:spcBef>
+              <a:buFont typeface="Arial" panose="020B0604020202020204" pitchFamily="34" charset="0"/>
+              <a:buChar char="•"/>
+            </a:pPr>
+            <a:r>
+              <a:rPr lang="en-US" sz="1800" dirty="0">
+                <a:solidFill>
+                  <a:schemeClr val="tx1"/>
+                </a:solidFill>
+                <a:latin typeface="Calibri" panose="020F0502020204030204" pitchFamily="34" charset="0"/>
+                <a:cs typeface="Calibri" panose="020F0502020204030204" pitchFamily="34" charset="0"/>
+              </a:rPr>
+              <a:t>Log in, Registration, settings and Check-in and Check-out  functionalities</a:t>
+            </a:r>
+          </a:p>
+          <a:p>
+            <a:pPr marL="285750" indent="-285750">
+              <a:spcBef>
+                <a:spcPct val="20000"/>
+              </a:spcBef>
+              <a:buFont typeface="Arial" panose="020B0604020202020204" pitchFamily="34" charset="0"/>
+              <a:buChar char="•"/>
+            </a:pPr>
+            <a:r>
+              <a:rPr lang="en-US" sz="1800" dirty="0">
+                <a:solidFill>
+                  <a:schemeClr val="tx1"/>
+                </a:solidFill>
+                <a:latin typeface="Calibri" panose="020F0502020204030204" pitchFamily="34" charset="0"/>
+                <a:cs typeface="Calibri" panose="020F0502020204030204" pitchFamily="34" charset="0"/>
+              </a:rPr>
+              <a:t>Cab monitoring &amp; Google map</a:t>
+            </a:r>
+          </a:p>
+          <a:p>
+            <a:pPr marL="285750" lvl="0" indent="-285750">
+              <a:spcBef>
+                <a:spcPct val="20000"/>
+              </a:spcBef>
+              <a:buFont typeface="Arial" panose="020B0604020202020204" pitchFamily="34" charset="0"/>
+              <a:buChar char="•"/>
+            </a:pPr>
+            <a:r>
+              <a:rPr lang="en-US" sz="1800" dirty="0">
+                <a:solidFill>
+                  <a:schemeClr val="tx1"/>
+                </a:solidFill>
+                <a:latin typeface="Calibri" panose="020F0502020204030204" pitchFamily="34" charset="0"/>
+                <a:cs typeface="Calibri" panose="020F0502020204030204" pitchFamily="34" charset="0"/>
+              </a:rPr>
+              <a:t>Call and SMS service </a:t>
+            </a:r>
+          </a:p>
+          <a:p>
+            <a:pPr marL="285750" lvl="0" indent="-285750">
+              <a:spcBef>
+                <a:spcPct val="20000"/>
+              </a:spcBef>
+              <a:buFont typeface="Arial" panose="020B0604020202020204" pitchFamily="34" charset="0"/>
+              <a:buChar char="•"/>
+            </a:pPr>
+            <a:r>
+              <a:rPr lang="en-US" sz="1800" dirty="0">
+                <a:solidFill>
+                  <a:schemeClr val="tx1"/>
+                </a:solidFill>
+                <a:latin typeface="Calibri" panose="020F0502020204030204" pitchFamily="34" charset="0"/>
+                <a:cs typeface="Calibri" panose="020F0502020204030204" pitchFamily="34" charset="0"/>
+              </a:rPr>
+              <a:t>SOS (Emergency Button) </a:t>
+            </a:r>
+          </a:p>
+          <a:p>
+            <a:pPr marL="285750" lvl="0" indent="-285750">
+              <a:spcBef>
+                <a:spcPct val="20000"/>
+              </a:spcBef>
+              <a:buFont typeface="Arial" panose="020B0604020202020204" pitchFamily="34" charset="0"/>
+              <a:buChar char="•"/>
+            </a:pPr>
+            <a:r>
+              <a:rPr lang="en-US" sz="1800" dirty="0">
+                <a:latin typeface="Calibri" panose="020F0502020204030204" pitchFamily="34" charset="0"/>
+                <a:cs typeface="Calibri" panose="020F0502020204030204" pitchFamily="34" charset="0"/>
+              </a:rPr>
+              <a:t>Web service Integration in  the application</a:t>
+            </a:r>
+            <a:endParaRPr lang="en-US" sz="1800" dirty="0">
+              <a:solidFill>
+                <a:schemeClr val="tx1"/>
+              </a:solidFill>
+              <a:latin typeface="Calibri" panose="020F0502020204030204" pitchFamily="34" charset="0"/>
+              <a:cs typeface="Calibri" panose="020F0502020204030204" pitchFamily="34" charset="0"/>
+            </a:endParaRPr>
+          </a:p>
+          <a:p>
+            <a:pPr marL="285750" indent="-285750">
+              <a:spcBef>
+                <a:spcPct val="20000"/>
+              </a:spcBef>
+              <a:buFont typeface="Arial" panose="020B0604020202020204" pitchFamily="34" charset="0"/>
+              <a:buChar char="•"/>
+            </a:pPr>
+            <a:r>
+              <a:rPr lang="en-US" sz="1800" dirty="0">
+                <a:latin typeface="Calibri" panose="020F0502020204030204" pitchFamily="34" charset="0"/>
+                <a:cs typeface="Calibri" panose="020F0502020204030204" pitchFamily="34" charset="0"/>
+              </a:rPr>
+              <a:t>Export reports in excel format</a:t>
+            </a:r>
+          </a:p>
+          <a:p>
+            <a:endParaRPr lang="en-IN" dirty="0">
+              <a:latin typeface="Calibri" panose="020F0502020204030204" pitchFamily="34" charset="0"/>
+              <a:cs typeface="Calibri" panose="020F0502020204030204" pitchFamily="34" charset="0"/>
+            </a:endParaRPr>
+          </a:p>
+        </p:txBody>
+      </p:sp>
     </p:spTree>
     <p:extLst>
       <p:ext uri="{BB962C8B-B14F-4D97-AF65-F5344CB8AC3E}">
-        <p14:creationId xmlns:p14="http://schemas.microsoft.com/office/powerpoint/2010/main" val="787399331"/>
+        <p14:creationId xmlns:p14="http://schemas.microsoft.com/office/powerpoint/2010/main" val="1000253467"/>
       </p:ext>
     </p:extLst>
   </p:cSld>

--- a/trunk/EasiCab/Documents/EASiCab_POC_kick off.pptx
+++ b/trunk/EasiCab/Documents/EASiCab_POC_kick off.pptx
@@ -5,10 +5,10 @@
     <p:sldMasterId id="2147483648" r:id="rId1"/>
   </p:sldMasterIdLst>
   <p:notesMasterIdLst>
-    <p:notesMasterId r:id="rId25"/>
+    <p:notesMasterId r:id="rId26"/>
   </p:notesMasterIdLst>
   <p:handoutMasterIdLst>
-    <p:handoutMasterId r:id="rId26"/>
+    <p:handoutMasterId r:id="rId27"/>
   </p:handoutMasterIdLst>
   <p:sldIdLst>
     <p:sldId id="259" r:id="rId2"/>
@@ -33,7 +33,8 @@
     <p:sldId id="287" r:id="rId21"/>
     <p:sldId id="288" r:id="rId22"/>
     <p:sldId id="290" r:id="rId23"/>
-    <p:sldId id="268" r:id="rId24"/>
+    <p:sldId id="293" r:id="rId24"/>
+    <p:sldId id="268" r:id="rId25"/>
   </p:sldIdLst>
   <p:sldSz cx="9144000" cy="6858000" type="screen4x3"/>
   <p:notesSz cx="6858000" cy="9144000"/>
@@ -243,7 +244,7 @@
           <a:p>
             <a:fld id="{10547AE1-0D1D-3A4D-8566-358FA96FF472}" type="datetimeFigureOut">
               <a:rPr lang="en-US" smtClean="0"/>
-              <a:t>8/1/2016</a:t>
+              <a:t>8/2/2016</a:t>
             </a:fld>
             <a:endParaRPr lang="en-US"/>
           </a:p>
@@ -409,7 +410,7 @@
           <a:p>
             <a:fld id="{555608FB-558C-E448-AAE5-74BFB92C58FE}" type="datetimeFigureOut">
               <a:rPr lang="en-US" smtClean="0"/>
-              <a:t>8/1/2016</a:t>
+              <a:t>8/2/2016</a:t>
             </a:fld>
             <a:endParaRPr lang="en-US"/>
           </a:p>
@@ -7780,7 +7781,7 @@
       </p:sp>
       <p:pic>
         <p:nvPicPr>
-          <p:cNvPr id="7" name="Picture 6"/>
+          <p:cNvPr id="5" name="Picture 4"/>
           <p:cNvPicPr>
             <a:picLocks noChangeAspect="1"/>
           </p:cNvPicPr>
@@ -7800,8 +7801,8 @@
         </p:blipFill>
         <p:spPr>
           <a:xfrm>
-            <a:off x="904875" y="1371599"/>
-            <a:ext cx="7334250" cy="4633415"/>
+            <a:off x="777922" y="1110727"/>
+            <a:ext cx="7738281" cy="4989822"/>
           </a:xfrm>
           <a:prstGeom prst="rect">
             <a:avLst/>
@@ -8453,14 +8454,7 @@
                   <a:latin typeface="Calibri" panose="020F0502020204030204" pitchFamily="34" charset="0"/>
                   <a:cs typeface="Calibri" panose="020F0502020204030204" pitchFamily="34" charset="0"/>
                 </a:rPr>
-                <a:t> </a:t>
-              </a:r>
-              <a:r>
-                <a:rPr lang="en-US" sz="1600" dirty="0" smtClean="0">
-                  <a:latin typeface="Calibri" panose="020F0502020204030204" pitchFamily="34" charset="0"/>
-                  <a:cs typeface="Calibri" panose="020F0502020204030204" pitchFamily="34" charset="0"/>
-                </a:rPr>
-                <a:t>Requirement gathering</a:t>
+                <a:t> Requirement gathering</a:t>
               </a:r>
             </a:p>
             <a:p>
@@ -8483,10 +8477,6 @@
                 </a:rPr>
                 <a:t>Create UI/UX design flow &amp;  document</a:t>
               </a:r>
-              <a:endParaRPr lang="en-US" sz="1600" dirty="0" smtClean="0">
-                <a:latin typeface="Calibri" panose="020F0502020204030204" pitchFamily="34" charset="0"/>
-                <a:cs typeface="Calibri" panose="020F0502020204030204" pitchFamily="34" charset="0"/>
-              </a:endParaRPr>
             </a:p>
             <a:p>
               <a:pPr marL="114300" lvl="2" indent="-57150" algn="l" defTabSz="444500">
@@ -8506,19 +8496,8 @@
                   <a:latin typeface="Calibri" panose="020F0502020204030204" pitchFamily="34" charset="0"/>
                   <a:cs typeface="Calibri" panose="020F0502020204030204" pitchFamily="34" charset="0"/>
                 </a:rPr>
-                <a:t> Create effort </a:t>
+                <a:t> Create effort estimation of version 1 &amp; 2</a:t>
               </a:r>
-              <a:r>
-                <a:rPr lang="en-US" sz="1600" dirty="0" smtClean="0">
-                  <a:latin typeface="Calibri" panose="020F0502020204030204" pitchFamily="34" charset="0"/>
-                  <a:cs typeface="Calibri" panose="020F0502020204030204" pitchFamily="34" charset="0"/>
-                </a:rPr>
-                <a:t>estimation of version 1 &amp; 2</a:t>
-              </a:r>
-              <a:endParaRPr lang="en-US" sz="1600" dirty="0" smtClean="0">
-                <a:latin typeface="Calibri" panose="020F0502020204030204" pitchFamily="34" charset="0"/>
-                <a:cs typeface="Calibri" panose="020F0502020204030204" pitchFamily="34" charset="0"/>
-              </a:endParaRPr>
             </a:p>
             <a:p>
               <a:pPr marL="114300" lvl="2" indent="-57150" algn="l" defTabSz="444500">
@@ -8687,27 +8666,7 @@
                   <a:latin typeface="Calibri" panose="020F0502020204030204" pitchFamily="34" charset="0"/>
                   <a:cs typeface="Calibri" panose="020F0502020204030204" pitchFamily="34" charset="0"/>
                 </a:rPr>
-                <a:t> Study </a:t>
-              </a:r>
-              <a:r>
-                <a:rPr lang="en-US" sz="1600" kern="1200" dirty="0" smtClean="0">
-                  <a:solidFill>
-                    <a:schemeClr val="tx1"/>
-                  </a:solidFill>
-                  <a:latin typeface="Calibri" panose="020F0502020204030204" pitchFamily="34" charset="0"/>
-                  <a:cs typeface="Calibri" panose="020F0502020204030204" pitchFamily="34" charset="0"/>
-                </a:rPr>
-                <a:t>of requirements </a:t>
-              </a:r>
-              <a:r>
-                <a:rPr lang="en-US" sz="1600" kern="1200" dirty="0" smtClean="0">
-                  <a:solidFill>
-                    <a:schemeClr val="tx1"/>
-                  </a:solidFill>
-                  <a:latin typeface="Calibri" panose="020F0502020204030204" pitchFamily="34" charset="0"/>
-                  <a:cs typeface="Calibri" panose="020F0502020204030204" pitchFamily="34" charset="0"/>
-                </a:rPr>
-                <a:t>spec</a:t>
+                <a:t> Study of requirements spec</a:t>
               </a:r>
             </a:p>
             <a:p>
@@ -8846,17 +8805,7 @@
                   <a:latin typeface="Calibri" panose="020F0502020204030204" pitchFamily="34" charset="0"/>
                   <a:cs typeface="Calibri" panose="020F0502020204030204" pitchFamily="34" charset="0"/>
                 </a:rPr>
-                <a:t>Create </a:t>
-              </a:r>
-              <a:r>
-                <a:rPr lang="en-US" sz="1600" kern="1200" dirty="0" smtClean="0">
-                  <a:solidFill>
-                    <a:schemeClr val="tx1"/>
-                  </a:solidFill>
-                  <a:latin typeface="Calibri" panose="020F0502020204030204" pitchFamily="34" charset="0"/>
-                  <a:cs typeface="Calibri" panose="020F0502020204030204" pitchFamily="34" charset="0"/>
-                </a:rPr>
-                <a:t>Checklist for internal review</a:t>
+                <a:t>Create Checklist for internal review</a:t>
               </a:r>
             </a:p>
             <a:p>
@@ -8880,25 +8829,8 @@
                   <a:latin typeface="Calibri" panose="020F0502020204030204" pitchFamily="34" charset="0"/>
                   <a:cs typeface="Calibri" panose="020F0502020204030204" pitchFamily="34" charset="0"/>
                 </a:rPr>
-                <a:t> </a:t>
+                <a:t> Create user manual guide</a:t>
               </a:r>
-              <a:r>
-                <a:rPr lang="en-US" sz="1600" dirty="0" smtClean="0">
-                  <a:solidFill>
-                    <a:schemeClr val="tx1"/>
-                  </a:solidFill>
-                  <a:latin typeface="Calibri" panose="020F0502020204030204" pitchFamily="34" charset="0"/>
-                  <a:cs typeface="Calibri" panose="020F0502020204030204" pitchFamily="34" charset="0"/>
-                </a:rPr>
-                <a:t>Create user manual guide</a:t>
-              </a:r>
-              <a:endParaRPr lang="en-US" sz="1600" dirty="0" smtClean="0">
-                <a:solidFill>
-                  <a:schemeClr val="tx1"/>
-                </a:solidFill>
-                <a:latin typeface="Calibri" panose="020F0502020204030204" pitchFamily="34" charset="0"/>
-                <a:cs typeface="Calibri" panose="020F0502020204030204" pitchFamily="34" charset="0"/>
-              </a:endParaRPr>
             </a:p>
           </p:txBody>
         </p:sp>
@@ -9167,19 +9099,8 @@
                   <a:latin typeface="Calibri" panose="020F0502020204030204" pitchFamily="34" charset="0"/>
                   <a:cs typeface="Calibri" panose="020F0502020204030204" pitchFamily="34" charset="0"/>
                 </a:rPr>
-                <a:t>Create Review log for all </a:t>
+                <a:t>Create Review log for all files</a:t>
               </a:r>
-              <a:r>
-                <a:rPr lang="en-US" sz="1600" kern="1200" dirty="0" smtClean="0">
-                  <a:latin typeface="Calibri" panose="020F0502020204030204" pitchFamily="34" charset="0"/>
-                  <a:cs typeface="Calibri" panose="020F0502020204030204" pitchFamily="34" charset="0"/>
-                </a:rPr>
-                <a:t>files</a:t>
-              </a:r>
-              <a:endParaRPr lang="en-US" sz="1600" kern="1200" dirty="0" smtClean="0">
-                <a:latin typeface="Calibri" panose="020F0502020204030204" pitchFamily="34" charset="0"/>
-                <a:cs typeface="Calibri" panose="020F0502020204030204" pitchFamily="34" charset="0"/>
-              </a:endParaRPr>
             </a:p>
             <a:p>
               <a:pPr marL="114300" lvl="2" indent="-57150" algn="l" defTabSz="444500">
@@ -9852,7 +9773,7 @@
         </p:nvGraphicFramePr>
         <p:xfrm>
           <a:off x="846160" y="1182804"/>
-          <a:ext cx="7889542" cy="4918448"/>
+          <a:ext cx="7889542" cy="4955532"/>
         </p:xfrm>
         <a:graphic>
           <a:graphicData uri="http://schemas.openxmlformats.org/drawingml/2006/table">
@@ -10828,14 +10749,7 @@
                 <a:latin typeface="Calibri" panose="020F0502020204030204" pitchFamily="34" charset="0"/>
                 <a:cs typeface="Calibri" panose="020F0502020204030204" pitchFamily="34" charset="0"/>
               </a:rPr>
-              <a:t>Simulator –                         For application </a:t>
-            </a:r>
-            <a:r>
-              <a:rPr lang="en-US" sz="1800" dirty="0" smtClean="0">
-                <a:latin typeface="Calibri" panose="020F0502020204030204" pitchFamily="34" charset="0"/>
-                <a:cs typeface="Calibri" panose="020F0502020204030204" pitchFamily="34" charset="0"/>
-              </a:rPr>
-              <a:t>Testing</a:t>
+              <a:t>Simulator –                         For application Testing</a:t>
             </a:r>
           </a:p>
           <a:p>
@@ -10932,14 +10846,7 @@
                 <a:latin typeface="Calibri" panose="020F0502020204030204" pitchFamily="34" charset="0"/>
                 <a:cs typeface="Calibri" panose="020F0502020204030204" pitchFamily="34" charset="0"/>
               </a:rPr>
-              <a:t>Android </a:t>
-            </a:r>
-            <a:r>
-              <a:rPr lang="en-US" sz="1800" dirty="0" smtClean="0">
-                <a:latin typeface="Calibri" panose="020F0502020204030204" pitchFamily="34" charset="0"/>
-                <a:cs typeface="Calibri" panose="020F0502020204030204" pitchFamily="34" charset="0"/>
-              </a:rPr>
-              <a:t>devices</a:t>
+              <a:t>Android devices</a:t>
             </a:r>
           </a:p>
           <a:p>
@@ -10978,40 +10885,8 @@
                 <a:latin typeface="Calibri" panose="020F0502020204030204" pitchFamily="34" charset="0"/>
                 <a:cs typeface="Calibri" panose="020F0502020204030204" pitchFamily="34" charset="0"/>
               </a:rPr>
-              <a:t>Android </a:t>
-            </a:r>
-            <a:r>
-              <a:rPr lang="en-US" sz="1800" dirty="0" smtClean="0">
-                <a:latin typeface="Calibri" panose="020F0502020204030204" pitchFamily="34" charset="0"/>
-                <a:cs typeface="Calibri" panose="020F0502020204030204" pitchFamily="34" charset="0"/>
-              </a:rPr>
-              <a:t>Developer engineer –       </a:t>
-            </a:r>
-            <a:r>
-              <a:rPr lang="en-US" sz="1800" dirty="0" err="1" smtClean="0">
-                <a:latin typeface="Calibri" panose="020F0502020204030204" pitchFamily="34" charset="0"/>
-                <a:cs typeface="Calibri" panose="020F0502020204030204" pitchFamily="34" charset="0"/>
-              </a:rPr>
-              <a:t>Subhalaxmi</a:t>
-            </a:r>
-            <a:r>
-              <a:rPr lang="en-US" sz="1800" dirty="0" smtClean="0">
-                <a:latin typeface="Calibri" panose="020F0502020204030204" pitchFamily="34" charset="0"/>
-                <a:cs typeface="Calibri" panose="020F0502020204030204" pitchFamily="34" charset="0"/>
-              </a:rPr>
-              <a:t>, </a:t>
-            </a:r>
-            <a:r>
-              <a:rPr lang="en-US" sz="1800" dirty="0" err="1" smtClean="0">
-                <a:latin typeface="Calibri" panose="020F0502020204030204" pitchFamily="34" charset="0"/>
-                <a:cs typeface="Calibri" panose="020F0502020204030204" pitchFamily="34" charset="0"/>
-              </a:rPr>
-              <a:t>Nitesh</a:t>
-            </a:r>
-            <a:endParaRPr lang="en-US" sz="1800" dirty="0" smtClean="0">
-              <a:latin typeface="Calibri" panose="020F0502020204030204" pitchFamily="34" charset="0"/>
-              <a:cs typeface="Calibri" panose="020F0502020204030204" pitchFamily="34" charset="0"/>
-            </a:endParaRPr>
+              <a:t>Android Developer engineer –       Subhalaxmi, Nitesh</a:t>
+            </a:r>
           </a:p>
           <a:p>
             <a:pPr marL="285750" indent="-285750">
@@ -11023,19 +10898,8 @@
                 <a:latin typeface="Calibri" panose="020F0502020204030204" pitchFamily="34" charset="0"/>
                 <a:cs typeface="Calibri" panose="020F0502020204030204" pitchFamily="34" charset="0"/>
               </a:rPr>
-              <a:t>iOS Developer engineer -                </a:t>
-            </a:r>
-            <a:r>
-              <a:rPr lang="en-US" sz="1800" dirty="0" err="1" smtClean="0">
-                <a:latin typeface="Calibri" panose="020F0502020204030204" pitchFamily="34" charset="0"/>
-                <a:cs typeface="Calibri" panose="020F0502020204030204" pitchFamily="34" charset="0"/>
-              </a:rPr>
-              <a:t>Rohit</a:t>
-            </a:r>
-            <a:endParaRPr lang="en-US" sz="1800" dirty="0" smtClean="0">
-              <a:latin typeface="Calibri" panose="020F0502020204030204" pitchFamily="34" charset="0"/>
-              <a:cs typeface="Calibri" panose="020F0502020204030204" pitchFamily="34" charset="0"/>
-            </a:endParaRPr>
+              <a:t>iOS Developer engineer -                 Rohit</a:t>
+            </a:r>
           </a:p>
         </p:txBody>
       </p:sp>
@@ -11593,7 +11457,7 @@
         <p:spPr>
           <a:xfrm>
             <a:off x="859808" y="954200"/>
-            <a:ext cx="7966887" cy="3677930"/>
+            <a:ext cx="7966887" cy="3323987"/>
           </a:xfrm>
           <a:prstGeom prst="rect">
             <a:avLst/>
@@ -11616,14 +11480,7 @@
                 <a:latin typeface="Calibri" panose="020F0502020204030204" pitchFamily="34" charset="0"/>
                 <a:cs typeface="Calibri" panose="020F0502020204030204" pitchFamily="34" charset="0"/>
               </a:rPr>
-              <a:t>Phase 1 </a:t>
-            </a:r>
-            <a:r>
-              <a:rPr lang="en-US" sz="1800" b="1" dirty="0" smtClean="0">
-                <a:latin typeface="Calibri" panose="020F0502020204030204" pitchFamily="34" charset="0"/>
-                <a:cs typeface="Calibri" panose="020F0502020204030204" pitchFamily="34" charset="0"/>
-              </a:rPr>
-              <a:t>:</a:t>
+              <a:t>Phase 1 :</a:t>
             </a:r>
           </a:p>
           <a:p>
@@ -11639,7 +11496,7 @@
                 <a:latin typeface="Calibri" panose="020F0502020204030204" pitchFamily="34" charset="0"/>
                 <a:cs typeface="Calibri" panose="020F0502020204030204" pitchFamily="34" charset="0"/>
               </a:rPr>
-              <a:t>We will be working on the local database(android preferences) inside mobile till web service is ready</a:t>
+              <a:t>We will work on the local database(android preferences) inside mobile till web service is ready</a:t>
             </a:r>
           </a:p>
           <a:p>
@@ -11692,32 +11549,36 @@
               <a:buChar char="•"/>
             </a:pPr>
             <a:r>
-              <a:rPr lang="en-US" sz="1800" dirty="0">
-                <a:latin typeface="Calibri" panose="020F0502020204030204" pitchFamily="34" charset="0"/>
-                <a:cs typeface="Calibri" panose="020F0502020204030204" pitchFamily="34" charset="0"/>
-              </a:rPr>
-              <a:t>We will be working on the local </a:t>
-            </a:r>
-            <a:r>
               <a:rPr lang="en-US" sz="1800" dirty="0" smtClean="0">
                 <a:latin typeface="Calibri" panose="020F0502020204030204" pitchFamily="34" charset="0"/>
                 <a:cs typeface="Calibri" panose="020F0502020204030204" pitchFamily="34" charset="0"/>
               </a:rPr>
-              <a:t>host inside </a:t>
-            </a:r>
-            <a:r>
-              <a:rPr lang="en-US" sz="1800" dirty="0">
+              <a:t>For iOS mobile application, we’ll be using the simulator for debugging, as we don’t have the apple developer membership (account) for profiles and certificates for testing in the real device</a:t>
+            </a:r>
+            <a:endParaRPr lang="en-US" sz="1800" dirty="0">
+              <a:latin typeface="Calibri" panose="020F0502020204030204" pitchFamily="34" charset="0"/>
+              <a:cs typeface="Calibri" panose="020F0502020204030204" pitchFamily="34" charset="0"/>
+            </a:endParaRPr>
+          </a:p>
+          <a:p>
+            <a:pPr lvl="0">
+              <a:spcAft>
+                <a:spcPts val="600"/>
+              </a:spcAft>
+            </a:pPr>
+            <a:r>
+              <a:rPr lang="en-US" sz="1800" b="1" dirty="0">
                 <a:latin typeface="Calibri" panose="020F0502020204030204" pitchFamily="34" charset="0"/>
                 <a:cs typeface="Calibri" panose="020F0502020204030204" pitchFamily="34" charset="0"/>
               </a:rPr>
-              <a:t>mobile till web service is </a:t>
-            </a:r>
-            <a:r>
-              <a:rPr lang="en-US" sz="1800" dirty="0" smtClean="0">
+              <a:t>Phase 3 </a:t>
+            </a:r>
+            <a:r>
+              <a:rPr lang="en-US" sz="1800" b="1" dirty="0" smtClean="0">
                 <a:latin typeface="Calibri" panose="020F0502020204030204" pitchFamily="34" charset="0"/>
                 <a:cs typeface="Calibri" panose="020F0502020204030204" pitchFamily="34" charset="0"/>
               </a:rPr>
-              <a:t>ready</a:t>
+              <a:t>:</a:t>
             </a:r>
           </a:p>
           <a:p>
@@ -11733,62 +11594,7 @@
                 <a:latin typeface="Calibri" panose="020F0502020204030204" pitchFamily="34" charset="0"/>
                 <a:cs typeface="Calibri" panose="020F0502020204030204" pitchFamily="34" charset="0"/>
               </a:rPr>
-              <a:t>For iOS mobile application, we’ll be using the simulator for debugging, as we don’t have the apple developer membership (account) for profiles and certificates for testing in the real device</a:t>
-            </a:r>
-            <a:endParaRPr lang="en-US" sz="1800" dirty="0">
-              <a:latin typeface="Calibri" panose="020F0502020204030204" pitchFamily="34" charset="0"/>
-              <a:cs typeface="Calibri" panose="020F0502020204030204" pitchFamily="34" charset="0"/>
-            </a:endParaRPr>
-          </a:p>
-          <a:p>
-            <a:pPr lvl="0">
-              <a:spcAft>
-                <a:spcPts val="600"/>
-              </a:spcAft>
-            </a:pPr>
-            <a:r>
-              <a:rPr lang="en-US" sz="1800" b="1" dirty="0">
-                <a:latin typeface="Calibri" panose="020F0502020204030204" pitchFamily="34" charset="0"/>
-                <a:cs typeface="Calibri" panose="020F0502020204030204" pitchFamily="34" charset="0"/>
-              </a:rPr>
-              <a:t>Phase 3 </a:t>
-            </a:r>
-            <a:r>
-              <a:rPr lang="en-US" sz="1800" b="1" dirty="0" smtClean="0">
-                <a:latin typeface="Calibri" panose="020F0502020204030204" pitchFamily="34" charset="0"/>
-                <a:cs typeface="Calibri" panose="020F0502020204030204" pitchFamily="34" charset="0"/>
-              </a:rPr>
-              <a:t>:</a:t>
-            </a:r>
-          </a:p>
-          <a:p>
-            <a:pPr marL="285750" indent="-285750">
-              <a:spcAft>
-                <a:spcPts val="600"/>
-              </a:spcAft>
-              <a:buFont typeface="Arial" pitchFamily="34" charset="0"/>
-              <a:buChar char="•"/>
-            </a:pPr>
-            <a:r>
-              <a:rPr lang="en-US" sz="1800" dirty="0" smtClean="0">
-                <a:latin typeface="Calibri" panose="020F0502020204030204" pitchFamily="34" charset="0"/>
-                <a:cs typeface="Calibri" panose="020F0502020204030204" pitchFamily="34" charset="0"/>
-              </a:rPr>
-              <a:t>Publish web service and </a:t>
-            </a:r>
-            <a:r>
-              <a:rPr lang="en-US" sz="1800" dirty="0">
-                <a:latin typeface="Calibri" panose="020F0502020204030204" pitchFamily="34" charset="0"/>
-                <a:cs typeface="Calibri" panose="020F0502020204030204" pitchFamily="34" charset="0"/>
-              </a:rPr>
-              <a:t>the local MySQL </a:t>
-            </a:r>
-            <a:r>
-              <a:rPr lang="en-US" sz="1800" dirty="0" smtClean="0">
-                <a:latin typeface="Calibri" panose="020F0502020204030204" pitchFamily="34" charset="0"/>
-                <a:cs typeface="Calibri" panose="020F0502020204030204" pitchFamily="34" charset="0"/>
-              </a:rPr>
-              <a:t>Database</a:t>
+              <a:t>Publish web service and MySQL Database</a:t>
             </a:r>
             <a:endParaRPr lang="en-US" sz="1800" dirty="0">
               <a:latin typeface="Calibri" panose="020F0502020204030204" pitchFamily="34" charset="0"/>
@@ -12647,16 +12453,7 @@
                           <a:ea typeface="Calibri"/>
                           <a:cs typeface="Calibri" panose="020F0502020204030204" pitchFamily="34" charset="0"/>
                         </a:rPr>
-                        <a:t>Back up Resource will be </a:t>
-                      </a:r>
-                      <a:r>
-                        <a:rPr lang="en-IN" sz="1800" dirty="0" smtClean="0">
-                          <a:effectLst/>
-                          <a:latin typeface="Calibri" panose="020F0502020204030204" pitchFamily="34" charset="0"/>
-                          <a:ea typeface="Calibri"/>
-                          <a:cs typeface="Calibri" panose="020F0502020204030204" pitchFamily="34" charset="0"/>
-                        </a:rPr>
-                        <a:t>used. Internal Training/KT</a:t>
+                        <a:t>Back up Resource will be used. Internal Training/KT</a:t>
                       </a:r>
                       <a:r>
                         <a:rPr lang="en-IN" sz="1800" baseline="0" dirty="0" smtClean="0">
@@ -12676,12 +12473,6 @@
                         </a:rPr>
                         <a:t>in team </a:t>
                       </a:r>
-                      <a:endParaRPr lang="en-IN" sz="1800" dirty="0" smtClean="0">
-                        <a:effectLst/>
-                        <a:latin typeface="Calibri" panose="020F0502020204030204" pitchFamily="34" charset="0"/>
-                        <a:ea typeface="Calibri"/>
-                        <a:cs typeface="Calibri" panose="020F0502020204030204" pitchFamily="34" charset="0"/>
-                      </a:endParaRPr>
                     </a:p>
                   </a:txBody>
                   <a:tcPr marL="68580" marR="68580" marT="0" marB="0" anchor="ctr">
@@ -15703,10 +15494,6 @@
               </a:rPr>
               <a:t>User manual</a:t>
             </a:r>
-            <a:endParaRPr lang="en-IN" sz="1800" dirty="0" smtClean="0">
-              <a:latin typeface="Calibri" panose="020F0502020204030204" pitchFamily="34" charset="0"/>
-              <a:cs typeface="Calibri" panose="020F0502020204030204" pitchFamily="34" charset="0"/>
-            </a:endParaRPr>
           </a:p>
           <a:p>
             <a:pPr marL="285750" indent="-285750">
@@ -15946,6 +15733,112 @@
       </p:grpSpPr>
       <p:sp>
         <p:nvSpPr>
+          <p:cNvPr id="2" name="Slide Number Placeholder 1"/>
+          <p:cNvSpPr>
+            <a:spLocks noGrp="1"/>
+          </p:cNvSpPr>
+          <p:nvPr>
+            <p:ph type="sldNum" sz="quarter" idx="12"/>
+          </p:nvPr>
+        </p:nvSpPr>
+        <p:spPr/>
+        <p:txBody>
+          <a:bodyPr/>
+          <a:lstStyle/>
+          <a:p>
+            <a:fld id="{75D64ABA-DC95-A94B-BCA3-09692F8C9985}" type="slidenum">
+              <a:rPr lang="en-US" smtClean="0"/>
+              <a:t>23</a:t>
+            </a:fld>
+            <a:endParaRPr lang="en-US"/>
+          </a:p>
+        </p:txBody>
+      </p:sp>
+      <p:sp>
+        <p:nvSpPr>
+          <p:cNvPr id="4" name="Title 3"/>
+          <p:cNvSpPr>
+            <a:spLocks noGrp="1"/>
+          </p:cNvSpPr>
+          <p:nvPr>
+            <p:ph type="title"/>
+          </p:nvPr>
+        </p:nvSpPr>
+        <p:spPr/>
+        <p:txBody>
+          <a:bodyPr/>
+          <a:lstStyle/>
+          <a:p>
+            <a:r>
+              <a:rPr lang="en-US" dirty="0" smtClean="0"/>
+              <a:t>How it will work..</a:t>
+            </a:r>
+            <a:endParaRPr lang="en-IN" dirty="0"/>
+          </a:p>
+        </p:txBody>
+      </p:sp>
+      <p:pic>
+        <p:nvPicPr>
+          <p:cNvPr id="8" name="Picture 7"/>
+          <p:cNvPicPr>
+            <a:picLocks noChangeAspect="1"/>
+          </p:cNvPicPr>
+          <p:nvPr/>
+        </p:nvPicPr>
+        <p:blipFill>
+          <a:blip r:embed="rId2">
+            <a:extLst>
+              <a:ext uri="{28A0092B-C50C-407E-A947-70E740481C1C}">
+                <a14:useLocalDpi xmlns:a14="http://schemas.microsoft.com/office/drawing/2010/main" val="0"/>
+              </a:ext>
+            </a:extLst>
+          </a:blip>
+          <a:stretch>
+            <a:fillRect/>
+          </a:stretch>
+        </p:blipFill>
+        <p:spPr>
+          <a:xfrm>
+            <a:off x="859809" y="1214651"/>
+            <a:ext cx="7806519" cy="4817659"/>
+          </a:xfrm>
+          <a:prstGeom prst="rect">
+            <a:avLst/>
+          </a:prstGeom>
+        </p:spPr>
+      </p:pic>
+    </p:spTree>
+    <p:extLst>
+      <p:ext uri="{BB962C8B-B14F-4D97-AF65-F5344CB8AC3E}">
+        <p14:creationId xmlns:p14="http://schemas.microsoft.com/office/powerpoint/2010/main" val="3534956384"/>
+      </p:ext>
+    </p:extLst>
+  </p:cSld>
+  <p:clrMapOvr>
+    <a:masterClrMapping/>
+  </p:clrMapOvr>
+</p:sld>
+</file>
+
+<file path=ppt/slides/slide24.xml><?xml version="1.0" encoding="utf-8"?>
+<p:sld xmlns:a="http://schemas.openxmlformats.org/drawingml/2006/main" xmlns:r="http://schemas.openxmlformats.org/officeDocument/2006/relationships" xmlns:p="http://schemas.openxmlformats.org/presentationml/2006/main">
+  <p:cSld>
+    <p:spTree>
+      <p:nvGrpSpPr>
+        <p:cNvPr id="1" name=""/>
+        <p:cNvGrpSpPr/>
+        <p:nvPr/>
+      </p:nvGrpSpPr>
+      <p:grpSpPr>
+        <a:xfrm>
+          <a:off x="0" y="0"/>
+          <a:ext cx="0" cy="0"/>
+          <a:chOff x="0" y="0"/>
+          <a:chExt cx="0" cy="0"/>
+        </a:xfrm>
+      </p:grpSpPr>
+      <p:sp>
+        <p:nvSpPr>
           <p:cNvPr id="6" name="Title 5"/>
           <p:cNvSpPr>
             <a:spLocks noGrp="1"/>
@@ -15992,7 +15885,7 @@
             <a:fld id="{75D64ABA-DC95-A94B-BCA3-09692F8C9985}" type="slidenum">
               <a:rPr lang="en-US" smtClean="0"/>
               <a:pPr/>
-              <a:t>23</a:t>
+              <a:t>24</a:t>
             </a:fld>
             <a:endParaRPr lang="en-US" dirty="0"/>
           </a:p>
@@ -16331,10 +16224,6 @@
               </a:rPr>
               <a:t> Cab management system plays a vital role for employee in point of safe &amp; secure transportation.  </a:t>
             </a:r>
-            <a:endParaRPr lang="en-US" sz="1800" dirty="0" smtClean="0">
-              <a:latin typeface="Calibri" panose="020F0502020204030204" pitchFamily="34" charset="0"/>
-              <a:cs typeface="Calibri" panose="020F0502020204030204" pitchFamily="34" charset="0"/>
-            </a:endParaRPr>
           </a:p>
           <a:p>
             <a:pPr marL="180571" lvl="3" indent="0" eaLnBrk="0" hangingPunct="0">
@@ -17000,7 +16889,7 @@
         <p:spPr>
           <a:xfrm>
             <a:off x="868680" y="2049780"/>
-            <a:ext cx="4167344" cy="4214542"/>
+            <a:ext cx="4290174" cy="3668632"/>
           </a:xfrm>
         </p:spPr>
         <p:txBody>
@@ -17724,25 +17613,6 @@
       </p:sp>
       <p:sp>
         <p:nvSpPr>
-          <p:cNvPr id="3" name="Text Placeholder 2"/>
-          <p:cNvSpPr>
-            <a:spLocks noGrp="1"/>
-          </p:cNvSpPr>
-          <p:nvPr>
-            <p:ph type="body" sz="quarter" idx="13"/>
-          </p:nvPr>
-        </p:nvSpPr>
-        <p:spPr/>
-        <p:txBody>
-          <a:bodyPr/>
-          <a:lstStyle/>
-          <a:p>
-            <a:endParaRPr lang="en-IN"/>
-          </a:p>
-        </p:txBody>
-      </p:sp>
-      <p:sp>
-        <p:nvSpPr>
           <p:cNvPr id="4" name="Title 3"/>
           <p:cNvSpPr>
             <a:spLocks noGrp="1"/>
@@ -17764,37 +17634,36 @@
           </a:p>
         </p:txBody>
       </p:sp>
-      <p:sp>
-        <p:nvSpPr>
-          <p:cNvPr id="5" name="Text Placeholder 4"/>
-          <p:cNvSpPr>
-            <a:spLocks noGrp="1"/>
-          </p:cNvSpPr>
-          <p:nvPr>
-            <p:ph type="body" sz="quarter" idx="15"/>
-          </p:nvPr>
-        </p:nvSpPr>
-        <p:spPr/>
-        <p:txBody>
-          <a:bodyPr/>
-          <a:lstStyle/>
-          <a:p>
-            <a:endParaRPr lang="en-IN"/>
-          </a:p>
-        </p:txBody>
-      </p:sp>
-      <p:sp>
-        <p:nvSpPr>
-          <p:cNvPr id="6" name="Picture Placeholder 5"/>
-          <p:cNvSpPr>
-            <a:spLocks noGrp="1"/>
-          </p:cNvSpPr>
-          <p:nvPr>
-            <p:ph type="pic" sz="quarter" idx="16"/>
-          </p:nvPr>
-        </p:nvSpPr>
-        <p:spPr/>
-      </p:sp>
+      <p:pic>
+        <p:nvPicPr>
+          <p:cNvPr id="7" name="Picture 6"/>
+          <p:cNvPicPr>
+            <a:picLocks noChangeAspect="1"/>
+          </p:cNvPicPr>
+          <p:nvPr/>
+        </p:nvPicPr>
+        <p:blipFill>
+          <a:blip r:embed="rId2">
+            <a:extLst>
+              <a:ext uri="{28A0092B-C50C-407E-A947-70E740481C1C}">
+                <a14:useLocalDpi xmlns:a14="http://schemas.microsoft.com/office/drawing/2010/main" val="0"/>
+              </a:ext>
+            </a:extLst>
+          </a:blip>
+          <a:stretch>
+            <a:fillRect/>
+          </a:stretch>
+        </p:blipFill>
+        <p:spPr>
+          <a:xfrm>
+            <a:off x="682388" y="947391"/>
+            <a:ext cx="7874758" cy="4963218"/>
+          </a:xfrm>
+          <a:prstGeom prst="rect">
+            <a:avLst/>
+          </a:prstGeom>
+        </p:spPr>
+      </p:pic>
     </p:spTree>
     <p:extLst>
       <p:ext uri="{BB962C8B-B14F-4D97-AF65-F5344CB8AC3E}">

--- a/trunk/EasiCab/Documents/EASiCab_POC_kick off.pptx
+++ b/trunk/EasiCab/Documents/EASiCab_POC_kick off.pptx
@@ -244,7 +244,7 @@
           <a:p>
             <a:fld id="{10547AE1-0D1D-3A4D-8566-358FA96FF472}" type="datetimeFigureOut">
               <a:rPr lang="en-US" smtClean="0"/>
-              <a:t>8/2/2016</a:t>
+              <a:t>8/9/2016</a:t>
             </a:fld>
             <a:endParaRPr lang="en-US"/>
           </a:p>
@@ -410,7 +410,7 @@
           <a:p>
             <a:fld id="{555608FB-558C-E448-AAE5-74BFB92C58FE}" type="datetimeFigureOut">
               <a:rPr lang="en-US" smtClean="0"/>
-              <a:t>8/2/2016</a:t>
+              <a:t>8/9/2016</a:t>
             </a:fld>
             <a:endParaRPr lang="en-US"/>
           </a:p>
@@ -13140,7 +13140,7 @@
         <p:spPr>
           <a:xfrm>
             <a:off x="868679" y="805219"/>
-            <a:ext cx="6146269" cy="5404511"/>
+            <a:ext cx="6146269" cy="6946709"/>
           </a:xfrm>
         </p:spPr>
         <p:txBody>
@@ -13158,7 +13158,7 @@
               <a:buAutoNum type="arabicPeriod"/>
             </a:pPr>
             <a:r>
-              <a:rPr lang="en-US" sz="1800" dirty="0">
+              <a:rPr lang="en-US" sz="1500" dirty="0">
                 <a:latin typeface="Calibri" panose="020F0502020204030204" pitchFamily="34" charset="0"/>
                 <a:cs typeface="Calibri" panose="020F0502020204030204" pitchFamily="34" charset="0"/>
               </a:rPr>
@@ -13177,7 +13177,7 @@
               <a:buAutoNum type="arabicPeriod"/>
             </a:pPr>
             <a:r>
-              <a:rPr lang="en-IN" sz="1800" dirty="0">
+              <a:rPr lang="en-IN" sz="1500" dirty="0">
                 <a:latin typeface="Calibri" panose="020F0502020204030204" pitchFamily="34" charset="0"/>
                 <a:cs typeface="Calibri" panose="020F0502020204030204" pitchFamily="34" charset="0"/>
               </a:rPr>
@@ -13196,11 +13196,18 @@
               <a:buAutoNum type="arabicPeriod"/>
             </a:pPr>
             <a:r>
-              <a:rPr lang="en-IN" sz="1800" dirty="0">
-                <a:latin typeface="Calibri" panose="020F0502020204030204" pitchFamily="34" charset="0"/>
-                <a:cs typeface="Calibri" panose="020F0502020204030204" pitchFamily="34" charset="0"/>
-              </a:rPr>
-              <a:t>Project Description</a:t>
+              <a:rPr lang="en-IN" sz="1500" dirty="0">
+                <a:latin typeface="Calibri" panose="020F0502020204030204" pitchFamily="34" charset="0"/>
+                <a:cs typeface="Calibri" panose="020F0502020204030204" pitchFamily="34" charset="0"/>
+              </a:rPr>
+              <a:t>Project </a:t>
+            </a:r>
+            <a:r>
+              <a:rPr lang="en-IN" sz="1500" dirty="0" smtClean="0">
+                <a:latin typeface="Calibri" panose="020F0502020204030204" pitchFamily="34" charset="0"/>
+                <a:cs typeface="Calibri" panose="020F0502020204030204" pitchFamily="34" charset="0"/>
+              </a:rPr>
+              <a:t>Overview</a:t>
             </a:r>
           </a:p>
           <a:p>
@@ -13215,18 +13222,11 @@
               <a:buAutoNum type="arabicPeriod"/>
             </a:pPr>
             <a:r>
-              <a:rPr lang="en-IN" sz="1800" dirty="0">
-                <a:latin typeface="Calibri" panose="020F0502020204030204" pitchFamily="34" charset="0"/>
-                <a:cs typeface="Calibri" panose="020F0502020204030204" pitchFamily="34" charset="0"/>
-              </a:rPr>
-              <a:t>Customer </a:t>
-            </a:r>
-            <a:r>
-              <a:rPr lang="en-IN" sz="1800" dirty="0" smtClean="0">
-                <a:latin typeface="Calibri" panose="020F0502020204030204" pitchFamily="34" charset="0"/>
-                <a:cs typeface="Calibri" panose="020F0502020204030204" pitchFamily="34" charset="0"/>
-              </a:rPr>
-              <a:t>requirements</a:t>
+              <a:rPr lang="en-US" sz="1500" dirty="0" smtClean="0">
+                <a:latin typeface="Calibri" panose="020F0502020204030204" pitchFamily="34" charset="0"/>
+                <a:cs typeface="Calibri" panose="020F0502020204030204" pitchFamily="34" charset="0"/>
+              </a:rPr>
+              <a:t>Development approach</a:t>
             </a:r>
           </a:p>
           <a:p>
@@ -13241,13 +13241,13 @@
               <a:buAutoNum type="arabicPeriod"/>
             </a:pPr>
             <a:r>
-              <a:rPr lang="en-US" sz="1800" dirty="0" smtClean="0">
-                <a:latin typeface="Calibri" panose="020F0502020204030204" pitchFamily="34" charset="0"/>
-                <a:cs typeface="Calibri" panose="020F0502020204030204" pitchFamily="34" charset="0"/>
-              </a:rPr>
-              <a:t>Project Flow Diagram</a:t>
-            </a:r>
-            <a:endParaRPr lang="en-IN" sz="1800" dirty="0">
+              <a:rPr lang="en-US" sz="1500" dirty="0" smtClean="0">
+                <a:latin typeface="Calibri" panose="020F0502020204030204" pitchFamily="34" charset="0"/>
+                <a:cs typeface="Calibri" panose="020F0502020204030204" pitchFamily="34" charset="0"/>
+              </a:rPr>
+              <a:t>Block Diagram</a:t>
+            </a:r>
+            <a:endParaRPr lang="en-IN" sz="1500" dirty="0">
               <a:latin typeface="Calibri" panose="020F0502020204030204" pitchFamily="34" charset="0"/>
               <a:cs typeface="Calibri" panose="020F0502020204030204" pitchFamily="34" charset="0"/>
             </a:endParaRPr>
@@ -13264,11 +13264,18 @@
               <a:buAutoNum type="arabicPeriod"/>
             </a:pPr>
             <a:r>
-              <a:rPr lang="en-IN" sz="1800" dirty="0">
-                <a:latin typeface="Calibri" panose="020F0502020204030204" pitchFamily="34" charset="0"/>
-                <a:cs typeface="Calibri" panose="020F0502020204030204" pitchFamily="34" charset="0"/>
-              </a:rPr>
-              <a:t>Customer supplied material</a:t>
+              <a:rPr lang="en-IN" sz="1500" dirty="0">
+                <a:latin typeface="Calibri" panose="020F0502020204030204" pitchFamily="34" charset="0"/>
+                <a:cs typeface="Calibri" panose="020F0502020204030204" pitchFamily="34" charset="0"/>
+              </a:rPr>
+              <a:t>Customer </a:t>
+            </a:r>
+            <a:r>
+              <a:rPr lang="en-IN" sz="1500" dirty="0" smtClean="0">
+                <a:latin typeface="Calibri" panose="020F0502020204030204" pitchFamily="34" charset="0"/>
+                <a:cs typeface="Calibri" panose="020F0502020204030204" pitchFamily="34" charset="0"/>
+              </a:rPr>
+              <a:t>requirements</a:t>
             </a:r>
           </a:p>
           <a:p>
@@ -13283,12 +13290,16 @@
               <a:buAutoNum type="arabicPeriod"/>
             </a:pPr>
             <a:r>
-              <a:rPr lang="en-IN" sz="1800" dirty="0">
-                <a:latin typeface="Calibri" panose="020F0502020204030204" pitchFamily="34" charset="0"/>
-                <a:cs typeface="Calibri" panose="020F0502020204030204" pitchFamily="34" charset="0"/>
-              </a:rPr>
-              <a:t>Project Execution approach</a:t>
-            </a:r>
+              <a:rPr lang="en-US" sz="1500" dirty="0" smtClean="0">
+                <a:latin typeface="Calibri" panose="020F0502020204030204" pitchFamily="34" charset="0"/>
+                <a:cs typeface="Calibri" panose="020F0502020204030204" pitchFamily="34" charset="0"/>
+              </a:rPr>
+              <a:t>Project Flow Diagram</a:t>
+            </a:r>
+            <a:endParaRPr lang="en-IN" sz="1500" dirty="0">
+              <a:latin typeface="Calibri" panose="020F0502020204030204" pitchFamily="34" charset="0"/>
+              <a:cs typeface="Calibri" panose="020F0502020204030204" pitchFamily="34" charset="0"/>
+            </a:endParaRPr>
           </a:p>
           <a:p>
             <a:pPr marL="569913" indent="-569913">
@@ -13302,23 +13313,12 @@
               <a:buAutoNum type="arabicPeriod"/>
             </a:pPr>
             <a:r>
-              <a:rPr lang="en-IN" sz="1800" dirty="0">
-                <a:latin typeface="Calibri" panose="020F0502020204030204" pitchFamily="34" charset="0"/>
-                <a:cs typeface="Calibri" panose="020F0502020204030204" pitchFamily="34" charset="0"/>
-              </a:rPr>
-              <a:t>Project </a:t>
-            </a:r>
-            <a:r>
-              <a:rPr lang="en-IN" sz="1800" dirty="0" smtClean="0">
-                <a:latin typeface="Calibri" panose="020F0502020204030204" pitchFamily="34" charset="0"/>
-                <a:cs typeface="Calibri" panose="020F0502020204030204" pitchFamily="34" charset="0"/>
-              </a:rPr>
-              <a:t>plan </a:t>
-            </a:r>
-            <a:endParaRPr lang="en-IN" sz="1800" dirty="0">
-              <a:latin typeface="Calibri" panose="020F0502020204030204" pitchFamily="34" charset="0"/>
-              <a:cs typeface="Calibri" panose="020F0502020204030204" pitchFamily="34" charset="0"/>
-            </a:endParaRPr>
+              <a:rPr lang="en-IN" sz="1500" dirty="0">
+                <a:latin typeface="Calibri" panose="020F0502020204030204" pitchFamily="34" charset="0"/>
+                <a:cs typeface="Calibri" panose="020F0502020204030204" pitchFamily="34" charset="0"/>
+              </a:rPr>
+              <a:t>Customer supplied material</a:t>
+            </a:r>
           </a:p>
           <a:p>
             <a:pPr marL="569913" indent="-569913">
@@ -13332,11 +13332,11 @@
               <a:buAutoNum type="arabicPeriod"/>
             </a:pPr>
             <a:r>
-              <a:rPr lang="en-IN" sz="1800" dirty="0">
-                <a:latin typeface="Calibri" panose="020F0502020204030204" pitchFamily="34" charset="0"/>
-                <a:cs typeface="Calibri" panose="020F0502020204030204" pitchFamily="34" charset="0"/>
-              </a:rPr>
-              <a:t>Resource plan [Hardware / Software / People etc.]</a:t>
+              <a:rPr lang="en-IN" sz="1500" dirty="0">
+                <a:latin typeface="Calibri" panose="020F0502020204030204" pitchFamily="34" charset="0"/>
+                <a:cs typeface="Calibri" panose="020F0502020204030204" pitchFamily="34" charset="0"/>
+              </a:rPr>
+              <a:t>Project Execution approach</a:t>
             </a:r>
           </a:p>
           <a:p>
@@ -13351,12 +13351,23 @@
               <a:buAutoNum type="arabicPeriod"/>
             </a:pPr>
             <a:r>
-              <a:rPr lang="en-IN" sz="1800" dirty="0">
-                <a:latin typeface="Calibri" panose="020F0502020204030204" pitchFamily="34" charset="0"/>
-                <a:cs typeface="Calibri" panose="020F0502020204030204" pitchFamily="34" charset="0"/>
-              </a:rPr>
-              <a:t>Communication plan</a:t>
-            </a:r>
+              <a:rPr lang="en-IN" sz="1500" dirty="0">
+                <a:latin typeface="Calibri" panose="020F0502020204030204" pitchFamily="34" charset="0"/>
+                <a:cs typeface="Calibri" panose="020F0502020204030204" pitchFamily="34" charset="0"/>
+              </a:rPr>
+              <a:t>Project </a:t>
+            </a:r>
+            <a:r>
+              <a:rPr lang="en-IN" sz="1500" dirty="0" smtClean="0">
+                <a:latin typeface="Calibri" panose="020F0502020204030204" pitchFamily="34" charset="0"/>
+                <a:cs typeface="Calibri" panose="020F0502020204030204" pitchFamily="34" charset="0"/>
+              </a:rPr>
+              <a:t>plan </a:t>
+            </a:r>
+            <a:endParaRPr lang="en-IN" sz="1500" dirty="0">
+              <a:latin typeface="Calibri" panose="020F0502020204030204" pitchFamily="34" charset="0"/>
+              <a:cs typeface="Calibri" panose="020F0502020204030204" pitchFamily="34" charset="0"/>
+            </a:endParaRPr>
           </a:p>
           <a:p>
             <a:pPr marL="569913" indent="-569913">
@@ -13370,11 +13381,11 @@
               <a:buAutoNum type="arabicPeriod"/>
             </a:pPr>
             <a:r>
-              <a:rPr lang="en-IN" sz="1800" dirty="0">
-                <a:latin typeface="Calibri" panose="020F0502020204030204" pitchFamily="34" charset="0"/>
-                <a:cs typeface="Calibri" panose="020F0502020204030204" pitchFamily="34" charset="0"/>
-              </a:rPr>
-              <a:t>Quality requirements</a:t>
+              <a:rPr lang="en-IN" sz="1500" dirty="0">
+                <a:latin typeface="Calibri" panose="020F0502020204030204" pitchFamily="34" charset="0"/>
+                <a:cs typeface="Calibri" panose="020F0502020204030204" pitchFamily="34" charset="0"/>
+              </a:rPr>
+              <a:t>Resource plan [Hardware / Software / People etc.]</a:t>
             </a:r>
           </a:p>
           <a:p>
@@ -13389,11 +13400,11 @@
               <a:buAutoNum type="arabicPeriod"/>
             </a:pPr>
             <a:r>
-              <a:rPr lang="en-IN" sz="1800" dirty="0">
-                <a:latin typeface="Calibri" panose="020F0502020204030204" pitchFamily="34" charset="0"/>
-                <a:cs typeface="Calibri" panose="020F0502020204030204" pitchFamily="34" charset="0"/>
-              </a:rPr>
-              <a:t>Assumptions</a:t>
+              <a:rPr lang="en-IN" sz="1500" dirty="0">
+                <a:latin typeface="Calibri" panose="020F0502020204030204" pitchFamily="34" charset="0"/>
+                <a:cs typeface="Calibri" panose="020F0502020204030204" pitchFamily="34" charset="0"/>
+              </a:rPr>
+              <a:t>Communication plan</a:t>
             </a:r>
           </a:p>
           <a:p>
@@ -13408,11 +13419,11 @@
               <a:buAutoNum type="arabicPeriod"/>
             </a:pPr>
             <a:r>
-              <a:rPr lang="en-IN" sz="1800" dirty="0">
-                <a:latin typeface="Calibri" panose="020F0502020204030204" pitchFamily="34" charset="0"/>
-                <a:cs typeface="Calibri" panose="020F0502020204030204" pitchFamily="34" charset="0"/>
-              </a:rPr>
-              <a:t>Risk Management</a:t>
+              <a:rPr lang="en-IN" sz="1500" dirty="0">
+                <a:latin typeface="Calibri" panose="020F0502020204030204" pitchFamily="34" charset="0"/>
+                <a:cs typeface="Calibri" panose="020F0502020204030204" pitchFamily="34" charset="0"/>
+              </a:rPr>
+              <a:t>Quality requirements</a:t>
             </a:r>
           </a:p>
           <a:p>
@@ -13427,11 +13438,11 @@
               <a:buAutoNum type="arabicPeriod"/>
             </a:pPr>
             <a:r>
-              <a:rPr lang="en-IN" sz="1800" dirty="0">
-                <a:latin typeface="Calibri" panose="020F0502020204030204" pitchFamily="34" charset="0"/>
-                <a:cs typeface="Calibri" panose="020F0502020204030204" pitchFamily="34" charset="0"/>
-              </a:rPr>
-              <a:t>Change Management</a:t>
+              <a:rPr lang="en-IN" sz="1500" dirty="0">
+                <a:latin typeface="Calibri" panose="020F0502020204030204" pitchFamily="34" charset="0"/>
+                <a:cs typeface="Calibri" panose="020F0502020204030204" pitchFamily="34" charset="0"/>
+              </a:rPr>
+              <a:t>Assumptions</a:t>
             </a:r>
           </a:p>
           <a:p>
@@ -13446,11 +13457,11 @@
               <a:buAutoNum type="arabicPeriod"/>
             </a:pPr>
             <a:r>
-              <a:rPr lang="en-IN" sz="1800" dirty="0" smtClean="0">
-                <a:latin typeface="Calibri" panose="020F0502020204030204" pitchFamily="34" charset="0"/>
-                <a:cs typeface="Calibri" panose="020F0502020204030204" pitchFamily="34" charset="0"/>
-              </a:rPr>
-              <a:t>Project Deliverables</a:t>
+              <a:rPr lang="en-IN" sz="1500" dirty="0">
+                <a:latin typeface="Calibri" panose="020F0502020204030204" pitchFamily="34" charset="0"/>
+                <a:cs typeface="Calibri" panose="020F0502020204030204" pitchFamily="34" charset="0"/>
+              </a:rPr>
+              <a:t>Risk Management</a:t>
             </a:r>
           </a:p>
           <a:p>
@@ -13465,13 +13476,58 @@
               <a:buAutoNum type="arabicPeriod"/>
             </a:pPr>
             <a:r>
-              <a:rPr lang="en-US" sz="1800" dirty="0" smtClean="0">
-                <a:latin typeface="Calibri" panose="020F0502020204030204" pitchFamily="34" charset="0"/>
-                <a:cs typeface="Calibri" panose="020F0502020204030204" pitchFamily="34" charset="0"/>
-              </a:rPr>
-              <a:t>How to use</a:t>
-            </a:r>
-            <a:endParaRPr lang="en-US" sz="1800" dirty="0">
+              <a:rPr lang="en-IN" sz="1500" dirty="0">
+                <a:latin typeface="Calibri" panose="020F0502020204030204" pitchFamily="34" charset="0"/>
+                <a:cs typeface="Calibri" panose="020F0502020204030204" pitchFamily="34" charset="0"/>
+              </a:rPr>
+              <a:t>Change Management</a:t>
+            </a:r>
+          </a:p>
+          <a:p>
+            <a:pPr marL="569913" indent="-569913">
+              <a:spcBef>
+                <a:spcPts val="300"/>
+              </a:spcBef>
+              <a:spcAft>
+                <a:spcPts val="600"/>
+              </a:spcAft>
+              <a:buFontTx/>
+              <a:buAutoNum type="arabicPeriod"/>
+            </a:pPr>
+            <a:r>
+              <a:rPr lang="en-IN" sz="1500" dirty="0" smtClean="0">
+                <a:latin typeface="Calibri" panose="020F0502020204030204" pitchFamily="34" charset="0"/>
+                <a:cs typeface="Calibri" panose="020F0502020204030204" pitchFamily="34" charset="0"/>
+              </a:rPr>
+              <a:t>Project Deliverables</a:t>
+            </a:r>
+          </a:p>
+          <a:p>
+            <a:pPr marL="569913" indent="-569913">
+              <a:spcBef>
+                <a:spcPts val="300"/>
+              </a:spcBef>
+              <a:spcAft>
+                <a:spcPts val="600"/>
+              </a:spcAft>
+              <a:buFontTx/>
+              <a:buAutoNum type="arabicPeriod"/>
+            </a:pPr>
+            <a:r>
+              <a:rPr lang="en-US" sz="1500" dirty="0" smtClean="0">
+                <a:latin typeface="Calibri" panose="020F0502020204030204" pitchFamily="34" charset="0"/>
+                <a:cs typeface="Calibri" panose="020F0502020204030204" pitchFamily="34" charset="0"/>
+              </a:rPr>
+              <a:t>How to </a:t>
+            </a:r>
+            <a:r>
+              <a:rPr lang="en-US" sz="1500" dirty="0" smtClean="0">
+                <a:latin typeface="Calibri" panose="020F0502020204030204" pitchFamily="34" charset="0"/>
+                <a:cs typeface="Calibri" panose="020F0502020204030204" pitchFamily="34" charset="0"/>
+              </a:rPr>
+              <a:t>use &amp; How it will work</a:t>
+            </a:r>
+            <a:endParaRPr lang="en-US" sz="1500" dirty="0">
               <a:latin typeface="Calibri" panose="020F0502020204030204" pitchFamily="34" charset="0"/>
               <a:cs typeface="Calibri" panose="020F0502020204030204" pitchFamily="34" charset="0"/>
             </a:endParaRPr>
@@ -16823,6 +16879,32 @@
             </a:r>
           </a:p>
           <a:p>
+            <a:pPr marL="285750" lvl="0" indent="-285750">
+              <a:buFont typeface="Arial" panose="020B0604020202020204" pitchFamily="34" charset="0"/>
+              <a:buChar char="•"/>
+            </a:pPr>
+            <a:r>
+              <a:rPr lang="en-US" sz="1800" dirty="0">
+                <a:solidFill>
+                  <a:schemeClr val="tx1"/>
+                </a:solidFill>
+                <a:latin typeface="Calibri" panose="020F0502020204030204" pitchFamily="34" charset="0"/>
+                <a:cs typeface="Calibri" panose="020F0502020204030204" pitchFamily="34" charset="0"/>
+              </a:rPr>
+              <a:t>UI  for three different role ( Admin, Driver, Employee) with supporting multiple screen </a:t>
+            </a:r>
+            <a:r>
+              <a:rPr lang="en-US" sz="1800" dirty="0" smtClean="0">
+                <a:solidFill>
+                  <a:schemeClr val="tx1"/>
+                </a:solidFill>
+                <a:latin typeface="Calibri" panose="020F0502020204030204" pitchFamily="34" charset="0"/>
+                <a:cs typeface="Calibri" panose="020F0502020204030204" pitchFamily="34" charset="0"/>
+              </a:rPr>
+              <a:t>sizes</a:t>
+            </a:r>
+          </a:p>
+          <a:p>
             <a:pPr marL="285750" indent="-285750">
               <a:buFont typeface="Arial" panose="020B0604020202020204" pitchFamily="34" charset="0"/>
               <a:buChar char="•"/>
@@ -16888,7 +16970,7 @@
         </p:nvSpPr>
         <p:spPr>
           <a:xfrm>
-            <a:off x="868680" y="2049780"/>
+            <a:off x="868680" y="2950548"/>
             <a:ext cx="4290174" cy="3668632"/>
           </a:xfrm>
         </p:spPr>
@@ -16921,25 +17003,6 @@
             </a:endParaRPr>
           </a:p>
           <a:p>
-            <a:pPr marL="285750" lvl="0" indent="-285750">
-              <a:spcBef>
-                <a:spcPct val="20000"/>
-              </a:spcBef>
-              <a:buFont typeface="Arial" panose="020B0604020202020204" pitchFamily="34" charset="0"/>
-              <a:buChar char="•"/>
-            </a:pPr>
-            <a:r>
-              <a:rPr lang="en-US" sz="1800" dirty="0">
-                <a:solidFill>
-                  <a:schemeClr val="tx1"/>
-                </a:solidFill>
-                <a:latin typeface="Calibri" panose="020F0502020204030204" pitchFamily="34" charset="0"/>
-                <a:cs typeface="Calibri" panose="020F0502020204030204" pitchFamily="34" charset="0"/>
-              </a:rPr>
-              <a:t>UI  for three different role ( Admin, Driver, Employee) with supporting multiple screen sizes</a:t>
-            </a:r>
-          </a:p>
-          <a:p>
             <a:pPr marL="285750" indent="-285750">
               <a:spcBef>
                 <a:spcPct val="20000"/>
@@ -16948,6 +17011,16 @@
               <a:buChar char="•"/>
             </a:pPr>
             <a:r>
+              <a:rPr lang="en-US" sz="1800" dirty="0" smtClean="0">
+                <a:solidFill>
+                  <a:schemeClr val="tx1"/>
+                </a:solidFill>
+                <a:latin typeface="Calibri" panose="020F0502020204030204" pitchFamily="34" charset="0"/>
+                <a:cs typeface="Calibri" panose="020F0502020204030204" pitchFamily="34" charset="0"/>
+              </a:rPr>
+              <a:t>Log </a:t>
+            </a:r>
+            <a:r>
               <a:rPr lang="en-US" sz="1800" dirty="0">
                 <a:solidFill>
                   <a:schemeClr val="tx1"/>
@@ -16955,7 +17028,7 @@
                 <a:latin typeface="Calibri" panose="020F0502020204030204" pitchFamily="34" charset="0"/>
                 <a:cs typeface="Calibri" panose="020F0502020204030204" pitchFamily="34" charset="0"/>
               </a:rPr>
-              <a:t>Log in, Registration, settings and Check-in and Check-out  functionalities</a:t>
+              <a:t>in, Registration, settings and Check-in and Check-out  functionalities</a:t>
             </a:r>
           </a:p>
           <a:p>
@@ -17118,7 +17191,7 @@
         </p:nvSpPr>
         <p:spPr>
           <a:xfrm>
-            <a:off x="5609228" y="2011107"/>
+            <a:off x="5609228" y="3157539"/>
             <a:ext cx="3029803" cy="3707305"/>
           </a:xfrm>
           <a:prstGeom prst="rect">
@@ -17415,11 +17488,12 @@
           <a:lstStyle/>
           <a:p>
             <a:r>
-              <a:rPr lang="en-IN" sz="2000" dirty="0">
-                <a:latin typeface="+mn-lt"/>
-              </a:rPr>
-              <a:t>Project Description</a:t>
-            </a:r>
+              <a:rPr lang="en-IN" sz="2000" dirty="0"/>
+              <a:t>Development Approach</a:t>
+            </a:r>
+            <a:endParaRPr lang="en-IN" sz="2000" dirty="0">
+              <a:latin typeface="+mn-lt"/>
+            </a:endParaRPr>
           </a:p>
         </p:txBody>
       </p:sp>

--- a/trunk/EasiCab/Documents/EASiCab_POC_kick off.pptx
+++ b/trunk/EasiCab/Documents/EASiCab_POC_kick off.pptx
@@ -135,7 +135,7 @@
   </p:defaultTextStyle>
   <p:extLst>
     <p:ext uri="{EFAFB233-063F-42B5-8137-9DF3F51BA10A}">
-      <p15:sldGuideLst xmlns:p15="http://schemas.microsoft.com/office/powerpoint/2012/main" xmlns="">
+      <p15:sldGuideLst xmlns="" xmlns:p15="http://schemas.microsoft.com/office/powerpoint/2012/main">
         <p15:guide id="1" orient="horz" pos="2592" userDrawn="1">
           <p15:clr>
             <a:srgbClr val="A4A3A4"/>
@@ -244,7 +244,7 @@
           <a:p>
             <a:fld id="{10547AE1-0D1D-3A4D-8566-358FA96FF472}" type="datetimeFigureOut">
               <a:rPr lang="en-US" smtClean="0"/>
-              <a:t>8/9/2016</a:t>
+              <a:t>8/11/2016</a:t>
             </a:fld>
             <a:endParaRPr lang="en-US"/>
           </a:p>
@@ -410,7 +410,7 @@
           <a:p>
             <a:fld id="{555608FB-558C-E448-AAE5-74BFB92C58FE}" type="datetimeFigureOut">
               <a:rPr lang="en-US" smtClean="0"/>
-              <a:t>8/9/2016</a:t>
+              <a:t>8/11/2016</a:t>
             </a:fld>
             <a:endParaRPr lang="en-US"/>
           </a:p>
@@ -11707,7 +11707,7 @@
           <p:nvPr>
             <p:extLst>
               <p:ext uri="{D42A27DB-BD31-4B8C-83A1-F6EECF244321}">
-                <p14:modId xmlns:p14="http://schemas.microsoft.com/office/powerpoint/2010/main" val="3670017320"/>
+                <p14:modId xmlns:p14="http://schemas.microsoft.com/office/powerpoint/2010/main" val="1453725592"/>
               </p:ext>
             </p:extLst>
           </p:nvPr>
@@ -11724,8 +11724,8 @@
                 <a:gridCol w="1691185"/>
                 <a:gridCol w="1018946"/>
                 <a:gridCol w="1064249"/>
-                <a:gridCol w="2687993"/>
-                <a:gridCol w="2217603"/>
+                <a:gridCol w="2544533"/>
+                <a:gridCol w="2361063"/>
               </a:tblGrid>
               <a:tr h="1016445">
                 <a:tc>
@@ -12453,7 +12453,34 @@
                           <a:ea typeface="Calibri"/>
                           <a:cs typeface="Calibri" panose="020F0502020204030204" pitchFamily="34" charset="0"/>
                         </a:rPr>
-                        <a:t>Back up Resource will be used. Internal Training/KT</a:t>
+                        <a:t>Extra</a:t>
+                      </a:r>
+                      <a:r>
+                        <a:rPr lang="en-IN" sz="1800" baseline="0" dirty="0" smtClean="0">
+                          <a:effectLst/>
+                          <a:latin typeface="Calibri" panose="020F0502020204030204" pitchFamily="34" charset="0"/>
+                          <a:ea typeface="Calibri"/>
+                          <a:cs typeface="Calibri" panose="020F0502020204030204" pitchFamily="34" charset="0"/>
+                        </a:rPr>
+                        <a:t> effort need to put or</a:t>
+                      </a:r>
+                      <a:r>
+                        <a:rPr lang="en-IN" sz="1800" dirty="0" smtClean="0">
+                          <a:effectLst/>
+                          <a:latin typeface="Calibri" panose="020F0502020204030204" pitchFamily="34" charset="0"/>
+                          <a:ea typeface="Calibri"/>
+                          <a:cs typeface="Calibri" panose="020F0502020204030204" pitchFamily="34" charset="0"/>
+                        </a:rPr>
+                        <a:t>. </a:t>
+                      </a:r>
+                      <a:r>
+                        <a:rPr lang="en-IN" sz="1800" dirty="0" smtClean="0">
+                          <a:effectLst/>
+                          <a:latin typeface="Calibri" panose="020F0502020204030204" pitchFamily="34" charset="0"/>
+                          <a:ea typeface="Calibri"/>
+                          <a:cs typeface="Calibri" panose="020F0502020204030204" pitchFamily="34" charset="0"/>
+                        </a:rPr>
+                        <a:t>Internal Training/KT</a:t>
                       </a:r>
                       <a:r>
                         <a:rPr lang="en-IN" sz="1800" baseline="0" dirty="0" smtClean="0">
@@ -12471,8 +12498,41 @@
                           <a:ea typeface="Calibri"/>
                           <a:cs typeface="Calibri" panose="020F0502020204030204" pitchFamily="34" charset="0"/>
                         </a:rPr>
-                        <a:t>in team </a:t>
+                        <a:t>in </a:t>
                       </a:r>
+                      <a:r>
+                        <a:rPr lang="en-IN" sz="1800" dirty="0" smtClean="0">
+                          <a:effectLst/>
+                          <a:latin typeface="Calibri" panose="020F0502020204030204" pitchFamily="34" charset="0"/>
+                          <a:ea typeface="Calibri"/>
+                          <a:cs typeface="Calibri" panose="020F0502020204030204" pitchFamily="34" charset="0"/>
+                        </a:rPr>
+                        <a:t>team</a:t>
+                      </a:r>
+                      <a:r>
+                        <a:rPr lang="en-IN" sz="1800" baseline="0" dirty="0" smtClean="0">
+                          <a:effectLst/>
+                          <a:latin typeface="Calibri" panose="020F0502020204030204" pitchFamily="34" charset="0"/>
+                          <a:ea typeface="Calibri"/>
+                          <a:cs typeface="Calibri" panose="020F0502020204030204" pitchFamily="34" charset="0"/>
+                        </a:rPr>
+                        <a:t> so that buffer resource can be used.</a:t>
+                      </a:r>
+                      <a:r>
+                        <a:rPr lang="en-IN" sz="1800" dirty="0" smtClean="0">
+                          <a:effectLst/>
+                          <a:latin typeface="Calibri" panose="020F0502020204030204" pitchFamily="34" charset="0"/>
+                          <a:ea typeface="Calibri"/>
+                          <a:cs typeface="Calibri" panose="020F0502020204030204" pitchFamily="34" charset="0"/>
+                        </a:rPr>
+                        <a:t> </a:t>
+                      </a:r>
+                      <a:endParaRPr lang="en-IN" sz="1800" dirty="0" smtClean="0">
+                        <a:effectLst/>
+                        <a:latin typeface="Calibri" panose="020F0502020204030204" pitchFamily="34" charset="0"/>
+                        <a:ea typeface="Calibri"/>
+                        <a:cs typeface="Calibri" panose="020F0502020204030204" pitchFamily="34" charset="0"/>
+                      </a:endParaRPr>
                     </a:p>
                   </a:txBody>
                   <a:tcPr marL="68580" marR="68580" marT="0" marB="0" anchor="ctr">
@@ -13518,14 +13578,7 @@
                 <a:latin typeface="Calibri" panose="020F0502020204030204" pitchFamily="34" charset="0"/>
                 <a:cs typeface="Calibri" panose="020F0502020204030204" pitchFamily="34" charset="0"/>
               </a:rPr>
-              <a:t>How to </a:t>
-            </a:r>
-            <a:r>
-              <a:rPr lang="en-US" sz="1500" dirty="0" smtClean="0">
-                <a:latin typeface="Calibri" panose="020F0502020204030204" pitchFamily="34" charset="0"/>
-                <a:cs typeface="Calibri" panose="020F0502020204030204" pitchFamily="34" charset="0"/>
-              </a:rPr>
-              <a:t>use &amp; How it will work</a:t>
+              <a:t>How to use &amp; How it will work</a:t>
             </a:r>
             <a:endParaRPr lang="en-US" sz="1500" dirty="0">
               <a:latin typeface="Calibri" panose="020F0502020204030204" pitchFamily="34" charset="0"/>

--- a/trunk/EasiCab/Documents/EASiCab_POC_kick off.pptx
+++ b/trunk/EasiCab/Documents/EASiCab_POC_kick off.pptx
@@ -135,7 +135,7 @@
   </p:defaultTextStyle>
   <p:extLst>
     <p:ext uri="{EFAFB233-063F-42B5-8137-9DF3F51BA10A}">
-      <p15:sldGuideLst xmlns="" xmlns:p15="http://schemas.microsoft.com/office/powerpoint/2012/main">
+      <p15:sldGuideLst xmlns:p15="http://schemas.microsoft.com/office/powerpoint/2012/main" xmlns="">
         <p15:guide id="1" orient="horz" pos="2592" userDrawn="1">
           <p15:clr>
             <a:srgbClr val="A4A3A4"/>
@@ -244,7 +244,7 @@
           <a:p>
             <a:fld id="{10547AE1-0D1D-3A4D-8566-358FA96FF472}" type="datetimeFigureOut">
               <a:rPr lang="en-US" smtClean="0"/>
-              <a:t>8/11/2016</a:t>
+              <a:t>8/16/2016</a:t>
             </a:fld>
             <a:endParaRPr lang="en-US"/>
           </a:p>
@@ -410,7 +410,7 @@
           <a:p>
             <a:fld id="{555608FB-558C-E448-AAE5-74BFB92C58FE}" type="datetimeFigureOut">
               <a:rPr lang="en-US" smtClean="0"/>
-              <a:t>8/11/2016</a:t>
+              <a:t>8/16/2016</a:t>
             </a:fld>
             <a:endParaRPr lang="en-US"/>
           </a:p>
@@ -7631,7 +7631,7 @@
               <a:rPr lang="en-US" sz="2700" dirty="0" smtClean="0">
                 <a:latin typeface="+mn-lt"/>
               </a:rPr>
-              <a:t>EASIcab </a:t>
+              <a:t>EASicab </a:t>
             </a:r>
             <a:r>
               <a:rPr lang="en-US" sz="2700" dirty="0">
@@ -7675,14 +7675,23 @@
             <p:ph type="body" sz="quarter" idx="13"/>
           </p:nvPr>
         </p:nvSpPr>
-        <p:spPr/>
+        <p:spPr>
+          <a:xfrm>
+            <a:off x="935634" y="5344503"/>
+            <a:ext cx="2708318" cy="492125"/>
+          </a:xfrm>
+        </p:spPr>
         <p:txBody>
           <a:bodyPr/>
           <a:lstStyle/>
           <a:p>
             <a:r>
               <a:rPr lang="en-US" sz="1200" dirty="0" smtClean="0"/>
-              <a:t>Date : 29</a:t>
+              <a:t>Date : </a:t>
+            </a:r>
+            <a:r>
+              <a:rPr lang="en-US" sz="1200" dirty="0" smtClean="0"/>
+              <a:t>18</a:t>
             </a:r>
             <a:r>
               <a:rPr lang="en-US" sz="1200" baseline="30000" dirty="0" smtClean="0"/>
@@ -7690,7 +7699,11 @@
             </a:r>
             <a:r>
               <a:rPr lang="en-US" sz="1200" dirty="0" smtClean="0"/>
-              <a:t> July 2016</a:t>
+              <a:t> August </a:t>
+            </a:r>
+            <a:r>
+              <a:rPr lang="en-US" sz="1200" dirty="0" smtClean="0"/>
+              <a:t>2016</a:t>
             </a:r>
             <a:endParaRPr lang="en-US" sz="1200" dirty="0"/>
           </a:p>
@@ -7781,7 +7794,7 @@
       </p:sp>
       <p:pic>
         <p:nvPicPr>
-          <p:cNvPr id="5" name="Picture 4"/>
+          <p:cNvPr id="6" name="Picture 5"/>
           <p:cNvPicPr>
             <a:picLocks noChangeAspect="1"/>
           </p:cNvPicPr>
@@ -7801,8 +7814,8 @@
         </p:blipFill>
         <p:spPr>
           <a:xfrm>
-            <a:off x="777922" y="1110727"/>
-            <a:ext cx="7738281" cy="4989822"/>
+            <a:off x="698360" y="928868"/>
+            <a:ext cx="7747279" cy="5000263"/>
           </a:xfrm>
           <a:prstGeom prst="rect">
             <a:avLst/>
@@ -8041,53 +8054,6 @@
               <a:latin typeface="Calibri" panose="020F0502020204030204" pitchFamily="34" charset="0"/>
               <a:cs typeface="Calibri" panose="020F0502020204030204" pitchFamily="34" charset="0"/>
             </a:endParaRPr>
-          </a:p>
-          <a:p>
-            <a:pPr marL="0" indent="0">
-              <a:spcAft>
-                <a:spcPts val="600"/>
-              </a:spcAft>
-              <a:buNone/>
-            </a:pPr>
-            <a:r>
-              <a:rPr lang="en-US" sz="1800" b="1" dirty="0">
-                <a:latin typeface="Calibri" panose="020F0502020204030204" pitchFamily="34" charset="0"/>
-                <a:cs typeface="Calibri" panose="020F0502020204030204" pitchFamily="34" charset="0"/>
-              </a:rPr>
-              <a:t>R&amp;D required :</a:t>
-            </a:r>
-          </a:p>
-          <a:p>
-            <a:pPr marL="800100" lvl="1" indent="-342900">
-              <a:spcAft>
-                <a:spcPts val="600"/>
-              </a:spcAft>
-              <a:buFont typeface="+mj-lt"/>
-              <a:buAutoNum type="arabicPeriod"/>
-            </a:pPr>
-            <a:r>
-              <a:rPr lang="en-US" sz="1800" dirty="0">
-                <a:latin typeface="Calibri" panose="020F0502020204030204" pitchFamily="34" charset="0"/>
-                <a:cs typeface="Calibri" panose="020F0502020204030204" pitchFamily="34" charset="0"/>
-              </a:rPr>
-              <a:t>Web services in java</a:t>
-            </a:r>
-          </a:p>
-          <a:p>
-            <a:pPr marL="800100" lvl="1" indent="-342900">
-              <a:spcAft>
-                <a:spcPts val="600"/>
-              </a:spcAft>
-              <a:buFont typeface="+mj-lt"/>
-              <a:buAutoNum type="arabicPeriod"/>
-            </a:pPr>
-            <a:r>
-              <a:rPr lang="en-US" sz="1800" dirty="0">
-                <a:latin typeface="Calibri" panose="020F0502020204030204" pitchFamily="34" charset="0"/>
-                <a:cs typeface="Calibri" panose="020F0502020204030204" pitchFamily="34" charset="0"/>
-              </a:rPr>
-              <a:t>Voice recognition module</a:t>
-            </a:r>
           </a:p>
           <a:p>
             <a:endParaRPr lang="en-IN" dirty="0">
@@ -9766,14 +9732,14 @@
           <p:nvPr>
             <p:extLst>
               <p:ext uri="{D42A27DB-BD31-4B8C-83A1-F6EECF244321}">
-                <p14:modId xmlns:p14="http://schemas.microsoft.com/office/powerpoint/2010/main" val="2785254577"/>
+                <p14:modId xmlns:p14="http://schemas.microsoft.com/office/powerpoint/2010/main" val="4093407328"/>
               </p:ext>
             </p:extLst>
           </p:nvPr>
         </p:nvGraphicFramePr>
         <p:xfrm>
           <a:off x="846160" y="1182804"/>
-          <a:ext cx="7889542" cy="4955532"/>
+          <a:ext cx="7889542" cy="4899906"/>
         </p:xfrm>
         <a:graphic>
           <a:graphicData uri="http://schemas.openxmlformats.org/drawingml/2006/table">
@@ -10007,6 +9973,18 @@
                           <a:spcPts val="0"/>
                         </a:spcAft>
                       </a:pPr>
+                      <a:r>
+                        <a:rPr lang="en-US" sz="1800" b="0" dirty="0" smtClean="0">
+                          <a:solidFill>
+                            <a:schemeClr val="tx1"/>
+                          </a:solidFill>
+                          <a:effectLst/>
+                          <a:latin typeface="Calibri" panose="020F0502020204030204" pitchFamily="34" charset="0"/>
+                          <a:ea typeface="Times New Roman"/>
+                          <a:cs typeface="Calibri" panose="020F0502020204030204" pitchFamily="34" charset="0"/>
+                        </a:rPr>
+                        <a:t>18-August-2016</a:t>
+                      </a:r>
                       <a:endParaRPr lang="en-IN" sz="1800" b="0" dirty="0">
                         <a:solidFill>
                           <a:schemeClr val="tx1"/>
@@ -10148,6 +10126,24 @@
                           <a:spcPts val="0"/>
                         </a:spcAft>
                       </a:pPr>
+                      <a:r>
+                        <a:rPr lang="en-US" sz="1800" dirty="0" smtClean="0">
+                          <a:effectLst/>
+                          <a:latin typeface="Calibri" panose="020F0502020204030204" pitchFamily="34" charset="0"/>
+                          <a:ea typeface="Times New Roman"/>
+                          <a:cs typeface="Calibri" panose="020F0502020204030204" pitchFamily="34" charset="0"/>
+                        </a:rPr>
+                        <a:t>End of</a:t>
+                      </a:r>
+                      <a:r>
+                        <a:rPr lang="en-US" sz="1800" baseline="0" dirty="0" smtClean="0">
+                          <a:effectLst/>
+                          <a:latin typeface="Calibri" panose="020F0502020204030204" pitchFamily="34" charset="0"/>
+                          <a:ea typeface="Times New Roman"/>
+                          <a:cs typeface="Calibri" panose="020F0502020204030204" pitchFamily="34" charset="0"/>
+                        </a:rPr>
+                        <a:t> the Project</a:t>
+                      </a:r>
                       <a:endParaRPr lang="en-IN" sz="1800" dirty="0">
                         <a:effectLst/>
                         <a:latin typeface="Calibri" panose="020F0502020204030204" pitchFamily="34" charset="0"/>
@@ -10634,8 +10630,8 @@
         </p:nvSpPr>
         <p:spPr>
           <a:xfrm>
-            <a:off x="791570" y="738332"/>
-            <a:ext cx="7574508" cy="5632311"/>
+            <a:off x="791569" y="738332"/>
+            <a:ext cx="7929350" cy="5632311"/>
           </a:xfrm>
           <a:prstGeom prst="rect">
             <a:avLst/>
@@ -10671,8 +10667,19 @@
                 <a:latin typeface="Calibri" panose="020F0502020204030204" pitchFamily="34" charset="0"/>
                 <a:cs typeface="Calibri" panose="020F0502020204030204" pitchFamily="34" charset="0"/>
               </a:rPr>
-              <a:t>Android Studio –                 Android  Development</a:t>
-            </a:r>
+              <a:t>Android Studio –                 </a:t>
+            </a:r>
+            <a:r>
+              <a:rPr lang="en-US" sz="1800" dirty="0" smtClean="0">
+                <a:latin typeface="Calibri" panose="020F0502020204030204" pitchFamily="34" charset="0"/>
+                <a:cs typeface="Calibri" panose="020F0502020204030204" pitchFamily="34" charset="0"/>
+              </a:rPr>
+              <a:t>			Android  Development</a:t>
+            </a:r>
+            <a:endParaRPr lang="en-US" sz="1800" dirty="0" smtClean="0">
+              <a:latin typeface="Calibri" panose="020F0502020204030204" pitchFamily="34" charset="0"/>
+              <a:cs typeface="Calibri" panose="020F0502020204030204" pitchFamily="34" charset="0"/>
+            </a:endParaRPr>
           </a:p>
           <a:p>
             <a:pPr marL="285750" indent="-285750">
@@ -10684,7 +10691,21 @@
                 <a:latin typeface="Calibri" panose="020F0502020204030204" pitchFamily="34" charset="0"/>
                 <a:cs typeface="Calibri" panose="020F0502020204030204" pitchFamily="34" charset="0"/>
               </a:rPr>
-              <a:t>X-code –                               iOS Development</a:t>
+              <a:t>X-code –                              </a:t>
+            </a:r>
+            <a:r>
+              <a:rPr lang="en-US" sz="1800" dirty="0" smtClean="0">
+                <a:latin typeface="Calibri" panose="020F0502020204030204" pitchFamily="34" charset="0"/>
+                <a:cs typeface="Calibri" panose="020F0502020204030204" pitchFamily="34" charset="0"/>
+              </a:rPr>
+              <a:t>				iOS </a:t>
+            </a:r>
+            <a:r>
+              <a:rPr lang="en-US" sz="1800" dirty="0" smtClean="0">
+                <a:latin typeface="Calibri" panose="020F0502020204030204" pitchFamily="34" charset="0"/>
+                <a:cs typeface="Calibri" panose="020F0502020204030204" pitchFamily="34" charset="0"/>
+              </a:rPr>
+              <a:t>Development</a:t>
             </a:r>
           </a:p>
           <a:p>
@@ -10697,8 +10718,37 @@
                 <a:latin typeface="Calibri" panose="020F0502020204030204" pitchFamily="34" charset="0"/>
                 <a:cs typeface="Calibri" panose="020F0502020204030204" pitchFamily="34" charset="0"/>
               </a:rPr>
-              <a:t>Eclipse, Apache </a:t>
-            </a:r>
+              <a:t>Eclipse, Apache Tomcat Server</a:t>
+            </a:r>
+          </a:p>
+          <a:p>
+            <a:r>
+              <a:rPr lang="en-US" sz="1800" dirty="0" smtClean="0">
+                <a:latin typeface="Calibri" panose="020F0502020204030204" pitchFamily="34" charset="0"/>
+                <a:cs typeface="Calibri" panose="020F0502020204030204" pitchFamily="34" charset="0"/>
+              </a:rPr>
+              <a:t>     &amp; MySQL Database –            			Web </a:t>
+            </a:r>
+            <a:r>
+              <a:rPr lang="en-US" sz="1800" dirty="0" smtClean="0">
+                <a:latin typeface="Calibri" panose="020F0502020204030204" pitchFamily="34" charset="0"/>
+                <a:cs typeface="Calibri" panose="020F0502020204030204" pitchFamily="34" charset="0"/>
+              </a:rPr>
+              <a:t>Service </a:t>
+            </a:r>
+            <a:r>
+              <a:rPr lang="en-US" sz="1800" dirty="0" smtClean="0">
+                <a:latin typeface="Calibri" panose="020F0502020204030204" pitchFamily="34" charset="0"/>
+                <a:cs typeface="Calibri" panose="020F0502020204030204" pitchFamily="34" charset="0"/>
+              </a:rPr>
+              <a:t>Development</a:t>
+            </a:r>
+          </a:p>
+          <a:p>
+            <a:endParaRPr lang="en-US" sz="1800" dirty="0" smtClean="0">
+              <a:latin typeface="Calibri" panose="020F0502020204030204" pitchFamily="34" charset="0"/>
+              <a:cs typeface="Calibri" panose="020F0502020204030204" pitchFamily="34" charset="0"/>
+            </a:endParaRPr>
           </a:p>
           <a:p>
             <a:pPr marL="285750" indent="-285750">
@@ -10710,7 +10760,21 @@
                 <a:latin typeface="Calibri" panose="020F0502020204030204" pitchFamily="34" charset="0"/>
                 <a:cs typeface="Calibri" panose="020F0502020204030204" pitchFamily="34" charset="0"/>
               </a:rPr>
-              <a:t>Tomcat Server &amp; </a:t>
+              <a:t>SVN  --                                 </a:t>
+            </a:r>
+            <a:r>
+              <a:rPr lang="en-US" sz="1800" dirty="0" smtClean="0">
+                <a:latin typeface="Calibri" panose="020F0502020204030204" pitchFamily="34" charset="0"/>
+                <a:cs typeface="Calibri" panose="020F0502020204030204" pitchFamily="34" charset="0"/>
+              </a:rPr>
+              <a:t>				Source </a:t>
+            </a:r>
+            <a:r>
+              <a:rPr lang="en-US" sz="1800" dirty="0" smtClean="0">
+                <a:latin typeface="Calibri" panose="020F0502020204030204" pitchFamily="34" charset="0"/>
+                <a:cs typeface="Calibri" panose="020F0502020204030204" pitchFamily="34" charset="0"/>
+              </a:rPr>
+              <a:t>control</a:t>
             </a:r>
           </a:p>
           <a:p>
@@ -10723,7 +10787,21 @@
                 <a:latin typeface="Calibri" panose="020F0502020204030204" pitchFamily="34" charset="0"/>
                 <a:cs typeface="Calibri" panose="020F0502020204030204" pitchFamily="34" charset="0"/>
               </a:rPr>
-              <a:t>MySQL Database –            Web Service Development</a:t>
+              <a:t>Simulator –                         </a:t>
+            </a:r>
+            <a:r>
+              <a:rPr lang="en-US" sz="1800" dirty="0" smtClean="0">
+                <a:latin typeface="Calibri" panose="020F0502020204030204" pitchFamily="34" charset="0"/>
+                <a:cs typeface="Calibri" panose="020F0502020204030204" pitchFamily="34" charset="0"/>
+              </a:rPr>
+              <a:t>				For </a:t>
+            </a:r>
+            <a:r>
+              <a:rPr lang="en-US" sz="1800" dirty="0" smtClean="0">
+                <a:latin typeface="Calibri" panose="020F0502020204030204" pitchFamily="34" charset="0"/>
+                <a:cs typeface="Calibri" panose="020F0502020204030204" pitchFamily="34" charset="0"/>
+              </a:rPr>
+              <a:t>application Testing</a:t>
             </a:r>
           </a:p>
           <a:p>
@@ -10736,33 +10814,14 @@
                 <a:latin typeface="Calibri" panose="020F0502020204030204" pitchFamily="34" charset="0"/>
                 <a:cs typeface="Calibri" panose="020F0502020204030204" pitchFamily="34" charset="0"/>
               </a:rPr>
-              <a:t>SVN  --                                 Source control</a:t>
-            </a:r>
-          </a:p>
-          <a:p>
-            <a:pPr marL="285750" indent="-285750">
-              <a:buFont typeface="Arial" pitchFamily="34" charset="0"/>
-              <a:buChar char="•"/>
-            </a:pPr>
+              <a:t>Testing </a:t>
+            </a:r>
             <a:r>
               <a:rPr lang="en-US" sz="1800" dirty="0" smtClean="0">
                 <a:latin typeface="Calibri" panose="020F0502020204030204" pitchFamily="34" charset="0"/>
                 <a:cs typeface="Calibri" panose="020F0502020204030204" pitchFamily="34" charset="0"/>
               </a:rPr>
-              <a:t>Simulator –                         For application Testing</a:t>
-            </a:r>
-          </a:p>
-          <a:p>
-            <a:pPr marL="285750" indent="-285750">
-              <a:buFont typeface="Arial" pitchFamily="34" charset="0"/>
-              <a:buChar char="•"/>
-            </a:pPr>
-            <a:r>
-              <a:rPr lang="en-US" sz="1800" dirty="0" smtClean="0">
-                <a:latin typeface="Calibri" panose="020F0502020204030204" pitchFamily="34" charset="0"/>
-                <a:cs typeface="Calibri" panose="020F0502020204030204" pitchFamily="34" charset="0"/>
-              </a:rPr>
-              <a:t>Testing Tool-                        </a:t>
+              <a:t>Tool--                        			</a:t>
             </a:r>
             <a:r>
               <a:rPr lang="en-US" sz="1800" dirty="0" err="1" smtClean="0">
@@ -10885,7 +10944,21 @@
                 <a:latin typeface="Calibri" panose="020F0502020204030204" pitchFamily="34" charset="0"/>
                 <a:cs typeface="Calibri" panose="020F0502020204030204" pitchFamily="34" charset="0"/>
               </a:rPr>
-              <a:t>Android Developer engineer –       Subhalaxmi, Nitesh</a:t>
+              <a:t>Android Developer engineer –       </a:t>
+            </a:r>
+            <a:r>
+              <a:rPr lang="en-US" sz="1800" dirty="0" smtClean="0">
+                <a:latin typeface="Calibri" panose="020F0502020204030204" pitchFamily="34" charset="0"/>
+                <a:cs typeface="Calibri" panose="020F0502020204030204" pitchFamily="34" charset="0"/>
+              </a:rPr>
+              <a:t>  Subhalaxmi</a:t>
+            </a:r>
+            <a:r>
+              <a:rPr lang="en-US" sz="1800" dirty="0" smtClean="0">
+                <a:latin typeface="Calibri" panose="020F0502020204030204" pitchFamily="34" charset="0"/>
+                <a:cs typeface="Calibri" panose="020F0502020204030204" pitchFamily="34" charset="0"/>
+              </a:rPr>
+              <a:t>, Nitesh</a:t>
             </a:r>
           </a:p>
           <a:p>
@@ -10898,7 +10971,21 @@
                 <a:latin typeface="Calibri" panose="020F0502020204030204" pitchFamily="34" charset="0"/>
                 <a:cs typeface="Calibri" panose="020F0502020204030204" pitchFamily="34" charset="0"/>
               </a:rPr>
-              <a:t>iOS Developer engineer -                 Rohit</a:t>
+              <a:t>iOS Developer engineer </a:t>
+            </a:r>
+            <a:r>
+              <a:rPr lang="en-US" sz="1800" dirty="0" smtClean="0">
+                <a:latin typeface="Calibri" panose="020F0502020204030204" pitchFamily="34" charset="0"/>
+                <a:cs typeface="Calibri" panose="020F0502020204030204" pitchFamily="34" charset="0"/>
+              </a:rPr>
+              <a:t>--                 </a:t>
+            </a:r>
+            <a:r>
+              <a:rPr lang="en-US" sz="1800" dirty="0" smtClean="0">
+                <a:latin typeface="Calibri" panose="020F0502020204030204" pitchFamily="34" charset="0"/>
+                <a:cs typeface="Calibri" panose="020F0502020204030204" pitchFamily="34" charset="0"/>
+              </a:rPr>
+              <a:t>Rohit</a:t>
             </a:r>
           </a:p>
         </p:txBody>
@@ -11050,7 +11137,21 @@
                 <a:latin typeface="Calibri" panose="020F0502020204030204" pitchFamily="34" charset="0"/>
                 <a:cs typeface="Calibri" panose="020F0502020204030204" pitchFamily="34" charset="0"/>
               </a:rPr>
-              <a:t>Weekly status update will be maintained in team.</a:t>
+              <a:t>Weekly status update will be maintained </a:t>
+            </a:r>
+            <a:r>
+              <a:rPr lang="en-US" sz="1800" dirty="0" smtClean="0">
+                <a:latin typeface="Calibri" panose="020F0502020204030204" pitchFamily="34" charset="0"/>
+                <a:cs typeface="Calibri" panose="020F0502020204030204" pitchFamily="34" charset="0"/>
+              </a:rPr>
+              <a:t>with in </a:t>
+            </a:r>
+            <a:r>
+              <a:rPr lang="en-US" sz="1800" dirty="0">
+                <a:latin typeface="Calibri" panose="020F0502020204030204" pitchFamily="34" charset="0"/>
+                <a:cs typeface="Calibri" panose="020F0502020204030204" pitchFamily="34" charset="0"/>
+              </a:rPr>
+              <a:t>team.</a:t>
             </a:r>
           </a:p>
           <a:p>
@@ -11223,7 +11324,42 @@
                 <a:latin typeface="Calibri" panose="020F0502020204030204" pitchFamily="34" charset="0"/>
                 <a:cs typeface="Calibri" panose="020F0502020204030204" pitchFamily="34" charset="0"/>
               </a:rPr>
-              <a:t>Minimum 95% FTR and 90% OTD have to be achieved and all work products shall be stored in SVN</a:t>
+              <a:t>Minimum </a:t>
+            </a:r>
+            <a:r>
+              <a:rPr lang="en-US" sz="1800" dirty="0" smtClean="0">
+                <a:latin typeface="Calibri" panose="020F0502020204030204" pitchFamily="34" charset="0"/>
+                <a:cs typeface="Calibri" panose="020F0502020204030204" pitchFamily="34" charset="0"/>
+              </a:rPr>
+              <a:t>85</a:t>
+            </a:r>
+            <a:r>
+              <a:rPr lang="en-US" sz="1800" dirty="0" smtClean="0">
+                <a:latin typeface="Calibri" panose="020F0502020204030204" pitchFamily="34" charset="0"/>
+                <a:cs typeface="Calibri" panose="020F0502020204030204" pitchFamily="34" charset="0"/>
+              </a:rPr>
+              <a:t>% FTR and </a:t>
+            </a:r>
+            <a:r>
+              <a:rPr lang="en-US" sz="1800" dirty="0">
+                <a:latin typeface="Calibri" panose="020F0502020204030204" pitchFamily="34" charset="0"/>
+                <a:cs typeface="Calibri" panose="020F0502020204030204" pitchFamily="34" charset="0"/>
+              </a:rPr>
+              <a:t>9</a:t>
+            </a:r>
+            <a:r>
+              <a:rPr lang="en-US" sz="1800" dirty="0" smtClean="0">
+                <a:latin typeface="Calibri" panose="020F0502020204030204" pitchFamily="34" charset="0"/>
+                <a:cs typeface="Calibri" panose="020F0502020204030204" pitchFamily="34" charset="0"/>
+              </a:rPr>
+              <a:t>0</a:t>
+            </a:r>
+            <a:r>
+              <a:rPr lang="en-US" sz="1800" dirty="0" smtClean="0">
+                <a:latin typeface="Calibri" panose="020F0502020204030204" pitchFamily="34" charset="0"/>
+                <a:cs typeface="Calibri" panose="020F0502020204030204" pitchFamily="34" charset="0"/>
+              </a:rPr>
+              <a:t>% OTD have to be achieved and all work products shall be stored in SVN</a:t>
             </a:r>
           </a:p>
           <a:p>
@@ -11457,7 +11593,7 @@
         <p:spPr>
           <a:xfrm>
             <a:off x="859808" y="954200"/>
-            <a:ext cx="7966887" cy="3323987"/>
+            <a:ext cx="7966887" cy="2062103"/>
           </a:xfrm>
           <a:prstGeom prst="rect">
             <a:avLst/>
@@ -11553,48 +11689,7 @@
                 <a:latin typeface="Calibri" panose="020F0502020204030204" pitchFamily="34" charset="0"/>
                 <a:cs typeface="Calibri" panose="020F0502020204030204" pitchFamily="34" charset="0"/>
               </a:rPr>
-              <a:t>For iOS mobile application, we’ll be using the simulator for debugging, as we don’t have the apple developer membership (account) for profiles and certificates for testing in the real device</a:t>
-            </a:r>
-            <a:endParaRPr lang="en-US" sz="1800" dirty="0">
-              <a:latin typeface="Calibri" panose="020F0502020204030204" pitchFamily="34" charset="0"/>
-              <a:cs typeface="Calibri" panose="020F0502020204030204" pitchFamily="34" charset="0"/>
-            </a:endParaRPr>
-          </a:p>
-          <a:p>
-            <a:pPr lvl="0">
-              <a:spcAft>
-                <a:spcPts val="600"/>
-              </a:spcAft>
-            </a:pPr>
-            <a:r>
-              <a:rPr lang="en-US" sz="1800" b="1" dirty="0">
-                <a:latin typeface="Calibri" panose="020F0502020204030204" pitchFamily="34" charset="0"/>
-                <a:cs typeface="Calibri" panose="020F0502020204030204" pitchFamily="34" charset="0"/>
-              </a:rPr>
-              <a:t>Phase 3 </a:t>
-            </a:r>
-            <a:r>
-              <a:rPr lang="en-US" sz="1800" b="1" dirty="0" smtClean="0">
-                <a:latin typeface="Calibri" panose="020F0502020204030204" pitchFamily="34" charset="0"/>
-                <a:cs typeface="Calibri" panose="020F0502020204030204" pitchFamily="34" charset="0"/>
-              </a:rPr>
-              <a:t>:</a:t>
-            </a:r>
-          </a:p>
-          <a:p>
-            <a:pPr marL="285750" indent="-285750">
-              <a:spcAft>
-                <a:spcPts val="600"/>
-              </a:spcAft>
-              <a:buFont typeface="Arial" pitchFamily="34" charset="0"/>
-              <a:buChar char="•"/>
-            </a:pPr>
-            <a:r>
-              <a:rPr lang="en-US" sz="1800" dirty="0" smtClean="0">
-                <a:latin typeface="Calibri" panose="020F0502020204030204" pitchFamily="34" charset="0"/>
-                <a:cs typeface="Calibri" panose="020F0502020204030204" pitchFamily="34" charset="0"/>
-              </a:rPr>
-              <a:t>Publish web service and MySQL Database</a:t>
+              <a:t>Tracking with the mobile GPS  not with  real GPS  module</a:t>
             </a:r>
             <a:endParaRPr lang="en-US" sz="1800" dirty="0">
               <a:latin typeface="Calibri" panose="020F0502020204030204" pitchFamily="34" charset="0"/>
@@ -12471,16 +12566,7 @@
                           <a:ea typeface="Calibri"/>
                           <a:cs typeface="Calibri" panose="020F0502020204030204" pitchFamily="34" charset="0"/>
                         </a:rPr>
-                        <a:t>. </a:t>
-                      </a:r>
-                      <a:r>
-                        <a:rPr lang="en-IN" sz="1800" dirty="0" smtClean="0">
-                          <a:effectLst/>
-                          <a:latin typeface="Calibri" panose="020F0502020204030204" pitchFamily="34" charset="0"/>
-                          <a:ea typeface="Calibri"/>
-                          <a:cs typeface="Calibri" panose="020F0502020204030204" pitchFamily="34" charset="0"/>
-                        </a:rPr>
-                        <a:t>Internal Training/KT</a:t>
+                        <a:t>. Internal Training/KT</a:t>
                       </a:r>
                       <a:r>
                         <a:rPr lang="en-IN" sz="1800" baseline="0" dirty="0" smtClean="0">
@@ -12498,16 +12584,7 @@
                           <a:ea typeface="Calibri"/>
                           <a:cs typeface="Calibri" panose="020F0502020204030204" pitchFamily="34" charset="0"/>
                         </a:rPr>
-                        <a:t>in </a:t>
-                      </a:r>
-                      <a:r>
-                        <a:rPr lang="en-IN" sz="1800" dirty="0" smtClean="0">
-                          <a:effectLst/>
-                          <a:latin typeface="Calibri" panose="020F0502020204030204" pitchFamily="34" charset="0"/>
-                          <a:ea typeface="Calibri"/>
-                          <a:cs typeface="Calibri" panose="020F0502020204030204" pitchFamily="34" charset="0"/>
-                        </a:rPr>
-                        <a:t>team</a:t>
+                        <a:t>in team</a:t>
                       </a:r>
                       <a:r>
                         <a:rPr lang="en-IN" sz="1800" baseline="0" dirty="0" smtClean="0">
@@ -12527,12 +12604,6 @@
                         </a:rPr>
                         <a:t> </a:t>
                       </a:r>
-                      <a:endParaRPr lang="en-IN" sz="1800" dirty="0" smtClean="0">
-                        <a:effectLst/>
-                        <a:latin typeface="Calibri" panose="020F0502020204030204" pitchFamily="34" charset="0"/>
-                        <a:ea typeface="Calibri"/>
-                        <a:cs typeface="Calibri" panose="020F0502020204030204" pitchFamily="34" charset="0"/>
-                      </a:endParaRPr>
                     </a:p>
                   </a:txBody>
                   <a:tcPr marL="68580" marR="68580" marT="0" marB="0" anchor="ctr">
@@ -13070,11 +13141,18 @@
               <a:t>functionality or activities that are not specifically mentioned in the scope are considered excluded from the scope of this proposal. If </a:t>
             </a:r>
             <a:r>
+              <a:rPr lang="en-US" sz="1800" dirty="0" err="1" smtClean="0">
+                <a:latin typeface="Calibri" panose="020F0502020204030204" pitchFamily="34" charset="0"/>
+                <a:cs typeface="Calibri" panose="020F0502020204030204" pitchFamily="34" charset="0"/>
+              </a:rPr>
+              <a:t>EasiCab</a:t>
+            </a:r>
+            <a:r>
               <a:rPr lang="en-US" sz="1800" dirty="0" smtClean="0">
                 <a:latin typeface="Calibri" panose="020F0502020204030204" pitchFamily="34" charset="0"/>
                 <a:cs typeface="Calibri" panose="020F0502020204030204" pitchFamily="34" charset="0"/>
               </a:rPr>
-              <a:t>EasiCab so </a:t>
+              <a:t> so </a:t>
             </a:r>
             <a:r>
               <a:rPr lang="en-US" sz="1800" dirty="0">
@@ -16453,7 +16531,7 @@
         <p:spPr>
           <a:xfrm>
             <a:off x="832513" y="1182231"/>
-            <a:ext cx="7779224" cy="3247043"/>
+            <a:ext cx="7779224" cy="2970044"/>
           </a:xfrm>
           <a:prstGeom prst="rect">
             <a:avLst/>
@@ -16533,28 +16611,6 @@
               <a:latin typeface="Calibri" panose="020F0502020204030204" pitchFamily="34" charset="0"/>
               <a:cs typeface="Calibri" panose="020F0502020204030204" pitchFamily="34" charset="0"/>
             </a:endParaRPr>
-          </a:p>
-          <a:p>
-            <a:r>
-              <a:rPr lang="en-US" sz="1800" dirty="0">
-                <a:solidFill>
-                  <a:srgbClr val="4D4F53"/>
-                </a:solidFill>
-                <a:latin typeface="Calibri" panose="020F0502020204030204" pitchFamily="34" charset="0"/>
-                <a:cs typeface="Calibri" panose="020F0502020204030204" pitchFamily="34" charset="0"/>
-              </a:rPr>
-              <a:t>Easily manage the cab facilities by </a:t>
-            </a:r>
-            <a:r>
-              <a:rPr lang="en-US" sz="1800" dirty="0" smtClean="0">
-                <a:solidFill>
-                  <a:srgbClr val="4D4F53"/>
-                </a:solidFill>
-                <a:latin typeface="Calibri" panose="020F0502020204030204" pitchFamily="34" charset="0"/>
-                <a:cs typeface="Calibri" panose="020F0502020204030204" pitchFamily="34" charset="0"/>
-              </a:rPr>
-              <a:t>smartphones</a:t>
-            </a:r>
           </a:p>
           <a:p>
             <a:endParaRPr lang="en-US" sz="1800" dirty="0">
@@ -17194,7 +17250,21 @@
                 <a:latin typeface="Calibri" panose="020F0502020204030204" pitchFamily="34" charset="0"/>
                 <a:cs typeface="Calibri" panose="020F0502020204030204" pitchFamily="34" charset="0"/>
               </a:rPr>
-              <a:t>Export reports in excel format</a:t>
+              <a:t>Export reports in </a:t>
+            </a:r>
+            <a:r>
+              <a:rPr lang="en-US" sz="1800" dirty="0" smtClean="0">
+                <a:latin typeface="Calibri" panose="020F0502020204030204" pitchFamily="34" charset="0"/>
+                <a:cs typeface="Calibri" panose="020F0502020204030204" pitchFamily="34" charset="0"/>
+              </a:rPr>
+              <a:t>excel </a:t>
+            </a:r>
+            <a:r>
+              <a:rPr lang="en-US" sz="1800" dirty="0">
+                <a:latin typeface="Calibri" panose="020F0502020204030204" pitchFamily="34" charset="0"/>
+                <a:cs typeface="Calibri" panose="020F0502020204030204" pitchFamily="34" charset="0"/>
+              </a:rPr>
+              <a:t>format</a:t>
             </a:r>
           </a:p>
           <a:p>
@@ -17244,8 +17314,8 @@
         </p:nvSpPr>
         <p:spPr>
           <a:xfrm>
-            <a:off x="5609228" y="3157539"/>
-            <a:ext cx="3029803" cy="3707305"/>
+            <a:off x="5609228" y="3002508"/>
+            <a:ext cx="3029803" cy="2524836"/>
           </a:xfrm>
           <a:prstGeom prst="rect">
             <a:avLst/>
@@ -17482,6 +17552,13 @@
   <p:clrMapOvr>
     <a:masterClrMapping/>
   </p:clrMapOvr>
+  <p:timing>
+    <p:tnLst>
+      <p:par>
+        <p:cTn id="1" dur="indefinite" restart="never" nodeType="tmRoot"/>
+      </p:par>
+    </p:tnLst>
+  </p:timing>
 </p:sld>
 </file>
 
@@ -17801,6 +17878,13 @@
   <p:clrMapOvr>
     <a:masterClrMapping/>
   </p:clrMapOvr>
+  <p:timing>
+    <p:tnLst>
+      <p:par>
+        <p:cTn id="1" dur="indefinite" restart="never" nodeType="tmRoot"/>
+      </p:par>
+    </p:tnLst>
+  </p:timing>
 </p:sld>
 </file>
 
@@ -18007,6 +18091,16 @@
               <a:buChar char="•"/>
             </a:pPr>
             <a:r>
+              <a:rPr lang="en-US" sz="1800" dirty="0" smtClean="0">
+                <a:solidFill>
+                  <a:schemeClr val="tx1"/>
+                </a:solidFill>
+                <a:latin typeface="Calibri" panose="020F0502020204030204" pitchFamily="34" charset="0"/>
+                <a:cs typeface="Calibri" panose="020F0502020204030204" pitchFamily="34" charset="0"/>
+              </a:rPr>
+              <a:t>Cab/Employee </a:t>
+            </a:r>
+            <a:r>
               <a:rPr lang="en-US" sz="1800" dirty="0">
                 <a:solidFill>
                   <a:schemeClr val="tx1"/>
@@ -18014,7 +18108,7 @@
                 <a:latin typeface="Calibri" panose="020F0502020204030204" pitchFamily="34" charset="0"/>
                 <a:cs typeface="Calibri" panose="020F0502020204030204" pitchFamily="34" charset="0"/>
               </a:rPr>
-              <a:t>Cab monitoring &amp; Google map</a:t>
+              <a:t>monitoring &amp; Google map</a:t>
             </a:r>
           </a:p>
           <a:p>
@@ -18054,6 +18148,43 @@
               </a:rPr>
               <a:t>SOS (Emergency Button) </a:t>
             </a:r>
+            <a:endParaRPr lang="en-US" sz="1800" dirty="0" smtClean="0">
+              <a:solidFill>
+                <a:schemeClr val="tx1"/>
+              </a:solidFill>
+              <a:latin typeface="Calibri" panose="020F0502020204030204" pitchFamily="34" charset="0"/>
+              <a:cs typeface="Calibri" panose="020F0502020204030204" pitchFamily="34" charset="0"/>
+            </a:endParaRPr>
+          </a:p>
+          <a:p>
+            <a:pPr marL="285750" indent="-285750">
+              <a:spcBef>
+                <a:spcPct val="20000"/>
+              </a:spcBef>
+              <a:buFont typeface="Arial" panose="020B0604020202020204" pitchFamily="34" charset="0"/>
+              <a:buChar char="•"/>
+            </a:pPr>
+            <a:r>
+              <a:rPr lang="en-US" sz="1800" dirty="0">
+                <a:latin typeface="Calibri" panose="020F0502020204030204" pitchFamily="34" charset="0"/>
+                <a:cs typeface="Calibri" panose="020F0502020204030204" pitchFamily="34" charset="0"/>
+              </a:rPr>
+              <a:t>Web service </a:t>
+            </a:r>
+            <a:r>
+              <a:rPr lang="en-US" sz="1800" dirty="0" smtClean="0">
+                <a:latin typeface="Calibri" panose="020F0502020204030204" pitchFamily="34" charset="0"/>
+                <a:cs typeface="Calibri" panose="020F0502020204030204" pitchFamily="34" charset="0"/>
+              </a:rPr>
+              <a:t>Development</a:t>
+            </a:r>
+            <a:endParaRPr lang="en-US" sz="1800" dirty="0">
+              <a:solidFill>
+                <a:schemeClr val="tx1"/>
+              </a:solidFill>
+              <a:latin typeface="Calibri" panose="020F0502020204030204" pitchFamily="34" charset="0"/>
+              <a:cs typeface="Calibri" panose="020F0502020204030204" pitchFamily="34" charset="0"/>
+            </a:endParaRPr>
           </a:p>
           <a:p>
             <a:pPr marL="285750" lvl="0" indent="-285750">

--- a/trunk/EasiCab/Documents/EASiCab_POC_kick off.pptx
+++ b/trunk/EasiCab/Documents/EASiCab_POC_kick off.pptx
@@ -5,10 +5,10 @@
     <p:sldMasterId id="2147483648" r:id="rId1"/>
   </p:sldMasterIdLst>
   <p:notesMasterIdLst>
-    <p:notesMasterId r:id="rId26"/>
+    <p:notesMasterId r:id="rId24"/>
   </p:notesMasterIdLst>
   <p:handoutMasterIdLst>
-    <p:handoutMasterId r:id="rId27"/>
+    <p:handoutMasterId r:id="rId25"/>
   </p:handoutMasterIdLst>
   <p:sldIdLst>
     <p:sldId id="259" r:id="rId2"/>
@@ -29,12 +29,10 @@
     <p:sldId id="283" r:id="rId17"/>
     <p:sldId id="284" r:id="rId18"/>
     <p:sldId id="285" r:id="rId19"/>
-    <p:sldId id="286" r:id="rId20"/>
-    <p:sldId id="287" r:id="rId21"/>
-    <p:sldId id="288" r:id="rId22"/>
-    <p:sldId id="290" r:id="rId23"/>
-    <p:sldId id="293" r:id="rId24"/>
-    <p:sldId id="268" r:id="rId25"/>
+    <p:sldId id="288" r:id="rId20"/>
+    <p:sldId id="290" r:id="rId21"/>
+    <p:sldId id="293" r:id="rId22"/>
+    <p:sldId id="268" r:id="rId23"/>
   </p:sldIdLst>
   <p:sldSz cx="9144000" cy="6858000" type="screen4x3"/>
   <p:notesSz cx="6858000" cy="9144000"/>
@@ -135,7 +133,7 @@
   </p:defaultTextStyle>
   <p:extLst>
     <p:ext uri="{EFAFB233-063F-42B5-8137-9DF3F51BA10A}">
-      <p15:sldGuideLst xmlns:p15="http://schemas.microsoft.com/office/powerpoint/2012/main" xmlns="">
+      <p15:sldGuideLst xmlns="" xmlns:p15="http://schemas.microsoft.com/office/powerpoint/2012/main">
         <p15:guide id="1" orient="horz" pos="2592" userDrawn="1">
           <p15:clr>
             <a:srgbClr val="A4A3A4"/>
@@ -244,7 +242,7 @@
           <a:p>
             <a:fld id="{10547AE1-0D1D-3A4D-8566-358FA96FF472}" type="datetimeFigureOut">
               <a:rPr lang="en-US" smtClean="0"/>
-              <a:t>8/16/2016</a:t>
+              <a:t>8/17/2016</a:t>
             </a:fld>
             <a:endParaRPr lang="en-US"/>
           </a:p>
@@ -410,7 +408,7 @@
           <a:p>
             <a:fld id="{555608FB-558C-E448-AAE5-74BFB92C58FE}" type="datetimeFigureOut">
               <a:rPr lang="en-US" smtClean="0"/>
-              <a:t>8/16/2016</a:t>
+              <a:t>8/17/2016</a:t>
             </a:fld>
             <a:endParaRPr lang="en-US"/>
           </a:p>
@@ -7687,11 +7685,7 @@
           <a:p>
             <a:r>
               <a:rPr lang="en-US" sz="1200" dirty="0" smtClean="0"/>
-              <a:t>Date : </a:t>
-            </a:r>
-            <a:r>
-              <a:rPr lang="en-US" sz="1200" dirty="0" smtClean="0"/>
-              <a:t>18</a:t>
+              <a:t>Date : 18</a:t>
             </a:r>
             <a:r>
               <a:rPr lang="en-US" sz="1200" baseline="30000" dirty="0" smtClean="0"/>
@@ -7699,11 +7693,7 @@
             </a:r>
             <a:r>
               <a:rPr lang="en-US" sz="1200" dirty="0" smtClean="0"/>
-              <a:t> August </a:t>
-            </a:r>
-            <a:r>
-              <a:rPr lang="en-US" sz="1200" dirty="0" smtClean="0"/>
-              <a:t>2016</a:t>
+              <a:t> August 2016</a:t>
             </a:r>
             <a:endParaRPr lang="en-US" sz="1200" dirty="0"/>
           </a:p>
@@ -9732,14 +9722,14 @@
           <p:nvPr>
             <p:extLst>
               <p:ext uri="{D42A27DB-BD31-4B8C-83A1-F6EECF244321}">
-                <p14:modId xmlns:p14="http://schemas.microsoft.com/office/powerpoint/2010/main" val="4093407328"/>
+                <p14:modId xmlns:p14="http://schemas.microsoft.com/office/powerpoint/2010/main" val="3344799994"/>
               </p:ext>
             </p:extLst>
           </p:nvPr>
         </p:nvGraphicFramePr>
         <p:xfrm>
           <a:off x="846160" y="1182804"/>
-          <a:ext cx="7889542" cy="4899906"/>
+          <a:ext cx="7889542" cy="4955532"/>
         </p:xfrm>
         <a:graphic>
           <a:graphicData uri="http://schemas.openxmlformats.org/drawingml/2006/table">
@@ -10063,6 +10053,15 @@
                           <a:spcPts val="0"/>
                         </a:spcAft>
                       </a:pPr>
+                      <a:r>
+                        <a:rPr lang="en-US" sz="1800" dirty="0" smtClean="0">
+                          <a:effectLst/>
+                          <a:latin typeface="Calibri" panose="020F0502020204030204" pitchFamily="34" charset="0"/>
+                          <a:ea typeface="Times New Roman"/>
+                          <a:cs typeface="Calibri" panose="020F0502020204030204" pitchFamily="34" charset="0"/>
+                        </a:rPr>
+                        <a:t>23-August-2016</a:t>
+                      </a:r>
                       <a:endParaRPr lang="en-IN" sz="1800" dirty="0">
                         <a:effectLst/>
                         <a:latin typeface="Calibri" panose="020F0502020204030204" pitchFamily="34" charset="0"/>
@@ -10667,15 +10666,45 @@
                 <a:latin typeface="Calibri" panose="020F0502020204030204" pitchFamily="34" charset="0"/>
                 <a:cs typeface="Calibri" panose="020F0502020204030204" pitchFamily="34" charset="0"/>
               </a:rPr>
-              <a:t>Android Studio –                 </a:t>
-            </a:r>
+              <a:t>Android Studio –                 			Android  Development</a:t>
+            </a:r>
+          </a:p>
+          <a:p>
+            <a:pPr marL="285750" indent="-285750">
+              <a:buFont typeface="Arial" pitchFamily="34" charset="0"/>
+              <a:buChar char="•"/>
+            </a:pPr>
             <a:r>
               <a:rPr lang="en-US" sz="1800" dirty="0" smtClean="0">
                 <a:latin typeface="Calibri" panose="020F0502020204030204" pitchFamily="34" charset="0"/>
                 <a:cs typeface="Calibri" panose="020F0502020204030204" pitchFamily="34" charset="0"/>
               </a:rPr>
-              <a:t>			Android  Development</a:t>
-            </a:r>
+              <a:t>X-code –                              				iOS Development</a:t>
+            </a:r>
+          </a:p>
+          <a:p>
+            <a:pPr marL="285750" indent="-285750">
+              <a:buFont typeface="Arial" pitchFamily="34" charset="0"/>
+              <a:buChar char="•"/>
+            </a:pPr>
+            <a:r>
+              <a:rPr lang="en-US" sz="1800" dirty="0" smtClean="0">
+                <a:latin typeface="Calibri" panose="020F0502020204030204" pitchFamily="34" charset="0"/>
+                <a:cs typeface="Calibri" panose="020F0502020204030204" pitchFamily="34" charset="0"/>
+              </a:rPr>
+              <a:t>Eclipse, Apache Tomcat Server</a:t>
+            </a:r>
+          </a:p>
+          <a:p>
+            <a:r>
+              <a:rPr lang="en-US" sz="1800" dirty="0" smtClean="0">
+                <a:latin typeface="Calibri" panose="020F0502020204030204" pitchFamily="34" charset="0"/>
+                <a:cs typeface="Calibri" panose="020F0502020204030204" pitchFamily="34" charset="0"/>
+              </a:rPr>
+              <a:t>     &amp; MySQL Database –            			Web Service Development</a:t>
+            </a:r>
+          </a:p>
+          <a:p>
             <a:endParaRPr lang="en-US" sz="1800" dirty="0" smtClean="0">
               <a:latin typeface="Calibri" panose="020F0502020204030204" pitchFamily="34" charset="0"/>
               <a:cs typeface="Calibri" panose="020F0502020204030204" pitchFamily="34" charset="0"/>
@@ -10691,21 +10720,7 @@
                 <a:latin typeface="Calibri" panose="020F0502020204030204" pitchFamily="34" charset="0"/>
                 <a:cs typeface="Calibri" panose="020F0502020204030204" pitchFamily="34" charset="0"/>
               </a:rPr>
-              <a:t>X-code –                              </a:t>
-            </a:r>
-            <a:r>
-              <a:rPr lang="en-US" sz="1800" dirty="0" smtClean="0">
-                <a:latin typeface="Calibri" panose="020F0502020204030204" pitchFamily="34" charset="0"/>
-                <a:cs typeface="Calibri" panose="020F0502020204030204" pitchFamily="34" charset="0"/>
-              </a:rPr>
-              <a:t>				iOS </a:t>
-            </a:r>
-            <a:r>
-              <a:rPr lang="en-US" sz="1800" dirty="0" smtClean="0">
-                <a:latin typeface="Calibri" panose="020F0502020204030204" pitchFamily="34" charset="0"/>
-                <a:cs typeface="Calibri" panose="020F0502020204030204" pitchFamily="34" charset="0"/>
-              </a:rPr>
-              <a:t>Development</a:t>
+              <a:t>SVN  --                                 				Source control</a:t>
             </a:r>
           </a:p>
           <a:p>
@@ -10718,37 +10733,8 @@
                 <a:latin typeface="Calibri" panose="020F0502020204030204" pitchFamily="34" charset="0"/>
                 <a:cs typeface="Calibri" panose="020F0502020204030204" pitchFamily="34" charset="0"/>
               </a:rPr>
-              <a:t>Eclipse, Apache Tomcat Server</a:t>
-            </a:r>
-          </a:p>
-          <a:p>
-            <a:r>
-              <a:rPr lang="en-US" sz="1800" dirty="0" smtClean="0">
-                <a:latin typeface="Calibri" panose="020F0502020204030204" pitchFamily="34" charset="0"/>
-                <a:cs typeface="Calibri" panose="020F0502020204030204" pitchFamily="34" charset="0"/>
-              </a:rPr>
-              <a:t>     &amp; MySQL Database –            			Web </a:t>
-            </a:r>
-            <a:r>
-              <a:rPr lang="en-US" sz="1800" dirty="0" smtClean="0">
-                <a:latin typeface="Calibri" panose="020F0502020204030204" pitchFamily="34" charset="0"/>
-                <a:cs typeface="Calibri" panose="020F0502020204030204" pitchFamily="34" charset="0"/>
-              </a:rPr>
-              <a:t>Service </a:t>
-            </a:r>
-            <a:r>
-              <a:rPr lang="en-US" sz="1800" dirty="0" smtClean="0">
-                <a:latin typeface="Calibri" panose="020F0502020204030204" pitchFamily="34" charset="0"/>
-                <a:cs typeface="Calibri" panose="020F0502020204030204" pitchFamily="34" charset="0"/>
-              </a:rPr>
-              <a:t>Development</a:t>
-            </a:r>
-          </a:p>
-          <a:p>
-            <a:endParaRPr lang="en-US" sz="1800" dirty="0" smtClean="0">
-              <a:latin typeface="Calibri" panose="020F0502020204030204" pitchFamily="34" charset="0"/>
-              <a:cs typeface="Calibri" panose="020F0502020204030204" pitchFamily="34" charset="0"/>
-            </a:endParaRPr>
+              <a:t>Simulator –                         				For application Testing</a:t>
+            </a:r>
           </a:p>
           <a:p>
             <a:pPr marL="285750" indent="-285750">
@@ -10760,68 +10746,7 @@
                 <a:latin typeface="Calibri" panose="020F0502020204030204" pitchFamily="34" charset="0"/>
                 <a:cs typeface="Calibri" panose="020F0502020204030204" pitchFamily="34" charset="0"/>
               </a:rPr>
-              <a:t>SVN  --                                 </a:t>
-            </a:r>
-            <a:r>
-              <a:rPr lang="en-US" sz="1800" dirty="0" smtClean="0">
-                <a:latin typeface="Calibri" panose="020F0502020204030204" pitchFamily="34" charset="0"/>
-                <a:cs typeface="Calibri" panose="020F0502020204030204" pitchFamily="34" charset="0"/>
-              </a:rPr>
-              <a:t>				Source </a:t>
-            </a:r>
-            <a:r>
-              <a:rPr lang="en-US" sz="1800" dirty="0" smtClean="0">
-                <a:latin typeface="Calibri" panose="020F0502020204030204" pitchFamily="34" charset="0"/>
-                <a:cs typeface="Calibri" panose="020F0502020204030204" pitchFamily="34" charset="0"/>
-              </a:rPr>
-              <a:t>control</a:t>
-            </a:r>
-          </a:p>
-          <a:p>
-            <a:pPr marL="285750" indent="-285750">
-              <a:buFont typeface="Arial" pitchFamily="34" charset="0"/>
-              <a:buChar char="•"/>
-            </a:pPr>
-            <a:r>
-              <a:rPr lang="en-US" sz="1800" dirty="0" smtClean="0">
-                <a:latin typeface="Calibri" panose="020F0502020204030204" pitchFamily="34" charset="0"/>
-                <a:cs typeface="Calibri" panose="020F0502020204030204" pitchFamily="34" charset="0"/>
-              </a:rPr>
-              <a:t>Simulator –                         </a:t>
-            </a:r>
-            <a:r>
-              <a:rPr lang="en-US" sz="1800" dirty="0" smtClean="0">
-                <a:latin typeface="Calibri" panose="020F0502020204030204" pitchFamily="34" charset="0"/>
-                <a:cs typeface="Calibri" panose="020F0502020204030204" pitchFamily="34" charset="0"/>
-              </a:rPr>
-              <a:t>				For </a:t>
-            </a:r>
-            <a:r>
-              <a:rPr lang="en-US" sz="1800" dirty="0" smtClean="0">
-                <a:latin typeface="Calibri" panose="020F0502020204030204" pitchFamily="34" charset="0"/>
-                <a:cs typeface="Calibri" panose="020F0502020204030204" pitchFamily="34" charset="0"/>
-              </a:rPr>
-              <a:t>application Testing</a:t>
-            </a:r>
-          </a:p>
-          <a:p>
-            <a:pPr marL="285750" indent="-285750">
-              <a:buFont typeface="Arial" pitchFamily="34" charset="0"/>
-              <a:buChar char="•"/>
-            </a:pPr>
-            <a:r>
-              <a:rPr lang="en-US" sz="1800" dirty="0" smtClean="0">
-                <a:latin typeface="Calibri" panose="020F0502020204030204" pitchFamily="34" charset="0"/>
-                <a:cs typeface="Calibri" panose="020F0502020204030204" pitchFamily="34" charset="0"/>
-              </a:rPr>
-              <a:t>Testing </a:t>
-            </a:r>
-            <a:r>
-              <a:rPr lang="en-US" sz="1800" dirty="0" smtClean="0">
-                <a:latin typeface="Calibri" panose="020F0502020204030204" pitchFamily="34" charset="0"/>
-                <a:cs typeface="Calibri" panose="020F0502020204030204" pitchFamily="34" charset="0"/>
-              </a:rPr>
-              <a:t>Tool--                        			</a:t>
+              <a:t>Testing Tool--                        			</a:t>
             </a:r>
             <a:r>
               <a:rPr lang="en-US" sz="1800" dirty="0" err="1" smtClean="0">
@@ -10944,21 +10869,7 @@
                 <a:latin typeface="Calibri" panose="020F0502020204030204" pitchFamily="34" charset="0"/>
                 <a:cs typeface="Calibri" panose="020F0502020204030204" pitchFamily="34" charset="0"/>
               </a:rPr>
-              <a:t>Android Developer engineer –       </a:t>
-            </a:r>
-            <a:r>
-              <a:rPr lang="en-US" sz="1800" dirty="0" smtClean="0">
-                <a:latin typeface="Calibri" panose="020F0502020204030204" pitchFamily="34" charset="0"/>
-                <a:cs typeface="Calibri" panose="020F0502020204030204" pitchFamily="34" charset="0"/>
-              </a:rPr>
-              <a:t>  Subhalaxmi</a:t>
-            </a:r>
-            <a:r>
-              <a:rPr lang="en-US" sz="1800" dirty="0" smtClean="0">
-                <a:latin typeface="Calibri" panose="020F0502020204030204" pitchFamily="34" charset="0"/>
-                <a:cs typeface="Calibri" panose="020F0502020204030204" pitchFamily="34" charset="0"/>
-              </a:rPr>
-              <a:t>, Nitesh</a:t>
+              <a:t>Android Developer engineer –         Subhalaxmi, Nitesh</a:t>
             </a:r>
           </a:p>
           <a:p>
@@ -10971,21 +10882,7 @@
                 <a:latin typeface="Calibri" panose="020F0502020204030204" pitchFamily="34" charset="0"/>
                 <a:cs typeface="Calibri" panose="020F0502020204030204" pitchFamily="34" charset="0"/>
               </a:rPr>
-              <a:t>iOS Developer engineer </a:t>
-            </a:r>
-            <a:r>
-              <a:rPr lang="en-US" sz="1800" dirty="0" smtClean="0">
-                <a:latin typeface="Calibri" panose="020F0502020204030204" pitchFamily="34" charset="0"/>
-                <a:cs typeface="Calibri" panose="020F0502020204030204" pitchFamily="34" charset="0"/>
-              </a:rPr>
-              <a:t>--                 </a:t>
-            </a:r>
-            <a:r>
-              <a:rPr lang="en-US" sz="1800" dirty="0" smtClean="0">
-                <a:latin typeface="Calibri" panose="020F0502020204030204" pitchFamily="34" charset="0"/>
-                <a:cs typeface="Calibri" panose="020F0502020204030204" pitchFamily="34" charset="0"/>
-              </a:rPr>
-              <a:t>Rohit</a:t>
+              <a:t>iOS Developer engineer --                 Rohit</a:t>
             </a:r>
           </a:p>
         </p:txBody>
@@ -11299,7 +11196,7 @@
         <p:spPr>
           <a:xfrm>
             <a:off x="832514" y="1124660"/>
-            <a:ext cx="7001302" cy="2693045"/>
+            <a:ext cx="7001302" cy="2339102"/>
           </a:xfrm>
           <a:prstGeom prst="rect">
             <a:avLst/>
@@ -11324,42 +11221,21 @@
                 <a:latin typeface="Calibri" panose="020F0502020204030204" pitchFamily="34" charset="0"/>
                 <a:cs typeface="Calibri" panose="020F0502020204030204" pitchFamily="34" charset="0"/>
               </a:rPr>
-              <a:t>Minimum </a:t>
+              <a:t>Minimum 85% FTR and </a:t>
+            </a:r>
+            <a:r>
+              <a:rPr lang="en-US" sz="1800" dirty="0">
+                <a:latin typeface="Calibri" panose="020F0502020204030204" pitchFamily="34" charset="0"/>
+                <a:cs typeface="Calibri" panose="020F0502020204030204" pitchFamily="34" charset="0"/>
+              </a:rPr>
+              <a:t>9</a:t>
             </a:r>
             <a:r>
               <a:rPr lang="en-US" sz="1800" dirty="0" smtClean="0">
                 <a:latin typeface="Calibri" panose="020F0502020204030204" pitchFamily="34" charset="0"/>
                 <a:cs typeface="Calibri" panose="020F0502020204030204" pitchFamily="34" charset="0"/>
               </a:rPr>
-              <a:t>85</a:t>
-            </a:r>
-            <a:r>
-              <a:rPr lang="en-US" sz="1800" dirty="0" smtClean="0">
-                <a:latin typeface="Calibri" panose="020F0502020204030204" pitchFamily="34" charset="0"/>
-                <a:cs typeface="Calibri" panose="020F0502020204030204" pitchFamily="34" charset="0"/>
-              </a:rPr>
-              <a:t>% FTR and </a:t>
-            </a:r>
-            <a:r>
-              <a:rPr lang="en-US" sz="1800" dirty="0">
-                <a:latin typeface="Calibri" panose="020F0502020204030204" pitchFamily="34" charset="0"/>
-                <a:cs typeface="Calibri" panose="020F0502020204030204" pitchFamily="34" charset="0"/>
-              </a:rPr>
-              <a:t>9</a:t>
-            </a:r>
-            <a:r>
-              <a:rPr lang="en-US" sz="1800" dirty="0" smtClean="0">
-                <a:latin typeface="Calibri" panose="020F0502020204030204" pitchFamily="34" charset="0"/>
-                <a:cs typeface="Calibri" panose="020F0502020204030204" pitchFamily="34" charset="0"/>
-              </a:rPr>
-              <a:t>0</a:t>
-            </a:r>
-            <a:r>
-              <a:rPr lang="en-US" sz="1800" dirty="0" smtClean="0">
-                <a:latin typeface="Calibri" panose="020F0502020204030204" pitchFamily="34" charset="0"/>
-                <a:cs typeface="Calibri" panose="020F0502020204030204" pitchFamily="34" charset="0"/>
-              </a:rPr>
-              <a:t>% OTD have to be achieved and all work products shall be stored in SVN</a:t>
+              <a:t>0% OTD have to be achieved and all work products shall be stored in SVN</a:t>
             </a:r>
           </a:p>
           <a:p>
@@ -11434,22 +11310,6 @@
               <a:latin typeface="Calibri" panose="020F0502020204030204" pitchFamily="34" charset="0"/>
               <a:cs typeface="Calibri" panose="020F0502020204030204" pitchFamily="34" charset="0"/>
             </a:endParaRPr>
-          </a:p>
-          <a:p>
-            <a:pPr marL="285750" indent="-285750">
-              <a:spcBef>
-                <a:spcPts val="600"/>
-              </a:spcBef>
-              <a:buFont typeface="Arial" pitchFamily="34" charset="0"/>
-              <a:buChar char="•"/>
-            </a:pPr>
-            <a:r>
-              <a:rPr lang="en-US" sz="1800" dirty="0" smtClean="0">
-                <a:latin typeface="Calibri" panose="020F0502020204030204" pitchFamily="34" charset="0"/>
-                <a:cs typeface="Calibri" panose="020F0502020204030204" pitchFamily="34" charset="0"/>
-              </a:rPr>
-              <a:t>Weekly quality metrics shall be maintained and published</a:t>
-            </a:r>
           </a:p>
           <a:p>
             <a:pPr marL="285750" indent="-285750">
@@ -11802,7 +11662,7 @@
           <p:nvPr>
             <p:extLst>
               <p:ext uri="{D42A27DB-BD31-4B8C-83A1-F6EECF244321}">
-                <p14:modId xmlns:p14="http://schemas.microsoft.com/office/powerpoint/2010/main" val="1453725592"/>
+                <p14:modId xmlns:p14="http://schemas.microsoft.com/office/powerpoint/2010/main" val="3007143843"/>
               </p:ext>
             </p:extLst>
           </p:nvPr>
@@ -12879,13 +12739,13 @@
                         <a:buNone/>
                       </a:pPr>
                       <a:r>
-                        <a:rPr lang="en-IN" sz="1800" dirty="0" smtClean="0">
+                        <a:rPr lang="en-US" sz="1800" dirty="0" smtClean="0">
                           <a:effectLst/>
                           <a:latin typeface="Calibri" panose="020F0502020204030204" pitchFamily="34" charset="0"/>
                           <a:ea typeface="Calibri"/>
                           <a:cs typeface="Calibri" panose="020F0502020204030204" pitchFamily="34" charset="0"/>
                         </a:rPr>
-                        <a:t>We will test in simulator.</a:t>
+                        <a:t>NA</a:t>
                       </a:r>
                       <a:endParaRPr lang="en-IN" sz="1800" dirty="0">
                         <a:effectLst/>
@@ -13093,27 +12953,160 @@
           <a:lstStyle/>
           <a:p>
             <a:r>
-              <a:rPr lang="en-US" sz="2000" dirty="0"/>
-              <a:t>Change Management</a:t>
-            </a:r>
-            <a:endParaRPr lang="en-IN" sz="2000" dirty="0"/>
-          </a:p>
-        </p:txBody>
-      </p:sp>
-      <p:sp>
-        <p:nvSpPr>
-          <p:cNvPr id="7" name="Text Placeholder 6"/>
-          <p:cNvSpPr txBox="1">
-            <a:spLocks noGrp="1"/>
-          </p:cNvSpPr>
-          <p:nvPr>
-            <p:ph type="body" sz="quarter" idx="15"/>
-          </p:nvPr>
+              <a:rPr lang="en-US" sz="2000" dirty="0">
+                <a:latin typeface="+mn-lt"/>
+              </a:rPr>
+              <a:t>Project Deliverables</a:t>
+            </a:r>
+            <a:endParaRPr lang="en-IN" sz="2000" dirty="0">
+              <a:latin typeface="+mn-lt"/>
+            </a:endParaRPr>
+          </a:p>
+        </p:txBody>
+      </p:sp>
+      <p:sp>
+        <p:nvSpPr>
+          <p:cNvPr id="7" name="Rectangle 6"/>
+          <p:cNvSpPr/>
+          <p:nvPr/>
         </p:nvSpPr>
         <p:spPr>
           <a:xfrm>
-            <a:off x="868680" y="1435620"/>
-            <a:ext cx="7279033" cy="1107996"/>
+            <a:off x="948496" y="1142167"/>
+            <a:ext cx="6776137" cy="1754326"/>
+          </a:xfrm>
+          <a:prstGeom prst="rect">
+            <a:avLst/>
+          </a:prstGeom>
+        </p:spPr>
+        <p:txBody>
+          <a:bodyPr wrap="square">
+            <a:spAutoFit/>
+          </a:bodyPr>
+          <a:lstStyle/>
+          <a:p>
+            <a:pPr marL="285750" indent="-285750">
+              <a:buFont typeface="Arial" pitchFamily="34" charset="0"/>
+              <a:buChar char="•"/>
+            </a:pPr>
+            <a:r>
+              <a:rPr lang="en-IN" sz="1800" dirty="0">
+                <a:latin typeface="Calibri" panose="020F0502020204030204" pitchFamily="34" charset="0"/>
+                <a:cs typeface="Calibri" panose="020F0502020204030204" pitchFamily="34" charset="0"/>
+              </a:rPr>
+              <a:t>Working  Code (UI/Functionalities</a:t>
+            </a:r>
+            <a:r>
+              <a:rPr lang="en-IN" sz="1800" dirty="0" smtClean="0">
+                <a:latin typeface="Calibri" panose="020F0502020204030204" pitchFamily="34" charset="0"/>
+                <a:cs typeface="Calibri" panose="020F0502020204030204" pitchFamily="34" charset="0"/>
+              </a:rPr>
+              <a:t>)</a:t>
+            </a:r>
+          </a:p>
+          <a:p>
+            <a:pPr marL="285750" indent="-285750">
+              <a:buFont typeface="Arial" pitchFamily="34" charset="0"/>
+              <a:buChar char="•"/>
+            </a:pPr>
+            <a:r>
+              <a:rPr lang="en-US" sz="1800" dirty="0" smtClean="0">
+                <a:latin typeface="Calibri" panose="020F0502020204030204" pitchFamily="34" charset="0"/>
+                <a:cs typeface="Calibri" panose="020F0502020204030204" pitchFamily="34" charset="0"/>
+              </a:rPr>
+              <a:t>.</a:t>
+            </a:r>
+            <a:r>
+              <a:rPr lang="en-US" sz="1800" dirty="0" err="1" smtClean="0">
+                <a:latin typeface="Calibri" panose="020F0502020204030204" pitchFamily="34" charset="0"/>
+                <a:cs typeface="Calibri" panose="020F0502020204030204" pitchFamily="34" charset="0"/>
+              </a:rPr>
+              <a:t>apk</a:t>
+            </a:r>
+            <a:r>
+              <a:rPr lang="en-US" sz="1800" dirty="0" smtClean="0">
+                <a:latin typeface="Calibri" panose="020F0502020204030204" pitchFamily="34" charset="0"/>
+                <a:cs typeface="Calibri" panose="020F0502020204030204" pitchFamily="34" charset="0"/>
+              </a:rPr>
+              <a:t> file of android </a:t>
+            </a:r>
+          </a:p>
+          <a:p>
+            <a:pPr marL="285750" indent="-285750">
+              <a:buFont typeface="Arial" pitchFamily="34" charset="0"/>
+              <a:buChar char="•"/>
+            </a:pPr>
+            <a:r>
+              <a:rPr lang="en-US" sz="1800" dirty="0" smtClean="0">
+                <a:latin typeface="Calibri" panose="020F0502020204030204" pitchFamily="34" charset="0"/>
+                <a:cs typeface="Calibri" panose="020F0502020204030204" pitchFamily="34" charset="0"/>
+              </a:rPr>
+              <a:t>.</a:t>
+            </a:r>
+            <a:r>
+              <a:rPr lang="en-US" sz="1800" dirty="0" err="1" smtClean="0">
+                <a:latin typeface="Calibri" panose="020F0502020204030204" pitchFamily="34" charset="0"/>
+                <a:cs typeface="Calibri" panose="020F0502020204030204" pitchFamily="34" charset="0"/>
+              </a:rPr>
+              <a:t>ipa</a:t>
+            </a:r>
+            <a:r>
+              <a:rPr lang="en-US" sz="1800" dirty="0" smtClean="0">
+                <a:latin typeface="Calibri" panose="020F0502020204030204" pitchFamily="34" charset="0"/>
+                <a:cs typeface="Calibri" panose="020F0502020204030204" pitchFamily="34" charset="0"/>
+              </a:rPr>
+              <a:t> file of iOS</a:t>
+            </a:r>
+            <a:endParaRPr lang="en-IN" sz="1800" dirty="0">
+              <a:latin typeface="Calibri" panose="020F0502020204030204" pitchFamily="34" charset="0"/>
+              <a:cs typeface="Calibri" panose="020F0502020204030204" pitchFamily="34" charset="0"/>
+            </a:endParaRPr>
+          </a:p>
+          <a:p>
+            <a:pPr marL="285750" indent="-285750">
+              <a:buFont typeface="Arial" pitchFamily="34" charset="0"/>
+              <a:buChar char="•"/>
+            </a:pPr>
+            <a:r>
+              <a:rPr lang="en-IN" sz="1800" dirty="0" smtClean="0">
+                <a:latin typeface="Calibri" panose="020F0502020204030204" pitchFamily="34" charset="0"/>
+                <a:cs typeface="Calibri" panose="020F0502020204030204" pitchFamily="34" charset="0"/>
+              </a:rPr>
+              <a:t>User manual</a:t>
+            </a:r>
+          </a:p>
+          <a:p>
+            <a:pPr marL="285750" indent="-285750">
+              <a:buFont typeface="Arial" pitchFamily="34" charset="0"/>
+              <a:buChar char="•"/>
+            </a:pPr>
+            <a:endParaRPr lang="en-US" sz="1800" dirty="0">
+              <a:latin typeface="Calibri" panose="020F0502020204030204" pitchFamily="34" charset="0"/>
+              <a:cs typeface="Calibri" panose="020F0502020204030204" pitchFamily="34" charset="0"/>
+            </a:endParaRPr>
+          </a:p>
+          <a:p>
+            <a:pPr marL="285750" indent="-285750">
+              <a:buFont typeface="Arial" pitchFamily="34" charset="0"/>
+              <a:buChar char="•"/>
+            </a:pPr>
+            <a:endParaRPr lang="en-IN" sz="1800" dirty="0">
+              <a:latin typeface="Calibri" panose="020F0502020204030204" pitchFamily="34" charset="0"/>
+              <a:cs typeface="Calibri" panose="020F0502020204030204" pitchFamily="34" charset="0"/>
+            </a:endParaRPr>
+          </a:p>
+        </p:txBody>
+      </p:sp>
+      <p:sp>
+        <p:nvSpPr>
+          <p:cNvPr id="3" name="TextBox 2"/>
+          <p:cNvSpPr txBox="1"/>
+          <p:nvPr/>
+        </p:nvSpPr>
+        <p:spPr>
+          <a:xfrm>
+            <a:off x="928032" y="3452884"/>
+            <a:ext cx="6796601" cy="1200329"/>
           </a:xfrm>
           <a:prstGeom prst="rect">
             <a:avLst/>
@@ -13131,61 +13124,54 @@
                 <a:latin typeface="Calibri" panose="020F0502020204030204" pitchFamily="34" charset="0"/>
                 <a:cs typeface="Calibri" panose="020F0502020204030204" pitchFamily="34" charset="0"/>
               </a:rPr>
-              <a:t> Any </a:t>
+              <a:t>Note: All </a:t>
             </a:r>
             <a:r>
               <a:rPr lang="en-US" sz="1800" dirty="0">
                 <a:latin typeface="Calibri" panose="020F0502020204030204" pitchFamily="34" charset="0"/>
                 <a:cs typeface="Calibri" panose="020F0502020204030204" pitchFamily="34" charset="0"/>
               </a:rPr>
-              <a:t>functionality or activities that are not specifically mentioned in the scope are considered excluded from the scope of this proposal. If </a:t>
-            </a:r>
-            <a:r>
-              <a:rPr lang="en-US" sz="1800" dirty="0" err="1" smtClean="0">
-                <a:latin typeface="Calibri" panose="020F0502020204030204" pitchFamily="34" charset="0"/>
-                <a:cs typeface="Calibri" panose="020F0502020204030204" pitchFamily="34" charset="0"/>
-              </a:rPr>
-              <a:t>EasiCab</a:t>
+              <a:t>project reports, documents and source code will available in </a:t>
             </a:r>
             <a:r>
               <a:rPr lang="en-US" sz="1800" dirty="0" smtClean="0">
                 <a:latin typeface="Calibri" panose="020F0502020204030204" pitchFamily="34" charset="0"/>
                 <a:cs typeface="Calibri" panose="020F0502020204030204" pitchFamily="34" charset="0"/>
               </a:rPr>
-              <a:t> so </a:t>
+              <a:t>SVN Path:  </a:t>
+            </a:r>
+          </a:p>
+          <a:p>
+            <a:r>
+              <a:rPr lang="en-US" sz="1800" dirty="0" smtClean="0">
+                <a:latin typeface="Calibri" panose="020F0502020204030204" pitchFamily="34" charset="0"/>
+                <a:cs typeface="Calibri" panose="020F0502020204030204" pitchFamily="34" charset="0"/>
+                <a:hlinkClick r:id="rId2"/>
+              </a:rPr>
+              <a:t>https</a:t>
             </a:r>
             <a:r>
               <a:rPr lang="en-US" sz="1800" dirty="0">
                 <a:latin typeface="Calibri" panose="020F0502020204030204" pitchFamily="34" charset="0"/>
                 <a:cs typeface="Calibri" panose="020F0502020204030204" pitchFamily="34" charset="0"/>
-              </a:rPr>
-              <a:t>requires, such functionalities or activities can be considered as a change of scope and routed through EASi’s Change Management Process as </a:t>
-            </a:r>
-            <a:r>
-              <a:rPr lang="en-US" sz="1800" dirty="0" smtClean="0">
-                <a:latin typeface="Calibri" panose="020F0502020204030204" pitchFamily="34" charset="0"/>
-                <a:cs typeface="Calibri" panose="020F0502020204030204" pitchFamily="34" charset="0"/>
-              </a:rPr>
-              <a:t>illustrated</a:t>
-            </a:r>
-            <a:r>
-              <a:rPr lang="en-US" sz="1800" dirty="0">
-                <a:latin typeface="Calibri" panose="020F0502020204030204" pitchFamily="34" charset="0"/>
-                <a:cs typeface="Calibri" panose="020F0502020204030204" pitchFamily="34" charset="0"/>
-              </a:rPr>
-              <a:t>.</a:t>
+                <a:hlinkClick r:id="rId2"/>
+              </a:rPr>
+              <a:t>://asi-storage07.blr.allegisindia.com/svn/EASi_App-POC/</a:t>
             </a:r>
             <a:endParaRPr lang="en-IN" sz="1800" dirty="0">
               <a:latin typeface="Calibri" panose="020F0502020204030204" pitchFamily="34" charset="0"/>
               <a:cs typeface="Calibri" panose="020F0502020204030204" pitchFamily="34" charset="0"/>
             </a:endParaRPr>
           </a:p>
+          <a:p>
+            <a:endParaRPr lang="en-IN" sz="1800" dirty="0"/>
+          </a:p>
         </p:txBody>
       </p:sp>
     </p:spTree>
     <p:extLst>
       <p:ext uri="{BB962C8B-B14F-4D97-AF65-F5344CB8AC3E}">
-        <p14:creationId xmlns:p14="http://schemas.microsoft.com/office/powerpoint/2010/main" val="3414923794"/>
+        <p14:creationId xmlns:p14="http://schemas.microsoft.com/office/powerpoint/2010/main" val="3945231529"/>
       </p:ext>
     </p:extLst>
   </p:cSld>
@@ -13614,30 +13600,18 @@
               <a:buAutoNum type="arabicPeriod"/>
             </a:pPr>
             <a:r>
-              <a:rPr lang="en-IN" sz="1500" dirty="0">
-                <a:latin typeface="Calibri" panose="020F0502020204030204" pitchFamily="34" charset="0"/>
-                <a:cs typeface="Calibri" panose="020F0502020204030204" pitchFamily="34" charset="0"/>
-              </a:rPr>
-              <a:t>Change Management</a:t>
-            </a:r>
-          </a:p>
-          <a:p>
-            <a:pPr marL="569913" indent="-569913">
-              <a:spcBef>
-                <a:spcPts val="300"/>
-              </a:spcBef>
-              <a:spcAft>
-                <a:spcPts val="600"/>
-              </a:spcAft>
-              <a:buFontTx/>
-              <a:buAutoNum type="arabicPeriod"/>
-            </a:pPr>
-            <a:r>
               <a:rPr lang="en-IN" sz="1500" dirty="0" smtClean="0">
                 <a:latin typeface="Calibri" panose="020F0502020204030204" pitchFamily="34" charset="0"/>
                 <a:cs typeface="Calibri" panose="020F0502020204030204" pitchFamily="34" charset="0"/>
               </a:rPr>
-              <a:t>Project Deliverables</a:t>
+              <a:t>Project </a:t>
+            </a:r>
+            <a:r>
+              <a:rPr lang="en-IN" sz="1500" dirty="0" smtClean="0">
+                <a:latin typeface="Calibri" panose="020F0502020204030204" pitchFamily="34" charset="0"/>
+                <a:cs typeface="Calibri" panose="020F0502020204030204" pitchFamily="34" charset="0"/>
+              </a:rPr>
+              <a:t>Deliverables</a:t>
             </a:r>
           </a:p>
           <a:p>
@@ -13725,2111 +13699,6 @@
             <a:fld id="{75D64ABA-DC95-A94B-BCA3-09692F8C9985}" type="slidenum">
               <a:rPr lang="en-US" smtClean="0"/>
               <a:t>20</a:t>
-            </a:fld>
-            <a:endParaRPr lang="en-US"/>
-          </a:p>
-        </p:txBody>
-      </p:sp>
-      <p:sp>
-        <p:nvSpPr>
-          <p:cNvPr id="4" name="Title 3"/>
-          <p:cNvSpPr>
-            <a:spLocks noGrp="1"/>
-          </p:cNvSpPr>
-          <p:nvPr>
-            <p:ph type="title"/>
-          </p:nvPr>
-        </p:nvSpPr>
-        <p:spPr/>
-        <p:txBody>
-          <a:bodyPr/>
-          <a:lstStyle/>
-          <a:p>
-            <a:r>
-              <a:rPr lang="en-US" sz="2000" dirty="0"/>
-              <a:t>Change Management</a:t>
-            </a:r>
-            <a:endParaRPr lang="en-IN" sz="2000" dirty="0"/>
-          </a:p>
-        </p:txBody>
-      </p:sp>
-      <p:grpSp>
-        <p:nvGrpSpPr>
-          <p:cNvPr id="7" name="Group 6"/>
-          <p:cNvGrpSpPr>
-            <a:grpSpLocks/>
-          </p:cNvGrpSpPr>
-          <p:nvPr/>
-        </p:nvGrpSpPr>
-        <p:grpSpPr bwMode="auto">
-          <a:xfrm>
-            <a:off x="969380" y="1018871"/>
-            <a:ext cx="7696947" cy="5401310"/>
-            <a:chOff x="1474" y="4310"/>
-            <a:chExt cx="8244" cy="8770"/>
-          </a:xfrm>
-        </p:grpSpPr>
-        <p:sp>
-          <p:nvSpPr>
-            <p:cNvPr id="8" name="AutoShape 167"/>
-            <p:cNvSpPr>
-              <a:spLocks noChangeArrowheads="1"/>
-            </p:cNvSpPr>
-            <p:nvPr/>
-          </p:nvSpPr>
-          <p:spPr bwMode="auto">
-            <a:xfrm>
-              <a:off x="1474" y="4574"/>
-              <a:ext cx="1613" cy="623"/>
-            </a:xfrm>
-            <a:prstGeom prst="roundRect">
-              <a:avLst>
-                <a:gd name="adj" fmla="val 16667"/>
-              </a:avLst>
-            </a:prstGeom>
-            <a:noFill/>
-            <a:ln w="19050">
-              <a:solidFill>
-                <a:schemeClr val="tx2">
-                  <a:lumMod val="100000"/>
-                  <a:lumOff val="0"/>
-                </a:schemeClr>
-              </a:solidFill>
-              <a:round/>
-              <a:headEnd/>
-              <a:tailEnd/>
-            </a:ln>
-            <a:extLst>
-              <a:ext uri="{909E8E84-426E-40DD-AFC4-6F175D3DCCD1}">
-                <a14:hiddenFill xmlns:a14="http://schemas.microsoft.com/office/drawing/2010/main">
-                  <a:solidFill>
-                    <a:schemeClr val="tx2">
-                      <a:lumMod val="100000"/>
-                      <a:lumOff val="0"/>
-                    </a:schemeClr>
-                  </a:solidFill>
-                </a14:hiddenFill>
-              </a:ext>
-            </a:extLst>
-          </p:spPr>
-          <p:txBody>
-            <a:bodyPr rot="0" vert="horz" wrap="square" lIns="91440" tIns="45720" rIns="91440" bIns="45720" anchor="t" anchorCtr="0" upright="1">
-              <a:noAutofit/>
-            </a:bodyPr>
-            <a:lstStyle/>
-            <a:p>
-              <a:pPr>
-                <a:spcAft>
-                  <a:spcPts val="0"/>
-                </a:spcAft>
-              </a:pPr>
-              <a:r>
-                <a:rPr lang="en-US" sz="1000" b="1" dirty="0">
-                  <a:solidFill>
-                    <a:srgbClr val="000000"/>
-                  </a:solidFill>
-                  <a:latin typeface="Calibri" panose="020F0502020204030204" pitchFamily="34" charset="0"/>
-                  <a:ea typeface="Times New Roman"/>
-                  <a:cs typeface="Calibri" panose="020F0502020204030204" pitchFamily="34" charset="0"/>
-                </a:rPr>
-                <a:t>Receive Change Request (CR)</a:t>
-              </a:r>
-              <a:endParaRPr lang="en-IN" sz="1000" b="1" dirty="0">
-                <a:solidFill>
-                  <a:srgbClr val="000000"/>
-                </a:solidFill>
-                <a:latin typeface="Calibri" panose="020F0502020204030204" pitchFamily="34" charset="0"/>
-                <a:ea typeface="Times New Roman"/>
-                <a:cs typeface="Calibri" panose="020F0502020204030204" pitchFamily="34" charset="0"/>
-              </a:endParaRPr>
-            </a:p>
-          </p:txBody>
-        </p:sp>
-        <p:sp>
-          <p:nvSpPr>
-            <p:cNvPr id="9" name="AutoShape 168"/>
-            <p:cNvSpPr>
-              <a:spLocks noChangeArrowheads="1"/>
-            </p:cNvSpPr>
-            <p:nvPr/>
-          </p:nvSpPr>
-          <p:spPr bwMode="auto">
-            <a:xfrm>
-              <a:off x="3658" y="4466"/>
-              <a:ext cx="1896" cy="818"/>
-            </a:xfrm>
-            <a:prstGeom prst="roundRect">
-              <a:avLst>
-                <a:gd name="adj" fmla="val 16667"/>
-              </a:avLst>
-            </a:prstGeom>
-            <a:noFill/>
-            <a:ln w="19050">
-              <a:solidFill>
-                <a:schemeClr val="tx2">
-                  <a:lumMod val="100000"/>
-                  <a:lumOff val="0"/>
-                </a:schemeClr>
-              </a:solidFill>
-              <a:round/>
-              <a:headEnd/>
-              <a:tailEnd/>
-            </a:ln>
-            <a:extLst>
-              <a:ext uri="{909E8E84-426E-40DD-AFC4-6F175D3DCCD1}">
-                <a14:hiddenFill xmlns:a14="http://schemas.microsoft.com/office/drawing/2010/main">
-                  <a:solidFill>
-                    <a:schemeClr val="tx2">
-                      <a:lumMod val="100000"/>
-                      <a:lumOff val="0"/>
-                    </a:schemeClr>
-                  </a:solidFill>
-                </a14:hiddenFill>
-              </a:ext>
-            </a:extLst>
-          </p:spPr>
-          <p:txBody>
-            <a:bodyPr rot="0" vert="horz" wrap="square" lIns="91440" tIns="45720" rIns="91440" bIns="45720" anchor="t" anchorCtr="0" upright="1">
-              <a:noAutofit/>
-            </a:bodyPr>
-            <a:lstStyle/>
-            <a:p>
-              <a:r>
-                <a:rPr lang="en-US" sz="1000" b="1" dirty="0">
-                  <a:solidFill>
-                    <a:srgbClr val="000000"/>
-                  </a:solidFill>
-                  <a:latin typeface="Calibri" panose="020F0502020204030204" pitchFamily="34" charset="0"/>
-                  <a:ea typeface="Times New Roman"/>
-                  <a:cs typeface="Calibri" panose="020F0502020204030204" pitchFamily="34" charset="0"/>
-                </a:rPr>
-                <a:t>Register CR in CR Log with CR Priority and Status: Open</a:t>
-              </a:r>
-              <a:endParaRPr lang="en-IN" sz="1000" b="1" dirty="0">
-                <a:solidFill>
-                  <a:srgbClr val="000000"/>
-                </a:solidFill>
-                <a:latin typeface="Calibri" panose="020F0502020204030204" pitchFamily="34" charset="0"/>
-                <a:ea typeface="Times New Roman"/>
-                <a:cs typeface="Calibri" panose="020F0502020204030204" pitchFamily="34" charset="0"/>
-              </a:endParaRPr>
-            </a:p>
-          </p:txBody>
-        </p:sp>
-        <p:cxnSp>
-          <p:nvCxnSpPr>
-            <p:cNvPr id="10" name="AutoShape 169"/>
-            <p:cNvCxnSpPr>
-              <a:cxnSpLocks noChangeShapeType="1"/>
-            </p:cNvCxnSpPr>
-            <p:nvPr/>
-          </p:nvCxnSpPr>
-          <p:spPr bwMode="auto">
-            <a:xfrm>
-              <a:off x="3087" y="4884"/>
-              <a:ext cx="576" cy="0"/>
-            </a:xfrm>
-            <a:prstGeom prst="straightConnector1">
-              <a:avLst/>
-            </a:prstGeom>
-            <a:noFill/>
-            <a:ln w="31750">
-              <a:solidFill>
-                <a:schemeClr val="bg1">
-                  <a:lumMod val="65000"/>
-                  <a:lumOff val="0"/>
-                </a:schemeClr>
-              </a:solidFill>
-              <a:round/>
-              <a:headEnd/>
-              <a:tailEnd type="arrow" w="sm" len="sm"/>
-            </a:ln>
-            <a:extLst>
-              <a:ext uri="{909E8E84-426E-40DD-AFC4-6F175D3DCCD1}">
-                <a14:hiddenFill xmlns:a14="http://schemas.microsoft.com/office/drawing/2010/main">
-                  <a:noFill/>
-                </a14:hiddenFill>
-              </a:ext>
-            </a:extLst>
-          </p:spPr>
-        </p:cxnSp>
-        <p:sp>
-          <p:nvSpPr>
-            <p:cNvPr id="11" name="AutoShape 170"/>
-            <p:cNvSpPr>
-              <a:spLocks noChangeArrowheads="1"/>
-            </p:cNvSpPr>
-            <p:nvPr/>
-          </p:nvSpPr>
-          <p:spPr bwMode="auto">
-            <a:xfrm>
-              <a:off x="6118" y="4310"/>
-              <a:ext cx="3600" cy="1455"/>
-            </a:xfrm>
-            <a:prstGeom prst="roundRect">
-              <a:avLst>
-                <a:gd name="adj" fmla="val 16667"/>
-              </a:avLst>
-            </a:prstGeom>
-            <a:noFill/>
-            <a:ln w="19050">
-              <a:solidFill>
-                <a:schemeClr val="tx1">
-                  <a:lumMod val="50000"/>
-                  <a:lumOff val="50000"/>
-                </a:schemeClr>
-              </a:solidFill>
-              <a:round/>
-              <a:headEnd/>
-              <a:tailEnd/>
-            </a:ln>
-            <a:extLst>
-              <a:ext uri="{909E8E84-426E-40DD-AFC4-6F175D3DCCD1}">
-                <a14:hiddenFill xmlns:a14="http://schemas.microsoft.com/office/drawing/2010/main">
-                  <a:solidFill>
-                    <a:schemeClr val="tx1">
-                      <a:lumMod val="50000"/>
-                      <a:lumOff val="50000"/>
-                    </a:schemeClr>
-                  </a:solidFill>
-                </a14:hiddenFill>
-              </a:ext>
-            </a:extLst>
-          </p:spPr>
-          <p:txBody>
-            <a:bodyPr rot="0" vert="horz" wrap="square" lIns="91440" tIns="45720" rIns="91440" bIns="45720" anchor="t" anchorCtr="0" upright="1">
-              <a:noAutofit/>
-            </a:bodyPr>
-            <a:lstStyle/>
-            <a:p>
-              <a:pPr>
-                <a:spcAft>
-                  <a:spcPts val="0"/>
-                </a:spcAft>
-              </a:pPr>
-              <a:r>
-                <a:rPr lang="en-US" sz="1000" b="1" dirty="0">
-                  <a:solidFill>
-                    <a:srgbClr val="000000"/>
-                  </a:solidFill>
-                  <a:effectLst/>
-                  <a:latin typeface="Calibri" panose="020F0502020204030204" pitchFamily="34" charset="0"/>
-                  <a:ea typeface="Times New Roman"/>
-                  <a:cs typeface="Calibri" panose="020F0502020204030204" pitchFamily="34" charset="0"/>
-                </a:rPr>
-                <a:t>Perform CR Impact Analysis</a:t>
-              </a:r>
-              <a:endParaRPr lang="en-IN" sz="1000" dirty="0">
-                <a:solidFill>
-                  <a:srgbClr val="262626"/>
-                </a:solidFill>
-                <a:effectLst/>
-                <a:latin typeface="Calibri" panose="020F0502020204030204" pitchFamily="34" charset="0"/>
-                <a:ea typeface="Times New Roman"/>
-                <a:cs typeface="Calibri" panose="020F0502020204030204" pitchFamily="34" charset="0"/>
-              </a:endParaRPr>
-            </a:p>
-            <a:p>
-              <a:pPr marL="342900" lvl="0" indent="-342900">
-                <a:spcBef>
-                  <a:spcPts val="200"/>
-                </a:spcBef>
-                <a:spcAft>
-                  <a:spcPts val="0"/>
-                </a:spcAft>
-                <a:buClr>
-                  <a:srgbClr val="000000"/>
-                </a:buClr>
-                <a:buSzPts val="800"/>
-                <a:buFont typeface="Wingdings"/>
-                <a:buChar char=""/>
-              </a:pPr>
-              <a:r>
-                <a:rPr lang="en-US" sz="1000" b="1" dirty="0">
-                  <a:solidFill>
-                    <a:srgbClr val="000000"/>
-                  </a:solidFill>
-                  <a:effectLst/>
-                  <a:latin typeface="Calibri" panose="020F0502020204030204" pitchFamily="34" charset="0"/>
-                  <a:ea typeface="Times New Roman"/>
-                  <a:cs typeface="Calibri" panose="020F0502020204030204" pitchFamily="34" charset="0"/>
-                </a:rPr>
-                <a:t>Estimate effort and cost</a:t>
-              </a:r>
-              <a:endParaRPr lang="en-IN" sz="1000" dirty="0">
-                <a:solidFill>
-                  <a:srgbClr val="262626"/>
-                </a:solidFill>
-                <a:effectLst/>
-                <a:latin typeface="Calibri" panose="020F0502020204030204" pitchFamily="34" charset="0"/>
-                <a:ea typeface="Times New Roman"/>
-                <a:cs typeface="Calibri" panose="020F0502020204030204" pitchFamily="34" charset="0"/>
-              </a:endParaRPr>
-            </a:p>
-            <a:p>
-              <a:pPr marL="342900" lvl="0" indent="-342900">
-                <a:spcBef>
-                  <a:spcPts val="200"/>
-                </a:spcBef>
-                <a:spcAft>
-                  <a:spcPts val="0"/>
-                </a:spcAft>
-                <a:buClr>
-                  <a:srgbClr val="000000"/>
-                </a:buClr>
-                <a:buSzPts val="800"/>
-                <a:buFont typeface="Wingdings"/>
-                <a:buChar char=""/>
-              </a:pPr>
-              <a:r>
-                <a:rPr lang="en-US" sz="1000" b="1" dirty="0">
-                  <a:solidFill>
-                    <a:srgbClr val="000000"/>
-                  </a:solidFill>
-                  <a:effectLst/>
-                  <a:latin typeface="Calibri" panose="020F0502020204030204" pitchFamily="34" charset="0"/>
-                  <a:ea typeface="Times New Roman"/>
-                  <a:cs typeface="Calibri" panose="020F0502020204030204" pitchFamily="34" charset="0"/>
-                </a:rPr>
-                <a:t>Estimate impact on schedule, if any</a:t>
-              </a:r>
-              <a:endParaRPr lang="en-IN" sz="1000" dirty="0">
-                <a:solidFill>
-                  <a:srgbClr val="262626"/>
-                </a:solidFill>
-                <a:effectLst/>
-                <a:latin typeface="Calibri" panose="020F0502020204030204" pitchFamily="34" charset="0"/>
-                <a:ea typeface="Times New Roman"/>
-                <a:cs typeface="Calibri" panose="020F0502020204030204" pitchFamily="34" charset="0"/>
-              </a:endParaRPr>
-            </a:p>
-            <a:p>
-              <a:pPr marL="342900" lvl="0" indent="-342900">
-                <a:spcBef>
-                  <a:spcPts val="200"/>
-                </a:spcBef>
-                <a:spcAft>
-                  <a:spcPts val="0"/>
-                </a:spcAft>
-                <a:buClr>
-                  <a:srgbClr val="000000"/>
-                </a:buClr>
-                <a:buSzPts val="800"/>
-                <a:buFont typeface="Wingdings"/>
-                <a:buChar char=""/>
-              </a:pPr>
-              <a:r>
-                <a:rPr lang="en-US" sz="1000" b="1" dirty="0">
-                  <a:solidFill>
-                    <a:srgbClr val="000000"/>
-                  </a:solidFill>
-                  <a:effectLst/>
-                  <a:latin typeface="Calibri" panose="020F0502020204030204" pitchFamily="34" charset="0"/>
-                  <a:ea typeface="Times New Roman"/>
-                  <a:cs typeface="Calibri" panose="020F0502020204030204" pitchFamily="34" charset="0"/>
-                </a:rPr>
-                <a:t>Check for additional specifications, if required</a:t>
-              </a:r>
-              <a:endParaRPr lang="en-IN" sz="1000" dirty="0">
-                <a:solidFill>
-                  <a:srgbClr val="262626"/>
-                </a:solidFill>
-                <a:effectLst/>
-                <a:latin typeface="Calibri" panose="020F0502020204030204" pitchFamily="34" charset="0"/>
-                <a:ea typeface="Times New Roman"/>
-                <a:cs typeface="Calibri" panose="020F0502020204030204" pitchFamily="34" charset="0"/>
-              </a:endParaRPr>
-            </a:p>
-          </p:txBody>
-        </p:sp>
-        <p:cxnSp>
-          <p:nvCxnSpPr>
-            <p:cNvPr id="12" name="AutoShape 171"/>
-            <p:cNvCxnSpPr>
-              <a:cxnSpLocks noChangeShapeType="1"/>
-            </p:cNvCxnSpPr>
-            <p:nvPr/>
-          </p:nvCxnSpPr>
-          <p:spPr bwMode="auto">
-            <a:xfrm>
-              <a:off x="5547" y="4884"/>
-              <a:ext cx="576" cy="0"/>
-            </a:xfrm>
-            <a:prstGeom prst="straightConnector1">
-              <a:avLst/>
-            </a:prstGeom>
-            <a:noFill/>
-            <a:ln w="31750">
-              <a:solidFill>
-                <a:schemeClr val="bg1">
-                  <a:lumMod val="65000"/>
-                  <a:lumOff val="0"/>
-                </a:schemeClr>
-              </a:solidFill>
-              <a:round/>
-              <a:headEnd/>
-              <a:tailEnd type="arrow" w="sm" len="sm"/>
-            </a:ln>
-            <a:extLst>
-              <a:ext uri="{909E8E84-426E-40DD-AFC4-6F175D3DCCD1}">
-                <a14:hiddenFill xmlns:a14="http://schemas.microsoft.com/office/drawing/2010/main">
-                  <a:noFill/>
-                </a14:hiddenFill>
-              </a:ext>
-            </a:extLst>
-          </p:spPr>
-        </p:cxnSp>
-        <p:sp>
-          <p:nvSpPr>
-            <p:cNvPr id="13" name="AutoShape 172"/>
-            <p:cNvSpPr>
-              <a:spLocks noChangeArrowheads="1"/>
-            </p:cNvSpPr>
-            <p:nvPr/>
-          </p:nvSpPr>
-          <p:spPr bwMode="auto">
-            <a:xfrm>
-              <a:off x="6118" y="6050"/>
-              <a:ext cx="3600" cy="1447"/>
-            </a:xfrm>
-            <a:prstGeom prst="roundRect">
-              <a:avLst>
-                <a:gd name="adj" fmla="val 16667"/>
-              </a:avLst>
-            </a:prstGeom>
-            <a:noFill/>
-            <a:ln w="19050">
-              <a:solidFill>
-                <a:schemeClr val="tx1">
-                  <a:lumMod val="50000"/>
-                  <a:lumOff val="50000"/>
-                </a:schemeClr>
-              </a:solidFill>
-              <a:round/>
-              <a:headEnd/>
-              <a:tailEnd/>
-            </a:ln>
-            <a:extLst>
-              <a:ext uri="{909E8E84-426E-40DD-AFC4-6F175D3DCCD1}">
-                <a14:hiddenFill xmlns:a14="http://schemas.microsoft.com/office/drawing/2010/main">
-                  <a:solidFill>
-                    <a:schemeClr val="tx1">
-                      <a:lumMod val="50000"/>
-                      <a:lumOff val="50000"/>
-                    </a:schemeClr>
-                  </a:solidFill>
-                </a14:hiddenFill>
-              </a:ext>
-            </a:extLst>
-          </p:spPr>
-          <p:txBody>
-            <a:bodyPr rot="0" vert="horz" wrap="square" lIns="91440" tIns="45720" rIns="91440" bIns="45720" anchor="t" anchorCtr="0" upright="1">
-              <a:noAutofit/>
-            </a:bodyPr>
-            <a:lstStyle/>
-            <a:p>
-              <a:r>
-                <a:rPr lang="en-US" sz="1000" b="1" dirty="0">
-                  <a:solidFill>
-                    <a:srgbClr val="000000"/>
-                  </a:solidFill>
-                  <a:latin typeface="Calibri" panose="020F0502020204030204" pitchFamily="34" charset="0"/>
-                  <a:ea typeface="Times New Roman"/>
-                  <a:cs typeface="Calibri" panose="020F0502020204030204" pitchFamily="34" charset="0"/>
-                </a:rPr>
-                <a:t>Communicate CR Impact to Customer</a:t>
-              </a:r>
-              <a:endParaRPr lang="en-IN" sz="1000" b="1" dirty="0">
-                <a:solidFill>
-                  <a:srgbClr val="000000"/>
-                </a:solidFill>
-                <a:latin typeface="Calibri" panose="020F0502020204030204" pitchFamily="34" charset="0"/>
-                <a:ea typeface="Times New Roman"/>
-                <a:cs typeface="Calibri" panose="020F0502020204030204" pitchFamily="34" charset="0"/>
-              </a:endParaRPr>
-            </a:p>
-            <a:p>
-              <a:pPr marL="342900" lvl="0" indent="-342900">
-                <a:spcBef>
-                  <a:spcPts val="200"/>
-                </a:spcBef>
-                <a:buClr>
-                  <a:srgbClr val="000000"/>
-                </a:buClr>
-                <a:buSzPts val="800"/>
-                <a:buFont typeface="Wingdings"/>
-                <a:buChar char=""/>
-              </a:pPr>
-              <a:r>
-                <a:rPr lang="en-US" sz="1000" b="1" dirty="0">
-                  <a:solidFill>
-                    <a:srgbClr val="000000"/>
-                  </a:solidFill>
-                  <a:latin typeface="Calibri" panose="020F0502020204030204" pitchFamily="34" charset="0"/>
-                  <a:ea typeface="Times New Roman"/>
-                  <a:cs typeface="Calibri" panose="020F0502020204030204" pitchFamily="34" charset="0"/>
-                </a:rPr>
-                <a:t>Estimate effort and cost</a:t>
-              </a:r>
-              <a:endParaRPr lang="en-IN" sz="1000" b="1" dirty="0">
-                <a:solidFill>
-                  <a:srgbClr val="000000"/>
-                </a:solidFill>
-                <a:latin typeface="Calibri" panose="020F0502020204030204" pitchFamily="34" charset="0"/>
-                <a:ea typeface="Times New Roman"/>
-                <a:cs typeface="Calibri" panose="020F0502020204030204" pitchFamily="34" charset="0"/>
-              </a:endParaRPr>
-            </a:p>
-            <a:p>
-              <a:pPr marL="342900" lvl="0" indent="-342900">
-                <a:spcBef>
-                  <a:spcPts val="200"/>
-                </a:spcBef>
-                <a:buClr>
-                  <a:srgbClr val="000000"/>
-                </a:buClr>
-                <a:buSzPts val="800"/>
-                <a:buFont typeface="Wingdings"/>
-                <a:buChar char=""/>
-              </a:pPr>
-              <a:r>
-                <a:rPr lang="en-US" sz="1000" b="1" dirty="0">
-                  <a:solidFill>
-                    <a:srgbClr val="000000"/>
-                  </a:solidFill>
-                  <a:latin typeface="Calibri" panose="020F0502020204030204" pitchFamily="34" charset="0"/>
-                  <a:ea typeface="Times New Roman"/>
-                  <a:cs typeface="Calibri" panose="020F0502020204030204" pitchFamily="34" charset="0"/>
-                </a:rPr>
-                <a:t>Estimate impact on schedule, if any</a:t>
-              </a:r>
-              <a:endParaRPr lang="en-IN" sz="1000" b="1" dirty="0">
-                <a:solidFill>
-                  <a:srgbClr val="000000"/>
-                </a:solidFill>
-                <a:latin typeface="Calibri" panose="020F0502020204030204" pitchFamily="34" charset="0"/>
-                <a:ea typeface="Times New Roman"/>
-                <a:cs typeface="Calibri" panose="020F0502020204030204" pitchFamily="34" charset="0"/>
-              </a:endParaRPr>
-            </a:p>
-            <a:p>
-              <a:pPr marL="342900" lvl="0" indent="-342900">
-                <a:spcBef>
-                  <a:spcPts val="200"/>
-                </a:spcBef>
-                <a:buClr>
-                  <a:srgbClr val="000000"/>
-                </a:buClr>
-                <a:buSzPts val="800"/>
-                <a:buFont typeface="Wingdings"/>
-                <a:buChar char=""/>
-              </a:pPr>
-              <a:r>
-                <a:rPr lang="en-US" sz="1000" b="1" dirty="0">
-                  <a:solidFill>
-                    <a:srgbClr val="000000"/>
-                  </a:solidFill>
-                  <a:latin typeface="Calibri" panose="020F0502020204030204" pitchFamily="34" charset="0"/>
-                  <a:ea typeface="Times New Roman"/>
-                  <a:cs typeface="Calibri" panose="020F0502020204030204" pitchFamily="34" charset="0"/>
-                </a:rPr>
-                <a:t>Request additional specifications, if required</a:t>
-              </a:r>
-              <a:endParaRPr lang="en-IN" sz="1000" b="1" dirty="0">
-                <a:solidFill>
-                  <a:srgbClr val="000000"/>
-                </a:solidFill>
-                <a:latin typeface="Calibri" panose="020F0502020204030204" pitchFamily="34" charset="0"/>
-                <a:ea typeface="Times New Roman"/>
-                <a:cs typeface="Calibri" panose="020F0502020204030204" pitchFamily="34" charset="0"/>
-              </a:endParaRPr>
-            </a:p>
-          </p:txBody>
-        </p:sp>
-        <p:cxnSp>
-          <p:nvCxnSpPr>
-            <p:cNvPr id="14" name="AutoShape 173"/>
-            <p:cNvCxnSpPr>
-              <a:cxnSpLocks noChangeShapeType="1"/>
-            </p:cNvCxnSpPr>
-            <p:nvPr/>
-          </p:nvCxnSpPr>
-          <p:spPr bwMode="auto">
-            <a:xfrm>
-              <a:off x="7917" y="5477"/>
-              <a:ext cx="0" cy="576"/>
-            </a:xfrm>
-            <a:prstGeom prst="straightConnector1">
-              <a:avLst/>
-            </a:prstGeom>
-            <a:noFill/>
-            <a:ln w="31750">
-              <a:solidFill>
-                <a:schemeClr val="bg1">
-                  <a:lumMod val="65000"/>
-                  <a:lumOff val="0"/>
-                </a:schemeClr>
-              </a:solidFill>
-              <a:round/>
-              <a:headEnd/>
-              <a:tailEnd type="arrow" w="sm" len="sm"/>
-            </a:ln>
-            <a:extLst>
-              <a:ext uri="{909E8E84-426E-40DD-AFC4-6F175D3DCCD1}">
-                <a14:hiddenFill xmlns:a14="http://schemas.microsoft.com/office/drawing/2010/main">
-                  <a:noFill/>
-                </a14:hiddenFill>
-              </a:ext>
-            </a:extLst>
-          </p:spPr>
-        </p:cxnSp>
-        <p:cxnSp>
-          <p:nvCxnSpPr>
-            <p:cNvPr id="15" name="AutoShape 174"/>
-            <p:cNvCxnSpPr>
-              <a:cxnSpLocks noChangeShapeType="1"/>
-              <a:stCxn id="13" idx="2"/>
-            </p:cNvCxnSpPr>
-            <p:nvPr/>
-          </p:nvCxnSpPr>
-          <p:spPr bwMode="auto">
-            <a:xfrm flipH="1">
-              <a:off x="7917" y="7497"/>
-              <a:ext cx="1" cy="376"/>
-            </a:xfrm>
-            <a:prstGeom prst="straightConnector1">
-              <a:avLst/>
-            </a:prstGeom>
-            <a:noFill/>
-            <a:ln w="31750">
-              <a:solidFill>
-                <a:schemeClr val="bg1">
-                  <a:lumMod val="65000"/>
-                  <a:lumOff val="0"/>
-                </a:schemeClr>
-              </a:solidFill>
-              <a:round/>
-              <a:headEnd/>
-              <a:tailEnd type="arrow" w="sm" len="sm"/>
-            </a:ln>
-            <a:extLst>
-              <a:ext uri="{909E8E84-426E-40DD-AFC4-6F175D3DCCD1}">
-                <a14:hiddenFill xmlns:a14="http://schemas.microsoft.com/office/drawing/2010/main">
-                  <a:noFill/>
-                </a14:hiddenFill>
-              </a:ext>
-            </a:extLst>
-          </p:spPr>
-        </p:cxnSp>
-        <p:sp>
-          <p:nvSpPr>
-            <p:cNvPr id="16" name="AutoShape 175"/>
-            <p:cNvSpPr>
-              <a:spLocks noChangeArrowheads="1"/>
-            </p:cNvSpPr>
-            <p:nvPr/>
-          </p:nvSpPr>
-          <p:spPr bwMode="auto">
-            <a:xfrm>
-              <a:off x="2530" y="7785"/>
-              <a:ext cx="3354" cy="1056"/>
-            </a:xfrm>
-            <a:prstGeom prst="roundRect">
-              <a:avLst>
-                <a:gd name="adj" fmla="val 16667"/>
-              </a:avLst>
-            </a:prstGeom>
-            <a:noFill/>
-            <a:ln w="19050">
-              <a:solidFill>
-                <a:schemeClr val="tx1">
-                  <a:lumMod val="50000"/>
-                  <a:lumOff val="50000"/>
-                </a:schemeClr>
-              </a:solidFill>
-              <a:round/>
-              <a:headEnd/>
-              <a:tailEnd/>
-            </a:ln>
-            <a:extLst>
-              <a:ext uri="{909E8E84-426E-40DD-AFC4-6F175D3DCCD1}">
-                <a14:hiddenFill xmlns:a14="http://schemas.microsoft.com/office/drawing/2010/main">
-                  <a:solidFill>
-                    <a:schemeClr val="tx1">
-                      <a:lumMod val="50000"/>
-                      <a:lumOff val="50000"/>
-                    </a:schemeClr>
-                  </a:solidFill>
-                </a14:hiddenFill>
-              </a:ext>
-            </a:extLst>
-          </p:spPr>
-          <p:txBody>
-            <a:bodyPr rot="0" vert="horz" wrap="square" lIns="91440" tIns="45720" rIns="91440" bIns="45720" anchor="t" anchorCtr="0" upright="1">
-              <a:noAutofit/>
-            </a:bodyPr>
-            <a:lstStyle/>
-            <a:p>
-              <a:pPr marL="342900" lvl="0" indent="-342900">
-                <a:spcAft>
-                  <a:spcPts val="600"/>
-                </a:spcAft>
-                <a:buClr>
-                  <a:srgbClr val="000000"/>
-                </a:buClr>
-                <a:buSzPts val="800"/>
-                <a:buFont typeface="Wingdings"/>
-                <a:buChar char=""/>
-              </a:pPr>
-              <a:r>
-                <a:rPr lang="en-US" sz="1000" b="1" dirty="0">
-                  <a:solidFill>
-                    <a:srgbClr val="000000"/>
-                  </a:solidFill>
-                  <a:effectLst/>
-                  <a:latin typeface="Calibri" panose="020F0502020204030204" pitchFamily="34" charset="0"/>
-                  <a:ea typeface="Times New Roman"/>
-                  <a:cs typeface="Calibri" panose="020F0502020204030204" pitchFamily="34" charset="0"/>
-                </a:rPr>
-                <a:t>Update Impacted activity and work products (including Specifications, if any)</a:t>
-              </a:r>
-              <a:endParaRPr lang="en-IN" sz="1000" dirty="0">
-                <a:solidFill>
-                  <a:srgbClr val="262626"/>
-                </a:solidFill>
-                <a:effectLst/>
-                <a:latin typeface="Calibri" panose="020F0502020204030204" pitchFamily="34" charset="0"/>
-                <a:ea typeface="Times New Roman"/>
-                <a:cs typeface="Calibri" panose="020F0502020204030204" pitchFamily="34" charset="0"/>
-              </a:endParaRPr>
-            </a:p>
-            <a:p>
-              <a:pPr marL="342900" lvl="0" indent="-342900">
-                <a:spcAft>
-                  <a:spcPts val="600"/>
-                </a:spcAft>
-                <a:buClr>
-                  <a:srgbClr val="000000"/>
-                </a:buClr>
-                <a:buSzPts val="800"/>
-                <a:buFont typeface="Wingdings"/>
-                <a:buChar char=""/>
-              </a:pPr>
-              <a:r>
-                <a:rPr lang="en-US" sz="1000" b="1" dirty="0">
-                  <a:solidFill>
-                    <a:srgbClr val="000000"/>
-                  </a:solidFill>
-                  <a:effectLst/>
-                  <a:latin typeface="Calibri" panose="020F0502020204030204" pitchFamily="34" charset="0"/>
-                  <a:ea typeface="Times New Roman"/>
-                  <a:cs typeface="Calibri" panose="020F0502020204030204" pitchFamily="34" charset="0"/>
-                </a:rPr>
-                <a:t>Communicate to CR Stakeholders</a:t>
-              </a:r>
-              <a:endParaRPr lang="en-IN" sz="1000" dirty="0">
-                <a:solidFill>
-                  <a:srgbClr val="262626"/>
-                </a:solidFill>
-                <a:effectLst/>
-                <a:latin typeface="Calibri" panose="020F0502020204030204" pitchFamily="34" charset="0"/>
-                <a:ea typeface="Times New Roman"/>
-                <a:cs typeface="Calibri" panose="020F0502020204030204" pitchFamily="34" charset="0"/>
-              </a:endParaRPr>
-            </a:p>
-            <a:p>
-              <a:pPr marL="148590">
-                <a:spcAft>
-                  <a:spcPts val="400"/>
-                </a:spcAft>
-              </a:pPr>
-              <a:r>
-                <a:rPr lang="en-US" sz="1000" b="1" dirty="0">
-                  <a:solidFill>
-                    <a:srgbClr val="000000"/>
-                  </a:solidFill>
-                  <a:effectLst/>
-                  <a:latin typeface="Calibri" panose="020F0502020204030204" pitchFamily="34" charset="0"/>
-                  <a:ea typeface="Times New Roman"/>
-                  <a:cs typeface="Calibri" panose="020F0502020204030204" pitchFamily="34" charset="0"/>
-                </a:rPr>
-                <a:t> </a:t>
-              </a:r>
-              <a:endParaRPr lang="en-IN" sz="1000" dirty="0">
-                <a:solidFill>
-                  <a:srgbClr val="262626"/>
-                </a:solidFill>
-                <a:effectLst/>
-                <a:latin typeface="Calibri" panose="020F0502020204030204" pitchFamily="34" charset="0"/>
-                <a:ea typeface="Times New Roman"/>
-                <a:cs typeface="Calibri" panose="020F0502020204030204" pitchFamily="34" charset="0"/>
-              </a:endParaRPr>
-            </a:p>
-          </p:txBody>
-        </p:sp>
-        <p:cxnSp>
-          <p:nvCxnSpPr>
-            <p:cNvPr id="17" name="AutoShape 176"/>
-            <p:cNvCxnSpPr>
-              <a:cxnSpLocks noChangeShapeType="1"/>
-            </p:cNvCxnSpPr>
-            <p:nvPr/>
-          </p:nvCxnSpPr>
-          <p:spPr bwMode="auto">
-            <a:xfrm flipH="1" flipV="1">
-              <a:off x="5896" y="8344"/>
-              <a:ext cx="853" cy="384"/>
-            </a:xfrm>
-            <a:prstGeom prst="straightConnector1">
-              <a:avLst/>
-            </a:prstGeom>
-            <a:noFill/>
-            <a:ln w="31750">
-              <a:solidFill>
-                <a:schemeClr val="bg1">
-                  <a:lumMod val="65000"/>
-                  <a:lumOff val="0"/>
-                </a:schemeClr>
-              </a:solidFill>
-              <a:round/>
-              <a:headEnd/>
-              <a:tailEnd type="arrow" w="sm" len="sm"/>
-            </a:ln>
-            <a:extLst>
-              <a:ext uri="{909E8E84-426E-40DD-AFC4-6F175D3DCCD1}">
-                <a14:hiddenFill xmlns:a14="http://schemas.microsoft.com/office/drawing/2010/main">
-                  <a:noFill/>
-                </a14:hiddenFill>
-              </a:ext>
-            </a:extLst>
-          </p:spPr>
-        </p:cxnSp>
-        <p:sp>
-          <p:nvSpPr>
-            <p:cNvPr id="18" name="AutoShape 177"/>
-            <p:cNvSpPr>
-              <a:spLocks noChangeArrowheads="1"/>
-            </p:cNvSpPr>
-            <p:nvPr/>
-          </p:nvSpPr>
-          <p:spPr bwMode="auto">
-            <a:xfrm>
-              <a:off x="2338" y="9129"/>
-              <a:ext cx="3744" cy="1437"/>
-            </a:xfrm>
-            <a:prstGeom prst="roundRect">
-              <a:avLst>
-                <a:gd name="adj" fmla="val 16667"/>
-              </a:avLst>
-            </a:prstGeom>
-            <a:noFill/>
-            <a:ln w="19050">
-              <a:solidFill>
-                <a:schemeClr val="tx1">
-                  <a:lumMod val="50000"/>
-                  <a:lumOff val="50000"/>
-                </a:schemeClr>
-              </a:solidFill>
-              <a:round/>
-              <a:headEnd/>
-              <a:tailEnd/>
-            </a:ln>
-            <a:extLst>
-              <a:ext uri="{909E8E84-426E-40DD-AFC4-6F175D3DCCD1}">
-                <a14:hiddenFill xmlns:a14="http://schemas.microsoft.com/office/drawing/2010/main">
-                  <a:solidFill>
-                    <a:schemeClr val="tx1">
-                      <a:lumMod val="50000"/>
-                      <a:lumOff val="50000"/>
-                    </a:schemeClr>
-                  </a:solidFill>
-                </a14:hiddenFill>
-              </a:ext>
-            </a:extLst>
-          </p:spPr>
-          <p:txBody>
-            <a:bodyPr rot="0" vert="horz" wrap="square" lIns="91440" tIns="45720" rIns="91440" bIns="45720" anchor="t" anchorCtr="0" upright="1">
-              <a:noAutofit/>
-            </a:bodyPr>
-            <a:lstStyle/>
-            <a:p>
-              <a:pPr>
-                <a:spcAft>
-                  <a:spcPts val="0"/>
-                </a:spcAft>
-              </a:pPr>
-              <a:r>
-                <a:rPr lang="en-US" sz="1000" b="1" dirty="0">
-                  <a:solidFill>
-                    <a:srgbClr val="000000"/>
-                  </a:solidFill>
-                  <a:effectLst/>
-                  <a:latin typeface="Calibri" panose="020F0502020204030204" pitchFamily="34" charset="0"/>
-                  <a:ea typeface="Times New Roman"/>
-                  <a:cs typeface="Calibri" panose="020F0502020204030204" pitchFamily="34" charset="0"/>
-                </a:rPr>
-                <a:t>Execute Change Request</a:t>
-              </a:r>
-              <a:endParaRPr lang="en-IN" sz="1000" dirty="0">
-                <a:solidFill>
-                  <a:srgbClr val="262626"/>
-                </a:solidFill>
-                <a:effectLst/>
-                <a:latin typeface="Calibri" panose="020F0502020204030204" pitchFamily="34" charset="0"/>
-                <a:ea typeface="Times New Roman"/>
-                <a:cs typeface="Calibri" panose="020F0502020204030204" pitchFamily="34" charset="0"/>
-              </a:endParaRPr>
-            </a:p>
-            <a:p>
-              <a:pPr marL="342900" lvl="0" indent="-342900">
-                <a:spcBef>
-                  <a:spcPts val="200"/>
-                </a:spcBef>
-                <a:spcAft>
-                  <a:spcPts val="0"/>
-                </a:spcAft>
-                <a:buClr>
-                  <a:srgbClr val="000000"/>
-                </a:buClr>
-                <a:buSzPts val="800"/>
-                <a:buFont typeface="Wingdings"/>
-                <a:buChar char=""/>
-              </a:pPr>
-              <a:r>
-                <a:rPr lang="en-US" sz="1000" b="1" dirty="0">
-                  <a:solidFill>
-                    <a:srgbClr val="000000"/>
-                  </a:solidFill>
-                  <a:effectLst/>
-                  <a:latin typeface="Calibri" panose="020F0502020204030204" pitchFamily="34" charset="0"/>
-                  <a:ea typeface="Times New Roman"/>
-                  <a:cs typeface="Calibri" panose="020F0502020204030204" pitchFamily="34" charset="0"/>
-                </a:rPr>
-                <a:t>Log the CR activity as a New Task</a:t>
-              </a:r>
-              <a:endParaRPr lang="en-IN" sz="1000" dirty="0">
-                <a:solidFill>
-                  <a:srgbClr val="262626"/>
-                </a:solidFill>
-                <a:effectLst/>
-                <a:latin typeface="Calibri" panose="020F0502020204030204" pitchFamily="34" charset="0"/>
-                <a:ea typeface="Times New Roman"/>
-                <a:cs typeface="Calibri" panose="020F0502020204030204" pitchFamily="34" charset="0"/>
-              </a:endParaRPr>
-            </a:p>
-            <a:p>
-              <a:pPr marL="342900" lvl="0" indent="-342900">
-                <a:spcBef>
-                  <a:spcPts val="200"/>
-                </a:spcBef>
-                <a:spcAft>
-                  <a:spcPts val="0"/>
-                </a:spcAft>
-                <a:buClr>
-                  <a:srgbClr val="000000"/>
-                </a:buClr>
-                <a:buSzPts val="800"/>
-                <a:buFont typeface="Wingdings"/>
-                <a:buChar char=""/>
-              </a:pPr>
-              <a:r>
-                <a:rPr lang="en-US" sz="1000" b="1" dirty="0">
-                  <a:solidFill>
-                    <a:srgbClr val="000000"/>
-                  </a:solidFill>
-                  <a:effectLst/>
-                  <a:latin typeface="Calibri" panose="020F0502020204030204" pitchFamily="34" charset="0"/>
-                  <a:ea typeface="Times New Roman"/>
-                  <a:cs typeface="Calibri" panose="020F0502020204030204" pitchFamily="34" charset="0"/>
-                </a:rPr>
-                <a:t>Update the necessary revision details / attributes for the impacted  change and functionality</a:t>
-              </a:r>
-              <a:endParaRPr lang="en-IN" sz="1000" dirty="0">
-                <a:solidFill>
-                  <a:srgbClr val="262626"/>
-                </a:solidFill>
-                <a:effectLst/>
-                <a:latin typeface="Calibri" panose="020F0502020204030204" pitchFamily="34" charset="0"/>
-                <a:ea typeface="Times New Roman"/>
-                <a:cs typeface="Calibri" panose="020F0502020204030204" pitchFamily="34" charset="0"/>
-              </a:endParaRPr>
-            </a:p>
-            <a:p>
-              <a:pPr algn="ctr">
-                <a:spcAft>
-                  <a:spcPts val="0"/>
-                </a:spcAft>
-              </a:pPr>
-              <a:r>
-                <a:rPr lang="en-US" sz="1000" b="1" dirty="0">
-                  <a:solidFill>
-                    <a:srgbClr val="000000"/>
-                  </a:solidFill>
-                  <a:effectLst/>
-                  <a:latin typeface="Calibri" panose="020F0502020204030204" pitchFamily="34" charset="0"/>
-                  <a:ea typeface="Times New Roman"/>
-                  <a:cs typeface="Calibri" panose="020F0502020204030204" pitchFamily="34" charset="0"/>
-                </a:rPr>
-                <a:t> </a:t>
-              </a:r>
-              <a:endParaRPr lang="en-IN" sz="1000" dirty="0">
-                <a:solidFill>
-                  <a:srgbClr val="262626"/>
-                </a:solidFill>
-                <a:effectLst/>
-                <a:latin typeface="Calibri" panose="020F0502020204030204" pitchFamily="34" charset="0"/>
-                <a:ea typeface="Times New Roman"/>
-                <a:cs typeface="Calibri" panose="020F0502020204030204" pitchFamily="34" charset="0"/>
-              </a:endParaRPr>
-            </a:p>
-            <a:p>
-              <a:pPr marL="148590">
-                <a:spcAft>
-                  <a:spcPts val="400"/>
-                </a:spcAft>
-              </a:pPr>
-              <a:r>
-                <a:rPr lang="en-US" sz="1000" b="1" dirty="0">
-                  <a:solidFill>
-                    <a:srgbClr val="000000"/>
-                  </a:solidFill>
-                  <a:effectLst/>
-                  <a:latin typeface="Calibri" panose="020F0502020204030204" pitchFamily="34" charset="0"/>
-                  <a:ea typeface="Times New Roman"/>
-                  <a:cs typeface="Calibri" panose="020F0502020204030204" pitchFamily="34" charset="0"/>
-                </a:rPr>
-                <a:t> </a:t>
-              </a:r>
-              <a:endParaRPr lang="en-IN" sz="1000" dirty="0">
-                <a:solidFill>
-                  <a:srgbClr val="262626"/>
-                </a:solidFill>
-                <a:effectLst/>
-                <a:latin typeface="Calibri" panose="020F0502020204030204" pitchFamily="34" charset="0"/>
-                <a:ea typeface="Times New Roman"/>
-                <a:cs typeface="Calibri" panose="020F0502020204030204" pitchFamily="34" charset="0"/>
-              </a:endParaRPr>
-            </a:p>
-          </p:txBody>
-        </p:sp>
-        <p:cxnSp>
-          <p:nvCxnSpPr>
-            <p:cNvPr id="19" name="AutoShape 178"/>
-            <p:cNvCxnSpPr>
-              <a:cxnSpLocks noChangeShapeType="1"/>
-            </p:cNvCxnSpPr>
-            <p:nvPr/>
-          </p:nvCxnSpPr>
-          <p:spPr bwMode="auto">
-            <a:xfrm>
-              <a:off x="4206" y="8841"/>
-              <a:ext cx="0" cy="576"/>
-            </a:xfrm>
-            <a:prstGeom prst="straightConnector1">
-              <a:avLst/>
-            </a:prstGeom>
-            <a:noFill/>
-            <a:ln w="31750">
-              <a:solidFill>
-                <a:schemeClr val="bg1">
-                  <a:lumMod val="65000"/>
-                  <a:lumOff val="0"/>
-                </a:schemeClr>
-              </a:solidFill>
-              <a:round/>
-              <a:headEnd/>
-              <a:tailEnd type="arrow" w="sm" len="sm"/>
-            </a:ln>
-            <a:extLst>
-              <a:ext uri="{909E8E84-426E-40DD-AFC4-6F175D3DCCD1}">
-                <a14:hiddenFill xmlns:a14="http://schemas.microsoft.com/office/drawing/2010/main">
-                  <a:noFill/>
-                </a14:hiddenFill>
-              </a:ext>
-            </a:extLst>
-          </p:spPr>
-        </p:cxnSp>
-        <p:sp>
-          <p:nvSpPr>
-            <p:cNvPr id="20" name="AutoShape 179"/>
-            <p:cNvSpPr>
-              <a:spLocks noChangeArrowheads="1"/>
-            </p:cNvSpPr>
-            <p:nvPr/>
-          </p:nvSpPr>
-          <p:spPr bwMode="auto">
-            <a:xfrm>
-              <a:off x="3253" y="11130"/>
-              <a:ext cx="1904" cy="690"/>
-            </a:xfrm>
-            <a:prstGeom prst="roundRect">
-              <a:avLst>
-                <a:gd name="adj" fmla="val 16667"/>
-              </a:avLst>
-            </a:prstGeom>
-            <a:noFill/>
-            <a:ln w="19050">
-              <a:solidFill>
-                <a:schemeClr val="tx2">
-                  <a:lumMod val="100000"/>
-                  <a:lumOff val="0"/>
-                </a:schemeClr>
-              </a:solidFill>
-              <a:round/>
-              <a:headEnd/>
-              <a:tailEnd/>
-            </a:ln>
-            <a:extLst>
-              <a:ext uri="{909E8E84-426E-40DD-AFC4-6F175D3DCCD1}">
-                <a14:hiddenFill xmlns:a14="http://schemas.microsoft.com/office/drawing/2010/main">
-                  <a:solidFill>
-                    <a:schemeClr val="tx2">
-                      <a:lumMod val="100000"/>
-                      <a:lumOff val="0"/>
-                    </a:schemeClr>
-                  </a:solidFill>
-                </a14:hiddenFill>
-              </a:ext>
-            </a:extLst>
-          </p:spPr>
-          <p:txBody>
-            <a:bodyPr rot="0" vert="horz" wrap="square" lIns="91440" tIns="45720" rIns="91440" bIns="45720" anchor="t" anchorCtr="0" upright="1">
-              <a:noAutofit/>
-            </a:bodyPr>
-            <a:lstStyle/>
-            <a:p>
-              <a:r>
-                <a:rPr lang="en-US" sz="1000" b="1" dirty="0">
-                  <a:solidFill>
-                    <a:srgbClr val="000000"/>
-                  </a:solidFill>
-                  <a:latin typeface="Calibri" panose="020F0502020204030204" pitchFamily="34" charset="0"/>
-                  <a:ea typeface="Times New Roman"/>
-                  <a:cs typeface="Calibri" panose="020F0502020204030204" pitchFamily="34" charset="0"/>
-                </a:rPr>
-                <a:t>Update CR Log with CR Status: Closed</a:t>
-              </a:r>
-              <a:endParaRPr lang="en-IN" sz="1000" b="1" dirty="0">
-                <a:solidFill>
-                  <a:srgbClr val="000000"/>
-                </a:solidFill>
-                <a:latin typeface="Calibri" panose="020F0502020204030204" pitchFamily="34" charset="0"/>
-                <a:ea typeface="Times New Roman"/>
-                <a:cs typeface="Calibri" panose="020F0502020204030204" pitchFamily="34" charset="0"/>
-              </a:endParaRPr>
-            </a:p>
-          </p:txBody>
-        </p:sp>
-        <p:cxnSp>
-          <p:nvCxnSpPr>
-            <p:cNvPr id="21" name="AutoShape 180"/>
-            <p:cNvCxnSpPr>
-              <a:cxnSpLocks noChangeShapeType="1"/>
-            </p:cNvCxnSpPr>
-            <p:nvPr/>
-          </p:nvCxnSpPr>
-          <p:spPr bwMode="auto">
-            <a:xfrm>
-              <a:off x="4206" y="10557"/>
-              <a:ext cx="0" cy="576"/>
-            </a:xfrm>
-            <a:prstGeom prst="straightConnector1">
-              <a:avLst/>
-            </a:prstGeom>
-            <a:noFill/>
-            <a:ln w="31750">
-              <a:solidFill>
-                <a:schemeClr val="bg1">
-                  <a:lumMod val="65000"/>
-                  <a:lumOff val="0"/>
-                </a:schemeClr>
-              </a:solidFill>
-              <a:round/>
-              <a:headEnd/>
-              <a:tailEnd type="arrow" w="sm" len="sm"/>
-            </a:ln>
-            <a:extLst>
-              <a:ext uri="{909E8E84-426E-40DD-AFC4-6F175D3DCCD1}">
-                <a14:hiddenFill xmlns:a14="http://schemas.microsoft.com/office/drawing/2010/main">
-                  <a:noFill/>
-                </a14:hiddenFill>
-              </a:ext>
-            </a:extLst>
-          </p:spPr>
-        </p:cxnSp>
-        <p:sp>
-          <p:nvSpPr>
-            <p:cNvPr id="22" name="AutoShape 181"/>
-            <p:cNvSpPr>
-              <a:spLocks noChangeArrowheads="1"/>
-            </p:cNvSpPr>
-            <p:nvPr/>
-          </p:nvSpPr>
-          <p:spPr bwMode="auto">
-            <a:xfrm>
-              <a:off x="6961" y="11130"/>
-              <a:ext cx="1904" cy="690"/>
-            </a:xfrm>
-            <a:prstGeom prst="roundRect">
-              <a:avLst>
-                <a:gd name="adj" fmla="val 16667"/>
-              </a:avLst>
-            </a:prstGeom>
-            <a:noFill/>
-            <a:ln w="19050">
-              <a:solidFill>
-                <a:schemeClr val="tx2">
-                  <a:lumMod val="100000"/>
-                  <a:lumOff val="0"/>
-                </a:schemeClr>
-              </a:solidFill>
-              <a:round/>
-              <a:headEnd/>
-              <a:tailEnd/>
-            </a:ln>
-            <a:extLst>
-              <a:ext uri="{909E8E84-426E-40DD-AFC4-6F175D3DCCD1}">
-                <a14:hiddenFill xmlns:a14="http://schemas.microsoft.com/office/drawing/2010/main">
-                  <a:solidFill>
-                    <a:schemeClr val="tx2">
-                      <a:lumMod val="100000"/>
-                      <a:lumOff val="0"/>
-                    </a:schemeClr>
-                  </a:solidFill>
-                </a14:hiddenFill>
-              </a:ext>
-            </a:extLst>
-          </p:spPr>
-          <p:txBody>
-            <a:bodyPr rot="0" vert="horz" wrap="square" lIns="91440" tIns="45720" rIns="91440" bIns="45720" anchor="t" anchorCtr="0" upright="1">
-              <a:noAutofit/>
-            </a:bodyPr>
-            <a:lstStyle/>
-            <a:p>
-              <a:pPr>
-                <a:spcAft>
-                  <a:spcPts val="0"/>
-                </a:spcAft>
-              </a:pPr>
-              <a:r>
-                <a:rPr lang="en-US" sz="1000" b="1" dirty="0">
-                  <a:solidFill>
-                    <a:srgbClr val="000000"/>
-                  </a:solidFill>
-                  <a:latin typeface="Calibri" panose="020F0502020204030204" pitchFamily="34" charset="0"/>
-                  <a:ea typeface="Times New Roman"/>
-                  <a:cs typeface="Calibri" panose="020F0502020204030204" pitchFamily="34" charset="0"/>
-                </a:rPr>
-                <a:t>Update CR Log with CR Status: Dropped</a:t>
-              </a:r>
-              <a:endParaRPr lang="en-IN" sz="1000" b="1" dirty="0">
-                <a:solidFill>
-                  <a:srgbClr val="000000"/>
-                </a:solidFill>
-                <a:latin typeface="Calibri" panose="020F0502020204030204" pitchFamily="34" charset="0"/>
-                <a:ea typeface="Times New Roman"/>
-                <a:cs typeface="Calibri" panose="020F0502020204030204" pitchFamily="34" charset="0"/>
-              </a:endParaRPr>
-            </a:p>
-          </p:txBody>
-        </p:sp>
-        <p:cxnSp>
-          <p:nvCxnSpPr>
-            <p:cNvPr id="23" name="AutoShape 182"/>
-            <p:cNvCxnSpPr>
-              <a:cxnSpLocks noChangeShapeType="1"/>
-            </p:cNvCxnSpPr>
-            <p:nvPr/>
-          </p:nvCxnSpPr>
-          <p:spPr bwMode="auto">
-            <a:xfrm>
-              <a:off x="7917" y="8913"/>
-              <a:ext cx="0" cy="2217"/>
-            </a:xfrm>
-            <a:prstGeom prst="straightConnector1">
-              <a:avLst/>
-            </a:prstGeom>
-            <a:noFill/>
-            <a:ln w="31750">
-              <a:solidFill>
-                <a:schemeClr val="bg1">
-                  <a:lumMod val="65000"/>
-                  <a:lumOff val="0"/>
-                </a:schemeClr>
-              </a:solidFill>
-              <a:round/>
-              <a:headEnd/>
-              <a:tailEnd type="arrow" w="sm" len="sm"/>
-            </a:ln>
-            <a:extLst>
-              <a:ext uri="{909E8E84-426E-40DD-AFC4-6F175D3DCCD1}">
-                <a14:hiddenFill xmlns:a14="http://schemas.microsoft.com/office/drawing/2010/main">
-                  <a:noFill/>
-                </a14:hiddenFill>
-              </a:ext>
-            </a:extLst>
-          </p:spPr>
-        </p:cxnSp>
-        <p:sp>
-          <p:nvSpPr>
-            <p:cNvPr id="24" name="AutoShape 183"/>
-            <p:cNvSpPr>
-              <a:spLocks noChangeArrowheads="1"/>
-            </p:cNvSpPr>
-            <p:nvPr/>
-          </p:nvSpPr>
-          <p:spPr bwMode="auto">
-            <a:xfrm>
-              <a:off x="6749" y="7809"/>
-              <a:ext cx="2383" cy="1837"/>
-            </a:xfrm>
-            <a:prstGeom prst="diamond">
-              <a:avLst/>
-            </a:prstGeom>
-            <a:solidFill>
-              <a:srgbClr val="FFFFFF"/>
-            </a:solidFill>
-            <a:ln w="22225">
-              <a:solidFill>
-                <a:schemeClr val="tx2">
-                  <a:lumMod val="100000"/>
-                  <a:lumOff val="0"/>
-                </a:schemeClr>
-              </a:solidFill>
-              <a:miter lim="800000"/>
-              <a:headEnd/>
-              <a:tailEnd/>
-            </a:ln>
-          </p:spPr>
-          <p:txBody>
-            <a:bodyPr rot="0" vert="horz" wrap="square" lIns="91440" tIns="45720" rIns="91440" bIns="45720" anchor="t" anchorCtr="0" upright="1">
-              <a:noAutofit/>
-            </a:bodyPr>
-            <a:lstStyle/>
-            <a:p>
-              <a:r>
-                <a:rPr lang="en-US" sz="1000" b="1" dirty="0">
-                  <a:solidFill>
-                    <a:srgbClr val="000000"/>
-                  </a:solidFill>
-                  <a:latin typeface="Calibri" panose="020F0502020204030204" pitchFamily="34" charset="0"/>
-                  <a:ea typeface="Times New Roman"/>
-                  <a:cs typeface="Calibri" panose="020F0502020204030204" pitchFamily="34" charset="0"/>
-                </a:rPr>
-                <a:t>Seek Approval from Customer </a:t>
-              </a:r>
-              <a:r>
-                <a:rPr lang="en-US" sz="1000" b="1" dirty="0" smtClean="0">
-                  <a:solidFill>
-                    <a:srgbClr val="000000"/>
-                  </a:solidFill>
-                  <a:latin typeface="Calibri" panose="020F0502020204030204" pitchFamily="34" charset="0"/>
-                  <a:ea typeface="Times New Roman"/>
-                  <a:cs typeface="Calibri" panose="020F0502020204030204" pitchFamily="34" charset="0"/>
-                </a:rPr>
-                <a:t>   </a:t>
-              </a:r>
-              <a:r>
-                <a:rPr lang="en-US" sz="1000" b="1" dirty="0" err="1" smtClean="0">
-                  <a:solidFill>
-                    <a:srgbClr val="000000"/>
-                  </a:solidFill>
-                  <a:latin typeface="Calibri" panose="020F0502020204030204" pitchFamily="34" charset="0"/>
-                  <a:ea typeface="Times New Roman"/>
-                  <a:cs typeface="Calibri" panose="020F0502020204030204" pitchFamily="34" charset="0"/>
-                </a:rPr>
-                <a:t>CRequestor</a:t>
-              </a:r>
-              <a:endParaRPr lang="en-IN" sz="1000" b="1" dirty="0">
-                <a:solidFill>
-                  <a:srgbClr val="000000"/>
-                </a:solidFill>
-                <a:latin typeface="Calibri" panose="020F0502020204030204" pitchFamily="34" charset="0"/>
-                <a:ea typeface="Times New Roman"/>
-                <a:cs typeface="Calibri" panose="020F0502020204030204" pitchFamily="34" charset="0"/>
-              </a:endParaRPr>
-            </a:p>
-          </p:txBody>
-        </p:sp>
-        <p:sp>
-          <p:nvSpPr>
-            <p:cNvPr id="25" name="Text Box 2"/>
-            <p:cNvSpPr txBox="1">
-              <a:spLocks noChangeArrowheads="1"/>
-            </p:cNvSpPr>
-            <p:nvPr/>
-          </p:nvSpPr>
-          <p:spPr bwMode="auto">
-            <a:xfrm>
-              <a:off x="5956" y="8554"/>
-              <a:ext cx="853" cy="863"/>
-            </a:xfrm>
-            <a:prstGeom prst="rect">
-              <a:avLst/>
-            </a:prstGeom>
-            <a:noFill/>
-            <a:ln>
-              <a:noFill/>
-            </a:ln>
-            <a:extLst>
-              <a:ext uri="{909E8E84-426E-40DD-AFC4-6F175D3DCCD1}">
-                <a14:hiddenFill xmlns:a14="http://schemas.microsoft.com/office/drawing/2010/main">
-                  <a:solidFill>
-                    <a:srgbClr val="FFFFFF"/>
-                  </a:solidFill>
-                </a14:hiddenFill>
-              </a:ext>
-              <a:ext uri="{91240B29-F687-4F45-9708-019B960494DF}">
-                <a14:hiddenLine xmlns:a14="http://schemas.microsoft.com/office/drawing/2010/main" w="9525">
-                  <a:solidFill>
-                    <a:srgbClr val="000000"/>
-                  </a:solidFill>
-                  <a:miter lim="800000"/>
-                  <a:headEnd/>
-                  <a:tailEnd/>
-                </a14:hiddenLine>
-              </a:ext>
-            </a:extLst>
-          </p:spPr>
-          <p:txBody>
-            <a:bodyPr rot="0" vert="horz" wrap="square" lIns="91440" tIns="45720" rIns="91440" bIns="45720" anchor="t" anchorCtr="0" upright="1">
-              <a:noAutofit/>
-            </a:bodyPr>
-            <a:lstStyle/>
-            <a:p>
-              <a:pPr algn="ctr">
-                <a:spcAft>
-                  <a:spcPts val="400"/>
-                </a:spcAft>
-              </a:pPr>
-              <a:r>
-                <a:rPr lang="en-US" sz="1200" b="1" dirty="0">
-                  <a:solidFill>
-                    <a:srgbClr val="262626"/>
-                  </a:solidFill>
-                  <a:effectLst/>
-                  <a:latin typeface="Calibri"/>
-                  <a:ea typeface="Times New Roman"/>
-                  <a:cs typeface="Calibri"/>
-                </a:rPr>
-                <a:t>Yes</a:t>
-              </a:r>
-              <a:endParaRPr lang="en-IN" sz="1200" dirty="0">
-                <a:solidFill>
-                  <a:srgbClr val="262626"/>
-                </a:solidFill>
-                <a:effectLst/>
-                <a:latin typeface="Arial"/>
-                <a:ea typeface="Times New Roman"/>
-                <a:cs typeface="Times New Roman"/>
-              </a:endParaRPr>
-            </a:p>
-          </p:txBody>
-        </p:sp>
-        <p:sp>
-          <p:nvSpPr>
-            <p:cNvPr id="27" name="AutoShape 186"/>
-            <p:cNvSpPr>
-              <a:spLocks noChangeArrowheads="1"/>
-            </p:cNvSpPr>
-            <p:nvPr/>
-          </p:nvSpPr>
-          <p:spPr bwMode="auto">
-            <a:xfrm>
-              <a:off x="3253" y="12390"/>
-              <a:ext cx="1904" cy="690"/>
-            </a:xfrm>
-            <a:prstGeom prst="roundRect">
-              <a:avLst>
-                <a:gd name="adj" fmla="val 16667"/>
-              </a:avLst>
-            </a:prstGeom>
-            <a:noFill/>
-            <a:ln w="19050">
-              <a:solidFill>
-                <a:schemeClr val="tx1">
-                  <a:lumMod val="50000"/>
-                  <a:lumOff val="50000"/>
-                </a:schemeClr>
-              </a:solidFill>
-              <a:round/>
-              <a:headEnd/>
-              <a:tailEnd/>
-            </a:ln>
-            <a:extLst>
-              <a:ext uri="{909E8E84-426E-40DD-AFC4-6F175D3DCCD1}">
-                <a14:hiddenFill xmlns:a14="http://schemas.microsoft.com/office/drawing/2010/main">
-                  <a:solidFill>
-                    <a:schemeClr val="tx1">
-                      <a:lumMod val="50000"/>
-                      <a:lumOff val="50000"/>
-                    </a:schemeClr>
-                  </a:solidFill>
-                </a14:hiddenFill>
-              </a:ext>
-            </a:extLst>
-          </p:spPr>
-          <p:txBody>
-            <a:bodyPr rot="0" vert="horz" wrap="square" lIns="91440" tIns="45720" rIns="91440" bIns="45720" anchor="t" anchorCtr="0" upright="1">
-              <a:noAutofit/>
-            </a:bodyPr>
-            <a:lstStyle/>
-            <a:p>
-              <a:r>
-                <a:rPr lang="en-US" sz="1000" b="1" dirty="0">
-                  <a:solidFill>
-                    <a:srgbClr val="000000"/>
-                  </a:solidFill>
-                  <a:latin typeface="Calibri" panose="020F0502020204030204" pitchFamily="34" charset="0"/>
-                  <a:ea typeface="Times New Roman"/>
-                  <a:cs typeface="Calibri" panose="020F0502020204030204" pitchFamily="34" charset="0"/>
-                </a:rPr>
-                <a:t>Amend SOW / PO to Incorporate CR</a:t>
-              </a:r>
-              <a:endParaRPr lang="en-IN" sz="1000" b="1" dirty="0">
-                <a:solidFill>
-                  <a:srgbClr val="000000"/>
-                </a:solidFill>
-                <a:latin typeface="Calibri" panose="020F0502020204030204" pitchFamily="34" charset="0"/>
-                <a:ea typeface="Times New Roman"/>
-                <a:cs typeface="Calibri" panose="020F0502020204030204" pitchFamily="34" charset="0"/>
-              </a:endParaRPr>
-            </a:p>
-          </p:txBody>
-        </p:sp>
-        <p:cxnSp>
-          <p:nvCxnSpPr>
-            <p:cNvPr id="28" name="AutoShape 187"/>
-            <p:cNvCxnSpPr>
-              <a:cxnSpLocks noChangeShapeType="1"/>
-            </p:cNvCxnSpPr>
-            <p:nvPr/>
-          </p:nvCxnSpPr>
-          <p:spPr bwMode="auto">
-            <a:xfrm>
-              <a:off x="1774" y="12739"/>
-              <a:ext cx="1479" cy="0"/>
-            </a:xfrm>
-            <a:prstGeom prst="straightConnector1">
-              <a:avLst/>
-            </a:prstGeom>
-            <a:noFill/>
-            <a:ln w="31750">
-              <a:solidFill>
-                <a:schemeClr val="bg1">
-                  <a:lumMod val="65000"/>
-                  <a:lumOff val="0"/>
-                </a:schemeClr>
-              </a:solidFill>
-              <a:round/>
-              <a:headEnd/>
-              <a:tailEnd type="arrow" w="sm" len="sm"/>
-            </a:ln>
-            <a:extLst>
-              <a:ext uri="{909E8E84-426E-40DD-AFC4-6F175D3DCCD1}">
-                <a14:hiddenFill xmlns:a14="http://schemas.microsoft.com/office/drawing/2010/main">
-                  <a:noFill/>
-                </a14:hiddenFill>
-              </a:ext>
-            </a:extLst>
-          </p:spPr>
-        </p:cxnSp>
-        <p:cxnSp>
-          <p:nvCxnSpPr>
-            <p:cNvPr id="29" name="AutoShape 188"/>
-            <p:cNvCxnSpPr>
-              <a:cxnSpLocks noChangeShapeType="1"/>
-            </p:cNvCxnSpPr>
-            <p:nvPr/>
-          </p:nvCxnSpPr>
-          <p:spPr bwMode="auto">
-            <a:xfrm>
-              <a:off x="1777" y="8332"/>
-              <a:ext cx="0" cy="4421"/>
-            </a:xfrm>
-            <a:prstGeom prst="straightConnector1">
-              <a:avLst/>
-            </a:prstGeom>
-            <a:noFill/>
-            <a:ln w="31750">
-              <a:solidFill>
-                <a:schemeClr val="bg1">
-                  <a:lumMod val="65000"/>
-                  <a:lumOff val="0"/>
-                </a:schemeClr>
-              </a:solidFill>
-              <a:round/>
-              <a:headEnd/>
-              <a:tailEnd type="none" w="sm" len="sm"/>
-            </a:ln>
-            <a:extLst>
-              <a:ext uri="{909E8E84-426E-40DD-AFC4-6F175D3DCCD1}">
-                <a14:hiddenFill xmlns:a14="http://schemas.microsoft.com/office/drawing/2010/main">
-                  <a:noFill/>
-                </a14:hiddenFill>
-              </a:ext>
-            </a:extLst>
-          </p:spPr>
-        </p:cxnSp>
-        <p:cxnSp>
-          <p:nvCxnSpPr>
-            <p:cNvPr id="30" name="AutoShape 189"/>
-            <p:cNvCxnSpPr>
-              <a:cxnSpLocks noChangeShapeType="1"/>
-            </p:cNvCxnSpPr>
-            <p:nvPr/>
-          </p:nvCxnSpPr>
-          <p:spPr bwMode="auto">
-            <a:xfrm>
-              <a:off x="1777" y="8356"/>
-              <a:ext cx="753" cy="0"/>
-            </a:xfrm>
-            <a:prstGeom prst="straightConnector1">
-              <a:avLst/>
-            </a:prstGeom>
-            <a:noFill/>
-            <a:ln w="31750">
-              <a:solidFill>
-                <a:schemeClr val="bg1">
-                  <a:lumMod val="65000"/>
-                  <a:lumOff val="0"/>
-                </a:schemeClr>
-              </a:solidFill>
-              <a:round/>
-              <a:headEnd/>
-              <a:tailEnd type="none" w="sm" len="sm"/>
-            </a:ln>
-            <a:extLst>
-              <a:ext uri="{909E8E84-426E-40DD-AFC4-6F175D3DCCD1}">
-                <a14:hiddenFill xmlns:a14="http://schemas.microsoft.com/office/drawing/2010/main">
-                  <a:noFill/>
-                </a14:hiddenFill>
-              </a:ext>
-            </a:extLst>
-          </p:spPr>
-        </p:cxnSp>
-      </p:grpSp>
-      <p:sp>
-        <p:nvSpPr>
-          <p:cNvPr id="31" name="Text Box 2"/>
-          <p:cNvSpPr txBox="1">
-            <a:spLocks noChangeArrowheads="1"/>
-          </p:cNvSpPr>
-          <p:nvPr/>
-        </p:nvSpPr>
-        <p:spPr bwMode="auto">
-          <a:xfrm>
-            <a:off x="6433068" y="4574990"/>
-            <a:ext cx="633943" cy="262367"/>
-          </a:xfrm>
-          <a:prstGeom prst="rect">
-            <a:avLst/>
-          </a:prstGeom>
-          <a:noFill/>
-          <a:ln>
-            <a:noFill/>
-          </a:ln>
-          <a:extLst>
-            <a:ext uri="{909E8E84-426E-40DD-AFC4-6F175D3DCCD1}">
-              <a14:hiddenFill xmlns:a14="http://schemas.microsoft.com/office/drawing/2010/main">
-                <a:solidFill>
-                  <a:srgbClr val="FFFFFF"/>
-                </a:solidFill>
-              </a14:hiddenFill>
-            </a:ext>
-            <a:ext uri="{91240B29-F687-4F45-9708-019B960494DF}">
-              <a14:hiddenLine xmlns:a14="http://schemas.microsoft.com/office/drawing/2010/main" w="9525">
-                <a:solidFill>
-                  <a:srgbClr val="000000"/>
-                </a:solidFill>
-                <a:miter lim="800000"/>
-                <a:headEnd/>
-                <a:tailEnd/>
-              </a14:hiddenLine>
-            </a:ext>
-          </a:extLst>
-        </p:spPr>
-        <p:txBody>
-          <a:bodyPr rot="0" vert="horz" wrap="square" lIns="91440" tIns="45720" rIns="91440" bIns="45720" anchor="t" anchorCtr="0" upright="1">
-            <a:noAutofit/>
-          </a:bodyPr>
-          <a:lstStyle/>
-          <a:p>
-            <a:pPr algn="ctr">
-              <a:spcAft>
-                <a:spcPts val="400"/>
-              </a:spcAft>
-            </a:pPr>
-            <a:r>
-              <a:rPr lang="en-US" sz="1200" b="1" dirty="0">
-                <a:solidFill>
-                  <a:srgbClr val="262626"/>
-                </a:solidFill>
-                <a:effectLst/>
-                <a:latin typeface="Calibri"/>
-                <a:ea typeface="Times New Roman"/>
-                <a:cs typeface="Calibri"/>
-              </a:rPr>
-              <a:t>No</a:t>
-            </a:r>
-            <a:endParaRPr lang="en-IN" sz="1200" dirty="0">
-              <a:solidFill>
-                <a:srgbClr val="262626"/>
-              </a:solidFill>
-              <a:effectLst/>
-              <a:latin typeface="Arial"/>
-              <a:ea typeface="Times New Roman"/>
-              <a:cs typeface="Times New Roman"/>
-            </a:endParaRPr>
-          </a:p>
-        </p:txBody>
-      </p:sp>
-    </p:spTree>
-    <p:extLst>
-      <p:ext uri="{BB962C8B-B14F-4D97-AF65-F5344CB8AC3E}">
-        <p14:creationId xmlns:p14="http://schemas.microsoft.com/office/powerpoint/2010/main" val="2907142138"/>
-      </p:ext>
-    </p:extLst>
-  </p:cSld>
-  <p:clrMapOvr>
-    <a:masterClrMapping/>
-  </p:clrMapOvr>
-  <p:timing>
-    <p:tnLst>
-      <p:par>
-        <p:cTn id="1" dur="indefinite" restart="never" nodeType="tmRoot"/>
-      </p:par>
-    </p:tnLst>
-  </p:timing>
-</p:sld>
-</file>
-
-<file path=ppt/slides/slide21.xml><?xml version="1.0" encoding="utf-8"?>
-<p:sld xmlns:a="http://schemas.openxmlformats.org/drawingml/2006/main" xmlns:r="http://schemas.openxmlformats.org/officeDocument/2006/relationships" xmlns:p="http://schemas.openxmlformats.org/presentationml/2006/main">
-  <p:cSld>
-    <p:spTree>
-      <p:nvGrpSpPr>
-        <p:cNvPr id="1" name=""/>
-        <p:cNvGrpSpPr/>
-        <p:nvPr/>
-      </p:nvGrpSpPr>
-      <p:grpSpPr>
-        <a:xfrm>
-          <a:off x="0" y="0"/>
-          <a:ext cx="0" cy="0"/>
-          <a:chOff x="0" y="0"/>
-          <a:chExt cx="0" cy="0"/>
-        </a:xfrm>
-      </p:grpSpPr>
-      <p:sp>
-        <p:nvSpPr>
-          <p:cNvPr id="2" name="Slide Number Placeholder 1"/>
-          <p:cNvSpPr>
-            <a:spLocks noGrp="1"/>
-          </p:cNvSpPr>
-          <p:nvPr>
-            <p:ph type="sldNum" sz="quarter" idx="12"/>
-          </p:nvPr>
-        </p:nvSpPr>
-        <p:spPr/>
-        <p:txBody>
-          <a:bodyPr/>
-          <a:lstStyle/>
-          <a:p>
-            <a:fld id="{75D64ABA-DC95-A94B-BCA3-09692F8C9985}" type="slidenum">
-              <a:rPr lang="en-US" smtClean="0"/>
-              <a:t>21</a:t>
-            </a:fld>
-            <a:endParaRPr lang="en-US"/>
-          </a:p>
-        </p:txBody>
-      </p:sp>
-      <p:sp>
-        <p:nvSpPr>
-          <p:cNvPr id="4" name="Title 3"/>
-          <p:cNvSpPr>
-            <a:spLocks noGrp="1"/>
-          </p:cNvSpPr>
-          <p:nvPr>
-            <p:ph type="title"/>
-          </p:nvPr>
-        </p:nvSpPr>
-        <p:spPr/>
-        <p:txBody>
-          <a:bodyPr/>
-          <a:lstStyle/>
-          <a:p>
-            <a:r>
-              <a:rPr lang="en-US" sz="2000" dirty="0">
-                <a:latin typeface="+mn-lt"/>
-              </a:rPr>
-              <a:t>Project Deliverables</a:t>
-            </a:r>
-            <a:endParaRPr lang="en-IN" sz="2000" dirty="0">
-              <a:latin typeface="+mn-lt"/>
-            </a:endParaRPr>
-          </a:p>
-        </p:txBody>
-      </p:sp>
-      <p:sp>
-        <p:nvSpPr>
-          <p:cNvPr id="7" name="Rectangle 6"/>
-          <p:cNvSpPr/>
-          <p:nvPr/>
-        </p:nvSpPr>
-        <p:spPr>
-          <a:xfrm>
-            <a:off x="948496" y="1142167"/>
-            <a:ext cx="6776137" cy="1754326"/>
-          </a:xfrm>
-          <a:prstGeom prst="rect">
-            <a:avLst/>
-          </a:prstGeom>
-        </p:spPr>
-        <p:txBody>
-          <a:bodyPr wrap="square">
-            <a:spAutoFit/>
-          </a:bodyPr>
-          <a:lstStyle/>
-          <a:p>
-            <a:pPr marL="285750" indent="-285750">
-              <a:buFont typeface="Arial" pitchFamily="34" charset="0"/>
-              <a:buChar char="•"/>
-            </a:pPr>
-            <a:r>
-              <a:rPr lang="en-IN" sz="1800" dirty="0">
-                <a:latin typeface="Calibri" panose="020F0502020204030204" pitchFamily="34" charset="0"/>
-                <a:cs typeface="Calibri" panose="020F0502020204030204" pitchFamily="34" charset="0"/>
-              </a:rPr>
-              <a:t>Working  Code (UI/Functionalities</a:t>
-            </a:r>
-            <a:r>
-              <a:rPr lang="en-IN" sz="1800" dirty="0" smtClean="0">
-                <a:latin typeface="Calibri" panose="020F0502020204030204" pitchFamily="34" charset="0"/>
-                <a:cs typeface="Calibri" panose="020F0502020204030204" pitchFamily="34" charset="0"/>
-              </a:rPr>
-              <a:t>)</a:t>
-            </a:r>
-          </a:p>
-          <a:p>
-            <a:pPr marL="285750" indent="-285750">
-              <a:buFont typeface="Arial" pitchFamily="34" charset="0"/>
-              <a:buChar char="•"/>
-            </a:pPr>
-            <a:r>
-              <a:rPr lang="en-US" sz="1800" dirty="0" smtClean="0">
-                <a:latin typeface="Calibri" panose="020F0502020204030204" pitchFamily="34" charset="0"/>
-                <a:cs typeface="Calibri" panose="020F0502020204030204" pitchFamily="34" charset="0"/>
-              </a:rPr>
-              <a:t>.</a:t>
-            </a:r>
-            <a:r>
-              <a:rPr lang="en-US" sz="1800" dirty="0" err="1" smtClean="0">
-                <a:latin typeface="Calibri" panose="020F0502020204030204" pitchFamily="34" charset="0"/>
-                <a:cs typeface="Calibri" panose="020F0502020204030204" pitchFamily="34" charset="0"/>
-              </a:rPr>
-              <a:t>apk</a:t>
-            </a:r>
-            <a:r>
-              <a:rPr lang="en-US" sz="1800" dirty="0" smtClean="0">
-                <a:latin typeface="Calibri" panose="020F0502020204030204" pitchFamily="34" charset="0"/>
-                <a:cs typeface="Calibri" panose="020F0502020204030204" pitchFamily="34" charset="0"/>
-              </a:rPr>
-              <a:t> file of android </a:t>
-            </a:r>
-          </a:p>
-          <a:p>
-            <a:pPr marL="285750" indent="-285750">
-              <a:buFont typeface="Arial" pitchFamily="34" charset="0"/>
-              <a:buChar char="•"/>
-            </a:pPr>
-            <a:r>
-              <a:rPr lang="en-US" sz="1800" dirty="0" smtClean="0">
-                <a:latin typeface="Calibri" panose="020F0502020204030204" pitchFamily="34" charset="0"/>
-                <a:cs typeface="Calibri" panose="020F0502020204030204" pitchFamily="34" charset="0"/>
-              </a:rPr>
-              <a:t>.</a:t>
-            </a:r>
-            <a:r>
-              <a:rPr lang="en-US" sz="1800" dirty="0" err="1" smtClean="0">
-                <a:latin typeface="Calibri" panose="020F0502020204030204" pitchFamily="34" charset="0"/>
-                <a:cs typeface="Calibri" panose="020F0502020204030204" pitchFamily="34" charset="0"/>
-              </a:rPr>
-              <a:t>ipa</a:t>
-            </a:r>
-            <a:r>
-              <a:rPr lang="en-US" sz="1800" dirty="0" smtClean="0">
-                <a:latin typeface="Calibri" panose="020F0502020204030204" pitchFamily="34" charset="0"/>
-                <a:cs typeface="Calibri" panose="020F0502020204030204" pitchFamily="34" charset="0"/>
-              </a:rPr>
-              <a:t> file of iOS</a:t>
-            </a:r>
-            <a:endParaRPr lang="en-IN" sz="1800" dirty="0">
-              <a:latin typeface="Calibri" panose="020F0502020204030204" pitchFamily="34" charset="0"/>
-              <a:cs typeface="Calibri" panose="020F0502020204030204" pitchFamily="34" charset="0"/>
-            </a:endParaRPr>
-          </a:p>
-          <a:p>
-            <a:pPr marL="285750" indent="-285750">
-              <a:buFont typeface="Arial" pitchFamily="34" charset="0"/>
-              <a:buChar char="•"/>
-            </a:pPr>
-            <a:r>
-              <a:rPr lang="en-IN" sz="1800" dirty="0" smtClean="0">
-                <a:latin typeface="Calibri" panose="020F0502020204030204" pitchFamily="34" charset="0"/>
-                <a:cs typeface="Calibri" panose="020F0502020204030204" pitchFamily="34" charset="0"/>
-              </a:rPr>
-              <a:t>User manual</a:t>
-            </a:r>
-          </a:p>
-          <a:p>
-            <a:pPr marL="285750" indent="-285750">
-              <a:buFont typeface="Arial" pitchFamily="34" charset="0"/>
-              <a:buChar char="•"/>
-            </a:pPr>
-            <a:endParaRPr lang="en-US" sz="1800" dirty="0">
-              <a:latin typeface="Calibri" panose="020F0502020204030204" pitchFamily="34" charset="0"/>
-              <a:cs typeface="Calibri" panose="020F0502020204030204" pitchFamily="34" charset="0"/>
-            </a:endParaRPr>
-          </a:p>
-          <a:p>
-            <a:pPr marL="285750" indent="-285750">
-              <a:buFont typeface="Arial" pitchFamily="34" charset="0"/>
-              <a:buChar char="•"/>
-            </a:pPr>
-            <a:endParaRPr lang="en-IN" sz="1800" dirty="0">
-              <a:latin typeface="Calibri" panose="020F0502020204030204" pitchFamily="34" charset="0"/>
-              <a:cs typeface="Calibri" panose="020F0502020204030204" pitchFamily="34" charset="0"/>
-            </a:endParaRPr>
-          </a:p>
-        </p:txBody>
-      </p:sp>
-      <p:sp>
-        <p:nvSpPr>
-          <p:cNvPr id="3" name="TextBox 2"/>
-          <p:cNvSpPr txBox="1"/>
-          <p:nvPr/>
-        </p:nvSpPr>
-        <p:spPr>
-          <a:xfrm>
-            <a:off x="928032" y="3452884"/>
-            <a:ext cx="6796601" cy="1200329"/>
-          </a:xfrm>
-          <a:prstGeom prst="rect">
-            <a:avLst/>
-          </a:prstGeom>
-          <a:noFill/>
-        </p:spPr>
-        <p:txBody>
-          <a:bodyPr wrap="square" rtlCol="0">
-            <a:spAutoFit/>
-          </a:bodyPr>
-          <a:lstStyle/>
-          <a:p>
-            <a:r>
-              <a:rPr lang="en-US" sz="1800" dirty="0" smtClean="0">
-                <a:latin typeface="Calibri" panose="020F0502020204030204" pitchFamily="34" charset="0"/>
-                <a:cs typeface="Calibri" panose="020F0502020204030204" pitchFamily="34" charset="0"/>
-              </a:rPr>
-              <a:t>Note: All </a:t>
-            </a:r>
-            <a:r>
-              <a:rPr lang="en-US" sz="1800" dirty="0">
-                <a:latin typeface="Calibri" panose="020F0502020204030204" pitchFamily="34" charset="0"/>
-                <a:cs typeface="Calibri" panose="020F0502020204030204" pitchFamily="34" charset="0"/>
-              </a:rPr>
-              <a:t>project reports, documents and source code will available in </a:t>
-            </a:r>
-            <a:r>
-              <a:rPr lang="en-US" sz="1800" dirty="0" smtClean="0">
-                <a:latin typeface="Calibri" panose="020F0502020204030204" pitchFamily="34" charset="0"/>
-                <a:cs typeface="Calibri" panose="020F0502020204030204" pitchFamily="34" charset="0"/>
-              </a:rPr>
-              <a:t>SVN Path:  </a:t>
-            </a:r>
-          </a:p>
-          <a:p>
-            <a:r>
-              <a:rPr lang="en-US" sz="1800" dirty="0" smtClean="0">
-                <a:latin typeface="Calibri" panose="020F0502020204030204" pitchFamily="34" charset="0"/>
-                <a:cs typeface="Calibri" panose="020F0502020204030204" pitchFamily="34" charset="0"/>
-                <a:hlinkClick r:id="rId2"/>
-              </a:rPr>
-              <a:t>https</a:t>
-            </a:r>
-            <a:r>
-              <a:rPr lang="en-US" sz="1800" dirty="0">
-                <a:latin typeface="Calibri" panose="020F0502020204030204" pitchFamily="34" charset="0"/>
-                <a:cs typeface="Calibri" panose="020F0502020204030204" pitchFamily="34" charset="0"/>
-                <a:hlinkClick r:id="rId2"/>
-              </a:rPr>
-              <a:t>://asi-storage07.blr.allegisindia.com/svn/EASi_App-POC/</a:t>
-            </a:r>
-            <a:endParaRPr lang="en-IN" sz="1800" dirty="0">
-              <a:latin typeface="Calibri" panose="020F0502020204030204" pitchFamily="34" charset="0"/>
-              <a:cs typeface="Calibri" panose="020F0502020204030204" pitchFamily="34" charset="0"/>
-            </a:endParaRPr>
-          </a:p>
-          <a:p>
-            <a:endParaRPr lang="en-IN" sz="1800" dirty="0"/>
-          </a:p>
-        </p:txBody>
-      </p:sp>
-    </p:spTree>
-    <p:extLst>
-      <p:ext uri="{BB962C8B-B14F-4D97-AF65-F5344CB8AC3E}">
-        <p14:creationId xmlns:p14="http://schemas.microsoft.com/office/powerpoint/2010/main" val="3945231529"/>
-      </p:ext>
-    </p:extLst>
-  </p:cSld>
-  <p:clrMapOvr>
-    <a:masterClrMapping/>
-  </p:clrMapOvr>
-  <p:timing>
-    <p:tnLst>
-      <p:par>
-        <p:cTn id="1" dur="indefinite" restart="never" nodeType="tmRoot"/>
-      </p:par>
-    </p:tnLst>
-  </p:timing>
-</p:sld>
-</file>
-
-<file path=ppt/slides/slide22.xml><?xml version="1.0" encoding="utf-8"?>
-<p:sld xmlns:a="http://schemas.openxmlformats.org/drawingml/2006/main" xmlns:r="http://schemas.openxmlformats.org/officeDocument/2006/relationships" xmlns:p="http://schemas.openxmlformats.org/presentationml/2006/main">
-  <p:cSld>
-    <p:spTree>
-      <p:nvGrpSpPr>
-        <p:cNvPr id="1" name=""/>
-        <p:cNvGrpSpPr/>
-        <p:nvPr/>
-      </p:nvGrpSpPr>
-      <p:grpSpPr>
-        <a:xfrm>
-          <a:off x="0" y="0"/>
-          <a:ext cx="0" cy="0"/>
-          <a:chOff x="0" y="0"/>
-          <a:chExt cx="0" cy="0"/>
-        </a:xfrm>
-      </p:grpSpPr>
-      <p:sp>
-        <p:nvSpPr>
-          <p:cNvPr id="2" name="Slide Number Placeholder 1"/>
-          <p:cNvSpPr>
-            <a:spLocks noGrp="1"/>
-          </p:cNvSpPr>
-          <p:nvPr>
-            <p:ph type="sldNum" sz="quarter" idx="12"/>
-          </p:nvPr>
-        </p:nvSpPr>
-        <p:spPr/>
-        <p:txBody>
-          <a:bodyPr/>
-          <a:lstStyle/>
-          <a:p>
-            <a:fld id="{75D64ABA-DC95-A94B-BCA3-09692F8C9985}" type="slidenum">
-              <a:rPr lang="en-US" smtClean="0"/>
-              <a:t>22</a:t>
             </a:fld>
             <a:endParaRPr lang="en-US"/>
           </a:p>
@@ -15901,7 +13770,7 @@
 </p:sld>
 </file>
 
-<file path=ppt/slides/slide23.xml><?xml version="1.0" encoding="utf-8"?>
+<file path=ppt/slides/slide21.xml><?xml version="1.0" encoding="utf-8"?>
 <p:sld xmlns:a="http://schemas.openxmlformats.org/drawingml/2006/main" xmlns:r="http://schemas.openxmlformats.org/officeDocument/2006/relationships" xmlns:p="http://schemas.openxmlformats.org/presentationml/2006/main">
   <p:cSld>
     <p:spTree>
@@ -15935,7 +13804,7 @@
           <a:p>
             <a:fld id="{75D64ABA-DC95-A94B-BCA3-09692F8C9985}" type="slidenum">
               <a:rPr lang="en-US" smtClean="0"/>
-              <a:t>23</a:t>
+              <a:t>21</a:t>
             </a:fld>
             <a:endParaRPr lang="en-US"/>
           </a:p>
@@ -16007,7 +13876,7 @@
 </p:sld>
 </file>
 
-<file path=ppt/slides/slide24.xml><?xml version="1.0" encoding="utf-8"?>
+<file path=ppt/slides/slide22.xml><?xml version="1.0" encoding="utf-8"?>
 <p:sld xmlns:a="http://schemas.openxmlformats.org/drawingml/2006/main" xmlns:r="http://schemas.openxmlformats.org/officeDocument/2006/relationships" xmlns:p="http://schemas.openxmlformats.org/presentationml/2006/main">
   <p:cSld>
     <p:spTree>
@@ -16072,7 +13941,7 @@
             <a:fld id="{75D64ABA-DC95-A94B-BCA3-09692F8C9985}" type="slidenum">
               <a:rPr lang="en-US" smtClean="0"/>
               <a:pPr/>
-              <a:t>24</a:t>
+              <a:t>22</a:t>
             </a:fld>
             <a:endParaRPr lang="en-US" dirty="0"/>
           </a:p>
@@ -16308,7 +14177,14 @@
                 <a:latin typeface="Calibri" panose="020F0502020204030204" pitchFamily="34" charset="0"/>
                 <a:cs typeface="Calibri" panose="020F0502020204030204" pitchFamily="34" charset="0"/>
               </a:rPr>
-              <a:t>engineering </a:t>
+              <a:t>E</a:t>
+            </a:r>
+            <a:r>
+              <a:rPr lang="en-US" sz="1800" dirty="0" smtClean="0">
+                <a:latin typeface="Calibri" panose="020F0502020204030204" pitchFamily="34" charset="0"/>
+                <a:cs typeface="Calibri" panose="020F0502020204030204" pitchFamily="34" charset="0"/>
+              </a:rPr>
+              <a:t>ngineering </a:t>
             </a:r>
             <a:r>
               <a:rPr lang="en-US" sz="1800" dirty="0" smtClean="0">
@@ -16376,18 +14252,25 @@
               <a:buNone/>
             </a:pPr>
             <a:r>
+              <a:rPr lang="en-US" sz="1800" dirty="0" err="1">
+                <a:latin typeface="Calibri" panose="020F0502020204030204" pitchFamily="34" charset="0"/>
+                <a:cs typeface="Calibri" panose="020F0502020204030204" pitchFamily="34" charset="0"/>
+              </a:rPr>
+              <a:t>EASi</a:t>
+            </a:r>
+            <a:r>
               <a:rPr lang="en-US" sz="1800" dirty="0">
                 <a:latin typeface="Calibri" panose="020F0502020204030204" pitchFamily="34" charset="0"/>
                 <a:cs typeface="Calibri" panose="020F0502020204030204" pitchFamily="34" charset="0"/>
               </a:rPr>
-              <a:t>EASi provides critical, innovative engineering solutions around the </a:t>
+              <a:t> Engineering Travel </a:t>
             </a:r>
             <a:r>
               <a:rPr lang="en-US" sz="1800" dirty="0" smtClean="0">
                 <a:latin typeface="Calibri" panose="020F0502020204030204" pitchFamily="34" charset="0"/>
                 <a:cs typeface="Calibri" panose="020F0502020204030204" pitchFamily="34" charset="0"/>
               </a:rPr>
-              <a:t>globe for customer as well as employees.</a:t>
+              <a:t>Desk provides cab facility for employees who work in the night shift considering employee safety.</a:t>
             </a:r>
           </a:p>
           <a:p>
@@ -16397,20 +14280,22 @@
               </a:spcBef>
               <a:buNone/>
             </a:pPr>
-            <a:r>
-              <a:rPr lang="en-US" sz="1800" dirty="0" err="1" smtClean="0">
-                <a:latin typeface="Calibri" panose="020F0502020204030204" pitchFamily="34" charset="0"/>
-                <a:cs typeface="Calibri" panose="020F0502020204030204" pitchFamily="34" charset="0"/>
-              </a:rPr>
-              <a:t>EASi</a:t>
-            </a:r>
-            <a:r>
-              <a:rPr lang="en-US" sz="1800" dirty="0" smtClean="0">
-                <a:latin typeface="Calibri" panose="020F0502020204030204" pitchFamily="34" charset="0"/>
-                <a:cs typeface="Calibri" panose="020F0502020204030204" pitchFamily="34" charset="0"/>
-              </a:rPr>
-              <a:t> Cab management system plays a vital role for employee in point of safe &amp; secure transportation.  </a:t>
-            </a:r>
+            <a:endParaRPr lang="en-US" sz="1800" dirty="0">
+              <a:latin typeface="Calibri" panose="020F0502020204030204" pitchFamily="34" charset="0"/>
+              <a:cs typeface="Calibri" panose="020F0502020204030204" pitchFamily="34" charset="0"/>
+            </a:endParaRPr>
+          </a:p>
+          <a:p>
+            <a:pPr marL="180571" lvl="3" indent="0" eaLnBrk="0" hangingPunct="0">
+              <a:spcBef>
+                <a:spcPct val="50000"/>
+              </a:spcBef>
+              <a:buNone/>
+            </a:pPr>
+            <a:endParaRPr lang="en-US" sz="1800" dirty="0" smtClean="0">
+              <a:latin typeface="Calibri" panose="020F0502020204030204" pitchFamily="34" charset="0"/>
+              <a:cs typeface="Calibri" panose="020F0502020204030204" pitchFamily="34" charset="0"/>
+            </a:endParaRPr>
           </a:p>
           <a:p>
             <a:pPr marL="180571" lvl="3" indent="0" eaLnBrk="0" hangingPunct="0">
@@ -16531,7 +14416,7 @@
         <p:spPr>
           <a:xfrm>
             <a:off x="832513" y="1182231"/>
-            <a:ext cx="7779224" cy="2970044"/>
+            <a:ext cx="7779224" cy="2262158"/>
           </a:xfrm>
           <a:prstGeom prst="rect">
             <a:avLst/>
@@ -16562,7 +14447,7 @@
                 <a:latin typeface="Calibri" panose="020F0502020204030204" pitchFamily="34" charset="0"/>
                 <a:cs typeface="Calibri" panose="020F0502020204030204" pitchFamily="34" charset="0"/>
               </a:rPr>
-              <a:t>Simple and easy smart phone application to </a:t>
+              <a:t>Simple and </a:t>
             </a:r>
             <a:r>
               <a:rPr lang="en-US" sz="1800" dirty="0" smtClean="0">
@@ -16572,6 +14457,26 @@
                 <a:latin typeface="Calibri" panose="020F0502020204030204" pitchFamily="34" charset="0"/>
                 <a:cs typeface="Calibri" panose="020F0502020204030204" pitchFamily="34" charset="0"/>
               </a:rPr>
+              <a:t>user friendly smart </a:t>
+            </a:r>
+            <a:r>
+              <a:rPr lang="en-US" sz="1800" dirty="0">
+                <a:solidFill>
+                  <a:srgbClr val="4D4F53"/>
+                </a:solidFill>
+                <a:latin typeface="Calibri" panose="020F0502020204030204" pitchFamily="34" charset="0"/>
+                <a:cs typeface="Calibri" panose="020F0502020204030204" pitchFamily="34" charset="0"/>
+              </a:rPr>
+              <a:t>phone application to </a:t>
+            </a:r>
+            <a:r>
+              <a:rPr lang="en-US" sz="1800" dirty="0" smtClean="0">
+                <a:solidFill>
+                  <a:srgbClr val="4D4F53"/>
+                </a:solidFill>
+                <a:latin typeface="Calibri" panose="020F0502020204030204" pitchFamily="34" charset="0"/>
+                <a:cs typeface="Calibri" panose="020F0502020204030204" pitchFamily="34" charset="0"/>
+              </a:rPr>
               <a:t>monitor and manage the </a:t>
             </a:r>
             <a:r>
@@ -16602,7 +14507,7 @@
                 <a:latin typeface="Calibri" panose="020F0502020204030204" pitchFamily="34" charset="0"/>
                 <a:cs typeface="Calibri" panose="020F0502020204030204" pitchFamily="34" charset="0"/>
               </a:rPr>
-              <a:t>facilities</a:t>
+              <a:t>facilities.</a:t>
             </a:r>
             <a:endParaRPr lang="en-US" sz="1800" dirty="0">
               <a:solidFill>
@@ -16669,23 +14574,9 @@
                 <a:latin typeface="Calibri" panose="020F0502020204030204" pitchFamily="34" charset="0"/>
                 <a:cs typeface="Calibri" panose="020F0502020204030204" pitchFamily="34" charset="0"/>
               </a:rPr>
-              <a:t>smartphone applications(android)  for </a:t>
-            </a:r>
-            <a:r>
-              <a:rPr lang="en-IN" sz="1800" dirty="0">
-                <a:latin typeface="Calibri" panose="020F0502020204030204" pitchFamily="34" charset="0"/>
-                <a:cs typeface="Calibri" panose="020F0502020204030204" pitchFamily="34" charset="0"/>
-              </a:rPr>
-              <a:t>easy and safety </a:t>
-            </a:r>
-            <a:r>
-              <a:rPr lang="en-IN" sz="1800" dirty="0" smtClean="0">
-                <a:latin typeface="Calibri" panose="020F0502020204030204" pitchFamily="34" charset="0"/>
-                <a:cs typeface="Calibri" panose="020F0502020204030204" pitchFamily="34" charset="0"/>
-              </a:rPr>
-              <a:t>management</a:t>
-            </a:r>
-            <a:endParaRPr lang="en-IN" sz="1800" dirty="0">
+              <a:t>smartphone applications(android) </a:t>
+            </a:r>
+            <a:endParaRPr lang="en-IN" sz="1800" dirty="0" smtClean="0">
               <a:latin typeface="Calibri" panose="020F0502020204030204" pitchFamily="34" charset="0"/>
               <a:cs typeface="Calibri" panose="020F0502020204030204" pitchFamily="34" charset="0"/>
             </a:endParaRPr>
@@ -16699,47 +14590,27 @@
               <a:buAutoNum type="arabicPeriod"/>
             </a:pPr>
             <a:r>
+              <a:rPr lang="en-IN" sz="1800" dirty="0" smtClean="0">
+                <a:latin typeface="Calibri" panose="020F0502020204030204" pitchFamily="34" charset="0"/>
+                <a:cs typeface="Calibri" panose="020F0502020204030204" pitchFamily="34" charset="0"/>
+              </a:rPr>
+              <a:t>Web </a:t>
+            </a:r>
+            <a:r>
               <a:rPr lang="en-IN" sz="1800" dirty="0">
                 <a:latin typeface="Calibri" panose="020F0502020204030204" pitchFamily="34" charset="0"/>
                 <a:cs typeface="Calibri" panose="020F0502020204030204" pitchFamily="34" charset="0"/>
               </a:rPr>
-              <a:t>Web Service development for the whole app </a:t>
+              <a:t>Service </a:t>
             </a:r>
             <a:r>
               <a:rPr lang="en-IN" sz="1800" dirty="0" smtClean="0">
                 <a:latin typeface="Calibri" panose="020F0502020204030204" pitchFamily="34" charset="0"/>
                 <a:cs typeface="Calibri" panose="020F0502020204030204" pitchFamily="34" charset="0"/>
               </a:rPr>
-              <a:t>module</a:t>
-            </a:r>
-          </a:p>
-          <a:p>
-            <a:pPr marL="342900" indent="-342900">
-              <a:spcAft>
-                <a:spcPts val="600"/>
-              </a:spcAft>
-              <a:buFont typeface="+mj-lt"/>
-              <a:buAutoNum type="arabicPeriod"/>
-            </a:pPr>
-            <a:r>
-              <a:rPr lang="en-US" sz="1800" dirty="0" smtClean="0">
-                <a:latin typeface="Calibri" panose="020F0502020204030204" pitchFamily="34" charset="0"/>
-                <a:cs typeface="Calibri" panose="020F0502020204030204" pitchFamily="34" charset="0"/>
-              </a:rPr>
-              <a:t>Integrate the application with web services</a:t>
-            </a:r>
-            <a:endParaRPr lang="en-IN" sz="1800" dirty="0">
-              <a:latin typeface="Calibri" panose="020F0502020204030204" pitchFamily="34" charset="0"/>
-              <a:cs typeface="Calibri" panose="020F0502020204030204" pitchFamily="34" charset="0"/>
-            </a:endParaRPr>
-          </a:p>
-          <a:p>
-            <a:pPr algn="just">
-              <a:spcAft>
-                <a:spcPts val="600"/>
-              </a:spcAft>
-            </a:pPr>
-            <a:endParaRPr lang="en-US" sz="1800" dirty="0">
+              <a:t>development</a:t>
+            </a:r>
+            <a:endParaRPr lang="en-IN" sz="1800" dirty="0" smtClean="0">
               <a:latin typeface="Calibri" panose="020F0502020204030204" pitchFamily="34" charset="0"/>
               <a:cs typeface="Calibri" panose="020F0502020204030204" pitchFamily="34" charset="0"/>
             </a:endParaRPr>
@@ -16963,6 +14834,16 @@
               </a:rPr>
               <a:t>: </a:t>
             </a:r>
+            <a:r>
+              <a:rPr lang="en-US" sz="1800" b="1" dirty="0" smtClean="0">
+                <a:solidFill>
+                  <a:schemeClr val="tx1"/>
+                </a:solidFill>
+                <a:latin typeface="Calibri" panose="020F0502020204030204" pitchFamily="34" charset="0"/>
+                <a:cs typeface="Calibri" panose="020F0502020204030204" pitchFamily="34" charset="0"/>
+              </a:rPr>
+              <a:t>UI</a:t>
+            </a:r>
             <a:endParaRPr lang="en-US" sz="1800" b="1" dirty="0" smtClean="0">
               <a:solidFill>
                 <a:schemeClr val="tx1"/>
@@ -17026,7 +14907,7 @@
                 <a:latin typeface="Calibri" panose="020F0502020204030204" pitchFamily="34" charset="0"/>
                 <a:cs typeface="Calibri" panose="020F0502020204030204" pitchFamily="34" charset="0"/>
               </a:rPr>
-              <a:t>Simple </a:t>
+              <a:t>Google </a:t>
             </a:r>
             <a:r>
               <a:rPr lang="en-US" sz="1800" dirty="0">
@@ -17036,7 +14917,7 @@
                 <a:latin typeface="Calibri" panose="020F0502020204030204" pitchFamily="34" charset="0"/>
                 <a:cs typeface="Calibri" panose="020F0502020204030204" pitchFamily="34" charset="0"/>
               </a:rPr>
-              <a:t>Google map integration with current location.</a:t>
+              <a:t>map integration with current location.</a:t>
             </a:r>
           </a:p>
           <a:p>
@@ -17079,8 +14960,8 @@
         </p:nvSpPr>
         <p:spPr>
           <a:xfrm>
-            <a:off x="868680" y="2950548"/>
-            <a:ext cx="4290174" cy="3668632"/>
+            <a:off x="868680" y="2623002"/>
+            <a:ext cx="4290174" cy="3231888"/>
           </a:xfrm>
         </p:spPr>
         <p:txBody>
@@ -17101,7 +14982,52 @@
                 <a:latin typeface="Calibri" panose="020F0502020204030204" pitchFamily="34" charset="0"/>
                 <a:cs typeface="Calibri" panose="020F0502020204030204" pitchFamily="34" charset="0"/>
               </a:rPr>
-              <a:t>Phase 2.1: </a:t>
+              <a:t>Phase </a:t>
+            </a:r>
+            <a:r>
+              <a:rPr lang="en-US" sz="1800" b="1" dirty="0" smtClean="0">
+                <a:solidFill>
+                  <a:schemeClr val="tx1"/>
+                </a:solidFill>
+                <a:latin typeface="Calibri" panose="020F0502020204030204" pitchFamily="34" charset="0"/>
+                <a:cs typeface="Calibri" panose="020F0502020204030204" pitchFamily="34" charset="0"/>
+              </a:rPr>
+              <a:t> 2</a:t>
+            </a:r>
+            <a:r>
+              <a:rPr lang="en-US" sz="1800" b="1" dirty="0">
+                <a:solidFill>
+                  <a:schemeClr val="tx1"/>
+                </a:solidFill>
+                <a:latin typeface="Calibri" panose="020F0502020204030204" pitchFamily="34" charset="0"/>
+                <a:cs typeface="Calibri" panose="020F0502020204030204" pitchFamily="34" charset="0"/>
+              </a:rPr>
+              <a:t>: Functionality Implementation</a:t>
+            </a:r>
+            <a:endParaRPr lang="en-US" sz="1800" b="1" dirty="0" smtClean="0">
+              <a:solidFill>
+                <a:schemeClr val="tx1"/>
+              </a:solidFill>
+              <a:latin typeface="Calibri" panose="020F0502020204030204" pitchFamily="34" charset="0"/>
+              <a:cs typeface="Calibri" panose="020F0502020204030204" pitchFamily="34" charset="0"/>
+            </a:endParaRPr>
+          </a:p>
+          <a:p>
+            <a:pPr marL="0" lvl="0" indent="0">
+              <a:spcBef>
+                <a:spcPct val="20000"/>
+              </a:spcBef>
+              <a:buNone/>
+            </a:pPr>
+            <a:r>
+              <a:rPr lang="en-US" sz="1800" b="1" dirty="0" smtClean="0">
+                <a:solidFill>
+                  <a:schemeClr val="tx1"/>
+                </a:solidFill>
+                <a:latin typeface="Calibri" panose="020F0502020204030204" pitchFamily="34" charset="0"/>
+                <a:cs typeface="Calibri" panose="020F0502020204030204" pitchFamily="34" charset="0"/>
+              </a:rPr>
+              <a:t>2.1:</a:t>
             </a:r>
             <a:endParaRPr lang="en-US" sz="1800" b="1" dirty="0">
               <a:solidFill>
@@ -17227,7 +15153,21 @@
                 <a:latin typeface="Calibri" panose="020F0502020204030204" pitchFamily="34" charset="0"/>
                 <a:cs typeface="Calibri" panose="020F0502020204030204" pitchFamily="34" charset="0"/>
               </a:rPr>
-              <a:t>Web service Integration in  the application</a:t>
+              <a:t>Web service </a:t>
+            </a:r>
+            <a:r>
+              <a:rPr lang="en-US" sz="1800" dirty="0" smtClean="0">
+                <a:latin typeface="Calibri" panose="020F0502020204030204" pitchFamily="34" charset="0"/>
+                <a:cs typeface="Calibri" panose="020F0502020204030204" pitchFamily="34" charset="0"/>
+              </a:rPr>
+              <a:t>Integration </a:t>
+            </a:r>
+            <a:r>
+              <a:rPr lang="en-US" sz="1800" dirty="0">
+                <a:latin typeface="Calibri" panose="020F0502020204030204" pitchFamily="34" charset="0"/>
+                <a:cs typeface="Calibri" panose="020F0502020204030204" pitchFamily="34" charset="0"/>
+              </a:rPr>
+              <a:t>in  the application</a:t>
             </a:r>
             <a:endParaRPr lang="en-US" sz="1800" dirty="0" smtClean="0">
               <a:solidFill>
@@ -17314,7 +15254,7 @@
         </p:nvSpPr>
         <p:spPr>
           <a:xfrm>
-            <a:off x="5609228" y="3002508"/>
+            <a:off x="5609228" y="2975212"/>
             <a:ext cx="3029803" cy="2524836"/>
           </a:xfrm>
           <a:prstGeom prst="rect">
@@ -17480,8 +15420,15 @@
                 <a:latin typeface="Calibri" panose="020F0502020204030204" pitchFamily="34" charset="0"/>
                 <a:cs typeface="Calibri" panose="020F0502020204030204" pitchFamily="34" charset="0"/>
               </a:rPr>
-              <a:t>Phase 2.2: </a:t>
-            </a:r>
+              <a:t>2.2: </a:t>
+            </a:r>
+            <a:endParaRPr lang="en-US" sz="1800" b="1" dirty="0" smtClean="0">
+              <a:solidFill>
+                <a:schemeClr val="tx1"/>
+              </a:solidFill>
+              <a:latin typeface="Calibri" panose="020F0502020204030204" pitchFamily="34" charset="0"/>
+              <a:cs typeface="Calibri" panose="020F0502020204030204" pitchFamily="34" charset="0"/>
+            </a:endParaRPr>
           </a:p>
           <a:p>
             <a:pPr marL="0" indent="0">
@@ -17517,25 +15464,6 @@
               <a:latin typeface="Calibri" panose="020F0502020204030204" pitchFamily="34" charset="0"/>
               <a:cs typeface="Calibri" panose="020F0502020204030204" pitchFamily="34" charset="0"/>
             </a:endParaRPr>
-          </a:p>
-          <a:p>
-            <a:pPr marL="0" indent="0">
-              <a:spcBef>
-                <a:spcPct val="20000"/>
-              </a:spcBef>
-              <a:buFont typeface="Arial"/>
-              <a:buNone/>
-            </a:pPr>
-            <a:r>
-              <a:rPr lang="en-US" sz="1800" dirty="0" smtClean="0">
-                <a:solidFill>
-                  <a:schemeClr val="tx1"/>
-                </a:solidFill>
-                <a:latin typeface="Calibri" panose="020F0502020204030204" pitchFamily="34" charset="0"/>
-                <a:cs typeface="Calibri" panose="020F0502020204030204" pitchFamily="34" charset="0"/>
-              </a:rPr>
-              <a:t>Note: It’s a separate module , If success it can be combined in the application</a:t>
-            </a:r>
           </a:p>
           <a:p>
             <a:endParaRPr lang="en-IN" dirty="0"/>
@@ -17679,7 +15607,7 @@
                 <a:latin typeface="Calibri" panose="020F0502020204030204" pitchFamily="34" charset="0"/>
                 <a:cs typeface="Calibri" panose="020F0502020204030204" pitchFamily="34" charset="0"/>
               </a:rPr>
-              <a:t>Tracking with real GPS device.</a:t>
+              <a:t>Notification</a:t>
             </a:r>
           </a:p>
           <a:p>
@@ -17688,12 +15616,23 @@
               <a:buChar char="•"/>
             </a:pPr>
             <a:r>
+              <a:rPr lang="en-US" sz="1800" dirty="0">
+                <a:latin typeface="Calibri" panose="020F0502020204030204" pitchFamily="34" charset="0"/>
+                <a:cs typeface="Calibri" panose="020F0502020204030204" pitchFamily="34" charset="0"/>
+              </a:rPr>
+              <a:t>Tracking with real GPS device</a:t>
+            </a:r>
+            <a:r>
               <a:rPr lang="en-US" sz="1800" dirty="0" smtClean="0">
                 <a:latin typeface="Calibri" panose="020F0502020204030204" pitchFamily="34" charset="0"/>
                 <a:cs typeface="Calibri" panose="020F0502020204030204" pitchFamily="34" charset="0"/>
               </a:rPr>
-              <a:t>Notification</a:t>
-            </a:r>
+              <a:t>.</a:t>
+            </a:r>
+            <a:endParaRPr lang="en-US" sz="1800" dirty="0" smtClean="0">
+              <a:latin typeface="Calibri" panose="020F0502020204030204" pitchFamily="34" charset="0"/>
+              <a:cs typeface="Calibri" panose="020F0502020204030204" pitchFamily="34" charset="0"/>
+            </a:endParaRPr>
           </a:p>
           <a:p>
             <a:pPr marL="285750" indent="-285750">
@@ -17705,8 +15644,19 @@
                 <a:latin typeface="Calibri" panose="020F0502020204030204" pitchFamily="34" charset="0"/>
                 <a:cs typeface="Calibri" panose="020F0502020204030204" pitchFamily="34" charset="0"/>
               </a:rPr>
-              <a:t>Publishing the application to cloud</a:t>
-            </a:r>
+              <a:t>Publishing the application to </a:t>
+            </a:r>
+            <a:r>
+              <a:rPr lang="en-US" sz="1800" dirty="0" smtClean="0">
+                <a:latin typeface="Calibri" panose="020F0502020204030204" pitchFamily="34" charset="0"/>
+                <a:cs typeface="Calibri" panose="020F0502020204030204" pitchFamily="34" charset="0"/>
+              </a:rPr>
+              <a:t>Play store</a:t>
+            </a:r>
+            <a:endParaRPr lang="en-US" sz="1800" dirty="0" smtClean="0">
+              <a:latin typeface="Calibri" panose="020F0502020204030204" pitchFamily="34" charset="0"/>
+              <a:cs typeface="Calibri" panose="020F0502020204030204" pitchFamily="34" charset="0"/>
+            </a:endParaRPr>
           </a:p>
           <a:p>
             <a:pPr marL="285750" indent="-285750">

--- a/trunk/EasiCab/Documents/EASiCab_POC_kick off.pptx
+++ b/trunk/EasiCab/Documents/EASiCab_POC_kick off.pptx
@@ -133,7 +133,7 @@
   </p:defaultTextStyle>
   <p:extLst>
     <p:ext uri="{EFAFB233-063F-42B5-8137-9DF3F51BA10A}">
-      <p15:sldGuideLst xmlns="" xmlns:p15="http://schemas.microsoft.com/office/powerpoint/2012/main">
+      <p15:sldGuideLst xmlns:p15="http://schemas.microsoft.com/office/powerpoint/2012/main" xmlns="">
         <p15:guide id="1" orient="horz" pos="2592" userDrawn="1">
           <p15:clr>
             <a:srgbClr val="A4A3A4"/>
@@ -242,7 +242,7 @@
           <a:p>
             <a:fld id="{10547AE1-0D1D-3A4D-8566-358FA96FF472}" type="datetimeFigureOut">
               <a:rPr lang="en-US" smtClean="0"/>
-              <a:t>8/17/2016</a:t>
+              <a:t>8/18/2016</a:t>
             </a:fld>
             <a:endParaRPr lang="en-US"/>
           </a:p>
@@ -408,7 +408,7 @@
           <a:p>
             <a:fld id="{555608FB-558C-E448-AAE5-74BFB92C58FE}" type="datetimeFigureOut">
               <a:rPr lang="en-US" smtClean="0"/>
-              <a:t>8/17/2016</a:t>
+              <a:t>8/18/2016</a:t>
             </a:fld>
             <a:endParaRPr lang="en-US"/>
           </a:p>
@@ -7946,14 +7946,21 @@
                 <a:latin typeface="Calibri" panose="020F0502020204030204" pitchFamily="34" charset="0"/>
                 <a:cs typeface="Calibri" panose="020F0502020204030204" pitchFamily="34" charset="0"/>
               </a:rPr>
-              <a:t>Android &amp; iOS  </a:t>
+              <a:t>Android </a:t>
+            </a:r>
+            <a:r>
+              <a:rPr lang="en-IN" sz="1800" dirty="0" smtClean="0">
+                <a:latin typeface="Calibri" panose="020F0502020204030204" pitchFamily="34" charset="0"/>
+                <a:cs typeface="Calibri" panose="020F0502020204030204" pitchFamily="34" charset="0"/>
+              </a:rPr>
+              <a:t> devices </a:t>
             </a:r>
             <a:r>
               <a:rPr lang="en-IN" sz="1800" dirty="0">
                 <a:latin typeface="Calibri" panose="020F0502020204030204" pitchFamily="34" charset="0"/>
                 <a:cs typeface="Calibri" panose="020F0502020204030204" pitchFamily="34" charset="0"/>
               </a:rPr>
-              <a:t>devices for testing</a:t>
+              <a:t>for testing</a:t>
             </a:r>
             <a:endParaRPr lang="en-US" sz="1800" dirty="0">
               <a:latin typeface="Calibri" panose="020F0502020204030204" pitchFamily="34" charset="0"/>
@@ -7998,6 +8005,14 @@
               </a:rPr>
               <a:t>document</a:t>
             </a:r>
+          </a:p>
+          <a:p>
+            <a:pPr marL="463550" indent="0">
+              <a:spcAft>
+                <a:spcPts val="600"/>
+              </a:spcAft>
+              <a:buNone/>
+            </a:pPr>
             <a:endParaRPr lang="en-US" sz="1800" dirty="0">
               <a:latin typeface="Calibri" panose="020F0502020204030204" pitchFamily="34" charset="0"/>
               <a:cs typeface="Calibri" panose="020F0502020204030204" pitchFamily="34" charset="0"/>
@@ -8015,11 +8030,18 @@
                 <a:latin typeface="Calibri" panose="020F0502020204030204" pitchFamily="34" charset="0"/>
                 <a:cs typeface="Calibri" panose="020F0502020204030204" pitchFamily="34" charset="0"/>
               </a:rPr>
-              <a:t>Request to provide :</a:t>
-            </a:r>
-          </a:p>
-          <a:p>
-            <a:pPr marL="800100" lvl="1" indent="-342900">
+              <a:t>Requested to Provide</a:t>
+            </a:r>
+            <a:r>
+              <a:rPr lang="en-US" sz="1800" b="1" dirty="0" smtClean="0">
+                <a:latin typeface="Calibri" panose="020F0502020204030204" pitchFamily="34" charset="0"/>
+                <a:cs typeface="Calibri" panose="020F0502020204030204" pitchFamily="34" charset="0"/>
+              </a:rPr>
+              <a:t>:</a:t>
+            </a:r>
+          </a:p>
+          <a:p>
+            <a:pPr marL="806450" indent="-342900">
               <a:spcAft>
                 <a:spcPts val="600"/>
               </a:spcAft>
@@ -8031,14 +8053,14 @@
                 <a:latin typeface="Calibri" panose="020F0502020204030204" pitchFamily="34" charset="0"/>
                 <a:cs typeface="Calibri" panose="020F0502020204030204" pitchFamily="34" charset="0"/>
               </a:rPr>
-              <a:t>iOS developer </a:t>
+              <a:t> Google play store </a:t>
             </a:r>
             <a:r>
               <a:rPr lang="en-US" sz="1800" dirty="0" smtClean="0">
                 <a:latin typeface="Calibri" panose="020F0502020204030204" pitchFamily="34" charset="0"/>
                 <a:cs typeface="Calibri" panose="020F0502020204030204" pitchFamily="34" charset="0"/>
               </a:rPr>
-              <a:t>credentials</a:t>
+              <a:t>account</a:t>
             </a:r>
             <a:endParaRPr lang="en-US" sz="1800" dirty="0">
               <a:latin typeface="Calibri" panose="020F0502020204030204" pitchFamily="34" charset="0"/>
@@ -10630,7 +10652,7 @@
         <p:spPr>
           <a:xfrm>
             <a:off x="791569" y="738332"/>
-            <a:ext cx="7929350" cy="5632311"/>
+            <a:ext cx="7929350" cy="4524315"/>
           </a:xfrm>
           <a:prstGeom prst="rect">
             <a:avLst/>
@@ -10679,20 +10701,14 @@
                 <a:latin typeface="Calibri" panose="020F0502020204030204" pitchFamily="34" charset="0"/>
                 <a:cs typeface="Calibri" panose="020F0502020204030204" pitchFamily="34" charset="0"/>
               </a:rPr>
-              <a:t>X-code –                              				iOS Development</a:t>
-            </a:r>
-          </a:p>
-          <a:p>
-            <a:pPr marL="285750" indent="-285750">
-              <a:buFont typeface="Arial" pitchFamily="34" charset="0"/>
-              <a:buChar char="•"/>
-            </a:pPr>
+              <a:t>Eclipse</a:t>
+            </a:r>
             <a:r>
               <a:rPr lang="en-US" sz="1800" dirty="0" smtClean="0">
                 <a:latin typeface="Calibri" panose="020F0502020204030204" pitchFamily="34" charset="0"/>
                 <a:cs typeface="Calibri" panose="020F0502020204030204" pitchFamily="34" charset="0"/>
               </a:rPr>
-              <a:t>Eclipse, Apache Tomcat Server</a:t>
+              <a:t>, Apache Tomcat Server</a:t>
             </a:r>
           </a:p>
           <a:p>
@@ -10793,6 +10809,41 @@
             </a:r>
           </a:p>
           <a:p>
+            <a:r>
+              <a:rPr lang="en-US" sz="1800" b="1" dirty="0" smtClean="0">
+                <a:latin typeface="Calibri" panose="020F0502020204030204" pitchFamily="34" charset="0"/>
+                <a:cs typeface="Calibri" panose="020F0502020204030204" pitchFamily="34" charset="0"/>
+              </a:rPr>
+              <a:t>Hardware</a:t>
+            </a:r>
+            <a:endParaRPr lang="en-US" sz="1800" b="1" dirty="0" smtClean="0">
+              <a:latin typeface="Calibri" panose="020F0502020204030204" pitchFamily="34" charset="0"/>
+              <a:cs typeface="Calibri" panose="020F0502020204030204" pitchFamily="34" charset="0"/>
+            </a:endParaRPr>
+          </a:p>
+          <a:p>
+            <a:pPr marL="285750" indent="-285750">
+              <a:buFont typeface="Arial" pitchFamily="34" charset="0"/>
+              <a:buChar char="•"/>
+            </a:pPr>
+            <a:r>
+              <a:rPr lang="en-US" sz="1800" dirty="0" smtClean="0">
+                <a:latin typeface="Calibri" panose="020F0502020204030204" pitchFamily="34" charset="0"/>
+                <a:cs typeface="Calibri" panose="020F0502020204030204" pitchFamily="34" charset="0"/>
+              </a:rPr>
+              <a:t>Android devices</a:t>
+            </a:r>
+          </a:p>
+          <a:p>
+            <a:r>
+              <a:rPr lang="en-US" sz="1800" b="1" dirty="0" smtClean="0">
+                <a:latin typeface="Calibri" panose="020F0502020204030204" pitchFamily="34" charset="0"/>
+                <a:cs typeface="Calibri" panose="020F0502020204030204" pitchFamily="34" charset="0"/>
+              </a:rPr>
+              <a:t>Resource</a:t>
+            </a:r>
+          </a:p>
+          <a:p>
             <a:pPr marL="285750" indent="-285750">
               <a:buFont typeface="Arial" panose="020B0604020202020204" pitchFamily="34" charset="0"/>
               <a:buChar char="•"/>
@@ -10802,88 +10853,53 @@
                 <a:latin typeface="Calibri" panose="020F0502020204030204" pitchFamily="34" charset="0"/>
                 <a:cs typeface="Calibri" panose="020F0502020204030204" pitchFamily="34" charset="0"/>
               </a:rPr>
-              <a:t>Swift (iOS)</a:t>
-            </a:r>
-          </a:p>
-          <a:p>
-            <a:endParaRPr lang="en-US" sz="1800" dirty="0">
+              <a:t>Android </a:t>
+            </a:r>
+            <a:r>
+              <a:rPr lang="en-US" sz="1800" dirty="0" smtClean="0">
+                <a:latin typeface="Calibri" panose="020F0502020204030204" pitchFamily="34" charset="0"/>
+                <a:cs typeface="Calibri" panose="020F0502020204030204" pitchFamily="34" charset="0"/>
+              </a:rPr>
+              <a:t>Developer   –                                      Subhalaxmi, Nitesh</a:t>
+            </a:r>
+          </a:p>
+          <a:p>
+            <a:pPr marL="285750" indent="-285750">
+              <a:buFont typeface="Arial" panose="020B0604020202020204" pitchFamily="34" charset="0"/>
+              <a:buChar char="•"/>
+            </a:pPr>
+            <a:r>
+              <a:rPr lang="en-US" sz="1800" dirty="0" smtClean="0">
+                <a:latin typeface="Calibri" panose="020F0502020204030204" pitchFamily="34" charset="0"/>
+                <a:cs typeface="Calibri" panose="020F0502020204030204" pitchFamily="34" charset="0"/>
+              </a:rPr>
+              <a:t>Web service</a:t>
+            </a:r>
+            <a:r>
+              <a:rPr lang="en-US" sz="1800" dirty="0" smtClean="0">
+                <a:latin typeface="Calibri" panose="020F0502020204030204" pitchFamily="34" charset="0"/>
+                <a:cs typeface="Calibri" panose="020F0502020204030204" pitchFamily="34" charset="0"/>
+              </a:rPr>
+              <a:t> </a:t>
+            </a:r>
+            <a:r>
+              <a:rPr lang="en-US" sz="1800" dirty="0">
+                <a:latin typeface="Calibri" panose="020F0502020204030204" pitchFamily="34" charset="0"/>
+                <a:cs typeface="Calibri" panose="020F0502020204030204" pitchFamily="34" charset="0"/>
+              </a:rPr>
+              <a:t>Developer </a:t>
+            </a:r>
+            <a:r>
+              <a:rPr lang="en-US" sz="1800" dirty="0" smtClean="0">
+                <a:latin typeface="Calibri" panose="020F0502020204030204" pitchFamily="34" charset="0"/>
+                <a:cs typeface="Calibri" panose="020F0502020204030204" pitchFamily="34" charset="0"/>
+              </a:rPr>
+              <a:t>--                                Rohit</a:t>
+            </a:r>
+            <a:endParaRPr lang="en-US" sz="1800" dirty="0" smtClean="0">
               <a:latin typeface="Calibri" panose="020F0502020204030204" pitchFamily="34" charset="0"/>
               <a:cs typeface="Calibri" panose="020F0502020204030204" pitchFamily="34" charset="0"/>
             </a:endParaRPr>
-          </a:p>
-          <a:p>
-            <a:r>
-              <a:rPr lang="en-US" sz="1800" b="1" dirty="0" smtClean="0">
-                <a:latin typeface="Calibri" panose="020F0502020204030204" pitchFamily="34" charset="0"/>
-                <a:cs typeface="Calibri" panose="020F0502020204030204" pitchFamily="34" charset="0"/>
-              </a:rPr>
-              <a:t>Hardware</a:t>
-            </a:r>
-          </a:p>
-          <a:p>
-            <a:pPr marL="285750" indent="-285750">
-              <a:buFont typeface="Arial" pitchFamily="34" charset="0"/>
-              <a:buChar char="•"/>
-            </a:pPr>
-            <a:r>
-              <a:rPr lang="en-US" sz="1800" dirty="0" smtClean="0">
-                <a:latin typeface="Calibri" panose="020F0502020204030204" pitchFamily="34" charset="0"/>
-                <a:cs typeface="Calibri" panose="020F0502020204030204" pitchFamily="34" charset="0"/>
-              </a:rPr>
-              <a:t>Android devices</a:t>
-            </a:r>
-          </a:p>
-          <a:p>
-            <a:pPr marL="285750" indent="-285750">
-              <a:buFont typeface="Arial" pitchFamily="34" charset="0"/>
-              <a:buChar char="•"/>
-            </a:pPr>
-            <a:r>
-              <a:rPr lang="en-US" sz="1800" dirty="0" smtClean="0">
-                <a:latin typeface="Calibri" panose="020F0502020204030204" pitchFamily="34" charset="0"/>
-                <a:cs typeface="Calibri" panose="020F0502020204030204" pitchFamily="34" charset="0"/>
-              </a:rPr>
-              <a:t>iOS devices</a:t>
-            </a:r>
-            <a:endParaRPr lang="en-US" sz="1800" dirty="0">
-              <a:latin typeface="Calibri" panose="020F0502020204030204" pitchFamily="34" charset="0"/>
-              <a:cs typeface="Calibri" panose="020F0502020204030204" pitchFamily="34" charset="0"/>
-            </a:endParaRPr>
-          </a:p>
-          <a:p>
-            <a:r>
-              <a:rPr lang="en-US" sz="1800" b="1" dirty="0" smtClean="0">
-                <a:latin typeface="Calibri" panose="020F0502020204030204" pitchFamily="34" charset="0"/>
-                <a:cs typeface="Calibri" panose="020F0502020204030204" pitchFamily="34" charset="0"/>
-              </a:rPr>
-              <a:t>Resource</a:t>
-            </a:r>
-          </a:p>
-          <a:p>
-            <a:pPr marL="285750" indent="-285750">
-              <a:buFont typeface="Arial" pitchFamily="34" charset="0"/>
-              <a:buChar char="•"/>
-            </a:pPr>
-            <a:r>
-              <a:rPr lang="en-US" sz="1800" dirty="0" smtClean="0">
-                <a:latin typeface="Calibri" panose="020F0502020204030204" pitchFamily="34" charset="0"/>
-                <a:cs typeface="Calibri" panose="020F0502020204030204" pitchFamily="34" charset="0"/>
-              </a:rPr>
-              <a:t>Android Developer engineer –         Subhalaxmi, Nitesh</a:t>
-            </a:r>
-          </a:p>
-          <a:p>
-            <a:pPr marL="285750" indent="-285750">
-              <a:buFont typeface="Arial" pitchFamily="34" charset="0"/>
-              <a:buChar char="•"/>
-            </a:pPr>
-            <a:r>
-              <a:rPr lang="en-US" sz="1800" dirty="0" smtClean="0">
-                <a:latin typeface="Calibri" panose="020F0502020204030204" pitchFamily="34" charset="0"/>
-                <a:cs typeface="Calibri" panose="020F0502020204030204" pitchFamily="34" charset="0"/>
-              </a:rPr>
-              <a:t>iOS Developer engineer --                 Rohit</a:t>
-            </a:r>
           </a:p>
         </p:txBody>
       </p:sp>
@@ -11662,7 +11678,7 @@
           <p:nvPr>
             <p:extLst>
               <p:ext uri="{D42A27DB-BD31-4B8C-83A1-F6EECF244321}">
-                <p14:modId xmlns:p14="http://schemas.microsoft.com/office/powerpoint/2010/main" val="3007143843"/>
+                <p14:modId xmlns:p14="http://schemas.microsoft.com/office/powerpoint/2010/main" val="2829656541"/>
               </p:ext>
             </p:extLst>
           </p:nvPr>
@@ -12453,17 +12469,32 @@
                           <a:ea typeface="Calibri"/>
                           <a:cs typeface="Calibri" panose="020F0502020204030204" pitchFamily="34" charset="0"/>
                         </a:rPr>
-                        <a:t> so that buffer resource can be used.</a:t>
+                        <a:t> so that buffer resource can </a:t>
                       </a:r>
                       <a:r>
-                        <a:rPr lang="en-IN" sz="1800" dirty="0" smtClean="0">
+                        <a:rPr lang="en-IN" sz="1800" baseline="0" smtClean="0">
                           <a:effectLst/>
                           <a:latin typeface="Calibri" panose="020F0502020204030204" pitchFamily="34" charset="0"/>
                           <a:ea typeface="Calibri"/>
                           <a:cs typeface="Calibri" panose="020F0502020204030204" pitchFamily="34" charset="0"/>
                         </a:rPr>
-                        <a:t> </a:t>
+                        <a:t>be </a:t>
                       </a:r>
+                      <a:r>
+                        <a:rPr lang="en-IN" sz="1800" baseline="0" smtClean="0">
+                          <a:effectLst/>
+                          <a:latin typeface="Calibri" panose="020F0502020204030204" pitchFamily="34" charset="0"/>
+                          <a:ea typeface="Calibri"/>
+                          <a:cs typeface="Calibri" panose="020F0502020204030204" pitchFamily="34" charset="0"/>
+                        </a:rPr>
+                        <a:t>used</a:t>
+                      </a:r>
+                      <a:endParaRPr lang="en-IN" sz="1800" dirty="0" smtClean="0">
+                        <a:effectLst/>
+                        <a:latin typeface="Calibri" panose="020F0502020204030204" pitchFamily="34" charset="0"/>
+                        <a:ea typeface="Calibri"/>
+                        <a:cs typeface="Calibri" panose="020F0502020204030204" pitchFamily="34" charset="0"/>
+                      </a:endParaRPr>
                     </a:p>
                   </a:txBody>
                   <a:tcPr marL="68580" marR="68580" marT="0" marB="0" anchor="ctr">
@@ -12527,7 +12558,7 @@
                           <a:ea typeface="Calibri"/>
                           <a:cs typeface="Calibri" panose="020F0502020204030204" pitchFamily="34" charset="0"/>
                         </a:rPr>
-                        <a:t>iOS  developer </a:t>
+                        <a:t>Android  play store </a:t>
                       </a:r>
                       <a:r>
                         <a:rPr lang="en-IN" sz="1800" baseline="0" dirty="0" smtClean="0">
@@ -12536,7 +12567,16 @@
                           <a:ea typeface="Calibri"/>
                           <a:cs typeface="Calibri" panose="020F0502020204030204" pitchFamily="34" charset="0"/>
                         </a:rPr>
-                        <a:t> account</a:t>
+                        <a:t> </a:t>
+                      </a:r>
+                      <a:r>
+                        <a:rPr lang="en-IN" sz="1800" baseline="0" dirty="0" smtClean="0">
+                          <a:effectLst/>
+                          <a:latin typeface="Calibri" panose="020F0502020204030204" pitchFamily="34" charset="0"/>
+                          <a:ea typeface="Calibri"/>
+                          <a:cs typeface="Calibri" panose="020F0502020204030204" pitchFamily="34" charset="0"/>
+                        </a:rPr>
+                        <a:t>account</a:t>
                       </a:r>
                       <a:endParaRPr lang="en-IN" sz="1800" dirty="0">
                         <a:effectLst/>
@@ -12814,16 +12854,7 @@
                           <a:ea typeface="Calibri"/>
                           <a:cs typeface="Calibri" panose="020F0502020204030204" pitchFamily="34" charset="0"/>
                         </a:rPr>
-                        <a:t>Try to apply it in later</a:t>
-                      </a:r>
-                      <a:r>
-                        <a:rPr lang="en-IN" sz="1800" baseline="0" dirty="0" smtClean="0">
-                          <a:effectLst/>
-                          <a:latin typeface="Calibri" panose="020F0502020204030204" pitchFamily="34" charset="0"/>
-                          <a:ea typeface="Calibri"/>
-                          <a:cs typeface="Calibri" panose="020F0502020204030204" pitchFamily="34" charset="0"/>
-                        </a:rPr>
-                        <a:t> version.</a:t>
+                        <a:t>Requested to provide</a:t>
                       </a:r>
                       <a:endParaRPr lang="en-IN" sz="1800" dirty="0">
                         <a:effectLst/>
@@ -12973,7 +13004,7 @@
         <p:spPr>
           <a:xfrm>
             <a:off x="948496" y="1142167"/>
-            <a:ext cx="6776137" cy="1754326"/>
+            <a:ext cx="6776137" cy="1477328"/>
           </a:xfrm>
           <a:prstGeom prst="rect">
             <a:avLst/>
@@ -13037,42 +13068,18 @@
               <a:buChar char="•"/>
             </a:pPr>
             <a:r>
-              <a:rPr lang="en-US" sz="1800" dirty="0" smtClean="0">
-                <a:latin typeface="Calibri" panose="020F0502020204030204" pitchFamily="34" charset="0"/>
-                <a:cs typeface="Calibri" panose="020F0502020204030204" pitchFamily="34" charset="0"/>
-              </a:rPr>
-              <a:t>.</a:t>
-            </a:r>
-            <a:r>
-              <a:rPr lang="en-US" sz="1800" dirty="0" err="1" smtClean="0">
-                <a:latin typeface="Calibri" panose="020F0502020204030204" pitchFamily="34" charset="0"/>
-                <a:cs typeface="Calibri" panose="020F0502020204030204" pitchFamily="34" charset="0"/>
-              </a:rPr>
-              <a:t>ipa</a:t>
-            </a:r>
-            <a:r>
-              <a:rPr lang="en-US" sz="1800" dirty="0" smtClean="0">
-                <a:latin typeface="Calibri" panose="020F0502020204030204" pitchFamily="34" charset="0"/>
-                <a:cs typeface="Calibri" panose="020F0502020204030204" pitchFamily="34" charset="0"/>
-              </a:rPr>
-              <a:t> file of iOS</a:t>
-            </a:r>
-            <a:endParaRPr lang="en-IN" sz="1800" dirty="0">
-              <a:latin typeface="Calibri" panose="020F0502020204030204" pitchFamily="34" charset="0"/>
-              <a:cs typeface="Calibri" panose="020F0502020204030204" pitchFamily="34" charset="0"/>
-            </a:endParaRPr>
-          </a:p>
-          <a:p>
-            <a:pPr marL="285750" indent="-285750">
-              <a:buFont typeface="Arial" pitchFamily="34" charset="0"/>
-              <a:buChar char="•"/>
-            </a:pPr>
-            <a:r>
               <a:rPr lang="en-IN" sz="1800" dirty="0" smtClean="0">
                 <a:latin typeface="Calibri" panose="020F0502020204030204" pitchFamily="34" charset="0"/>
                 <a:cs typeface="Calibri" panose="020F0502020204030204" pitchFamily="34" charset="0"/>
               </a:rPr>
-              <a:t>User manual</a:t>
+              <a:t>User </a:t>
+            </a:r>
+            <a:r>
+              <a:rPr lang="en-IN" sz="1800" dirty="0" smtClean="0">
+                <a:latin typeface="Calibri" panose="020F0502020204030204" pitchFamily="34" charset="0"/>
+                <a:cs typeface="Calibri" panose="020F0502020204030204" pitchFamily="34" charset="0"/>
+              </a:rPr>
+              <a:t>manual</a:t>
             </a:r>
           </a:p>
           <a:p>
@@ -13604,14 +13611,7 @@
                 <a:latin typeface="Calibri" panose="020F0502020204030204" pitchFamily="34" charset="0"/>
                 <a:cs typeface="Calibri" panose="020F0502020204030204" pitchFamily="34" charset="0"/>
               </a:rPr>
-              <a:t>Project </a:t>
-            </a:r>
-            <a:r>
-              <a:rPr lang="en-IN" sz="1500" dirty="0" smtClean="0">
-                <a:latin typeface="Calibri" panose="020F0502020204030204" pitchFamily="34" charset="0"/>
-                <a:cs typeface="Calibri" panose="020F0502020204030204" pitchFamily="34" charset="0"/>
-              </a:rPr>
-              <a:t>Deliverables</a:t>
+              <a:t>Project Deliverables</a:t>
             </a:r>
           </a:p>
           <a:p>
@@ -14159,18 +14159,11 @@
               <a:t>        </a:t>
             </a:r>
             <a:r>
-              <a:rPr lang="en-US" sz="1800" dirty="0" err="1" smtClean="0">
-                <a:latin typeface="Calibri" panose="020F0502020204030204" pitchFamily="34" charset="0"/>
-                <a:cs typeface="Calibri" panose="020F0502020204030204" pitchFamily="34" charset="0"/>
-              </a:rPr>
-              <a:t>EASi</a:t>
-            </a:r>
-            <a:r>
               <a:rPr lang="en-US" sz="1800" dirty="0" smtClean="0">
                 <a:latin typeface="Calibri" panose="020F0502020204030204" pitchFamily="34" charset="0"/>
                 <a:cs typeface="Calibri" panose="020F0502020204030204" pitchFamily="34" charset="0"/>
               </a:rPr>
-              <a:t> </a:t>
+              <a:t> EASi </a:t>
             </a:r>
             <a:r>
               <a:rPr lang="en-US" sz="1800" dirty="0">
@@ -14184,14 +14177,7 @@
                 <a:latin typeface="Calibri" panose="020F0502020204030204" pitchFamily="34" charset="0"/>
                 <a:cs typeface="Calibri" panose="020F0502020204030204" pitchFamily="34" charset="0"/>
               </a:rPr>
-              <a:t>ngineering </a:t>
-            </a:r>
-            <a:r>
-              <a:rPr lang="en-US" sz="1800" dirty="0" smtClean="0">
-                <a:latin typeface="Calibri" panose="020F0502020204030204" pitchFamily="34" charset="0"/>
-                <a:cs typeface="Calibri" panose="020F0502020204030204" pitchFamily="34" charset="0"/>
-              </a:rPr>
-              <a:t>Travel Desk</a:t>
+              <a:t>ngineering Travel Desk</a:t>
             </a:r>
             <a:endParaRPr lang="en-US" sz="1800" dirty="0">
               <a:latin typeface="Calibri" panose="020F0502020204030204" pitchFamily="34" charset="0"/>
@@ -14218,8 +14204,19 @@
                 <a:latin typeface="Calibri" panose="020F0502020204030204" pitchFamily="34" charset="0"/>
                 <a:cs typeface="Calibri" panose="020F0502020204030204" pitchFamily="34" charset="0"/>
               </a:rPr>
-              <a:t>	India</a:t>
-            </a:r>
+              <a:t>	</a:t>
+            </a:r>
+            <a:r>
+              <a:rPr lang="en-US" sz="1800" dirty="0" smtClean="0">
+                <a:latin typeface="Calibri" panose="020F0502020204030204" pitchFamily="34" charset="0"/>
+                <a:cs typeface="Calibri" panose="020F0502020204030204" pitchFamily="34" charset="0"/>
+              </a:rPr>
+              <a:t> Bangalore, India</a:t>
+            </a:r>
+            <a:endParaRPr lang="en-US" sz="1800" dirty="0" smtClean="0">
+              <a:latin typeface="Calibri" panose="020F0502020204030204" pitchFamily="34" charset="0"/>
+              <a:cs typeface="Calibri" panose="020F0502020204030204" pitchFamily="34" charset="0"/>
+            </a:endParaRPr>
           </a:p>
           <a:p>
             <a:pPr marL="342900" indent="-342900" eaLnBrk="0" hangingPunct="0">
@@ -14252,18 +14249,11 @@
               <a:buNone/>
             </a:pPr>
             <a:r>
-              <a:rPr lang="en-US" sz="1800" dirty="0" err="1">
-                <a:latin typeface="Calibri" panose="020F0502020204030204" pitchFamily="34" charset="0"/>
-                <a:cs typeface="Calibri" panose="020F0502020204030204" pitchFamily="34" charset="0"/>
-              </a:rPr>
-              <a:t>EASi</a:t>
-            </a:r>
-            <a:r>
               <a:rPr lang="en-US" sz="1800" dirty="0">
                 <a:latin typeface="Calibri" panose="020F0502020204030204" pitchFamily="34" charset="0"/>
                 <a:cs typeface="Calibri" panose="020F0502020204030204" pitchFamily="34" charset="0"/>
               </a:rPr>
-              <a:t> Engineering Travel </a:t>
+              <a:t>EASi Engineering Travel </a:t>
             </a:r>
             <a:r>
               <a:rPr lang="en-US" sz="1800" dirty="0" smtClean="0">
@@ -14480,16 +14470,6 @@
               <a:t>monitor and manage the </a:t>
             </a:r>
             <a:r>
-              <a:rPr lang="en-US" sz="1800" dirty="0" err="1">
-                <a:solidFill>
-                  <a:srgbClr val="4D4F53"/>
-                </a:solidFill>
-                <a:latin typeface="Calibri" panose="020F0502020204030204" pitchFamily="34" charset="0"/>
-                <a:cs typeface="Calibri" panose="020F0502020204030204" pitchFamily="34" charset="0"/>
-              </a:rPr>
-              <a:t>EASi</a:t>
-            </a:r>
-            <a:r>
               <a:rPr lang="en-US" sz="1800" dirty="0">
                 <a:solidFill>
                   <a:srgbClr val="4D4F53"/>
@@ -14497,7 +14477,7 @@
                 <a:latin typeface="Calibri" panose="020F0502020204030204" pitchFamily="34" charset="0"/>
                 <a:cs typeface="Calibri" panose="020F0502020204030204" pitchFamily="34" charset="0"/>
               </a:rPr>
-              <a:t> cab </a:t>
+              <a:t>EASi cab </a:t>
             </a:r>
             <a:r>
               <a:rPr lang="en-US" sz="1800" dirty="0" smtClean="0">
@@ -14576,10 +14556,6 @@
               </a:rPr>
               <a:t>smartphone applications(android) </a:t>
             </a:r>
-            <a:endParaRPr lang="en-IN" sz="1800" dirty="0" smtClean="0">
-              <a:latin typeface="Calibri" panose="020F0502020204030204" pitchFamily="34" charset="0"/>
-              <a:cs typeface="Calibri" panose="020F0502020204030204" pitchFamily="34" charset="0"/>
-            </a:endParaRPr>
           </a:p>
           <a:p>
             <a:pPr marL="342900" indent="-342900">
@@ -14610,10 +14586,6 @@
               </a:rPr>
               <a:t>development</a:t>
             </a:r>
-            <a:endParaRPr lang="en-IN" sz="1800" dirty="0" smtClean="0">
-              <a:latin typeface="Calibri" panose="020F0502020204030204" pitchFamily="34" charset="0"/>
-              <a:cs typeface="Calibri" panose="020F0502020204030204" pitchFamily="34" charset="0"/>
-            </a:endParaRPr>
           </a:p>
         </p:txBody>
       </p:sp>
@@ -14844,13 +14816,6 @@
               </a:rPr>
               <a:t>UI</a:t>
             </a:r>
-            <a:endParaRPr lang="en-US" sz="1800" b="1" dirty="0" smtClean="0">
-              <a:solidFill>
-                <a:schemeClr val="tx1"/>
-              </a:solidFill>
-              <a:latin typeface="Calibri" panose="020F0502020204030204" pitchFamily="34" charset="0"/>
-              <a:cs typeface="Calibri" panose="020F0502020204030204" pitchFamily="34" charset="0"/>
-            </a:endParaRPr>
           </a:p>
           <a:p>
             <a:pPr marL="285750" indent="-285750">
@@ -14982,17 +14947,7 @@
                 <a:latin typeface="Calibri" panose="020F0502020204030204" pitchFamily="34" charset="0"/>
                 <a:cs typeface="Calibri" panose="020F0502020204030204" pitchFamily="34" charset="0"/>
               </a:rPr>
-              <a:t>Phase </a:t>
-            </a:r>
-            <a:r>
-              <a:rPr lang="en-US" sz="1800" b="1" dirty="0" smtClean="0">
-                <a:solidFill>
-                  <a:schemeClr val="tx1"/>
-                </a:solidFill>
-                <a:latin typeface="Calibri" panose="020F0502020204030204" pitchFamily="34" charset="0"/>
-                <a:cs typeface="Calibri" panose="020F0502020204030204" pitchFamily="34" charset="0"/>
-              </a:rPr>
-              <a:t> 2</a:t>
+              <a:t>Phase  2</a:t>
             </a:r>
             <a:r>
               <a:rPr lang="en-US" sz="1800" b="1" dirty="0">
@@ -15422,13 +15377,6 @@
               </a:rPr>
               <a:t>2.2: </a:t>
             </a:r>
-            <a:endParaRPr lang="en-US" sz="1800" b="1" dirty="0" smtClean="0">
-              <a:solidFill>
-                <a:schemeClr val="tx1"/>
-              </a:solidFill>
-              <a:latin typeface="Calibri" panose="020F0502020204030204" pitchFamily="34" charset="0"/>
-              <a:cs typeface="Calibri" panose="020F0502020204030204" pitchFamily="34" charset="0"/>
-            </a:endParaRPr>
           </a:p>
           <a:p>
             <a:pPr marL="0" indent="0">
@@ -15629,10 +15577,6 @@
               </a:rPr>
               <a:t>.</a:t>
             </a:r>
-            <a:endParaRPr lang="en-US" sz="1800" dirty="0" smtClean="0">
-              <a:latin typeface="Calibri" panose="020F0502020204030204" pitchFamily="34" charset="0"/>
-              <a:cs typeface="Calibri" panose="020F0502020204030204" pitchFamily="34" charset="0"/>
-            </a:endParaRPr>
           </a:p>
           <a:p>
             <a:pPr marL="285750" indent="-285750">
@@ -15644,19 +15588,8 @@
                 <a:latin typeface="Calibri" panose="020F0502020204030204" pitchFamily="34" charset="0"/>
                 <a:cs typeface="Calibri" panose="020F0502020204030204" pitchFamily="34" charset="0"/>
               </a:rPr>
-              <a:t>Publishing the application to </a:t>
-            </a:r>
-            <a:r>
-              <a:rPr lang="en-US" sz="1800" dirty="0" smtClean="0">
-                <a:latin typeface="Calibri" panose="020F0502020204030204" pitchFamily="34" charset="0"/>
-                <a:cs typeface="Calibri" panose="020F0502020204030204" pitchFamily="34" charset="0"/>
-              </a:rPr>
-              <a:t>Play store</a:t>
-            </a:r>
-            <a:endParaRPr lang="en-US" sz="1800" dirty="0" smtClean="0">
-              <a:latin typeface="Calibri" panose="020F0502020204030204" pitchFamily="34" charset="0"/>
-              <a:cs typeface="Calibri" panose="020F0502020204030204" pitchFamily="34" charset="0"/>
-            </a:endParaRPr>
+              <a:t>Publishing the application to Play store</a:t>
+            </a:r>
           </a:p>
           <a:p>
             <a:pPr marL="285750" indent="-285750">

--- a/trunk/EasiCab/Documents/EASiCab_POC_kick off.pptx
+++ b/trunk/EasiCab/Documents/EASiCab_POC_kick off.pptx
@@ -5,10 +5,10 @@
     <p:sldMasterId id="2147483648" r:id="rId1"/>
   </p:sldMasterIdLst>
   <p:notesMasterIdLst>
-    <p:notesMasterId r:id="rId24"/>
+    <p:notesMasterId r:id="rId23"/>
   </p:notesMasterIdLst>
   <p:handoutMasterIdLst>
-    <p:handoutMasterId r:id="rId25"/>
+    <p:handoutMasterId r:id="rId24"/>
   </p:handoutMasterIdLst>
   <p:sldIdLst>
     <p:sldId id="259" r:id="rId2"/>
@@ -31,8 +31,7 @@
     <p:sldId id="285" r:id="rId19"/>
     <p:sldId id="288" r:id="rId20"/>
     <p:sldId id="290" r:id="rId21"/>
-    <p:sldId id="293" r:id="rId22"/>
-    <p:sldId id="268" r:id="rId23"/>
+    <p:sldId id="268" r:id="rId22"/>
   </p:sldIdLst>
   <p:sldSz cx="9144000" cy="6858000" type="screen4x3"/>
   <p:notesSz cx="6858000" cy="9144000"/>
@@ -133,7 +132,7 @@
   </p:defaultTextStyle>
   <p:extLst>
     <p:ext uri="{EFAFB233-063F-42B5-8137-9DF3F51BA10A}">
-      <p15:sldGuideLst xmlns:p15="http://schemas.microsoft.com/office/powerpoint/2012/main" xmlns="">
+      <p15:sldGuideLst xmlns="" xmlns:p15="http://schemas.microsoft.com/office/powerpoint/2012/main">
         <p15:guide id="1" orient="horz" pos="2592" userDrawn="1">
           <p15:clr>
             <a:srgbClr val="A4A3A4"/>
@@ -7946,14 +7945,7 @@
                 <a:latin typeface="Calibri" panose="020F0502020204030204" pitchFamily="34" charset="0"/>
                 <a:cs typeface="Calibri" panose="020F0502020204030204" pitchFamily="34" charset="0"/>
               </a:rPr>
-              <a:t>Android </a:t>
-            </a:r>
-            <a:r>
-              <a:rPr lang="en-IN" sz="1800" dirty="0" smtClean="0">
-                <a:latin typeface="Calibri" panose="020F0502020204030204" pitchFamily="34" charset="0"/>
-                <a:cs typeface="Calibri" panose="020F0502020204030204" pitchFamily="34" charset="0"/>
-              </a:rPr>
-              <a:t> devices </a:t>
+              <a:t>Android  devices </a:t>
             </a:r>
             <a:r>
               <a:rPr lang="en-IN" sz="1800" dirty="0">
@@ -8474,8 +8466,19 @@
                   <a:latin typeface="Calibri" panose="020F0502020204030204" pitchFamily="34" charset="0"/>
                   <a:cs typeface="Calibri" panose="020F0502020204030204" pitchFamily="34" charset="0"/>
                 </a:rPr>
-                <a:t> Create effort estimation of version 1 &amp; 2</a:t>
+                <a:t> Create effort </a:t>
               </a:r>
+              <a:r>
+                <a:rPr lang="en-US" sz="1600" dirty="0" smtClean="0">
+                  <a:latin typeface="Calibri" panose="020F0502020204030204" pitchFamily="34" charset="0"/>
+                  <a:cs typeface="Calibri" panose="020F0502020204030204" pitchFamily="34" charset="0"/>
+                </a:rPr>
+                <a:t>estimation</a:t>
+              </a:r>
+              <a:endParaRPr lang="en-US" sz="1600" dirty="0" smtClean="0">
+                <a:latin typeface="Calibri" panose="020F0502020204030204" pitchFamily="34" charset="0"/>
+                <a:cs typeface="Calibri" panose="020F0502020204030204" pitchFamily="34" charset="0"/>
+              </a:endParaRPr>
             </a:p>
             <a:p>
               <a:pPr marL="114300" lvl="2" indent="-57150" algn="l" defTabSz="444500">
@@ -9744,14 +9747,14 @@
           <p:nvPr>
             <p:extLst>
               <p:ext uri="{D42A27DB-BD31-4B8C-83A1-F6EECF244321}">
-                <p14:modId xmlns:p14="http://schemas.microsoft.com/office/powerpoint/2010/main" val="3344799994"/>
+                <p14:modId xmlns:p14="http://schemas.microsoft.com/office/powerpoint/2010/main" val="3470942276"/>
               </p:ext>
             </p:extLst>
           </p:nvPr>
         </p:nvGraphicFramePr>
         <p:xfrm>
           <a:off x="846160" y="1182804"/>
-          <a:ext cx="7889542" cy="4955532"/>
+          <a:ext cx="7889542" cy="4918448"/>
         </p:xfrm>
         <a:graphic>
           <a:graphicData uri="http://schemas.openxmlformats.org/drawingml/2006/table">
@@ -10176,7 +10179,7 @@
                   <a:tcPr marL="68580" marR="68580" marT="0" marB="0"/>
                 </a:tc>
               </a:tr>
-              <a:tr h="563186">
+              <a:tr h="686022">
                 <a:tc>
                   <a:txBody>
                     <a:bodyPr/>
@@ -10303,7 +10306,7 @@
                   <a:tcPr marL="68580" marR="68580" marT="0" marB="0"/>
                 </a:tc>
               </a:tr>
-              <a:tr h="381000">
+              <a:tr h="713504">
                 <a:tc>
                   <a:txBody>
                     <a:bodyPr/>
@@ -10652,7 +10655,7 @@
         <p:spPr>
           <a:xfrm>
             <a:off x="791569" y="738332"/>
-            <a:ext cx="7929350" cy="4524315"/>
+            <a:ext cx="7929350" cy="4247317"/>
           </a:xfrm>
           <a:prstGeom prst="rect">
             <a:avLst/>
@@ -10701,26 +10704,24 @@
                 <a:latin typeface="Calibri" panose="020F0502020204030204" pitchFamily="34" charset="0"/>
                 <a:cs typeface="Calibri" panose="020F0502020204030204" pitchFamily="34" charset="0"/>
               </a:rPr>
-              <a:t>Eclipse</a:t>
-            </a:r>
+              <a:t>Eclipse, Apache Tomcat Server</a:t>
+            </a:r>
+          </a:p>
+          <a:p>
             <a:r>
               <a:rPr lang="en-US" sz="1800" dirty="0" smtClean="0">
                 <a:latin typeface="Calibri" panose="020F0502020204030204" pitchFamily="34" charset="0"/>
                 <a:cs typeface="Calibri" panose="020F0502020204030204" pitchFamily="34" charset="0"/>
               </a:rPr>
-              <a:t>, Apache Tomcat Server</a:t>
-            </a:r>
-          </a:p>
-          <a:p>
+              <a:t>     &amp; MySQL Database –            			Web Service </a:t>
+            </a:r>
             <a:r>
               <a:rPr lang="en-US" sz="1800" dirty="0" smtClean="0">
                 <a:latin typeface="Calibri" panose="020F0502020204030204" pitchFamily="34" charset="0"/>
                 <a:cs typeface="Calibri" panose="020F0502020204030204" pitchFamily="34" charset="0"/>
               </a:rPr>
-              <a:t>     &amp; MySQL Database –            			Web Service Development</a:t>
-            </a:r>
-          </a:p>
-          <a:p>
+              <a:t>Development</a:t>
+            </a:r>
             <a:endParaRPr lang="en-US" sz="1800" dirty="0" smtClean="0">
               <a:latin typeface="Calibri" panose="020F0502020204030204" pitchFamily="34" charset="0"/>
               <a:cs typeface="Calibri" panose="020F0502020204030204" pitchFamily="34" charset="0"/>
@@ -10816,10 +10817,6 @@
               </a:rPr>
               <a:t>Hardware</a:t>
             </a:r>
-            <a:endParaRPr lang="en-US" sz="1800" b="1" dirty="0" smtClean="0">
-              <a:latin typeface="Calibri" panose="020F0502020204030204" pitchFamily="34" charset="0"/>
-              <a:cs typeface="Calibri" panose="020F0502020204030204" pitchFamily="34" charset="0"/>
-            </a:endParaRPr>
           </a:p>
           <a:p>
             <a:pPr marL="285750" indent="-285750">
@@ -10853,14 +10850,7 @@
                 <a:latin typeface="Calibri" panose="020F0502020204030204" pitchFamily="34" charset="0"/>
                 <a:cs typeface="Calibri" panose="020F0502020204030204" pitchFamily="34" charset="0"/>
               </a:rPr>
-              <a:t>Android </a:t>
-            </a:r>
-            <a:r>
-              <a:rPr lang="en-US" sz="1800" dirty="0" smtClean="0">
-                <a:latin typeface="Calibri" panose="020F0502020204030204" pitchFamily="34" charset="0"/>
-                <a:cs typeface="Calibri" panose="020F0502020204030204" pitchFamily="34" charset="0"/>
-              </a:rPr>
-              <a:t>Developer   –                                      Subhalaxmi, Nitesh</a:t>
+              <a:t>Android Developer   –                                      Subhalaxmi, Nitesh</a:t>
             </a:r>
           </a:p>
           <a:p>
@@ -10873,33 +10863,22 @@
                 <a:latin typeface="Calibri" panose="020F0502020204030204" pitchFamily="34" charset="0"/>
                 <a:cs typeface="Calibri" panose="020F0502020204030204" pitchFamily="34" charset="0"/>
               </a:rPr>
-              <a:t>Web service</a:t>
+              <a:t>Web service </a:t>
+            </a:r>
+            <a:r>
+              <a:rPr lang="en-US" sz="1800" dirty="0">
+                <a:latin typeface="Calibri" panose="020F0502020204030204" pitchFamily="34" charset="0"/>
+                <a:cs typeface="Calibri" panose="020F0502020204030204" pitchFamily="34" charset="0"/>
+              </a:rPr>
+              <a:t>Developer </a:t>
             </a:r>
             <a:r>
               <a:rPr lang="en-US" sz="1800" dirty="0" smtClean="0">
                 <a:latin typeface="Calibri" panose="020F0502020204030204" pitchFamily="34" charset="0"/>
                 <a:cs typeface="Calibri" panose="020F0502020204030204" pitchFamily="34" charset="0"/>
               </a:rPr>
-              <a:t> </a:t>
-            </a:r>
-            <a:r>
-              <a:rPr lang="en-US" sz="1800" dirty="0">
-                <a:latin typeface="Calibri" panose="020F0502020204030204" pitchFamily="34" charset="0"/>
-                <a:cs typeface="Calibri" panose="020F0502020204030204" pitchFamily="34" charset="0"/>
-              </a:rPr>
-              <a:t>Developer </a:t>
-            </a:r>
-            <a:r>
-              <a:rPr lang="en-US" sz="1800" dirty="0" smtClean="0">
-                <a:latin typeface="Calibri" panose="020F0502020204030204" pitchFamily="34" charset="0"/>
-                <a:cs typeface="Calibri" panose="020F0502020204030204" pitchFamily="34" charset="0"/>
-              </a:rPr>
               <a:t>--                                Rohit</a:t>
             </a:r>
-            <a:endParaRPr lang="en-US" sz="1800" dirty="0" smtClean="0">
-              <a:latin typeface="Calibri" panose="020F0502020204030204" pitchFamily="34" charset="0"/>
-              <a:cs typeface="Calibri" panose="020F0502020204030204" pitchFamily="34" charset="0"/>
-            </a:endParaRPr>
           </a:p>
         </p:txBody>
       </p:sp>
@@ -11678,7 +11657,7 @@
           <p:nvPr>
             <p:extLst>
               <p:ext uri="{D42A27DB-BD31-4B8C-83A1-F6EECF244321}">
-                <p14:modId xmlns:p14="http://schemas.microsoft.com/office/powerpoint/2010/main" val="2829656541"/>
+                <p14:modId xmlns:p14="http://schemas.microsoft.com/office/powerpoint/2010/main" val="1755075533"/>
               </p:ext>
             </p:extLst>
           </p:nvPr>
@@ -12478,16 +12457,7 @@
                           <a:ea typeface="Calibri"/>
                           <a:cs typeface="Calibri" panose="020F0502020204030204" pitchFamily="34" charset="0"/>
                         </a:rPr>
-                        <a:t>be </a:t>
-                      </a:r>
-                      <a:r>
-                        <a:rPr lang="en-IN" sz="1800" baseline="0" smtClean="0">
-                          <a:effectLst/>
-                          <a:latin typeface="Calibri" panose="020F0502020204030204" pitchFamily="34" charset="0"/>
-                          <a:ea typeface="Calibri"/>
-                          <a:cs typeface="Calibri" panose="020F0502020204030204" pitchFamily="34" charset="0"/>
-                        </a:rPr>
-                        <a:t>used</a:t>
+                        <a:t>be used</a:t>
                       </a:r>
                       <a:endParaRPr lang="en-IN" sz="1800" dirty="0" smtClean="0">
                         <a:effectLst/>
@@ -12567,16 +12537,7 @@
                           <a:ea typeface="Calibri"/>
                           <a:cs typeface="Calibri" panose="020F0502020204030204" pitchFamily="34" charset="0"/>
                         </a:rPr>
-                        <a:t> </a:t>
-                      </a:r>
-                      <a:r>
-                        <a:rPr lang="en-IN" sz="1800" baseline="0" dirty="0" smtClean="0">
-                          <a:effectLst/>
-                          <a:latin typeface="Calibri" panose="020F0502020204030204" pitchFamily="34" charset="0"/>
-                          <a:ea typeface="Calibri"/>
-                          <a:cs typeface="Calibri" panose="020F0502020204030204" pitchFamily="34" charset="0"/>
-                        </a:rPr>
-                        <a:t>account</a:t>
+                        <a:t> account</a:t>
                       </a:r>
                       <a:endParaRPr lang="en-IN" sz="1800" dirty="0">
                         <a:effectLst/>
@@ -12785,7 +12746,34 @@
                           <a:ea typeface="Calibri"/>
                           <a:cs typeface="Calibri" panose="020F0502020204030204" pitchFamily="34" charset="0"/>
                         </a:rPr>
-                        <a:t>NA</a:t>
+                        <a:t>Will send</a:t>
+                      </a:r>
+                      <a:r>
+                        <a:rPr lang="en-US" sz="1800" baseline="0" dirty="0" smtClean="0">
+                          <a:effectLst/>
+                          <a:latin typeface="Calibri" panose="020F0502020204030204" pitchFamily="34" charset="0"/>
+                          <a:ea typeface="Calibri"/>
+                          <a:cs typeface="Calibri" panose="020F0502020204030204" pitchFamily="34" charset="0"/>
+                        </a:rPr>
+                        <a:t> updated .</a:t>
+                      </a:r>
+                      <a:r>
+                        <a:rPr lang="en-US" sz="1800" baseline="0" dirty="0" err="1" smtClean="0">
+                          <a:effectLst/>
+                          <a:latin typeface="Calibri" panose="020F0502020204030204" pitchFamily="34" charset="0"/>
+                          <a:ea typeface="Calibri"/>
+                          <a:cs typeface="Calibri" panose="020F0502020204030204" pitchFamily="34" charset="0"/>
+                        </a:rPr>
+                        <a:t>apk</a:t>
+                      </a:r>
+                      <a:r>
+                        <a:rPr lang="en-US" sz="1800" baseline="0" dirty="0" smtClean="0">
+                          <a:effectLst/>
+                          <a:latin typeface="Calibri" panose="020F0502020204030204" pitchFamily="34" charset="0"/>
+                          <a:ea typeface="Calibri"/>
+                          <a:cs typeface="Calibri" panose="020F0502020204030204" pitchFamily="34" charset="0"/>
+                        </a:rPr>
+                        <a:t>  in mail for internal use</a:t>
                       </a:r>
                       <a:endParaRPr lang="en-IN" sz="1800" dirty="0">
                         <a:effectLst/>
@@ -13072,14 +13060,7 @@
                 <a:latin typeface="Calibri" panose="020F0502020204030204" pitchFamily="34" charset="0"/>
                 <a:cs typeface="Calibri" panose="020F0502020204030204" pitchFamily="34" charset="0"/>
               </a:rPr>
-              <a:t>User </a:t>
-            </a:r>
-            <a:r>
-              <a:rPr lang="en-IN" sz="1800" dirty="0" smtClean="0">
-                <a:latin typeface="Calibri" panose="020F0502020204030204" pitchFamily="34" charset="0"/>
-                <a:cs typeface="Calibri" panose="020F0502020204030204" pitchFamily="34" charset="0"/>
-              </a:rPr>
-              <a:t>manual</a:t>
+              <a:t>User manual</a:t>
             </a:r>
           </a:p>
           <a:p>
@@ -13271,7 +13252,7 @@
         <p:spPr>
           <a:xfrm>
             <a:off x="868679" y="805219"/>
-            <a:ext cx="6146269" cy="6946709"/>
+            <a:ext cx="6951488" cy="5936775"/>
           </a:xfrm>
         </p:spPr>
         <p:txBody>
@@ -13630,14 +13611,15 @@
                 <a:latin typeface="Calibri" panose="020F0502020204030204" pitchFamily="34" charset="0"/>
                 <a:cs typeface="Calibri" panose="020F0502020204030204" pitchFamily="34" charset="0"/>
               </a:rPr>
-              <a:t>How to use &amp; How it will work</a:t>
-            </a:r>
-            <a:endParaRPr lang="en-US" sz="1500" dirty="0">
-              <a:latin typeface="Calibri" panose="020F0502020204030204" pitchFamily="34" charset="0"/>
-              <a:cs typeface="Calibri" panose="020F0502020204030204" pitchFamily="34" charset="0"/>
-            </a:endParaRPr>
-          </a:p>
-          <a:p>
+              <a:t>How to </a:t>
+            </a:r>
+            <a:r>
+              <a:rPr lang="en-US" sz="1500" dirty="0" smtClean="0">
+                <a:latin typeface="Calibri" panose="020F0502020204030204" pitchFamily="34" charset="0"/>
+                <a:cs typeface="Calibri" panose="020F0502020204030204" pitchFamily="34" charset="0"/>
+              </a:rPr>
+              <a:t>use</a:t>
+            </a:r>
             <a:endParaRPr lang="en-IN" sz="1800" dirty="0">
               <a:latin typeface="+mn-lt"/>
             </a:endParaRPr>
@@ -13789,112 +13771,6 @@
       </p:grpSpPr>
       <p:sp>
         <p:nvSpPr>
-          <p:cNvPr id="2" name="Slide Number Placeholder 1"/>
-          <p:cNvSpPr>
-            <a:spLocks noGrp="1"/>
-          </p:cNvSpPr>
-          <p:nvPr>
-            <p:ph type="sldNum" sz="quarter" idx="12"/>
-          </p:nvPr>
-        </p:nvSpPr>
-        <p:spPr/>
-        <p:txBody>
-          <a:bodyPr/>
-          <a:lstStyle/>
-          <a:p>
-            <a:fld id="{75D64ABA-DC95-A94B-BCA3-09692F8C9985}" type="slidenum">
-              <a:rPr lang="en-US" smtClean="0"/>
-              <a:t>21</a:t>
-            </a:fld>
-            <a:endParaRPr lang="en-US"/>
-          </a:p>
-        </p:txBody>
-      </p:sp>
-      <p:sp>
-        <p:nvSpPr>
-          <p:cNvPr id="4" name="Title 3"/>
-          <p:cNvSpPr>
-            <a:spLocks noGrp="1"/>
-          </p:cNvSpPr>
-          <p:nvPr>
-            <p:ph type="title"/>
-          </p:nvPr>
-        </p:nvSpPr>
-        <p:spPr/>
-        <p:txBody>
-          <a:bodyPr/>
-          <a:lstStyle/>
-          <a:p>
-            <a:r>
-              <a:rPr lang="en-US" dirty="0" smtClean="0"/>
-              <a:t>How it will work..</a:t>
-            </a:r>
-            <a:endParaRPr lang="en-IN" dirty="0"/>
-          </a:p>
-        </p:txBody>
-      </p:sp>
-      <p:pic>
-        <p:nvPicPr>
-          <p:cNvPr id="8" name="Picture 7"/>
-          <p:cNvPicPr>
-            <a:picLocks noChangeAspect="1"/>
-          </p:cNvPicPr>
-          <p:nvPr/>
-        </p:nvPicPr>
-        <p:blipFill>
-          <a:blip r:embed="rId2">
-            <a:extLst>
-              <a:ext uri="{28A0092B-C50C-407E-A947-70E740481C1C}">
-                <a14:useLocalDpi xmlns:a14="http://schemas.microsoft.com/office/drawing/2010/main" val="0"/>
-              </a:ext>
-            </a:extLst>
-          </a:blip>
-          <a:stretch>
-            <a:fillRect/>
-          </a:stretch>
-        </p:blipFill>
-        <p:spPr>
-          <a:xfrm>
-            <a:off x="859809" y="1214651"/>
-            <a:ext cx="7806519" cy="4817659"/>
-          </a:xfrm>
-          <a:prstGeom prst="rect">
-            <a:avLst/>
-          </a:prstGeom>
-        </p:spPr>
-      </p:pic>
-    </p:spTree>
-    <p:extLst>
-      <p:ext uri="{BB962C8B-B14F-4D97-AF65-F5344CB8AC3E}">
-        <p14:creationId xmlns:p14="http://schemas.microsoft.com/office/powerpoint/2010/main" val="3534956384"/>
-      </p:ext>
-    </p:extLst>
-  </p:cSld>
-  <p:clrMapOvr>
-    <a:masterClrMapping/>
-  </p:clrMapOvr>
-</p:sld>
-</file>
-
-<file path=ppt/slides/slide22.xml><?xml version="1.0" encoding="utf-8"?>
-<p:sld xmlns:a="http://schemas.openxmlformats.org/drawingml/2006/main" xmlns:r="http://schemas.openxmlformats.org/officeDocument/2006/relationships" xmlns:p="http://schemas.openxmlformats.org/presentationml/2006/main">
-  <p:cSld>
-    <p:spTree>
-      <p:nvGrpSpPr>
-        <p:cNvPr id="1" name=""/>
-        <p:cNvGrpSpPr/>
-        <p:nvPr/>
-      </p:nvGrpSpPr>
-      <p:grpSpPr>
-        <a:xfrm>
-          <a:off x="0" y="0"/>
-          <a:ext cx="0" cy="0"/>
-          <a:chOff x="0" y="0"/>
-          <a:chExt cx="0" cy="0"/>
-        </a:xfrm>
-      </p:grpSpPr>
-      <p:sp>
-        <p:nvSpPr>
           <p:cNvPr id="6" name="Title 5"/>
           <p:cNvSpPr>
             <a:spLocks noGrp="1"/>
@@ -13941,7 +13817,7 @@
             <a:fld id="{75D64ABA-DC95-A94B-BCA3-09692F8C9985}" type="slidenum">
               <a:rPr lang="en-US" smtClean="0"/>
               <a:pPr/>
-              <a:t>22</a:t>
+              <a:t>21</a:t>
             </a:fld>
             <a:endParaRPr lang="en-US" dirty="0"/>
           </a:p>
@@ -14156,14 +14032,7 @@
                 <a:latin typeface="Calibri" panose="020F0502020204030204" pitchFamily="34" charset="0"/>
                 <a:cs typeface="Calibri" panose="020F0502020204030204" pitchFamily="34" charset="0"/>
               </a:rPr>
-              <a:t>        </a:t>
-            </a:r>
-            <a:r>
-              <a:rPr lang="en-US" sz="1800" dirty="0" smtClean="0">
-                <a:latin typeface="Calibri" panose="020F0502020204030204" pitchFamily="34" charset="0"/>
-                <a:cs typeface="Calibri" panose="020F0502020204030204" pitchFamily="34" charset="0"/>
-              </a:rPr>
-              <a:t> EASi </a:t>
+              <a:t>         EASi </a:t>
             </a:r>
             <a:r>
               <a:rPr lang="en-US" sz="1800" dirty="0">
@@ -14204,19 +14073,8 @@
                 <a:latin typeface="Calibri" panose="020F0502020204030204" pitchFamily="34" charset="0"/>
                 <a:cs typeface="Calibri" panose="020F0502020204030204" pitchFamily="34" charset="0"/>
               </a:rPr>
-              <a:t>	</a:t>
-            </a:r>
-            <a:r>
-              <a:rPr lang="en-US" sz="1800" dirty="0" smtClean="0">
-                <a:latin typeface="Calibri" panose="020F0502020204030204" pitchFamily="34" charset="0"/>
-                <a:cs typeface="Calibri" panose="020F0502020204030204" pitchFamily="34" charset="0"/>
-              </a:rPr>
-              <a:t> Bangalore, India</a:t>
-            </a:r>
-            <a:endParaRPr lang="en-US" sz="1800" dirty="0" smtClean="0">
-              <a:latin typeface="Calibri" panose="020F0502020204030204" pitchFamily="34" charset="0"/>
-              <a:cs typeface="Calibri" panose="020F0502020204030204" pitchFamily="34" charset="0"/>
-            </a:endParaRPr>
+              <a:t>	 Bangalore, India</a:t>
+            </a:r>
           </a:p>
           <a:p>
             <a:pPr marL="342900" indent="-342900" eaLnBrk="0" hangingPunct="0">
@@ -16105,7 +15963,35 @@
                 <a:latin typeface="Calibri" panose="020F0502020204030204" pitchFamily="34" charset="0"/>
                 <a:cs typeface="Calibri" panose="020F0502020204030204" pitchFamily="34" charset="0"/>
               </a:rPr>
-              <a:t>Export reports in excel format</a:t>
+              <a:t>Export </a:t>
+            </a:r>
+            <a:r>
+              <a:rPr lang="en-US" sz="1800" dirty="0" smtClean="0">
+                <a:latin typeface="Calibri" panose="020F0502020204030204" pitchFamily="34" charset="0"/>
+                <a:cs typeface="Calibri" panose="020F0502020204030204" pitchFamily="34" charset="0"/>
+              </a:rPr>
+              <a:t> </a:t>
+            </a:r>
+            <a:r>
+              <a:rPr lang="en-US" sz="1800" dirty="0" smtClean="0">
+                <a:latin typeface="Calibri" panose="020F0502020204030204" pitchFamily="34" charset="0"/>
+                <a:cs typeface="Calibri" panose="020F0502020204030204" pitchFamily="34" charset="0"/>
+              </a:rPr>
+              <a:t>log </a:t>
+            </a:r>
+            <a:r>
+              <a:rPr lang="en-US" sz="1800" dirty="0" smtClean="0">
+                <a:latin typeface="Calibri" panose="020F0502020204030204" pitchFamily="34" charset="0"/>
+                <a:cs typeface="Calibri" panose="020F0502020204030204" pitchFamily="34" charset="0"/>
+              </a:rPr>
+              <a:t>reports </a:t>
+            </a:r>
+            <a:r>
+              <a:rPr lang="en-US" sz="1800" dirty="0">
+                <a:latin typeface="Calibri" panose="020F0502020204030204" pitchFamily="34" charset="0"/>
+                <a:cs typeface="Calibri" panose="020F0502020204030204" pitchFamily="34" charset="0"/>
+              </a:rPr>
+              <a:t>in excel format</a:t>
             </a:r>
           </a:p>
           <a:p>

--- a/trunk/EasiCab/Documents/EASiCab_POC_kick off.pptx
+++ b/trunk/EasiCab/Documents/EASiCab_POC_kick off.pptx
@@ -8466,19 +8466,8 @@
                   <a:latin typeface="Calibri" panose="020F0502020204030204" pitchFamily="34" charset="0"/>
                   <a:cs typeface="Calibri" panose="020F0502020204030204" pitchFamily="34" charset="0"/>
                 </a:rPr>
-                <a:t> Create effort </a:t>
+                <a:t> Create effort estimation</a:t>
               </a:r>
-              <a:r>
-                <a:rPr lang="en-US" sz="1600" dirty="0" smtClean="0">
-                  <a:latin typeface="Calibri" panose="020F0502020204030204" pitchFamily="34" charset="0"/>
-                  <a:cs typeface="Calibri" panose="020F0502020204030204" pitchFamily="34" charset="0"/>
-                </a:rPr>
-                <a:t>estimation</a:t>
-              </a:r>
-              <a:endParaRPr lang="en-US" sz="1600" dirty="0" smtClean="0">
-                <a:latin typeface="Calibri" panose="020F0502020204030204" pitchFamily="34" charset="0"/>
-                <a:cs typeface="Calibri" panose="020F0502020204030204" pitchFamily="34" charset="0"/>
-              </a:endParaRPr>
             </a:p>
             <a:p>
               <a:pPr marL="114300" lvl="2" indent="-57150" algn="l" defTabSz="444500">
@@ -9754,7 +9743,7 @@
         </p:nvGraphicFramePr>
         <p:xfrm>
           <a:off x="846160" y="1182804"/>
-          <a:ext cx="7889542" cy="4918448"/>
+          <a:ext cx="7889542" cy="4955532"/>
         </p:xfrm>
         <a:graphic>
           <a:graphicData uri="http://schemas.openxmlformats.org/drawingml/2006/table">
@@ -10713,19 +10702,8 @@
                 <a:latin typeface="Calibri" panose="020F0502020204030204" pitchFamily="34" charset="0"/>
                 <a:cs typeface="Calibri" panose="020F0502020204030204" pitchFamily="34" charset="0"/>
               </a:rPr>
-              <a:t>     &amp; MySQL Database –            			Web Service </a:t>
-            </a:r>
-            <a:r>
-              <a:rPr lang="en-US" sz="1800" dirty="0" smtClean="0">
-                <a:latin typeface="Calibri" panose="020F0502020204030204" pitchFamily="34" charset="0"/>
-                <a:cs typeface="Calibri" panose="020F0502020204030204" pitchFamily="34" charset="0"/>
-              </a:rPr>
-              <a:t>Development</a:t>
-            </a:r>
-            <a:endParaRPr lang="en-US" sz="1800" dirty="0" smtClean="0">
-              <a:latin typeface="Calibri" panose="020F0502020204030204" pitchFamily="34" charset="0"/>
-              <a:cs typeface="Calibri" panose="020F0502020204030204" pitchFamily="34" charset="0"/>
-            </a:endParaRPr>
+              <a:t>     &amp; MySQL Database –            			Web Service Development</a:t>
+            </a:r>
           </a:p>
           <a:p>
             <a:pPr marL="285750" indent="-285750">
@@ -11487,7 +11465,7 @@
                 <a:latin typeface="Calibri" panose="020F0502020204030204" pitchFamily="34" charset="0"/>
                 <a:cs typeface="Calibri" panose="020F0502020204030204" pitchFamily="34" charset="0"/>
               </a:rPr>
-              <a:t>We will work on the local database(android preferences) inside mobile till web service is ready</a:t>
+              <a:t>The application will work on the local database(android preferences) inside mobile till web service is ready</a:t>
             </a:r>
           </a:p>
           <a:p>
@@ -11657,7 +11635,7 @@
           <p:nvPr>
             <p:extLst>
               <p:ext uri="{D42A27DB-BD31-4B8C-83A1-F6EECF244321}">
-                <p14:modId xmlns:p14="http://schemas.microsoft.com/office/powerpoint/2010/main" val="1755075533"/>
+                <p14:modId xmlns:p14="http://schemas.microsoft.com/office/powerpoint/2010/main" val="740164492"/>
               </p:ext>
             </p:extLst>
           </p:nvPr>
@@ -12421,7 +12399,7 @@
                           <a:ea typeface="Calibri"/>
                           <a:cs typeface="Calibri" panose="020F0502020204030204" pitchFamily="34" charset="0"/>
                         </a:rPr>
-                        <a:t>. Internal Training/KT</a:t>
+                        <a:t> Internal Training/KT</a:t>
                       </a:r>
                       <a:r>
                         <a:rPr lang="en-IN" sz="1800" baseline="0" dirty="0" smtClean="0">
@@ -12448,16 +12426,7 @@
                           <a:ea typeface="Calibri"/>
                           <a:cs typeface="Calibri" panose="020F0502020204030204" pitchFamily="34" charset="0"/>
                         </a:rPr>
-                        <a:t> so that buffer resource can </a:t>
-                      </a:r>
-                      <a:r>
-                        <a:rPr lang="en-IN" sz="1800" baseline="0" smtClean="0">
-                          <a:effectLst/>
-                          <a:latin typeface="Calibri" panose="020F0502020204030204" pitchFamily="34" charset="0"/>
-                          <a:ea typeface="Calibri"/>
-                          <a:cs typeface="Calibri" panose="020F0502020204030204" pitchFamily="34" charset="0"/>
-                        </a:rPr>
-                        <a:t>be used</a:t>
+                        <a:t> so that buffer resource can be used</a:t>
                       </a:r>
                       <a:endParaRPr lang="en-IN" sz="1800" dirty="0" smtClean="0">
                         <a:effectLst/>
@@ -13611,14 +13580,7 @@
                 <a:latin typeface="Calibri" panose="020F0502020204030204" pitchFamily="34" charset="0"/>
                 <a:cs typeface="Calibri" panose="020F0502020204030204" pitchFamily="34" charset="0"/>
               </a:rPr>
-              <a:t>How to </a:t>
-            </a:r>
-            <a:r>
-              <a:rPr lang="en-US" sz="1500" dirty="0" smtClean="0">
-                <a:latin typeface="Calibri" panose="020F0502020204030204" pitchFamily="34" charset="0"/>
-                <a:cs typeface="Calibri" panose="020F0502020204030204" pitchFamily="34" charset="0"/>
-              </a:rPr>
-              <a:t>use</a:t>
+              <a:t>How to use</a:t>
             </a:r>
             <a:endParaRPr lang="en-IN" sz="1800" dirty="0">
               <a:latin typeface="+mn-lt"/>
@@ -14264,7 +14226,7 @@
         <p:spPr>
           <a:xfrm>
             <a:off x="832513" y="1182231"/>
-            <a:ext cx="7779224" cy="2262158"/>
+            <a:ext cx="7779224" cy="2339102"/>
           </a:xfrm>
           <a:prstGeom prst="rect">
             <a:avLst/>
@@ -14287,73 +14249,18 @@
             </a:endParaRPr>
           </a:p>
           <a:p>
+            <a:pPr>
+              <a:spcAft>
+                <a:spcPts val="600"/>
+              </a:spcAft>
+            </a:pPr>
             <a:r>
               <a:rPr lang="en-US" sz="1800" dirty="0">
-                <a:solidFill>
-                  <a:srgbClr val="4D4F53"/>
-                </a:solidFill>
                 <a:latin typeface="Calibri" panose="020F0502020204030204" pitchFamily="34" charset="0"/>
                 <a:cs typeface="Calibri" panose="020F0502020204030204" pitchFamily="34" charset="0"/>
               </a:rPr>
-              <a:t>Simple and </a:t>
-            </a:r>
-            <a:r>
-              <a:rPr lang="en-US" sz="1800" dirty="0" smtClean="0">
-                <a:solidFill>
-                  <a:srgbClr val="4D4F53"/>
-                </a:solidFill>
-                <a:latin typeface="Calibri" panose="020F0502020204030204" pitchFamily="34" charset="0"/>
-                <a:cs typeface="Calibri" panose="020F0502020204030204" pitchFamily="34" charset="0"/>
-              </a:rPr>
-              <a:t>user friendly smart </a:t>
-            </a:r>
-            <a:r>
-              <a:rPr lang="en-US" sz="1800" dirty="0">
-                <a:solidFill>
-                  <a:srgbClr val="4D4F53"/>
-                </a:solidFill>
-                <a:latin typeface="Calibri" panose="020F0502020204030204" pitchFamily="34" charset="0"/>
-                <a:cs typeface="Calibri" panose="020F0502020204030204" pitchFamily="34" charset="0"/>
-              </a:rPr>
-              <a:t>phone application to </a:t>
-            </a:r>
-            <a:r>
-              <a:rPr lang="en-US" sz="1800" dirty="0" smtClean="0">
-                <a:solidFill>
-                  <a:srgbClr val="4D4F53"/>
-                </a:solidFill>
-                <a:latin typeface="Calibri" panose="020F0502020204030204" pitchFamily="34" charset="0"/>
-                <a:cs typeface="Calibri" panose="020F0502020204030204" pitchFamily="34" charset="0"/>
-              </a:rPr>
-              <a:t>monitor and manage the </a:t>
-            </a:r>
-            <a:r>
-              <a:rPr lang="en-US" sz="1800" dirty="0">
-                <a:solidFill>
-                  <a:srgbClr val="4D4F53"/>
-                </a:solidFill>
-                <a:latin typeface="Calibri" panose="020F0502020204030204" pitchFamily="34" charset="0"/>
-                <a:cs typeface="Calibri" panose="020F0502020204030204" pitchFamily="34" charset="0"/>
-              </a:rPr>
-              <a:t>EASi cab </a:t>
-            </a:r>
-            <a:r>
-              <a:rPr lang="en-US" sz="1800" dirty="0" smtClean="0">
-                <a:solidFill>
-                  <a:srgbClr val="4D4F53"/>
-                </a:solidFill>
-                <a:latin typeface="Calibri" panose="020F0502020204030204" pitchFamily="34" charset="0"/>
-                <a:cs typeface="Calibri" panose="020F0502020204030204" pitchFamily="34" charset="0"/>
-              </a:rPr>
-              <a:t>facilities.</a:t>
-            </a:r>
-            <a:endParaRPr lang="en-US" sz="1800" dirty="0">
-              <a:solidFill>
-                <a:srgbClr val="4D4F53"/>
-              </a:solidFill>
-              <a:latin typeface="Calibri" panose="020F0502020204030204" pitchFamily="34" charset="0"/>
-              <a:cs typeface="Calibri" panose="020F0502020204030204" pitchFamily="34" charset="0"/>
-            </a:endParaRPr>
+              <a:t>Simple and user friendly smart phone application to monitor and manage the EASi cab facilities.</a:t>
+            </a:r>
           </a:p>
           <a:p>
             <a:endParaRPr lang="en-US" sz="1800" dirty="0">
@@ -14637,7 +14544,7 @@
         <p:spPr>
           <a:xfrm>
             <a:off x="952170" y="982639"/>
-            <a:ext cx="7686862" cy="973786"/>
+            <a:ext cx="7836988" cy="973786"/>
           </a:xfrm>
         </p:spPr>
         <p:txBody>
@@ -15970,21 +15877,7 @@
                 <a:latin typeface="Calibri" panose="020F0502020204030204" pitchFamily="34" charset="0"/>
                 <a:cs typeface="Calibri" panose="020F0502020204030204" pitchFamily="34" charset="0"/>
               </a:rPr>
-              <a:t> </a:t>
-            </a:r>
-            <a:r>
-              <a:rPr lang="en-US" sz="1800" dirty="0" smtClean="0">
-                <a:latin typeface="Calibri" panose="020F0502020204030204" pitchFamily="34" charset="0"/>
-                <a:cs typeface="Calibri" panose="020F0502020204030204" pitchFamily="34" charset="0"/>
-              </a:rPr>
-              <a:t>log </a:t>
-            </a:r>
-            <a:r>
-              <a:rPr lang="en-US" sz="1800" dirty="0" smtClean="0">
-                <a:latin typeface="Calibri" panose="020F0502020204030204" pitchFamily="34" charset="0"/>
-                <a:cs typeface="Calibri" panose="020F0502020204030204" pitchFamily="34" charset="0"/>
-              </a:rPr>
-              <a:t>reports </a:t>
+              <a:t> log reports </a:t>
             </a:r>
             <a:r>
               <a:rPr lang="en-US" sz="1800" dirty="0">

--- a/trunk/EasiCab/Documents/EASiCab_POC_kick off.pptx
+++ b/trunk/EasiCab/Documents/EASiCab_POC_kick off.pptx
@@ -132,7 +132,7 @@
   </p:defaultTextStyle>
   <p:extLst>
     <p:ext uri="{EFAFB233-063F-42B5-8137-9DF3F51BA10A}">
-      <p15:sldGuideLst xmlns="" xmlns:p15="http://schemas.microsoft.com/office/powerpoint/2012/main">
+      <p15:sldGuideLst xmlns:p15="http://schemas.microsoft.com/office/powerpoint/2012/main" xmlns="">
         <p15:guide id="1" orient="horz" pos="2592" userDrawn="1">
           <p15:clr>
             <a:srgbClr val="A4A3A4"/>
@@ -241,7 +241,7 @@
           <a:p>
             <a:fld id="{10547AE1-0D1D-3A4D-8566-358FA96FF472}" type="datetimeFigureOut">
               <a:rPr lang="en-US" smtClean="0"/>
-              <a:t>8/18/2016</a:t>
+              <a:t>8/26/2016</a:t>
             </a:fld>
             <a:endParaRPr lang="en-US"/>
           </a:p>
@@ -407,7 +407,7 @@
           <a:p>
             <a:fld id="{555608FB-558C-E448-AAE5-74BFB92C58FE}" type="datetimeFigureOut">
               <a:rPr lang="en-US" smtClean="0"/>
-              <a:t>8/18/2016</a:t>
+              <a:t>8/26/2016</a:t>
             </a:fld>
             <a:endParaRPr lang="en-US"/>
           </a:p>
@@ -13994,21 +13994,21 @@
                 <a:latin typeface="Calibri" panose="020F0502020204030204" pitchFamily="34" charset="0"/>
                 <a:cs typeface="Calibri" panose="020F0502020204030204" pitchFamily="34" charset="0"/>
               </a:rPr>
-              <a:t>         EASi </a:t>
-            </a:r>
-            <a:r>
-              <a:rPr lang="en-US" sz="1800" dirty="0">
-                <a:latin typeface="Calibri" panose="020F0502020204030204" pitchFamily="34" charset="0"/>
-                <a:cs typeface="Calibri" panose="020F0502020204030204" pitchFamily="34" charset="0"/>
-              </a:rPr>
-              <a:t>E</a:t>
+              <a:t>         </a:t>
             </a:r>
             <a:r>
               <a:rPr lang="en-US" sz="1800" dirty="0" smtClean="0">
                 <a:latin typeface="Calibri" panose="020F0502020204030204" pitchFamily="34" charset="0"/>
                 <a:cs typeface="Calibri" panose="020F0502020204030204" pitchFamily="34" charset="0"/>
               </a:rPr>
-              <a:t>ngineering Travel Desk</a:t>
+              <a:t>Allegis Engineering </a:t>
+            </a:r>
+            <a:r>
+              <a:rPr lang="en-US" sz="1800" dirty="0" smtClean="0">
+                <a:latin typeface="Calibri" panose="020F0502020204030204" pitchFamily="34" charset="0"/>
+                <a:cs typeface="Calibri" panose="020F0502020204030204" pitchFamily="34" charset="0"/>
+              </a:rPr>
+              <a:t>Travel Desk</a:t>
             </a:r>
             <a:endParaRPr lang="en-US" sz="1800" dirty="0">
               <a:latin typeface="Calibri" panose="020F0502020204030204" pitchFamily="34" charset="0"/>
@@ -14073,7 +14073,14 @@
                 <a:latin typeface="Calibri" panose="020F0502020204030204" pitchFamily="34" charset="0"/>
                 <a:cs typeface="Calibri" panose="020F0502020204030204" pitchFamily="34" charset="0"/>
               </a:rPr>
-              <a:t>EASi Engineering Travel </a:t>
+              <a:t>Allegis Engineering </a:t>
+            </a:r>
+            <a:r>
+              <a:rPr lang="en-US" sz="1800" dirty="0">
+                <a:latin typeface="Calibri" panose="020F0502020204030204" pitchFamily="34" charset="0"/>
+                <a:cs typeface="Calibri" panose="020F0502020204030204" pitchFamily="34" charset="0"/>
+              </a:rPr>
+              <a:t>Travel </a:t>
             </a:r>
             <a:r>
               <a:rPr lang="en-US" sz="1800" dirty="0" smtClean="0">
